--- a/DOC/공통문서/비주얼스튜디오 단축키.pptx
+++ b/DOC/공통문서/비주얼스튜디오 단축키.pptx
@@ -4484,8 +4484,111 @@
               <a:t>시프트 </a:t>
             </a:r>
             <a:r>
-              <a:rPr lang="en-US" altLang="ko-KR"/>
+              <a:rPr lang="en-US" altLang="ko-KR" dirty="0"/>
               <a:t>+ G</a:t>
+            </a:r>
+            <a:endParaRPr lang="ko-KR" altLang="en-US" dirty="0"/>
+          </a:p>
+        </p:txBody>
+      </p:sp>
+      <p:sp>
+        <p:nvSpPr>
+          <p:cNvPr id="4" name="직사각형 3">
+            <a:extLst>
+              <a:ext uri="{FF2B5EF4-FFF2-40B4-BE49-F238E27FC236}">
+                <a16:creationId xmlns:a16="http://schemas.microsoft.com/office/drawing/2014/main" id="{3721E046-6A63-4B9B-4A4D-C33FF03906C4}"/>
+              </a:ext>
+            </a:extLst>
+          </p:cNvPr>
+          <p:cNvSpPr/>
+          <p:nvPr/>
+        </p:nvSpPr>
+        <p:spPr>
+          <a:xfrm>
+            <a:off x="434109" y="2348346"/>
+            <a:ext cx="11323782" cy="699654"/>
+          </a:xfrm>
+          <a:prstGeom prst="rect">
+            <a:avLst/>
+          </a:prstGeom>
+        </p:spPr>
+        <p:style>
+          <a:lnRef idx="2">
+            <a:schemeClr val="accent1">
+              <a:shade val="15000"/>
+            </a:schemeClr>
+          </a:lnRef>
+          <a:fillRef idx="1">
+            <a:schemeClr val="accent1"/>
+          </a:fillRef>
+          <a:effectRef idx="0">
+            <a:schemeClr val="accent1"/>
+          </a:effectRef>
+          <a:fontRef idx="minor">
+            <a:schemeClr val="lt1"/>
+          </a:fontRef>
+        </p:style>
+        <p:txBody>
+          <a:bodyPr rtlCol="0" anchor="ctr"/>
+          <a:lstStyle/>
+          <a:p>
+            <a:pPr algn="ctr"/>
+            <a:r>
+              <a:rPr lang="ko-KR" altLang="en-US" dirty="0"/>
+              <a:t>한파일의 코드 전체선택</a:t>
+            </a:r>
+          </a:p>
+        </p:txBody>
+      </p:sp>
+      <p:sp>
+        <p:nvSpPr>
+          <p:cNvPr id="5" name="직사각형 4">
+            <a:extLst>
+              <a:ext uri="{FF2B5EF4-FFF2-40B4-BE49-F238E27FC236}">
+                <a16:creationId xmlns:a16="http://schemas.microsoft.com/office/drawing/2014/main" id="{F8447077-EE64-B455-01B2-714B8557369E}"/>
+              </a:ext>
+            </a:extLst>
+          </p:cNvPr>
+          <p:cNvSpPr/>
+          <p:nvPr/>
+        </p:nvSpPr>
+        <p:spPr>
+          <a:xfrm>
+            <a:off x="434109" y="3258128"/>
+            <a:ext cx="11323782" cy="699654"/>
+          </a:xfrm>
+          <a:prstGeom prst="rect">
+            <a:avLst/>
+          </a:prstGeom>
+        </p:spPr>
+        <p:style>
+          <a:lnRef idx="2">
+            <a:schemeClr val="accent1">
+              <a:shade val="15000"/>
+            </a:schemeClr>
+          </a:lnRef>
+          <a:fillRef idx="1">
+            <a:schemeClr val="accent1"/>
+          </a:fillRef>
+          <a:effectRef idx="0">
+            <a:schemeClr val="accent1"/>
+          </a:effectRef>
+          <a:fontRef idx="minor">
+            <a:schemeClr val="lt1"/>
+          </a:fontRef>
+        </p:style>
+        <p:txBody>
+          <a:bodyPr rtlCol="0" anchor="ctr"/>
+          <a:lstStyle/>
+          <a:p>
+            <a:pPr algn="ctr"/>
+            <a:r>
+              <a:rPr lang="ko-KR" altLang="en-US" dirty="0"/>
+              <a:t>시프트 </a:t>
+            </a:r>
+            <a:r>
+              <a:rPr lang="en-US" altLang="ko-KR" dirty="0"/>
+              <a:t>+ A</a:t>
             </a:r>
             <a:endParaRPr lang="ko-KR" altLang="en-US" dirty="0"/>
           </a:p>

--- a/DOC/공통문서/비주얼스튜디오 단축키.pptx
+++ b/DOC/공통문서/비주얼스튜디오 단축키.pptx
@@ -9,22 +9,23 @@
     <p:sldId id="261" r:id="rId3"/>
     <p:sldId id="279" r:id="rId4"/>
     <p:sldId id="262" r:id="rId5"/>
-    <p:sldId id="263" r:id="rId6"/>
-    <p:sldId id="264" r:id="rId7"/>
-    <p:sldId id="265" r:id="rId8"/>
-    <p:sldId id="266" r:id="rId9"/>
-    <p:sldId id="267" r:id="rId10"/>
-    <p:sldId id="268" r:id="rId11"/>
-    <p:sldId id="269" r:id="rId12"/>
-    <p:sldId id="270" r:id="rId13"/>
-    <p:sldId id="271" r:id="rId14"/>
-    <p:sldId id="272" r:id="rId15"/>
-    <p:sldId id="273" r:id="rId16"/>
-    <p:sldId id="274" r:id="rId17"/>
-    <p:sldId id="275" r:id="rId18"/>
-    <p:sldId id="276" r:id="rId19"/>
-    <p:sldId id="277" r:id="rId20"/>
-    <p:sldId id="278" r:id="rId21"/>
+    <p:sldId id="280" r:id="rId6"/>
+    <p:sldId id="263" r:id="rId7"/>
+    <p:sldId id="264" r:id="rId8"/>
+    <p:sldId id="265" r:id="rId9"/>
+    <p:sldId id="266" r:id="rId10"/>
+    <p:sldId id="267" r:id="rId11"/>
+    <p:sldId id="268" r:id="rId12"/>
+    <p:sldId id="269" r:id="rId13"/>
+    <p:sldId id="270" r:id="rId14"/>
+    <p:sldId id="271" r:id="rId15"/>
+    <p:sldId id="272" r:id="rId16"/>
+    <p:sldId id="273" r:id="rId17"/>
+    <p:sldId id="274" r:id="rId18"/>
+    <p:sldId id="275" r:id="rId19"/>
+    <p:sldId id="276" r:id="rId20"/>
+    <p:sldId id="277" r:id="rId21"/>
+    <p:sldId id="278" r:id="rId22"/>
   </p:sldIdLst>
   <p:sldSz cx="12192000" cy="6858000"/>
   <p:notesSz cx="6858000" cy="9144000"/>
@@ -131,6 +132,34 @@
 </p:presentation>
 </file>
 
+<file path=ppt/ink/ink1.xml><?xml version="1.0" encoding="utf-8"?>
+<inkml:ink xmlns:inkml="http://www.w3.org/2003/InkML">
+  <inkml:definitions>
+    <inkml:context xml:id="ctx0">
+      <inkml:inkSource xml:id="inkSrc0">
+        <inkml:traceFormat>
+          <inkml:channel name="X" type="integer" min="-2.14748E9" max="2.14748E9" units="cm"/>
+          <inkml:channel name="Y" type="integer" min="-2.14748E9" max="2.14748E9" units="cm"/>
+          <inkml:channel name="F" type="integer" max="32767" units="dev"/>
+        </inkml:traceFormat>
+        <inkml:channelProperties>
+          <inkml:channelProperty channel="X" name="resolution" value="1000" units="1/cm"/>
+          <inkml:channelProperty channel="Y" name="resolution" value="1000" units="1/cm"/>
+          <inkml:channelProperty channel="F" name="resolution" value="0" units="1/dev"/>
+        </inkml:channelProperties>
+      </inkml:inkSource>
+      <inkml:timestamp xml:id="ts0" timeString="2024-09-11T01:39:12.707"/>
+    </inkml:context>
+    <inkml:brush xml:id="br0">
+      <inkml:brushProperty name="width" value="0.035" units="cm"/>
+      <inkml:brushProperty name="height" value="0.035" units="cm"/>
+      <inkml:brushProperty name="color" value="#E71224"/>
+    </inkml:brush>
+  </inkml:definitions>
+  <inkml:trace contextRef="#ctx0" brushRef="#br0">1644 33 24575,'-29'0'0,"-27"1"0,-1-3 0,-84-13 0,78 7 0,0 2 0,0 4 0,-64 5 0,6 0 0,104-4 0,0 0 0,-1 1 0,1 2 0,-1 0 0,1 0 0,0 2 0,0 0 0,1 1 0,-1 0 0,1 1 0,-28 16 0,7 3 0,1 2 0,1 2 0,-55 59 0,43-41 0,-277 246 0,309-279 0,1 0 0,0 1 0,1 1 0,0 0 0,2 1 0,-16 28 0,24-38 0,0-1 0,1 1 0,0 0 0,0 0 0,0 0 0,1 0 0,1 0 0,-1 0 0,1 0 0,0 0 0,0 0 0,1 0 0,0 0 0,0 0 0,1 0 0,0-1 0,0 1 0,0 0 0,1-1 0,0 1 0,1-1 0,6 10 0,1 0 0,1 0 0,1-1 0,0-1 0,1 0 0,1 0 0,0-2 0,1 0 0,0 0 0,1-2 0,0 0 0,1-1 0,-1-1 0,2 0 0,-1-1 0,31 6 0,-42-11 0,294 49 0,-219-40 0,-39-5 0,62 1 0,357-8 0,-451 1 0,0 0 0,0-1 0,0 0 0,0-1 0,0 0 0,0-1 0,-1 0 0,0-1 0,17-8 0,-22 9 0,1-1 0,-1 1 0,0-1 0,0 0 0,0-1 0,-1 1 0,1-1 0,-1 0 0,0 0 0,0 0 0,-1-1 0,0 1 0,0-1 0,0 0 0,-1 0 0,1 0 0,1-10 0,30-141 0,-23 100 0,-6 36 0,-1 0 0,1-33 0,-2 21 0,9-47 0,-1 14 0,1 3 0,-8 47 0,-1-1 0,-1 1 0,0-1 0,0-28 0,-3 40 0,0-1 0,0 0 0,0 1 0,-1-1 0,1 1 0,-1 0 0,-1-1 0,1 1 0,-1 0 0,0 0 0,0 1 0,0-1 0,-1 1 0,1-1 0,-1 1 0,0 0 0,0 0 0,-5-3 0,-36-24 0,-2 1 0,0 3 0,-84-35 0,127 60-124,0 0 0,-1 1 0,1-1 0,-1 1 0,1 0 0,-1 0-1,0 0 1,0 1 0,1 0 0,-10 0 0,-1 4-6702</inkml:trace>
+</inkml:ink>
+</file>
+
 <file path=ppt/slideLayouts/slideLayout1.xml><?xml version="1.0" encoding="utf-8"?>
 <p:sldLayout xmlns:a="http://schemas.openxmlformats.org/drawingml/2006/main" xmlns:r="http://schemas.openxmlformats.org/officeDocument/2006/relationships" xmlns:p="http://schemas.openxmlformats.org/presentationml/2006/main" type="title" preserve="1">
   <p:cSld name="제목 슬라이드">
@@ -278,7 +307,7 @@
           <a:p>
             <a:fld id="{ADAF0334-EF1F-40BE-A71F-BA73690F7647}" type="datetimeFigureOut">
               <a:rPr lang="ko-KR" altLang="en-US" smtClean="0"/>
-              <a:t>2024-09-10</a:t>
+              <a:t>2024-09-11</a:t>
             </a:fld>
             <a:endParaRPr lang="ko-KR" altLang="en-US"/>
           </a:p>
@@ -476,7 +505,7 @@
           <a:p>
             <a:fld id="{ADAF0334-EF1F-40BE-A71F-BA73690F7647}" type="datetimeFigureOut">
               <a:rPr lang="ko-KR" altLang="en-US" smtClean="0"/>
-              <a:t>2024-09-10</a:t>
+              <a:t>2024-09-11</a:t>
             </a:fld>
             <a:endParaRPr lang="ko-KR" altLang="en-US"/>
           </a:p>
@@ -684,7 +713,7 @@
           <a:p>
             <a:fld id="{ADAF0334-EF1F-40BE-A71F-BA73690F7647}" type="datetimeFigureOut">
               <a:rPr lang="ko-KR" altLang="en-US" smtClean="0"/>
-              <a:t>2024-09-10</a:t>
+              <a:t>2024-09-11</a:t>
             </a:fld>
             <a:endParaRPr lang="ko-KR" altLang="en-US"/>
           </a:p>
@@ -882,7 +911,7 @@
           <a:p>
             <a:fld id="{ADAF0334-EF1F-40BE-A71F-BA73690F7647}" type="datetimeFigureOut">
               <a:rPr lang="ko-KR" altLang="en-US" smtClean="0"/>
-              <a:t>2024-09-10</a:t>
+              <a:t>2024-09-11</a:t>
             </a:fld>
             <a:endParaRPr lang="ko-KR" altLang="en-US"/>
           </a:p>
@@ -1157,7 +1186,7 @@
           <a:p>
             <a:fld id="{ADAF0334-EF1F-40BE-A71F-BA73690F7647}" type="datetimeFigureOut">
               <a:rPr lang="ko-KR" altLang="en-US" smtClean="0"/>
-              <a:t>2024-09-10</a:t>
+              <a:t>2024-09-11</a:t>
             </a:fld>
             <a:endParaRPr lang="ko-KR" altLang="en-US"/>
           </a:p>
@@ -1422,7 +1451,7 @@
           <a:p>
             <a:fld id="{ADAF0334-EF1F-40BE-A71F-BA73690F7647}" type="datetimeFigureOut">
               <a:rPr lang="ko-KR" altLang="en-US" smtClean="0"/>
-              <a:t>2024-09-10</a:t>
+              <a:t>2024-09-11</a:t>
             </a:fld>
             <a:endParaRPr lang="ko-KR" altLang="en-US"/>
           </a:p>
@@ -1834,7 +1863,7 @@
           <a:p>
             <a:fld id="{ADAF0334-EF1F-40BE-A71F-BA73690F7647}" type="datetimeFigureOut">
               <a:rPr lang="ko-KR" altLang="en-US" smtClean="0"/>
-              <a:t>2024-09-10</a:t>
+              <a:t>2024-09-11</a:t>
             </a:fld>
             <a:endParaRPr lang="ko-KR" altLang="en-US"/>
           </a:p>
@@ -1975,7 +2004,7 @@
           <a:p>
             <a:fld id="{ADAF0334-EF1F-40BE-A71F-BA73690F7647}" type="datetimeFigureOut">
               <a:rPr lang="ko-KR" altLang="en-US" smtClean="0"/>
-              <a:t>2024-09-10</a:t>
+              <a:t>2024-09-11</a:t>
             </a:fld>
             <a:endParaRPr lang="ko-KR" altLang="en-US"/>
           </a:p>
@@ -2088,7 +2117,7 @@
           <a:p>
             <a:fld id="{ADAF0334-EF1F-40BE-A71F-BA73690F7647}" type="datetimeFigureOut">
               <a:rPr lang="ko-KR" altLang="en-US" smtClean="0"/>
-              <a:t>2024-09-10</a:t>
+              <a:t>2024-09-11</a:t>
             </a:fld>
             <a:endParaRPr lang="ko-KR" altLang="en-US"/>
           </a:p>
@@ -2399,7 +2428,7 @@
           <a:p>
             <a:fld id="{ADAF0334-EF1F-40BE-A71F-BA73690F7647}" type="datetimeFigureOut">
               <a:rPr lang="ko-KR" altLang="en-US" smtClean="0"/>
-              <a:t>2024-09-10</a:t>
+              <a:t>2024-09-11</a:t>
             </a:fld>
             <a:endParaRPr lang="ko-KR" altLang="en-US"/>
           </a:p>
@@ -2687,7 +2716,7 @@
           <a:p>
             <a:fld id="{ADAF0334-EF1F-40BE-A71F-BA73690F7647}" type="datetimeFigureOut">
               <a:rPr lang="ko-KR" altLang="en-US" smtClean="0"/>
-              <a:t>2024-09-10</a:t>
+              <a:t>2024-09-11</a:t>
             </a:fld>
             <a:endParaRPr lang="ko-KR" altLang="en-US"/>
           </a:p>
@@ -2928,7 +2957,7 @@
           <a:p>
             <a:fld id="{ADAF0334-EF1F-40BE-A71F-BA73690F7647}" type="datetimeFigureOut">
               <a:rPr lang="ko-KR" altLang="en-US" smtClean="0"/>
-              <a:t>2024-09-10</a:t>
+              <a:t>2024-09-11</a:t>
             </a:fld>
             <a:endParaRPr lang="ko-KR" altLang="en-US"/>
           </a:p>
@@ -3544,7 +3573,7 @@
     </p:spTree>
     <p:extLst>
       <p:ext uri="{BB962C8B-B14F-4D97-AF65-F5344CB8AC3E}">
-        <p14:creationId xmlns:p14="http://schemas.microsoft.com/office/powerpoint/2010/main" val="405100744"/>
+        <p14:creationId xmlns:p14="http://schemas.microsoft.com/office/powerpoint/2010/main" val="3018759265"/>
       </p:ext>
     </p:extLst>
   </p:cSld>
@@ -3574,7 +3603,7 @@
     </p:spTree>
     <p:extLst>
       <p:ext uri="{BB962C8B-B14F-4D97-AF65-F5344CB8AC3E}">
-        <p14:creationId xmlns:p14="http://schemas.microsoft.com/office/powerpoint/2010/main" val="2481828864"/>
+        <p14:creationId xmlns:p14="http://schemas.microsoft.com/office/powerpoint/2010/main" val="405100744"/>
       </p:ext>
     </p:extLst>
   </p:cSld>
@@ -3604,7 +3633,7 @@
     </p:spTree>
     <p:extLst>
       <p:ext uri="{BB962C8B-B14F-4D97-AF65-F5344CB8AC3E}">
-        <p14:creationId xmlns:p14="http://schemas.microsoft.com/office/powerpoint/2010/main" val="3750591054"/>
+        <p14:creationId xmlns:p14="http://schemas.microsoft.com/office/powerpoint/2010/main" val="2481828864"/>
       </p:ext>
     </p:extLst>
   </p:cSld>
@@ -3634,7 +3663,7 @@
     </p:spTree>
     <p:extLst>
       <p:ext uri="{BB962C8B-B14F-4D97-AF65-F5344CB8AC3E}">
-        <p14:creationId xmlns:p14="http://schemas.microsoft.com/office/powerpoint/2010/main" val="991477988"/>
+        <p14:creationId xmlns:p14="http://schemas.microsoft.com/office/powerpoint/2010/main" val="3750591054"/>
       </p:ext>
     </p:extLst>
   </p:cSld>
@@ -3664,7 +3693,7 @@
     </p:spTree>
     <p:extLst>
       <p:ext uri="{BB962C8B-B14F-4D97-AF65-F5344CB8AC3E}">
-        <p14:creationId xmlns:p14="http://schemas.microsoft.com/office/powerpoint/2010/main" val="3844398855"/>
+        <p14:creationId xmlns:p14="http://schemas.microsoft.com/office/powerpoint/2010/main" val="991477988"/>
       </p:ext>
     </p:extLst>
   </p:cSld>
@@ -3694,7 +3723,7 @@
     </p:spTree>
     <p:extLst>
       <p:ext uri="{BB962C8B-B14F-4D97-AF65-F5344CB8AC3E}">
-        <p14:creationId xmlns:p14="http://schemas.microsoft.com/office/powerpoint/2010/main" val="19288889"/>
+        <p14:creationId xmlns:p14="http://schemas.microsoft.com/office/powerpoint/2010/main" val="3844398855"/>
       </p:ext>
     </p:extLst>
   </p:cSld>
@@ -3724,7 +3753,7 @@
     </p:spTree>
     <p:extLst>
       <p:ext uri="{BB962C8B-B14F-4D97-AF65-F5344CB8AC3E}">
-        <p14:creationId xmlns:p14="http://schemas.microsoft.com/office/powerpoint/2010/main" val="4015161735"/>
+        <p14:creationId xmlns:p14="http://schemas.microsoft.com/office/powerpoint/2010/main" val="19288889"/>
       </p:ext>
     </p:extLst>
   </p:cSld>
@@ -3754,7 +3783,7 @@
     </p:spTree>
     <p:extLst>
       <p:ext uri="{BB962C8B-B14F-4D97-AF65-F5344CB8AC3E}">
-        <p14:creationId xmlns:p14="http://schemas.microsoft.com/office/powerpoint/2010/main" val="1646334821"/>
+        <p14:creationId xmlns:p14="http://schemas.microsoft.com/office/powerpoint/2010/main" val="4015161735"/>
       </p:ext>
     </p:extLst>
   </p:cSld>
@@ -3784,7 +3813,7 @@
     </p:spTree>
     <p:extLst>
       <p:ext uri="{BB962C8B-B14F-4D97-AF65-F5344CB8AC3E}">
-        <p14:creationId xmlns:p14="http://schemas.microsoft.com/office/powerpoint/2010/main" val="3952900304"/>
+        <p14:creationId xmlns:p14="http://schemas.microsoft.com/office/powerpoint/2010/main" val="1646334821"/>
       </p:ext>
     </p:extLst>
   </p:cSld>
@@ -3814,7 +3843,7 @@
     </p:spTree>
     <p:extLst>
       <p:ext uri="{BB962C8B-B14F-4D97-AF65-F5344CB8AC3E}">
-        <p14:creationId xmlns:p14="http://schemas.microsoft.com/office/powerpoint/2010/main" val="1749543502"/>
+        <p14:creationId xmlns:p14="http://schemas.microsoft.com/office/powerpoint/2010/main" val="3952900304"/>
       </p:ext>
     </p:extLst>
   </p:cSld>
@@ -3991,6 +4020,36 @@
 </file>
 
 <file path=ppt/slides/slide20.xml><?xml version="1.0" encoding="utf-8"?>
+<p:sld xmlns:a="http://schemas.openxmlformats.org/drawingml/2006/main" xmlns:r="http://schemas.openxmlformats.org/officeDocument/2006/relationships" xmlns:p="http://schemas.openxmlformats.org/presentationml/2006/main">
+  <p:cSld>
+    <p:spTree>
+      <p:nvGrpSpPr>
+        <p:cNvPr id="1" name=""/>
+        <p:cNvGrpSpPr/>
+        <p:nvPr/>
+      </p:nvGrpSpPr>
+      <p:grpSpPr>
+        <a:xfrm>
+          <a:off x="0" y="0"/>
+          <a:ext cx="0" cy="0"/>
+          <a:chOff x="0" y="0"/>
+          <a:chExt cx="0" cy="0"/>
+        </a:xfrm>
+      </p:grpSpPr>
+    </p:spTree>
+    <p:extLst>
+      <p:ext uri="{BB962C8B-B14F-4D97-AF65-F5344CB8AC3E}">
+        <p14:creationId xmlns:p14="http://schemas.microsoft.com/office/powerpoint/2010/main" val="1749543502"/>
+      </p:ext>
+    </p:extLst>
+  </p:cSld>
+  <p:clrMapOvr>
+    <a:masterClrMapping/>
+  </p:clrMapOvr>
+</p:sld>
+</file>
+
+<file path=ppt/slides/slide21.xml><?xml version="1.0" encoding="utf-8"?>
 <p:sld xmlns:a="http://schemas.openxmlformats.org/drawingml/2006/main" xmlns:r="http://schemas.openxmlformats.org/officeDocument/2006/relationships" xmlns:p="http://schemas.openxmlformats.org/presentationml/2006/main">
   <p:cSld>
     <p:spTree>
@@ -4624,6 +4683,947 @@
           <a:chExt cx="0" cy="0"/>
         </a:xfrm>
       </p:grpSpPr>
+      <p:sp>
+        <p:nvSpPr>
+          <p:cNvPr id="2" name="직사각형 1">
+            <a:extLst>
+              <a:ext uri="{FF2B5EF4-FFF2-40B4-BE49-F238E27FC236}">
+                <a16:creationId xmlns:a16="http://schemas.microsoft.com/office/drawing/2014/main" id="{41AE9207-08CC-7B4C-E9CA-FE91309CB5F0}"/>
+              </a:ext>
+            </a:extLst>
+          </p:cNvPr>
+          <p:cNvSpPr/>
+          <p:nvPr/>
+        </p:nvSpPr>
+        <p:spPr>
+          <a:xfrm>
+            <a:off x="207375" y="2107046"/>
+            <a:ext cx="2314864" cy="699654"/>
+          </a:xfrm>
+          <a:prstGeom prst="rect">
+            <a:avLst/>
+          </a:prstGeom>
+        </p:spPr>
+        <p:style>
+          <a:lnRef idx="2">
+            <a:schemeClr val="accent1">
+              <a:shade val="15000"/>
+            </a:schemeClr>
+          </a:lnRef>
+          <a:fillRef idx="1">
+            <a:schemeClr val="accent1"/>
+          </a:fillRef>
+          <a:effectRef idx="0">
+            <a:schemeClr val="accent1"/>
+          </a:effectRef>
+          <a:fontRef idx="minor">
+            <a:schemeClr val="lt1"/>
+          </a:fontRef>
+        </p:style>
+        <p:txBody>
+          <a:bodyPr rtlCol="0" anchor="ctr"/>
+          <a:lstStyle/>
+          <a:p>
+            <a:pPr algn="ctr"/>
+            <a:r>
+              <a:rPr lang="en-US" altLang="ko-KR" dirty="0"/>
+              <a:t>1</a:t>
+            </a:r>
+            <a:r>
+              <a:rPr lang="ko-KR" altLang="en-US" dirty="0"/>
+              <a:t>줄씩 함수 내부까지 들어가면서 디버깅 </a:t>
+            </a:r>
+          </a:p>
+        </p:txBody>
+      </p:sp>
+      <p:sp>
+        <p:nvSpPr>
+          <p:cNvPr id="3" name="직사각형 2">
+            <a:extLst>
+              <a:ext uri="{FF2B5EF4-FFF2-40B4-BE49-F238E27FC236}">
+                <a16:creationId xmlns:a16="http://schemas.microsoft.com/office/drawing/2014/main" id="{0896559C-009B-D4B4-E508-A88915C734C9}"/>
+              </a:ext>
+            </a:extLst>
+          </p:cNvPr>
+          <p:cNvSpPr/>
+          <p:nvPr/>
+        </p:nvSpPr>
+        <p:spPr>
+          <a:xfrm>
+            <a:off x="207375" y="3016828"/>
+            <a:ext cx="2314864" cy="699654"/>
+          </a:xfrm>
+          <a:prstGeom prst="rect">
+            <a:avLst/>
+          </a:prstGeom>
+        </p:spPr>
+        <p:style>
+          <a:lnRef idx="2">
+            <a:schemeClr val="accent1">
+              <a:shade val="15000"/>
+            </a:schemeClr>
+          </a:lnRef>
+          <a:fillRef idx="1">
+            <a:schemeClr val="accent1"/>
+          </a:fillRef>
+          <a:effectRef idx="0">
+            <a:schemeClr val="accent1"/>
+          </a:effectRef>
+          <a:fontRef idx="minor">
+            <a:schemeClr val="lt1"/>
+          </a:fontRef>
+        </p:style>
+        <p:txBody>
+          <a:bodyPr rtlCol="0" anchor="ctr"/>
+          <a:lstStyle/>
+          <a:p>
+            <a:pPr algn="ctr"/>
+            <a:r>
+              <a:rPr lang="ko-KR" altLang="en-US" dirty="0"/>
+              <a:t>함수는 건너뛰면서</a:t>
+            </a:r>
+            <a:endParaRPr lang="en-US" altLang="ko-KR" dirty="0"/>
+          </a:p>
+          <a:p>
+            <a:pPr algn="ctr"/>
+            <a:r>
+              <a:rPr lang="ko-KR" altLang="en-US" dirty="0"/>
+              <a:t>실행</a:t>
+            </a:r>
+          </a:p>
+        </p:txBody>
+      </p:sp>
+      <p:sp>
+        <p:nvSpPr>
+          <p:cNvPr id="4" name="직사각형 3">
+            <a:extLst>
+              <a:ext uri="{FF2B5EF4-FFF2-40B4-BE49-F238E27FC236}">
+                <a16:creationId xmlns:a16="http://schemas.microsoft.com/office/drawing/2014/main" id="{3721E046-6A63-4B9B-4A4D-C33FF03906C4}"/>
+              </a:ext>
+            </a:extLst>
+          </p:cNvPr>
+          <p:cNvSpPr/>
+          <p:nvPr/>
+        </p:nvSpPr>
+        <p:spPr>
+          <a:xfrm>
+            <a:off x="207375" y="3926610"/>
+            <a:ext cx="2314864" cy="699654"/>
+          </a:xfrm>
+          <a:prstGeom prst="rect">
+            <a:avLst/>
+          </a:prstGeom>
+        </p:spPr>
+        <p:style>
+          <a:lnRef idx="2">
+            <a:schemeClr val="accent1">
+              <a:shade val="15000"/>
+            </a:schemeClr>
+          </a:lnRef>
+          <a:fillRef idx="1">
+            <a:schemeClr val="accent1"/>
+          </a:fillRef>
+          <a:effectRef idx="0">
+            <a:schemeClr val="accent1"/>
+          </a:effectRef>
+          <a:fontRef idx="minor">
+            <a:schemeClr val="lt1"/>
+          </a:fontRef>
+        </p:style>
+        <p:txBody>
+          <a:bodyPr rtlCol="0" anchor="ctr"/>
+          <a:lstStyle/>
+          <a:p>
+            <a:pPr algn="ctr"/>
+            <a:r>
+              <a:rPr lang="ko-KR" altLang="en-US" dirty="0"/>
+              <a:t>중단점</a:t>
+            </a:r>
+          </a:p>
+        </p:txBody>
+      </p:sp>
+      <p:pic>
+        <p:nvPicPr>
+          <p:cNvPr id="7" name="그림 6">
+            <a:extLst>
+              <a:ext uri="{FF2B5EF4-FFF2-40B4-BE49-F238E27FC236}">
+                <a16:creationId xmlns:a16="http://schemas.microsoft.com/office/drawing/2014/main" id="{BBE8F9DF-602C-D16D-ED76-B631503823EE}"/>
+              </a:ext>
+            </a:extLst>
+          </p:cNvPr>
+          <p:cNvPicPr>
+            <a:picLocks noChangeAspect="1"/>
+          </p:cNvPicPr>
+          <p:nvPr/>
+        </p:nvPicPr>
+        <p:blipFill>
+          <a:blip r:embed="rId2"/>
+          <a:stretch>
+            <a:fillRect/>
+          </a:stretch>
+        </p:blipFill>
+        <p:spPr>
+          <a:xfrm>
+            <a:off x="-117777" y="-111682"/>
+            <a:ext cx="6296904" cy="1924319"/>
+          </a:xfrm>
+          <a:prstGeom prst="rect">
+            <a:avLst/>
+          </a:prstGeom>
+        </p:spPr>
+      </p:pic>
+      <mc:AlternateContent xmlns:mc="http://schemas.openxmlformats.org/markup-compatibility/2006" xmlns:p14="http://schemas.microsoft.com/office/powerpoint/2010/main">
+        <mc:Choice Requires="p14">
+          <p:contentPart p14:bwMode="auto" r:id="rId3">
+            <p14:nvContentPartPr>
+              <p14:cNvPr id="8" name="잉크 7">
+                <a:extLst>
+                  <a:ext uri="{FF2B5EF4-FFF2-40B4-BE49-F238E27FC236}">
+                    <a16:creationId xmlns:a16="http://schemas.microsoft.com/office/drawing/2014/main" id="{47EE143E-706E-A0AD-88BB-0707896B2804}"/>
+                  </a:ext>
+                </a:extLst>
+              </p14:cNvPr>
+              <p14:cNvContentPartPr/>
+              <p14:nvPr/>
+            </p14:nvContentPartPr>
+            <p14:xfrm>
+              <a:off x="2419127" y="117571"/>
+              <a:ext cx="591840" cy="409320"/>
+            </p14:xfrm>
+          </p:contentPart>
+        </mc:Choice>
+        <mc:Fallback xmlns="">
+          <p:pic>
+            <p:nvPicPr>
+              <p:cNvPr id="8" name="잉크 7">
+                <a:extLst>
+                  <a:ext uri="{FF2B5EF4-FFF2-40B4-BE49-F238E27FC236}">
+                    <a16:creationId xmlns:a16="http://schemas.microsoft.com/office/drawing/2014/main" id="{47EE143E-706E-A0AD-88BB-0707896B2804}"/>
+                  </a:ext>
+                </a:extLst>
+              </p:cNvPr>
+              <p:cNvPicPr/>
+              <p:nvPr/>
+            </p:nvPicPr>
+            <p:blipFill>
+              <a:blip r:embed="rId4"/>
+              <a:stretch>
+                <a:fillRect/>
+              </a:stretch>
+            </p:blipFill>
+            <p:spPr>
+              <a:xfrm>
+                <a:off x="2413007" y="111451"/>
+                <a:ext cx="604080" cy="421560"/>
+              </a:xfrm>
+              <a:prstGeom prst="rect">
+                <a:avLst/>
+              </a:prstGeom>
+            </p:spPr>
+          </p:pic>
+        </mc:Fallback>
+      </mc:AlternateContent>
+      <p:sp>
+        <p:nvSpPr>
+          <p:cNvPr id="9" name="직사각형 8">
+            <a:extLst>
+              <a:ext uri="{FF2B5EF4-FFF2-40B4-BE49-F238E27FC236}">
+                <a16:creationId xmlns:a16="http://schemas.microsoft.com/office/drawing/2014/main" id="{9367FDF4-374A-D588-5346-5E5EDD00B011}"/>
+              </a:ext>
+            </a:extLst>
+          </p:cNvPr>
+          <p:cNvSpPr/>
+          <p:nvPr/>
+        </p:nvSpPr>
+        <p:spPr>
+          <a:xfrm>
+            <a:off x="6530109" y="0"/>
+            <a:ext cx="5001491" cy="1498600"/>
+          </a:xfrm>
+          <a:prstGeom prst="rect">
+            <a:avLst/>
+          </a:prstGeom>
+        </p:spPr>
+        <p:style>
+          <a:lnRef idx="2">
+            <a:schemeClr val="accent1">
+              <a:shade val="15000"/>
+            </a:schemeClr>
+          </a:lnRef>
+          <a:fillRef idx="1">
+            <a:schemeClr val="accent1"/>
+          </a:fillRef>
+          <a:effectRef idx="0">
+            <a:schemeClr val="accent1"/>
+          </a:effectRef>
+          <a:fontRef idx="minor">
+            <a:schemeClr val="lt1"/>
+          </a:fontRef>
+        </p:style>
+        <p:txBody>
+          <a:bodyPr rtlCol="0" anchor="ctr"/>
+          <a:lstStyle/>
+          <a:p>
+            <a:pPr algn="ctr"/>
+            <a:r>
+              <a:rPr lang="ko-KR" altLang="en-US" dirty="0"/>
+              <a:t>프로그램</a:t>
+            </a:r>
+            <a:endParaRPr lang="en-US" altLang="ko-KR" dirty="0"/>
+          </a:p>
+          <a:p>
+            <a:pPr algn="ctr"/>
+            <a:r>
+              <a:rPr lang="ko-KR" altLang="en-US" dirty="0"/>
+              <a:t>면밀히 </a:t>
+            </a:r>
+            <a:r>
+              <a:rPr lang="ko-KR" altLang="en-US" dirty="0" err="1"/>
+              <a:t>한줄씩</a:t>
+            </a:r>
+            <a:r>
+              <a:rPr lang="ko-KR" altLang="en-US" dirty="0"/>
+              <a:t> 보면서 분석하고 </a:t>
+            </a:r>
+            <a:r>
+              <a:rPr lang="ko-KR" altLang="en-US" dirty="0" err="1"/>
+              <a:t>싶을때</a:t>
+            </a:r>
+            <a:endParaRPr lang="en-US" altLang="ko-KR" dirty="0"/>
+          </a:p>
+          <a:p>
+            <a:pPr algn="ctr"/>
+            <a:r>
+              <a:rPr lang="ko-KR" altLang="en-US" dirty="0" err="1"/>
+              <a:t>저부분을</a:t>
+            </a:r>
+            <a:r>
+              <a:rPr lang="ko-KR" altLang="en-US" dirty="0"/>
+              <a:t> 디버깅으로 바꾸고</a:t>
+            </a:r>
+          </a:p>
+        </p:txBody>
+      </p:sp>
+      <p:sp>
+        <p:nvSpPr>
+          <p:cNvPr id="10" name="직사각형 9">
+            <a:extLst>
+              <a:ext uri="{FF2B5EF4-FFF2-40B4-BE49-F238E27FC236}">
+                <a16:creationId xmlns:a16="http://schemas.microsoft.com/office/drawing/2014/main" id="{572327F5-6A21-F5FC-5838-29C213F5476F}"/>
+              </a:ext>
+            </a:extLst>
+          </p:cNvPr>
+          <p:cNvSpPr/>
+          <p:nvPr/>
+        </p:nvSpPr>
+        <p:spPr>
+          <a:xfrm>
+            <a:off x="2715047" y="2107046"/>
+            <a:ext cx="3913909" cy="699654"/>
+          </a:xfrm>
+          <a:prstGeom prst="rect">
+            <a:avLst/>
+          </a:prstGeom>
+        </p:spPr>
+        <p:style>
+          <a:lnRef idx="2">
+            <a:schemeClr val="accent1">
+              <a:shade val="15000"/>
+            </a:schemeClr>
+          </a:lnRef>
+          <a:fillRef idx="1">
+            <a:schemeClr val="accent1"/>
+          </a:fillRef>
+          <a:effectRef idx="0">
+            <a:schemeClr val="accent1"/>
+          </a:effectRef>
+          <a:fontRef idx="minor">
+            <a:schemeClr val="lt1"/>
+          </a:fontRef>
+        </p:style>
+        <p:txBody>
+          <a:bodyPr rtlCol="0" anchor="ctr"/>
+          <a:lstStyle/>
+          <a:p>
+            <a:pPr algn="ctr"/>
+            <a:r>
+              <a:rPr lang="en-US" altLang="ko-KR" dirty="0"/>
+              <a:t>F11</a:t>
+            </a:r>
+            <a:endParaRPr lang="ko-KR" altLang="en-US" dirty="0"/>
+          </a:p>
+        </p:txBody>
+      </p:sp>
+      <p:sp>
+        <p:nvSpPr>
+          <p:cNvPr id="11" name="직사각형 10">
+            <a:extLst>
+              <a:ext uri="{FF2B5EF4-FFF2-40B4-BE49-F238E27FC236}">
+                <a16:creationId xmlns:a16="http://schemas.microsoft.com/office/drawing/2014/main" id="{A32699FF-98F1-87C7-692D-5805DFC97BB4}"/>
+              </a:ext>
+            </a:extLst>
+          </p:cNvPr>
+          <p:cNvSpPr/>
+          <p:nvPr/>
+        </p:nvSpPr>
+        <p:spPr>
+          <a:xfrm>
+            <a:off x="2715047" y="3016828"/>
+            <a:ext cx="3913909" cy="699654"/>
+          </a:xfrm>
+          <a:prstGeom prst="rect">
+            <a:avLst/>
+          </a:prstGeom>
+        </p:spPr>
+        <p:style>
+          <a:lnRef idx="2">
+            <a:schemeClr val="accent1">
+              <a:shade val="15000"/>
+            </a:schemeClr>
+          </a:lnRef>
+          <a:fillRef idx="1">
+            <a:schemeClr val="accent1"/>
+          </a:fillRef>
+          <a:effectRef idx="0">
+            <a:schemeClr val="accent1"/>
+          </a:effectRef>
+          <a:fontRef idx="minor">
+            <a:schemeClr val="lt1"/>
+          </a:fontRef>
+        </p:style>
+        <p:txBody>
+          <a:bodyPr rtlCol="0" anchor="ctr"/>
+          <a:lstStyle/>
+          <a:p>
+            <a:pPr algn="ctr"/>
+            <a:r>
+              <a:rPr lang="en-US" altLang="ko-KR" dirty="0"/>
+              <a:t>F10</a:t>
+            </a:r>
+            <a:endParaRPr lang="ko-KR" altLang="en-US" dirty="0"/>
+          </a:p>
+        </p:txBody>
+      </p:sp>
+      <p:sp>
+        <p:nvSpPr>
+          <p:cNvPr id="12" name="직사각형 11">
+            <a:extLst>
+              <a:ext uri="{FF2B5EF4-FFF2-40B4-BE49-F238E27FC236}">
+                <a16:creationId xmlns:a16="http://schemas.microsoft.com/office/drawing/2014/main" id="{EDF741E0-3743-3838-09A4-385CE61BA3D0}"/>
+              </a:ext>
+            </a:extLst>
+          </p:cNvPr>
+          <p:cNvSpPr/>
+          <p:nvPr/>
+        </p:nvSpPr>
+        <p:spPr>
+          <a:xfrm>
+            <a:off x="2715047" y="3926610"/>
+            <a:ext cx="3913909" cy="699654"/>
+          </a:xfrm>
+          <a:prstGeom prst="rect">
+            <a:avLst/>
+          </a:prstGeom>
+        </p:spPr>
+        <p:style>
+          <a:lnRef idx="2">
+            <a:schemeClr val="accent1">
+              <a:shade val="15000"/>
+            </a:schemeClr>
+          </a:lnRef>
+          <a:fillRef idx="1">
+            <a:schemeClr val="accent1"/>
+          </a:fillRef>
+          <a:effectRef idx="0">
+            <a:schemeClr val="accent1"/>
+          </a:effectRef>
+          <a:fontRef idx="minor">
+            <a:schemeClr val="lt1"/>
+          </a:fontRef>
+        </p:style>
+        <p:txBody>
+          <a:bodyPr rtlCol="0" anchor="ctr"/>
+          <a:lstStyle/>
+          <a:p>
+            <a:pPr algn="ctr"/>
+            <a:r>
+              <a:rPr lang="en-US" altLang="ko-KR" dirty="0"/>
+              <a:t>F9</a:t>
+            </a:r>
+            <a:endParaRPr lang="ko-KR" altLang="en-US" dirty="0"/>
+          </a:p>
+        </p:txBody>
+      </p:sp>
+      <p:sp>
+        <p:nvSpPr>
+          <p:cNvPr id="13" name="직사각형 12">
+            <a:extLst>
+              <a:ext uri="{FF2B5EF4-FFF2-40B4-BE49-F238E27FC236}">
+                <a16:creationId xmlns:a16="http://schemas.microsoft.com/office/drawing/2014/main" id="{524C12E3-40C1-FA4E-7DFE-D16718E108AD}"/>
+              </a:ext>
+            </a:extLst>
+          </p:cNvPr>
+          <p:cNvSpPr/>
+          <p:nvPr/>
+        </p:nvSpPr>
+        <p:spPr>
+          <a:xfrm>
+            <a:off x="207375" y="4836392"/>
+            <a:ext cx="2314864" cy="699654"/>
+          </a:xfrm>
+          <a:prstGeom prst="rect">
+            <a:avLst/>
+          </a:prstGeom>
+        </p:spPr>
+        <p:style>
+          <a:lnRef idx="2">
+            <a:schemeClr val="accent1">
+              <a:shade val="15000"/>
+            </a:schemeClr>
+          </a:lnRef>
+          <a:fillRef idx="1">
+            <a:schemeClr val="accent1"/>
+          </a:fillRef>
+          <a:effectRef idx="0">
+            <a:schemeClr val="accent1"/>
+          </a:effectRef>
+          <a:fontRef idx="minor">
+            <a:schemeClr val="lt1"/>
+          </a:fontRef>
+        </p:style>
+        <p:txBody>
+          <a:bodyPr rtlCol="0" anchor="ctr"/>
+          <a:lstStyle/>
+          <a:p>
+            <a:pPr algn="ctr"/>
+            <a:r>
+              <a:rPr lang="ko-KR" altLang="en-US" dirty="0"/>
+              <a:t>중단점 모두 삭제</a:t>
+            </a:r>
+          </a:p>
+        </p:txBody>
+      </p:sp>
+      <p:sp>
+        <p:nvSpPr>
+          <p:cNvPr id="14" name="직사각형 13">
+            <a:extLst>
+              <a:ext uri="{FF2B5EF4-FFF2-40B4-BE49-F238E27FC236}">
+                <a16:creationId xmlns:a16="http://schemas.microsoft.com/office/drawing/2014/main" id="{FB4EC14E-28E5-F5DD-30B9-11FCF3DE84F6}"/>
+              </a:ext>
+            </a:extLst>
+          </p:cNvPr>
+          <p:cNvSpPr/>
+          <p:nvPr/>
+        </p:nvSpPr>
+        <p:spPr>
+          <a:xfrm>
+            <a:off x="2715046" y="4836392"/>
+            <a:ext cx="3913909" cy="699654"/>
+          </a:xfrm>
+          <a:prstGeom prst="rect">
+            <a:avLst/>
+          </a:prstGeom>
+        </p:spPr>
+        <p:style>
+          <a:lnRef idx="2">
+            <a:schemeClr val="accent1">
+              <a:shade val="15000"/>
+            </a:schemeClr>
+          </a:lnRef>
+          <a:fillRef idx="1">
+            <a:schemeClr val="accent1"/>
+          </a:fillRef>
+          <a:effectRef idx="0">
+            <a:schemeClr val="accent1"/>
+          </a:effectRef>
+          <a:fontRef idx="minor">
+            <a:schemeClr val="lt1"/>
+          </a:fontRef>
+        </p:style>
+        <p:txBody>
+          <a:bodyPr rtlCol="0" anchor="ctr"/>
+          <a:lstStyle/>
+          <a:p>
+            <a:pPr algn="ctr"/>
+            <a:r>
+              <a:rPr lang="ko-KR" altLang="en-US" dirty="0"/>
+              <a:t>컨트롤 </a:t>
+            </a:r>
+            <a:r>
+              <a:rPr lang="en-US" altLang="ko-KR" dirty="0"/>
+              <a:t>+ </a:t>
+            </a:r>
+            <a:r>
+              <a:rPr lang="ko-KR" altLang="en-US" dirty="0"/>
+              <a:t>시프트 </a:t>
+            </a:r>
+            <a:r>
+              <a:rPr lang="en-US" altLang="ko-KR" dirty="0"/>
+              <a:t>+ F9</a:t>
+            </a:r>
+            <a:endParaRPr lang="ko-KR" altLang="en-US" dirty="0"/>
+          </a:p>
+        </p:txBody>
+      </p:sp>
+      <p:sp>
+        <p:nvSpPr>
+          <p:cNvPr id="15" name="직사각형 14">
+            <a:extLst>
+              <a:ext uri="{FF2B5EF4-FFF2-40B4-BE49-F238E27FC236}">
+                <a16:creationId xmlns:a16="http://schemas.microsoft.com/office/drawing/2014/main" id="{E4354870-D348-BD2A-E478-2D910B6CA217}"/>
+              </a:ext>
+            </a:extLst>
+          </p:cNvPr>
+          <p:cNvSpPr/>
+          <p:nvPr/>
+        </p:nvSpPr>
+        <p:spPr>
+          <a:xfrm>
+            <a:off x="207375" y="5672283"/>
+            <a:ext cx="2314864" cy="699654"/>
+          </a:xfrm>
+          <a:prstGeom prst="rect">
+            <a:avLst/>
+          </a:prstGeom>
+        </p:spPr>
+        <p:style>
+          <a:lnRef idx="2">
+            <a:schemeClr val="accent1">
+              <a:shade val="15000"/>
+            </a:schemeClr>
+          </a:lnRef>
+          <a:fillRef idx="1">
+            <a:schemeClr val="accent1"/>
+          </a:fillRef>
+          <a:effectRef idx="0">
+            <a:schemeClr val="accent1"/>
+          </a:effectRef>
+          <a:fontRef idx="minor">
+            <a:schemeClr val="lt1"/>
+          </a:fontRef>
+        </p:style>
+        <p:txBody>
+          <a:bodyPr rtlCol="0" anchor="ctr"/>
+          <a:lstStyle/>
+          <a:p>
+            <a:pPr algn="ctr"/>
+            <a:r>
+              <a:rPr lang="ko-KR" altLang="en-US" dirty="0"/>
+              <a:t>가장 첫번째</a:t>
+            </a:r>
+            <a:endParaRPr lang="en-US" altLang="ko-KR" dirty="0"/>
+          </a:p>
+          <a:p>
+            <a:pPr algn="ctr"/>
+            <a:r>
+              <a:rPr lang="ko-KR" altLang="en-US" dirty="0"/>
+              <a:t>중단점까지 실행</a:t>
+            </a:r>
+          </a:p>
+        </p:txBody>
+      </p:sp>
+      <p:sp>
+        <p:nvSpPr>
+          <p:cNvPr id="16" name="직사각형 15">
+            <a:extLst>
+              <a:ext uri="{FF2B5EF4-FFF2-40B4-BE49-F238E27FC236}">
+                <a16:creationId xmlns:a16="http://schemas.microsoft.com/office/drawing/2014/main" id="{DA40DCC8-F18A-37D1-F3B1-887619908723}"/>
+              </a:ext>
+            </a:extLst>
+          </p:cNvPr>
+          <p:cNvSpPr/>
+          <p:nvPr/>
+        </p:nvSpPr>
+        <p:spPr>
+          <a:xfrm>
+            <a:off x="2715046" y="5672283"/>
+            <a:ext cx="3913909" cy="699654"/>
+          </a:xfrm>
+          <a:prstGeom prst="rect">
+            <a:avLst/>
+          </a:prstGeom>
+        </p:spPr>
+        <p:style>
+          <a:lnRef idx="2">
+            <a:schemeClr val="accent1">
+              <a:shade val="15000"/>
+            </a:schemeClr>
+          </a:lnRef>
+          <a:fillRef idx="1">
+            <a:schemeClr val="accent1"/>
+          </a:fillRef>
+          <a:effectRef idx="0">
+            <a:schemeClr val="accent1"/>
+          </a:effectRef>
+          <a:fontRef idx="minor">
+            <a:schemeClr val="lt1"/>
+          </a:fontRef>
+        </p:style>
+        <p:txBody>
+          <a:bodyPr rtlCol="0" anchor="ctr"/>
+          <a:lstStyle/>
+          <a:p>
+            <a:pPr algn="ctr"/>
+            <a:r>
+              <a:rPr lang="en-US" altLang="ko-KR" dirty="0"/>
+              <a:t>F5</a:t>
+            </a:r>
+            <a:endParaRPr lang="ko-KR" altLang="en-US" dirty="0"/>
+          </a:p>
+        </p:txBody>
+      </p:sp>
+      <p:sp>
+        <p:nvSpPr>
+          <p:cNvPr id="17" name="직사각형 16">
+            <a:extLst>
+              <a:ext uri="{FF2B5EF4-FFF2-40B4-BE49-F238E27FC236}">
+                <a16:creationId xmlns:a16="http://schemas.microsoft.com/office/drawing/2014/main" id="{2F6B8027-B896-101B-FCD7-532E5C5EE685}"/>
+              </a:ext>
+            </a:extLst>
+          </p:cNvPr>
+          <p:cNvSpPr/>
+          <p:nvPr/>
+        </p:nvSpPr>
+        <p:spPr>
+          <a:xfrm>
+            <a:off x="6969281" y="2118015"/>
+            <a:ext cx="2442574" cy="699654"/>
+          </a:xfrm>
+          <a:prstGeom prst="rect">
+            <a:avLst/>
+          </a:prstGeom>
+        </p:spPr>
+        <p:style>
+          <a:lnRef idx="2">
+            <a:schemeClr val="accent1">
+              <a:shade val="15000"/>
+            </a:schemeClr>
+          </a:lnRef>
+          <a:fillRef idx="1">
+            <a:schemeClr val="accent1"/>
+          </a:fillRef>
+          <a:effectRef idx="0">
+            <a:schemeClr val="accent1"/>
+          </a:effectRef>
+          <a:fontRef idx="minor">
+            <a:schemeClr val="lt1"/>
+          </a:fontRef>
+        </p:style>
+        <p:txBody>
+          <a:bodyPr rtlCol="0" anchor="ctr"/>
+          <a:lstStyle/>
+          <a:p>
+            <a:pPr algn="ctr"/>
+            <a:r>
+              <a:rPr lang="ko-KR" altLang="en-US" dirty="0"/>
+              <a:t>실행중인</a:t>
+            </a:r>
+            <a:endParaRPr lang="en-US" altLang="ko-KR" dirty="0"/>
+          </a:p>
+          <a:p>
+            <a:pPr algn="ctr"/>
+            <a:r>
+              <a:rPr lang="ko-KR" altLang="en-US" dirty="0"/>
+              <a:t>함수 바깥으로 나가기</a:t>
+            </a:r>
+          </a:p>
+        </p:txBody>
+      </p:sp>
+      <p:sp>
+        <p:nvSpPr>
+          <p:cNvPr id="18" name="직사각형 17">
+            <a:extLst>
+              <a:ext uri="{FF2B5EF4-FFF2-40B4-BE49-F238E27FC236}">
+                <a16:creationId xmlns:a16="http://schemas.microsoft.com/office/drawing/2014/main" id="{6CE1E025-E226-4C7B-AEDA-2BB77F3685D2}"/>
+              </a:ext>
+            </a:extLst>
+          </p:cNvPr>
+          <p:cNvSpPr/>
+          <p:nvPr/>
+        </p:nvSpPr>
+        <p:spPr>
+          <a:xfrm>
+            <a:off x="9476953" y="2118015"/>
+            <a:ext cx="3913909" cy="699654"/>
+          </a:xfrm>
+          <a:prstGeom prst="rect">
+            <a:avLst/>
+          </a:prstGeom>
+        </p:spPr>
+        <p:style>
+          <a:lnRef idx="2">
+            <a:schemeClr val="accent1">
+              <a:shade val="15000"/>
+            </a:schemeClr>
+          </a:lnRef>
+          <a:fillRef idx="1">
+            <a:schemeClr val="accent1"/>
+          </a:fillRef>
+          <a:effectRef idx="0">
+            <a:schemeClr val="accent1"/>
+          </a:effectRef>
+          <a:fontRef idx="minor">
+            <a:schemeClr val="lt1"/>
+          </a:fontRef>
+        </p:style>
+        <p:txBody>
+          <a:bodyPr rtlCol="0" anchor="ctr"/>
+          <a:lstStyle/>
+          <a:p>
+            <a:pPr algn="ctr"/>
+            <a:r>
+              <a:rPr lang="ko-KR" altLang="en-US" dirty="0"/>
+              <a:t>시프트 </a:t>
+            </a:r>
+            <a:r>
+              <a:rPr lang="en-US" altLang="ko-KR"/>
+              <a:t>+ F11</a:t>
+            </a:r>
+            <a:endParaRPr lang="ko-KR" altLang="en-US" dirty="0"/>
+          </a:p>
+        </p:txBody>
+      </p:sp>
+    </p:spTree>
+    <p:extLst>
+      <p:ext uri="{BB962C8B-B14F-4D97-AF65-F5344CB8AC3E}">
+        <p14:creationId xmlns:p14="http://schemas.microsoft.com/office/powerpoint/2010/main" val="1411660491"/>
+      </p:ext>
+    </p:extLst>
+  </p:cSld>
+  <p:clrMapOvr>
+    <a:masterClrMapping/>
+  </p:clrMapOvr>
+</p:sld>
+</file>
+
+<file path=ppt/slides/slide6.xml><?xml version="1.0" encoding="utf-8"?>
+<p:sld xmlns:a="http://schemas.openxmlformats.org/drawingml/2006/main" xmlns:r="http://schemas.openxmlformats.org/officeDocument/2006/relationships" xmlns:p="http://schemas.openxmlformats.org/presentationml/2006/main">
+  <p:cSld>
+    <p:spTree>
+      <p:nvGrpSpPr>
+        <p:cNvPr id="1" name=""/>
+        <p:cNvGrpSpPr/>
+        <p:nvPr/>
+      </p:nvGrpSpPr>
+      <p:grpSpPr>
+        <a:xfrm>
+          <a:off x="0" y="0"/>
+          <a:ext cx="0" cy="0"/>
+          <a:chOff x="0" y="0"/>
+          <a:chExt cx="0" cy="0"/>
+        </a:xfrm>
+      </p:grpSpPr>
+      <p:sp>
+        <p:nvSpPr>
+          <p:cNvPr id="4" name="직사각형 3">
+            <a:extLst>
+              <a:ext uri="{FF2B5EF4-FFF2-40B4-BE49-F238E27FC236}">
+                <a16:creationId xmlns:a16="http://schemas.microsoft.com/office/drawing/2014/main" id="{BF543E7D-B64F-96E1-71EC-DD4B0AC09943}"/>
+              </a:ext>
+            </a:extLst>
+          </p:cNvPr>
+          <p:cNvSpPr/>
+          <p:nvPr/>
+        </p:nvSpPr>
+        <p:spPr>
+          <a:xfrm>
+            <a:off x="207375" y="2107046"/>
+            <a:ext cx="2314864" cy="699654"/>
+          </a:xfrm>
+          <a:prstGeom prst="rect">
+            <a:avLst/>
+          </a:prstGeom>
+        </p:spPr>
+        <p:style>
+          <a:lnRef idx="2">
+            <a:schemeClr val="accent1">
+              <a:shade val="15000"/>
+            </a:schemeClr>
+          </a:lnRef>
+          <a:fillRef idx="1">
+            <a:schemeClr val="accent1"/>
+          </a:fillRef>
+          <a:effectRef idx="0">
+            <a:schemeClr val="accent1"/>
+          </a:effectRef>
+          <a:fontRef idx="minor">
+            <a:schemeClr val="lt1"/>
+          </a:fontRef>
+        </p:style>
+        <p:txBody>
+          <a:bodyPr rtlCol="0" anchor="ctr"/>
+          <a:lstStyle/>
+          <a:p>
+            <a:pPr algn="ctr"/>
+            <a:r>
+              <a:rPr lang="ko-KR" altLang="en-US" dirty="0"/>
+              <a:t>컴파일 </a:t>
+            </a:r>
+            <a:r>
+              <a:rPr lang="ko-KR" altLang="en-US" dirty="0" err="1"/>
+              <a:t>에러시</a:t>
+            </a:r>
+            <a:endParaRPr lang="en-US" altLang="ko-KR" dirty="0"/>
+          </a:p>
+          <a:p>
+            <a:pPr algn="ctr"/>
+            <a:r>
+              <a:rPr lang="ko-KR" altLang="en-US" dirty="0"/>
+              <a:t>에러 위치로 이동</a:t>
+            </a:r>
+          </a:p>
+        </p:txBody>
+      </p:sp>
+      <p:sp>
+        <p:nvSpPr>
+          <p:cNvPr id="5" name="직사각형 4">
+            <a:extLst>
+              <a:ext uri="{FF2B5EF4-FFF2-40B4-BE49-F238E27FC236}">
+                <a16:creationId xmlns:a16="http://schemas.microsoft.com/office/drawing/2014/main" id="{44D6DBC5-8748-C6A7-2150-FED36194AA1A}"/>
+              </a:ext>
+            </a:extLst>
+          </p:cNvPr>
+          <p:cNvSpPr/>
+          <p:nvPr/>
+        </p:nvSpPr>
+        <p:spPr>
+          <a:xfrm>
+            <a:off x="2715047" y="2107046"/>
+            <a:ext cx="3913909" cy="699654"/>
+          </a:xfrm>
+          <a:prstGeom prst="rect">
+            <a:avLst/>
+          </a:prstGeom>
+        </p:spPr>
+        <p:style>
+          <a:lnRef idx="2">
+            <a:schemeClr val="accent1">
+              <a:shade val="15000"/>
+            </a:schemeClr>
+          </a:lnRef>
+          <a:fillRef idx="1">
+            <a:schemeClr val="accent1"/>
+          </a:fillRef>
+          <a:effectRef idx="0">
+            <a:schemeClr val="accent1"/>
+          </a:effectRef>
+          <a:fontRef idx="minor">
+            <a:schemeClr val="lt1"/>
+          </a:fontRef>
+        </p:style>
+        <p:txBody>
+          <a:bodyPr rtlCol="0" anchor="ctr"/>
+          <a:lstStyle/>
+          <a:p>
+            <a:pPr algn="ctr"/>
+            <a:r>
+              <a:rPr lang="en-US" altLang="ko-KR" dirty="0"/>
+              <a:t>F8</a:t>
+            </a:r>
+            <a:endParaRPr lang="ko-KR" altLang="en-US" dirty="0"/>
+          </a:p>
+        </p:txBody>
+      </p:sp>
     </p:spTree>
     <p:extLst>
       <p:ext uri="{BB962C8B-B14F-4D97-AF65-F5344CB8AC3E}">
@@ -4637,7 +5637,7 @@
 </p:sld>
 </file>
 
-<file path=ppt/slides/slide6.xml><?xml version="1.0" encoding="utf-8"?>
+<file path=ppt/slides/slide7.xml><?xml version="1.0" encoding="utf-8"?>
 <p:sld xmlns:a="http://schemas.openxmlformats.org/drawingml/2006/main" xmlns:r="http://schemas.openxmlformats.org/officeDocument/2006/relationships" xmlns:p="http://schemas.openxmlformats.org/presentationml/2006/main">
   <p:cSld>
     <p:spTree>
@@ -4667,7 +5667,7 @@
 </p:sld>
 </file>
 
-<file path=ppt/slides/slide7.xml><?xml version="1.0" encoding="utf-8"?>
+<file path=ppt/slides/slide8.xml><?xml version="1.0" encoding="utf-8"?>
 <p:sld xmlns:a="http://schemas.openxmlformats.org/drawingml/2006/main" xmlns:r="http://schemas.openxmlformats.org/officeDocument/2006/relationships" xmlns:p="http://schemas.openxmlformats.org/presentationml/2006/main">
   <p:cSld>
     <p:spTree>
@@ -4697,7 +5697,7 @@
 </p:sld>
 </file>
 
-<file path=ppt/slides/slide8.xml><?xml version="1.0" encoding="utf-8"?>
+<file path=ppt/slides/slide9.xml><?xml version="1.0" encoding="utf-8"?>
 <p:sld xmlns:a="http://schemas.openxmlformats.org/drawingml/2006/main" xmlns:r="http://schemas.openxmlformats.org/officeDocument/2006/relationships" xmlns:p="http://schemas.openxmlformats.org/presentationml/2006/main">
   <p:cSld>
     <p:spTree>
@@ -4718,36 +5718,6 @@
     <p:extLst>
       <p:ext uri="{BB962C8B-B14F-4D97-AF65-F5344CB8AC3E}">
         <p14:creationId xmlns:p14="http://schemas.microsoft.com/office/powerpoint/2010/main" val="4238543974"/>
-      </p:ext>
-    </p:extLst>
-  </p:cSld>
-  <p:clrMapOvr>
-    <a:masterClrMapping/>
-  </p:clrMapOvr>
-</p:sld>
-</file>
-
-<file path=ppt/slides/slide9.xml><?xml version="1.0" encoding="utf-8"?>
-<p:sld xmlns:a="http://schemas.openxmlformats.org/drawingml/2006/main" xmlns:r="http://schemas.openxmlformats.org/officeDocument/2006/relationships" xmlns:p="http://schemas.openxmlformats.org/presentationml/2006/main">
-  <p:cSld>
-    <p:spTree>
-      <p:nvGrpSpPr>
-        <p:cNvPr id="1" name=""/>
-        <p:cNvGrpSpPr/>
-        <p:nvPr/>
-      </p:nvGrpSpPr>
-      <p:grpSpPr>
-        <a:xfrm>
-          <a:off x="0" y="0"/>
-          <a:ext cx="0" cy="0"/>
-          <a:chOff x="0" y="0"/>
-          <a:chExt cx="0" cy="0"/>
-        </a:xfrm>
-      </p:grpSpPr>
-    </p:spTree>
-    <p:extLst>
-      <p:ext uri="{BB962C8B-B14F-4D97-AF65-F5344CB8AC3E}">
-        <p14:creationId xmlns:p14="http://schemas.microsoft.com/office/powerpoint/2010/main" val="3018759265"/>
       </p:ext>
     </p:extLst>
   </p:cSld>

--- a/DOC/공통문서/비주얼스튜디오 단축키.pptx
+++ b/DOC/공통문서/비주얼스튜디오 단축키.pptx
@@ -307,7 +307,7 @@
           <a:p>
             <a:fld id="{ADAF0334-EF1F-40BE-A71F-BA73690F7647}" type="datetimeFigureOut">
               <a:rPr lang="ko-KR" altLang="en-US" smtClean="0"/>
-              <a:t>2024-09-11</a:t>
+              <a:t>2024-09-12</a:t>
             </a:fld>
             <a:endParaRPr lang="ko-KR" altLang="en-US"/>
           </a:p>
@@ -505,7 +505,7 @@
           <a:p>
             <a:fld id="{ADAF0334-EF1F-40BE-A71F-BA73690F7647}" type="datetimeFigureOut">
               <a:rPr lang="ko-KR" altLang="en-US" smtClean="0"/>
-              <a:t>2024-09-11</a:t>
+              <a:t>2024-09-12</a:t>
             </a:fld>
             <a:endParaRPr lang="ko-KR" altLang="en-US"/>
           </a:p>
@@ -713,7 +713,7 @@
           <a:p>
             <a:fld id="{ADAF0334-EF1F-40BE-A71F-BA73690F7647}" type="datetimeFigureOut">
               <a:rPr lang="ko-KR" altLang="en-US" smtClean="0"/>
-              <a:t>2024-09-11</a:t>
+              <a:t>2024-09-12</a:t>
             </a:fld>
             <a:endParaRPr lang="ko-KR" altLang="en-US"/>
           </a:p>
@@ -911,7 +911,7 @@
           <a:p>
             <a:fld id="{ADAF0334-EF1F-40BE-A71F-BA73690F7647}" type="datetimeFigureOut">
               <a:rPr lang="ko-KR" altLang="en-US" smtClean="0"/>
-              <a:t>2024-09-11</a:t>
+              <a:t>2024-09-12</a:t>
             </a:fld>
             <a:endParaRPr lang="ko-KR" altLang="en-US"/>
           </a:p>
@@ -1186,7 +1186,7 @@
           <a:p>
             <a:fld id="{ADAF0334-EF1F-40BE-A71F-BA73690F7647}" type="datetimeFigureOut">
               <a:rPr lang="ko-KR" altLang="en-US" smtClean="0"/>
-              <a:t>2024-09-11</a:t>
+              <a:t>2024-09-12</a:t>
             </a:fld>
             <a:endParaRPr lang="ko-KR" altLang="en-US"/>
           </a:p>
@@ -1451,7 +1451,7 @@
           <a:p>
             <a:fld id="{ADAF0334-EF1F-40BE-A71F-BA73690F7647}" type="datetimeFigureOut">
               <a:rPr lang="ko-KR" altLang="en-US" smtClean="0"/>
-              <a:t>2024-09-11</a:t>
+              <a:t>2024-09-12</a:t>
             </a:fld>
             <a:endParaRPr lang="ko-KR" altLang="en-US"/>
           </a:p>
@@ -1863,7 +1863,7 @@
           <a:p>
             <a:fld id="{ADAF0334-EF1F-40BE-A71F-BA73690F7647}" type="datetimeFigureOut">
               <a:rPr lang="ko-KR" altLang="en-US" smtClean="0"/>
-              <a:t>2024-09-11</a:t>
+              <a:t>2024-09-12</a:t>
             </a:fld>
             <a:endParaRPr lang="ko-KR" altLang="en-US"/>
           </a:p>
@@ -2004,7 +2004,7 @@
           <a:p>
             <a:fld id="{ADAF0334-EF1F-40BE-A71F-BA73690F7647}" type="datetimeFigureOut">
               <a:rPr lang="ko-KR" altLang="en-US" smtClean="0"/>
-              <a:t>2024-09-11</a:t>
+              <a:t>2024-09-12</a:t>
             </a:fld>
             <a:endParaRPr lang="ko-KR" altLang="en-US"/>
           </a:p>
@@ -2117,7 +2117,7 @@
           <a:p>
             <a:fld id="{ADAF0334-EF1F-40BE-A71F-BA73690F7647}" type="datetimeFigureOut">
               <a:rPr lang="ko-KR" altLang="en-US" smtClean="0"/>
-              <a:t>2024-09-11</a:t>
+              <a:t>2024-09-12</a:t>
             </a:fld>
             <a:endParaRPr lang="ko-KR" altLang="en-US"/>
           </a:p>
@@ -2428,7 +2428,7 @@
           <a:p>
             <a:fld id="{ADAF0334-EF1F-40BE-A71F-BA73690F7647}" type="datetimeFigureOut">
               <a:rPr lang="ko-KR" altLang="en-US" smtClean="0"/>
-              <a:t>2024-09-11</a:t>
+              <a:t>2024-09-12</a:t>
             </a:fld>
             <a:endParaRPr lang="ko-KR" altLang="en-US"/>
           </a:p>
@@ -2716,7 +2716,7 @@
           <a:p>
             <a:fld id="{ADAF0334-EF1F-40BE-A71F-BA73690F7647}" type="datetimeFigureOut">
               <a:rPr lang="ko-KR" altLang="en-US" smtClean="0"/>
-              <a:t>2024-09-11</a:t>
+              <a:t>2024-09-12</a:t>
             </a:fld>
             <a:endParaRPr lang="ko-KR" altLang="en-US"/>
           </a:p>
@@ -2957,7 +2957,7 @@
           <a:p>
             <a:fld id="{ADAF0334-EF1F-40BE-A71F-BA73690F7647}" type="datetimeFigureOut">
               <a:rPr lang="ko-KR" altLang="en-US" smtClean="0"/>
-              <a:t>2024-09-11</a:t>
+              <a:t>2024-09-12</a:t>
             </a:fld>
             <a:endParaRPr lang="ko-KR" altLang="en-US"/>
           </a:p>
@@ -5527,7 +5527,7 @@
         </p:nvSpPr>
         <p:spPr>
           <a:xfrm>
-            <a:off x="207375" y="2107046"/>
+            <a:off x="179666" y="619992"/>
             <a:ext cx="2314864" cy="699654"/>
           </a:xfrm>
           <a:prstGeom prst="rect">
@@ -5588,7 +5588,7 @@
         </p:nvSpPr>
         <p:spPr>
           <a:xfrm>
-            <a:off x="2715047" y="2107046"/>
+            <a:off x="2687338" y="619992"/>
             <a:ext cx="3913909" cy="699654"/>
           </a:xfrm>
           <a:prstGeom prst="rect">
@@ -5654,6 +5654,243 @@
           <a:chExt cx="0" cy="0"/>
         </a:xfrm>
       </p:grpSpPr>
+      <p:pic>
+        <p:nvPicPr>
+          <p:cNvPr id="3" name="그림 2">
+            <a:extLst>
+              <a:ext uri="{FF2B5EF4-FFF2-40B4-BE49-F238E27FC236}">
+                <a16:creationId xmlns:a16="http://schemas.microsoft.com/office/drawing/2014/main" id="{DF073574-7B28-FEE2-C902-9E19A825D40F}"/>
+              </a:ext>
+            </a:extLst>
+          </p:cNvPr>
+          <p:cNvPicPr>
+            <a:picLocks noChangeAspect="1"/>
+          </p:cNvPicPr>
+          <p:nvPr/>
+        </p:nvPicPr>
+        <p:blipFill>
+          <a:blip r:embed="rId2"/>
+          <a:stretch>
+            <a:fillRect/>
+          </a:stretch>
+        </p:blipFill>
+        <p:spPr>
+          <a:xfrm>
+            <a:off x="780524" y="4135062"/>
+            <a:ext cx="5458587" cy="1247949"/>
+          </a:xfrm>
+          <a:prstGeom prst="rect">
+            <a:avLst/>
+          </a:prstGeom>
+        </p:spPr>
+      </p:pic>
+      <p:sp>
+        <p:nvSpPr>
+          <p:cNvPr id="2" name="직사각형 1">
+            <a:extLst>
+              <a:ext uri="{FF2B5EF4-FFF2-40B4-BE49-F238E27FC236}">
+                <a16:creationId xmlns:a16="http://schemas.microsoft.com/office/drawing/2014/main" id="{1C3525FB-3D1D-0C95-38E1-4EFC0E102AAF}"/>
+              </a:ext>
+            </a:extLst>
+          </p:cNvPr>
+          <p:cNvSpPr/>
+          <p:nvPr/>
+        </p:nvSpPr>
+        <p:spPr>
+          <a:xfrm>
+            <a:off x="618393" y="897083"/>
+            <a:ext cx="3913909" cy="699654"/>
+          </a:xfrm>
+          <a:prstGeom prst="rect">
+            <a:avLst/>
+          </a:prstGeom>
+        </p:spPr>
+        <p:style>
+          <a:lnRef idx="2">
+            <a:schemeClr val="accent1">
+              <a:shade val="15000"/>
+            </a:schemeClr>
+          </a:lnRef>
+          <a:fillRef idx="1">
+            <a:schemeClr val="accent1"/>
+          </a:fillRef>
+          <a:effectRef idx="0">
+            <a:schemeClr val="accent1"/>
+          </a:effectRef>
+          <a:fontRef idx="minor">
+            <a:schemeClr val="lt1"/>
+          </a:fontRef>
+        </p:style>
+        <p:txBody>
+          <a:bodyPr rtlCol="0" anchor="ctr"/>
+          <a:lstStyle/>
+          <a:p>
+            <a:pPr algn="ctr"/>
+            <a:r>
+              <a:rPr lang="ko-KR" altLang="en-US"/>
+              <a:t>주석 걸기</a:t>
+            </a:r>
+            <a:endParaRPr lang="ko-KR" altLang="en-US" dirty="0"/>
+          </a:p>
+        </p:txBody>
+      </p:sp>
+      <p:sp>
+        <p:nvSpPr>
+          <p:cNvPr id="4" name="직사각형 3">
+            <a:extLst>
+              <a:ext uri="{FF2B5EF4-FFF2-40B4-BE49-F238E27FC236}">
+                <a16:creationId xmlns:a16="http://schemas.microsoft.com/office/drawing/2014/main" id="{2BF92A7F-E045-08A5-74B2-7E4838D69A4A}"/>
+              </a:ext>
+            </a:extLst>
+          </p:cNvPr>
+          <p:cNvSpPr/>
+          <p:nvPr/>
+        </p:nvSpPr>
+        <p:spPr>
+          <a:xfrm>
+            <a:off x="4797847" y="897083"/>
+            <a:ext cx="3913909" cy="699654"/>
+          </a:xfrm>
+          <a:prstGeom prst="rect">
+            <a:avLst/>
+          </a:prstGeom>
+        </p:spPr>
+        <p:style>
+          <a:lnRef idx="2">
+            <a:schemeClr val="accent1">
+              <a:shade val="15000"/>
+            </a:schemeClr>
+          </a:lnRef>
+          <a:fillRef idx="1">
+            <a:schemeClr val="accent1"/>
+          </a:fillRef>
+          <a:effectRef idx="0">
+            <a:schemeClr val="accent1"/>
+          </a:effectRef>
+          <a:fontRef idx="minor">
+            <a:schemeClr val="lt1"/>
+          </a:fontRef>
+        </p:style>
+        <p:txBody>
+          <a:bodyPr rtlCol="0" anchor="ctr"/>
+          <a:lstStyle/>
+          <a:p>
+            <a:pPr algn="ctr"/>
+            <a:r>
+              <a:rPr lang="ko-KR" altLang="en-US" dirty="0"/>
+              <a:t>컨트롤 </a:t>
+            </a:r>
+            <a:r>
+              <a:rPr lang="en-US" altLang="ko-KR" dirty="0"/>
+              <a:t>+ K + C</a:t>
+            </a:r>
+            <a:endParaRPr lang="ko-KR" altLang="en-US" dirty="0"/>
+          </a:p>
+        </p:txBody>
+      </p:sp>
+      <p:sp>
+        <p:nvSpPr>
+          <p:cNvPr id="5" name="직사각형 4">
+            <a:extLst>
+              <a:ext uri="{FF2B5EF4-FFF2-40B4-BE49-F238E27FC236}">
+                <a16:creationId xmlns:a16="http://schemas.microsoft.com/office/drawing/2014/main" id="{CF666F2A-6DBB-CE3F-1F7B-1E3DEAF474D2}"/>
+              </a:ext>
+            </a:extLst>
+          </p:cNvPr>
+          <p:cNvSpPr/>
+          <p:nvPr/>
+        </p:nvSpPr>
+        <p:spPr>
+          <a:xfrm>
+            <a:off x="618393" y="2023284"/>
+            <a:ext cx="3913909" cy="699654"/>
+          </a:xfrm>
+          <a:prstGeom prst="rect">
+            <a:avLst/>
+          </a:prstGeom>
+        </p:spPr>
+        <p:style>
+          <a:lnRef idx="2">
+            <a:schemeClr val="accent1">
+              <a:shade val="15000"/>
+            </a:schemeClr>
+          </a:lnRef>
+          <a:fillRef idx="1">
+            <a:schemeClr val="accent1"/>
+          </a:fillRef>
+          <a:effectRef idx="0">
+            <a:schemeClr val="accent1"/>
+          </a:effectRef>
+          <a:fontRef idx="minor">
+            <a:schemeClr val="lt1"/>
+          </a:fontRef>
+        </p:style>
+        <p:txBody>
+          <a:bodyPr rtlCol="0" anchor="ctr"/>
+          <a:lstStyle/>
+          <a:p>
+            <a:pPr algn="ctr"/>
+            <a:r>
+              <a:rPr lang="ko-KR" altLang="en-US" dirty="0"/>
+              <a:t>주석 풀기</a:t>
+            </a:r>
+          </a:p>
+        </p:txBody>
+      </p:sp>
+      <p:sp>
+        <p:nvSpPr>
+          <p:cNvPr id="6" name="직사각형 5">
+            <a:extLst>
+              <a:ext uri="{FF2B5EF4-FFF2-40B4-BE49-F238E27FC236}">
+                <a16:creationId xmlns:a16="http://schemas.microsoft.com/office/drawing/2014/main" id="{953CB6DC-C61C-9E9E-92E0-8AC323E2E857}"/>
+              </a:ext>
+            </a:extLst>
+          </p:cNvPr>
+          <p:cNvSpPr/>
+          <p:nvPr/>
+        </p:nvSpPr>
+        <p:spPr>
+          <a:xfrm>
+            <a:off x="4797847" y="2023284"/>
+            <a:ext cx="3913909" cy="699654"/>
+          </a:xfrm>
+          <a:prstGeom prst="rect">
+            <a:avLst/>
+          </a:prstGeom>
+        </p:spPr>
+        <p:style>
+          <a:lnRef idx="2">
+            <a:schemeClr val="accent1">
+              <a:shade val="15000"/>
+            </a:schemeClr>
+          </a:lnRef>
+          <a:fillRef idx="1">
+            <a:schemeClr val="accent1"/>
+          </a:fillRef>
+          <a:effectRef idx="0">
+            <a:schemeClr val="accent1"/>
+          </a:effectRef>
+          <a:fontRef idx="minor">
+            <a:schemeClr val="lt1"/>
+          </a:fontRef>
+        </p:style>
+        <p:txBody>
+          <a:bodyPr rtlCol="0" anchor="ctr"/>
+          <a:lstStyle/>
+          <a:p>
+            <a:pPr algn="ctr"/>
+            <a:r>
+              <a:rPr lang="ko-KR" altLang="en-US" dirty="0"/>
+              <a:t>컨트롤 </a:t>
+            </a:r>
+            <a:r>
+              <a:rPr lang="en-US" altLang="ko-KR" dirty="0"/>
+              <a:t>+ K + U</a:t>
+            </a:r>
+            <a:endParaRPr lang="ko-KR" altLang="en-US" dirty="0"/>
+          </a:p>
+        </p:txBody>
+      </p:sp>
     </p:spTree>
     <p:extLst>
       <p:ext uri="{BB962C8B-B14F-4D97-AF65-F5344CB8AC3E}">
@@ -5684,6 +5921,126 @@
           <a:chExt cx="0" cy="0"/>
         </a:xfrm>
       </p:grpSpPr>
+      <p:sp>
+        <p:nvSpPr>
+          <p:cNvPr id="4" name="직사각형 3">
+            <a:extLst>
+              <a:ext uri="{FF2B5EF4-FFF2-40B4-BE49-F238E27FC236}">
+                <a16:creationId xmlns:a16="http://schemas.microsoft.com/office/drawing/2014/main" id="{73072FA9-A79C-D7C6-4398-8DC55E90AAE8}"/>
+              </a:ext>
+            </a:extLst>
+          </p:cNvPr>
+          <p:cNvSpPr/>
+          <p:nvPr/>
+        </p:nvSpPr>
+        <p:spPr>
+          <a:xfrm>
+            <a:off x="489084" y="647066"/>
+            <a:ext cx="3913909" cy="699654"/>
+          </a:xfrm>
+          <a:prstGeom prst="rect">
+            <a:avLst/>
+          </a:prstGeom>
+        </p:spPr>
+        <p:style>
+          <a:lnRef idx="2">
+            <a:schemeClr val="accent1">
+              <a:shade val="15000"/>
+            </a:schemeClr>
+          </a:lnRef>
+          <a:fillRef idx="1">
+            <a:schemeClr val="accent1"/>
+          </a:fillRef>
+          <a:effectRef idx="0">
+            <a:schemeClr val="accent1"/>
+          </a:effectRef>
+          <a:fontRef idx="minor">
+            <a:schemeClr val="lt1"/>
+          </a:fontRef>
+        </p:style>
+        <p:txBody>
+          <a:bodyPr rtlCol="0" anchor="ctr"/>
+          <a:lstStyle/>
+          <a:p>
+            <a:pPr algn="ctr"/>
+            <a:r>
+              <a:rPr lang="ko-KR" altLang="en-US" dirty="0"/>
+              <a:t>코드 위치 이동</a:t>
+            </a:r>
+            <a:endParaRPr lang="en-US" altLang="ko-KR" dirty="0"/>
+          </a:p>
+        </p:txBody>
+      </p:sp>
+      <p:sp>
+        <p:nvSpPr>
+          <p:cNvPr id="5" name="직사각형 4">
+            <a:extLst>
+              <a:ext uri="{FF2B5EF4-FFF2-40B4-BE49-F238E27FC236}">
+                <a16:creationId xmlns:a16="http://schemas.microsoft.com/office/drawing/2014/main" id="{F5E5B135-BF68-AEE4-F5F5-1CA77566A2A2}"/>
+              </a:ext>
+            </a:extLst>
+          </p:cNvPr>
+          <p:cNvSpPr/>
+          <p:nvPr/>
+        </p:nvSpPr>
+        <p:spPr>
+          <a:xfrm>
+            <a:off x="4668538" y="647066"/>
+            <a:ext cx="3913909" cy="699654"/>
+          </a:xfrm>
+          <a:prstGeom prst="rect">
+            <a:avLst/>
+          </a:prstGeom>
+        </p:spPr>
+        <p:style>
+          <a:lnRef idx="2">
+            <a:schemeClr val="accent1">
+              <a:shade val="15000"/>
+            </a:schemeClr>
+          </a:lnRef>
+          <a:fillRef idx="1">
+            <a:schemeClr val="accent1"/>
+          </a:fillRef>
+          <a:effectRef idx="0">
+            <a:schemeClr val="accent1"/>
+          </a:effectRef>
+          <a:fontRef idx="minor">
+            <a:schemeClr val="lt1"/>
+          </a:fontRef>
+        </p:style>
+        <p:txBody>
+          <a:bodyPr rtlCol="0" anchor="ctr"/>
+          <a:lstStyle/>
+          <a:p>
+            <a:pPr algn="ctr"/>
+            <a:r>
+              <a:rPr lang="ko-KR" altLang="en-US" dirty="0"/>
+              <a:t>범위 잡고 </a:t>
+            </a:r>
+            <a:r>
+              <a:rPr lang="en-US" altLang="ko-KR" dirty="0"/>
+              <a:t>alt + </a:t>
+            </a:r>
+            <a:r>
+              <a:rPr lang="ko-KR" altLang="en-US" dirty="0"/>
+              <a:t>방향키</a:t>
+            </a:r>
+            <a:endParaRPr lang="en-US" altLang="ko-KR" dirty="0"/>
+          </a:p>
+          <a:p>
+            <a:pPr algn="ctr"/>
+            <a:r>
+              <a:rPr lang="ko-KR" altLang="en-US" dirty="0"/>
+              <a:t>보통 위나 아래로 이동한다</a:t>
+            </a:r>
+            <a:r>
+              <a:rPr lang="en-US" altLang="ko-KR"/>
+              <a:t>.</a:t>
+            </a:r>
+            <a:endParaRPr lang="ko-KR" altLang="en-US" dirty="0"/>
+          </a:p>
+        </p:txBody>
+      </p:sp>
     </p:spTree>
     <p:extLst>
       <p:ext uri="{BB962C8B-B14F-4D97-AF65-F5344CB8AC3E}">

--- a/DOC/공통문서/비주얼스튜디오 단축키.pptx
+++ b/DOC/공통문서/비주얼스튜디오 단축키.pptx
@@ -5,27 +5,31 @@
     <p:sldMasterId id="2147483648" r:id="rId1"/>
   </p:sldMasterIdLst>
   <p:sldIdLst>
-    <p:sldId id="260" r:id="rId2"/>
-    <p:sldId id="261" r:id="rId3"/>
-    <p:sldId id="279" r:id="rId4"/>
-    <p:sldId id="262" r:id="rId5"/>
-    <p:sldId id="280" r:id="rId6"/>
-    <p:sldId id="263" r:id="rId7"/>
-    <p:sldId id="264" r:id="rId8"/>
-    <p:sldId id="265" r:id="rId9"/>
-    <p:sldId id="266" r:id="rId10"/>
-    <p:sldId id="267" r:id="rId11"/>
-    <p:sldId id="268" r:id="rId12"/>
-    <p:sldId id="269" r:id="rId13"/>
-    <p:sldId id="270" r:id="rId14"/>
-    <p:sldId id="271" r:id="rId15"/>
-    <p:sldId id="272" r:id="rId16"/>
-    <p:sldId id="273" r:id="rId17"/>
-    <p:sldId id="274" r:id="rId18"/>
-    <p:sldId id="275" r:id="rId19"/>
-    <p:sldId id="276" r:id="rId20"/>
-    <p:sldId id="277" r:id="rId21"/>
-    <p:sldId id="278" r:id="rId22"/>
+    <p:sldId id="281" r:id="rId2"/>
+    <p:sldId id="260" r:id="rId3"/>
+    <p:sldId id="261" r:id="rId4"/>
+    <p:sldId id="279" r:id="rId5"/>
+    <p:sldId id="265" r:id="rId6"/>
+    <p:sldId id="282" r:id="rId7"/>
+    <p:sldId id="262" r:id="rId8"/>
+    <p:sldId id="283" r:id="rId9"/>
+    <p:sldId id="280" r:id="rId10"/>
+    <p:sldId id="263" r:id="rId11"/>
+    <p:sldId id="284" r:id="rId12"/>
+    <p:sldId id="264" r:id="rId13"/>
+    <p:sldId id="266" r:id="rId14"/>
+    <p:sldId id="267" r:id="rId15"/>
+    <p:sldId id="268" r:id="rId16"/>
+    <p:sldId id="269" r:id="rId17"/>
+    <p:sldId id="270" r:id="rId18"/>
+    <p:sldId id="271" r:id="rId19"/>
+    <p:sldId id="272" r:id="rId20"/>
+    <p:sldId id="273" r:id="rId21"/>
+    <p:sldId id="274" r:id="rId22"/>
+    <p:sldId id="275" r:id="rId23"/>
+    <p:sldId id="276" r:id="rId24"/>
+    <p:sldId id="277" r:id="rId25"/>
+    <p:sldId id="278" r:id="rId26"/>
   </p:sldIdLst>
   <p:sldSz cx="12192000" cy="6858000"/>
   <p:notesSz cx="6858000" cy="9144000"/>
@@ -3388,8 +3392,8 @@
         </p:nvSpPr>
         <p:spPr>
           <a:xfrm>
-            <a:off x="434109" y="528782"/>
-            <a:ext cx="11323782" cy="699654"/>
+            <a:off x="434109" y="528781"/>
+            <a:ext cx="11323782" cy="5908963"/>
           </a:xfrm>
           <a:prstGeom prst="rect">
             <a:avLst/>
@@ -3418,17 +3422,268 @@
             <a:pPr algn="ctr"/>
             <a:r>
               <a:rPr lang="ko-KR" altLang="en-US" dirty="0"/>
-              <a:t>화면 확대 축소</a:t>
-            </a:r>
-          </a:p>
-        </p:txBody>
-      </p:sp>
+              <a:t>기본단축키</a:t>
+            </a:r>
+          </a:p>
+        </p:txBody>
+      </p:sp>
+    </p:spTree>
+    <p:extLst>
+      <p:ext uri="{BB962C8B-B14F-4D97-AF65-F5344CB8AC3E}">
+        <p14:creationId xmlns:p14="http://schemas.microsoft.com/office/powerpoint/2010/main" val="2679460438"/>
+      </p:ext>
+    </p:extLst>
+  </p:cSld>
+  <p:clrMapOvr>
+    <a:masterClrMapping/>
+  </p:clrMapOvr>
+</p:sld>
+</file>
+
+<file path=ppt/slides/slide10.xml><?xml version="1.0" encoding="utf-8"?>
+<p:sld xmlns:a="http://schemas.openxmlformats.org/drawingml/2006/main" xmlns:r="http://schemas.openxmlformats.org/officeDocument/2006/relationships" xmlns:p="http://schemas.openxmlformats.org/presentationml/2006/main">
+  <p:cSld>
+    <p:spTree>
+      <p:nvGrpSpPr>
+        <p:cNvPr id="1" name=""/>
+        <p:cNvGrpSpPr/>
+        <p:nvPr/>
+      </p:nvGrpSpPr>
+      <p:grpSpPr>
+        <a:xfrm>
+          <a:off x="0" y="0"/>
+          <a:ext cx="0" cy="0"/>
+          <a:chOff x="0" y="0"/>
+          <a:chExt cx="0" cy="0"/>
+        </a:xfrm>
+      </p:grpSpPr>
+      <p:sp>
+        <p:nvSpPr>
+          <p:cNvPr id="4" name="직사각형 3">
+            <a:extLst>
+              <a:ext uri="{FF2B5EF4-FFF2-40B4-BE49-F238E27FC236}">
+                <a16:creationId xmlns:a16="http://schemas.microsoft.com/office/drawing/2014/main" id="{BF543E7D-B64F-96E1-71EC-DD4B0AC09943}"/>
+              </a:ext>
+            </a:extLst>
+          </p:cNvPr>
+          <p:cNvSpPr/>
+          <p:nvPr/>
+        </p:nvSpPr>
+        <p:spPr>
+          <a:xfrm>
+            <a:off x="179666" y="619992"/>
+            <a:ext cx="2314864" cy="699654"/>
+          </a:xfrm>
+          <a:prstGeom prst="rect">
+            <a:avLst/>
+          </a:prstGeom>
+        </p:spPr>
+        <p:style>
+          <a:lnRef idx="2">
+            <a:schemeClr val="accent1">
+              <a:shade val="15000"/>
+            </a:schemeClr>
+          </a:lnRef>
+          <a:fillRef idx="1">
+            <a:schemeClr val="accent1"/>
+          </a:fillRef>
+          <a:effectRef idx="0">
+            <a:schemeClr val="accent1"/>
+          </a:effectRef>
+          <a:fontRef idx="minor">
+            <a:schemeClr val="lt1"/>
+          </a:fontRef>
+        </p:style>
+        <p:txBody>
+          <a:bodyPr rtlCol="0" anchor="ctr"/>
+          <a:lstStyle/>
+          <a:p>
+            <a:pPr algn="ctr"/>
+            <a:r>
+              <a:rPr lang="ko-KR" altLang="en-US" dirty="0"/>
+              <a:t>컴파일 </a:t>
+            </a:r>
+            <a:r>
+              <a:rPr lang="ko-KR" altLang="en-US" dirty="0" err="1"/>
+              <a:t>에러시</a:t>
+            </a:r>
+            <a:endParaRPr lang="en-US" altLang="ko-KR" dirty="0"/>
+          </a:p>
+          <a:p>
+            <a:pPr algn="ctr"/>
+            <a:r>
+              <a:rPr lang="ko-KR" altLang="en-US" dirty="0"/>
+              <a:t>에러 위치로 이동</a:t>
+            </a:r>
+          </a:p>
+        </p:txBody>
+      </p:sp>
+      <p:sp>
+        <p:nvSpPr>
+          <p:cNvPr id="5" name="직사각형 4">
+            <a:extLst>
+              <a:ext uri="{FF2B5EF4-FFF2-40B4-BE49-F238E27FC236}">
+                <a16:creationId xmlns:a16="http://schemas.microsoft.com/office/drawing/2014/main" id="{44D6DBC5-8748-C6A7-2150-FED36194AA1A}"/>
+              </a:ext>
+            </a:extLst>
+          </p:cNvPr>
+          <p:cNvSpPr/>
+          <p:nvPr/>
+        </p:nvSpPr>
+        <p:spPr>
+          <a:xfrm>
+            <a:off x="2687338" y="619992"/>
+            <a:ext cx="3913909" cy="699654"/>
+          </a:xfrm>
+          <a:prstGeom prst="rect">
+            <a:avLst/>
+          </a:prstGeom>
+        </p:spPr>
+        <p:style>
+          <a:lnRef idx="2">
+            <a:schemeClr val="accent1">
+              <a:shade val="15000"/>
+            </a:schemeClr>
+          </a:lnRef>
+          <a:fillRef idx="1">
+            <a:schemeClr val="accent1"/>
+          </a:fillRef>
+          <a:effectRef idx="0">
+            <a:schemeClr val="accent1"/>
+          </a:effectRef>
+          <a:fontRef idx="minor">
+            <a:schemeClr val="lt1"/>
+          </a:fontRef>
+        </p:style>
+        <p:txBody>
+          <a:bodyPr rtlCol="0" anchor="ctr"/>
+          <a:lstStyle/>
+          <a:p>
+            <a:pPr algn="ctr"/>
+            <a:r>
+              <a:rPr lang="en-US" altLang="ko-KR" dirty="0"/>
+              <a:t>F8</a:t>
+            </a:r>
+            <a:endParaRPr lang="ko-KR" altLang="en-US" dirty="0"/>
+          </a:p>
+        </p:txBody>
+      </p:sp>
+    </p:spTree>
+    <p:extLst>
+      <p:ext uri="{BB962C8B-B14F-4D97-AF65-F5344CB8AC3E}">
+        <p14:creationId xmlns:p14="http://schemas.microsoft.com/office/powerpoint/2010/main" val="3295177245"/>
+      </p:ext>
+    </p:extLst>
+  </p:cSld>
+  <p:clrMapOvr>
+    <a:masterClrMapping/>
+  </p:clrMapOvr>
+</p:sld>
+</file>
+
+<file path=ppt/slides/slide11.xml><?xml version="1.0" encoding="utf-8"?>
+<p:sld xmlns:a="http://schemas.openxmlformats.org/drawingml/2006/main" xmlns:r="http://schemas.openxmlformats.org/officeDocument/2006/relationships" xmlns:p="http://schemas.openxmlformats.org/presentationml/2006/main">
+  <p:cSld>
+    <p:spTree>
+      <p:nvGrpSpPr>
+        <p:cNvPr id="1" name=""/>
+        <p:cNvGrpSpPr/>
+        <p:nvPr/>
+      </p:nvGrpSpPr>
+      <p:grpSpPr>
+        <a:xfrm>
+          <a:off x="0" y="0"/>
+          <a:ext cx="0" cy="0"/>
+          <a:chOff x="0" y="0"/>
+          <a:chExt cx="0" cy="0"/>
+        </a:xfrm>
+      </p:grpSpPr>
+      <p:sp>
+        <p:nvSpPr>
+          <p:cNvPr id="3" name="직사각형 2">
+            <a:extLst>
+              <a:ext uri="{FF2B5EF4-FFF2-40B4-BE49-F238E27FC236}">
+                <a16:creationId xmlns:a16="http://schemas.microsoft.com/office/drawing/2014/main" id="{A5840210-0674-BA1E-A813-66127759208E}"/>
+              </a:ext>
+            </a:extLst>
+          </p:cNvPr>
+          <p:cNvSpPr/>
+          <p:nvPr/>
+        </p:nvSpPr>
+        <p:spPr>
+          <a:xfrm>
+            <a:off x="434109" y="556490"/>
+            <a:ext cx="11323782" cy="5908963"/>
+          </a:xfrm>
+          <a:prstGeom prst="rect">
+            <a:avLst/>
+          </a:prstGeom>
+        </p:spPr>
+        <p:style>
+          <a:lnRef idx="2">
+            <a:schemeClr val="accent1">
+              <a:shade val="15000"/>
+            </a:schemeClr>
+          </a:lnRef>
+          <a:fillRef idx="1">
+            <a:schemeClr val="accent1"/>
+          </a:fillRef>
+          <a:effectRef idx="0">
+            <a:schemeClr val="accent1"/>
+          </a:effectRef>
+          <a:fontRef idx="minor">
+            <a:schemeClr val="lt1"/>
+          </a:fontRef>
+        </p:style>
+        <p:txBody>
+          <a:bodyPr rtlCol="0" anchor="ctr"/>
+          <a:lstStyle/>
+          <a:p>
+            <a:pPr algn="ctr"/>
+            <a:r>
+              <a:rPr lang="ko-KR" altLang="en-US"/>
+              <a:t>주석</a:t>
+            </a:r>
+            <a:endParaRPr lang="ko-KR" altLang="en-US" dirty="0"/>
+          </a:p>
+        </p:txBody>
+      </p:sp>
+    </p:spTree>
+    <p:extLst>
+      <p:ext uri="{BB962C8B-B14F-4D97-AF65-F5344CB8AC3E}">
+        <p14:creationId xmlns:p14="http://schemas.microsoft.com/office/powerpoint/2010/main" val="1634534451"/>
+      </p:ext>
+    </p:extLst>
+  </p:cSld>
+  <p:clrMapOvr>
+    <a:masterClrMapping/>
+  </p:clrMapOvr>
+</p:sld>
+</file>
+
+<file path=ppt/slides/slide12.xml><?xml version="1.0" encoding="utf-8"?>
+<p:sld xmlns:a="http://schemas.openxmlformats.org/drawingml/2006/main" xmlns:r="http://schemas.openxmlformats.org/officeDocument/2006/relationships" xmlns:p="http://schemas.openxmlformats.org/presentationml/2006/main">
+  <p:cSld>
+    <p:spTree>
+      <p:nvGrpSpPr>
+        <p:cNvPr id="1" name=""/>
+        <p:cNvGrpSpPr/>
+        <p:nvPr/>
+      </p:nvGrpSpPr>
+      <p:grpSpPr>
+        <a:xfrm>
+          <a:off x="0" y="0"/>
+          <a:ext cx="0" cy="0"/>
+          <a:chOff x="0" y="0"/>
+          <a:chExt cx="0" cy="0"/>
+        </a:xfrm>
+      </p:grpSpPr>
       <p:pic>
         <p:nvPicPr>
-          <p:cNvPr id="4" name="그림 3">
-            <a:extLst>
-              <a:ext uri="{FF2B5EF4-FFF2-40B4-BE49-F238E27FC236}">
-                <a16:creationId xmlns:a16="http://schemas.microsoft.com/office/drawing/2014/main" id="{3AC8F613-DF81-7A95-DDA2-3B0852551F89}"/>
+          <p:cNvPr id="3" name="그림 2">
+            <a:extLst>
+              <a:ext uri="{FF2B5EF4-FFF2-40B4-BE49-F238E27FC236}">
+                <a16:creationId xmlns:a16="http://schemas.microsoft.com/office/drawing/2014/main" id="{DF073574-7B28-FEE2-C902-9E19A825D40F}"/>
               </a:ext>
             </a:extLst>
           </p:cNvPr>
@@ -3445,8 +3700,8 @@
         </p:blipFill>
         <p:spPr>
           <a:xfrm>
-            <a:off x="434109" y="2216960"/>
-            <a:ext cx="4601217" cy="2867425"/>
+            <a:off x="780524" y="4135062"/>
+            <a:ext cx="5458587" cy="1247949"/>
           </a:xfrm>
           <a:prstGeom prst="rect">
             <a:avLst/>
@@ -3455,10 +3710,10 @@
       </p:pic>
       <p:sp>
         <p:nvSpPr>
-          <p:cNvPr id="5" name="직사각형 4">
-            <a:extLst>
-              <a:ext uri="{FF2B5EF4-FFF2-40B4-BE49-F238E27FC236}">
-                <a16:creationId xmlns:a16="http://schemas.microsoft.com/office/drawing/2014/main" id="{F60C10CE-FF11-5C56-AA8E-A5E0D80CD8C4}"/>
+          <p:cNvPr id="2" name="직사각형 1">
+            <a:extLst>
+              <a:ext uri="{FF2B5EF4-FFF2-40B4-BE49-F238E27FC236}">
+                <a16:creationId xmlns:a16="http://schemas.microsoft.com/office/drawing/2014/main" id="{1C3525FB-3D1D-0C95-38E1-4EFC0E102AAF}"/>
               </a:ext>
             </a:extLst>
           </p:cNvPr>
@@ -3467,8 +3722,8 @@
         </p:nvSpPr>
         <p:spPr>
           <a:xfrm>
-            <a:off x="434109" y="1372871"/>
-            <a:ext cx="11323782" cy="699654"/>
+            <a:off x="618393" y="897083"/>
+            <a:ext cx="3913909" cy="699654"/>
           </a:xfrm>
           <a:prstGeom prst="rect">
             <a:avLst/>
@@ -3496,54 +3751,174 @@
           <a:p>
             <a:pPr algn="ctr"/>
             <a:r>
-              <a:rPr lang="ko-KR" altLang="en-US" dirty="0"/>
-              <a:t>컨트롤 </a:t>
-            </a:r>
-            <a:r>
-              <a:rPr lang="en-US" altLang="ko-KR" dirty="0"/>
-              <a:t>+ </a:t>
-            </a:r>
-            <a:r>
-              <a:rPr lang="ko-KR" altLang="en-US" dirty="0"/>
-              <a:t>마우스 휠</a:t>
-            </a:r>
-          </a:p>
-        </p:txBody>
-      </p:sp>
-      <p:pic>
-        <p:nvPicPr>
-          <p:cNvPr id="7" name="그림 6">
-            <a:extLst>
-              <a:ext uri="{FF2B5EF4-FFF2-40B4-BE49-F238E27FC236}">
-                <a16:creationId xmlns:a16="http://schemas.microsoft.com/office/drawing/2014/main" id="{6118D628-F90B-28CA-766C-EBF7C9C314A9}"/>
-              </a:ext>
-            </a:extLst>
-          </p:cNvPr>
-          <p:cNvPicPr>
-            <a:picLocks noChangeAspect="1"/>
-          </p:cNvPicPr>
+              <a:rPr lang="ko-KR" altLang="en-US"/>
+              <a:t>주석 걸기</a:t>
+            </a:r>
+            <a:endParaRPr lang="ko-KR" altLang="en-US" dirty="0"/>
+          </a:p>
+        </p:txBody>
+      </p:sp>
+      <p:sp>
+        <p:nvSpPr>
+          <p:cNvPr id="4" name="직사각형 3">
+            <a:extLst>
+              <a:ext uri="{FF2B5EF4-FFF2-40B4-BE49-F238E27FC236}">
+                <a16:creationId xmlns:a16="http://schemas.microsoft.com/office/drawing/2014/main" id="{2BF92A7F-E045-08A5-74B2-7E4838D69A4A}"/>
+              </a:ext>
+            </a:extLst>
+          </p:cNvPr>
+          <p:cNvSpPr/>
           <p:nvPr/>
-        </p:nvPicPr>
-        <p:blipFill>
-          <a:blip r:embed="rId3"/>
-          <a:stretch>
-            <a:fillRect/>
-          </a:stretch>
-        </p:blipFill>
-        <p:spPr>
-          <a:xfrm>
-            <a:off x="5442769" y="2245539"/>
-            <a:ext cx="8935697" cy="5677692"/>
+        </p:nvSpPr>
+        <p:spPr>
+          <a:xfrm>
+            <a:off x="4797847" y="897083"/>
+            <a:ext cx="3913909" cy="699654"/>
           </a:xfrm>
           <a:prstGeom prst="rect">
             <a:avLst/>
           </a:prstGeom>
         </p:spPr>
-      </p:pic>
+        <p:style>
+          <a:lnRef idx="2">
+            <a:schemeClr val="accent1">
+              <a:shade val="15000"/>
+            </a:schemeClr>
+          </a:lnRef>
+          <a:fillRef idx="1">
+            <a:schemeClr val="accent1"/>
+          </a:fillRef>
+          <a:effectRef idx="0">
+            <a:schemeClr val="accent1"/>
+          </a:effectRef>
+          <a:fontRef idx="minor">
+            <a:schemeClr val="lt1"/>
+          </a:fontRef>
+        </p:style>
+        <p:txBody>
+          <a:bodyPr rtlCol="0" anchor="ctr"/>
+          <a:lstStyle/>
+          <a:p>
+            <a:pPr algn="ctr"/>
+            <a:r>
+              <a:rPr lang="ko-KR" altLang="en-US" dirty="0"/>
+              <a:t>컨트롤 </a:t>
+            </a:r>
+            <a:r>
+              <a:rPr lang="en-US" altLang="ko-KR" dirty="0"/>
+              <a:t>+ K + C</a:t>
+            </a:r>
+            <a:endParaRPr lang="ko-KR" altLang="en-US" dirty="0"/>
+          </a:p>
+        </p:txBody>
+      </p:sp>
+      <p:sp>
+        <p:nvSpPr>
+          <p:cNvPr id="5" name="직사각형 4">
+            <a:extLst>
+              <a:ext uri="{FF2B5EF4-FFF2-40B4-BE49-F238E27FC236}">
+                <a16:creationId xmlns:a16="http://schemas.microsoft.com/office/drawing/2014/main" id="{CF666F2A-6DBB-CE3F-1F7B-1E3DEAF474D2}"/>
+              </a:ext>
+            </a:extLst>
+          </p:cNvPr>
+          <p:cNvSpPr/>
+          <p:nvPr/>
+        </p:nvSpPr>
+        <p:spPr>
+          <a:xfrm>
+            <a:off x="618393" y="2023284"/>
+            <a:ext cx="3913909" cy="699654"/>
+          </a:xfrm>
+          <a:prstGeom prst="rect">
+            <a:avLst/>
+          </a:prstGeom>
+        </p:spPr>
+        <p:style>
+          <a:lnRef idx="2">
+            <a:schemeClr val="accent1">
+              <a:shade val="15000"/>
+            </a:schemeClr>
+          </a:lnRef>
+          <a:fillRef idx="1">
+            <a:schemeClr val="accent1"/>
+          </a:fillRef>
+          <a:effectRef idx="0">
+            <a:schemeClr val="accent1"/>
+          </a:effectRef>
+          <a:fontRef idx="minor">
+            <a:schemeClr val="lt1"/>
+          </a:fontRef>
+        </p:style>
+        <p:txBody>
+          <a:bodyPr rtlCol="0" anchor="ctr"/>
+          <a:lstStyle/>
+          <a:p>
+            <a:pPr algn="ctr"/>
+            <a:r>
+              <a:rPr lang="ko-KR" altLang="en-US" dirty="0"/>
+              <a:t>주석 풀기</a:t>
+            </a:r>
+          </a:p>
+        </p:txBody>
+      </p:sp>
+      <p:sp>
+        <p:nvSpPr>
+          <p:cNvPr id="6" name="직사각형 5">
+            <a:extLst>
+              <a:ext uri="{FF2B5EF4-FFF2-40B4-BE49-F238E27FC236}">
+                <a16:creationId xmlns:a16="http://schemas.microsoft.com/office/drawing/2014/main" id="{953CB6DC-C61C-9E9E-92E0-8AC323E2E857}"/>
+              </a:ext>
+            </a:extLst>
+          </p:cNvPr>
+          <p:cNvSpPr/>
+          <p:nvPr/>
+        </p:nvSpPr>
+        <p:spPr>
+          <a:xfrm>
+            <a:off x="4797847" y="2023284"/>
+            <a:ext cx="3913909" cy="699654"/>
+          </a:xfrm>
+          <a:prstGeom prst="rect">
+            <a:avLst/>
+          </a:prstGeom>
+        </p:spPr>
+        <p:style>
+          <a:lnRef idx="2">
+            <a:schemeClr val="accent1">
+              <a:shade val="15000"/>
+            </a:schemeClr>
+          </a:lnRef>
+          <a:fillRef idx="1">
+            <a:schemeClr val="accent1"/>
+          </a:fillRef>
+          <a:effectRef idx="0">
+            <a:schemeClr val="accent1"/>
+          </a:effectRef>
+          <a:fontRef idx="minor">
+            <a:schemeClr val="lt1"/>
+          </a:fontRef>
+        </p:style>
+        <p:txBody>
+          <a:bodyPr rtlCol="0" anchor="ctr"/>
+          <a:lstStyle/>
+          <a:p>
+            <a:pPr algn="ctr"/>
+            <a:r>
+              <a:rPr lang="ko-KR" altLang="en-US" dirty="0"/>
+              <a:t>컨트롤 </a:t>
+            </a:r>
+            <a:r>
+              <a:rPr lang="en-US" altLang="ko-KR" dirty="0"/>
+              <a:t>+ K + U</a:t>
+            </a:r>
+            <a:endParaRPr lang="ko-KR" altLang="en-US" dirty="0"/>
+          </a:p>
+        </p:txBody>
+      </p:sp>
     </p:spTree>
     <p:extLst>
       <p:ext uri="{BB962C8B-B14F-4D97-AF65-F5344CB8AC3E}">
-        <p14:creationId xmlns:p14="http://schemas.microsoft.com/office/powerpoint/2010/main" val="3696848387"/>
+        <p14:creationId xmlns:p14="http://schemas.microsoft.com/office/powerpoint/2010/main" val="1396673677"/>
       </p:ext>
     </p:extLst>
   </p:cSld>
@@ -3553,7 +3928,37 @@
 </p:sld>
 </file>
 
-<file path=ppt/slides/slide10.xml><?xml version="1.0" encoding="utf-8"?>
+<file path=ppt/slides/slide13.xml><?xml version="1.0" encoding="utf-8"?>
+<p:sld xmlns:a="http://schemas.openxmlformats.org/drawingml/2006/main" xmlns:r="http://schemas.openxmlformats.org/officeDocument/2006/relationships" xmlns:p="http://schemas.openxmlformats.org/presentationml/2006/main">
+  <p:cSld>
+    <p:spTree>
+      <p:nvGrpSpPr>
+        <p:cNvPr id="1" name=""/>
+        <p:cNvGrpSpPr/>
+        <p:nvPr/>
+      </p:nvGrpSpPr>
+      <p:grpSpPr>
+        <a:xfrm>
+          <a:off x="0" y="0"/>
+          <a:ext cx="0" cy="0"/>
+          <a:chOff x="0" y="0"/>
+          <a:chExt cx="0" cy="0"/>
+        </a:xfrm>
+      </p:grpSpPr>
+    </p:spTree>
+    <p:extLst>
+      <p:ext uri="{BB962C8B-B14F-4D97-AF65-F5344CB8AC3E}">
+        <p14:creationId xmlns:p14="http://schemas.microsoft.com/office/powerpoint/2010/main" val="4238543974"/>
+      </p:ext>
+    </p:extLst>
+  </p:cSld>
+  <p:clrMapOvr>
+    <a:masterClrMapping/>
+  </p:clrMapOvr>
+</p:sld>
+</file>
+
+<file path=ppt/slides/slide14.xml><?xml version="1.0" encoding="utf-8"?>
 <p:sld xmlns:a="http://schemas.openxmlformats.org/drawingml/2006/main" xmlns:r="http://schemas.openxmlformats.org/officeDocument/2006/relationships" xmlns:p="http://schemas.openxmlformats.org/presentationml/2006/main">
   <p:cSld>
     <p:spTree>
@@ -3583,7 +3988,7 @@
 </p:sld>
 </file>
 
-<file path=ppt/slides/slide11.xml><?xml version="1.0" encoding="utf-8"?>
+<file path=ppt/slides/slide15.xml><?xml version="1.0" encoding="utf-8"?>
 <p:sld xmlns:a="http://schemas.openxmlformats.org/drawingml/2006/main" xmlns:r="http://schemas.openxmlformats.org/officeDocument/2006/relationships" xmlns:p="http://schemas.openxmlformats.org/presentationml/2006/main">
   <p:cSld>
     <p:spTree>
@@ -3613,7 +4018,7 @@
 </p:sld>
 </file>
 
-<file path=ppt/slides/slide12.xml><?xml version="1.0" encoding="utf-8"?>
+<file path=ppt/slides/slide16.xml><?xml version="1.0" encoding="utf-8"?>
 <p:sld xmlns:a="http://schemas.openxmlformats.org/drawingml/2006/main" xmlns:r="http://schemas.openxmlformats.org/officeDocument/2006/relationships" xmlns:p="http://schemas.openxmlformats.org/presentationml/2006/main">
   <p:cSld>
     <p:spTree>
@@ -3643,7 +4048,7 @@
 </p:sld>
 </file>
 
-<file path=ppt/slides/slide13.xml><?xml version="1.0" encoding="utf-8"?>
+<file path=ppt/slides/slide17.xml><?xml version="1.0" encoding="utf-8"?>
 <p:sld xmlns:a="http://schemas.openxmlformats.org/drawingml/2006/main" xmlns:r="http://schemas.openxmlformats.org/officeDocument/2006/relationships" xmlns:p="http://schemas.openxmlformats.org/presentationml/2006/main">
   <p:cSld>
     <p:spTree>
@@ -3673,7 +4078,7 @@
 </p:sld>
 </file>
 
-<file path=ppt/slides/slide14.xml><?xml version="1.0" encoding="utf-8"?>
+<file path=ppt/slides/slide18.xml><?xml version="1.0" encoding="utf-8"?>
 <p:sld xmlns:a="http://schemas.openxmlformats.org/drawingml/2006/main" xmlns:r="http://schemas.openxmlformats.org/officeDocument/2006/relationships" xmlns:p="http://schemas.openxmlformats.org/presentationml/2006/main">
   <p:cSld>
     <p:spTree>
@@ -3703,7 +4108,7 @@
 </p:sld>
 </file>
 
-<file path=ppt/slides/slide15.xml><?xml version="1.0" encoding="utf-8"?>
+<file path=ppt/slides/slide19.xml><?xml version="1.0" encoding="utf-8"?>
 <p:sld xmlns:a="http://schemas.openxmlformats.org/drawingml/2006/main" xmlns:r="http://schemas.openxmlformats.org/officeDocument/2006/relationships" xmlns:p="http://schemas.openxmlformats.org/presentationml/2006/main">
   <p:cSld>
     <p:spTree>
@@ -3733,7 +4138,203 @@
 </p:sld>
 </file>
 
-<file path=ppt/slides/slide16.xml><?xml version="1.0" encoding="utf-8"?>
+<file path=ppt/slides/slide2.xml><?xml version="1.0" encoding="utf-8"?>
+<p:sld xmlns:a="http://schemas.openxmlformats.org/drawingml/2006/main" xmlns:r="http://schemas.openxmlformats.org/officeDocument/2006/relationships" xmlns:p="http://schemas.openxmlformats.org/presentationml/2006/main">
+  <p:cSld>
+    <p:spTree>
+      <p:nvGrpSpPr>
+        <p:cNvPr id="1" name=""/>
+        <p:cNvGrpSpPr/>
+        <p:nvPr/>
+      </p:nvGrpSpPr>
+      <p:grpSpPr>
+        <a:xfrm>
+          <a:off x="0" y="0"/>
+          <a:ext cx="0" cy="0"/>
+          <a:chOff x="0" y="0"/>
+          <a:chExt cx="0" cy="0"/>
+        </a:xfrm>
+      </p:grpSpPr>
+      <p:sp>
+        <p:nvSpPr>
+          <p:cNvPr id="3" name="직사각형 2">
+            <a:extLst>
+              <a:ext uri="{FF2B5EF4-FFF2-40B4-BE49-F238E27FC236}">
+                <a16:creationId xmlns:a16="http://schemas.microsoft.com/office/drawing/2014/main" id="{A5840210-0674-BA1E-A813-66127759208E}"/>
+              </a:ext>
+            </a:extLst>
+          </p:cNvPr>
+          <p:cNvSpPr/>
+          <p:nvPr/>
+        </p:nvSpPr>
+        <p:spPr>
+          <a:xfrm>
+            <a:off x="434109" y="528782"/>
+            <a:ext cx="11323782" cy="699654"/>
+          </a:xfrm>
+          <a:prstGeom prst="rect">
+            <a:avLst/>
+          </a:prstGeom>
+        </p:spPr>
+        <p:style>
+          <a:lnRef idx="2">
+            <a:schemeClr val="accent1">
+              <a:shade val="15000"/>
+            </a:schemeClr>
+          </a:lnRef>
+          <a:fillRef idx="1">
+            <a:schemeClr val="accent1"/>
+          </a:fillRef>
+          <a:effectRef idx="0">
+            <a:schemeClr val="accent1"/>
+          </a:effectRef>
+          <a:fontRef idx="minor">
+            <a:schemeClr val="lt1"/>
+          </a:fontRef>
+        </p:style>
+        <p:txBody>
+          <a:bodyPr rtlCol="0" anchor="ctr"/>
+          <a:lstStyle/>
+          <a:p>
+            <a:pPr algn="ctr"/>
+            <a:r>
+              <a:rPr lang="ko-KR" altLang="en-US" dirty="0"/>
+              <a:t>화면 확대 축소</a:t>
+            </a:r>
+          </a:p>
+        </p:txBody>
+      </p:sp>
+      <p:pic>
+        <p:nvPicPr>
+          <p:cNvPr id="4" name="그림 3">
+            <a:extLst>
+              <a:ext uri="{FF2B5EF4-FFF2-40B4-BE49-F238E27FC236}">
+                <a16:creationId xmlns:a16="http://schemas.microsoft.com/office/drawing/2014/main" id="{3AC8F613-DF81-7A95-DDA2-3B0852551F89}"/>
+              </a:ext>
+            </a:extLst>
+          </p:cNvPr>
+          <p:cNvPicPr>
+            <a:picLocks noChangeAspect="1"/>
+          </p:cNvPicPr>
+          <p:nvPr/>
+        </p:nvPicPr>
+        <p:blipFill>
+          <a:blip r:embed="rId2"/>
+          <a:stretch>
+            <a:fillRect/>
+          </a:stretch>
+        </p:blipFill>
+        <p:spPr>
+          <a:xfrm>
+            <a:off x="434109" y="2216960"/>
+            <a:ext cx="4601217" cy="2867425"/>
+          </a:xfrm>
+          <a:prstGeom prst="rect">
+            <a:avLst/>
+          </a:prstGeom>
+        </p:spPr>
+      </p:pic>
+      <p:sp>
+        <p:nvSpPr>
+          <p:cNvPr id="5" name="직사각형 4">
+            <a:extLst>
+              <a:ext uri="{FF2B5EF4-FFF2-40B4-BE49-F238E27FC236}">
+                <a16:creationId xmlns:a16="http://schemas.microsoft.com/office/drawing/2014/main" id="{F60C10CE-FF11-5C56-AA8E-A5E0D80CD8C4}"/>
+              </a:ext>
+            </a:extLst>
+          </p:cNvPr>
+          <p:cNvSpPr/>
+          <p:nvPr/>
+        </p:nvSpPr>
+        <p:spPr>
+          <a:xfrm>
+            <a:off x="434109" y="1372871"/>
+            <a:ext cx="11323782" cy="699654"/>
+          </a:xfrm>
+          <a:prstGeom prst="rect">
+            <a:avLst/>
+          </a:prstGeom>
+        </p:spPr>
+        <p:style>
+          <a:lnRef idx="2">
+            <a:schemeClr val="accent1">
+              <a:shade val="15000"/>
+            </a:schemeClr>
+          </a:lnRef>
+          <a:fillRef idx="1">
+            <a:schemeClr val="accent1"/>
+          </a:fillRef>
+          <a:effectRef idx="0">
+            <a:schemeClr val="accent1"/>
+          </a:effectRef>
+          <a:fontRef idx="minor">
+            <a:schemeClr val="lt1"/>
+          </a:fontRef>
+        </p:style>
+        <p:txBody>
+          <a:bodyPr rtlCol="0" anchor="ctr"/>
+          <a:lstStyle/>
+          <a:p>
+            <a:pPr algn="ctr"/>
+            <a:r>
+              <a:rPr lang="ko-KR" altLang="en-US" dirty="0"/>
+              <a:t>컨트롤 </a:t>
+            </a:r>
+            <a:r>
+              <a:rPr lang="en-US" altLang="ko-KR" dirty="0"/>
+              <a:t>+ </a:t>
+            </a:r>
+            <a:r>
+              <a:rPr lang="ko-KR" altLang="en-US" dirty="0"/>
+              <a:t>마우스 휠</a:t>
+            </a:r>
+          </a:p>
+        </p:txBody>
+      </p:sp>
+      <p:pic>
+        <p:nvPicPr>
+          <p:cNvPr id="7" name="그림 6">
+            <a:extLst>
+              <a:ext uri="{FF2B5EF4-FFF2-40B4-BE49-F238E27FC236}">
+                <a16:creationId xmlns:a16="http://schemas.microsoft.com/office/drawing/2014/main" id="{6118D628-F90B-28CA-766C-EBF7C9C314A9}"/>
+              </a:ext>
+            </a:extLst>
+          </p:cNvPr>
+          <p:cNvPicPr>
+            <a:picLocks noChangeAspect="1"/>
+          </p:cNvPicPr>
+          <p:nvPr/>
+        </p:nvPicPr>
+        <p:blipFill>
+          <a:blip r:embed="rId3"/>
+          <a:stretch>
+            <a:fillRect/>
+          </a:stretch>
+        </p:blipFill>
+        <p:spPr>
+          <a:xfrm>
+            <a:off x="5442769" y="2245539"/>
+            <a:ext cx="8935697" cy="5677692"/>
+          </a:xfrm>
+          <a:prstGeom prst="rect">
+            <a:avLst/>
+          </a:prstGeom>
+        </p:spPr>
+      </p:pic>
+    </p:spTree>
+    <p:extLst>
+      <p:ext uri="{BB962C8B-B14F-4D97-AF65-F5344CB8AC3E}">
+        <p14:creationId xmlns:p14="http://schemas.microsoft.com/office/powerpoint/2010/main" val="3696848387"/>
+      </p:ext>
+    </p:extLst>
+  </p:cSld>
+  <p:clrMapOvr>
+    <a:masterClrMapping/>
+  </p:clrMapOvr>
+</p:sld>
+</file>
+
+<file path=ppt/slides/slide20.xml><?xml version="1.0" encoding="utf-8"?>
 <p:sld xmlns:a="http://schemas.openxmlformats.org/drawingml/2006/main" xmlns:r="http://schemas.openxmlformats.org/officeDocument/2006/relationships" xmlns:p="http://schemas.openxmlformats.org/presentationml/2006/main">
   <p:cSld>
     <p:spTree>
@@ -3763,7 +4364,7 @@
 </p:sld>
 </file>
 
-<file path=ppt/slides/slide17.xml><?xml version="1.0" encoding="utf-8"?>
+<file path=ppt/slides/slide21.xml><?xml version="1.0" encoding="utf-8"?>
 <p:sld xmlns:a="http://schemas.openxmlformats.org/drawingml/2006/main" xmlns:r="http://schemas.openxmlformats.org/officeDocument/2006/relationships" xmlns:p="http://schemas.openxmlformats.org/presentationml/2006/main">
   <p:cSld>
     <p:spTree>
@@ -3793,7 +4394,7 @@
 </p:sld>
 </file>
 
-<file path=ppt/slides/slide18.xml><?xml version="1.0" encoding="utf-8"?>
+<file path=ppt/slides/slide22.xml><?xml version="1.0" encoding="utf-8"?>
 <p:sld xmlns:a="http://schemas.openxmlformats.org/drawingml/2006/main" xmlns:r="http://schemas.openxmlformats.org/officeDocument/2006/relationships" xmlns:p="http://schemas.openxmlformats.org/presentationml/2006/main">
   <p:cSld>
     <p:spTree>
@@ -3823,7 +4424,7 @@
 </p:sld>
 </file>
 
-<file path=ppt/slides/slide19.xml><?xml version="1.0" encoding="utf-8"?>
+<file path=ppt/slides/slide23.xml><?xml version="1.0" encoding="utf-8"?>
 <p:sld xmlns:a="http://schemas.openxmlformats.org/drawingml/2006/main" xmlns:r="http://schemas.openxmlformats.org/officeDocument/2006/relationships" xmlns:p="http://schemas.openxmlformats.org/presentationml/2006/main">
   <p:cSld>
     <p:spTree>
@@ -3853,173 +4454,7 @@
 </p:sld>
 </file>
 
-<file path=ppt/slides/slide2.xml><?xml version="1.0" encoding="utf-8"?>
-<p:sld xmlns:a="http://schemas.openxmlformats.org/drawingml/2006/main" xmlns:r="http://schemas.openxmlformats.org/officeDocument/2006/relationships" xmlns:p="http://schemas.openxmlformats.org/presentationml/2006/main">
-  <p:cSld>
-    <p:spTree>
-      <p:nvGrpSpPr>
-        <p:cNvPr id="1" name=""/>
-        <p:cNvGrpSpPr/>
-        <p:nvPr/>
-      </p:nvGrpSpPr>
-      <p:grpSpPr>
-        <a:xfrm>
-          <a:off x="0" y="0"/>
-          <a:ext cx="0" cy="0"/>
-          <a:chOff x="0" y="0"/>
-          <a:chExt cx="0" cy="0"/>
-        </a:xfrm>
-      </p:grpSpPr>
-      <p:sp>
-        <p:nvSpPr>
-          <p:cNvPr id="2" name="직사각형 1">
-            <a:extLst>
-              <a:ext uri="{FF2B5EF4-FFF2-40B4-BE49-F238E27FC236}">
-                <a16:creationId xmlns:a16="http://schemas.microsoft.com/office/drawing/2014/main" id="{3139707C-C258-116B-1FC7-1EA17D56B0BE}"/>
-              </a:ext>
-            </a:extLst>
-          </p:cNvPr>
-          <p:cNvSpPr/>
-          <p:nvPr/>
-        </p:nvSpPr>
-        <p:spPr>
-          <a:xfrm>
-            <a:off x="434109" y="528782"/>
-            <a:ext cx="11323782" cy="699654"/>
-          </a:xfrm>
-          <a:prstGeom prst="rect">
-            <a:avLst/>
-          </a:prstGeom>
-        </p:spPr>
-        <p:style>
-          <a:lnRef idx="2">
-            <a:schemeClr val="accent1">
-              <a:shade val="15000"/>
-            </a:schemeClr>
-          </a:lnRef>
-          <a:fillRef idx="1">
-            <a:schemeClr val="accent1"/>
-          </a:fillRef>
-          <a:effectRef idx="0">
-            <a:schemeClr val="accent1"/>
-          </a:effectRef>
-          <a:fontRef idx="minor">
-            <a:schemeClr val="lt1"/>
-          </a:fontRef>
-        </p:style>
-        <p:txBody>
-          <a:bodyPr rtlCol="0" anchor="ctr"/>
-          <a:lstStyle/>
-          <a:p>
-            <a:pPr algn="ctr"/>
-            <a:r>
-              <a:rPr lang="ko-KR" altLang="en-US" dirty="0"/>
-              <a:t>내부 코드 범위 선택</a:t>
-            </a:r>
-          </a:p>
-        </p:txBody>
-      </p:sp>
-      <p:pic>
-        <p:nvPicPr>
-          <p:cNvPr id="5" name="그림 4">
-            <a:extLst>
-              <a:ext uri="{FF2B5EF4-FFF2-40B4-BE49-F238E27FC236}">
-                <a16:creationId xmlns:a16="http://schemas.microsoft.com/office/drawing/2014/main" id="{460791A4-8D4E-1F0E-8073-FEFA1D33D16A}"/>
-              </a:ext>
-            </a:extLst>
-          </p:cNvPr>
-          <p:cNvPicPr>
-            <a:picLocks noChangeAspect="1"/>
-          </p:cNvPicPr>
-          <p:nvPr/>
-        </p:nvPicPr>
-        <p:blipFill>
-          <a:blip r:embed="rId2"/>
-          <a:stretch>
-            <a:fillRect/>
-          </a:stretch>
-        </p:blipFill>
-        <p:spPr>
-          <a:xfrm>
-            <a:off x="1777011" y="2418730"/>
-            <a:ext cx="7954485" cy="4439270"/>
-          </a:xfrm>
-          <a:prstGeom prst="rect">
-            <a:avLst/>
-          </a:prstGeom>
-        </p:spPr>
-      </p:pic>
-      <p:sp>
-        <p:nvSpPr>
-          <p:cNvPr id="6" name="직사각형 5">
-            <a:extLst>
-              <a:ext uri="{FF2B5EF4-FFF2-40B4-BE49-F238E27FC236}">
-                <a16:creationId xmlns:a16="http://schemas.microsoft.com/office/drawing/2014/main" id="{D96CC236-CBD2-58F7-6E96-5C1E2168D214}"/>
-              </a:ext>
-            </a:extLst>
-          </p:cNvPr>
-          <p:cNvSpPr/>
-          <p:nvPr/>
-        </p:nvSpPr>
-        <p:spPr>
-          <a:xfrm>
-            <a:off x="434109" y="1372871"/>
-            <a:ext cx="11323782" cy="699654"/>
-          </a:xfrm>
-          <a:prstGeom prst="rect">
-            <a:avLst/>
-          </a:prstGeom>
-        </p:spPr>
-        <p:style>
-          <a:lnRef idx="2">
-            <a:schemeClr val="accent1">
-              <a:shade val="15000"/>
-            </a:schemeClr>
-          </a:lnRef>
-          <a:fillRef idx="1">
-            <a:schemeClr val="accent1"/>
-          </a:fillRef>
-          <a:effectRef idx="0">
-            <a:schemeClr val="accent1"/>
-          </a:effectRef>
-          <a:fontRef idx="minor">
-            <a:schemeClr val="lt1"/>
-          </a:fontRef>
-        </p:style>
-        <p:txBody>
-          <a:bodyPr rtlCol="0" anchor="ctr"/>
-          <a:lstStyle/>
-          <a:p>
-            <a:pPr algn="ctr"/>
-            <a:r>
-              <a:rPr lang="ko-KR" altLang="en-US" dirty="0"/>
-              <a:t>시프트 </a:t>
-            </a:r>
-            <a:r>
-              <a:rPr lang="en-US" altLang="ko-KR" dirty="0"/>
-              <a:t>+ </a:t>
-            </a:r>
-            <a:r>
-              <a:rPr lang="ko-KR" altLang="en-US" dirty="0"/>
-              <a:t>방향키 위 아래 왼쪽 오른쪽</a:t>
-            </a:r>
-          </a:p>
-        </p:txBody>
-      </p:sp>
-    </p:spTree>
-    <p:extLst>
-      <p:ext uri="{BB962C8B-B14F-4D97-AF65-F5344CB8AC3E}">
-        <p14:creationId xmlns:p14="http://schemas.microsoft.com/office/powerpoint/2010/main" val="2783297044"/>
-      </p:ext>
-    </p:extLst>
-  </p:cSld>
-  <p:clrMapOvr>
-    <a:masterClrMapping/>
-  </p:clrMapOvr>
-</p:sld>
-</file>
-
-<file path=ppt/slides/slide20.xml><?xml version="1.0" encoding="utf-8"?>
+<file path=ppt/slides/slide24.xml><?xml version="1.0" encoding="utf-8"?>
 <p:sld xmlns:a="http://schemas.openxmlformats.org/drawingml/2006/main" xmlns:r="http://schemas.openxmlformats.org/officeDocument/2006/relationships" xmlns:p="http://schemas.openxmlformats.org/presentationml/2006/main">
   <p:cSld>
     <p:spTree>
@@ -4049,7 +4484,7 @@
 </p:sld>
 </file>
 
-<file path=ppt/slides/slide21.xml><?xml version="1.0" encoding="utf-8"?>
+<file path=ppt/slides/slide25.xml><?xml version="1.0" encoding="utf-8"?>
 <p:sld xmlns:a="http://schemas.openxmlformats.org/drawingml/2006/main" xmlns:r="http://schemas.openxmlformats.org/officeDocument/2006/relationships" xmlns:p="http://schemas.openxmlformats.org/presentationml/2006/main">
   <p:cSld>
     <p:spTree>
@@ -4139,16 +4574,42 @@
           <a:p>
             <a:pPr algn="ctr"/>
             <a:r>
-              <a:rPr lang="ko-KR" altLang="en-US" dirty="0" err="1"/>
-              <a:t>한줄의</a:t>
-            </a:r>
-            <a:r>
               <a:rPr lang="ko-KR" altLang="en-US" dirty="0"/>
-              <a:t> 끝으로 바로 가기</a:t>
-            </a:r>
-          </a:p>
-        </p:txBody>
-      </p:sp>
+              <a:t>내부 코드 범위 선택</a:t>
+            </a:r>
+          </a:p>
+        </p:txBody>
+      </p:sp>
+      <p:pic>
+        <p:nvPicPr>
+          <p:cNvPr id="5" name="그림 4">
+            <a:extLst>
+              <a:ext uri="{FF2B5EF4-FFF2-40B4-BE49-F238E27FC236}">
+                <a16:creationId xmlns:a16="http://schemas.microsoft.com/office/drawing/2014/main" id="{460791A4-8D4E-1F0E-8073-FEFA1D33D16A}"/>
+              </a:ext>
+            </a:extLst>
+          </p:cNvPr>
+          <p:cNvPicPr>
+            <a:picLocks noChangeAspect="1"/>
+          </p:cNvPicPr>
+          <p:nvPr/>
+        </p:nvPicPr>
+        <p:blipFill>
+          <a:blip r:embed="rId2"/>
+          <a:stretch>
+            <a:fillRect/>
+          </a:stretch>
+        </p:blipFill>
+        <p:spPr>
+          <a:xfrm>
+            <a:off x="1777011" y="2418730"/>
+            <a:ext cx="7954485" cy="4439270"/>
+          </a:xfrm>
+          <a:prstGeom prst="rect">
+            <a:avLst/>
+          </a:prstGeom>
+        </p:spPr>
+      </p:pic>
       <p:sp>
         <p:nvSpPr>
           <p:cNvPr id="6" name="직사각형 5">
@@ -4192,223 +4653,24 @@
           <a:p>
             <a:pPr algn="ctr"/>
             <a:r>
+              <a:rPr lang="ko-KR" altLang="en-US" dirty="0"/>
+              <a:t>시프트 </a:t>
+            </a:r>
+            <a:r>
               <a:rPr lang="en-US" altLang="ko-KR" dirty="0"/>
-              <a:t>End</a:t>
-            </a:r>
-            <a:endParaRPr lang="ko-KR" altLang="en-US" dirty="0"/>
-          </a:p>
-        </p:txBody>
-      </p:sp>
-      <p:sp>
-        <p:nvSpPr>
-          <p:cNvPr id="3" name="직사각형 2">
-            <a:extLst>
-              <a:ext uri="{FF2B5EF4-FFF2-40B4-BE49-F238E27FC236}">
-                <a16:creationId xmlns:a16="http://schemas.microsoft.com/office/drawing/2014/main" id="{0439CBCA-44E7-1624-A20E-592651603701}"/>
-              </a:ext>
-            </a:extLst>
-          </p:cNvPr>
-          <p:cNvSpPr/>
-          <p:nvPr/>
-        </p:nvSpPr>
-        <p:spPr>
-          <a:xfrm>
-            <a:off x="434109" y="2487931"/>
-            <a:ext cx="11323782" cy="699654"/>
-          </a:xfrm>
-          <a:prstGeom prst="rect">
-            <a:avLst/>
-          </a:prstGeom>
-        </p:spPr>
-        <p:style>
-          <a:lnRef idx="2">
-            <a:schemeClr val="accent1">
-              <a:shade val="15000"/>
-            </a:schemeClr>
-          </a:lnRef>
-          <a:fillRef idx="1">
-            <a:schemeClr val="accent1"/>
-          </a:fillRef>
-          <a:effectRef idx="0">
-            <a:schemeClr val="accent1"/>
-          </a:effectRef>
-          <a:fontRef idx="minor">
-            <a:schemeClr val="lt1"/>
-          </a:fontRef>
-        </p:style>
-        <p:txBody>
-          <a:bodyPr rtlCol="0" anchor="ctr"/>
-          <a:lstStyle/>
-          <a:p>
-            <a:pPr algn="ctr"/>
-            <a:r>
-              <a:rPr lang="ko-KR" altLang="en-US" dirty="0" err="1"/>
-              <a:t>한줄의</a:t>
-            </a:r>
-            <a:r>
-              <a:rPr lang="en-US" altLang="ko-KR" dirty="0"/>
-              <a:t> </a:t>
+              <a:t>+ </a:t>
             </a:r>
             <a:r>
               <a:rPr lang="ko-KR" altLang="en-US" dirty="0"/>
-              <a:t>가장 앞으로 가기</a:t>
-            </a:r>
-          </a:p>
-        </p:txBody>
-      </p:sp>
-      <p:sp>
-        <p:nvSpPr>
-          <p:cNvPr id="4" name="직사각형 3">
-            <a:extLst>
-              <a:ext uri="{FF2B5EF4-FFF2-40B4-BE49-F238E27FC236}">
-                <a16:creationId xmlns:a16="http://schemas.microsoft.com/office/drawing/2014/main" id="{DADC1E04-2714-0396-A2AF-1B6F2A75715F}"/>
-              </a:ext>
-            </a:extLst>
-          </p:cNvPr>
-          <p:cNvSpPr/>
-          <p:nvPr/>
-        </p:nvSpPr>
-        <p:spPr>
-          <a:xfrm>
-            <a:off x="434109" y="3332020"/>
-            <a:ext cx="11323782" cy="699654"/>
-          </a:xfrm>
-          <a:prstGeom prst="rect">
-            <a:avLst/>
-          </a:prstGeom>
-        </p:spPr>
-        <p:style>
-          <a:lnRef idx="2">
-            <a:schemeClr val="accent1">
-              <a:shade val="15000"/>
-            </a:schemeClr>
-          </a:lnRef>
-          <a:fillRef idx="1">
-            <a:schemeClr val="accent1"/>
-          </a:fillRef>
-          <a:effectRef idx="0">
-            <a:schemeClr val="accent1"/>
-          </a:effectRef>
-          <a:fontRef idx="minor">
-            <a:schemeClr val="lt1"/>
-          </a:fontRef>
-        </p:style>
-        <p:txBody>
-          <a:bodyPr rtlCol="0" anchor="ctr"/>
-          <a:lstStyle/>
-          <a:p>
-            <a:pPr algn="ctr"/>
-            <a:r>
-              <a:rPr lang="en-US" altLang="ko-KR" dirty="0"/>
-              <a:t>Home</a:t>
-            </a:r>
-            <a:endParaRPr lang="ko-KR" altLang="en-US" dirty="0"/>
-          </a:p>
-        </p:txBody>
-      </p:sp>
-      <p:sp>
-        <p:nvSpPr>
-          <p:cNvPr id="7" name="직사각형 6">
-            <a:extLst>
-              <a:ext uri="{FF2B5EF4-FFF2-40B4-BE49-F238E27FC236}">
-                <a16:creationId xmlns:a16="http://schemas.microsoft.com/office/drawing/2014/main" id="{4B1CC37A-BE49-3CE9-7CD7-AE443824CA4B}"/>
-              </a:ext>
-            </a:extLst>
-          </p:cNvPr>
-          <p:cNvSpPr/>
-          <p:nvPr/>
-        </p:nvSpPr>
-        <p:spPr>
-          <a:xfrm>
-            <a:off x="434109" y="4291213"/>
-            <a:ext cx="11323782" cy="699654"/>
-          </a:xfrm>
-          <a:prstGeom prst="rect">
-            <a:avLst/>
-          </a:prstGeom>
-        </p:spPr>
-        <p:style>
-          <a:lnRef idx="2">
-            <a:schemeClr val="accent1">
-              <a:shade val="15000"/>
-            </a:schemeClr>
-          </a:lnRef>
-          <a:fillRef idx="1">
-            <a:schemeClr val="accent1"/>
-          </a:fillRef>
-          <a:effectRef idx="0">
-            <a:schemeClr val="accent1"/>
-          </a:effectRef>
-          <a:fontRef idx="minor">
-            <a:schemeClr val="lt1"/>
-          </a:fontRef>
-        </p:style>
-        <p:txBody>
-          <a:bodyPr rtlCol="0" anchor="ctr"/>
-          <a:lstStyle/>
-          <a:p>
-            <a:pPr algn="ctr"/>
-            <a:r>
-              <a:rPr lang="ko-KR" altLang="en-US" dirty="0"/>
-              <a:t>한페이지 아래위로 이동하기</a:t>
-            </a:r>
-          </a:p>
-        </p:txBody>
-      </p:sp>
-      <p:sp>
-        <p:nvSpPr>
-          <p:cNvPr id="8" name="직사각형 7">
-            <a:extLst>
-              <a:ext uri="{FF2B5EF4-FFF2-40B4-BE49-F238E27FC236}">
-                <a16:creationId xmlns:a16="http://schemas.microsoft.com/office/drawing/2014/main" id="{EBAB0A4D-06D3-E087-A6F9-81FBD6FCE4D2}"/>
-              </a:ext>
-            </a:extLst>
-          </p:cNvPr>
-          <p:cNvSpPr/>
-          <p:nvPr/>
-        </p:nvSpPr>
-        <p:spPr>
-          <a:xfrm>
-            <a:off x="434109" y="5135302"/>
-            <a:ext cx="11323782" cy="699654"/>
-          </a:xfrm>
-          <a:prstGeom prst="rect">
-            <a:avLst/>
-          </a:prstGeom>
-        </p:spPr>
-        <p:style>
-          <a:lnRef idx="2">
-            <a:schemeClr val="accent1">
-              <a:shade val="15000"/>
-            </a:schemeClr>
-          </a:lnRef>
-          <a:fillRef idx="1">
-            <a:schemeClr val="accent1"/>
-          </a:fillRef>
-          <a:effectRef idx="0">
-            <a:schemeClr val="accent1"/>
-          </a:effectRef>
-          <a:fontRef idx="minor">
-            <a:schemeClr val="lt1"/>
-          </a:fontRef>
-        </p:style>
-        <p:txBody>
-          <a:bodyPr rtlCol="0" anchor="ctr"/>
-          <a:lstStyle/>
-          <a:p>
-            <a:pPr algn="ctr"/>
-            <a:r>
-              <a:rPr lang="en-US" altLang="ko-KR" dirty="0"/>
-              <a:t>Page Up Page Down</a:t>
-            </a:r>
-            <a:endParaRPr lang="ko-KR" altLang="en-US" dirty="0"/>
+              <a:t>방향키 위 아래 왼쪽 오른쪽</a:t>
+            </a:r>
           </a:p>
         </p:txBody>
       </p:sp>
     </p:spTree>
     <p:extLst>
       <p:ext uri="{BB962C8B-B14F-4D97-AF65-F5344CB8AC3E}">
-        <p14:creationId xmlns:p14="http://schemas.microsoft.com/office/powerpoint/2010/main" val="939447541"/>
+        <p14:creationId xmlns:p14="http://schemas.microsoft.com/office/powerpoint/2010/main" val="2783297044"/>
       </p:ext>
     </p:extLst>
   </p:cSld>
@@ -4440,6 +4702,844 @@
           <p:cNvPr id="2" name="직사각형 1">
             <a:extLst>
               <a:ext uri="{FF2B5EF4-FFF2-40B4-BE49-F238E27FC236}">
+                <a16:creationId xmlns:a16="http://schemas.microsoft.com/office/drawing/2014/main" id="{3139707C-C258-116B-1FC7-1EA17D56B0BE}"/>
+              </a:ext>
+            </a:extLst>
+          </p:cNvPr>
+          <p:cNvSpPr/>
+          <p:nvPr/>
+        </p:nvSpPr>
+        <p:spPr>
+          <a:xfrm>
+            <a:off x="434109" y="528782"/>
+            <a:ext cx="11323782" cy="699654"/>
+          </a:xfrm>
+          <a:prstGeom prst="rect">
+            <a:avLst/>
+          </a:prstGeom>
+        </p:spPr>
+        <p:style>
+          <a:lnRef idx="2">
+            <a:schemeClr val="accent1">
+              <a:shade val="15000"/>
+            </a:schemeClr>
+          </a:lnRef>
+          <a:fillRef idx="1">
+            <a:schemeClr val="accent1"/>
+          </a:fillRef>
+          <a:effectRef idx="0">
+            <a:schemeClr val="accent1"/>
+          </a:effectRef>
+          <a:fontRef idx="minor">
+            <a:schemeClr val="lt1"/>
+          </a:fontRef>
+        </p:style>
+        <p:txBody>
+          <a:bodyPr rtlCol="0" anchor="ctr"/>
+          <a:lstStyle/>
+          <a:p>
+            <a:pPr algn="ctr"/>
+            <a:r>
+              <a:rPr lang="ko-KR" altLang="en-US" dirty="0" err="1"/>
+              <a:t>한줄의</a:t>
+            </a:r>
+            <a:r>
+              <a:rPr lang="ko-KR" altLang="en-US" dirty="0"/>
+              <a:t> 끝으로 바로 가기</a:t>
+            </a:r>
+          </a:p>
+        </p:txBody>
+      </p:sp>
+      <p:sp>
+        <p:nvSpPr>
+          <p:cNvPr id="6" name="직사각형 5">
+            <a:extLst>
+              <a:ext uri="{FF2B5EF4-FFF2-40B4-BE49-F238E27FC236}">
+                <a16:creationId xmlns:a16="http://schemas.microsoft.com/office/drawing/2014/main" id="{D96CC236-CBD2-58F7-6E96-5C1E2168D214}"/>
+              </a:ext>
+            </a:extLst>
+          </p:cNvPr>
+          <p:cNvSpPr/>
+          <p:nvPr/>
+        </p:nvSpPr>
+        <p:spPr>
+          <a:xfrm>
+            <a:off x="434109" y="1372871"/>
+            <a:ext cx="11323782" cy="699654"/>
+          </a:xfrm>
+          <a:prstGeom prst="rect">
+            <a:avLst/>
+          </a:prstGeom>
+        </p:spPr>
+        <p:style>
+          <a:lnRef idx="2">
+            <a:schemeClr val="accent1">
+              <a:shade val="15000"/>
+            </a:schemeClr>
+          </a:lnRef>
+          <a:fillRef idx="1">
+            <a:schemeClr val="accent1"/>
+          </a:fillRef>
+          <a:effectRef idx="0">
+            <a:schemeClr val="accent1"/>
+          </a:effectRef>
+          <a:fontRef idx="minor">
+            <a:schemeClr val="lt1"/>
+          </a:fontRef>
+        </p:style>
+        <p:txBody>
+          <a:bodyPr rtlCol="0" anchor="ctr"/>
+          <a:lstStyle/>
+          <a:p>
+            <a:pPr algn="ctr"/>
+            <a:r>
+              <a:rPr lang="en-US" altLang="ko-KR" dirty="0"/>
+              <a:t>End</a:t>
+            </a:r>
+            <a:endParaRPr lang="ko-KR" altLang="en-US" dirty="0"/>
+          </a:p>
+        </p:txBody>
+      </p:sp>
+      <p:sp>
+        <p:nvSpPr>
+          <p:cNvPr id="3" name="직사각형 2">
+            <a:extLst>
+              <a:ext uri="{FF2B5EF4-FFF2-40B4-BE49-F238E27FC236}">
+                <a16:creationId xmlns:a16="http://schemas.microsoft.com/office/drawing/2014/main" id="{0439CBCA-44E7-1624-A20E-592651603701}"/>
+              </a:ext>
+            </a:extLst>
+          </p:cNvPr>
+          <p:cNvSpPr/>
+          <p:nvPr/>
+        </p:nvSpPr>
+        <p:spPr>
+          <a:xfrm>
+            <a:off x="434109" y="2487931"/>
+            <a:ext cx="11323782" cy="699654"/>
+          </a:xfrm>
+          <a:prstGeom prst="rect">
+            <a:avLst/>
+          </a:prstGeom>
+        </p:spPr>
+        <p:style>
+          <a:lnRef idx="2">
+            <a:schemeClr val="accent1">
+              <a:shade val="15000"/>
+            </a:schemeClr>
+          </a:lnRef>
+          <a:fillRef idx="1">
+            <a:schemeClr val="accent1"/>
+          </a:fillRef>
+          <a:effectRef idx="0">
+            <a:schemeClr val="accent1"/>
+          </a:effectRef>
+          <a:fontRef idx="minor">
+            <a:schemeClr val="lt1"/>
+          </a:fontRef>
+        </p:style>
+        <p:txBody>
+          <a:bodyPr rtlCol="0" anchor="ctr"/>
+          <a:lstStyle/>
+          <a:p>
+            <a:pPr algn="ctr"/>
+            <a:r>
+              <a:rPr lang="ko-KR" altLang="en-US" dirty="0" err="1"/>
+              <a:t>한줄의</a:t>
+            </a:r>
+            <a:r>
+              <a:rPr lang="en-US" altLang="ko-KR" dirty="0"/>
+              <a:t> </a:t>
+            </a:r>
+            <a:r>
+              <a:rPr lang="ko-KR" altLang="en-US" dirty="0"/>
+              <a:t>가장 앞으로 가기</a:t>
+            </a:r>
+          </a:p>
+        </p:txBody>
+      </p:sp>
+      <p:sp>
+        <p:nvSpPr>
+          <p:cNvPr id="4" name="직사각형 3">
+            <a:extLst>
+              <a:ext uri="{FF2B5EF4-FFF2-40B4-BE49-F238E27FC236}">
+                <a16:creationId xmlns:a16="http://schemas.microsoft.com/office/drawing/2014/main" id="{DADC1E04-2714-0396-A2AF-1B6F2A75715F}"/>
+              </a:ext>
+            </a:extLst>
+          </p:cNvPr>
+          <p:cNvSpPr/>
+          <p:nvPr/>
+        </p:nvSpPr>
+        <p:spPr>
+          <a:xfrm>
+            <a:off x="434109" y="3332020"/>
+            <a:ext cx="11323782" cy="699654"/>
+          </a:xfrm>
+          <a:prstGeom prst="rect">
+            <a:avLst/>
+          </a:prstGeom>
+        </p:spPr>
+        <p:style>
+          <a:lnRef idx="2">
+            <a:schemeClr val="accent1">
+              <a:shade val="15000"/>
+            </a:schemeClr>
+          </a:lnRef>
+          <a:fillRef idx="1">
+            <a:schemeClr val="accent1"/>
+          </a:fillRef>
+          <a:effectRef idx="0">
+            <a:schemeClr val="accent1"/>
+          </a:effectRef>
+          <a:fontRef idx="minor">
+            <a:schemeClr val="lt1"/>
+          </a:fontRef>
+        </p:style>
+        <p:txBody>
+          <a:bodyPr rtlCol="0" anchor="ctr"/>
+          <a:lstStyle/>
+          <a:p>
+            <a:pPr algn="ctr"/>
+            <a:r>
+              <a:rPr lang="en-US" altLang="ko-KR" dirty="0"/>
+              <a:t>Home</a:t>
+            </a:r>
+            <a:endParaRPr lang="ko-KR" altLang="en-US" dirty="0"/>
+          </a:p>
+        </p:txBody>
+      </p:sp>
+      <p:sp>
+        <p:nvSpPr>
+          <p:cNvPr id="7" name="직사각형 6">
+            <a:extLst>
+              <a:ext uri="{FF2B5EF4-FFF2-40B4-BE49-F238E27FC236}">
+                <a16:creationId xmlns:a16="http://schemas.microsoft.com/office/drawing/2014/main" id="{4B1CC37A-BE49-3CE9-7CD7-AE443824CA4B}"/>
+              </a:ext>
+            </a:extLst>
+          </p:cNvPr>
+          <p:cNvSpPr/>
+          <p:nvPr/>
+        </p:nvSpPr>
+        <p:spPr>
+          <a:xfrm>
+            <a:off x="434109" y="4291213"/>
+            <a:ext cx="11323782" cy="699654"/>
+          </a:xfrm>
+          <a:prstGeom prst="rect">
+            <a:avLst/>
+          </a:prstGeom>
+        </p:spPr>
+        <p:style>
+          <a:lnRef idx="2">
+            <a:schemeClr val="accent1">
+              <a:shade val="15000"/>
+            </a:schemeClr>
+          </a:lnRef>
+          <a:fillRef idx="1">
+            <a:schemeClr val="accent1"/>
+          </a:fillRef>
+          <a:effectRef idx="0">
+            <a:schemeClr val="accent1"/>
+          </a:effectRef>
+          <a:fontRef idx="minor">
+            <a:schemeClr val="lt1"/>
+          </a:fontRef>
+        </p:style>
+        <p:txBody>
+          <a:bodyPr rtlCol="0" anchor="ctr"/>
+          <a:lstStyle/>
+          <a:p>
+            <a:pPr algn="ctr"/>
+            <a:r>
+              <a:rPr lang="ko-KR" altLang="en-US" dirty="0"/>
+              <a:t>한페이지 아래위로 이동하기</a:t>
+            </a:r>
+          </a:p>
+        </p:txBody>
+      </p:sp>
+      <p:sp>
+        <p:nvSpPr>
+          <p:cNvPr id="8" name="직사각형 7">
+            <a:extLst>
+              <a:ext uri="{FF2B5EF4-FFF2-40B4-BE49-F238E27FC236}">
+                <a16:creationId xmlns:a16="http://schemas.microsoft.com/office/drawing/2014/main" id="{EBAB0A4D-06D3-E087-A6F9-81FBD6FCE4D2}"/>
+              </a:ext>
+            </a:extLst>
+          </p:cNvPr>
+          <p:cNvSpPr/>
+          <p:nvPr/>
+        </p:nvSpPr>
+        <p:spPr>
+          <a:xfrm>
+            <a:off x="434109" y="5135302"/>
+            <a:ext cx="11323782" cy="699654"/>
+          </a:xfrm>
+          <a:prstGeom prst="rect">
+            <a:avLst/>
+          </a:prstGeom>
+        </p:spPr>
+        <p:style>
+          <a:lnRef idx="2">
+            <a:schemeClr val="accent1">
+              <a:shade val="15000"/>
+            </a:schemeClr>
+          </a:lnRef>
+          <a:fillRef idx="1">
+            <a:schemeClr val="accent1"/>
+          </a:fillRef>
+          <a:effectRef idx="0">
+            <a:schemeClr val="accent1"/>
+          </a:effectRef>
+          <a:fontRef idx="minor">
+            <a:schemeClr val="lt1"/>
+          </a:fontRef>
+        </p:style>
+        <p:txBody>
+          <a:bodyPr rtlCol="0" anchor="ctr"/>
+          <a:lstStyle/>
+          <a:p>
+            <a:pPr algn="ctr"/>
+            <a:r>
+              <a:rPr lang="en-US" altLang="ko-KR" dirty="0"/>
+              <a:t>Page Up Page Down</a:t>
+            </a:r>
+            <a:endParaRPr lang="ko-KR" altLang="en-US" dirty="0"/>
+          </a:p>
+        </p:txBody>
+      </p:sp>
+    </p:spTree>
+    <p:extLst>
+      <p:ext uri="{BB962C8B-B14F-4D97-AF65-F5344CB8AC3E}">
+        <p14:creationId xmlns:p14="http://schemas.microsoft.com/office/powerpoint/2010/main" val="939447541"/>
+      </p:ext>
+    </p:extLst>
+  </p:cSld>
+  <p:clrMapOvr>
+    <a:masterClrMapping/>
+  </p:clrMapOvr>
+</p:sld>
+</file>
+
+<file path=ppt/slides/slide5.xml><?xml version="1.0" encoding="utf-8"?>
+<p:sld xmlns:a="http://schemas.openxmlformats.org/drawingml/2006/main" xmlns:r="http://schemas.openxmlformats.org/officeDocument/2006/relationships" xmlns:p="http://schemas.openxmlformats.org/presentationml/2006/main">
+  <p:cSld>
+    <p:spTree>
+      <p:nvGrpSpPr>
+        <p:cNvPr id="1" name=""/>
+        <p:cNvGrpSpPr/>
+        <p:nvPr/>
+      </p:nvGrpSpPr>
+      <p:grpSpPr>
+        <a:xfrm>
+          <a:off x="0" y="0"/>
+          <a:ext cx="0" cy="0"/>
+          <a:chOff x="0" y="0"/>
+          <a:chExt cx="0" cy="0"/>
+        </a:xfrm>
+      </p:grpSpPr>
+      <p:sp>
+        <p:nvSpPr>
+          <p:cNvPr id="6" name="직사각형 5">
+            <a:extLst>
+              <a:ext uri="{FF2B5EF4-FFF2-40B4-BE49-F238E27FC236}">
+                <a16:creationId xmlns:a16="http://schemas.microsoft.com/office/drawing/2014/main" id="{73072FA9-A79C-D7C6-4398-8DC55E90AAE8}"/>
+              </a:ext>
+            </a:extLst>
+          </p:cNvPr>
+          <p:cNvSpPr/>
+          <p:nvPr/>
+        </p:nvSpPr>
+        <p:spPr>
+          <a:xfrm>
+            <a:off x="170429" y="301671"/>
+            <a:ext cx="2314864" cy="699654"/>
+          </a:xfrm>
+          <a:prstGeom prst="rect">
+            <a:avLst/>
+          </a:prstGeom>
+        </p:spPr>
+        <p:style>
+          <a:lnRef idx="2">
+            <a:schemeClr val="accent1">
+              <a:shade val="15000"/>
+            </a:schemeClr>
+          </a:lnRef>
+          <a:fillRef idx="1">
+            <a:schemeClr val="accent1"/>
+          </a:fillRef>
+          <a:effectRef idx="0">
+            <a:schemeClr val="accent1"/>
+          </a:effectRef>
+          <a:fontRef idx="minor">
+            <a:schemeClr val="lt1"/>
+          </a:fontRef>
+        </p:style>
+        <p:txBody>
+          <a:bodyPr rtlCol="0" anchor="ctr"/>
+          <a:lstStyle/>
+          <a:p>
+            <a:pPr algn="ctr"/>
+            <a:r>
+              <a:rPr lang="ko-KR" altLang="en-US" dirty="0"/>
+              <a:t>코드 위치 이동</a:t>
+            </a:r>
+            <a:endParaRPr lang="en-US" altLang="ko-KR" dirty="0"/>
+          </a:p>
+        </p:txBody>
+      </p:sp>
+      <p:sp>
+        <p:nvSpPr>
+          <p:cNvPr id="7" name="직사각형 6">
+            <a:extLst>
+              <a:ext uri="{FF2B5EF4-FFF2-40B4-BE49-F238E27FC236}">
+                <a16:creationId xmlns:a16="http://schemas.microsoft.com/office/drawing/2014/main" id="{F5E5B135-BF68-AEE4-F5F5-1CA77566A2A2}"/>
+              </a:ext>
+            </a:extLst>
+          </p:cNvPr>
+          <p:cNvSpPr/>
+          <p:nvPr/>
+        </p:nvSpPr>
+        <p:spPr>
+          <a:xfrm>
+            <a:off x="2678099" y="301671"/>
+            <a:ext cx="3913909" cy="699654"/>
+          </a:xfrm>
+          <a:prstGeom prst="rect">
+            <a:avLst/>
+          </a:prstGeom>
+        </p:spPr>
+        <p:style>
+          <a:lnRef idx="2">
+            <a:schemeClr val="accent1">
+              <a:shade val="15000"/>
+            </a:schemeClr>
+          </a:lnRef>
+          <a:fillRef idx="1">
+            <a:schemeClr val="accent1"/>
+          </a:fillRef>
+          <a:effectRef idx="0">
+            <a:schemeClr val="accent1"/>
+          </a:effectRef>
+          <a:fontRef idx="minor">
+            <a:schemeClr val="lt1"/>
+          </a:fontRef>
+        </p:style>
+        <p:txBody>
+          <a:bodyPr rtlCol="0" anchor="ctr"/>
+          <a:lstStyle/>
+          <a:p>
+            <a:pPr algn="ctr"/>
+            <a:r>
+              <a:rPr lang="ko-KR" altLang="en-US" dirty="0"/>
+              <a:t>범위 잡고 </a:t>
+            </a:r>
+            <a:r>
+              <a:rPr lang="en-US" altLang="ko-KR" dirty="0"/>
+              <a:t>alt + </a:t>
+            </a:r>
+            <a:r>
+              <a:rPr lang="ko-KR" altLang="en-US" dirty="0"/>
+              <a:t>방향키</a:t>
+            </a:r>
+            <a:endParaRPr lang="en-US" altLang="ko-KR" dirty="0"/>
+          </a:p>
+          <a:p>
+            <a:pPr algn="ctr"/>
+            <a:r>
+              <a:rPr lang="ko-KR" altLang="en-US" dirty="0"/>
+              <a:t>보통 위나 아래로 이동한다</a:t>
+            </a:r>
+            <a:r>
+              <a:rPr lang="en-US" altLang="ko-KR" dirty="0"/>
+              <a:t>.</a:t>
+            </a:r>
+            <a:endParaRPr lang="ko-KR" altLang="en-US" dirty="0"/>
+          </a:p>
+        </p:txBody>
+      </p:sp>
+      <p:pic>
+        <p:nvPicPr>
+          <p:cNvPr id="9" name="그림 8">
+            <a:extLst>
+              <a:ext uri="{FF2B5EF4-FFF2-40B4-BE49-F238E27FC236}">
+                <a16:creationId xmlns:a16="http://schemas.microsoft.com/office/drawing/2014/main" id="{C35D71B0-06AB-1FC3-FCB8-4E1816F9C8E1}"/>
+              </a:ext>
+            </a:extLst>
+          </p:cNvPr>
+          <p:cNvPicPr>
+            <a:picLocks noChangeAspect="1"/>
+          </p:cNvPicPr>
+          <p:nvPr/>
+        </p:nvPicPr>
+        <p:blipFill>
+          <a:blip r:embed="rId2"/>
+          <a:stretch>
+            <a:fillRect/>
+          </a:stretch>
+        </p:blipFill>
+        <p:spPr>
+          <a:xfrm>
+            <a:off x="560645" y="2738918"/>
+            <a:ext cx="4401164" cy="3467584"/>
+          </a:xfrm>
+          <a:prstGeom prst="rect">
+            <a:avLst/>
+          </a:prstGeom>
+        </p:spPr>
+      </p:pic>
+      <p:sp>
+        <p:nvSpPr>
+          <p:cNvPr id="10" name="직사각형 9">
+            <a:extLst>
+              <a:ext uri="{FF2B5EF4-FFF2-40B4-BE49-F238E27FC236}">
+                <a16:creationId xmlns:a16="http://schemas.microsoft.com/office/drawing/2014/main" id="{2280AE44-AF2D-7BE7-0AAF-38B32EEA4650}"/>
+              </a:ext>
+            </a:extLst>
+          </p:cNvPr>
+          <p:cNvSpPr/>
+          <p:nvPr/>
+        </p:nvSpPr>
+        <p:spPr>
+          <a:xfrm>
+            <a:off x="170429" y="1170467"/>
+            <a:ext cx="2314864" cy="699654"/>
+          </a:xfrm>
+          <a:prstGeom prst="rect">
+            <a:avLst/>
+          </a:prstGeom>
+        </p:spPr>
+        <p:style>
+          <a:lnRef idx="2">
+            <a:schemeClr val="accent1">
+              <a:shade val="15000"/>
+            </a:schemeClr>
+          </a:lnRef>
+          <a:fillRef idx="1">
+            <a:schemeClr val="accent1"/>
+          </a:fillRef>
+          <a:effectRef idx="0">
+            <a:schemeClr val="accent1"/>
+          </a:effectRef>
+          <a:fontRef idx="minor">
+            <a:schemeClr val="lt1"/>
+          </a:fontRef>
+        </p:style>
+        <p:txBody>
+          <a:bodyPr rtlCol="0" anchor="ctr"/>
+          <a:lstStyle/>
+          <a:p>
+            <a:pPr algn="ctr"/>
+            <a:r>
+              <a:rPr lang="ko-KR" altLang="en-US" dirty="0"/>
+              <a:t>행 범위 선택</a:t>
+            </a:r>
+            <a:endParaRPr lang="en-US" altLang="ko-KR" dirty="0"/>
+          </a:p>
+        </p:txBody>
+      </p:sp>
+      <p:sp>
+        <p:nvSpPr>
+          <p:cNvPr id="11" name="직사각형 10">
+            <a:extLst>
+              <a:ext uri="{FF2B5EF4-FFF2-40B4-BE49-F238E27FC236}">
+                <a16:creationId xmlns:a16="http://schemas.microsoft.com/office/drawing/2014/main" id="{78375A96-F974-5C38-969B-7F198F424F1B}"/>
+              </a:ext>
+            </a:extLst>
+          </p:cNvPr>
+          <p:cNvSpPr/>
+          <p:nvPr/>
+        </p:nvSpPr>
+        <p:spPr>
+          <a:xfrm>
+            <a:off x="2678099" y="1170467"/>
+            <a:ext cx="3913909" cy="699654"/>
+          </a:xfrm>
+          <a:prstGeom prst="rect">
+            <a:avLst/>
+          </a:prstGeom>
+        </p:spPr>
+        <p:style>
+          <a:lnRef idx="2">
+            <a:schemeClr val="accent1">
+              <a:shade val="15000"/>
+            </a:schemeClr>
+          </a:lnRef>
+          <a:fillRef idx="1">
+            <a:schemeClr val="accent1"/>
+          </a:fillRef>
+          <a:effectRef idx="0">
+            <a:schemeClr val="accent1"/>
+          </a:effectRef>
+          <a:fontRef idx="minor">
+            <a:schemeClr val="lt1"/>
+          </a:fontRef>
+        </p:style>
+        <p:txBody>
+          <a:bodyPr rtlCol="0" anchor="ctr"/>
+          <a:lstStyle/>
+          <a:p>
+            <a:pPr algn="ctr"/>
+            <a:r>
+              <a:rPr lang="en-US" altLang="ko-KR" dirty="0"/>
+              <a:t>Alt + </a:t>
+            </a:r>
+            <a:r>
+              <a:rPr lang="ko-KR" altLang="en-US" dirty="0"/>
+              <a:t>시프트 </a:t>
+            </a:r>
+            <a:r>
+              <a:rPr lang="en-US" altLang="ko-KR" dirty="0"/>
+              <a:t>+ </a:t>
+            </a:r>
+            <a:r>
+              <a:rPr lang="ko-KR" altLang="en-US" dirty="0" err="1"/>
+              <a:t>마우스드래그</a:t>
+            </a:r>
+            <a:endParaRPr lang="en-US" altLang="ko-KR" dirty="0"/>
+          </a:p>
+          <a:p>
+            <a:pPr algn="ctr"/>
+            <a:r>
+              <a:rPr lang="en-US" altLang="ko-KR" dirty="0"/>
+              <a:t>Alt + </a:t>
+            </a:r>
+            <a:r>
+              <a:rPr lang="ko-KR" altLang="en-US" dirty="0"/>
+              <a:t>시프트 </a:t>
+            </a:r>
+            <a:r>
+              <a:rPr lang="en-US" altLang="ko-KR" dirty="0"/>
+              <a:t>+ </a:t>
+            </a:r>
+            <a:r>
+              <a:rPr lang="ko-KR" altLang="en-US" dirty="0"/>
+              <a:t>방향키</a:t>
+            </a:r>
+          </a:p>
+        </p:txBody>
+      </p:sp>
+      <p:sp>
+        <p:nvSpPr>
+          <p:cNvPr id="12" name="직사각형 11">
+            <a:extLst>
+              <a:ext uri="{FF2B5EF4-FFF2-40B4-BE49-F238E27FC236}">
+                <a16:creationId xmlns:a16="http://schemas.microsoft.com/office/drawing/2014/main" id="{84783EEF-D902-B7A2-987D-6790D901CF77}"/>
+              </a:ext>
+            </a:extLst>
+          </p:cNvPr>
+          <p:cNvSpPr/>
+          <p:nvPr/>
+        </p:nvSpPr>
+        <p:spPr>
+          <a:xfrm>
+            <a:off x="6889883" y="279781"/>
+            <a:ext cx="2314864" cy="699654"/>
+          </a:xfrm>
+          <a:prstGeom prst="rect">
+            <a:avLst/>
+          </a:prstGeom>
+        </p:spPr>
+        <p:style>
+          <a:lnRef idx="2">
+            <a:schemeClr val="accent1">
+              <a:shade val="15000"/>
+            </a:schemeClr>
+          </a:lnRef>
+          <a:fillRef idx="1">
+            <a:schemeClr val="accent1"/>
+          </a:fillRef>
+          <a:effectRef idx="0">
+            <a:schemeClr val="accent1"/>
+          </a:effectRef>
+          <a:fontRef idx="minor">
+            <a:schemeClr val="lt1"/>
+          </a:fontRef>
+        </p:style>
+        <p:txBody>
+          <a:bodyPr rtlCol="0" anchor="ctr"/>
+          <a:lstStyle/>
+          <a:p>
+            <a:pPr algn="ctr"/>
+            <a:r>
+              <a:rPr lang="ko-KR" altLang="en-US" dirty="0"/>
+              <a:t>구문단위 이동</a:t>
+            </a:r>
+            <a:endParaRPr lang="en-US" altLang="ko-KR" dirty="0"/>
+          </a:p>
+        </p:txBody>
+      </p:sp>
+      <p:sp>
+        <p:nvSpPr>
+          <p:cNvPr id="13" name="직사각형 12">
+            <a:extLst>
+              <a:ext uri="{FF2B5EF4-FFF2-40B4-BE49-F238E27FC236}">
+                <a16:creationId xmlns:a16="http://schemas.microsoft.com/office/drawing/2014/main" id="{50D49181-F269-ADB5-FE90-E604E5D8A19F}"/>
+              </a:ext>
+            </a:extLst>
+          </p:cNvPr>
+          <p:cNvSpPr/>
+          <p:nvPr/>
+        </p:nvSpPr>
+        <p:spPr>
+          <a:xfrm>
+            <a:off x="9397553" y="279781"/>
+            <a:ext cx="3913909" cy="699654"/>
+          </a:xfrm>
+          <a:prstGeom prst="rect">
+            <a:avLst/>
+          </a:prstGeom>
+        </p:spPr>
+        <p:style>
+          <a:lnRef idx="2">
+            <a:schemeClr val="accent1">
+              <a:shade val="15000"/>
+            </a:schemeClr>
+          </a:lnRef>
+          <a:fillRef idx="1">
+            <a:schemeClr val="accent1"/>
+          </a:fillRef>
+          <a:effectRef idx="0">
+            <a:schemeClr val="accent1"/>
+          </a:effectRef>
+          <a:fontRef idx="minor">
+            <a:schemeClr val="lt1"/>
+          </a:fontRef>
+        </p:style>
+        <p:txBody>
+          <a:bodyPr rtlCol="0" anchor="ctr"/>
+          <a:lstStyle/>
+          <a:p>
+            <a:pPr algn="ctr"/>
+            <a:r>
+              <a:rPr lang="ko-KR" altLang="en-US" dirty="0"/>
+              <a:t>컨트롤 </a:t>
+            </a:r>
+            <a:r>
+              <a:rPr lang="en-US" altLang="ko-KR" dirty="0"/>
+              <a:t>+ </a:t>
+            </a:r>
+            <a:r>
+              <a:rPr lang="ko-KR" altLang="en-US"/>
+              <a:t>방향키</a:t>
+            </a:r>
+            <a:endParaRPr lang="ko-KR" altLang="en-US" dirty="0"/>
+          </a:p>
+        </p:txBody>
+      </p:sp>
+    </p:spTree>
+    <p:extLst>
+      <p:ext uri="{BB962C8B-B14F-4D97-AF65-F5344CB8AC3E}">
+        <p14:creationId xmlns:p14="http://schemas.microsoft.com/office/powerpoint/2010/main" val="2541269369"/>
+      </p:ext>
+    </p:extLst>
+  </p:cSld>
+  <p:clrMapOvr>
+    <a:masterClrMapping/>
+  </p:clrMapOvr>
+</p:sld>
+</file>
+
+<file path=ppt/slides/slide6.xml><?xml version="1.0" encoding="utf-8"?>
+<p:sld xmlns:a="http://schemas.openxmlformats.org/drawingml/2006/main" xmlns:r="http://schemas.openxmlformats.org/officeDocument/2006/relationships" xmlns:p="http://schemas.openxmlformats.org/presentationml/2006/main">
+  <p:cSld>
+    <p:spTree>
+      <p:nvGrpSpPr>
+        <p:cNvPr id="1" name=""/>
+        <p:cNvGrpSpPr/>
+        <p:nvPr/>
+      </p:nvGrpSpPr>
+      <p:grpSpPr>
+        <a:xfrm>
+          <a:off x="0" y="0"/>
+          <a:ext cx="0" cy="0"/>
+          <a:chOff x="0" y="0"/>
+          <a:chExt cx="0" cy="0"/>
+        </a:xfrm>
+      </p:grpSpPr>
+      <p:sp>
+        <p:nvSpPr>
+          <p:cNvPr id="3" name="직사각형 2">
+            <a:extLst>
+              <a:ext uri="{FF2B5EF4-FFF2-40B4-BE49-F238E27FC236}">
+                <a16:creationId xmlns:a16="http://schemas.microsoft.com/office/drawing/2014/main" id="{A5840210-0674-BA1E-A813-66127759208E}"/>
+              </a:ext>
+            </a:extLst>
+          </p:cNvPr>
+          <p:cNvSpPr/>
+          <p:nvPr/>
+        </p:nvSpPr>
+        <p:spPr>
+          <a:xfrm>
+            <a:off x="434109" y="556490"/>
+            <a:ext cx="11323782" cy="5908963"/>
+          </a:xfrm>
+          <a:prstGeom prst="rect">
+            <a:avLst/>
+          </a:prstGeom>
+        </p:spPr>
+        <p:style>
+          <a:lnRef idx="2">
+            <a:schemeClr val="accent1">
+              <a:shade val="15000"/>
+            </a:schemeClr>
+          </a:lnRef>
+          <a:fillRef idx="1">
+            <a:schemeClr val="accent1"/>
+          </a:fillRef>
+          <a:effectRef idx="0">
+            <a:schemeClr val="accent1"/>
+          </a:effectRef>
+          <a:fontRef idx="minor">
+            <a:schemeClr val="lt1"/>
+          </a:fontRef>
+        </p:style>
+        <p:txBody>
+          <a:bodyPr rtlCol="0" anchor="ctr"/>
+          <a:lstStyle/>
+          <a:p>
+            <a:pPr algn="ctr"/>
+            <a:r>
+              <a:rPr lang="ko-KR" altLang="en-US"/>
+              <a:t>파일관련</a:t>
+            </a:r>
+            <a:endParaRPr lang="ko-KR" altLang="en-US" dirty="0"/>
+          </a:p>
+        </p:txBody>
+      </p:sp>
+    </p:spTree>
+    <p:extLst>
+      <p:ext uri="{BB962C8B-B14F-4D97-AF65-F5344CB8AC3E}">
+        <p14:creationId xmlns:p14="http://schemas.microsoft.com/office/powerpoint/2010/main" val="543264706"/>
+      </p:ext>
+    </p:extLst>
+  </p:cSld>
+  <p:clrMapOvr>
+    <a:masterClrMapping/>
+  </p:clrMapOvr>
+</p:sld>
+</file>
+
+<file path=ppt/slides/slide7.xml><?xml version="1.0" encoding="utf-8"?>
+<p:sld xmlns:a="http://schemas.openxmlformats.org/drawingml/2006/main" xmlns:r="http://schemas.openxmlformats.org/officeDocument/2006/relationships" xmlns:p="http://schemas.openxmlformats.org/presentationml/2006/main">
+  <p:cSld>
+    <p:spTree>
+      <p:nvGrpSpPr>
+        <p:cNvPr id="1" name=""/>
+        <p:cNvGrpSpPr/>
+        <p:nvPr/>
+      </p:nvGrpSpPr>
+      <p:grpSpPr>
+        <a:xfrm>
+          <a:off x="0" y="0"/>
+          <a:ext cx="0" cy="0"/>
+          <a:chOff x="0" y="0"/>
+          <a:chExt cx="0" cy="0"/>
+        </a:xfrm>
+      </p:grpSpPr>
+      <p:sp>
+        <p:nvSpPr>
+          <p:cNvPr id="2" name="직사각형 1">
+            <a:extLst>
+              <a:ext uri="{FF2B5EF4-FFF2-40B4-BE49-F238E27FC236}">
                 <a16:creationId xmlns:a16="http://schemas.microsoft.com/office/drawing/2014/main" id="{41AE9207-08CC-7B4C-E9CA-FE91309CB5F0}"/>
               </a:ext>
             </a:extLst>
@@ -4666,7 +5766,87 @@
 </p:sld>
 </file>
 
-<file path=ppt/slides/slide5.xml><?xml version="1.0" encoding="utf-8"?>
+<file path=ppt/slides/slide8.xml><?xml version="1.0" encoding="utf-8"?>
+<p:sld xmlns:a="http://schemas.openxmlformats.org/drawingml/2006/main" xmlns:r="http://schemas.openxmlformats.org/officeDocument/2006/relationships" xmlns:p="http://schemas.openxmlformats.org/presentationml/2006/main">
+  <p:cSld>
+    <p:spTree>
+      <p:nvGrpSpPr>
+        <p:cNvPr id="1" name=""/>
+        <p:cNvGrpSpPr/>
+        <p:nvPr/>
+      </p:nvGrpSpPr>
+      <p:grpSpPr>
+        <a:xfrm>
+          <a:off x="0" y="0"/>
+          <a:ext cx="0" cy="0"/>
+          <a:chOff x="0" y="0"/>
+          <a:chExt cx="0" cy="0"/>
+        </a:xfrm>
+      </p:grpSpPr>
+      <p:sp>
+        <p:nvSpPr>
+          <p:cNvPr id="3" name="직사각형 2">
+            <a:extLst>
+              <a:ext uri="{FF2B5EF4-FFF2-40B4-BE49-F238E27FC236}">
+                <a16:creationId xmlns:a16="http://schemas.microsoft.com/office/drawing/2014/main" id="{A5840210-0674-BA1E-A813-66127759208E}"/>
+              </a:ext>
+            </a:extLst>
+          </p:cNvPr>
+          <p:cNvSpPr/>
+          <p:nvPr/>
+        </p:nvSpPr>
+        <p:spPr>
+          <a:xfrm>
+            <a:off x="434109" y="556490"/>
+            <a:ext cx="11323782" cy="5908963"/>
+          </a:xfrm>
+          <a:prstGeom prst="rect">
+            <a:avLst/>
+          </a:prstGeom>
+        </p:spPr>
+        <p:style>
+          <a:lnRef idx="2">
+            <a:schemeClr val="accent1">
+              <a:shade val="15000"/>
+            </a:schemeClr>
+          </a:lnRef>
+          <a:fillRef idx="1">
+            <a:schemeClr val="accent1"/>
+          </a:fillRef>
+          <a:effectRef idx="0">
+            <a:schemeClr val="accent1"/>
+          </a:effectRef>
+          <a:fontRef idx="minor">
+            <a:schemeClr val="lt1"/>
+          </a:fontRef>
+        </p:style>
+        <p:txBody>
+          <a:bodyPr rtlCol="0" anchor="ctr"/>
+          <a:lstStyle/>
+          <a:p>
+            <a:pPr algn="ctr"/>
+            <a:r>
+              <a:rPr lang="ko-KR" altLang="en-US"/>
+              <a:t>디버깅</a:t>
+            </a:r>
+            <a:endParaRPr lang="ko-KR" altLang="en-US" dirty="0"/>
+          </a:p>
+        </p:txBody>
+      </p:sp>
+    </p:spTree>
+    <p:extLst>
+      <p:ext uri="{BB962C8B-B14F-4D97-AF65-F5344CB8AC3E}">
+        <p14:creationId xmlns:p14="http://schemas.microsoft.com/office/powerpoint/2010/main" val="3967221169"/>
+      </p:ext>
+    </p:extLst>
+  </p:cSld>
+  <p:clrMapOvr>
+    <a:masterClrMapping/>
+  </p:clrMapOvr>
+</p:sld>
+</file>
+
+<file path=ppt/slides/slide9.xml><?xml version="1.0" encoding="utf-8"?>
 <p:sld xmlns:a="http://schemas.openxmlformats.org/drawingml/2006/main" xmlns:r="http://schemas.openxmlformats.org/officeDocument/2006/relationships" xmlns:p="http://schemas.openxmlformats.org/presentationml/2006/main">
   <p:cSld>
     <p:spTree>
@@ -5487,594 +6667,6 @@
     <p:extLst>
       <p:ext uri="{BB962C8B-B14F-4D97-AF65-F5344CB8AC3E}">
         <p14:creationId xmlns:p14="http://schemas.microsoft.com/office/powerpoint/2010/main" val="1411660491"/>
-      </p:ext>
-    </p:extLst>
-  </p:cSld>
-  <p:clrMapOvr>
-    <a:masterClrMapping/>
-  </p:clrMapOvr>
-</p:sld>
-</file>
-
-<file path=ppt/slides/slide6.xml><?xml version="1.0" encoding="utf-8"?>
-<p:sld xmlns:a="http://schemas.openxmlformats.org/drawingml/2006/main" xmlns:r="http://schemas.openxmlformats.org/officeDocument/2006/relationships" xmlns:p="http://schemas.openxmlformats.org/presentationml/2006/main">
-  <p:cSld>
-    <p:spTree>
-      <p:nvGrpSpPr>
-        <p:cNvPr id="1" name=""/>
-        <p:cNvGrpSpPr/>
-        <p:nvPr/>
-      </p:nvGrpSpPr>
-      <p:grpSpPr>
-        <a:xfrm>
-          <a:off x="0" y="0"/>
-          <a:ext cx="0" cy="0"/>
-          <a:chOff x="0" y="0"/>
-          <a:chExt cx="0" cy="0"/>
-        </a:xfrm>
-      </p:grpSpPr>
-      <p:sp>
-        <p:nvSpPr>
-          <p:cNvPr id="4" name="직사각형 3">
-            <a:extLst>
-              <a:ext uri="{FF2B5EF4-FFF2-40B4-BE49-F238E27FC236}">
-                <a16:creationId xmlns:a16="http://schemas.microsoft.com/office/drawing/2014/main" id="{BF543E7D-B64F-96E1-71EC-DD4B0AC09943}"/>
-              </a:ext>
-            </a:extLst>
-          </p:cNvPr>
-          <p:cNvSpPr/>
-          <p:nvPr/>
-        </p:nvSpPr>
-        <p:spPr>
-          <a:xfrm>
-            <a:off x="179666" y="619992"/>
-            <a:ext cx="2314864" cy="699654"/>
-          </a:xfrm>
-          <a:prstGeom prst="rect">
-            <a:avLst/>
-          </a:prstGeom>
-        </p:spPr>
-        <p:style>
-          <a:lnRef idx="2">
-            <a:schemeClr val="accent1">
-              <a:shade val="15000"/>
-            </a:schemeClr>
-          </a:lnRef>
-          <a:fillRef idx="1">
-            <a:schemeClr val="accent1"/>
-          </a:fillRef>
-          <a:effectRef idx="0">
-            <a:schemeClr val="accent1"/>
-          </a:effectRef>
-          <a:fontRef idx="minor">
-            <a:schemeClr val="lt1"/>
-          </a:fontRef>
-        </p:style>
-        <p:txBody>
-          <a:bodyPr rtlCol="0" anchor="ctr"/>
-          <a:lstStyle/>
-          <a:p>
-            <a:pPr algn="ctr"/>
-            <a:r>
-              <a:rPr lang="ko-KR" altLang="en-US" dirty="0"/>
-              <a:t>컴파일 </a:t>
-            </a:r>
-            <a:r>
-              <a:rPr lang="ko-KR" altLang="en-US" dirty="0" err="1"/>
-              <a:t>에러시</a:t>
-            </a:r>
-            <a:endParaRPr lang="en-US" altLang="ko-KR" dirty="0"/>
-          </a:p>
-          <a:p>
-            <a:pPr algn="ctr"/>
-            <a:r>
-              <a:rPr lang="ko-KR" altLang="en-US" dirty="0"/>
-              <a:t>에러 위치로 이동</a:t>
-            </a:r>
-          </a:p>
-        </p:txBody>
-      </p:sp>
-      <p:sp>
-        <p:nvSpPr>
-          <p:cNvPr id="5" name="직사각형 4">
-            <a:extLst>
-              <a:ext uri="{FF2B5EF4-FFF2-40B4-BE49-F238E27FC236}">
-                <a16:creationId xmlns:a16="http://schemas.microsoft.com/office/drawing/2014/main" id="{44D6DBC5-8748-C6A7-2150-FED36194AA1A}"/>
-              </a:ext>
-            </a:extLst>
-          </p:cNvPr>
-          <p:cNvSpPr/>
-          <p:nvPr/>
-        </p:nvSpPr>
-        <p:spPr>
-          <a:xfrm>
-            <a:off x="2687338" y="619992"/>
-            <a:ext cx="3913909" cy="699654"/>
-          </a:xfrm>
-          <a:prstGeom prst="rect">
-            <a:avLst/>
-          </a:prstGeom>
-        </p:spPr>
-        <p:style>
-          <a:lnRef idx="2">
-            <a:schemeClr val="accent1">
-              <a:shade val="15000"/>
-            </a:schemeClr>
-          </a:lnRef>
-          <a:fillRef idx="1">
-            <a:schemeClr val="accent1"/>
-          </a:fillRef>
-          <a:effectRef idx="0">
-            <a:schemeClr val="accent1"/>
-          </a:effectRef>
-          <a:fontRef idx="minor">
-            <a:schemeClr val="lt1"/>
-          </a:fontRef>
-        </p:style>
-        <p:txBody>
-          <a:bodyPr rtlCol="0" anchor="ctr"/>
-          <a:lstStyle/>
-          <a:p>
-            <a:pPr algn="ctr"/>
-            <a:r>
-              <a:rPr lang="en-US" altLang="ko-KR" dirty="0"/>
-              <a:t>F8</a:t>
-            </a:r>
-            <a:endParaRPr lang="ko-KR" altLang="en-US" dirty="0"/>
-          </a:p>
-        </p:txBody>
-      </p:sp>
-    </p:spTree>
-    <p:extLst>
-      <p:ext uri="{BB962C8B-B14F-4D97-AF65-F5344CB8AC3E}">
-        <p14:creationId xmlns:p14="http://schemas.microsoft.com/office/powerpoint/2010/main" val="3295177245"/>
-      </p:ext>
-    </p:extLst>
-  </p:cSld>
-  <p:clrMapOvr>
-    <a:masterClrMapping/>
-  </p:clrMapOvr>
-</p:sld>
-</file>
-
-<file path=ppt/slides/slide7.xml><?xml version="1.0" encoding="utf-8"?>
-<p:sld xmlns:a="http://schemas.openxmlformats.org/drawingml/2006/main" xmlns:r="http://schemas.openxmlformats.org/officeDocument/2006/relationships" xmlns:p="http://schemas.openxmlformats.org/presentationml/2006/main">
-  <p:cSld>
-    <p:spTree>
-      <p:nvGrpSpPr>
-        <p:cNvPr id="1" name=""/>
-        <p:cNvGrpSpPr/>
-        <p:nvPr/>
-      </p:nvGrpSpPr>
-      <p:grpSpPr>
-        <a:xfrm>
-          <a:off x="0" y="0"/>
-          <a:ext cx="0" cy="0"/>
-          <a:chOff x="0" y="0"/>
-          <a:chExt cx="0" cy="0"/>
-        </a:xfrm>
-      </p:grpSpPr>
-      <p:pic>
-        <p:nvPicPr>
-          <p:cNvPr id="3" name="그림 2">
-            <a:extLst>
-              <a:ext uri="{FF2B5EF4-FFF2-40B4-BE49-F238E27FC236}">
-                <a16:creationId xmlns:a16="http://schemas.microsoft.com/office/drawing/2014/main" id="{DF073574-7B28-FEE2-C902-9E19A825D40F}"/>
-              </a:ext>
-            </a:extLst>
-          </p:cNvPr>
-          <p:cNvPicPr>
-            <a:picLocks noChangeAspect="1"/>
-          </p:cNvPicPr>
-          <p:nvPr/>
-        </p:nvPicPr>
-        <p:blipFill>
-          <a:blip r:embed="rId2"/>
-          <a:stretch>
-            <a:fillRect/>
-          </a:stretch>
-        </p:blipFill>
-        <p:spPr>
-          <a:xfrm>
-            <a:off x="780524" y="4135062"/>
-            <a:ext cx="5458587" cy="1247949"/>
-          </a:xfrm>
-          <a:prstGeom prst="rect">
-            <a:avLst/>
-          </a:prstGeom>
-        </p:spPr>
-      </p:pic>
-      <p:sp>
-        <p:nvSpPr>
-          <p:cNvPr id="2" name="직사각형 1">
-            <a:extLst>
-              <a:ext uri="{FF2B5EF4-FFF2-40B4-BE49-F238E27FC236}">
-                <a16:creationId xmlns:a16="http://schemas.microsoft.com/office/drawing/2014/main" id="{1C3525FB-3D1D-0C95-38E1-4EFC0E102AAF}"/>
-              </a:ext>
-            </a:extLst>
-          </p:cNvPr>
-          <p:cNvSpPr/>
-          <p:nvPr/>
-        </p:nvSpPr>
-        <p:spPr>
-          <a:xfrm>
-            <a:off x="618393" y="897083"/>
-            <a:ext cx="3913909" cy="699654"/>
-          </a:xfrm>
-          <a:prstGeom prst="rect">
-            <a:avLst/>
-          </a:prstGeom>
-        </p:spPr>
-        <p:style>
-          <a:lnRef idx="2">
-            <a:schemeClr val="accent1">
-              <a:shade val="15000"/>
-            </a:schemeClr>
-          </a:lnRef>
-          <a:fillRef idx="1">
-            <a:schemeClr val="accent1"/>
-          </a:fillRef>
-          <a:effectRef idx="0">
-            <a:schemeClr val="accent1"/>
-          </a:effectRef>
-          <a:fontRef idx="minor">
-            <a:schemeClr val="lt1"/>
-          </a:fontRef>
-        </p:style>
-        <p:txBody>
-          <a:bodyPr rtlCol="0" anchor="ctr"/>
-          <a:lstStyle/>
-          <a:p>
-            <a:pPr algn="ctr"/>
-            <a:r>
-              <a:rPr lang="ko-KR" altLang="en-US"/>
-              <a:t>주석 걸기</a:t>
-            </a:r>
-            <a:endParaRPr lang="ko-KR" altLang="en-US" dirty="0"/>
-          </a:p>
-        </p:txBody>
-      </p:sp>
-      <p:sp>
-        <p:nvSpPr>
-          <p:cNvPr id="4" name="직사각형 3">
-            <a:extLst>
-              <a:ext uri="{FF2B5EF4-FFF2-40B4-BE49-F238E27FC236}">
-                <a16:creationId xmlns:a16="http://schemas.microsoft.com/office/drawing/2014/main" id="{2BF92A7F-E045-08A5-74B2-7E4838D69A4A}"/>
-              </a:ext>
-            </a:extLst>
-          </p:cNvPr>
-          <p:cNvSpPr/>
-          <p:nvPr/>
-        </p:nvSpPr>
-        <p:spPr>
-          <a:xfrm>
-            <a:off x="4797847" y="897083"/>
-            <a:ext cx="3913909" cy="699654"/>
-          </a:xfrm>
-          <a:prstGeom prst="rect">
-            <a:avLst/>
-          </a:prstGeom>
-        </p:spPr>
-        <p:style>
-          <a:lnRef idx="2">
-            <a:schemeClr val="accent1">
-              <a:shade val="15000"/>
-            </a:schemeClr>
-          </a:lnRef>
-          <a:fillRef idx="1">
-            <a:schemeClr val="accent1"/>
-          </a:fillRef>
-          <a:effectRef idx="0">
-            <a:schemeClr val="accent1"/>
-          </a:effectRef>
-          <a:fontRef idx="minor">
-            <a:schemeClr val="lt1"/>
-          </a:fontRef>
-        </p:style>
-        <p:txBody>
-          <a:bodyPr rtlCol="0" anchor="ctr"/>
-          <a:lstStyle/>
-          <a:p>
-            <a:pPr algn="ctr"/>
-            <a:r>
-              <a:rPr lang="ko-KR" altLang="en-US" dirty="0"/>
-              <a:t>컨트롤 </a:t>
-            </a:r>
-            <a:r>
-              <a:rPr lang="en-US" altLang="ko-KR" dirty="0"/>
-              <a:t>+ K + C</a:t>
-            </a:r>
-            <a:endParaRPr lang="ko-KR" altLang="en-US" dirty="0"/>
-          </a:p>
-        </p:txBody>
-      </p:sp>
-      <p:sp>
-        <p:nvSpPr>
-          <p:cNvPr id="5" name="직사각형 4">
-            <a:extLst>
-              <a:ext uri="{FF2B5EF4-FFF2-40B4-BE49-F238E27FC236}">
-                <a16:creationId xmlns:a16="http://schemas.microsoft.com/office/drawing/2014/main" id="{CF666F2A-6DBB-CE3F-1F7B-1E3DEAF474D2}"/>
-              </a:ext>
-            </a:extLst>
-          </p:cNvPr>
-          <p:cNvSpPr/>
-          <p:nvPr/>
-        </p:nvSpPr>
-        <p:spPr>
-          <a:xfrm>
-            <a:off x="618393" y="2023284"/>
-            <a:ext cx="3913909" cy="699654"/>
-          </a:xfrm>
-          <a:prstGeom prst="rect">
-            <a:avLst/>
-          </a:prstGeom>
-        </p:spPr>
-        <p:style>
-          <a:lnRef idx="2">
-            <a:schemeClr val="accent1">
-              <a:shade val="15000"/>
-            </a:schemeClr>
-          </a:lnRef>
-          <a:fillRef idx="1">
-            <a:schemeClr val="accent1"/>
-          </a:fillRef>
-          <a:effectRef idx="0">
-            <a:schemeClr val="accent1"/>
-          </a:effectRef>
-          <a:fontRef idx="minor">
-            <a:schemeClr val="lt1"/>
-          </a:fontRef>
-        </p:style>
-        <p:txBody>
-          <a:bodyPr rtlCol="0" anchor="ctr"/>
-          <a:lstStyle/>
-          <a:p>
-            <a:pPr algn="ctr"/>
-            <a:r>
-              <a:rPr lang="ko-KR" altLang="en-US" dirty="0"/>
-              <a:t>주석 풀기</a:t>
-            </a:r>
-          </a:p>
-        </p:txBody>
-      </p:sp>
-      <p:sp>
-        <p:nvSpPr>
-          <p:cNvPr id="6" name="직사각형 5">
-            <a:extLst>
-              <a:ext uri="{FF2B5EF4-FFF2-40B4-BE49-F238E27FC236}">
-                <a16:creationId xmlns:a16="http://schemas.microsoft.com/office/drawing/2014/main" id="{953CB6DC-C61C-9E9E-92E0-8AC323E2E857}"/>
-              </a:ext>
-            </a:extLst>
-          </p:cNvPr>
-          <p:cNvSpPr/>
-          <p:nvPr/>
-        </p:nvSpPr>
-        <p:spPr>
-          <a:xfrm>
-            <a:off x="4797847" y="2023284"/>
-            <a:ext cx="3913909" cy="699654"/>
-          </a:xfrm>
-          <a:prstGeom prst="rect">
-            <a:avLst/>
-          </a:prstGeom>
-        </p:spPr>
-        <p:style>
-          <a:lnRef idx="2">
-            <a:schemeClr val="accent1">
-              <a:shade val="15000"/>
-            </a:schemeClr>
-          </a:lnRef>
-          <a:fillRef idx="1">
-            <a:schemeClr val="accent1"/>
-          </a:fillRef>
-          <a:effectRef idx="0">
-            <a:schemeClr val="accent1"/>
-          </a:effectRef>
-          <a:fontRef idx="minor">
-            <a:schemeClr val="lt1"/>
-          </a:fontRef>
-        </p:style>
-        <p:txBody>
-          <a:bodyPr rtlCol="0" anchor="ctr"/>
-          <a:lstStyle/>
-          <a:p>
-            <a:pPr algn="ctr"/>
-            <a:r>
-              <a:rPr lang="ko-KR" altLang="en-US" dirty="0"/>
-              <a:t>컨트롤 </a:t>
-            </a:r>
-            <a:r>
-              <a:rPr lang="en-US" altLang="ko-KR" dirty="0"/>
-              <a:t>+ K + U</a:t>
-            </a:r>
-            <a:endParaRPr lang="ko-KR" altLang="en-US" dirty="0"/>
-          </a:p>
-        </p:txBody>
-      </p:sp>
-    </p:spTree>
-    <p:extLst>
-      <p:ext uri="{BB962C8B-B14F-4D97-AF65-F5344CB8AC3E}">
-        <p14:creationId xmlns:p14="http://schemas.microsoft.com/office/powerpoint/2010/main" val="1396673677"/>
-      </p:ext>
-    </p:extLst>
-  </p:cSld>
-  <p:clrMapOvr>
-    <a:masterClrMapping/>
-  </p:clrMapOvr>
-</p:sld>
-</file>
-
-<file path=ppt/slides/slide8.xml><?xml version="1.0" encoding="utf-8"?>
-<p:sld xmlns:a="http://schemas.openxmlformats.org/drawingml/2006/main" xmlns:r="http://schemas.openxmlformats.org/officeDocument/2006/relationships" xmlns:p="http://schemas.openxmlformats.org/presentationml/2006/main">
-  <p:cSld>
-    <p:spTree>
-      <p:nvGrpSpPr>
-        <p:cNvPr id="1" name=""/>
-        <p:cNvGrpSpPr/>
-        <p:nvPr/>
-      </p:nvGrpSpPr>
-      <p:grpSpPr>
-        <a:xfrm>
-          <a:off x="0" y="0"/>
-          <a:ext cx="0" cy="0"/>
-          <a:chOff x="0" y="0"/>
-          <a:chExt cx="0" cy="0"/>
-        </a:xfrm>
-      </p:grpSpPr>
-      <p:sp>
-        <p:nvSpPr>
-          <p:cNvPr id="4" name="직사각형 3">
-            <a:extLst>
-              <a:ext uri="{FF2B5EF4-FFF2-40B4-BE49-F238E27FC236}">
-                <a16:creationId xmlns:a16="http://schemas.microsoft.com/office/drawing/2014/main" id="{73072FA9-A79C-D7C6-4398-8DC55E90AAE8}"/>
-              </a:ext>
-            </a:extLst>
-          </p:cNvPr>
-          <p:cNvSpPr/>
-          <p:nvPr/>
-        </p:nvSpPr>
-        <p:spPr>
-          <a:xfrm>
-            <a:off x="489084" y="647066"/>
-            <a:ext cx="3913909" cy="699654"/>
-          </a:xfrm>
-          <a:prstGeom prst="rect">
-            <a:avLst/>
-          </a:prstGeom>
-        </p:spPr>
-        <p:style>
-          <a:lnRef idx="2">
-            <a:schemeClr val="accent1">
-              <a:shade val="15000"/>
-            </a:schemeClr>
-          </a:lnRef>
-          <a:fillRef idx="1">
-            <a:schemeClr val="accent1"/>
-          </a:fillRef>
-          <a:effectRef idx="0">
-            <a:schemeClr val="accent1"/>
-          </a:effectRef>
-          <a:fontRef idx="minor">
-            <a:schemeClr val="lt1"/>
-          </a:fontRef>
-        </p:style>
-        <p:txBody>
-          <a:bodyPr rtlCol="0" anchor="ctr"/>
-          <a:lstStyle/>
-          <a:p>
-            <a:pPr algn="ctr"/>
-            <a:r>
-              <a:rPr lang="ko-KR" altLang="en-US" dirty="0"/>
-              <a:t>코드 위치 이동</a:t>
-            </a:r>
-            <a:endParaRPr lang="en-US" altLang="ko-KR" dirty="0"/>
-          </a:p>
-        </p:txBody>
-      </p:sp>
-      <p:sp>
-        <p:nvSpPr>
-          <p:cNvPr id="5" name="직사각형 4">
-            <a:extLst>
-              <a:ext uri="{FF2B5EF4-FFF2-40B4-BE49-F238E27FC236}">
-                <a16:creationId xmlns:a16="http://schemas.microsoft.com/office/drawing/2014/main" id="{F5E5B135-BF68-AEE4-F5F5-1CA77566A2A2}"/>
-              </a:ext>
-            </a:extLst>
-          </p:cNvPr>
-          <p:cNvSpPr/>
-          <p:nvPr/>
-        </p:nvSpPr>
-        <p:spPr>
-          <a:xfrm>
-            <a:off x="4668538" y="647066"/>
-            <a:ext cx="3913909" cy="699654"/>
-          </a:xfrm>
-          <a:prstGeom prst="rect">
-            <a:avLst/>
-          </a:prstGeom>
-        </p:spPr>
-        <p:style>
-          <a:lnRef idx="2">
-            <a:schemeClr val="accent1">
-              <a:shade val="15000"/>
-            </a:schemeClr>
-          </a:lnRef>
-          <a:fillRef idx="1">
-            <a:schemeClr val="accent1"/>
-          </a:fillRef>
-          <a:effectRef idx="0">
-            <a:schemeClr val="accent1"/>
-          </a:effectRef>
-          <a:fontRef idx="minor">
-            <a:schemeClr val="lt1"/>
-          </a:fontRef>
-        </p:style>
-        <p:txBody>
-          <a:bodyPr rtlCol="0" anchor="ctr"/>
-          <a:lstStyle/>
-          <a:p>
-            <a:pPr algn="ctr"/>
-            <a:r>
-              <a:rPr lang="ko-KR" altLang="en-US" dirty="0"/>
-              <a:t>범위 잡고 </a:t>
-            </a:r>
-            <a:r>
-              <a:rPr lang="en-US" altLang="ko-KR" dirty="0"/>
-              <a:t>alt + </a:t>
-            </a:r>
-            <a:r>
-              <a:rPr lang="ko-KR" altLang="en-US" dirty="0"/>
-              <a:t>방향키</a:t>
-            </a:r>
-            <a:endParaRPr lang="en-US" altLang="ko-KR" dirty="0"/>
-          </a:p>
-          <a:p>
-            <a:pPr algn="ctr"/>
-            <a:r>
-              <a:rPr lang="ko-KR" altLang="en-US" dirty="0"/>
-              <a:t>보통 위나 아래로 이동한다</a:t>
-            </a:r>
-            <a:r>
-              <a:rPr lang="en-US" altLang="ko-KR"/>
-              <a:t>.</a:t>
-            </a:r>
-            <a:endParaRPr lang="ko-KR" altLang="en-US" dirty="0"/>
-          </a:p>
-        </p:txBody>
-      </p:sp>
-    </p:spTree>
-    <p:extLst>
-      <p:ext uri="{BB962C8B-B14F-4D97-AF65-F5344CB8AC3E}">
-        <p14:creationId xmlns:p14="http://schemas.microsoft.com/office/powerpoint/2010/main" val="2541269369"/>
-      </p:ext>
-    </p:extLst>
-  </p:cSld>
-  <p:clrMapOvr>
-    <a:masterClrMapping/>
-  </p:clrMapOvr>
-</p:sld>
-</file>
-
-<file path=ppt/slides/slide9.xml><?xml version="1.0" encoding="utf-8"?>
-<p:sld xmlns:a="http://schemas.openxmlformats.org/drawingml/2006/main" xmlns:r="http://schemas.openxmlformats.org/officeDocument/2006/relationships" xmlns:p="http://schemas.openxmlformats.org/presentationml/2006/main">
-  <p:cSld>
-    <p:spTree>
-      <p:nvGrpSpPr>
-        <p:cNvPr id="1" name=""/>
-        <p:cNvGrpSpPr/>
-        <p:nvPr/>
-      </p:nvGrpSpPr>
-      <p:grpSpPr>
-        <a:xfrm>
-          <a:off x="0" y="0"/>
-          <a:ext cx="0" cy="0"/>
-          <a:chOff x="0" y="0"/>
-          <a:chExt cx="0" cy="0"/>
-        </a:xfrm>
-      </p:grpSpPr>
-    </p:spTree>
-    <p:extLst>
-      <p:ext uri="{BB962C8B-B14F-4D97-AF65-F5344CB8AC3E}">
-        <p14:creationId xmlns:p14="http://schemas.microsoft.com/office/powerpoint/2010/main" val="4238543974"/>
       </p:ext>
     </p:extLst>
   </p:cSld>

--- a/DOC/공통문서/비주얼스튜디오 단축키.pptx
+++ b/DOC/공통문서/비주얼스튜디오 단축키.pptx
@@ -17,19 +17,20 @@
     <p:sldId id="263" r:id="rId11"/>
     <p:sldId id="284" r:id="rId12"/>
     <p:sldId id="264" r:id="rId13"/>
-    <p:sldId id="266" r:id="rId14"/>
-    <p:sldId id="267" r:id="rId15"/>
-    <p:sldId id="268" r:id="rId16"/>
-    <p:sldId id="269" r:id="rId17"/>
-    <p:sldId id="270" r:id="rId18"/>
-    <p:sldId id="271" r:id="rId19"/>
-    <p:sldId id="272" r:id="rId20"/>
-    <p:sldId id="273" r:id="rId21"/>
-    <p:sldId id="274" r:id="rId22"/>
-    <p:sldId id="275" r:id="rId23"/>
-    <p:sldId id="276" r:id="rId24"/>
-    <p:sldId id="277" r:id="rId25"/>
-    <p:sldId id="278" r:id="rId26"/>
+    <p:sldId id="285" r:id="rId14"/>
+    <p:sldId id="266" r:id="rId15"/>
+    <p:sldId id="267" r:id="rId16"/>
+    <p:sldId id="268" r:id="rId17"/>
+    <p:sldId id="269" r:id="rId18"/>
+    <p:sldId id="270" r:id="rId19"/>
+    <p:sldId id="271" r:id="rId20"/>
+    <p:sldId id="272" r:id="rId21"/>
+    <p:sldId id="273" r:id="rId22"/>
+    <p:sldId id="274" r:id="rId23"/>
+    <p:sldId id="275" r:id="rId24"/>
+    <p:sldId id="276" r:id="rId25"/>
+    <p:sldId id="277" r:id="rId26"/>
+    <p:sldId id="278" r:id="rId27"/>
   </p:sldIdLst>
   <p:sldSz cx="12192000" cy="6858000"/>
   <p:notesSz cx="6858000" cy="9144000"/>
@@ -164,6 +165,62 @@
 </inkml:ink>
 </file>
 
+<file path=ppt/ink/ink2.xml><?xml version="1.0" encoding="utf-8"?>
+<inkml:ink xmlns:inkml="http://www.w3.org/2003/InkML">
+  <inkml:definitions>
+    <inkml:context xml:id="ctx0">
+      <inkml:inkSource xml:id="inkSrc0">
+        <inkml:traceFormat>
+          <inkml:channel name="X" type="integer" min="-2.14748E9" max="2.14748E9" units="cm"/>
+          <inkml:channel name="Y" type="integer" min="-2.14748E9" max="2.14748E9" units="cm"/>
+          <inkml:channel name="F" type="integer" max="32767" units="dev"/>
+        </inkml:traceFormat>
+        <inkml:channelProperties>
+          <inkml:channelProperty channel="X" name="resolution" value="1000" units="1/cm"/>
+          <inkml:channelProperty channel="Y" name="resolution" value="1000" units="1/cm"/>
+          <inkml:channelProperty channel="F" name="resolution" value="0" units="1/dev"/>
+        </inkml:channelProperties>
+      </inkml:inkSource>
+      <inkml:timestamp xml:id="ts0" timeString="2024-09-13T01:06:41.160"/>
+    </inkml:context>
+    <inkml:brush xml:id="br0">
+      <inkml:brushProperty name="width" value="0.035" units="cm"/>
+      <inkml:brushProperty name="height" value="0.035" units="cm"/>
+      <inkml:brushProperty name="color" value="#E71224"/>
+    </inkml:brush>
+  </inkml:definitions>
+  <inkml:trace contextRef="#ctx0" brushRef="#br0">848 54 24575,'-83'-2'0,"-91"4"0,134 5 0,0 1 0,-59 20 0,87-24 0,0 1 0,0 1 0,1 0 0,0 0 0,0 1 0,0 1 0,-17 15 0,-2 6 0,-28 36 0,2-3 0,34-37 0,1 1 0,-24 39 0,35-48 0,1 0 0,1 1 0,0 0 0,2 1 0,0 0 0,1 0 0,-4 31 0,3 1 0,2 87 0,4-128 0,1 0 0,0 0 0,1 1 0,1-1 0,-1 0 0,2 0 0,-1-1 0,1 1 0,1-1 0,-1 1 0,2-2 0,-1 1 0,1 0 0,1-1 0,-1 0 0,14 11 0,8 6 0,1-2 0,1-2 0,43 24 0,-45-29 0,5 1 0,2-1 0,0-3 0,1 0 0,0-3 0,41 7 0,-20-3 0,-18-8 0,0-1 0,1-2 0,0-2 0,54-5 0,4 2 0,-8 3 0,101-3 0,-182 1 0,0-1 0,0 0 0,-1 0 0,1-1 0,-1 0 0,1-1 0,-1 0 0,0 0 0,0-1 0,-1 1 0,1-2 0,-1 1 0,0-1 0,-1 0 0,0-1 0,0 1 0,6-9 0,1-3 0,-2 0 0,0-1 0,-1 0 0,-1-1 0,0 0 0,5-22 0,-4 2 0,-1 0 0,-2 0 0,2-61 0,-8-139 0,-2 120 0,0 98 0,-1 1 0,-1-1 0,-1 1 0,0-1 0,-2 1 0,0 1 0,-2-1 0,0 1 0,-1 0 0,-1 1 0,-1 0 0,-1 1 0,-14-18 0,19 29 0,0 0 0,-1 0 0,0 1 0,0 0 0,0 0 0,-1 1 0,0 0 0,0 1 0,-1 0 0,1 0 0,-1 1 0,-16-4 0,0 2 0,-1 2 0,0 0 0,-40 2 0,36 1 0,-12 0 0,0 1 0,0 2 0,0 2 0,-63 15 0,-38 15-1365,128-29-5461</inkml:trace>
+</inkml:ink>
+</file>
+
+<file path=ppt/ink/ink3.xml><?xml version="1.0" encoding="utf-8"?>
+<inkml:ink xmlns:inkml="http://www.w3.org/2003/InkML">
+  <inkml:definitions>
+    <inkml:context xml:id="ctx0">
+      <inkml:inkSource xml:id="inkSrc0">
+        <inkml:traceFormat>
+          <inkml:channel name="X" type="integer" min="-2.14748E9" max="2.14748E9" units="cm"/>
+          <inkml:channel name="Y" type="integer" min="-2.14748E9" max="2.14748E9" units="cm"/>
+          <inkml:channel name="F" type="integer" max="32767" units="dev"/>
+        </inkml:traceFormat>
+        <inkml:channelProperties>
+          <inkml:channelProperty channel="X" name="resolution" value="1000" units="1/cm"/>
+          <inkml:channelProperty channel="Y" name="resolution" value="1000" units="1/cm"/>
+          <inkml:channelProperty channel="F" name="resolution" value="0" units="1/dev"/>
+        </inkml:channelProperties>
+      </inkml:inkSource>
+      <inkml:timestamp xml:id="ts0" timeString="2024-09-13T01:06:43.015"/>
+    </inkml:context>
+    <inkml:brush xml:id="br0">
+      <inkml:brushProperty name="width" value="0.035" units="cm"/>
+      <inkml:brushProperty name="height" value="0.035" units="cm"/>
+      <inkml:brushProperty name="color" value="#E71224"/>
+    </inkml:brush>
+  </inkml:definitions>
+  <inkml:trace contextRef="#ctx0" brushRef="#br0">2491 32 24575,'-427'15'0,"21"12"0,-6 3 0,-21-26 0,259-29 0,117 14 0,-64-4 0,114 15 0,0 0 0,0 1 0,0 0 0,0 0 0,0 1 0,0-1 0,0 1 0,1 1 0,-1-1 0,1 1 0,-1 1 0,1-1 0,0 1 0,1 0 0,-8 6 0,-7 8 0,1 1 0,-30 39 0,-10 10 0,39-48 0,1 0 0,1 1 0,1 1 0,1 0 0,1 1 0,0 1 0,2 0 0,1 1 0,2 1 0,0 0 0,1 0 0,2 1 0,0-1 0,2 2 0,1-1 0,0 51 0,4-55 0,0 0 0,2-1 0,1 1 0,1 0 0,12 39 0,-12-51 0,0-1 0,1 1 0,1-1 0,0 0 0,0 0 0,1-1 0,0 1 0,0-2 0,1 1 0,0-1 0,1 0 0,0-1 0,14 10 0,2-2 0,1-1 0,0-1 0,1-2 0,1 0 0,0-2 0,33 7 0,177 18 0,-153-24 0,-27-3 0,61 0 0,26-5 0,151-6 0,-207-8 0,18-1 0,-64 10 0,-1-2 0,44-12 0,-37 7 0,51-4 0,192 14 0,19-2 0,-287-1 0,0-2 0,0 0 0,-1-1 0,1-2 0,-1 0 0,42-23 0,-46 21 0,-1 0 0,-1-2 0,0 0 0,-1-1 0,0 0 0,-1-1 0,0-1 0,18-24 0,-16 11 0,-1-1 0,-2 0 0,-1-1 0,-1 0 0,-2-1 0,-1 0 0,-1-1 0,7-63 0,-6 30 0,-2 19 0,2-75 0,-9 110 0,0 0 0,0-1 0,-1 0 0,0 0 0,-5-20 0,5 27 0,-1 1 0,0 0 0,0 0 0,0 0 0,-1 0 0,1 0 0,-1 0 0,0 1 0,0-1 0,0 1 0,-1 0 0,1 0 0,-1 0 0,1 0 0,-8-3 0,-56-29 0,-2 3 0,-124-39 0,170 64 0,-1 2 0,-39-4 0,-16-4 0,33 6 0,0 2 0,0 2 0,-86 6 0,27 0 0,6-5 0,-109 5 0,204-3-65,-1 1 0,1-1 0,-1 1 0,1 1 0,-1-1 0,1 1 0,0-1 0,0 1 0,0 0 0,0 1 0,0-1 0,0 1 0,0-1 0,1 1 0,-1 0 0,1 1 0,0-1 0,0 1 0,0-1 0,-4 8 0,-2 7-6761</inkml:trace>
+</inkml:ink>
+</file>
+
 <file path=ppt/slideLayouts/slideLayout1.xml><?xml version="1.0" encoding="utf-8"?>
 <p:sldLayout xmlns:a="http://schemas.openxmlformats.org/drawingml/2006/main" xmlns:r="http://schemas.openxmlformats.org/officeDocument/2006/relationships" xmlns:p="http://schemas.openxmlformats.org/presentationml/2006/main" type="title" preserve="1">
   <p:cSld name="제목 슬라이드">
@@ -311,7 +368,7 @@
           <a:p>
             <a:fld id="{ADAF0334-EF1F-40BE-A71F-BA73690F7647}" type="datetimeFigureOut">
               <a:rPr lang="ko-KR" altLang="en-US" smtClean="0"/>
-              <a:t>2024-09-12</a:t>
+              <a:t>2024-09-13</a:t>
             </a:fld>
             <a:endParaRPr lang="ko-KR" altLang="en-US"/>
           </a:p>
@@ -509,7 +566,7 @@
           <a:p>
             <a:fld id="{ADAF0334-EF1F-40BE-A71F-BA73690F7647}" type="datetimeFigureOut">
               <a:rPr lang="ko-KR" altLang="en-US" smtClean="0"/>
-              <a:t>2024-09-12</a:t>
+              <a:t>2024-09-13</a:t>
             </a:fld>
             <a:endParaRPr lang="ko-KR" altLang="en-US"/>
           </a:p>
@@ -717,7 +774,7 @@
           <a:p>
             <a:fld id="{ADAF0334-EF1F-40BE-A71F-BA73690F7647}" type="datetimeFigureOut">
               <a:rPr lang="ko-KR" altLang="en-US" smtClean="0"/>
-              <a:t>2024-09-12</a:t>
+              <a:t>2024-09-13</a:t>
             </a:fld>
             <a:endParaRPr lang="ko-KR" altLang="en-US"/>
           </a:p>
@@ -915,7 +972,7 @@
           <a:p>
             <a:fld id="{ADAF0334-EF1F-40BE-A71F-BA73690F7647}" type="datetimeFigureOut">
               <a:rPr lang="ko-KR" altLang="en-US" smtClean="0"/>
-              <a:t>2024-09-12</a:t>
+              <a:t>2024-09-13</a:t>
             </a:fld>
             <a:endParaRPr lang="ko-KR" altLang="en-US"/>
           </a:p>
@@ -1190,7 +1247,7 @@
           <a:p>
             <a:fld id="{ADAF0334-EF1F-40BE-A71F-BA73690F7647}" type="datetimeFigureOut">
               <a:rPr lang="ko-KR" altLang="en-US" smtClean="0"/>
-              <a:t>2024-09-12</a:t>
+              <a:t>2024-09-13</a:t>
             </a:fld>
             <a:endParaRPr lang="ko-KR" altLang="en-US"/>
           </a:p>
@@ -1455,7 +1512,7 @@
           <a:p>
             <a:fld id="{ADAF0334-EF1F-40BE-A71F-BA73690F7647}" type="datetimeFigureOut">
               <a:rPr lang="ko-KR" altLang="en-US" smtClean="0"/>
-              <a:t>2024-09-12</a:t>
+              <a:t>2024-09-13</a:t>
             </a:fld>
             <a:endParaRPr lang="ko-KR" altLang="en-US"/>
           </a:p>
@@ -1867,7 +1924,7 @@
           <a:p>
             <a:fld id="{ADAF0334-EF1F-40BE-A71F-BA73690F7647}" type="datetimeFigureOut">
               <a:rPr lang="ko-KR" altLang="en-US" smtClean="0"/>
-              <a:t>2024-09-12</a:t>
+              <a:t>2024-09-13</a:t>
             </a:fld>
             <a:endParaRPr lang="ko-KR" altLang="en-US"/>
           </a:p>
@@ -2008,7 +2065,7 @@
           <a:p>
             <a:fld id="{ADAF0334-EF1F-40BE-A71F-BA73690F7647}" type="datetimeFigureOut">
               <a:rPr lang="ko-KR" altLang="en-US" smtClean="0"/>
-              <a:t>2024-09-12</a:t>
+              <a:t>2024-09-13</a:t>
             </a:fld>
             <a:endParaRPr lang="ko-KR" altLang="en-US"/>
           </a:p>
@@ -2121,7 +2178,7 @@
           <a:p>
             <a:fld id="{ADAF0334-EF1F-40BE-A71F-BA73690F7647}" type="datetimeFigureOut">
               <a:rPr lang="ko-KR" altLang="en-US" smtClean="0"/>
-              <a:t>2024-09-12</a:t>
+              <a:t>2024-09-13</a:t>
             </a:fld>
             <a:endParaRPr lang="ko-KR" altLang="en-US"/>
           </a:p>
@@ -2432,7 +2489,7 @@
           <a:p>
             <a:fld id="{ADAF0334-EF1F-40BE-A71F-BA73690F7647}" type="datetimeFigureOut">
               <a:rPr lang="ko-KR" altLang="en-US" smtClean="0"/>
-              <a:t>2024-09-12</a:t>
+              <a:t>2024-09-13</a:t>
             </a:fld>
             <a:endParaRPr lang="ko-KR" altLang="en-US"/>
           </a:p>
@@ -2720,7 +2777,7 @@
           <a:p>
             <a:fld id="{ADAF0334-EF1F-40BE-A71F-BA73690F7647}" type="datetimeFigureOut">
               <a:rPr lang="ko-KR" altLang="en-US" smtClean="0"/>
-              <a:t>2024-09-12</a:t>
+              <a:t>2024-09-13</a:t>
             </a:fld>
             <a:endParaRPr lang="ko-KR" altLang="en-US"/>
           </a:p>
@@ -2961,7 +3018,7 @@
           <a:p>
             <a:fld id="{ADAF0334-EF1F-40BE-A71F-BA73690F7647}" type="datetimeFigureOut">
               <a:rPr lang="ko-KR" altLang="en-US" smtClean="0"/>
-              <a:t>2024-09-12</a:t>
+              <a:t>2024-09-13</a:t>
             </a:fld>
             <a:endParaRPr lang="ko-KR" altLang="en-US"/>
           </a:p>
@@ -3751,10 +3808,9 @@
           <a:p>
             <a:pPr algn="ctr"/>
             <a:r>
-              <a:rPr lang="ko-KR" altLang="en-US"/>
+              <a:rPr lang="ko-KR" altLang="en-US" dirty="0"/>
               <a:t>주석 걸기</a:t>
             </a:r>
-            <a:endParaRPr lang="ko-KR" altLang="en-US" dirty="0"/>
           </a:p>
         </p:txBody>
       </p:sp>
@@ -3945,6 +4001,333 @@
           <a:chExt cx="0" cy="0"/>
         </a:xfrm>
       </p:grpSpPr>
+      <p:sp>
+        <p:nvSpPr>
+          <p:cNvPr id="3" name="직사각형 2">
+            <a:extLst>
+              <a:ext uri="{FF2B5EF4-FFF2-40B4-BE49-F238E27FC236}">
+                <a16:creationId xmlns:a16="http://schemas.microsoft.com/office/drawing/2014/main" id="{A5840210-0674-BA1E-A813-66127759208E}"/>
+              </a:ext>
+            </a:extLst>
+          </p:cNvPr>
+          <p:cNvSpPr/>
+          <p:nvPr/>
+        </p:nvSpPr>
+        <p:spPr>
+          <a:xfrm>
+            <a:off x="434109" y="556490"/>
+            <a:ext cx="11323782" cy="5908963"/>
+          </a:xfrm>
+          <a:prstGeom prst="rect">
+            <a:avLst/>
+          </a:prstGeom>
+        </p:spPr>
+        <p:style>
+          <a:lnRef idx="2">
+            <a:schemeClr val="accent1">
+              <a:shade val="15000"/>
+            </a:schemeClr>
+          </a:lnRef>
+          <a:fillRef idx="1">
+            <a:schemeClr val="accent1"/>
+          </a:fillRef>
+          <a:effectRef idx="0">
+            <a:schemeClr val="accent1"/>
+          </a:effectRef>
+          <a:fontRef idx="minor">
+            <a:schemeClr val="lt1"/>
+          </a:fontRef>
+        </p:style>
+        <p:txBody>
+          <a:bodyPr rtlCol="0" anchor="ctr"/>
+          <a:lstStyle/>
+          <a:p>
+            <a:pPr algn="ctr"/>
+            <a:r>
+              <a:rPr lang="ko-KR" altLang="en-US" dirty="0"/>
+              <a:t>비주얼 스튜디오 고정</a:t>
+            </a:r>
+          </a:p>
+        </p:txBody>
+      </p:sp>
+    </p:spTree>
+    <p:extLst>
+      <p:ext uri="{BB962C8B-B14F-4D97-AF65-F5344CB8AC3E}">
+        <p14:creationId xmlns:p14="http://schemas.microsoft.com/office/powerpoint/2010/main" val="2850336200"/>
+      </p:ext>
+    </p:extLst>
+  </p:cSld>
+  <p:clrMapOvr>
+    <a:masterClrMapping/>
+  </p:clrMapOvr>
+</p:sld>
+</file>
+
+<file path=ppt/slides/slide14.xml><?xml version="1.0" encoding="utf-8"?>
+<p:sld xmlns:a="http://schemas.openxmlformats.org/drawingml/2006/main" xmlns:r="http://schemas.openxmlformats.org/officeDocument/2006/relationships" xmlns:p="http://schemas.openxmlformats.org/presentationml/2006/main">
+  <p:cSld>
+    <p:spTree>
+      <p:nvGrpSpPr>
+        <p:cNvPr id="1" name=""/>
+        <p:cNvGrpSpPr/>
+        <p:nvPr/>
+      </p:nvGrpSpPr>
+      <p:grpSpPr>
+        <a:xfrm>
+          <a:off x="0" y="0"/>
+          <a:ext cx="0" cy="0"/>
+          <a:chOff x="0" y="0"/>
+          <a:chExt cx="0" cy="0"/>
+        </a:xfrm>
+      </p:grpSpPr>
+      <p:pic>
+        <p:nvPicPr>
+          <p:cNvPr id="3" name="그림 2">
+            <a:extLst>
+              <a:ext uri="{FF2B5EF4-FFF2-40B4-BE49-F238E27FC236}">
+                <a16:creationId xmlns:a16="http://schemas.microsoft.com/office/drawing/2014/main" id="{683E60B1-A73C-E4C2-7E24-7644A9A50019}"/>
+              </a:ext>
+            </a:extLst>
+          </p:cNvPr>
+          <p:cNvPicPr>
+            <a:picLocks noChangeAspect="1"/>
+          </p:cNvPicPr>
+          <p:nvPr/>
+        </p:nvPicPr>
+        <p:blipFill>
+          <a:blip r:embed="rId2"/>
+          <a:stretch>
+            <a:fillRect/>
+          </a:stretch>
+        </p:blipFill>
+        <p:spPr>
+          <a:xfrm>
+            <a:off x="505012" y="2180100"/>
+            <a:ext cx="3534268" cy="3077004"/>
+          </a:xfrm>
+          <a:prstGeom prst="rect">
+            <a:avLst/>
+          </a:prstGeom>
+        </p:spPr>
+      </p:pic>
+      <p:pic>
+        <p:nvPicPr>
+          <p:cNvPr id="5" name="그림 4">
+            <a:extLst>
+              <a:ext uri="{FF2B5EF4-FFF2-40B4-BE49-F238E27FC236}">
+                <a16:creationId xmlns:a16="http://schemas.microsoft.com/office/drawing/2014/main" id="{F52F91DB-075F-E36E-7F5B-CBF2592E3481}"/>
+              </a:ext>
+            </a:extLst>
+          </p:cNvPr>
+          <p:cNvPicPr>
+            <a:picLocks noChangeAspect="1"/>
+          </p:cNvPicPr>
+          <p:nvPr/>
+        </p:nvPicPr>
+        <p:blipFill>
+          <a:blip r:embed="rId3"/>
+          <a:stretch>
+            <a:fillRect/>
+          </a:stretch>
+        </p:blipFill>
+        <p:spPr>
+          <a:xfrm>
+            <a:off x="6316258" y="751150"/>
+            <a:ext cx="3734321" cy="4505954"/>
+          </a:xfrm>
+          <a:prstGeom prst="rect">
+            <a:avLst/>
+          </a:prstGeom>
+        </p:spPr>
+      </p:pic>
+      <mc:AlternateContent xmlns:mc="http://schemas.openxmlformats.org/markup-compatibility/2006">
+        <mc:Choice xmlns:p14="http://schemas.microsoft.com/office/powerpoint/2010/main" Requires="p14">
+          <p:contentPart p14:bwMode="auto" r:id="rId4">
+            <p14:nvContentPartPr>
+              <p14:cNvPr id="7" name="잉크 6">
+                <a:extLst>
+                  <a:ext uri="{FF2B5EF4-FFF2-40B4-BE49-F238E27FC236}">
+                    <a16:creationId xmlns:a16="http://schemas.microsoft.com/office/drawing/2014/main" id="{317F524E-6785-D7F2-24C6-AC65FB7B891C}"/>
+                  </a:ext>
+                </a:extLst>
+              </p14:cNvPr>
+              <p14:cNvContentPartPr/>
+              <p14:nvPr/>
+            </p14:nvContentPartPr>
+            <p14:xfrm>
+              <a:off x="8949527" y="2575989"/>
+              <a:ext cx="527400" cy="437760"/>
+            </p14:xfrm>
+          </p:contentPart>
+        </mc:Choice>
+        <mc:Fallback>
+          <p:pic>
+            <p:nvPicPr>
+              <p:cNvPr id="7" name="잉크 6">
+                <a:extLst>
+                  <a:ext uri="{FF2B5EF4-FFF2-40B4-BE49-F238E27FC236}">
+                    <a16:creationId xmlns:a16="http://schemas.microsoft.com/office/drawing/2014/main" id="{317F524E-6785-D7F2-24C6-AC65FB7B891C}"/>
+                  </a:ext>
+                </a:extLst>
+              </p:cNvPr>
+              <p:cNvPicPr/>
+              <p:nvPr/>
+            </p:nvPicPr>
+            <p:blipFill>
+              <a:blip r:embed="rId5"/>
+              <a:stretch>
+                <a:fillRect/>
+              </a:stretch>
+            </p:blipFill>
+            <p:spPr>
+              <a:xfrm>
+                <a:off x="8943407" y="2569869"/>
+                <a:ext cx="539640" cy="450000"/>
+              </a:xfrm>
+              <a:prstGeom prst="rect">
+                <a:avLst/>
+              </a:prstGeom>
+            </p:spPr>
+          </p:pic>
+        </mc:Fallback>
+      </mc:AlternateContent>
+      <mc:AlternateContent xmlns:mc="http://schemas.openxmlformats.org/markup-compatibility/2006">
+        <mc:Choice xmlns:p14="http://schemas.microsoft.com/office/powerpoint/2010/main" Requires="p14">
+          <p:contentPart p14:bwMode="auto" r:id="rId6">
+            <p14:nvContentPartPr>
+              <p14:cNvPr id="8" name="잉크 7">
+                <a:extLst>
+                  <a:ext uri="{FF2B5EF4-FFF2-40B4-BE49-F238E27FC236}">
+                    <a16:creationId xmlns:a16="http://schemas.microsoft.com/office/drawing/2014/main" id="{A57E198E-D6DE-8824-9269-D3CF9F4F9A5B}"/>
+                  </a:ext>
+                </a:extLst>
+              </p14:cNvPr>
+              <p14:cNvContentPartPr/>
+              <p14:nvPr/>
+            </p14:nvContentPartPr>
+            <p14:xfrm>
+              <a:off x="6556967" y="1724949"/>
+              <a:ext cx="1054440" cy="428040"/>
+            </p14:xfrm>
+          </p:contentPart>
+        </mc:Choice>
+        <mc:Fallback>
+          <p:pic>
+            <p:nvPicPr>
+              <p:cNvPr id="8" name="잉크 7">
+                <a:extLst>
+                  <a:ext uri="{FF2B5EF4-FFF2-40B4-BE49-F238E27FC236}">
+                    <a16:creationId xmlns:a16="http://schemas.microsoft.com/office/drawing/2014/main" id="{A57E198E-D6DE-8824-9269-D3CF9F4F9A5B}"/>
+                  </a:ext>
+                </a:extLst>
+              </p:cNvPr>
+              <p:cNvPicPr/>
+              <p:nvPr/>
+            </p:nvPicPr>
+            <p:blipFill>
+              <a:blip r:embed="rId7"/>
+              <a:stretch>
+                <a:fillRect/>
+              </a:stretch>
+            </p:blipFill>
+            <p:spPr>
+              <a:xfrm>
+                <a:off x="6550847" y="1718829"/>
+                <a:ext cx="1066680" cy="440280"/>
+              </a:xfrm>
+              <a:prstGeom prst="rect">
+                <a:avLst/>
+              </a:prstGeom>
+            </p:spPr>
+          </p:pic>
+        </mc:Fallback>
+      </mc:AlternateContent>
+      <p:sp>
+        <p:nvSpPr>
+          <p:cNvPr id="9" name="직사각형 8">
+            <a:extLst>
+              <a:ext uri="{FF2B5EF4-FFF2-40B4-BE49-F238E27FC236}">
+                <a16:creationId xmlns:a16="http://schemas.microsoft.com/office/drawing/2014/main" id="{9BC2A108-C793-00EC-DA58-B65666B583FA}"/>
+              </a:ext>
+            </a:extLst>
+          </p:cNvPr>
+          <p:cNvSpPr/>
+          <p:nvPr/>
+        </p:nvSpPr>
+        <p:spPr>
+          <a:xfrm>
+            <a:off x="184466" y="232064"/>
+            <a:ext cx="5264989" cy="1605971"/>
+          </a:xfrm>
+          <a:prstGeom prst="rect">
+            <a:avLst/>
+          </a:prstGeom>
+        </p:spPr>
+        <p:style>
+          <a:lnRef idx="2">
+            <a:schemeClr val="accent1">
+              <a:shade val="15000"/>
+            </a:schemeClr>
+          </a:lnRef>
+          <a:fillRef idx="1">
+            <a:schemeClr val="accent1"/>
+          </a:fillRef>
+          <a:effectRef idx="0">
+            <a:schemeClr val="accent1"/>
+          </a:effectRef>
+          <a:fontRef idx="minor">
+            <a:schemeClr val="lt1"/>
+          </a:fontRef>
+        </p:style>
+        <p:txBody>
+          <a:bodyPr rtlCol="0" anchor="ctr"/>
+          <a:lstStyle/>
+          <a:p>
+            <a:pPr algn="ctr"/>
+            <a:r>
+              <a:rPr lang="ko-KR" altLang="en-US" dirty="0"/>
+              <a:t>여러분들이 어떤 프로젝트를 열면</a:t>
+            </a:r>
+            <a:endParaRPr lang="en-US" altLang="ko-KR" dirty="0"/>
+          </a:p>
+          <a:p>
+            <a:pPr algn="ctr"/>
+            <a:r>
+              <a:rPr lang="ko-KR" altLang="en-US" dirty="0"/>
+              <a:t>실행중인 프로젝트는 별개로 아래쪽에 </a:t>
+            </a:r>
+            <a:endParaRPr lang="en-US" altLang="ko-KR" dirty="0"/>
+          </a:p>
+          <a:p>
+            <a:pPr algn="ctr"/>
+            <a:r>
+              <a:rPr lang="ko-KR" altLang="en-US" dirty="0"/>
+              <a:t>앱으로서 모습을 보인다 이때 이걸 고정시켜서</a:t>
+            </a:r>
+            <a:endParaRPr lang="en-US" altLang="ko-KR" dirty="0"/>
+          </a:p>
+          <a:p>
+            <a:pPr algn="ctr"/>
+            <a:r>
+              <a:rPr lang="ko-KR" altLang="en-US" dirty="0"/>
+              <a:t>그냥 한번 누르면 곧바로 열리게 </a:t>
+            </a:r>
+            <a:r>
+              <a:rPr lang="ko-KR" altLang="en-US" dirty="0" err="1"/>
+              <a:t>만들수</a:t>
+            </a:r>
+            <a:r>
+              <a:rPr lang="ko-KR" altLang="en-US" dirty="0"/>
+              <a:t> 있다</a:t>
+            </a:r>
+            <a:r>
+              <a:rPr lang="en-US" altLang="ko-KR"/>
+              <a:t>.</a:t>
+            </a:r>
+            <a:endParaRPr lang="ko-KR" altLang="en-US" dirty="0"/>
+          </a:p>
+        </p:txBody>
+      </p:sp>
     </p:spTree>
     <p:extLst>
       <p:ext uri="{BB962C8B-B14F-4D97-AF65-F5344CB8AC3E}">
@@ -3958,7 +4341,7 @@
 </p:sld>
 </file>
 
-<file path=ppt/slides/slide14.xml><?xml version="1.0" encoding="utf-8"?>
+<file path=ppt/slides/slide15.xml><?xml version="1.0" encoding="utf-8"?>
 <p:sld xmlns:a="http://schemas.openxmlformats.org/drawingml/2006/main" xmlns:r="http://schemas.openxmlformats.org/officeDocument/2006/relationships" xmlns:p="http://schemas.openxmlformats.org/presentationml/2006/main">
   <p:cSld>
     <p:spTree>
@@ -3988,7 +4371,7 @@
 </p:sld>
 </file>
 
-<file path=ppt/slides/slide15.xml><?xml version="1.0" encoding="utf-8"?>
+<file path=ppt/slides/slide16.xml><?xml version="1.0" encoding="utf-8"?>
 <p:sld xmlns:a="http://schemas.openxmlformats.org/drawingml/2006/main" xmlns:r="http://schemas.openxmlformats.org/officeDocument/2006/relationships" xmlns:p="http://schemas.openxmlformats.org/presentationml/2006/main">
   <p:cSld>
     <p:spTree>
@@ -4018,7 +4401,7 @@
 </p:sld>
 </file>
 
-<file path=ppt/slides/slide16.xml><?xml version="1.0" encoding="utf-8"?>
+<file path=ppt/slides/slide17.xml><?xml version="1.0" encoding="utf-8"?>
 <p:sld xmlns:a="http://schemas.openxmlformats.org/drawingml/2006/main" xmlns:r="http://schemas.openxmlformats.org/officeDocument/2006/relationships" xmlns:p="http://schemas.openxmlformats.org/presentationml/2006/main">
   <p:cSld>
     <p:spTree>
@@ -4048,7 +4431,7 @@
 </p:sld>
 </file>
 
-<file path=ppt/slides/slide17.xml><?xml version="1.0" encoding="utf-8"?>
+<file path=ppt/slides/slide18.xml><?xml version="1.0" encoding="utf-8"?>
 <p:sld xmlns:a="http://schemas.openxmlformats.org/drawingml/2006/main" xmlns:r="http://schemas.openxmlformats.org/officeDocument/2006/relationships" xmlns:p="http://schemas.openxmlformats.org/presentationml/2006/main">
   <p:cSld>
     <p:spTree>
@@ -4078,7 +4461,7 @@
 </p:sld>
 </file>
 
-<file path=ppt/slides/slide18.xml><?xml version="1.0" encoding="utf-8"?>
+<file path=ppt/slides/slide19.xml><?xml version="1.0" encoding="utf-8"?>
 <p:sld xmlns:a="http://schemas.openxmlformats.org/drawingml/2006/main" xmlns:r="http://schemas.openxmlformats.org/officeDocument/2006/relationships" xmlns:p="http://schemas.openxmlformats.org/presentationml/2006/main">
   <p:cSld>
     <p:spTree>
@@ -4099,36 +4482,6 @@
     <p:extLst>
       <p:ext uri="{BB962C8B-B14F-4D97-AF65-F5344CB8AC3E}">
         <p14:creationId xmlns:p14="http://schemas.microsoft.com/office/powerpoint/2010/main" val="991477988"/>
-      </p:ext>
-    </p:extLst>
-  </p:cSld>
-  <p:clrMapOvr>
-    <a:masterClrMapping/>
-  </p:clrMapOvr>
-</p:sld>
-</file>
-
-<file path=ppt/slides/slide19.xml><?xml version="1.0" encoding="utf-8"?>
-<p:sld xmlns:a="http://schemas.openxmlformats.org/drawingml/2006/main" xmlns:r="http://schemas.openxmlformats.org/officeDocument/2006/relationships" xmlns:p="http://schemas.openxmlformats.org/presentationml/2006/main">
-  <p:cSld>
-    <p:spTree>
-      <p:nvGrpSpPr>
-        <p:cNvPr id="1" name=""/>
-        <p:cNvGrpSpPr/>
-        <p:nvPr/>
-      </p:nvGrpSpPr>
-      <p:grpSpPr>
-        <a:xfrm>
-          <a:off x="0" y="0"/>
-          <a:ext cx="0" cy="0"/>
-          <a:chOff x="0" y="0"/>
-          <a:chExt cx="0" cy="0"/>
-        </a:xfrm>
-      </p:grpSpPr>
-    </p:spTree>
-    <p:extLst>
-      <p:ext uri="{BB962C8B-B14F-4D97-AF65-F5344CB8AC3E}">
-        <p14:creationId xmlns:p14="http://schemas.microsoft.com/office/powerpoint/2010/main" val="3844398855"/>
       </p:ext>
     </p:extLst>
   </p:cSld>
@@ -4354,7 +4707,7 @@
     </p:spTree>
     <p:extLst>
       <p:ext uri="{BB962C8B-B14F-4D97-AF65-F5344CB8AC3E}">
-        <p14:creationId xmlns:p14="http://schemas.microsoft.com/office/powerpoint/2010/main" val="19288889"/>
+        <p14:creationId xmlns:p14="http://schemas.microsoft.com/office/powerpoint/2010/main" val="3844398855"/>
       </p:ext>
     </p:extLst>
   </p:cSld>
@@ -4384,7 +4737,7 @@
     </p:spTree>
     <p:extLst>
       <p:ext uri="{BB962C8B-B14F-4D97-AF65-F5344CB8AC3E}">
-        <p14:creationId xmlns:p14="http://schemas.microsoft.com/office/powerpoint/2010/main" val="4015161735"/>
+        <p14:creationId xmlns:p14="http://schemas.microsoft.com/office/powerpoint/2010/main" val="19288889"/>
       </p:ext>
     </p:extLst>
   </p:cSld>
@@ -4414,7 +4767,7 @@
     </p:spTree>
     <p:extLst>
       <p:ext uri="{BB962C8B-B14F-4D97-AF65-F5344CB8AC3E}">
-        <p14:creationId xmlns:p14="http://schemas.microsoft.com/office/powerpoint/2010/main" val="1646334821"/>
+        <p14:creationId xmlns:p14="http://schemas.microsoft.com/office/powerpoint/2010/main" val="4015161735"/>
       </p:ext>
     </p:extLst>
   </p:cSld>
@@ -4444,7 +4797,7 @@
     </p:spTree>
     <p:extLst>
       <p:ext uri="{BB962C8B-B14F-4D97-AF65-F5344CB8AC3E}">
-        <p14:creationId xmlns:p14="http://schemas.microsoft.com/office/powerpoint/2010/main" val="3952900304"/>
+        <p14:creationId xmlns:p14="http://schemas.microsoft.com/office/powerpoint/2010/main" val="1646334821"/>
       </p:ext>
     </p:extLst>
   </p:cSld>
@@ -4474,6 +4827,36 @@
     </p:spTree>
     <p:extLst>
       <p:ext uri="{BB962C8B-B14F-4D97-AF65-F5344CB8AC3E}">
+        <p14:creationId xmlns:p14="http://schemas.microsoft.com/office/powerpoint/2010/main" val="3952900304"/>
+      </p:ext>
+    </p:extLst>
+  </p:cSld>
+  <p:clrMapOvr>
+    <a:masterClrMapping/>
+  </p:clrMapOvr>
+</p:sld>
+</file>
+
+<file path=ppt/slides/slide25.xml><?xml version="1.0" encoding="utf-8"?>
+<p:sld xmlns:a="http://schemas.openxmlformats.org/drawingml/2006/main" xmlns:r="http://schemas.openxmlformats.org/officeDocument/2006/relationships" xmlns:p="http://schemas.openxmlformats.org/presentationml/2006/main">
+  <p:cSld>
+    <p:spTree>
+      <p:nvGrpSpPr>
+        <p:cNvPr id="1" name=""/>
+        <p:cNvGrpSpPr/>
+        <p:nvPr/>
+      </p:nvGrpSpPr>
+      <p:grpSpPr>
+        <a:xfrm>
+          <a:off x="0" y="0"/>
+          <a:ext cx="0" cy="0"/>
+          <a:chOff x="0" y="0"/>
+          <a:chExt cx="0" cy="0"/>
+        </a:xfrm>
+      </p:grpSpPr>
+    </p:spTree>
+    <p:extLst>
+      <p:ext uri="{BB962C8B-B14F-4D97-AF65-F5344CB8AC3E}">
         <p14:creationId xmlns:p14="http://schemas.microsoft.com/office/powerpoint/2010/main" val="1749543502"/>
       </p:ext>
     </p:extLst>
@@ -4484,7 +4867,7 @@
 </p:sld>
 </file>
 
-<file path=ppt/slides/slide25.xml><?xml version="1.0" encoding="utf-8"?>
+<file path=ppt/slides/slide26.xml><?xml version="1.0" encoding="utf-8"?>
 <p:sld xmlns:a="http://schemas.openxmlformats.org/drawingml/2006/main" xmlns:r="http://schemas.openxmlformats.org/officeDocument/2006/relationships" xmlns:p="http://schemas.openxmlformats.org/presentationml/2006/main">
   <p:cSld>
     <p:spTree>

--- a/DOC/공통문서/비주얼스튜디오 단축키.pptx
+++ b/DOC/공통문서/비주얼스튜디오 단축키.pptx
@@ -6,31 +6,32 @@
   </p:sldMasterIdLst>
   <p:sldIdLst>
     <p:sldId id="281" r:id="rId2"/>
-    <p:sldId id="260" r:id="rId3"/>
-    <p:sldId id="261" r:id="rId4"/>
-    <p:sldId id="279" r:id="rId5"/>
-    <p:sldId id="265" r:id="rId6"/>
-    <p:sldId id="282" r:id="rId7"/>
-    <p:sldId id="262" r:id="rId8"/>
-    <p:sldId id="283" r:id="rId9"/>
-    <p:sldId id="280" r:id="rId10"/>
-    <p:sldId id="263" r:id="rId11"/>
-    <p:sldId id="284" r:id="rId12"/>
-    <p:sldId id="264" r:id="rId13"/>
-    <p:sldId id="285" r:id="rId14"/>
-    <p:sldId id="266" r:id="rId15"/>
-    <p:sldId id="267" r:id="rId16"/>
-    <p:sldId id="268" r:id="rId17"/>
-    <p:sldId id="269" r:id="rId18"/>
-    <p:sldId id="270" r:id="rId19"/>
-    <p:sldId id="271" r:id="rId20"/>
-    <p:sldId id="272" r:id="rId21"/>
-    <p:sldId id="273" r:id="rId22"/>
-    <p:sldId id="274" r:id="rId23"/>
-    <p:sldId id="275" r:id="rId24"/>
-    <p:sldId id="276" r:id="rId25"/>
-    <p:sldId id="277" r:id="rId26"/>
-    <p:sldId id="278" r:id="rId27"/>
+    <p:sldId id="286" r:id="rId3"/>
+    <p:sldId id="260" r:id="rId4"/>
+    <p:sldId id="261" r:id="rId5"/>
+    <p:sldId id="279" r:id="rId6"/>
+    <p:sldId id="265" r:id="rId7"/>
+    <p:sldId id="282" r:id="rId8"/>
+    <p:sldId id="262" r:id="rId9"/>
+    <p:sldId id="283" r:id="rId10"/>
+    <p:sldId id="280" r:id="rId11"/>
+    <p:sldId id="263" r:id="rId12"/>
+    <p:sldId id="284" r:id="rId13"/>
+    <p:sldId id="264" r:id="rId14"/>
+    <p:sldId id="285" r:id="rId15"/>
+    <p:sldId id="266" r:id="rId16"/>
+    <p:sldId id="267" r:id="rId17"/>
+    <p:sldId id="268" r:id="rId18"/>
+    <p:sldId id="269" r:id="rId19"/>
+    <p:sldId id="270" r:id="rId20"/>
+    <p:sldId id="271" r:id="rId21"/>
+    <p:sldId id="272" r:id="rId22"/>
+    <p:sldId id="273" r:id="rId23"/>
+    <p:sldId id="274" r:id="rId24"/>
+    <p:sldId id="275" r:id="rId25"/>
+    <p:sldId id="276" r:id="rId26"/>
+    <p:sldId id="277" r:id="rId27"/>
+    <p:sldId id="278" r:id="rId28"/>
   </p:sldIdLst>
   <p:sldSz cx="12192000" cy="6858000"/>
   <p:notesSz cx="6858000" cy="9144000"/>
@@ -368,7 +369,7 @@
           <a:p>
             <a:fld id="{ADAF0334-EF1F-40BE-A71F-BA73690F7647}" type="datetimeFigureOut">
               <a:rPr lang="ko-KR" altLang="en-US" smtClean="0"/>
-              <a:t>2024-09-13</a:t>
+              <a:t>2024-09-24</a:t>
             </a:fld>
             <a:endParaRPr lang="ko-KR" altLang="en-US"/>
           </a:p>
@@ -566,7 +567,7 @@
           <a:p>
             <a:fld id="{ADAF0334-EF1F-40BE-A71F-BA73690F7647}" type="datetimeFigureOut">
               <a:rPr lang="ko-KR" altLang="en-US" smtClean="0"/>
-              <a:t>2024-09-13</a:t>
+              <a:t>2024-09-24</a:t>
             </a:fld>
             <a:endParaRPr lang="ko-KR" altLang="en-US"/>
           </a:p>
@@ -774,7 +775,7 @@
           <a:p>
             <a:fld id="{ADAF0334-EF1F-40BE-A71F-BA73690F7647}" type="datetimeFigureOut">
               <a:rPr lang="ko-KR" altLang="en-US" smtClean="0"/>
-              <a:t>2024-09-13</a:t>
+              <a:t>2024-09-24</a:t>
             </a:fld>
             <a:endParaRPr lang="ko-KR" altLang="en-US"/>
           </a:p>
@@ -972,7 +973,7 @@
           <a:p>
             <a:fld id="{ADAF0334-EF1F-40BE-A71F-BA73690F7647}" type="datetimeFigureOut">
               <a:rPr lang="ko-KR" altLang="en-US" smtClean="0"/>
-              <a:t>2024-09-13</a:t>
+              <a:t>2024-09-24</a:t>
             </a:fld>
             <a:endParaRPr lang="ko-KR" altLang="en-US"/>
           </a:p>
@@ -1247,7 +1248,7 @@
           <a:p>
             <a:fld id="{ADAF0334-EF1F-40BE-A71F-BA73690F7647}" type="datetimeFigureOut">
               <a:rPr lang="ko-KR" altLang="en-US" smtClean="0"/>
-              <a:t>2024-09-13</a:t>
+              <a:t>2024-09-24</a:t>
             </a:fld>
             <a:endParaRPr lang="ko-KR" altLang="en-US"/>
           </a:p>
@@ -1512,7 +1513,7 @@
           <a:p>
             <a:fld id="{ADAF0334-EF1F-40BE-A71F-BA73690F7647}" type="datetimeFigureOut">
               <a:rPr lang="ko-KR" altLang="en-US" smtClean="0"/>
-              <a:t>2024-09-13</a:t>
+              <a:t>2024-09-24</a:t>
             </a:fld>
             <a:endParaRPr lang="ko-KR" altLang="en-US"/>
           </a:p>
@@ -1924,7 +1925,7 @@
           <a:p>
             <a:fld id="{ADAF0334-EF1F-40BE-A71F-BA73690F7647}" type="datetimeFigureOut">
               <a:rPr lang="ko-KR" altLang="en-US" smtClean="0"/>
-              <a:t>2024-09-13</a:t>
+              <a:t>2024-09-24</a:t>
             </a:fld>
             <a:endParaRPr lang="ko-KR" altLang="en-US"/>
           </a:p>
@@ -2065,7 +2066,7 @@
           <a:p>
             <a:fld id="{ADAF0334-EF1F-40BE-A71F-BA73690F7647}" type="datetimeFigureOut">
               <a:rPr lang="ko-KR" altLang="en-US" smtClean="0"/>
-              <a:t>2024-09-13</a:t>
+              <a:t>2024-09-24</a:t>
             </a:fld>
             <a:endParaRPr lang="ko-KR" altLang="en-US"/>
           </a:p>
@@ -2178,7 +2179,7 @@
           <a:p>
             <a:fld id="{ADAF0334-EF1F-40BE-A71F-BA73690F7647}" type="datetimeFigureOut">
               <a:rPr lang="ko-KR" altLang="en-US" smtClean="0"/>
-              <a:t>2024-09-13</a:t>
+              <a:t>2024-09-24</a:t>
             </a:fld>
             <a:endParaRPr lang="ko-KR" altLang="en-US"/>
           </a:p>
@@ -2489,7 +2490,7 @@
           <a:p>
             <a:fld id="{ADAF0334-EF1F-40BE-A71F-BA73690F7647}" type="datetimeFigureOut">
               <a:rPr lang="ko-KR" altLang="en-US" smtClean="0"/>
-              <a:t>2024-09-13</a:t>
+              <a:t>2024-09-24</a:t>
             </a:fld>
             <a:endParaRPr lang="ko-KR" altLang="en-US"/>
           </a:p>
@@ -2777,7 +2778,7 @@
           <a:p>
             <a:fld id="{ADAF0334-EF1F-40BE-A71F-BA73690F7647}" type="datetimeFigureOut">
               <a:rPr lang="ko-KR" altLang="en-US" smtClean="0"/>
-              <a:t>2024-09-13</a:t>
+              <a:t>2024-09-24</a:t>
             </a:fld>
             <a:endParaRPr lang="ko-KR" altLang="en-US"/>
           </a:p>
@@ -3018,7 +3019,7 @@
           <a:p>
             <a:fld id="{ADAF0334-EF1F-40BE-A71F-BA73690F7647}" type="datetimeFigureOut">
               <a:rPr lang="ko-KR" altLang="en-US" smtClean="0"/>
-              <a:t>2024-09-13</a:t>
+              <a:t>2024-09-24</a:t>
             </a:fld>
             <a:endParaRPr lang="ko-KR" altLang="en-US"/>
           </a:p>
@@ -3516,2738 +3517,6 @@
       </p:grpSpPr>
       <p:sp>
         <p:nvSpPr>
-          <p:cNvPr id="4" name="직사각형 3">
-            <a:extLst>
-              <a:ext uri="{FF2B5EF4-FFF2-40B4-BE49-F238E27FC236}">
-                <a16:creationId xmlns:a16="http://schemas.microsoft.com/office/drawing/2014/main" id="{BF543E7D-B64F-96E1-71EC-DD4B0AC09943}"/>
-              </a:ext>
-            </a:extLst>
-          </p:cNvPr>
-          <p:cNvSpPr/>
-          <p:nvPr/>
-        </p:nvSpPr>
-        <p:spPr>
-          <a:xfrm>
-            <a:off x="179666" y="619992"/>
-            <a:ext cx="2314864" cy="699654"/>
-          </a:xfrm>
-          <a:prstGeom prst="rect">
-            <a:avLst/>
-          </a:prstGeom>
-        </p:spPr>
-        <p:style>
-          <a:lnRef idx="2">
-            <a:schemeClr val="accent1">
-              <a:shade val="15000"/>
-            </a:schemeClr>
-          </a:lnRef>
-          <a:fillRef idx="1">
-            <a:schemeClr val="accent1"/>
-          </a:fillRef>
-          <a:effectRef idx="0">
-            <a:schemeClr val="accent1"/>
-          </a:effectRef>
-          <a:fontRef idx="minor">
-            <a:schemeClr val="lt1"/>
-          </a:fontRef>
-        </p:style>
-        <p:txBody>
-          <a:bodyPr rtlCol="0" anchor="ctr"/>
-          <a:lstStyle/>
-          <a:p>
-            <a:pPr algn="ctr"/>
-            <a:r>
-              <a:rPr lang="ko-KR" altLang="en-US" dirty="0"/>
-              <a:t>컴파일 </a:t>
-            </a:r>
-            <a:r>
-              <a:rPr lang="ko-KR" altLang="en-US" dirty="0" err="1"/>
-              <a:t>에러시</a:t>
-            </a:r>
-            <a:endParaRPr lang="en-US" altLang="ko-KR" dirty="0"/>
-          </a:p>
-          <a:p>
-            <a:pPr algn="ctr"/>
-            <a:r>
-              <a:rPr lang="ko-KR" altLang="en-US" dirty="0"/>
-              <a:t>에러 위치로 이동</a:t>
-            </a:r>
-          </a:p>
-        </p:txBody>
-      </p:sp>
-      <p:sp>
-        <p:nvSpPr>
-          <p:cNvPr id="5" name="직사각형 4">
-            <a:extLst>
-              <a:ext uri="{FF2B5EF4-FFF2-40B4-BE49-F238E27FC236}">
-                <a16:creationId xmlns:a16="http://schemas.microsoft.com/office/drawing/2014/main" id="{44D6DBC5-8748-C6A7-2150-FED36194AA1A}"/>
-              </a:ext>
-            </a:extLst>
-          </p:cNvPr>
-          <p:cNvSpPr/>
-          <p:nvPr/>
-        </p:nvSpPr>
-        <p:spPr>
-          <a:xfrm>
-            <a:off x="2687338" y="619992"/>
-            <a:ext cx="3913909" cy="699654"/>
-          </a:xfrm>
-          <a:prstGeom prst="rect">
-            <a:avLst/>
-          </a:prstGeom>
-        </p:spPr>
-        <p:style>
-          <a:lnRef idx="2">
-            <a:schemeClr val="accent1">
-              <a:shade val="15000"/>
-            </a:schemeClr>
-          </a:lnRef>
-          <a:fillRef idx="1">
-            <a:schemeClr val="accent1"/>
-          </a:fillRef>
-          <a:effectRef idx="0">
-            <a:schemeClr val="accent1"/>
-          </a:effectRef>
-          <a:fontRef idx="minor">
-            <a:schemeClr val="lt1"/>
-          </a:fontRef>
-        </p:style>
-        <p:txBody>
-          <a:bodyPr rtlCol="0" anchor="ctr"/>
-          <a:lstStyle/>
-          <a:p>
-            <a:pPr algn="ctr"/>
-            <a:r>
-              <a:rPr lang="en-US" altLang="ko-KR" dirty="0"/>
-              <a:t>F8</a:t>
-            </a:r>
-            <a:endParaRPr lang="ko-KR" altLang="en-US" dirty="0"/>
-          </a:p>
-        </p:txBody>
-      </p:sp>
-    </p:spTree>
-    <p:extLst>
-      <p:ext uri="{BB962C8B-B14F-4D97-AF65-F5344CB8AC3E}">
-        <p14:creationId xmlns:p14="http://schemas.microsoft.com/office/powerpoint/2010/main" val="3295177245"/>
-      </p:ext>
-    </p:extLst>
-  </p:cSld>
-  <p:clrMapOvr>
-    <a:masterClrMapping/>
-  </p:clrMapOvr>
-</p:sld>
-</file>
-
-<file path=ppt/slides/slide11.xml><?xml version="1.0" encoding="utf-8"?>
-<p:sld xmlns:a="http://schemas.openxmlformats.org/drawingml/2006/main" xmlns:r="http://schemas.openxmlformats.org/officeDocument/2006/relationships" xmlns:p="http://schemas.openxmlformats.org/presentationml/2006/main">
-  <p:cSld>
-    <p:spTree>
-      <p:nvGrpSpPr>
-        <p:cNvPr id="1" name=""/>
-        <p:cNvGrpSpPr/>
-        <p:nvPr/>
-      </p:nvGrpSpPr>
-      <p:grpSpPr>
-        <a:xfrm>
-          <a:off x="0" y="0"/>
-          <a:ext cx="0" cy="0"/>
-          <a:chOff x="0" y="0"/>
-          <a:chExt cx="0" cy="0"/>
-        </a:xfrm>
-      </p:grpSpPr>
-      <p:sp>
-        <p:nvSpPr>
-          <p:cNvPr id="3" name="직사각형 2">
-            <a:extLst>
-              <a:ext uri="{FF2B5EF4-FFF2-40B4-BE49-F238E27FC236}">
-                <a16:creationId xmlns:a16="http://schemas.microsoft.com/office/drawing/2014/main" id="{A5840210-0674-BA1E-A813-66127759208E}"/>
-              </a:ext>
-            </a:extLst>
-          </p:cNvPr>
-          <p:cNvSpPr/>
-          <p:nvPr/>
-        </p:nvSpPr>
-        <p:spPr>
-          <a:xfrm>
-            <a:off x="434109" y="556490"/>
-            <a:ext cx="11323782" cy="5908963"/>
-          </a:xfrm>
-          <a:prstGeom prst="rect">
-            <a:avLst/>
-          </a:prstGeom>
-        </p:spPr>
-        <p:style>
-          <a:lnRef idx="2">
-            <a:schemeClr val="accent1">
-              <a:shade val="15000"/>
-            </a:schemeClr>
-          </a:lnRef>
-          <a:fillRef idx="1">
-            <a:schemeClr val="accent1"/>
-          </a:fillRef>
-          <a:effectRef idx="0">
-            <a:schemeClr val="accent1"/>
-          </a:effectRef>
-          <a:fontRef idx="minor">
-            <a:schemeClr val="lt1"/>
-          </a:fontRef>
-        </p:style>
-        <p:txBody>
-          <a:bodyPr rtlCol="0" anchor="ctr"/>
-          <a:lstStyle/>
-          <a:p>
-            <a:pPr algn="ctr"/>
-            <a:r>
-              <a:rPr lang="ko-KR" altLang="en-US"/>
-              <a:t>주석</a:t>
-            </a:r>
-            <a:endParaRPr lang="ko-KR" altLang="en-US" dirty="0"/>
-          </a:p>
-        </p:txBody>
-      </p:sp>
-    </p:spTree>
-    <p:extLst>
-      <p:ext uri="{BB962C8B-B14F-4D97-AF65-F5344CB8AC3E}">
-        <p14:creationId xmlns:p14="http://schemas.microsoft.com/office/powerpoint/2010/main" val="1634534451"/>
-      </p:ext>
-    </p:extLst>
-  </p:cSld>
-  <p:clrMapOvr>
-    <a:masterClrMapping/>
-  </p:clrMapOvr>
-</p:sld>
-</file>
-
-<file path=ppt/slides/slide12.xml><?xml version="1.0" encoding="utf-8"?>
-<p:sld xmlns:a="http://schemas.openxmlformats.org/drawingml/2006/main" xmlns:r="http://schemas.openxmlformats.org/officeDocument/2006/relationships" xmlns:p="http://schemas.openxmlformats.org/presentationml/2006/main">
-  <p:cSld>
-    <p:spTree>
-      <p:nvGrpSpPr>
-        <p:cNvPr id="1" name=""/>
-        <p:cNvGrpSpPr/>
-        <p:nvPr/>
-      </p:nvGrpSpPr>
-      <p:grpSpPr>
-        <a:xfrm>
-          <a:off x="0" y="0"/>
-          <a:ext cx="0" cy="0"/>
-          <a:chOff x="0" y="0"/>
-          <a:chExt cx="0" cy="0"/>
-        </a:xfrm>
-      </p:grpSpPr>
-      <p:pic>
-        <p:nvPicPr>
-          <p:cNvPr id="3" name="그림 2">
-            <a:extLst>
-              <a:ext uri="{FF2B5EF4-FFF2-40B4-BE49-F238E27FC236}">
-                <a16:creationId xmlns:a16="http://schemas.microsoft.com/office/drawing/2014/main" id="{DF073574-7B28-FEE2-C902-9E19A825D40F}"/>
-              </a:ext>
-            </a:extLst>
-          </p:cNvPr>
-          <p:cNvPicPr>
-            <a:picLocks noChangeAspect="1"/>
-          </p:cNvPicPr>
-          <p:nvPr/>
-        </p:nvPicPr>
-        <p:blipFill>
-          <a:blip r:embed="rId2"/>
-          <a:stretch>
-            <a:fillRect/>
-          </a:stretch>
-        </p:blipFill>
-        <p:spPr>
-          <a:xfrm>
-            <a:off x="780524" y="4135062"/>
-            <a:ext cx="5458587" cy="1247949"/>
-          </a:xfrm>
-          <a:prstGeom prst="rect">
-            <a:avLst/>
-          </a:prstGeom>
-        </p:spPr>
-      </p:pic>
-      <p:sp>
-        <p:nvSpPr>
-          <p:cNvPr id="2" name="직사각형 1">
-            <a:extLst>
-              <a:ext uri="{FF2B5EF4-FFF2-40B4-BE49-F238E27FC236}">
-                <a16:creationId xmlns:a16="http://schemas.microsoft.com/office/drawing/2014/main" id="{1C3525FB-3D1D-0C95-38E1-4EFC0E102AAF}"/>
-              </a:ext>
-            </a:extLst>
-          </p:cNvPr>
-          <p:cNvSpPr/>
-          <p:nvPr/>
-        </p:nvSpPr>
-        <p:spPr>
-          <a:xfrm>
-            <a:off x="618393" y="897083"/>
-            <a:ext cx="3913909" cy="699654"/>
-          </a:xfrm>
-          <a:prstGeom prst="rect">
-            <a:avLst/>
-          </a:prstGeom>
-        </p:spPr>
-        <p:style>
-          <a:lnRef idx="2">
-            <a:schemeClr val="accent1">
-              <a:shade val="15000"/>
-            </a:schemeClr>
-          </a:lnRef>
-          <a:fillRef idx="1">
-            <a:schemeClr val="accent1"/>
-          </a:fillRef>
-          <a:effectRef idx="0">
-            <a:schemeClr val="accent1"/>
-          </a:effectRef>
-          <a:fontRef idx="minor">
-            <a:schemeClr val="lt1"/>
-          </a:fontRef>
-        </p:style>
-        <p:txBody>
-          <a:bodyPr rtlCol="0" anchor="ctr"/>
-          <a:lstStyle/>
-          <a:p>
-            <a:pPr algn="ctr"/>
-            <a:r>
-              <a:rPr lang="ko-KR" altLang="en-US" dirty="0"/>
-              <a:t>주석 걸기</a:t>
-            </a:r>
-          </a:p>
-        </p:txBody>
-      </p:sp>
-      <p:sp>
-        <p:nvSpPr>
-          <p:cNvPr id="4" name="직사각형 3">
-            <a:extLst>
-              <a:ext uri="{FF2B5EF4-FFF2-40B4-BE49-F238E27FC236}">
-                <a16:creationId xmlns:a16="http://schemas.microsoft.com/office/drawing/2014/main" id="{2BF92A7F-E045-08A5-74B2-7E4838D69A4A}"/>
-              </a:ext>
-            </a:extLst>
-          </p:cNvPr>
-          <p:cNvSpPr/>
-          <p:nvPr/>
-        </p:nvSpPr>
-        <p:spPr>
-          <a:xfrm>
-            <a:off x="4797847" y="897083"/>
-            <a:ext cx="3913909" cy="699654"/>
-          </a:xfrm>
-          <a:prstGeom prst="rect">
-            <a:avLst/>
-          </a:prstGeom>
-        </p:spPr>
-        <p:style>
-          <a:lnRef idx="2">
-            <a:schemeClr val="accent1">
-              <a:shade val="15000"/>
-            </a:schemeClr>
-          </a:lnRef>
-          <a:fillRef idx="1">
-            <a:schemeClr val="accent1"/>
-          </a:fillRef>
-          <a:effectRef idx="0">
-            <a:schemeClr val="accent1"/>
-          </a:effectRef>
-          <a:fontRef idx="minor">
-            <a:schemeClr val="lt1"/>
-          </a:fontRef>
-        </p:style>
-        <p:txBody>
-          <a:bodyPr rtlCol="0" anchor="ctr"/>
-          <a:lstStyle/>
-          <a:p>
-            <a:pPr algn="ctr"/>
-            <a:r>
-              <a:rPr lang="ko-KR" altLang="en-US" dirty="0"/>
-              <a:t>컨트롤 </a:t>
-            </a:r>
-            <a:r>
-              <a:rPr lang="en-US" altLang="ko-KR" dirty="0"/>
-              <a:t>+ K + C</a:t>
-            </a:r>
-            <a:endParaRPr lang="ko-KR" altLang="en-US" dirty="0"/>
-          </a:p>
-        </p:txBody>
-      </p:sp>
-      <p:sp>
-        <p:nvSpPr>
-          <p:cNvPr id="5" name="직사각형 4">
-            <a:extLst>
-              <a:ext uri="{FF2B5EF4-FFF2-40B4-BE49-F238E27FC236}">
-                <a16:creationId xmlns:a16="http://schemas.microsoft.com/office/drawing/2014/main" id="{CF666F2A-6DBB-CE3F-1F7B-1E3DEAF474D2}"/>
-              </a:ext>
-            </a:extLst>
-          </p:cNvPr>
-          <p:cNvSpPr/>
-          <p:nvPr/>
-        </p:nvSpPr>
-        <p:spPr>
-          <a:xfrm>
-            <a:off x="618393" y="2023284"/>
-            <a:ext cx="3913909" cy="699654"/>
-          </a:xfrm>
-          <a:prstGeom prst="rect">
-            <a:avLst/>
-          </a:prstGeom>
-        </p:spPr>
-        <p:style>
-          <a:lnRef idx="2">
-            <a:schemeClr val="accent1">
-              <a:shade val="15000"/>
-            </a:schemeClr>
-          </a:lnRef>
-          <a:fillRef idx="1">
-            <a:schemeClr val="accent1"/>
-          </a:fillRef>
-          <a:effectRef idx="0">
-            <a:schemeClr val="accent1"/>
-          </a:effectRef>
-          <a:fontRef idx="minor">
-            <a:schemeClr val="lt1"/>
-          </a:fontRef>
-        </p:style>
-        <p:txBody>
-          <a:bodyPr rtlCol="0" anchor="ctr"/>
-          <a:lstStyle/>
-          <a:p>
-            <a:pPr algn="ctr"/>
-            <a:r>
-              <a:rPr lang="ko-KR" altLang="en-US" dirty="0"/>
-              <a:t>주석 풀기</a:t>
-            </a:r>
-          </a:p>
-        </p:txBody>
-      </p:sp>
-      <p:sp>
-        <p:nvSpPr>
-          <p:cNvPr id="6" name="직사각형 5">
-            <a:extLst>
-              <a:ext uri="{FF2B5EF4-FFF2-40B4-BE49-F238E27FC236}">
-                <a16:creationId xmlns:a16="http://schemas.microsoft.com/office/drawing/2014/main" id="{953CB6DC-C61C-9E9E-92E0-8AC323E2E857}"/>
-              </a:ext>
-            </a:extLst>
-          </p:cNvPr>
-          <p:cNvSpPr/>
-          <p:nvPr/>
-        </p:nvSpPr>
-        <p:spPr>
-          <a:xfrm>
-            <a:off x="4797847" y="2023284"/>
-            <a:ext cx="3913909" cy="699654"/>
-          </a:xfrm>
-          <a:prstGeom prst="rect">
-            <a:avLst/>
-          </a:prstGeom>
-        </p:spPr>
-        <p:style>
-          <a:lnRef idx="2">
-            <a:schemeClr val="accent1">
-              <a:shade val="15000"/>
-            </a:schemeClr>
-          </a:lnRef>
-          <a:fillRef idx="1">
-            <a:schemeClr val="accent1"/>
-          </a:fillRef>
-          <a:effectRef idx="0">
-            <a:schemeClr val="accent1"/>
-          </a:effectRef>
-          <a:fontRef idx="minor">
-            <a:schemeClr val="lt1"/>
-          </a:fontRef>
-        </p:style>
-        <p:txBody>
-          <a:bodyPr rtlCol="0" anchor="ctr"/>
-          <a:lstStyle/>
-          <a:p>
-            <a:pPr algn="ctr"/>
-            <a:r>
-              <a:rPr lang="ko-KR" altLang="en-US" dirty="0"/>
-              <a:t>컨트롤 </a:t>
-            </a:r>
-            <a:r>
-              <a:rPr lang="en-US" altLang="ko-KR" dirty="0"/>
-              <a:t>+ K + U</a:t>
-            </a:r>
-            <a:endParaRPr lang="ko-KR" altLang="en-US" dirty="0"/>
-          </a:p>
-        </p:txBody>
-      </p:sp>
-    </p:spTree>
-    <p:extLst>
-      <p:ext uri="{BB962C8B-B14F-4D97-AF65-F5344CB8AC3E}">
-        <p14:creationId xmlns:p14="http://schemas.microsoft.com/office/powerpoint/2010/main" val="1396673677"/>
-      </p:ext>
-    </p:extLst>
-  </p:cSld>
-  <p:clrMapOvr>
-    <a:masterClrMapping/>
-  </p:clrMapOvr>
-</p:sld>
-</file>
-
-<file path=ppt/slides/slide13.xml><?xml version="1.0" encoding="utf-8"?>
-<p:sld xmlns:a="http://schemas.openxmlformats.org/drawingml/2006/main" xmlns:r="http://schemas.openxmlformats.org/officeDocument/2006/relationships" xmlns:p="http://schemas.openxmlformats.org/presentationml/2006/main">
-  <p:cSld>
-    <p:spTree>
-      <p:nvGrpSpPr>
-        <p:cNvPr id="1" name=""/>
-        <p:cNvGrpSpPr/>
-        <p:nvPr/>
-      </p:nvGrpSpPr>
-      <p:grpSpPr>
-        <a:xfrm>
-          <a:off x="0" y="0"/>
-          <a:ext cx="0" cy="0"/>
-          <a:chOff x="0" y="0"/>
-          <a:chExt cx="0" cy="0"/>
-        </a:xfrm>
-      </p:grpSpPr>
-      <p:sp>
-        <p:nvSpPr>
-          <p:cNvPr id="3" name="직사각형 2">
-            <a:extLst>
-              <a:ext uri="{FF2B5EF4-FFF2-40B4-BE49-F238E27FC236}">
-                <a16:creationId xmlns:a16="http://schemas.microsoft.com/office/drawing/2014/main" id="{A5840210-0674-BA1E-A813-66127759208E}"/>
-              </a:ext>
-            </a:extLst>
-          </p:cNvPr>
-          <p:cNvSpPr/>
-          <p:nvPr/>
-        </p:nvSpPr>
-        <p:spPr>
-          <a:xfrm>
-            <a:off x="434109" y="556490"/>
-            <a:ext cx="11323782" cy="5908963"/>
-          </a:xfrm>
-          <a:prstGeom prst="rect">
-            <a:avLst/>
-          </a:prstGeom>
-        </p:spPr>
-        <p:style>
-          <a:lnRef idx="2">
-            <a:schemeClr val="accent1">
-              <a:shade val="15000"/>
-            </a:schemeClr>
-          </a:lnRef>
-          <a:fillRef idx="1">
-            <a:schemeClr val="accent1"/>
-          </a:fillRef>
-          <a:effectRef idx="0">
-            <a:schemeClr val="accent1"/>
-          </a:effectRef>
-          <a:fontRef idx="minor">
-            <a:schemeClr val="lt1"/>
-          </a:fontRef>
-        </p:style>
-        <p:txBody>
-          <a:bodyPr rtlCol="0" anchor="ctr"/>
-          <a:lstStyle/>
-          <a:p>
-            <a:pPr algn="ctr"/>
-            <a:r>
-              <a:rPr lang="ko-KR" altLang="en-US" dirty="0"/>
-              <a:t>비주얼 스튜디오 고정</a:t>
-            </a:r>
-          </a:p>
-        </p:txBody>
-      </p:sp>
-    </p:spTree>
-    <p:extLst>
-      <p:ext uri="{BB962C8B-B14F-4D97-AF65-F5344CB8AC3E}">
-        <p14:creationId xmlns:p14="http://schemas.microsoft.com/office/powerpoint/2010/main" val="2850336200"/>
-      </p:ext>
-    </p:extLst>
-  </p:cSld>
-  <p:clrMapOvr>
-    <a:masterClrMapping/>
-  </p:clrMapOvr>
-</p:sld>
-</file>
-
-<file path=ppt/slides/slide14.xml><?xml version="1.0" encoding="utf-8"?>
-<p:sld xmlns:a="http://schemas.openxmlformats.org/drawingml/2006/main" xmlns:r="http://schemas.openxmlformats.org/officeDocument/2006/relationships" xmlns:p="http://schemas.openxmlformats.org/presentationml/2006/main">
-  <p:cSld>
-    <p:spTree>
-      <p:nvGrpSpPr>
-        <p:cNvPr id="1" name=""/>
-        <p:cNvGrpSpPr/>
-        <p:nvPr/>
-      </p:nvGrpSpPr>
-      <p:grpSpPr>
-        <a:xfrm>
-          <a:off x="0" y="0"/>
-          <a:ext cx="0" cy="0"/>
-          <a:chOff x="0" y="0"/>
-          <a:chExt cx="0" cy="0"/>
-        </a:xfrm>
-      </p:grpSpPr>
-      <p:pic>
-        <p:nvPicPr>
-          <p:cNvPr id="3" name="그림 2">
-            <a:extLst>
-              <a:ext uri="{FF2B5EF4-FFF2-40B4-BE49-F238E27FC236}">
-                <a16:creationId xmlns:a16="http://schemas.microsoft.com/office/drawing/2014/main" id="{683E60B1-A73C-E4C2-7E24-7644A9A50019}"/>
-              </a:ext>
-            </a:extLst>
-          </p:cNvPr>
-          <p:cNvPicPr>
-            <a:picLocks noChangeAspect="1"/>
-          </p:cNvPicPr>
-          <p:nvPr/>
-        </p:nvPicPr>
-        <p:blipFill>
-          <a:blip r:embed="rId2"/>
-          <a:stretch>
-            <a:fillRect/>
-          </a:stretch>
-        </p:blipFill>
-        <p:spPr>
-          <a:xfrm>
-            <a:off x="505012" y="2180100"/>
-            <a:ext cx="3534268" cy="3077004"/>
-          </a:xfrm>
-          <a:prstGeom prst="rect">
-            <a:avLst/>
-          </a:prstGeom>
-        </p:spPr>
-      </p:pic>
-      <p:pic>
-        <p:nvPicPr>
-          <p:cNvPr id="5" name="그림 4">
-            <a:extLst>
-              <a:ext uri="{FF2B5EF4-FFF2-40B4-BE49-F238E27FC236}">
-                <a16:creationId xmlns:a16="http://schemas.microsoft.com/office/drawing/2014/main" id="{F52F91DB-075F-E36E-7F5B-CBF2592E3481}"/>
-              </a:ext>
-            </a:extLst>
-          </p:cNvPr>
-          <p:cNvPicPr>
-            <a:picLocks noChangeAspect="1"/>
-          </p:cNvPicPr>
-          <p:nvPr/>
-        </p:nvPicPr>
-        <p:blipFill>
-          <a:blip r:embed="rId3"/>
-          <a:stretch>
-            <a:fillRect/>
-          </a:stretch>
-        </p:blipFill>
-        <p:spPr>
-          <a:xfrm>
-            <a:off x="6316258" y="751150"/>
-            <a:ext cx="3734321" cy="4505954"/>
-          </a:xfrm>
-          <a:prstGeom prst="rect">
-            <a:avLst/>
-          </a:prstGeom>
-        </p:spPr>
-      </p:pic>
-      <mc:AlternateContent xmlns:mc="http://schemas.openxmlformats.org/markup-compatibility/2006">
-        <mc:Choice xmlns:p14="http://schemas.microsoft.com/office/powerpoint/2010/main" Requires="p14">
-          <p:contentPart p14:bwMode="auto" r:id="rId4">
-            <p14:nvContentPartPr>
-              <p14:cNvPr id="7" name="잉크 6">
-                <a:extLst>
-                  <a:ext uri="{FF2B5EF4-FFF2-40B4-BE49-F238E27FC236}">
-                    <a16:creationId xmlns:a16="http://schemas.microsoft.com/office/drawing/2014/main" id="{317F524E-6785-D7F2-24C6-AC65FB7B891C}"/>
-                  </a:ext>
-                </a:extLst>
-              </p14:cNvPr>
-              <p14:cNvContentPartPr/>
-              <p14:nvPr/>
-            </p14:nvContentPartPr>
-            <p14:xfrm>
-              <a:off x="8949527" y="2575989"/>
-              <a:ext cx="527400" cy="437760"/>
-            </p14:xfrm>
-          </p:contentPart>
-        </mc:Choice>
-        <mc:Fallback>
-          <p:pic>
-            <p:nvPicPr>
-              <p:cNvPr id="7" name="잉크 6">
-                <a:extLst>
-                  <a:ext uri="{FF2B5EF4-FFF2-40B4-BE49-F238E27FC236}">
-                    <a16:creationId xmlns:a16="http://schemas.microsoft.com/office/drawing/2014/main" id="{317F524E-6785-D7F2-24C6-AC65FB7B891C}"/>
-                  </a:ext>
-                </a:extLst>
-              </p:cNvPr>
-              <p:cNvPicPr/>
-              <p:nvPr/>
-            </p:nvPicPr>
-            <p:blipFill>
-              <a:blip r:embed="rId5"/>
-              <a:stretch>
-                <a:fillRect/>
-              </a:stretch>
-            </p:blipFill>
-            <p:spPr>
-              <a:xfrm>
-                <a:off x="8943407" y="2569869"/>
-                <a:ext cx="539640" cy="450000"/>
-              </a:xfrm>
-              <a:prstGeom prst="rect">
-                <a:avLst/>
-              </a:prstGeom>
-            </p:spPr>
-          </p:pic>
-        </mc:Fallback>
-      </mc:AlternateContent>
-      <mc:AlternateContent xmlns:mc="http://schemas.openxmlformats.org/markup-compatibility/2006">
-        <mc:Choice xmlns:p14="http://schemas.microsoft.com/office/powerpoint/2010/main" Requires="p14">
-          <p:contentPart p14:bwMode="auto" r:id="rId6">
-            <p14:nvContentPartPr>
-              <p14:cNvPr id="8" name="잉크 7">
-                <a:extLst>
-                  <a:ext uri="{FF2B5EF4-FFF2-40B4-BE49-F238E27FC236}">
-                    <a16:creationId xmlns:a16="http://schemas.microsoft.com/office/drawing/2014/main" id="{A57E198E-D6DE-8824-9269-D3CF9F4F9A5B}"/>
-                  </a:ext>
-                </a:extLst>
-              </p14:cNvPr>
-              <p14:cNvContentPartPr/>
-              <p14:nvPr/>
-            </p14:nvContentPartPr>
-            <p14:xfrm>
-              <a:off x="6556967" y="1724949"/>
-              <a:ext cx="1054440" cy="428040"/>
-            </p14:xfrm>
-          </p:contentPart>
-        </mc:Choice>
-        <mc:Fallback>
-          <p:pic>
-            <p:nvPicPr>
-              <p:cNvPr id="8" name="잉크 7">
-                <a:extLst>
-                  <a:ext uri="{FF2B5EF4-FFF2-40B4-BE49-F238E27FC236}">
-                    <a16:creationId xmlns:a16="http://schemas.microsoft.com/office/drawing/2014/main" id="{A57E198E-D6DE-8824-9269-D3CF9F4F9A5B}"/>
-                  </a:ext>
-                </a:extLst>
-              </p:cNvPr>
-              <p:cNvPicPr/>
-              <p:nvPr/>
-            </p:nvPicPr>
-            <p:blipFill>
-              <a:blip r:embed="rId7"/>
-              <a:stretch>
-                <a:fillRect/>
-              </a:stretch>
-            </p:blipFill>
-            <p:spPr>
-              <a:xfrm>
-                <a:off x="6550847" y="1718829"/>
-                <a:ext cx="1066680" cy="440280"/>
-              </a:xfrm>
-              <a:prstGeom prst="rect">
-                <a:avLst/>
-              </a:prstGeom>
-            </p:spPr>
-          </p:pic>
-        </mc:Fallback>
-      </mc:AlternateContent>
-      <p:sp>
-        <p:nvSpPr>
-          <p:cNvPr id="9" name="직사각형 8">
-            <a:extLst>
-              <a:ext uri="{FF2B5EF4-FFF2-40B4-BE49-F238E27FC236}">
-                <a16:creationId xmlns:a16="http://schemas.microsoft.com/office/drawing/2014/main" id="{9BC2A108-C793-00EC-DA58-B65666B583FA}"/>
-              </a:ext>
-            </a:extLst>
-          </p:cNvPr>
-          <p:cNvSpPr/>
-          <p:nvPr/>
-        </p:nvSpPr>
-        <p:spPr>
-          <a:xfrm>
-            <a:off x="184466" y="232064"/>
-            <a:ext cx="5264989" cy="1605971"/>
-          </a:xfrm>
-          <a:prstGeom prst="rect">
-            <a:avLst/>
-          </a:prstGeom>
-        </p:spPr>
-        <p:style>
-          <a:lnRef idx="2">
-            <a:schemeClr val="accent1">
-              <a:shade val="15000"/>
-            </a:schemeClr>
-          </a:lnRef>
-          <a:fillRef idx="1">
-            <a:schemeClr val="accent1"/>
-          </a:fillRef>
-          <a:effectRef idx="0">
-            <a:schemeClr val="accent1"/>
-          </a:effectRef>
-          <a:fontRef idx="minor">
-            <a:schemeClr val="lt1"/>
-          </a:fontRef>
-        </p:style>
-        <p:txBody>
-          <a:bodyPr rtlCol="0" anchor="ctr"/>
-          <a:lstStyle/>
-          <a:p>
-            <a:pPr algn="ctr"/>
-            <a:r>
-              <a:rPr lang="ko-KR" altLang="en-US" dirty="0"/>
-              <a:t>여러분들이 어떤 프로젝트를 열면</a:t>
-            </a:r>
-            <a:endParaRPr lang="en-US" altLang="ko-KR" dirty="0"/>
-          </a:p>
-          <a:p>
-            <a:pPr algn="ctr"/>
-            <a:r>
-              <a:rPr lang="ko-KR" altLang="en-US" dirty="0"/>
-              <a:t>실행중인 프로젝트는 별개로 아래쪽에 </a:t>
-            </a:r>
-            <a:endParaRPr lang="en-US" altLang="ko-KR" dirty="0"/>
-          </a:p>
-          <a:p>
-            <a:pPr algn="ctr"/>
-            <a:r>
-              <a:rPr lang="ko-KR" altLang="en-US" dirty="0"/>
-              <a:t>앱으로서 모습을 보인다 이때 이걸 고정시켜서</a:t>
-            </a:r>
-            <a:endParaRPr lang="en-US" altLang="ko-KR" dirty="0"/>
-          </a:p>
-          <a:p>
-            <a:pPr algn="ctr"/>
-            <a:r>
-              <a:rPr lang="ko-KR" altLang="en-US" dirty="0"/>
-              <a:t>그냥 한번 누르면 곧바로 열리게 </a:t>
-            </a:r>
-            <a:r>
-              <a:rPr lang="ko-KR" altLang="en-US" dirty="0" err="1"/>
-              <a:t>만들수</a:t>
-            </a:r>
-            <a:r>
-              <a:rPr lang="ko-KR" altLang="en-US" dirty="0"/>
-              <a:t> 있다</a:t>
-            </a:r>
-            <a:r>
-              <a:rPr lang="en-US" altLang="ko-KR"/>
-              <a:t>.</a:t>
-            </a:r>
-            <a:endParaRPr lang="ko-KR" altLang="en-US" dirty="0"/>
-          </a:p>
-        </p:txBody>
-      </p:sp>
-    </p:spTree>
-    <p:extLst>
-      <p:ext uri="{BB962C8B-B14F-4D97-AF65-F5344CB8AC3E}">
-        <p14:creationId xmlns:p14="http://schemas.microsoft.com/office/powerpoint/2010/main" val="4238543974"/>
-      </p:ext>
-    </p:extLst>
-  </p:cSld>
-  <p:clrMapOvr>
-    <a:masterClrMapping/>
-  </p:clrMapOvr>
-</p:sld>
-</file>
-
-<file path=ppt/slides/slide15.xml><?xml version="1.0" encoding="utf-8"?>
-<p:sld xmlns:a="http://schemas.openxmlformats.org/drawingml/2006/main" xmlns:r="http://schemas.openxmlformats.org/officeDocument/2006/relationships" xmlns:p="http://schemas.openxmlformats.org/presentationml/2006/main">
-  <p:cSld>
-    <p:spTree>
-      <p:nvGrpSpPr>
-        <p:cNvPr id="1" name=""/>
-        <p:cNvGrpSpPr/>
-        <p:nvPr/>
-      </p:nvGrpSpPr>
-      <p:grpSpPr>
-        <a:xfrm>
-          <a:off x="0" y="0"/>
-          <a:ext cx="0" cy="0"/>
-          <a:chOff x="0" y="0"/>
-          <a:chExt cx="0" cy="0"/>
-        </a:xfrm>
-      </p:grpSpPr>
-    </p:spTree>
-    <p:extLst>
-      <p:ext uri="{BB962C8B-B14F-4D97-AF65-F5344CB8AC3E}">
-        <p14:creationId xmlns:p14="http://schemas.microsoft.com/office/powerpoint/2010/main" val="3018759265"/>
-      </p:ext>
-    </p:extLst>
-  </p:cSld>
-  <p:clrMapOvr>
-    <a:masterClrMapping/>
-  </p:clrMapOvr>
-</p:sld>
-</file>
-
-<file path=ppt/slides/slide16.xml><?xml version="1.0" encoding="utf-8"?>
-<p:sld xmlns:a="http://schemas.openxmlformats.org/drawingml/2006/main" xmlns:r="http://schemas.openxmlformats.org/officeDocument/2006/relationships" xmlns:p="http://schemas.openxmlformats.org/presentationml/2006/main">
-  <p:cSld>
-    <p:spTree>
-      <p:nvGrpSpPr>
-        <p:cNvPr id="1" name=""/>
-        <p:cNvGrpSpPr/>
-        <p:nvPr/>
-      </p:nvGrpSpPr>
-      <p:grpSpPr>
-        <a:xfrm>
-          <a:off x="0" y="0"/>
-          <a:ext cx="0" cy="0"/>
-          <a:chOff x="0" y="0"/>
-          <a:chExt cx="0" cy="0"/>
-        </a:xfrm>
-      </p:grpSpPr>
-    </p:spTree>
-    <p:extLst>
-      <p:ext uri="{BB962C8B-B14F-4D97-AF65-F5344CB8AC3E}">
-        <p14:creationId xmlns:p14="http://schemas.microsoft.com/office/powerpoint/2010/main" val="405100744"/>
-      </p:ext>
-    </p:extLst>
-  </p:cSld>
-  <p:clrMapOvr>
-    <a:masterClrMapping/>
-  </p:clrMapOvr>
-</p:sld>
-</file>
-
-<file path=ppt/slides/slide17.xml><?xml version="1.0" encoding="utf-8"?>
-<p:sld xmlns:a="http://schemas.openxmlformats.org/drawingml/2006/main" xmlns:r="http://schemas.openxmlformats.org/officeDocument/2006/relationships" xmlns:p="http://schemas.openxmlformats.org/presentationml/2006/main">
-  <p:cSld>
-    <p:spTree>
-      <p:nvGrpSpPr>
-        <p:cNvPr id="1" name=""/>
-        <p:cNvGrpSpPr/>
-        <p:nvPr/>
-      </p:nvGrpSpPr>
-      <p:grpSpPr>
-        <a:xfrm>
-          <a:off x="0" y="0"/>
-          <a:ext cx="0" cy="0"/>
-          <a:chOff x="0" y="0"/>
-          <a:chExt cx="0" cy="0"/>
-        </a:xfrm>
-      </p:grpSpPr>
-    </p:spTree>
-    <p:extLst>
-      <p:ext uri="{BB962C8B-B14F-4D97-AF65-F5344CB8AC3E}">
-        <p14:creationId xmlns:p14="http://schemas.microsoft.com/office/powerpoint/2010/main" val="2481828864"/>
-      </p:ext>
-    </p:extLst>
-  </p:cSld>
-  <p:clrMapOvr>
-    <a:masterClrMapping/>
-  </p:clrMapOvr>
-</p:sld>
-</file>
-
-<file path=ppt/slides/slide18.xml><?xml version="1.0" encoding="utf-8"?>
-<p:sld xmlns:a="http://schemas.openxmlformats.org/drawingml/2006/main" xmlns:r="http://schemas.openxmlformats.org/officeDocument/2006/relationships" xmlns:p="http://schemas.openxmlformats.org/presentationml/2006/main">
-  <p:cSld>
-    <p:spTree>
-      <p:nvGrpSpPr>
-        <p:cNvPr id="1" name=""/>
-        <p:cNvGrpSpPr/>
-        <p:nvPr/>
-      </p:nvGrpSpPr>
-      <p:grpSpPr>
-        <a:xfrm>
-          <a:off x="0" y="0"/>
-          <a:ext cx="0" cy="0"/>
-          <a:chOff x="0" y="0"/>
-          <a:chExt cx="0" cy="0"/>
-        </a:xfrm>
-      </p:grpSpPr>
-    </p:spTree>
-    <p:extLst>
-      <p:ext uri="{BB962C8B-B14F-4D97-AF65-F5344CB8AC3E}">
-        <p14:creationId xmlns:p14="http://schemas.microsoft.com/office/powerpoint/2010/main" val="3750591054"/>
-      </p:ext>
-    </p:extLst>
-  </p:cSld>
-  <p:clrMapOvr>
-    <a:masterClrMapping/>
-  </p:clrMapOvr>
-</p:sld>
-</file>
-
-<file path=ppt/slides/slide19.xml><?xml version="1.0" encoding="utf-8"?>
-<p:sld xmlns:a="http://schemas.openxmlformats.org/drawingml/2006/main" xmlns:r="http://schemas.openxmlformats.org/officeDocument/2006/relationships" xmlns:p="http://schemas.openxmlformats.org/presentationml/2006/main">
-  <p:cSld>
-    <p:spTree>
-      <p:nvGrpSpPr>
-        <p:cNvPr id="1" name=""/>
-        <p:cNvGrpSpPr/>
-        <p:nvPr/>
-      </p:nvGrpSpPr>
-      <p:grpSpPr>
-        <a:xfrm>
-          <a:off x="0" y="0"/>
-          <a:ext cx="0" cy="0"/>
-          <a:chOff x="0" y="0"/>
-          <a:chExt cx="0" cy="0"/>
-        </a:xfrm>
-      </p:grpSpPr>
-    </p:spTree>
-    <p:extLst>
-      <p:ext uri="{BB962C8B-B14F-4D97-AF65-F5344CB8AC3E}">
-        <p14:creationId xmlns:p14="http://schemas.microsoft.com/office/powerpoint/2010/main" val="991477988"/>
-      </p:ext>
-    </p:extLst>
-  </p:cSld>
-  <p:clrMapOvr>
-    <a:masterClrMapping/>
-  </p:clrMapOvr>
-</p:sld>
-</file>
-
-<file path=ppt/slides/slide2.xml><?xml version="1.0" encoding="utf-8"?>
-<p:sld xmlns:a="http://schemas.openxmlformats.org/drawingml/2006/main" xmlns:r="http://schemas.openxmlformats.org/officeDocument/2006/relationships" xmlns:p="http://schemas.openxmlformats.org/presentationml/2006/main">
-  <p:cSld>
-    <p:spTree>
-      <p:nvGrpSpPr>
-        <p:cNvPr id="1" name=""/>
-        <p:cNvGrpSpPr/>
-        <p:nvPr/>
-      </p:nvGrpSpPr>
-      <p:grpSpPr>
-        <a:xfrm>
-          <a:off x="0" y="0"/>
-          <a:ext cx="0" cy="0"/>
-          <a:chOff x="0" y="0"/>
-          <a:chExt cx="0" cy="0"/>
-        </a:xfrm>
-      </p:grpSpPr>
-      <p:sp>
-        <p:nvSpPr>
-          <p:cNvPr id="3" name="직사각형 2">
-            <a:extLst>
-              <a:ext uri="{FF2B5EF4-FFF2-40B4-BE49-F238E27FC236}">
-                <a16:creationId xmlns:a16="http://schemas.microsoft.com/office/drawing/2014/main" id="{A5840210-0674-BA1E-A813-66127759208E}"/>
-              </a:ext>
-            </a:extLst>
-          </p:cNvPr>
-          <p:cNvSpPr/>
-          <p:nvPr/>
-        </p:nvSpPr>
-        <p:spPr>
-          <a:xfrm>
-            <a:off x="434109" y="528782"/>
-            <a:ext cx="11323782" cy="699654"/>
-          </a:xfrm>
-          <a:prstGeom prst="rect">
-            <a:avLst/>
-          </a:prstGeom>
-        </p:spPr>
-        <p:style>
-          <a:lnRef idx="2">
-            <a:schemeClr val="accent1">
-              <a:shade val="15000"/>
-            </a:schemeClr>
-          </a:lnRef>
-          <a:fillRef idx="1">
-            <a:schemeClr val="accent1"/>
-          </a:fillRef>
-          <a:effectRef idx="0">
-            <a:schemeClr val="accent1"/>
-          </a:effectRef>
-          <a:fontRef idx="minor">
-            <a:schemeClr val="lt1"/>
-          </a:fontRef>
-        </p:style>
-        <p:txBody>
-          <a:bodyPr rtlCol="0" anchor="ctr"/>
-          <a:lstStyle/>
-          <a:p>
-            <a:pPr algn="ctr"/>
-            <a:r>
-              <a:rPr lang="ko-KR" altLang="en-US" dirty="0"/>
-              <a:t>화면 확대 축소</a:t>
-            </a:r>
-          </a:p>
-        </p:txBody>
-      </p:sp>
-      <p:pic>
-        <p:nvPicPr>
-          <p:cNvPr id="4" name="그림 3">
-            <a:extLst>
-              <a:ext uri="{FF2B5EF4-FFF2-40B4-BE49-F238E27FC236}">
-                <a16:creationId xmlns:a16="http://schemas.microsoft.com/office/drawing/2014/main" id="{3AC8F613-DF81-7A95-DDA2-3B0852551F89}"/>
-              </a:ext>
-            </a:extLst>
-          </p:cNvPr>
-          <p:cNvPicPr>
-            <a:picLocks noChangeAspect="1"/>
-          </p:cNvPicPr>
-          <p:nvPr/>
-        </p:nvPicPr>
-        <p:blipFill>
-          <a:blip r:embed="rId2"/>
-          <a:stretch>
-            <a:fillRect/>
-          </a:stretch>
-        </p:blipFill>
-        <p:spPr>
-          <a:xfrm>
-            <a:off x="434109" y="2216960"/>
-            <a:ext cx="4601217" cy="2867425"/>
-          </a:xfrm>
-          <a:prstGeom prst="rect">
-            <a:avLst/>
-          </a:prstGeom>
-        </p:spPr>
-      </p:pic>
-      <p:sp>
-        <p:nvSpPr>
-          <p:cNvPr id="5" name="직사각형 4">
-            <a:extLst>
-              <a:ext uri="{FF2B5EF4-FFF2-40B4-BE49-F238E27FC236}">
-                <a16:creationId xmlns:a16="http://schemas.microsoft.com/office/drawing/2014/main" id="{F60C10CE-FF11-5C56-AA8E-A5E0D80CD8C4}"/>
-              </a:ext>
-            </a:extLst>
-          </p:cNvPr>
-          <p:cNvSpPr/>
-          <p:nvPr/>
-        </p:nvSpPr>
-        <p:spPr>
-          <a:xfrm>
-            <a:off x="434109" y="1372871"/>
-            <a:ext cx="11323782" cy="699654"/>
-          </a:xfrm>
-          <a:prstGeom prst="rect">
-            <a:avLst/>
-          </a:prstGeom>
-        </p:spPr>
-        <p:style>
-          <a:lnRef idx="2">
-            <a:schemeClr val="accent1">
-              <a:shade val="15000"/>
-            </a:schemeClr>
-          </a:lnRef>
-          <a:fillRef idx="1">
-            <a:schemeClr val="accent1"/>
-          </a:fillRef>
-          <a:effectRef idx="0">
-            <a:schemeClr val="accent1"/>
-          </a:effectRef>
-          <a:fontRef idx="minor">
-            <a:schemeClr val="lt1"/>
-          </a:fontRef>
-        </p:style>
-        <p:txBody>
-          <a:bodyPr rtlCol="0" anchor="ctr"/>
-          <a:lstStyle/>
-          <a:p>
-            <a:pPr algn="ctr"/>
-            <a:r>
-              <a:rPr lang="ko-KR" altLang="en-US" dirty="0"/>
-              <a:t>컨트롤 </a:t>
-            </a:r>
-            <a:r>
-              <a:rPr lang="en-US" altLang="ko-KR" dirty="0"/>
-              <a:t>+ </a:t>
-            </a:r>
-            <a:r>
-              <a:rPr lang="ko-KR" altLang="en-US" dirty="0"/>
-              <a:t>마우스 휠</a:t>
-            </a:r>
-          </a:p>
-        </p:txBody>
-      </p:sp>
-      <p:pic>
-        <p:nvPicPr>
-          <p:cNvPr id="7" name="그림 6">
-            <a:extLst>
-              <a:ext uri="{FF2B5EF4-FFF2-40B4-BE49-F238E27FC236}">
-                <a16:creationId xmlns:a16="http://schemas.microsoft.com/office/drawing/2014/main" id="{6118D628-F90B-28CA-766C-EBF7C9C314A9}"/>
-              </a:ext>
-            </a:extLst>
-          </p:cNvPr>
-          <p:cNvPicPr>
-            <a:picLocks noChangeAspect="1"/>
-          </p:cNvPicPr>
-          <p:nvPr/>
-        </p:nvPicPr>
-        <p:blipFill>
-          <a:blip r:embed="rId3"/>
-          <a:stretch>
-            <a:fillRect/>
-          </a:stretch>
-        </p:blipFill>
-        <p:spPr>
-          <a:xfrm>
-            <a:off x="5442769" y="2245539"/>
-            <a:ext cx="8935697" cy="5677692"/>
-          </a:xfrm>
-          <a:prstGeom prst="rect">
-            <a:avLst/>
-          </a:prstGeom>
-        </p:spPr>
-      </p:pic>
-    </p:spTree>
-    <p:extLst>
-      <p:ext uri="{BB962C8B-B14F-4D97-AF65-F5344CB8AC3E}">
-        <p14:creationId xmlns:p14="http://schemas.microsoft.com/office/powerpoint/2010/main" val="3696848387"/>
-      </p:ext>
-    </p:extLst>
-  </p:cSld>
-  <p:clrMapOvr>
-    <a:masterClrMapping/>
-  </p:clrMapOvr>
-</p:sld>
-</file>
-
-<file path=ppt/slides/slide20.xml><?xml version="1.0" encoding="utf-8"?>
-<p:sld xmlns:a="http://schemas.openxmlformats.org/drawingml/2006/main" xmlns:r="http://schemas.openxmlformats.org/officeDocument/2006/relationships" xmlns:p="http://schemas.openxmlformats.org/presentationml/2006/main">
-  <p:cSld>
-    <p:spTree>
-      <p:nvGrpSpPr>
-        <p:cNvPr id="1" name=""/>
-        <p:cNvGrpSpPr/>
-        <p:nvPr/>
-      </p:nvGrpSpPr>
-      <p:grpSpPr>
-        <a:xfrm>
-          <a:off x="0" y="0"/>
-          <a:ext cx="0" cy="0"/>
-          <a:chOff x="0" y="0"/>
-          <a:chExt cx="0" cy="0"/>
-        </a:xfrm>
-      </p:grpSpPr>
-    </p:spTree>
-    <p:extLst>
-      <p:ext uri="{BB962C8B-B14F-4D97-AF65-F5344CB8AC3E}">
-        <p14:creationId xmlns:p14="http://schemas.microsoft.com/office/powerpoint/2010/main" val="3844398855"/>
-      </p:ext>
-    </p:extLst>
-  </p:cSld>
-  <p:clrMapOvr>
-    <a:masterClrMapping/>
-  </p:clrMapOvr>
-</p:sld>
-</file>
-
-<file path=ppt/slides/slide21.xml><?xml version="1.0" encoding="utf-8"?>
-<p:sld xmlns:a="http://schemas.openxmlformats.org/drawingml/2006/main" xmlns:r="http://schemas.openxmlformats.org/officeDocument/2006/relationships" xmlns:p="http://schemas.openxmlformats.org/presentationml/2006/main">
-  <p:cSld>
-    <p:spTree>
-      <p:nvGrpSpPr>
-        <p:cNvPr id="1" name=""/>
-        <p:cNvGrpSpPr/>
-        <p:nvPr/>
-      </p:nvGrpSpPr>
-      <p:grpSpPr>
-        <a:xfrm>
-          <a:off x="0" y="0"/>
-          <a:ext cx="0" cy="0"/>
-          <a:chOff x="0" y="0"/>
-          <a:chExt cx="0" cy="0"/>
-        </a:xfrm>
-      </p:grpSpPr>
-    </p:spTree>
-    <p:extLst>
-      <p:ext uri="{BB962C8B-B14F-4D97-AF65-F5344CB8AC3E}">
-        <p14:creationId xmlns:p14="http://schemas.microsoft.com/office/powerpoint/2010/main" val="19288889"/>
-      </p:ext>
-    </p:extLst>
-  </p:cSld>
-  <p:clrMapOvr>
-    <a:masterClrMapping/>
-  </p:clrMapOvr>
-</p:sld>
-</file>
-
-<file path=ppt/slides/slide22.xml><?xml version="1.0" encoding="utf-8"?>
-<p:sld xmlns:a="http://schemas.openxmlformats.org/drawingml/2006/main" xmlns:r="http://schemas.openxmlformats.org/officeDocument/2006/relationships" xmlns:p="http://schemas.openxmlformats.org/presentationml/2006/main">
-  <p:cSld>
-    <p:spTree>
-      <p:nvGrpSpPr>
-        <p:cNvPr id="1" name=""/>
-        <p:cNvGrpSpPr/>
-        <p:nvPr/>
-      </p:nvGrpSpPr>
-      <p:grpSpPr>
-        <a:xfrm>
-          <a:off x="0" y="0"/>
-          <a:ext cx="0" cy="0"/>
-          <a:chOff x="0" y="0"/>
-          <a:chExt cx="0" cy="0"/>
-        </a:xfrm>
-      </p:grpSpPr>
-    </p:spTree>
-    <p:extLst>
-      <p:ext uri="{BB962C8B-B14F-4D97-AF65-F5344CB8AC3E}">
-        <p14:creationId xmlns:p14="http://schemas.microsoft.com/office/powerpoint/2010/main" val="4015161735"/>
-      </p:ext>
-    </p:extLst>
-  </p:cSld>
-  <p:clrMapOvr>
-    <a:masterClrMapping/>
-  </p:clrMapOvr>
-</p:sld>
-</file>
-
-<file path=ppt/slides/slide23.xml><?xml version="1.0" encoding="utf-8"?>
-<p:sld xmlns:a="http://schemas.openxmlformats.org/drawingml/2006/main" xmlns:r="http://schemas.openxmlformats.org/officeDocument/2006/relationships" xmlns:p="http://schemas.openxmlformats.org/presentationml/2006/main">
-  <p:cSld>
-    <p:spTree>
-      <p:nvGrpSpPr>
-        <p:cNvPr id="1" name=""/>
-        <p:cNvGrpSpPr/>
-        <p:nvPr/>
-      </p:nvGrpSpPr>
-      <p:grpSpPr>
-        <a:xfrm>
-          <a:off x="0" y="0"/>
-          <a:ext cx="0" cy="0"/>
-          <a:chOff x="0" y="0"/>
-          <a:chExt cx="0" cy="0"/>
-        </a:xfrm>
-      </p:grpSpPr>
-    </p:spTree>
-    <p:extLst>
-      <p:ext uri="{BB962C8B-B14F-4D97-AF65-F5344CB8AC3E}">
-        <p14:creationId xmlns:p14="http://schemas.microsoft.com/office/powerpoint/2010/main" val="1646334821"/>
-      </p:ext>
-    </p:extLst>
-  </p:cSld>
-  <p:clrMapOvr>
-    <a:masterClrMapping/>
-  </p:clrMapOvr>
-</p:sld>
-</file>
-
-<file path=ppt/slides/slide24.xml><?xml version="1.0" encoding="utf-8"?>
-<p:sld xmlns:a="http://schemas.openxmlformats.org/drawingml/2006/main" xmlns:r="http://schemas.openxmlformats.org/officeDocument/2006/relationships" xmlns:p="http://schemas.openxmlformats.org/presentationml/2006/main">
-  <p:cSld>
-    <p:spTree>
-      <p:nvGrpSpPr>
-        <p:cNvPr id="1" name=""/>
-        <p:cNvGrpSpPr/>
-        <p:nvPr/>
-      </p:nvGrpSpPr>
-      <p:grpSpPr>
-        <a:xfrm>
-          <a:off x="0" y="0"/>
-          <a:ext cx="0" cy="0"/>
-          <a:chOff x="0" y="0"/>
-          <a:chExt cx="0" cy="0"/>
-        </a:xfrm>
-      </p:grpSpPr>
-    </p:spTree>
-    <p:extLst>
-      <p:ext uri="{BB962C8B-B14F-4D97-AF65-F5344CB8AC3E}">
-        <p14:creationId xmlns:p14="http://schemas.microsoft.com/office/powerpoint/2010/main" val="3952900304"/>
-      </p:ext>
-    </p:extLst>
-  </p:cSld>
-  <p:clrMapOvr>
-    <a:masterClrMapping/>
-  </p:clrMapOvr>
-</p:sld>
-</file>
-
-<file path=ppt/slides/slide25.xml><?xml version="1.0" encoding="utf-8"?>
-<p:sld xmlns:a="http://schemas.openxmlformats.org/drawingml/2006/main" xmlns:r="http://schemas.openxmlformats.org/officeDocument/2006/relationships" xmlns:p="http://schemas.openxmlformats.org/presentationml/2006/main">
-  <p:cSld>
-    <p:spTree>
-      <p:nvGrpSpPr>
-        <p:cNvPr id="1" name=""/>
-        <p:cNvGrpSpPr/>
-        <p:nvPr/>
-      </p:nvGrpSpPr>
-      <p:grpSpPr>
-        <a:xfrm>
-          <a:off x="0" y="0"/>
-          <a:ext cx="0" cy="0"/>
-          <a:chOff x="0" y="0"/>
-          <a:chExt cx="0" cy="0"/>
-        </a:xfrm>
-      </p:grpSpPr>
-    </p:spTree>
-    <p:extLst>
-      <p:ext uri="{BB962C8B-B14F-4D97-AF65-F5344CB8AC3E}">
-        <p14:creationId xmlns:p14="http://schemas.microsoft.com/office/powerpoint/2010/main" val="1749543502"/>
-      </p:ext>
-    </p:extLst>
-  </p:cSld>
-  <p:clrMapOvr>
-    <a:masterClrMapping/>
-  </p:clrMapOvr>
-</p:sld>
-</file>
-
-<file path=ppt/slides/slide26.xml><?xml version="1.0" encoding="utf-8"?>
-<p:sld xmlns:a="http://schemas.openxmlformats.org/drawingml/2006/main" xmlns:r="http://schemas.openxmlformats.org/officeDocument/2006/relationships" xmlns:p="http://schemas.openxmlformats.org/presentationml/2006/main">
-  <p:cSld>
-    <p:spTree>
-      <p:nvGrpSpPr>
-        <p:cNvPr id="1" name=""/>
-        <p:cNvGrpSpPr/>
-        <p:nvPr/>
-      </p:nvGrpSpPr>
-      <p:grpSpPr>
-        <a:xfrm>
-          <a:off x="0" y="0"/>
-          <a:ext cx="0" cy="0"/>
-          <a:chOff x="0" y="0"/>
-          <a:chExt cx="0" cy="0"/>
-        </a:xfrm>
-      </p:grpSpPr>
-    </p:spTree>
-    <p:extLst>
-      <p:ext uri="{BB962C8B-B14F-4D97-AF65-F5344CB8AC3E}">
-        <p14:creationId xmlns:p14="http://schemas.microsoft.com/office/powerpoint/2010/main" val="414930712"/>
-      </p:ext>
-    </p:extLst>
-  </p:cSld>
-  <p:clrMapOvr>
-    <a:masterClrMapping/>
-  </p:clrMapOvr>
-</p:sld>
-</file>
-
-<file path=ppt/slides/slide3.xml><?xml version="1.0" encoding="utf-8"?>
-<p:sld xmlns:a="http://schemas.openxmlformats.org/drawingml/2006/main" xmlns:r="http://schemas.openxmlformats.org/officeDocument/2006/relationships" xmlns:p="http://schemas.openxmlformats.org/presentationml/2006/main">
-  <p:cSld>
-    <p:spTree>
-      <p:nvGrpSpPr>
-        <p:cNvPr id="1" name=""/>
-        <p:cNvGrpSpPr/>
-        <p:nvPr/>
-      </p:nvGrpSpPr>
-      <p:grpSpPr>
-        <a:xfrm>
-          <a:off x="0" y="0"/>
-          <a:ext cx="0" cy="0"/>
-          <a:chOff x="0" y="0"/>
-          <a:chExt cx="0" cy="0"/>
-        </a:xfrm>
-      </p:grpSpPr>
-      <p:sp>
-        <p:nvSpPr>
-          <p:cNvPr id="2" name="직사각형 1">
-            <a:extLst>
-              <a:ext uri="{FF2B5EF4-FFF2-40B4-BE49-F238E27FC236}">
-                <a16:creationId xmlns:a16="http://schemas.microsoft.com/office/drawing/2014/main" id="{3139707C-C258-116B-1FC7-1EA17D56B0BE}"/>
-              </a:ext>
-            </a:extLst>
-          </p:cNvPr>
-          <p:cNvSpPr/>
-          <p:nvPr/>
-        </p:nvSpPr>
-        <p:spPr>
-          <a:xfrm>
-            <a:off x="434109" y="528782"/>
-            <a:ext cx="11323782" cy="699654"/>
-          </a:xfrm>
-          <a:prstGeom prst="rect">
-            <a:avLst/>
-          </a:prstGeom>
-        </p:spPr>
-        <p:style>
-          <a:lnRef idx="2">
-            <a:schemeClr val="accent1">
-              <a:shade val="15000"/>
-            </a:schemeClr>
-          </a:lnRef>
-          <a:fillRef idx="1">
-            <a:schemeClr val="accent1"/>
-          </a:fillRef>
-          <a:effectRef idx="0">
-            <a:schemeClr val="accent1"/>
-          </a:effectRef>
-          <a:fontRef idx="minor">
-            <a:schemeClr val="lt1"/>
-          </a:fontRef>
-        </p:style>
-        <p:txBody>
-          <a:bodyPr rtlCol="0" anchor="ctr"/>
-          <a:lstStyle/>
-          <a:p>
-            <a:pPr algn="ctr"/>
-            <a:r>
-              <a:rPr lang="ko-KR" altLang="en-US" dirty="0"/>
-              <a:t>내부 코드 범위 선택</a:t>
-            </a:r>
-          </a:p>
-        </p:txBody>
-      </p:sp>
-      <p:pic>
-        <p:nvPicPr>
-          <p:cNvPr id="5" name="그림 4">
-            <a:extLst>
-              <a:ext uri="{FF2B5EF4-FFF2-40B4-BE49-F238E27FC236}">
-                <a16:creationId xmlns:a16="http://schemas.microsoft.com/office/drawing/2014/main" id="{460791A4-8D4E-1F0E-8073-FEFA1D33D16A}"/>
-              </a:ext>
-            </a:extLst>
-          </p:cNvPr>
-          <p:cNvPicPr>
-            <a:picLocks noChangeAspect="1"/>
-          </p:cNvPicPr>
-          <p:nvPr/>
-        </p:nvPicPr>
-        <p:blipFill>
-          <a:blip r:embed="rId2"/>
-          <a:stretch>
-            <a:fillRect/>
-          </a:stretch>
-        </p:blipFill>
-        <p:spPr>
-          <a:xfrm>
-            <a:off x="1777011" y="2418730"/>
-            <a:ext cx="7954485" cy="4439270"/>
-          </a:xfrm>
-          <a:prstGeom prst="rect">
-            <a:avLst/>
-          </a:prstGeom>
-        </p:spPr>
-      </p:pic>
-      <p:sp>
-        <p:nvSpPr>
-          <p:cNvPr id="6" name="직사각형 5">
-            <a:extLst>
-              <a:ext uri="{FF2B5EF4-FFF2-40B4-BE49-F238E27FC236}">
-                <a16:creationId xmlns:a16="http://schemas.microsoft.com/office/drawing/2014/main" id="{D96CC236-CBD2-58F7-6E96-5C1E2168D214}"/>
-              </a:ext>
-            </a:extLst>
-          </p:cNvPr>
-          <p:cNvSpPr/>
-          <p:nvPr/>
-        </p:nvSpPr>
-        <p:spPr>
-          <a:xfrm>
-            <a:off x="434109" y="1372871"/>
-            <a:ext cx="11323782" cy="699654"/>
-          </a:xfrm>
-          <a:prstGeom prst="rect">
-            <a:avLst/>
-          </a:prstGeom>
-        </p:spPr>
-        <p:style>
-          <a:lnRef idx="2">
-            <a:schemeClr val="accent1">
-              <a:shade val="15000"/>
-            </a:schemeClr>
-          </a:lnRef>
-          <a:fillRef idx="1">
-            <a:schemeClr val="accent1"/>
-          </a:fillRef>
-          <a:effectRef idx="0">
-            <a:schemeClr val="accent1"/>
-          </a:effectRef>
-          <a:fontRef idx="minor">
-            <a:schemeClr val="lt1"/>
-          </a:fontRef>
-        </p:style>
-        <p:txBody>
-          <a:bodyPr rtlCol="0" anchor="ctr"/>
-          <a:lstStyle/>
-          <a:p>
-            <a:pPr algn="ctr"/>
-            <a:r>
-              <a:rPr lang="ko-KR" altLang="en-US" dirty="0"/>
-              <a:t>시프트 </a:t>
-            </a:r>
-            <a:r>
-              <a:rPr lang="en-US" altLang="ko-KR" dirty="0"/>
-              <a:t>+ </a:t>
-            </a:r>
-            <a:r>
-              <a:rPr lang="ko-KR" altLang="en-US" dirty="0"/>
-              <a:t>방향키 위 아래 왼쪽 오른쪽</a:t>
-            </a:r>
-          </a:p>
-        </p:txBody>
-      </p:sp>
-    </p:spTree>
-    <p:extLst>
-      <p:ext uri="{BB962C8B-B14F-4D97-AF65-F5344CB8AC3E}">
-        <p14:creationId xmlns:p14="http://schemas.microsoft.com/office/powerpoint/2010/main" val="2783297044"/>
-      </p:ext>
-    </p:extLst>
-  </p:cSld>
-  <p:clrMapOvr>
-    <a:masterClrMapping/>
-  </p:clrMapOvr>
-</p:sld>
-</file>
-
-<file path=ppt/slides/slide4.xml><?xml version="1.0" encoding="utf-8"?>
-<p:sld xmlns:a="http://schemas.openxmlformats.org/drawingml/2006/main" xmlns:r="http://schemas.openxmlformats.org/officeDocument/2006/relationships" xmlns:p="http://schemas.openxmlformats.org/presentationml/2006/main">
-  <p:cSld>
-    <p:spTree>
-      <p:nvGrpSpPr>
-        <p:cNvPr id="1" name=""/>
-        <p:cNvGrpSpPr/>
-        <p:nvPr/>
-      </p:nvGrpSpPr>
-      <p:grpSpPr>
-        <a:xfrm>
-          <a:off x="0" y="0"/>
-          <a:ext cx="0" cy="0"/>
-          <a:chOff x="0" y="0"/>
-          <a:chExt cx="0" cy="0"/>
-        </a:xfrm>
-      </p:grpSpPr>
-      <p:sp>
-        <p:nvSpPr>
-          <p:cNvPr id="2" name="직사각형 1">
-            <a:extLst>
-              <a:ext uri="{FF2B5EF4-FFF2-40B4-BE49-F238E27FC236}">
-                <a16:creationId xmlns:a16="http://schemas.microsoft.com/office/drawing/2014/main" id="{3139707C-C258-116B-1FC7-1EA17D56B0BE}"/>
-              </a:ext>
-            </a:extLst>
-          </p:cNvPr>
-          <p:cNvSpPr/>
-          <p:nvPr/>
-        </p:nvSpPr>
-        <p:spPr>
-          <a:xfrm>
-            <a:off x="434109" y="528782"/>
-            <a:ext cx="11323782" cy="699654"/>
-          </a:xfrm>
-          <a:prstGeom prst="rect">
-            <a:avLst/>
-          </a:prstGeom>
-        </p:spPr>
-        <p:style>
-          <a:lnRef idx="2">
-            <a:schemeClr val="accent1">
-              <a:shade val="15000"/>
-            </a:schemeClr>
-          </a:lnRef>
-          <a:fillRef idx="1">
-            <a:schemeClr val="accent1"/>
-          </a:fillRef>
-          <a:effectRef idx="0">
-            <a:schemeClr val="accent1"/>
-          </a:effectRef>
-          <a:fontRef idx="minor">
-            <a:schemeClr val="lt1"/>
-          </a:fontRef>
-        </p:style>
-        <p:txBody>
-          <a:bodyPr rtlCol="0" anchor="ctr"/>
-          <a:lstStyle/>
-          <a:p>
-            <a:pPr algn="ctr"/>
-            <a:r>
-              <a:rPr lang="ko-KR" altLang="en-US" dirty="0" err="1"/>
-              <a:t>한줄의</a:t>
-            </a:r>
-            <a:r>
-              <a:rPr lang="ko-KR" altLang="en-US" dirty="0"/>
-              <a:t> 끝으로 바로 가기</a:t>
-            </a:r>
-          </a:p>
-        </p:txBody>
-      </p:sp>
-      <p:sp>
-        <p:nvSpPr>
-          <p:cNvPr id="6" name="직사각형 5">
-            <a:extLst>
-              <a:ext uri="{FF2B5EF4-FFF2-40B4-BE49-F238E27FC236}">
-                <a16:creationId xmlns:a16="http://schemas.microsoft.com/office/drawing/2014/main" id="{D96CC236-CBD2-58F7-6E96-5C1E2168D214}"/>
-              </a:ext>
-            </a:extLst>
-          </p:cNvPr>
-          <p:cNvSpPr/>
-          <p:nvPr/>
-        </p:nvSpPr>
-        <p:spPr>
-          <a:xfrm>
-            <a:off x="434109" y="1372871"/>
-            <a:ext cx="11323782" cy="699654"/>
-          </a:xfrm>
-          <a:prstGeom prst="rect">
-            <a:avLst/>
-          </a:prstGeom>
-        </p:spPr>
-        <p:style>
-          <a:lnRef idx="2">
-            <a:schemeClr val="accent1">
-              <a:shade val="15000"/>
-            </a:schemeClr>
-          </a:lnRef>
-          <a:fillRef idx="1">
-            <a:schemeClr val="accent1"/>
-          </a:fillRef>
-          <a:effectRef idx="0">
-            <a:schemeClr val="accent1"/>
-          </a:effectRef>
-          <a:fontRef idx="minor">
-            <a:schemeClr val="lt1"/>
-          </a:fontRef>
-        </p:style>
-        <p:txBody>
-          <a:bodyPr rtlCol="0" anchor="ctr"/>
-          <a:lstStyle/>
-          <a:p>
-            <a:pPr algn="ctr"/>
-            <a:r>
-              <a:rPr lang="en-US" altLang="ko-KR" dirty="0"/>
-              <a:t>End</a:t>
-            </a:r>
-            <a:endParaRPr lang="ko-KR" altLang="en-US" dirty="0"/>
-          </a:p>
-        </p:txBody>
-      </p:sp>
-      <p:sp>
-        <p:nvSpPr>
-          <p:cNvPr id="3" name="직사각형 2">
-            <a:extLst>
-              <a:ext uri="{FF2B5EF4-FFF2-40B4-BE49-F238E27FC236}">
-                <a16:creationId xmlns:a16="http://schemas.microsoft.com/office/drawing/2014/main" id="{0439CBCA-44E7-1624-A20E-592651603701}"/>
-              </a:ext>
-            </a:extLst>
-          </p:cNvPr>
-          <p:cNvSpPr/>
-          <p:nvPr/>
-        </p:nvSpPr>
-        <p:spPr>
-          <a:xfrm>
-            <a:off x="434109" y="2487931"/>
-            <a:ext cx="11323782" cy="699654"/>
-          </a:xfrm>
-          <a:prstGeom prst="rect">
-            <a:avLst/>
-          </a:prstGeom>
-        </p:spPr>
-        <p:style>
-          <a:lnRef idx="2">
-            <a:schemeClr val="accent1">
-              <a:shade val="15000"/>
-            </a:schemeClr>
-          </a:lnRef>
-          <a:fillRef idx="1">
-            <a:schemeClr val="accent1"/>
-          </a:fillRef>
-          <a:effectRef idx="0">
-            <a:schemeClr val="accent1"/>
-          </a:effectRef>
-          <a:fontRef idx="minor">
-            <a:schemeClr val="lt1"/>
-          </a:fontRef>
-        </p:style>
-        <p:txBody>
-          <a:bodyPr rtlCol="0" anchor="ctr"/>
-          <a:lstStyle/>
-          <a:p>
-            <a:pPr algn="ctr"/>
-            <a:r>
-              <a:rPr lang="ko-KR" altLang="en-US" dirty="0" err="1"/>
-              <a:t>한줄의</a:t>
-            </a:r>
-            <a:r>
-              <a:rPr lang="en-US" altLang="ko-KR" dirty="0"/>
-              <a:t> </a:t>
-            </a:r>
-            <a:r>
-              <a:rPr lang="ko-KR" altLang="en-US" dirty="0"/>
-              <a:t>가장 앞으로 가기</a:t>
-            </a:r>
-          </a:p>
-        </p:txBody>
-      </p:sp>
-      <p:sp>
-        <p:nvSpPr>
-          <p:cNvPr id="4" name="직사각형 3">
-            <a:extLst>
-              <a:ext uri="{FF2B5EF4-FFF2-40B4-BE49-F238E27FC236}">
-                <a16:creationId xmlns:a16="http://schemas.microsoft.com/office/drawing/2014/main" id="{DADC1E04-2714-0396-A2AF-1B6F2A75715F}"/>
-              </a:ext>
-            </a:extLst>
-          </p:cNvPr>
-          <p:cNvSpPr/>
-          <p:nvPr/>
-        </p:nvSpPr>
-        <p:spPr>
-          <a:xfrm>
-            <a:off x="434109" y="3332020"/>
-            <a:ext cx="11323782" cy="699654"/>
-          </a:xfrm>
-          <a:prstGeom prst="rect">
-            <a:avLst/>
-          </a:prstGeom>
-        </p:spPr>
-        <p:style>
-          <a:lnRef idx="2">
-            <a:schemeClr val="accent1">
-              <a:shade val="15000"/>
-            </a:schemeClr>
-          </a:lnRef>
-          <a:fillRef idx="1">
-            <a:schemeClr val="accent1"/>
-          </a:fillRef>
-          <a:effectRef idx="0">
-            <a:schemeClr val="accent1"/>
-          </a:effectRef>
-          <a:fontRef idx="minor">
-            <a:schemeClr val="lt1"/>
-          </a:fontRef>
-        </p:style>
-        <p:txBody>
-          <a:bodyPr rtlCol="0" anchor="ctr"/>
-          <a:lstStyle/>
-          <a:p>
-            <a:pPr algn="ctr"/>
-            <a:r>
-              <a:rPr lang="en-US" altLang="ko-KR" dirty="0"/>
-              <a:t>Home</a:t>
-            </a:r>
-            <a:endParaRPr lang="ko-KR" altLang="en-US" dirty="0"/>
-          </a:p>
-        </p:txBody>
-      </p:sp>
-      <p:sp>
-        <p:nvSpPr>
-          <p:cNvPr id="7" name="직사각형 6">
-            <a:extLst>
-              <a:ext uri="{FF2B5EF4-FFF2-40B4-BE49-F238E27FC236}">
-                <a16:creationId xmlns:a16="http://schemas.microsoft.com/office/drawing/2014/main" id="{4B1CC37A-BE49-3CE9-7CD7-AE443824CA4B}"/>
-              </a:ext>
-            </a:extLst>
-          </p:cNvPr>
-          <p:cNvSpPr/>
-          <p:nvPr/>
-        </p:nvSpPr>
-        <p:spPr>
-          <a:xfrm>
-            <a:off x="434109" y="4291213"/>
-            <a:ext cx="11323782" cy="699654"/>
-          </a:xfrm>
-          <a:prstGeom prst="rect">
-            <a:avLst/>
-          </a:prstGeom>
-        </p:spPr>
-        <p:style>
-          <a:lnRef idx="2">
-            <a:schemeClr val="accent1">
-              <a:shade val="15000"/>
-            </a:schemeClr>
-          </a:lnRef>
-          <a:fillRef idx="1">
-            <a:schemeClr val="accent1"/>
-          </a:fillRef>
-          <a:effectRef idx="0">
-            <a:schemeClr val="accent1"/>
-          </a:effectRef>
-          <a:fontRef idx="minor">
-            <a:schemeClr val="lt1"/>
-          </a:fontRef>
-        </p:style>
-        <p:txBody>
-          <a:bodyPr rtlCol="0" anchor="ctr"/>
-          <a:lstStyle/>
-          <a:p>
-            <a:pPr algn="ctr"/>
-            <a:r>
-              <a:rPr lang="ko-KR" altLang="en-US" dirty="0"/>
-              <a:t>한페이지 아래위로 이동하기</a:t>
-            </a:r>
-          </a:p>
-        </p:txBody>
-      </p:sp>
-      <p:sp>
-        <p:nvSpPr>
-          <p:cNvPr id="8" name="직사각형 7">
-            <a:extLst>
-              <a:ext uri="{FF2B5EF4-FFF2-40B4-BE49-F238E27FC236}">
-                <a16:creationId xmlns:a16="http://schemas.microsoft.com/office/drawing/2014/main" id="{EBAB0A4D-06D3-E087-A6F9-81FBD6FCE4D2}"/>
-              </a:ext>
-            </a:extLst>
-          </p:cNvPr>
-          <p:cNvSpPr/>
-          <p:nvPr/>
-        </p:nvSpPr>
-        <p:spPr>
-          <a:xfrm>
-            <a:off x="434109" y="5135302"/>
-            <a:ext cx="11323782" cy="699654"/>
-          </a:xfrm>
-          <a:prstGeom prst="rect">
-            <a:avLst/>
-          </a:prstGeom>
-        </p:spPr>
-        <p:style>
-          <a:lnRef idx="2">
-            <a:schemeClr val="accent1">
-              <a:shade val="15000"/>
-            </a:schemeClr>
-          </a:lnRef>
-          <a:fillRef idx="1">
-            <a:schemeClr val="accent1"/>
-          </a:fillRef>
-          <a:effectRef idx="0">
-            <a:schemeClr val="accent1"/>
-          </a:effectRef>
-          <a:fontRef idx="minor">
-            <a:schemeClr val="lt1"/>
-          </a:fontRef>
-        </p:style>
-        <p:txBody>
-          <a:bodyPr rtlCol="0" anchor="ctr"/>
-          <a:lstStyle/>
-          <a:p>
-            <a:pPr algn="ctr"/>
-            <a:r>
-              <a:rPr lang="en-US" altLang="ko-KR" dirty="0"/>
-              <a:t>Page Up Page Down</a:t>
-            </a:r>
-            <a:endParaRPr lang="ko-KR" altLang="en-US" dirty="0"/>
-          </a:p>
-        </p:txBody>
-      </p:sp>
-    </p:spTree>
-    <p:extLst>
-      <p:ext uri="{BB962C8B-B14F-4D97-AF65-F5344CB8AC3E}">
-        <p14:creationId xmlns:p14="http://schemas.microsoft.com/office/powerpoint/2010/main" val="939447541"/>
-      </p:ext>
-    </p:extLst>
-  </p:cSld>
-  <p:clrMapOvr>
-    <a:masterClrMapping/>
-  </p:clrMapOvr>
-</p:sld>
-</file>
-
-<file path=ppt/slides/slide5.xml><?xml version="1.0" encoding="utf-8"?>
-<p:sld xmlns:a="http://schemas.openxmlformats.org/drawingml/2006/main" xmlns:r="http://schemas.openxmlformats.org/officeDocument/2006/relationships" xmlns:p="http://schemas.openxmlformats.org/presentationml/2006/main">
-  <p:cSld>
-    <p:spTree>
-      <p:nvGrpSpPr>
-        <p:cNvPr id="1" name=""/>
-        <p:cNvGrpSpPr/>
-        <p:nvPr/>
-      </p:nvGrpSpPr>
-      <p:grpSpPr>
-        <a:xfrm>
-          <a:off x="0" y="0"/>
-          <a:ext cx="0" cy="0"/>
-          <a:chOff x="0" y="0"/>
-          <a:chExt cx="0" cy="0"/>
-        </a:xfrm>
-      </p:grpSpPr>
-      <p:sp>
-        <p:nvSpPr>
-          <p:cNvPr id="6" name="직사각형 5">
-            <a:extLst>
-              <a:ext uri="{FF2B5EF4-FFF2-40B4-BE49-F238E27FC236}">
-                <a16:creationId xmlns:a16="http://schemas.microsoft.com/office/drawing/2014/main" id="{73072FA9-A79C-D7C6-4398-8DC55E90AAE8}"/>
-              </a:ext>
-            </a:extLst>
-          </p:cNvPr>
-          <p:cNvSpPr/>
-          <p:nvPr/>
-        </p:nvSpPr>
-        <p:spPr>
-          <a:xfrm>
-            <a:off x="170429" y="301671"/>
-            <a:ext cx="2314864" cy="699654"/>
-          </a:xfrm>
-          <a:prstGeom prst="rect">
-            <a:avLst/>
-          </a:prstGeom>
-        </p:spPr>
-        <p:style>
-          <a:lnRef idx="2">
-            <a:schemeClr val="accent1">
-              <a:shade val="15000"/>
-            </a:schemeClr>
-          </a:lnRef>
-          <a:fillRef idx="1">
-            <a:schemeClr val="accent1"/>
-          </a:fillRef>
-          <a:effectRef idx="0">
-            <a:schemeClr val="accent1"/>
-          </a:effectRef>
-          <a:fontRef idx="minor">
-            <a:schemeClr val="lt1"/>
-          </a:fontRef>
-        </p:style>
-        <p:txBody>
-          <a:bodyPr rtlCol="0" anchor="ctr"/>
-          <a:lstStyle/>
-          <a:p>
-            <a:pPr algn="ctr"/>
-            <a:r>
-              <a:rPr lang="ko-KR" altLang="en-US" dirty="0"/>
-              <a:t>코드 위치 이동</a:t>
-            </a:r>
-            <a:endParaRPr lang="en-US" altLang="ko-KR" dirty="0"/>
-          </a:p>
-        </p:txBody>
-      </p:sp>
-      <p:sp>
-        <p:nvSpPr>
-          <p:cNvPr id="7" name="직사각형 6">
-            <a:extLst>
-              <a:ext uri="{FF2B5EF4-FFF2-40B4-BE49-F238E27FC236}">
-                <a16:creationId xmlns:a16="http://schemas.microsoft.com/office/drawing/2014/main" id="{F5E5B135-BF68-AEE4-F5F5-1CA77566A2A2}"/>
-              </a:ext>
-            </a:extLst>
-          </p:cNvPr>
-          <p:cNvSpPr/>
-          <p:nvPr/>
-        </p:nvSpPr>
-        <p:spPr>
-          <a:xfrm>
-            <a:off x="2678099" y="301671"/>
-            <a:ext cx="3913909" cy="699654"/>
-          </a:xfrm>
-          <a:prstGeom prst="rect">
-            <a:avLst/>
-          </a:prstGeom>
-        </p:spPr>
-        <p:style>
-          <a:lnRef idx="2">
-            <a:schemeClr val="accent1">
-              <a:shade val="15000"/>
-            </a:schemeClr>
-          </a:lnRef>
-          <a:fillRef idx="1">
-            <a:schemeClr val="accent1"/>
-          </a:fillRef>
-          <a:effectRef idx="0">
-            <a:schemeClr val="accent1"/>
-          </a:effectRef>
-          <a:fontRef idx="minor">
-            <a:schemeClr val="lt1"/>
-          </a:fontRef>
-        </p:style>
-        <p:txBody>
-          <a:bodyPr rtlCol="0" anchor="ctr"/>
-          <a:lstStyle/>
-          <a:p>
-            <a:pPr algn="ctr"/>
-            <a:r>
-              <a:rPr lang="ko-KR" altLang="en-US" dirty="0"/>
-              <a:t>범위 잡고 </a:t>
-            </a:r>
-            <a:r>
-              <a:rPr lang="en-US" altLang="ko-KR" dirty="0"/>
-              <a:t>alt + </a:t>
-            </a:r>
-            <a:r>
-              <a:rPr lang="ko-KR" altLang="en-US" dirty="0"/>
-              <a:t>방향키</a:t>
-            </a:r>
-            <a:endParaRPr lang="en-US" altLang="ko-KR" dirty="0"/>
-          </a:p>
-          <a:p>
-            <a:pPr algn="ctr"/>
-            <a:r>
-              <a:rPr lang="ko-KR" altLang="en-US" dirty="0"/>
-              <a:t>보통 위나 아래로 이동한다</a:t>
-            </a:r>
-            <a:r>
-              <a:rPr lang="en-US" altLang="ko-KR" dirty="0"/>
-              <a:t>.</a:t>
-            </a:r>
-            <a:endParaRPr lang="ko-KR" altLang="en-US" dirty="0"/>
-          </a:p>
-        </p:txBody>
-      </p:sp>
-      <p:pic>
-        <p:nvPicPr>
-          <p:cNvPr id="9" name="그림 8">
-            <a:extLst>
-              <a:ext uri="{FF2B5EF4-FFF2-40B4-BE49-F238E27FC236}">
-                <a16:creationId xmlns:a16="http://schemas.microsoft.com/office/drawing/2014/main" id="{C35D71B0-06AB-1FC3-FCB8-4E1816F9C8E1}"/>
-              </a:ext>
-            </a:extLst>
-          </p:cNvPr>
-          <p:cNvPicPr>
-            <a:picLocks noChangeAspect="1"/>
-          </p:cNvPicPr>
-          <p:nvPr/>
-        </p:nvPicPr>
-        <p:blipFill>
-          <a:blip r:embed="rId2"/>
-          <a:stretch>
-            <a:fillRect/>
-          </a:stretch>
-        </p:blipFill>
-        <p:spPr>
-          <a:xfrm>
-            <a:off x="560645" y="2738918"/>
-            <a:ext cx="4401164" cy="3467584"/>
-          </a:xfrm>
-          <a:prstGeom prst="rect">
-            <a:avLst/>
-          </a:prstGeom>
-        </p:spPr>
-      </p:pic>
-      <p:sp>
-        <p:nvSpPr>
-          <p:cNvPr id="10" name="직사각형 9">
-            <a:extLst>
-              <a:ext uri="{FF2B5EF4-FFF2-40B4-BE49-F238E27FC236}">
-                <a16:creationId xmlns:a16="http://schemas.microsoft.com/office/drawing/2014/main" id="{2280AE44-AF2D-7BE7-0AAF-38B32EEA4650}"/>
-              </a:ext>
-            </a:extLst>
-          </p:cNvPr>
-          <p:cNvSpPr/>
-          <p:nvPr/>
-        </p:nvSpPr>
-        <p:spPr>
-          <a:xfrm>
-            <a:off x="170429" y="1170467"/>
-            <a:ext cx="2314864" cy="699654"/>
-          </a:xfrm>
-          <a:prstGeom prst="rect">
-            <a:avLst/>
-          </a:prstGeom>
-        </p:spPr>
-        <p:style>
-          <a:lnRef idx="2">
-            <a:schemeClr val="accent1">
-              <a:shade val="15000"/>
-            </a:schemeClr>
-          </a:lnRef>
-          <a:fillRef idx="1">
-            <a:schemeClr val="accent1"/>
-          </a:fillRef>
-          <a:effectRef idx="0">
-            <a:schemeClr val="accent1"/>
-          </a:effectRef>
-          <a:fontRef idx="minor">
-            <a:schemeClr val="lt1"/>
-          </a:fontRef>
-        </p:style>
-        <p:txBody>
-          <a:bodyPr rtlCol="0" anchor="ctr"/>
-          <a:lstStyle/>
-          <a:p>
-            <a:pPr algn="ctr"/>
-            <a:r>
-              <a:rPr lang="ko-KR" altLang="en-US" dirty="0"/>
-              <a:t>행 범위 선택</a:t>
-            </a:r>
-            <a:endParaRPr lang="en-US" altLang="ko-KR" dirty="0"/>
-          </a:p>
-        </p:txBody>
-      </p:sp>
-      <p:sp>
-        <p:nvSpPr>
-          <p:cNvPr id="11" name="직사각형 10">
-            <a:extLst>
-              <a:ext uri="{FF2B5EF4-FFF2-40B4-BE49-F238E27FC236}">
-                <a16:creationId xmlns:a16="http://schemas.microsoft.com/office/drawing/2014/main" id="{78375A96-F974-5C38-969B-7F198F424F1B}"/>
-              </a:ext>
-            </a:extLst>
-          </p:cNvPr>
-          <p:cNvSpPr/>
-          <p:nvPr/>
-        </p:nvSpPr>
-        <p:spPr>
-          <a:xfrm>
-            <a:off x="2678099" y="1170467"/>
-            <a:ext cx="3913909" cy="699654"/>
-          </a:xfrm>
-          <a:prstGeom prst="rect">
-            <a:avLst/>
-          </a:prstGeom>
-        </p:spPr>
-        <p:style>
-          <a:lnRef idx="2">
-            <a:schemeClr val="accent1">
-              <a:shade val="15000"/>
-            </a:schemeClr>
-          </a:lnRef>
-          <a:fillRef idx="1">
-            <a:schemeClr val="accent1"/>
-          </a:fillRef>
-          <a:effectRef idx="0">
-            <a:schemeClr val="accent1"/>
-          </a:effectRef>
-          <a:fontRef idx="minor">
-            <a:schemeClr val="lt1"/>
-          </a:fontRef>
-        </p:style>
-        <p:txBody>
-          <a:bodyPr rtlCol="0" anchor="ctr"/>
-          <a:lstStyle/>
-          <a:p>
-            <a:pPr algn="ctr"/>
-            <a:r>
-              <a:rPr lang="en-US" altLang="ko-KR" dirty="0"/>
-              <a:t>Alt + </a:t>
-            </a:r>
-            <a:r>
-              <a:rPr lang="ko-KR" altLang="en-US" dirty="0"/>
-              <a:t>시프트 </a:t>
-            </a:r>
-            <a:r>
-              <a:rPr lang="en-US" altLang="ko-KR" dirty="0"/>
-              <a:t>+ </a:t>
-            </a:r>
-            <a:r>
-              <a:rPr lang="ko-KR" altLang="en-US" dirty="0" err="1"/>
-              <a:t>마우스드래그</a:t>
-            </a:r>
-            <a:endParaRPr lang="en-US" altLang="ko-KR" dirty="0"/>
-          </a:p>
-          <a:p>
-            <a:pPr algn="ctr"/>
-            <a:r>
-              <a:rPr lang="en-US" altLang="ko-KR" dirty="0"/>
-              <a:t>Alt + </a:t>
-            </a:r>
-            <a:r>
-              <a:rPr lang="ko-KR" altLang="en-US" dirty="0"/>
-              <a:t>시프트 </a:t>
-            </a:r>
-            <a:r>
-              <a:rPr lang="en-US" altLang="ko-KR" dirty="0"/>
-              <a:t>+ </a:t>
-            </a:r>
-            <a:r>
-              <a:rPr lang="ko-KR" altLang="en-US" dirty="0"/>
-              <a:t>방향키</a:t>
-            </a:r>
-          </a:p>
-        </p:txBody>
-      </p:sp>
-      <p:sp>
-        <p:nvSpPr>
-          <p:cNvPr id="12" name="직사각형 11">
-            <a:extLst>
-              <a:ext uri="{FF2B5EF4-FFF2-40B4-BE49-F238E27FC236}">
-                <a16:creationId xmlns:a16="http://schemas.microsoft.com/office/drawing/2014/main" id="{84783EEF-D902-B7A2-987D-6790D901CF77}"/>
-              </a:ext>
-            </a:extLst>
-          </p:cNvPr>
-          <p:cNvSpPr/>
-          <p:nvPr/>
-        </p:nvSpPr>
-        <p:spPr>
-          <a:xfrm>
-            <a:off x="6889883" y="279781"/>
-            <a:ext cx="2314864" cy="699654"/>
-          </a:xfrm>
-          <a:prstGeom prst="rect">
-            <a:avLst/>
-          </a:prstGeom>
-        </p:spPr>
-        <p:style>
-          <a:lnRef idx="2">
-            <a:schemeClr val="accent1">
-              <a:shade val="15000"/>
-            </a:schemeClr>
-          </a:lnRef>
-          <a:fillRef idx="1">
-            <a:schemeClr val="accent1"/>
-          </a:fillRef>
-          <a:effectRef idx="0">
-            <a:schemeClr val="accent1"/>
-          </a:effectRef>
-          <a:fontRef idx="minor">
-            <a:schemeClr val="lt1"/>
-          </a:fontRef>
-        </p:style>
-        <p:txBody>
-          <a:bodyPr rtlCol="0" anchor="ctr"/>
-          <a:lstStyle/>
-          <a:p>
-            <a:pPr algn="ctr"/>
-            <a:r>
-              <a:rPr lang="ko-KR" altLang="en-US" dirty="0"/>
-              <a:t>구문단위 이동</a:t>
-            </a:r>
-            <a:endParaRPr lang="en-US" altLang="ko-KR" dirty="0"/>
-          </a:p>
-        </p:txBody>
-      </p:sp>
-      <p:sp>
-        <p:nvSpPr>
-          <p:cNvPr id="13" name="직사각형 12">
-            <a:extLst>
-              <a:ext uri="{FF2B5EF4-FFF2-40B4-BE49-F238E27FC236}">
-                <a16:creationId xmlns:a16="http://schemas.microsoft.com/office/drawing/2014/main" id="{50D49181-F269-ADB5-FE90-E604E5D8A19F}"/>
-              </a:ext>
-            </a:extLst>
-          </p:cNvPr>
-          <p:cNvSpPr/>
-          <p:nvPr/>
-        </p:nvSpPr>
-        <p:spPr>
-          <a:xfrm>
-            <a:off x="9397553" y="279781"/>
-            <a:ext cx="3913909" cy="699654"/>
-          </a:xfrm>
-          <a:prstGeom prst="rect">
-            <a:avLst/>
-          </a:prstGeom>
-        </p:spPr>
-        <p:style>
-          <a:lnRef idx="2">
-            <a:schemeClr val="accent1">
-              <a:shade val="15000"/>
-            </a:schemeClr>
-          </a:lnRef>
-          <a:fillRef idx="1">
-            <a:schemeClr val="accent1"/>
-          </a:fillRef>
-          <a:effectRef idx="0">
-            <a:schemeClr val="accent1"/>
-          </a:effectRef>
-          <a:fontRef idx="minor">
-            <a:schemeClr val="lt1"/>
-          </a:fontRef>
-        </p:style>
-        <p:txBody>
-          <a:bodyPr rtlCol="0" anchor="ctr"/>
-          <a:lstStyle/>
-          <a:p>
-            <a:pPr algn="ctr"/>
-            <a:r>
-              <a:rPr lang="ko-KR" altLang="en-US" dirty="0"/>
-              <a:t>컨트롤 </a:t>
-            </a:r>
-            <a:r>
-              <a:rPr lang="en-US" altLang="ko-KR" dirty="0"/>
-              <a:t>+ </a:t>
-            </a:r>
-            <a:r>
-              <a:rPr lang="ko-KR" altLang="en-US"/>
-              <a:t>방향키</a:t>
-            </a:r>
-            <a:endParaRPr lang="ko-KR" altLang="en-US" dirty="0"/>
-          </a:p>
-        </p:txBody>
-      </p:sp>
-    </p:spTree>
-    <p:extLst>
-      <p:ext uri="{BB962C8B-B14F-4D97-AF65-F5344CB8AC3E}">
-        <p14:creationId xmlns:p14="http://schemas.microsoft.com/office/powerpoint/2010/main" val="2541269369"/>
-      </p:ext>
-    </p:extLst>
-  </p:cSld>
-  <p:clrMapOvr>
-    <a:masterClrMapping/>
-  </p:clrMapOvr>
-</p:sld>
-</file>
-
-<file path=ppt/slides/slide6.xml><?xml version="1.0" encoding="utf-8"?>
-<p:sld xmlns:a="http://schemas.openxmlformats.org/drawingml/2006/main" xmlns:r="http://schemas.openxmlformats.org/officeDocument/2006/relationships" xmlns:p="http://schemas.openxmlformats.org/presentationml/2006/main">
-  <p:cSld>
-    <p:spTree>
-      <p:nvGrpSpPr>
-        <p:cNvPr id="1" name=""/>
-        <p:cNvGrpSpPr/>
-        <p:nvPr/>
-      </p:nvGrpSpPr>
-      <p:grpSpPr>
-        <a:xfrm>
-          <a:off x="0" y="0"/>
-          <a:ext cx="0" cy="0"/>
-          <a:chOff x="0" y="0"/>
-          <a:chExt cx="0" cy="0"/>
-        </a:xfrm>
-      </p:grpSpPr>
-      <p:sp>
-        <p:nvSpPr>
-          <p:cNvPr id="3" name="직사각형 2">
-            <a:extLst>
-              <a:ext uri="{FF2B5EF4-FFF2-40B4-BE49-F238E27FC236}">
-                <a16:creationId xmlns:a16="http://schemas.microsoft.com/office/drawing/2014/main" id="{A5840210-0674-BA1E-A813-66127759208E}"/>
-              </a:ext>
-            </a:extLst>
-          </p:cNvPr>
-          <p:cNvSpPr/>
-          <p:nvPr/>
-        </p:nvSpPr>
-        <p:spPr>
-          <a:xfrm>
-            <a:off x="434109" y="556490"/>
-            <a:ext cx="11323782" cy="5908963"/>
-          </a:xfrm>
-          <a:prstGeom prst="rect">
-            <a:avLst/>
-          </a:prstGeom>
-        </p:spPr>
-        <p:style>
-          <a:lnRef idx="2">
-            <a:schemeClr val="accent1">
-              <a:shade val="15000"/>
-            </a:schemeClr>
-          </a:lnRef>
-          <a:fillRef idx="1">
-            <a:schemeClr val="accent1"/>
-          </a:fillRef>
-          <a:effectRef idx="0">
-            <a:schemeClr val="accent1"/>
-          </a:effectRef>
-          <a:fontRef idx="minor">
-            <a:schemeClr val="lt1"/>
-          </a:fontRef>
-        </p:style>
-        <p:txBody>
-          <a:bodyPr rtlCol="0" anchor="ctr"/>
-          <a:lstStyle/>
-          <a:p>
-            <a:pPr algn="ctr"/>
-            <a:r>
-              <a:rPr lang="ko-KR" altLang="en-US"/>
-              <a:t>파일관련</a:t>
-            </a:r>
-            <a:endParaRPr lang="ko-KR" altLang="en-US" dirty="0"/>
-          </a:p>
-        </p:txBody>
-      </p:sp>
-    </p:spTree>
-    <p:extLst>
-      <p:ext uri="{BB962C8B-B14F-4D97-AF65-F5344CB8AC3E}">
-        <p14:creationId xmlns:p14="http://schemas.microsoft.com/office/powerpoint/2010/main" val="543264706"/>
-      </p:ext>
-    </p:extLst>
-  </p:cSld>
-  <p:clrMapOvr>
-    <a:masterClrMapping/>
-  </p:clrMapOvr>
-</p:sld>
-</file>
-
-<file path=ppt/slides/slide7.xml><?xml version="1.0" encoding="utf-8"?>
-<p:sld xmlns:a="http://schemas.openxmlformats.org/drawingml/2006/main" xmlns:r="http://schemas.openxmlformats.org/officeDocument/2006/relationships" xmlns:p="http://schemas.openxmlformats.org/presentationml/2006/main">
-  <p:cSld>
-    <p:spTree>
-      <p:nvGrpSpPr>
-        <p:cNvPr id="1" name=""/>
-        <p:cNvGrpSpPr/>
-        <p:nvPr/>
-      </p:nvGrpSpPr>
-      <p:grpSpPr>
-        <a:xfrm>
-          <a:off x="0" y="0"/>
-          <a:ext cx="0" cy="0"/>
-          <a:chOff x="0" y="0"/>
-          <a:chExt cx="0" cy="0"/>
-        </a:xfrm>
-      </p:grpSpPr>
-      <p:sp>
-        <p:nvSpPr>
-          <p:cNvPr id="2" name="직사각형 1">
-            <a:extLst>
-              <a:ext uri="{FF2B5EF4-FFF2-40B4-BE49-F238E27FC236}">
-                <a16:creationId xmlns:a16="http://schemas.microsoft.com/office/drawing/2014/main" id="{41AE9207-08CC-7B4C-E9CA-FE91309CB5F0}"/>
-              </a:ext>
-            </a:extLst>
-          </p:cNvPr>
-          <p:cNvSpPr/>
-          <p:nvPr/>
-        </p:nvSpPr>
-        <p:spPr>
-          <a:xfrm>
-            <a:off x="434109" y="528782"/>
-            <a:ext cx="11323782" cy="699654"/>
-          </a:xfrm>
-          <a:prstGeom prst="rect">
-            <a:avLst/>
-          </a:prstGeom>
-        </p:spPr>
-        <p:style>
-          <a:lnRef idx="2">
-            <a:schemeClr val="accent1">
-              <a:shade val="15000"/>
-            </a:schemeClr>
-          </a:lnRef>
-          <a:fillRef idx="1">
-            <a:schemeClr val="accent1"/>
-          </a:fillRef>
-          <a:effectRef idx="0">
-            <a:schemeClr val="accent1"/>
-          </a:effectRef>
-          <a:fontRef idx="minor">
-            <a:schemeClr val="lt1"/>
-          </a:fontRef>
-        </p:style>
-        <p:txBody>
-          <a:bodyPr rtlCol="0" anchor="ctr"/>
-          <a:lstStyle/>
-          <a:p>
-            <a:pPr algn="ctr"/>
-            <a:r>
-              <a:rPr lang="en-US" altLang="ko-KR" dirty="0"/>
-              <a:t>#include </a:t>
-            </a:r>
-            <a:r>
-              <a:rPr lang="ko-KR" altLang="en-US" dirty="0"/>
-              <a:t>파일을 열기</a:t>
-            </a:r>
-          </a:p>
-        </p:txBody>
-      </p:sp>
-      <p:sp>
-        <p:nvSpPr>
-          <p:cNvPr id="3" name="직사각형 2">
-            <a:extLst>
-              <a:ext uri="{FF2B5EF4-FFF2-40B4-BE49-F238E27FC236}">
-                <a16:creationId xmlns:a16="http://schemas.microsoft.com/office/drawing/2014/main" id="{0896559C-009B-D4B4-E508-A88915C734C9}"/>
-              </a:ext>
-            </a:extLst>
-          </p:cNvPr>
-          <p:cNvSpPr/>
-          <p:nvPr/>
-        </p:nvSpPr>
-        <p:spPr>
-          <a:xfrm>
-            <a:off x="434109" y="1438564"/>
-            <a:ext cx="11323782" cy="699654"/>
-          </a:xfrm>
-          <a:prstGeom prst="rect">
-            <a:avLst/>
-          </a:prstGeom>
-        </p:spPr>
-        <p:style>
-          <a:lnRef idx="2">
-            <a:schemeClr val="accent1">
-              <a:shade val="15000"/>
-            </a:schemeClr>
-          </a:lnRef>
-          <a:fillRef idx="1">
-            <a:schemeClr val="accent1"/>
-          </a:fillRef>
-          <a:effectRef idx="0">
-            <a:schemeClr val="accent1"/>
-          </a:effectRef>
-          <a:fontRef idx="minor">
-            <a:schemeClr val="lt1"/>
-          </a:fontRef>
-        </p:style>
-        <p:txBody>
-          <a:bodyPr rtlCol="0" anchor="ctr"/>
-          <a:lstStyle/>
-          <a:p>
-            <a:pPr algn="ctr"/>
-            <a:r>
-              <a:rPr lang="ko-KR" altLang="en-US" dirty="0"/>
-              <a:t>컨트롤 </a:t>
-            </a:r>
-            <a:r>
-              <a:rPr lang="en-US" altLang="ko-KR" dirty="0"/>
-              <a:t>+ </a:t>
-            </a:r>
-            <a:r>
-              <a:rPr lang="ko-KR" altLang="en-US" dirty="0"/>
-              <a:t>시프트 </a:t>
-            </a:r>
-            <a:r>
-              <a:rPr lang="en-US" altLang="ko-KR" dirty="0"/>
-              <a:t>+ G</a:t>
-            </a:r>
-            <a:endParaRPr lang="ko-KR" altLang="en-US" dirty="0"/>
-          </a:p>
-        </p:txBody>
-      </p:sp>
-      <p:sp>
-        <p:nvSpPr>
-          <p:cNvPr id="4" name="직사각형 3">
-            <a:extLst>
-              <a:ext uri="{FF2B5EF4-FFF2-40B4-BE49-F238E27FC236}">
-                <a16:creationId xmlns:a16="http://schemas.microsoft.com/office/drawing/2014/main" id="{3721E046-6A63-4B9B-4A4D-C33FF03906C4}"/>
-              </a:ext>
-            </a:extLst>
-          </p:cNvPr>
-          <p:cNvSpPr/>
-          <p:nvPr/>
-        </p:nvSpPr>
-        <p:spPr>
-          <a:xfrm>
-            <a:off x="434109" y="2348346"/>
-            <a:ext cx="11323782" cy="699654"/>
-          </a:xfrm>
-          <a:prstGeom prst="rect">
-            <a:avLst/>
-          </a:prstGeom>
-        </p:spPr>
-        <p:style>
-          <a:lnRef idx="2">
-            <a:schemeClr val="accent1">
-              <a:shade val="15000"/>
-            </a:schemeClr>
-          </a:lnRef>
-          <a:fillRef idx="1">
-            <a:schemeClr val="accent1"/>
-          </a:fillRef>
-          <a:effectRef idx="0">
-            <a:schemeClr val="accent1"/>
-          </a:effectRef>
-          <a:fontRef idx="minor">
-            <a:schemeClr val="lt1"/>
-          </a:fontRef>
-        </p:style>
-        <p:txBody>
-          <a:bodyPr rtlCol="0" anchor="ctr"/>
-          <a:lstStyle/>
-          <a:p>
-            <a:pPr algn="ctr"/>
-            <a:r>
-              <a:rPr lang="ko-KR" altLang="en-US" dirty="0"/>
-              <a:t>한파일의 코드 전체선택</a:t>
-            </a:r>
-          </a:p>
-        </p:txBody>
-      </p:sp>
-      <p:sp>
-        <p:nvSpPr>
-          <p:cNvPr id="5" name="직사각형 4">
-            <a:extLst>
-              <a:ext uri="{FF2B5EF4-FFF2-40B4-BE49-F238E27FC236}">
-                <a16:creationId xmlns:a16="http://schemas.microsoft.com/office/drawing/2014/main" id="{F8447077-EE64-B455-01B2-714B8557369E}"/>
-              </a:ext>
-            </a:extLst>
-          </p:cNvPr>
-          <p:cNvSpPr/>
-          <p:nvPr/>
-        </p:nvSpPr>
-        <p:spPr>
-          <a:xfrm>
-            <a:off x="434109" y="3258128"/>
-            <a:ext cx="11323782" cy="699654"/>
-          </a:xfrm>
-          <a:prstGeom prst="rect">
-            <a:avLst/>
-          </a:prstGeom>
-        </p:spPr>
-        <p:style>
-          <a:lnRef idx="2">
-            <a:schemeClr val="accent1">
-              <a:shade val="15000"/>
-            </a:schemeClr>
-          </a:lnRef>
-          <a:fillRef idx="1">
-            <a:schemeClr val="accent1"/>
-          </a:fillRef>
-          <a:effectRef idx="0">
-            <a:schemeClr val="accent1"/>
-          </a:effectRef>
-          <a:fontRef idx="minor">
-            <a:schemeClr val="lt1"/>
-          </a:fontRef>
-        </p:style>
-        <p:txBody>
-          <a:bodyPr rtlCol="0" anchor="ctr"/>
-          <a:lstStyle/>
-          <a:p>
-            <a:pPr algn="ctr"/>
-            <a:r>
-              <a:rPr lang="ko-KR" altLang="en-US" dirty="0"/>
-              <a:t>시프트 </a:t>
-            </a:r>
-            <a:r>
-              <a:rPr lang="en-US" altLang="ko-KR" dirty="0"/>
-              <a:t>+ A</a:t>
-            </a:r>
-            <a:endParaRPr lang="ko-KR" altLang="en-US" dirty="0"/>
-          </a:p>
-        </p:txBody>
-      </p:sp>
-    </p:spTree>
-    <p:extLst>
-      <p:ext uri="{BB962C8B-B14F-4D97-AF65-F5344CB8AC3E}">
-        <p14:creationId xmlns:p14="http://schemas.microsoft.com/office/powerpoint/2010/main" val="2058413992"/>
-      </p:ext>
-    </p:extLst>
-  </p:cSld>
-  <p:clrMapOvr>
-    <a:masterClrMapping/>
-  </p:clrMapOvr>
-</p:sld>
-</file>
-
-<file path=ppt/slides/slide8.xml><?xml version="1.0" encoding="utf-8"?>
-<p:sld xmlns:a="http://schemas.openxmlformats.org/drawingml/2006/main" xmlns:r="http://schemas.openxmlformats.org/officeDocument/2006/relationships" xmlns:p="http://schemas.openxmlformats.org/presentationml/2006/main">
-  <p:cSld>
-    <p:spTree>
-      <p:nvGrpSpPr>
-        <p:cNvPr id="1" name=""/>
-        <p:cNvGrpSpPr/>
-        <p:nvPr/>
-      </p:nvGrpSpPr>
-      <p:grpSpPr>
-        <a:xfrm>
-          <a:off x="0" y="0"/>
-          <a:ext cx="0" cy="0"/>
-          <a:chOff x="0" y="0"/>
-          <a:chExt cx="0" cy="0"/>
-        </a:xfrm>
-      </p:grpSpPr>
-      <p:sp>
-        <p:nvSpPr>
-          <p:cNvPr id="3" name="직사각형 2">
-            <a:extLst>
-              <a:ext uri="{FF2B5EF4-FFF2-40B4-BE49-F238E27FC236}">
-                <a16:creationId xmlns:a16="http://schemas.microsoft.com/office/drawing/2014/main" id="{A5840210-0674-BA1E-A813-66127759208E}"/>
-              </a:ext>
-            </a:extLst>
-          </p:cNvPr>
-          <p:cNvSpPr/>
-          <p:nvPr/>
-        </p:nvSpPr>
-        <p:spPr>
-          <a:xfrm>
-            <a:off x="434109" y="556490"/>
-            <a:ext cx="11323782" cy="5908963"/>
-          </a:xfrm>
-          <a:prstGeom prst="rect">
-            <a:avLst/>
-          </a:prstGeom>
-        </p:spPr>
-        <p:style>
-          <a:lnRef idx="2">
-            <a:schemeClr val="accent1">
-              <a:shade val="15000"/>
-            </a:schemeClr>
-          </a:lnRef>
-          <a:fillRef idx="1">
-            <a:schemeClr val="accent1"/>
-          </a:fillRef>
-          <a:effectRef idx="0">
-            <a:schemeClr val="accent1"/>
-          </a:effectRef>
-          <a:fontRef idx="minor">
-            <a:schemeClr val="lt1"/>
-          </a:fontRef>
-        </p:style>
-        <p:txBody>
-          <a:bodyPr rtlCol="0" anchor="ctr"/>
-          <a:lstStyle/>
-          <a:p>
-            <a:pPr algn="ctr"/>
-            <a:r>
-              <a:rPr lang="ko-KR" altLang="en-US"/>
-              <a:t>디버깅</a:t>
-            </a:r>
-            <a:endParaRPr lang="ko-KR" altLang="en-US" dirty="0"/>
-          </a:p>
-        </p:txBody>
-      </p:sp>
-    </p:spTree>
-    <p:extLst>
-      <p:ext uri="{BB962C8B-B14F-4D97-AF65-F5344CB8AC3E}">
-        <p14:creationId xmlns:p14="http://schemas.microsoft.com/office/powerpoint/2010/main" val="3967221169"/>
-      </p:ext>
-    </p:extLst>
-  </p:cSld>
-  <p:clrMapOvr>
-    <a:masterClrMapping/>
-  </p:clrMapOvr>
-</p:sld>
-</file>
-
-<file path=ppt/slides/slide9.xml><?xml version="1.0" encoding="utf-8"?>
-<p:sld xmlns:a="http://schemas.openxmlformats.org/drawingml/2006/main" xmlns:r="http://schemas.openxmlformats.org/officeDocument/2006/relationships" xmlns:p="http://schemas.openxmlformats.org/presentationml/2006/main">
-  <p:cSld>
-    <p:spTree>
-      <p:nvGrpSpPr>
-        <p:cNvPr id="1" name=""/>
-        <p:cNvGrpSpPr/>
-        <p:nvPr/>
-      </p:nvGrpSpPr>
-      <p:grpSpPr>
-        <a:xfrm>
-          <a:off x="0" y="0"/>
-          <a:ext cx="0" cy="0"/>
-          <a:chOff x="0" y="0"/>
-          <a:chExt cx="0" cy="0"/>
-        </a:xfrm>
-      </p:grpSpPr>
-      <p:sp>
-        <p:nvSpPr>
           <p:cNvPr id="2" name="직사각형 1">
             <a:extLst>
               <a:ext uri="{FF2B5EF4-FFF2-40B4-BE49-F238E27FC236}">
@@ -7050,6 +4319,2982 @@
     <p:extLst>
       <p:ext uri="{BB962C8B-B14F-4D97-AF65-F5344CB8AC3E}">
         <p14:creationId xmlns:p14="http://schemas.microsoft.com/office/powerpoint/2010/main" val="1411660491"/>
+      </p:ext>
+    </p:extLst>
+  </p:cSld>
+  <p:clrMapOvr>
+    <a:masterClrMapping/>
+  </p:clrMapOvr>
+</p:sld>
+</file>
+
+<file path=ppt/slides/slide11.xml><?xml version="1.0" encoding="utf-8"?>
+<p:sld xmlns:a="http://schemas.openxmlformats.org/drawingml/2006/main" xmlns:r="http://schemas.openxmlformats.org/officeDocument/2006/relationships" xmlns:p="http://schemas.openxmlformats.org/presentationml/2006/main">
+  <p:cSld>
+    <p:spTree>
+      <p:nvGrpSpPr>
+        <p:cNvPr id="1" name=""/>
+        <p:cNvGrpSpPr/>
+        <p:nvPr/>
+      </p:nvGrpSpPr>
+      <p:grpSpPr>
+        <a:xfrm>
+          <a:off x="0" y="0"/>
+          <a:ext cx="0" cy="0"/>
+          <a:chOff x="0" y="0"/>
+          <a:chExt cx="0" cy="0"/>
+        </a:xfrm>
+      </p:grpSpPr>
+      <p:sp>
+        <p:nvSpPr>
+          <p:cNvPr id="4" name="직사각형 3">
+            <a:extLst>
+              <a:ext uri="{FF2B5EF4-FFF2-40B4-BE49-F238E27FC236}">
+                <a16:creationId xmlns:a16="http://schemas.microsoft.com/office/drawing/2014/main" id="{BF543E7D-B64F-96E1-71EC-DD4B0AC09943}"/>
+              </a:ext>
+            </a:extLst>
+          </p:cNvPr>
+          <p:cNvSpPr/>
+          <p:nvPr/>
+        </p:nvSpPr>
+        <p:spPr>
+          <a:xfrm>
+            <a:off x="179666" y="619992"/>
+            <a:ext cx="2314864" cy="699654"/>
+          </a:xfrm>
+          <a:prstGeom prst="rect">
+            <a:avLst/>
+          </a:prstGeom>
+        </p:spPr>
+        <p:style>
+          <a:lnRef idx="2">
+            <a:schemeClr val="accent1">
+              <a:shade val="15000"/>
+            </a:schemeClr>
+          </a:lnRef>
+          <a:fillRef idx="1">
+            <a:schemeClr val="accent1"/>
+          </a:fillRef>
+          <a:effectRef idx="0">
+            <a:schemeClr val="accent1"/>
+          </a:effectRef>
+          <a:fontRef idx="minor">
+            <a:schemeClr val="lt1"/>
+          </a:fontRef>
+        </p:style>
+        <p:txBody>
+          <a:bodyPr rtlCol="0" anchor="ctr"/>
+          <a:lstStyle/>
+          <a:p>
+            <a:pPr algn="ctr"/>
+            <a:r>
+              <a:rPr lang="ko-KR" altLang="en-US" dirty="0"/>
+              <a:t>컴파일 </a:t>
+            </a:r>
+            <a:r>
+              <a:rPr lang="ko-KR" altLang="en-US" dirty="0" err="1"/>
+              <a:t>에러시</a:t>
+            </a:r>
+            <a:endParaRPr lang="en-US" altLang="ko-KR" dirty="0"/>
+          </a:p>
+          <a:p>
+            <a:pPr algn="ctr"/>
+            <a:r>
+              <a:rPr lang="ko-KR" altLang="en-US" dirty="0"/>
+              <a:t>에러 위치로 이동</a:t>
+            </a:r>
+          </a:p>
+        </p:txBody>
+      </p:sp>
+      <p:sp>
+        <p:nvSpPr>
+          <p:cNvPr id="5" name="직사각형 4">
+            <a:extLst>
+              <a:ext uri="{FF2B5EF4-FFF2-40B4-BE49-F238E27FC236}">
+                <a16:creationId xmlns:a16="http://schemas.microsoft.com/office/drawing/2014/main" id="{44D6DBC5-8748-C6A7-2150-FED36194AA1A}"/>
+              </a:ext>
+            </a:extLst>
+          </p:cNvPr>
+          <p:cNvSpPr/>
+          <p:nvPr/>
+        </p:nvSpPr>
+        <p:spPr>
+          <a:xfrm>
+            <a:off x="2687338" y="619992"/>
+            <a:ext cx="3913909" cy="699654"/>
+          </a:xfrm>
+          <a:prstGeom prst="rect">
+            <a:avLst/>
+          </a:prstGeom>
+        </p:spPr>
+        <p:style>
+          <a:lnRef idx="2">
+            <a:schemeClr val="accent1">
+              <a:shade val="15000"/>
+            </a:schemeClr>
+          </a:lnRef>
+          <a:fillRef idx="1">
+            <a:schemeClr val="accent1"/>
+          </a:fillRef>
+          <a:effectRef idx="0">
+            <a:schemeClr val="accent1"/>
+          </a:effectRef>
+          <a:fontRef idx="minor">
+            <a:schemeClr val="lt1"/>
+          </a:fontRef>
+        </p:style>
+        <p:txBody>
+          <a:bodyPr rtlCol="0" anchor="ctr"/>
+          <a:lstStyle/>
+          <a:p>
+            <a:pPr algn="ctr"/>
+            <a:r>
+              <a:rPr lang="en-US" altLang="ko-KR" dirty="0"/>
+              <a:t>F8</a:t>
+            </a:r>
+            <a:endParaRPr lang="ko-KR" altLang="en-US" dirty="0"/>
+          </a:p>
+        </p:txBody>
+      </p:sp>
+    </p:spTree>
+    <p:extLst>
+      <p:ext uri="{BB962C8B-B14F-4D97-AF65-F5344CB8AC3E}">
+        <p14:creationId xmlns:p14="http://schemas.microsoft.com/office/powerpoint/2010/main" val="3295177245"/>
+      </p:ext>
+    </p:extLst>
+  </p:cSld>
+  <p:clrMapOvr>
+    <a:masterClrMapping/>
+  </p:clrMapOvr>
+</p:sld>
+</file>
+
+<file path=ppt/slides/slide12.xml><?xml version="1.0" encoding="utf-8"?>
+<p:sld xmlns:a="http://schemas.openxmlformats.org/drawingml/2006/main" xmlns:r="http://schemas.openxmlformats.org/officeDocument/2006/relationships" xmlns:p="http://schemas.openxmlformats.org/presentationml/2006/main">
+  <p:cSld>
+    <p:spTree>
+      <p:nvGrpSpPr>
+        <p:cNvPr id="1" name=""/>
+        <p:cNvGrpSpPr/>
+        <p:nvPr/>
+      </p:nvGrpSpPr>
+      <p:grpSpPr>
+        <a:xfrm>
+          <a:off x="0" y="0"/>
+          <a:ext cx="0" cy="0"/>
+          <a:chOff x="0" y="0"/>
+          <a:chExt cx="0" cy="0"/>
+        </a:xfrm>
+      </p:grpSpPr>
+      <p:sp>
+        <p:nvSpPr>
+          <p:cNvPr id="3" name="직사각형 2">
+            <a:extLst>
+              <a:ext uri="{FF2B5EF4-FFF2-40B4-BE49-F238E27FC236}">
+                <a16:creationId xmlns:a16="http://schemas.microsoft.com/office/drawing/2014/main" id="{A5840210-0674-BA1E-A813-66127759208E}"/>
+              </a:ext>
+            </a:extLst>
+          </p:cNvPr>
+          <p:cNvSpPr/>
+          <p:nvPr/>
+        </p:nvSpPr>
+        <p:spPr>
+          <a:xfrm>
+            <a:off x="434109" y="556490"/>
+            <a:ext cx="11323782" cy="5908963"/>
+          </a:xfrm>
+          <a:prstGeom prst="rect">
+            <a:avLst/>
+          </a:prstGeom>
+        </p:spPr>
+        <p:style>
+          <a:lnRef idx="2">
+            <a:schemeClr val="accent1">
+              <a:shade val="15000"/>
+            </a:schemeClr>
+          </a:lnRef>
+          <a:fillRef idx="1">
+            <a:schemeClr val="accent1"/>
+          </a:fillRef>
+          <a:effectRef idx="0">
+            <a:schemeClr val="accent1"/>
+          </a:effectRef>
+          <a:fontRef idx="minor">
+            <a:schemeClr val="lt1"/>
+          </a:fontRef>
+        </p:style>
+        <p:txBody>
+          <a:bodyPr rtlCol="0" anchor="ctr"/>
+          <a:lstStyle/>
+          <a:p>
+            <a:pPr algn="ctr"/>
+            <a:r>
+              <a:rPr lang="ko-KR" altLang="en-US"/>
+              <a:t>주석</a:t>
+            </a:r>
+            <a:endParaRPr lang="ko-KR" altLang="en-US" dirty="0"/>
+          </a:p>
+        </p:txBody>
+      </p:sp>
+    </p:spTree>
+    <p:extLst>
+      <p:ext uri="{BB962C8B-B14F-4D97-AF65-F5344CB8AC3E}">
+        <p14:creationId xmlns:p14="http://schemas.microsoft.com/office/powerpoint/2010/main" val="1634534451"/>
+      </p:ext>
+    </p:extLst>
+  </p:cSld>
+  <p:clrMapOvr>
+    <a:masterClrMapping/>
+  </p:clrMapOvr>
+</p:sld>
+</file>
+
+<file path=ppt/slides/slide13.xml><?xml version="1.0" encoding="utf-8"?>
+<p:sld xmlns:a="http://schemas.openxmlformats.org/drawingml/2006/main" xmlns:r="http://schemas.openxmlformats.org/officeDocument/2006/relationships" xmlns:p="http://schemas.openxmlformats.org/presentationml/2006/main">
+  <p:cSld>
+    <p:spTree>
+      <p:nvGrpSpPr>
+        <p:cNvPr id="1" name=""/>
+        <p:cNvGrpSpPr/>
+        <p:nvPr/>
+      </p:nvGrpSpPr>
+      <p:grpSpPr>
+        <a:xfrm>
+          <a:off x="0" y="0"/>
+          <a:ext cx="0" cy="0"/>
+          <a:chOff x="0" y="0"/>
+          <a:chExt cx="0" cy="0"/>
+        </a:xfrm>
+      </p:grpSpPr>
+      <p:pic>
+        <p:nvPicPr>
+          <p:cNvPr id="3" name="그림 2">
+            <a:extLst>
+              <a:ext uri="{FF2B5EF4-FFF2-40B4-BE49-F238E27FC236}">
+                <a16:creationId xmlns:a16="http://schemas.microsoft.com/office/drawing/2014/main" id="{DF073574-7B28-FEE2-C902-9E19A825D40F}"/>
+              </a:ext>
+            </a:extLst>
+          </p:cNvPr>
+          <p:cNvPicPr>
+            <a:picLocks noChangeAspect="1"/>
+          </p:cNvPicPr>
+          <p:nvPr/>
+        </p:nvPicPr>
+        <p:blipFill>
+          <a:blip r:embed="rId2"/>
+          <a:stretch>
+            <a:fillRect/>
+          </a:stretch>
+        </p:blipFill>
+        <p:spPr>
+          <a:xfrm>
+            <a:off x="780524" y="4135062"/>
+            <a:ext cx="5458587" cy="1247949"/>
+          </a:xfrm>
+          <a:prstGeom prst="rect">
+            <a:avLst/>
+          </a:prstGeom>
+        </p:spPr>
+      </p:pic>
+      <p:sp>
+        <p:nvSpPr>
+          <p:cNvPr id="2" name="직사각형 1">
+            <a:extLst>
+              <a:ext uri="{FF2B5EF4-FFF2-40B4-BE49-F238E27FC236}">
+                <a16:creationId xmlns:a16="http://schemas.microsoft.com/office/drawing/2014/main" id="{1C3525FB-3D1D-0C95-38E1-4EFC0E102AAF}"/>
+              </a:ext>
+            </a:extLst>
+          </p:cNvPr>
+          <p:cNvSpPr/>
+          <p:nvPr/>
+        </p:nvSpPr>
+        <p:spPr>
+          <a:xfrm>
+            <a:off x="618393" y="897083"/>
+            <a:ext cx="3913909" cy="699654"/>
+          </a:xfrm>
+          <a:prstGeom prst="rect">
+            <a:avLst/>
+          </a:prstGeom>
+        </p:spPr>
+        <p:style>
+          <a:lnRef idx="2">
+            <a:schemeClr val="accent1">
+              <a:shade val="15000"/>
+            </a:schemeClr>
+          </a:lnRef>
+          <a:fillRef idx="1">
+            <a:schemeClr val="accent1"/>
+          </a:fillRef>
+          <a:effectRef idx="0">
+            <a:schemeClr val="accent1"/>
+          </a:effectRef>
+          <a:fontRef idx="minor">
+            <a:schemeClr val="lt1"/>
+          </a:fontRef>
+        </p:style>
+        <p:txBody>
+          <a:bodyPr rtlCol="0" anchor="ctr"/>
+          <a:lstStyle/>
+          <a:p>
+            <a:pPr algn="ctr"/>
+            <a:r>
+              <a:rPr lang="ko-KR" altLang="en-US" dirty="0"/>
+              <a:t>주석 걸기</a:t>
+            </a:r>
+          </a:p>
+        </p:txBody>
+      </p:sp>
+      <p:sp>
+        <p:nvSpPr>
+          <p:cNvPr id="4" name="직사각형 3">
+            <a:extLst>
+              <a:ext uri="{FF2B5EF4-FFF2-40B4-BE49-F238E27FC236}">
+                <a16:creationId xmlns:a16="http://schemas.microsoft.com/office/drawing/2014/main" id="{2BF92A7F-E045-08A5-74B2-7E4838D69A4A}"/>
+              </a:ext>
+            </a:extLst>
+          </p:cNvPr>
+          <p:cNvSpPr/>
+          <p:nvPr/>
+        </p:nvSpPr>
+        <p:spPr>
+          <a:xfrm>
+            <a:off x="4797847" y="897083"/>
+            <a:ext cx="3913909" cy="699654"/>
+          </a:xfrm>
+          <a:prstGeom prst="rect">
+            <a:avLst/>
+          </a:prstGeom>
+        </p:spPr>
+        <p:style>
+          <a:lnRef idx="2">
+            <a:schemeClr val="accent1">
+              <a:shade val="15000"/>
+            </a:schemeClr>
+          </a:lnRef>
+          <a:fillRef idx="1">
+            <a:schemeClr val="accent1"/>
+          </a:fillRef>
+          <a:effectRef idx="0">
+            <a:schemeClr val="accent1"/>
+          </a:effectRef>
+          <a:fontRef idx="minor">
+            <a:schemeClr val="lt1"/>
+          </a:fontRef>
+        </p:style>
+        <p:txBody>
+          <a:bodyPr rtlCol="0" anchor="ctr"/>
+          <a:lstStyle/>
+          <a:p>
+            <a:pPr algn="ctr"/>
+            <a:r>
+              <a:rPr lang="ko-KR" altLang="en-US" dirty="0"/>
+              <a:t>컨트롤 </a:t>
+            </a:r>
+            <a:r>
+              <a:rPr lang="en-US" altLang="ko-KR" dirty="0"/>
+              <a:t>+ K + C</a:t>
+            </a:r>
+            <a:endParaRPr lang="ko-KR" altLang="en-US" dirty="0"/>
+          </a:p>
+        </p:txBody>
+      </p:sp>
+      <p:sp>
+        <p:nvSpPr>
+          <p:cNvPr id="5" name="직사각형 4">
+            <a:extLst>
+              <a:ext uri="{FF2B5EF4-FFF2-40B4-BE49-F238E27FC236}">
+                <a16:creationId xmlns:a16="http://schemas.microsoft.com/office/drawing/2014/main" id="{CF666F2A-6DBB-CE3F-1F7B-1E3DEAF474D2}"/>
+              </a:ext>
+            </a:extLst>
+          </p:cNvPr>
+          <p:cNvSpPr/>
+          <p:nvPr/>
+        </p:nvSpPr>
+        <p:spPr>
+          <a:xfrm>
+            <a:off x="618393" y="2023284"/>
+            <a:ext cx="3913909" cy="699654"/>
+          </a:xfrm>
+          <a:prstGeom prst="rect">
+            <a:avLst/>
+          </a:prstGeom>
+        </p:spPr>
+        <p:style>
+          <a:lnRef idx="2">
+            <a:schemeClr val="accent1">
+              <a:shade val="15000"/>
+            </a:schemeClr>
+          </a:lnRef>
+          <a:fillRef idx="1">
+            <a:schemeClr val="accent1"/>
+          </a:fillRef>
+          <a:effectRef idx="0">
+            <a:schemeClr val="accent1"/>
+          </a:effectRef>
+          <a:fontRef idx="minor">
+            <a:schemeClr val="lt1"/>
+          </a:fontRef>
+        </p:style>
+        <p:txBody>
+          <a:bodyPr rtlCol="0" anchor="ctr"/>
+          <a:lstStyle/>
+          <a:p>
+            <a:pPr algn="ctr"/>
+            <a:r>
+              <a:rPr lang="ko-KR" altLang="en-US" dirty="0"/>
+              <a:t>주석 풀기</a:t>
+            </a:r>
+          </a:p>
+        </p:txBody>
+      </p:sp>
+      <p:sp>
+        <p:nvSpPr>
+          <p:cNvPr id="6" name="직사각형 5">
+            <a:extLst>
+              <a:ext uri="{FF2B5EF4-FFF2-40B4-BE49-F238E27FC236}">
+                <a16:creationId xmlns:a16="http://schemas.microsoft.com/office/drawing/2014/main" id="{953CB6DC-C61C-9E9E-92E0-8AC323E2E857}"/>
+              </a:ext>
+            </a:extLst>
+          </p:cNvPr>
+          <p:cNvSpPr/>
+          <p:nvPr/>
+        </p:nvSpPr>
+        <p:spPr>
+          <a:xfrm>
+            <a:off x="4797847" y="2023284"/>
+            <a:ext cx="3913909" cy="699654"/>
+          </a:xfrm>
+          <a:prstGeom prst="rect">
+            <a:avLst/>
+          </a:prstGeom>
+        </p:spPr>
+        <p:style>
+          <a:lnRef idx="2">
+            <a:schemeClr val="accent1">
+              <a:shade val="15000"/>
+            </a:schemeClr>
+          </a:lnRef>
+          <a:fillRef idx="1">
+            <a:schemeClr val="accent1"/>
+          </a:fillRef>
+          <a:effectRef idx="0">
+            <a:schemeClr val="accent1"/>
+          </a:effectRef>
+          <a:fontRef idx="minor">
+            <a:schemeClr val="lt1"/>
+          </a:fontRef>
+        </p:style>
+        <p:txBody>
+          <a:bodyPr rtlCol="0" anchor="ctr"/>
+          <a:lstStyle/>
+          <a:p>
+            <a:pPr algn="ctr"/>
+            <a:r>
+              <a:rPr lang="ko-KR" altLang="en-US" dirty="0"/>
+              <a:t>컨트롤 </a:t>
+            </a:r>
+            <a:r>
+              <a:rPr lang="en-US" altLang="ko-KR" dirty="0"/>
+              <a:t>+ K + U</a:t>
+            </a:r>
+            <a:endParaRPr lang="ko-KR" altLang="en-US" dirty="0"/>
+          </a:p>
+        </p:txBody>
+      </p:sp>
+    </p:spTree>
+    <p:extLst>
+      <p:ext uri="{BB962C8B-B14F-4D97-AF65-F5344CB8AC3E}">
+        <p14:creationId xmlns:p14="http://schemas.microsoft.com/office/powerpoint/2010/main" val="1396673677"/>
+      </p:ext>
+    </p:extLst>
+  </p:cSld>
+  <p:clrMapOvr>
+    <a:masterClrMapping/>
+  </p:clrMapOvr>
+</p:sld>
+</file>
+
+<file path=ppt/slides/slide14.xml><?xml version="1.0" encoding="utf-8"?>
+<p:sld xmlns:a="http://schemas.openxmlformats.org/drawingml/2006/main" xmlns:r="http://schemas.openxmlformats.org/officeDocument/2006/relationships" xmlns:p="http://schemas.openxmlformats.org/presentationml/2006/main">
+  <p:cSld>
+    <p:spTree>
+      <p:nvGrpSpPr>
+        <p:cNvPr id="1" name=""/>
+        <p:cNvGrpSpPr/>
+        <p:nvPr/>
+      </p:nvGrpSpPr>
+      <p:grpSpPr>
+        <a:xfrm>
+          <a:off x="0" y="0"/>
+          <a:ext cx="0" cy="0"/>
+          <a:chOff x="0" y="0"/>
+          <a:chExt cx="0" cy="0"/>
+        </a:xfrm>
+      </p:grpSpPr>
+      <p:sp>
+        <p:nvSpPr>
+          <p:cNvPr id="3" name="직사각형 2">
+            <a:extLst>
+              <a:ext uri="{FF2B5EF4-FFF2-40B4-BE49-F238E27FC236}">
+                <a16:creationId xmlns:a16="http://schemas.microsoft.com/office/drawing/2014/main" id="{A5840210-0674-BA1E-A813-66127759208E}"/>
+              </a:ext>
+            </a:extLst>
+          </p:cNvPr>
+          <p:cNvSpPr/>
+          <p:nvPr/>
+        </p:nvSpPr>
+        <p:spPr>
+          <a:xfrm>
+            <a:off x="434109" y="556490"/>
+            <a:ext cx="11323782" cy="5908963"/>
+          </a:xfrm>
+          <a:prstGeom prst="rect">
+            <a:avLst/>
+          </a:prstGeom>
+        </p:spPr>
+        <p:style>
+          <a:lnRef idx="2">
+            <a:schemeClr val="accent1">
+              <a:shade val="15000"/>
+            </a:schemeClr>
+          </a:lnRef>
+          <a:fillRef idx="1">
+            <a:schemeClr val="accent1"/>
+          </a:fillRef>
+          <a:effectRef idx="0">
+            <a:schemeClr val="accent1"/>
+          </a:effectRef>
+          <a:fontRef idx="minor">
+            <a:schemeClr val="lt1"/>
+          </a:fontRef>
+        </p:style>
+        <p:txBody>
+          <a:bodyPr rtlCol="0" anchor="ctr"/>
+          <a:lstStyle/>
+          <a:p>
+            <a:pPr algn="ctr"/>
+            <a:r>
+              <a:rPr lang="ko-KR" altLang="en-US" dirty="0"/>
+              <a:t>비주얼 스튜디오 고정</a:t>
+            </a:r>
+          </a:p>
+        </p:txBody>
+      </p:sp>
+    </p:spTree>
+    <p:extLst>
+      <p:ext uri="{BB962C8B-B14F-4D97-AF65-F5344CB8AC3E}">
+        <p14:creationId xmlns:p14="http://schemas.microsoft.com/office/powerpoint/2010/main" val="2850336200"/>
+      </p:ext>
+    </p:extLst>
+  </p:cSld>
+  <p:clrMapOvr>
+    <a:masterClrMapping/>
+  </p:clrMapOvr>
+</p:sld>
+</file>
+
+<file path=ppt/slides/slide15.xml><?xml version="1.0" encoding="utf-8"?>
+<p:sld xmlns:a="http://schemas.openxmlformats.org/drawingml/2006/main" xmlns:r="http://schemas.openxmlformats.org/officeDocument/2006/relationships" xmlns:p="http://schemas.openxmlformats.org/presentationml/2006/main">
+  <p:cSld>
+    <p:spTree>
+      <p:nvGrpSpPr>
+        <p:cNvPr id="1" name=""/>
+        <p:cNvGrpSpPr/>
+        <p:nvPr/>
+      </p:nvGrpSpPr>
+      <p:grpSpPr>
+        <a:xfrm>
+          <a:off x="0" y="0"/>
+          <a:ext cx="0" cy="0"/>
+          <a:chOff x="0" y="0"/>
+          <a:chExt cx="0" cy="0"/>
+        </a:xfrm>
+      </p:grpSpPr>
+      <p:pic>
+        <p:nvPicPr>
+          <p:cNvPr id="3" name="그림 2">
+            <a:extLst>
+              <a:ext uri="{FF2B5EF4-FFF2-40B4-BE49-F238E27FC236}">
+                <a16:creationId xmlns:a16="http://schemas.microsoft.com/office/drawing/2014/main" id="{683E60B1-A73C-E4C2-7E24-7644A9A50019}"/>
+              </a:ext>
+            </a:extLst>
+          </p:cNvPr>
+          <p:cNvPicPr>
+            <a:picLocks noChangeAspect="1"/>
+          </p:cNvPicPr>
+          <p:nvPr/>
+        </p:nvPicPr>
+        <p:blipFill>
+          <a:blip r:embed="rId2"/>
+          <a:stretch>
+            <a:fillRect/>
+          </a:stretch>
+        </p:blipFill>
+        <p:spPr>
+          <a:xfrm>
+            <a:off x="505012" y="2180100"/>
+            <a:ext cx="3534268" cy="3077004"/>
+          </a:xfrm>
+          <a:prstGeom prst="rect">
+            <a:avLst/>
+          </a:prstGeom>
+        </p:spPr>
+      </p:pic>
+      <p:pic>
+        <p:nvPicPr>
+          <p:cNvPr id="5" name="그림 4">
+            <a:extLst>
+              <a:ext uri="{FF2B5EF4-FFF2-40B4-BE49-F238E27FC236}">
+                <a16:creationId xmlns:a16="http://schemas.microsoft.com/office/drawing/2014/main" id="{F52F91DB-075F-E36E-7F5B-CBF2592E3481}"/>
+              </a:ext>
+            </a:extLst>
+          </p:cNvPr>
+          <p:cNvPicPr>
+            <a:picLocks noChangeAspect="1"/>
+          </p:cNvPicPr>
+          <p:nvPr/>
+        </p:nvPicPr>
+        <p:blipFill>
+          <a:blip r:embed="rId3"/>
+          <a:stretch>
+            <a:fillRect/>
+          </a:stretch>
+        </p:blipFill>
+        <p:spPr>
+          <a:xfrm>
+            <a:off x="6316258" y="751150"/>
+            <a:ext cx="3734321" cy="4505954"/>
+          </a:xfrm>
+          <a:prstGeom prst="rect">
+            <a:avLst/>
+          </a:prstGeom>
+        </p:spPr>
+      </p:pic>
+      <mc:AlternateContent xmlns:mc="http://schemas.openxmlformats.org/markup-compatibility/2006" xmlns:p14="http://schemas.microsoft.com/office/powerpoint/2010/main">
+        <mc:Choice Requires="p14">
+          <p:contentPart p14:bwMode="auto" r:id="rId4">
+            <p14:nvContentPartPr>
+              <p14:cNvPr id="7" name="잉크 6">
+                <a:extLst>
+                  <a:ext uri="{FF2B5EF4-FFF2-40B4-BE49-F238E27FC236}">
+                    <a16:creationId xmlns:a16="http://schemas.microsoft.com/office/drawing/2014/main" id="{317F524E-6785-D7F2-24C6-AC65FB7B891C}"/>
+                  </a:ext>
+                </a:extLst>
+              </p14:cNvPr>
+              <p14:cNvContentPartPr/>
+              <p14:nvPr/>
+            </p14:nvContentPartPr>
+            <p14:xfrm>
+              <a:off x="8949527" y="2575989"/>
+              <a:ext cx="527400" cy="437760"/>
+            </p14:xfrm>
+          </p:contentPart>
+        </mc:Choice>
+        <mc:Fallback xmlns="">
+          <p:pic>
+            <p:nvPicPr>
+              <p:cNvPr id="7" name="잉크 6">
+                <a:extLst>
+                  <a:ext uri="{FF2B5EF4-FFF2-40B4-BE49-F238E27FC236}">
+                    <a16:creationId xmlns:a16="http://schemas.microsoft.com/office/drawing/2014/main" id="{317F524E-6785-D7F2-24C6-AC65FB7B891C}"/>
+                  </a:ext>
+                </a:extLst>
+              </p:cNvPr>
+              <p:cNvPicPr/>
+              <p:nvPr/>
+            </p:nvPicPr>
+            <p:blipFill>
+              <a:blip r:embed="rId5"/>
+              <a:stretch>
+                <a:fillRect/>
+              </a:stretch>
+            </p:blipFill>
+            <p:spPr>
+              <a:xfrm>
+                <a:off x="8943407" y="2569869"/>
+                <a:ext cx="539640" cy="450000"/>
+              </a:xfrm>
+              <a:prstGeom prst="rect">
+                <a:avLst/>
+              </a:prstGeom>
+            </p:spPr>
+          </p:pic>
+        </mc:Fallback>
+      </mc:AlternateContent>
+      <mc:AlternateContent xmlns:mc="http://schemas.openxmlformats.org/markup-compatibility/2006" xmlns:p14="http://schemas.microsoft.com/office/powerpoint/2010/main">
+        <mc:Choice Requires="p14">
+          <p:contentPart p14:bwMode="auto" r:id="rId6">
+            <p14:nvContentPartPr>
+              <p14:cNvPr id="8" name="잉크 7">
+                <a:extLst>
+                  <a:ext uri="{FF2B5EF4-FFF2-40B4-BE49-F238E27FC236}">
+                    <a16:creationId xmlns:a16="http://schemas.microsoft.com/office/drawing/2014/main" id="{A57E198E-D6DE-8824-9269-D3CF9F4F9A5B}"/>
+                  </a:ext>
+                </a:extLst>
+              </p14:cNvPr>
+              <p14:cNvContentPartPr/>
+              <p14:nvPr/>
+            </p14:nvContentPartPr>
+            <p14:xfrm>
+              <a:off x="6556967" y="1724949"/>
+              <a:ext cx="1054440" cy="428040"/>
+            </p14:xfrm>
+          </p:contentPart>
+        </mc:Choice>
+        <mc:Fallback xmlns="">
+          <p:pic>
+            <p:nvPicPr>
+              <p:cNvPr id="8" name="잉크 7">
+                <a:extLst>
+                  <a:ext uri="{FF2B5EF4-FFF2-40B4-BE49-F238E27FC236}">
+                    <a16:creationId xmlns:a16="http://schemas.microsoft.com/office/drawing/2014/main" id="{A57E198E-D6DE-8824-9269-D3CF9F4F9A5B}"/>
+                  </a:ext>
+                </a:extLst>
+              </p:cNvPr>
+              <p:cNvPicPr/>
+              <p:nvPr/>
+            </p:nvPicPr>
+            <p:blipFill>
+              <a:blip r:embed="rId7"/>
+              <a:stretch>
+                <a:fillRect/>
+              </a:stretch>
+            </p:blipFill>
+            <p:spPr>
+              <a:xfrm>
+                <a:off x="6550847" y="1718829"/>
+                <a:ext cx="1066680" cy="440280"/>
+              </a:xfrm>
+              <a:prstGeom prst="rect">
+                <a:avLst/>
+              </a:prstGeom>
+            </p:spPr>
+          </p:pic>
+        </mc:Fallback>
+      </mc:AlternateContent>
+      <p:sp>
+        <p:nvSpPr>
+          <p:cNvPr id="9" name="직사각형 8">
+            <a:extLst>
+              <a:ext uri="{FF2B5EF4-FFF2-40B4-BE49-F238E27FC236}">
+                <a16:creationId xmlns:a16="http://schemas.microsoft.com/office/drawing/2014/main" id="{9BC2A108-C793-00EC-DA58-B65666B583FA}"/>
+              </a:ext>
+            </a:extLst>
+          </p:cNvPr>
+          <p:cNvSpPr/>
+          <p:nvPr/>
+        </p:nvSpPr>
+        <p:spPr>
+          <a:xfrm>
+            <a:off x="184466" y="232064"/>
+            <a:ext cx="5264989" cy="1605971"/>
+          </a:xfrm>
+          <a:prstGeom prst="rect">
+            <a:avLst/>
+          </a:prstGeom>
+        </p:spPr>
+        <p:style>
+          <a:lnRef idx="2">
+            <a:schemeClr val="accent1">
+              <a:shade val="15000"/>
+            </a:schemeClr>
+          </a:lnRef>
+          <a:fillRef idx="1">
+            <a:schemeClr val="accent1"/>
+          </a:fillRef>
+          <a:effectRef idx="0">
+            <a:schemeClr val="accent1"/>
+          </a:effectRef>
+          <a:fontRef idx="minor">
+            <a:schemeClr val="lt1"/>
+          </a:fontRef>
+        </p:style>
+        <p:txBody>
+          <a:bodyPr rtlCol="0" anchor="ctr"/>
+          <a:lstStyle/>
+          <a:p>
+            <a:pPr algn="ctr"/>
+            <a:r>
+              <a:rPr lang="ko-KR" altLang="en-US" dirty="0"/>
+              <a:t>여러분들이 어떤 프로젝트를 열면</a:t>
+            </a:r>
+            <a:endParaRPr lang="en-US" altLang="ko-KR" dirty="0"/>
+          </a:p>
+          <a:p>
+            <a:pPr algn="ctr"/>
+            <a:r>
+              <a:rPr lang="ko-KR" altLang="en-US" dirty="0"/>
+              <a:t>실행중인 프로젝트는 별개로 아래쪽에 </a:t>
+            </a:r>
+            <a:endParaRPr lang="en-US" altLang="ko-KR" dirty="0"/>
+          </a:p>
+          <a:p>
+            <a:pPr algn="ctr"/>
+            <a:r>
+              <a:rPr lang="ko-KR" altLang="en-US" dirty="0"/>
+              <a:t>앱으로서 모습을 보인다 이때 이걸 고정시켜서</a:t>
+            </a:r>
+            <a:endParaRPr lang="en-US" altLang="ko-KR" dirty="0"/>
+          </a:p>
+          <a:p>
+            <a:pPr algn="ctr"/>
+            <a:r>
+              <a:rPr lang="ko-KR" altLang="en-US" dirty="0"/>
+              <a:t>그냥 한번 누르면 곧바로 열리게 </a:t>
+            </a:r>
+            <a:r>
+              <a:rPr lang="ko-KR" altLang="en-US" dirty="0" err="1"/>
+              <a:t>만들수</a:t>
+            </a:r>
+            <a:r>
+              <a:rPr lang="ko-KR" altLang="en-US" dirty="0"/>
+              <a:t> 있다</a:t>
+            </a:r>
+            <a:r>
+              <a:rPr lang="en-US" altLang="ko-KR"/>
+              <a:t>.</a:t>
+            </a:r>
+            <a:endParaRPr lang="ko-KR" altLang="en-US" dirty="0"/>
+          </a:p>
+        </p:txBody>
+      </p:sp>
+    </p:spTree>
+    <p:extLst>
+      <p:ext uri="{BB962C8B-B14F-4D97-AF65-F5344CB8AC3E}">
+        <p14:creationId xmlns:p14="http://schemas.microsoft.com/office/powerpoint/2010/main" val="4238543974"/>
+      </p:ext>
+    </p:extLst>
+  </p:cSld>
+  <p:clrMapOvr>
+    <a:masterClrMapping/>
+  </p:clrMapOvr>
+</p:sld>
+</file>
+
+<file path=ppt/slides/slide16.xml><?xml version="1.0" encoding="utf-8"?>
+<p:sld xmlns:a="http://schemas.openxmlformats.org/drawingml/2006/main" xmlns:r="http://schemas.openxmlformats.org/officeDocument/2006/relationships" xmlns:p="http://schemas.openxmlformats.org/presentationml/2006/main">
+  <p:cSld>
+    <p:spTree>
+      <p:nvGrpSpPr>
+        <p:cNvPr id="1" name=""/>
+        <p:cNvGrpSpPr/>
+        <p:nvPr/>
+      </p:nvGrpSpPr>
+      <p:grpSpPr>
+        <a:xfrm>
+          <a:off x="0" y="0"/>
+          <a:ext cx="0" cy="0"/>
+          <a:chOff x="0" y="0"/>
+          <a:chExt cx="0" cy="0"/>
+        </a:xfrm>
+      </p:grpSpPr>
+    </p:spTree>
+    <p:extLst>
+      <p:ext uri="{BB962C8B-B14F-4D97-AF65-F5344CB8AC3E}">
+        <p14:creationId xmlns:p14="http://schemas.microsoft.com/office/powerpoint/2010/main" val="3018759265"/>
+      </p:ext>
+    </p:extLst>
+  </p:cSld>
+  <p:clrMapOvr>
+    <a:masterClrMapping/>
+  </p:clrMapOvr>
+</p:sld>
+</file>
+
+<file path=ppt/slides/slide17.xml><?xml version="1.0" encoding="utf-8"?>
+<p:sld xmlns:a="http://schemas.openxmlformats.org/drawingml/2006/main" xmlns:r="http://schemas.openxmlformats.org/officeDocument/2006/relationships" xmlns:p="http://schemas.openxmlformats.org/presentationml/2006/main">
+  <p:cSld>
+    <p:spTree>
+      <p:nvGrpSpPr>
+        <p:cNvPr id="1" name=""/>
+        <p:cNvGrpSpPr/>
+        <p:nvPr/>
+      </p:nvGrpSpPr>
+      <p:grpSpPr>
+        <a:xfrm>
+          <a:off x="0" y="0"/>
+          <a:ext cx="0" cy="0"/>
+          <a:chOff x="0" y="0"/>
+          <a:chExt cx="0" cy="0"/>
+        </a:xfrm>
+      </p:grpSpPr>
+    </p:spTree>
+    <p:extLst>
+      <p:ext uri="{BB962C8B-B14F-4D97-AF65-F5344CB8AC3E}">
+        <p14:creationId xmlns:p14="http://schemas.microsoft.com/office/powerpoint/2010/main" val="405100744"/>
+      </p:ext>
+    </p:extLst>
+  </p:cSld>
+  <p:clrMapOvr>
+    <a:masterClrMapping/>
+  </p:clrMapOvr>
+</p:sld>
+</file>
+
+<file path=ppt/slides/slide18.xml><?xml version="1.0" encoding="utf-8"?>
+<p:sld xmlns:a="http://schemas.openxmlformats.org/drawingml/2006/main" xmlns:r="http://schemas.openxmlformats.org/officeDocument/2006/relationships" xmlns:p="http://schemas.openxmlformats.org/presentationml/2006/main">
+  <p:cSld>
+    <p:spTree>
+      <p:nvGrpSpPr>
+        <p:cNvPr id="1" name=""/>
+        <p:cNvGrpSpPr/>
+        <p:nvPr/>
+      </p:nvGrpSpPr>
+      <p:grpSpPr>
+        <a:xfrm>
+          <a:off x="0" y="0"/>
+          <a:ext cx="0" cy="0"/>
+          <a:chOff x="0" y="0"/>
+          <a:chExt cx="0" cy="0"/>
+        </a:xfrm>
+      </p:grpSpPr>
+    </p:spTree>
+    <p:extLst>
+      <p:ext uri="{BB962C8B-B14F-4D97-AF65-F5344CB8AC3E}">
+        <p14:creationId xmlns:p14="http://schemas.microsoft.com/office/powerpoint/2010/main" val="2481828864"/>
+      </p:ext>
+    </p:extLst>
+  </p:cSld>
+  <p:clrMapOvr>
+    <a:masterClrMapping/>
+  </p:clrMapOvr>
+</p:sld>
+</file>
+
+<file path=ppt/slides/slide19.xml><?xml version="1.0" encoding="utf-8"?>
+<p:sld xmlns:a="http://schemas.openxmlformats.org/drawingml/2006/main" xmlns:r="http://schemas.openxmlformats.org/officeDocument/2006/relationships" xmlns:p="http://schemas.openxmlformats.org/presentationml/2006/main">
+  <p:cSld>
+    <p:spTree>
+      <p:nvGrpSpPr>
+        <p:cNvPr id="1" name=""/>
+        <p:cNvGrpSpPr/>
+        <p:nvPr/>
+      </p:nvGrpSpPr>
+      <p:grpSpPr>
+        <a:xfrm>
+          <a:off x="0" y="0"/>
+          <a:ext cx="0" cy="0"/>
+          <a:chOff x="0" y="0"/>
+          <a:chExt cx="0" cy="0"/>
+        </a:xfrm>
+      </p:grpSpPr>
+    </p:spTree>
+    <p:extLst>
+      <p:ext uri="{BB962C8B-B14F-4D97-AF65-F5344CB8AC3E}">
+        <p14:creationId xmlns:p14="http://schemas.microsoft.com/office/powerpoint/2010/main" val="3750591054"/>
+      </p:ext>
+    </p:extLst>
+  </p:cSld>
+  <p:clrMapOvr>
+    <a:masterClrMapping/>
+  </p:clrMapOvr>
+</p:sld>
+</file>
+
+<file path=ppt/slides/slide2.xml><?xml version="1.0" encoding="utf-8"?>
+<p:sld xmlns:a="http://schemas.openxmlformats.org/drawingml/2006/main" xmlns:r="http://schemas.openxmlformats.org/officeDocument/2006/relationships" xmlns:p="http://schemas.openxmlformats.org/presentationml/2006/main">
+  <p:cSld>
+    <p:spTree>
+      <p:nvGrpSpPr>
+        <p:cNvPr id="1" name=""/>
+        <p:cNvGrpSpPr/>
+        <p:nvPr/>
+      </p:nvGrpSpPr>
+      <p:grpSpPr>
+        <a:xfrm>
+          <a:off x="0" y="0"/>
+          <a:ext cx="0" cy="0"/>
+          <a:chOff x="0" y="0"/>
+          <a:chExt cx="0" cy="0"/>
+        </a:xfrm>
+      </p:grpSpPr>
+      <p:sp>
+        <p:nvSpPr>
+          <p:cNvPr id="3" name="직사각형 2">
+            <a:extLst>
+              <a:ext uri="{FF2B5EF4-FFF2-40B4-BE49-F238E27FC236}">
+                <a16:creationId xmlns:a16="http://schemas.microsoft.com/office/drawing/2014/main" id="{A5840210-0674-BA1E-A813-66127759208E}"/>
+              </a:ext>
+            </a:extLst>
+          </p:cNvPr>
+          <p:cNvSpPr/>
+          <p:nvPr/>
+        </p:nvSpPr>
+        <p:spPr>
+          <a:xfrm>
+            <a:off x="434109" y="528782"/>
+            <a:ext cx="11323782" cy="699654"/>
+          </a:xfrm>
+          <a:prstGeom prst="rect">
+            <a:avLst/>
+          </a:prstGeom>
+        </p:spPr>
+        <p:style>
+          <a:lnRef idx="2">
+            <a:schemeClr val="accent1">
+              <a:shade val="15000"/>
+            </a:schemeClr>
+          </a:lnRef>
+          <a:fillRef idx="1">
+            <a:schemeClr val="accent1"/>
+          </a:fillRef>
+          <a:effectRef idx="0">
+            <a:schemeClr val="accent1"/>
+          </a:effectRef>
+          <a:fontRef idx="minor">
+            <a:schemeClr val="lt1"/>
+          </a:fontRef>
+        </p:style>
+        <p:txBody>
+          <a:bodyPr rtlCol="0" anchor="ctr"/>
+          <a:lstStyle/>
+          <a:p>
+            <a:pPr algn="ctr"/>
+            <a:r>
+              <a:rPr lang="ko-KR" altLang="en-US" dirty="0"/>
+              <a:t>자동완성</a:t>
+            </a:r>
+          </a:p>
+        </p:txBody>
+      </p:sp>
+      <p:sp>
+        <p:nvSpPr>
+          <p:cNvPr id="5" name="직사각형 4">
+            <a:extLst>
+              <a:ext uri="{FF2B5EF4-FFF2-40B4-BE49-F238E27FC236}">
+                <a16:creationId xmlns:a16="http://schemas.microsoft.com/office/drawing/2014/main" id="{F60C10CE-FF11-5C56-AA8E-A5E0D80CD8C4}"/>
+              </a:ext>
+            </a:extLst>
+          </p:cNvPr>
+          <p:cNvSpPr/>
+          <p:nvPr/>
+        </p:nvSpPr>
+        <p:spPr>
+          <a:xfrm>
+            <a:off x="434109" y="1372871"/>
+            <a:ext cx="11323782" cy="699654"/>
+          </a:xfrm>
+          <a:prstGeom prst="rect">
+            <a:avLst/>
+          </a:prstGeom>
+        </p:spPr>
+        <p:style>
+          <a:lnRef idx="2">
+            <a:schemeClr val="accent1">
+              <a:shade val="15000"/>
+            </a:schemeClr>
+          </a:lnRef>
+          <a:fillRef idx="1">
+            <a:schemeClr val="accent1"/>
+          </a:fillRef>
+          <a:effectRef idx="0">
+            <a:schemeClr val="accent1"/>
+          </a:effectRef>
+          <a:fontRef idx="minor">
+            <a:schemeClr val="lt1"/>
+          </a:fontRef>
+        </p:style>
+        <p:txBody>
+          <a:bodyPr rtlCol="0" anchor="ctr"/>
+          <a:lstStyle/>
+          <a:p>
+            <a:pPr algn="ctr"/>
+            <a:r>
+              <a:rPr lang="ko-KR" altLang="en-US" dirty="0"/>
+              <a:t>컨트롤 </a:t>
+            </a:r>
+            <a:r>
+              <a:rPr lang="en-US" altLang="ko-KR" dirty="0"/>
+              <a:t>+ </a:t>
+            </a:r>
+            <a:r>
+              <a:rPr lang="ko-KR" altLang="en-US" dirty="0"/>
+              <a:t>스페이스</a:t>
+            </a:r>
+          </a:p>
+        </p:txBody>
+      </p:sp>
+      <p:pic>
+        <p:nvPicPr>
+          <p:cNvPr id="6" name="그림 5">
+            <a:extLst>
+              <a:ext uri="{FF2B5EF4-FFF2-40B4-BE49-F238E27FC236}">
+                <a16:creationId xmlns:a16="http://schemas.microsoft.com/office/drawing/2014/main" id="{A58EE2DC-B136-A741-A974-5260630415B6}"/>
+              </a:ext>
+            </a:extLst>
+          </p:cNvPr>
+          <p:cNvPicPr>
+            <a:picLocks noChangeAspect="1"/>
+          </p:cNvPicPr>
+          <p:nvPr/>
+        </p:nvPicPr>
+        <p:blipFill>
+          <a:blip r:embed="rId2"/>
+          <a:stretch>
+            <a:fillRect/>
+          </a:stretch>
+        </p:blipFill>
+        <p:spPr>
+          <a:xfrm>
+            <a:off x="157018" y="2793486"/>
+            <a:ext cx="12192000" cy="4522227"/>
+          </a:xfrm>
+          <a:prstGeom prst="rect">
+            <a:avLst/>
+          </a:prstGeom>
+        </p:spPr>
+      </p:pic>
+      <p:sp>
+        <p:nvSpPr>
+          <p:cNvPr id="8" name="직사각형 7">
+            <a:extLst>
+              <a:ext uri="{FF2B5EF4-FFF2-40B4-BE49-F238E27FC236}">
+                <a16:creationId xmlns:a16="http://schemas.microsoft.com/office/drawing/2014/main" id="{D18393D4-16C8-2236-9241-9F26A1163D8B}"/>
+              </a:ext>
+            </a:extLst>
+          </p:cNvPr>
+          <p:cNvSpPr/>
+          <p:nvPr/>
+        </p:nvSpPr>
+        <p:spPr>
+          <a:xfrm>
+            <a:off x="434109" y="2282653"/>
+            <a:ext cx="11323782" cy="699654"/>
+          </a:xfrm>
+          <a:prstGeom prst="rect">
+            <a:avLst/>
+          </a:prstGeom>
+        </p:spPr>
+        <p:style>
+          <a:lnRef idx="2">
+            <a:schemeClr val="accent1">
+              <a:shade val="15000"/>
+            </a:schemeClr>
+          </a:lnRef>
+          <a:fillRef idx="1">
+            <a:schemeClr val="accent1"/>
+          </a:fillRef>
+          <a:effectRef idx="0">
+            <a:schemeClr val="accent1"/>
+          </a:effectRef>
+          <a:fontRef idx="minor">
+            <a:schemeClr val="lt1"/>
+          </a:fontRef>
+        </p:style>
+        <p:txBody>
+          <a:bodyPr rtlCol="0" anchor="ctr"/>
+          <a:lstStyle/>
+          <a:p>
+            <a:pPr algn="ctr"/>
+            <a:r>
+              <a:rPr lang="ko-KR" altLang="en-US" dirty="0"/>
+              <a:t>적절한 앞부분 까지만 치고 컨트롤 스페이스를 누르면 추가적으로 내가 </a:t>
+            </a:r>
+            <a:r>
+              <a:rPr lang="ko-KR" altLang="en-US" dirty="0" err="1"/>
+              <a:t>친부분까지와</a:t>
+            </a:r>
+            <a:r>
+              <a:rPr lang="ko-KR" altLang="en-US" dirty="0"/>
+              <a:t> </a:t>
+            </a:r>
+            <a:r>
+              <a:rPr lang="ko-KR" altLang="en-US" dirty="0" err="1"/>
+              <a:t>연관있는</a:t>
+            </a:r>
+            <a:endParaRPr lang="en-US" altLang="ko-KR" dirty="0"/>
+          </a:p>
+          <a:p>
+            <a:pPr algn="ctr"/>
+            <a:r>
+              <a:rPr lang="ko-KR" altLang="en-US" dirty="0"/>
+              <a:t>명령어들만 </a:t>
+            </a:r>
+            <a:r>
+              <a:rPr lang="ko-KR" altLang="en-US" dirty="0" err="1"/>
+              <a:t>뜨게된다</a:t>
+            </a:r>
+            <a:r>
+              <a:rPr lang="en-US" altLang="ko-KR"/>
+              <a:t>.</a:t>
+            </a:r>
+            <a:endParaRPr lang="ko-KR" altLang="en-US" dirty="0"/>
+          </a:p>
+        </p:txBody>
+      </p:sp>
+    </p:spTree>
+    <p:extLst>
+      <p:ext uri="{BB962C8B-B14F-4D97-AF65-F5344CB8AC3E}">
+        <p14:creationId xmlns:p14="http://schemas.microsoft.com/office/powerpoint/2010/main" val="3492691362"/>
+      </p:ext>
+    </p:extLst>
+  </p:cSld>
+  <p:clrMapOvr>
+    <a:masterClrMapping/>
+  </p:clrMapOvr>
+</p:sld>
+</file>
+
+<file path=ppt/slides/slide20.xml><?xml version="1.0" encoding="utf-8"?>
+<p:sld xmlns:a="http://schemas.openxmlformats.org/drawingml/2006/main" xmlns:r="http://schemas.openxmlformats.org/officeDocument/2006/relationships" xmlns:p="http://schemas.openxmlformats.org/presentationml/2006/main">
+  <p:cSld>
+    <p:spTree>
+      <p:nvGrpSpPr>
+        <p:cNvPr id="1" name=""/>
+        <p:cNvGrpSpPr/>
+        <p:nvPr/>
+      </p:nvGrpSpPr>
+      <p:grpSpPr>
+        <a:xfrm>
+          <a:off x="0" y="0"/>
+          <a:ext cx="0" cy="0"/>
+          <a:chOff x="0" y="0"/>
+          <a:chExt cx="0" cy="0"/>
+        </a:xfrm>
+      </p:grpSpPr>
+    </p:spTree>
+    <p:extLst>
+      <p:ext uri="{BB962C8B-B14F-4D97-AF65-F5344CB8AC3E}">
+        <p14:creationId xmlns:p14="http://schemas.microsoft.com/office/powerpoint/2010/main" val="991477988"/>
+      </p:ext>
+    </p:extLst>
+  </p:cSld>
+  <p:clrMapOvr>
+    <a:masterClrMapping/>
+  </p:clrMapOvr>
+</p:sld>
+</file>
+
+<file path=ppt/slides/slide21.xml><?xml version="1.0" encoding="utf-8"?>
+<p:sld xmlns:a="http://schemas.openxmlformats.org/drawingml/2006/main" xmlns:r="http://schemas.openxmlformats.org/officeDocument/2006/relationships" xmlns:p="http://schemas.openxmlformats.org/presentationml/2006/main">
+  <p:cSld>
+    <p:spTree>
+      <p:nvGrpSpPr>
+        <p:cNvPr id="1" name=""/>
+        <p:cNvGrpSpPr/>
+        <p:nvPr/>
+      </p:nvGrpSpPr>
+      <p:grpSpPr>
+        <a:xfrm>
+          <a:off x="0" y="0"/>
+          <a:ext cx="0" cy="0"/>
+          <a:chOff x="0" y="0"/>
+          <a:chExt cx="0" cy="0"/>
+        </a:xfrm>
+      </p:grpSpPr>
+    </p:spTree>
+    <p:extLst>
+      <p:ext uri="{BB962C8B-B14F-4D97-AF65-F5344CB8AC3E}">
+        <p14:creationId xmlns:p14="http://schemas.microsoft.com/office/powerpoint/2010/main" val="3844398855"/>
+      </p:ext>
+    </p:extLst>
+  </p:cSld>
+  <p:clrMapOvr>
+    <a:masterClrMapping/>
+  </p:clrMapOvr>
+</p:sld>
+</file>
+
+<file path=ppt/slides/slide22.xml><?xml version="1.0" encoding="utf-8"?>
+<p:sld xmlns:a="http://schemas.openxmlformats.org/drawingml/2006/main" xmlns:r="http://schemas.openxmlformats.org/officeDocument/2006/relationships" xmlns:p="http://schemas.openxmlformats.org/presentationml/2006/main">
+  <p:cSld>
+    <p:spTree>
+      <p:nvGrpSpPr>
+        <p:cNvPr id="1" name=""/>
+        <p:cNvGrpSpPr/>
+        <p:nvPr/>
+      </p:nvGrpSpPr>
+      <p:grpSpPr>
+        <a:xfrm>
+          <a:off x="0" y="0"/>
+          <a:ext cx="0" cy="0"/>
+          <a:chOff x="0" y="0"/>
+          <a:chExt cx="0" cy="0"/>
+        </a:xfrm>
+      </p:grpSpPr>
+    </p:spTree>
+    <p:extLst>
+      <p:ext uri="{BB962C8B-B14F-4D97-AF65-F5344CB8AC3E}">
+        <p14:creationId xmlns:p14="http://schemas.microsoft.com/office/powerpoint/2010/main" val="19288889"/>
+      </p:ext>
+    </p:extLst>
+  </p:cSld>
+  <p:clrMapOvr>
+    <a:masterClrMapping/>
+  </p:clrMapOvr>
+</p:sld>
+</file>
+
+<file path=ppt/slides/slide23.xml><?xml version="1.0" encoding="utf-8"?>
+<p:sld xmlns:a="http://schemas.openxmlformats.org/drawingml/2006/main" xmlns:r="http://schemas.openxmlformats.org/officeDocument/2006/relationships" xmlns:p="http://schemas.openxmlformats.org/presentationml/2006/main">
+  <p:cSld>
+    <p:spTree>
+      <p:nvGrpSpPr>
+        <p:cNvPr id="1" name=""/>
+        <p:cNvGrpSpPr/>
+        <p:nvPr/>
+      </p:nvGrpSpPr>
+      <p:grpSpPr>
+        <a:xfrm>
+          <a:off x="0" y="0"/>
+          <a:ext cx="0" cy="0"/>
+          <a:chOff x="0" y="0"/>
+          <a:chExt cx="0" cy="0"/>
+        </a:xfrm>
+      </p:grpSpPr>
+    </p:spTree>
+    <p:extLst>
+      <p:ext uri="{BB962C8B-B14F-4D97-AF65-F5344CB8AC3E}">
+        <p14:creationId xmlns:p14="http://schemas.microsoft.com/office/powerpoint/2010/main" val="4015161735"/>
+      </p:ext>
+    </p:extLst>
+  </p:cSld>
+  <p:clrMapOvr>
+    <a:masterClrMapping/>
+  </p:clrMapOvr>
+</p:sld>
+</file>
+
+<file path=ppt/slides/slide24.xml><?xml version="1.0" encoding="utf-8"?>
+<p:sld xmlns:a="http://schemas.openxmlformats.org/drawingml/2006/main" xmlns:r="http://schemas.openxmlformats.org/officeDocument/2006/relationships" xmlns:p="http://schemas.openxmlformats.org/presentationml/2006/main">
+  <p:cSld>
+    <p:spTree>
+      <p:nvGrpSpPr>
+        <p:cNvPr id="1" name=""/>
+        <p:cNvGrpSpPr/>
+        <p:nvPr/>
+      </p:nvGrpSpPr>
+      <p:grpSpPr>
+        <a:xfrm>
+          <a:off x="0" y="0"/>
+          <a:ext cx="0" cy="0"/>
+          <a:chOff x="0" y="0"/>
+          <a:chExt cx="0" cy="0"/>
+        </a:xfrm>
+      </p:grpSpPr>
+    </p:spTree>
+    <p:extLst>
+      <p:ext uri="{BB962C8B-B14F-4D97-AF65-F5344CB8AC3E}">
+        <p14:creationId xmlns:p14="http://schemas.microsoft.com/office/powerpoint/2010/main" val="1646334821"/>
+      </p:ext>
+    </p:extLst>
+  </p:cSld>
+  <p:clrMapOvr>
+    <a:masterClrMapping/>
+  </p:clrMapOvr>
+</p:sld>
+</file>
+
+<file path=ppt/slides/slide25.xml><?xml version="1.0" encoding="utf-8"?>
+<p:sld xmlns:a="http://schemas.openxmlformats.org/drawingml/2006/main" xmlns:r="http://schemas.openxmlformats.org/officeDocument/2006/relationships" xmlns:p="http://schemas.openxmlformats.org/presentationml/2006/main">
+  <p:cSld>
+    <p:spTree>
+      <p:nvGrpSpPr>
+        <p:cNvPr id="1" name=""/>
+        <p:cNvGrpSpPr/>
+        <p:nvPr/>
+      </p:nvGrpSpPr>
+      <p:grpSpPr>
+        <a:xfrm>
+          <a:off x="0" y="0"/>
+          <a:ext cx="0" cy="0"/>
+          <a:chOff x="0" y="0"/>
+          <a:chExt cx="0" cy="0"/>
+        </a:xfrm>
+      </p:grpSpPr>
+    </p:spTree>
+    <p:extLst>
+      <p:ext uri="{BB962C8B-B14F-4D97-AF65-F5344CB8AC3E}">
+        <p14:creationId xmlns:p14="http://schemas.microsoft.com/office/powerpoint/2010/main" val="3952900304"/>
+      </p:ext>
+    </p:extLst>
+  </p:cSld>
+  <p:clrMapOvr>
+    <a:masterClrMapping/>
+  </p:clrMapOvr>
+</p:sld>
+</file>
+
+<file path=ppt/slides/slide26.xml><?xml version="1.0" encoding="utf-8"?>
+<p:sld xmlns:a="http://schemas.openxmlformats.org/drawingml/2006/main" xmlns:r="http://schemas.openxmlformats.org/officeDocument/2006/relationships" xmlns:p="http://schemas.openxmlformats.org/presentationml/2006/main">
+  <p:cSld>
+    <p:spTree>
+      <p:nvGrpSpPr>
+        <p:cNvPr id="1" name=""/>
+        <p:cNvGrpSpPr/>
+        <p:nvPr/>
+      </p:nvGrpSpPr>
+      <p:grpSpPr>
+        <a:xfrm>
+          <a:off x="0" y="0"/>
+          <a:ext cx="0" cy="0"/>
+          <a:chOff x="0" y="0"/>
+          <a:chExt cx="0" cy="0"/>
+        </a:xfrm>
+      </p:grpSpPr>
+    </p:spTree>
+    <p:extLst>
+      <p:ext uri="{BB962C8B-B14F-4D97-AF65-F5344CB8AC3E}">
+        <p14:creationId xmlns:p14="http://schemas.microsoft.com/office/powerpoint/2010/main" val="1749543502"/>
+      </p:ext>
+    </p:extLst>
+  </p:cSld>
+  <p:clrMapOvr>
+    <a:masterClrMapping/>
+  </p:clrMapOvr>
+</p:sld>
+</file>
+
+<file path=ppt/slides/slide27.xml><?xml version="1.0" encoding="utf-8"?>
+<p:sld xmlns:a="http://schemas.openxmlformats.org/drawingml/2006/main" xmlns:r="http://schemas.openxmlformats.org/officeDocument/2006/relationships" xmlns:p="http://schemas.openxmlformats.org/presentationml/2006/main">
+  <p:cSld>
+    <p:spTree>
+      <p:nvGrpSpPr>
+        <p:cNvPr id="1" name=""/>
+        <p:cNvGrpSpPr/>
+        <p:nvPr/>
+      </p:nvGrpSpPr>
+      <p:grpSpPr>
+        <a:xfrm>
+          <a:off x="0" y="0"/>
+          <a:ext cx="0" cy="0"/>
+          <a:chOff x="0" y="0"/>
+          <a:chExt cx="0" cy="0"/>
+        </a:xfrm>
+      </p:grpSpPr>
+    </p:spTree>
+    <p:extLst>
+      <p:ext uri="{BB962C8B-B14F-4D97-AF65-F5344CB8AC3E}">
+        <p14:creationId xmlns:p14="http://schemas.microsoft.com/office/powerpoint/2010/main" val="414930712"/>
+      </p:ext>
+    </p:extLst>
+  </p:cSld>
+  <p:clrMapOvr>
+    <a:masterClrMapping/>
+  </p:clrMapOvr>
+</p:sld>
+</file>
+
+<file path=ppt/slides/slide3.xml><?xml version="1.0" encoding="utf-8"?>
+<p:sld xmlns:a="http://schemas.openxmlformats.org/drawingml/2006/main" xmlns:r="http://schemas.openxmlformats.org/officeDocument/2006/relationships" xmlns:p="http://schemas.openxmlformats.org/presentationml/2006/main">
+  <p:cSld>
+    <p:spTree>
+      <p:nvGrpSpPr>
+        <p:cNvPr id="1" name=""/>
+        <p:cNvGrpSpPr/>
+        <p:nvPr/>
+      </p:nvGrpSpPr>
+      <p:grpSpPr>
+        <a:xfrm>
+          <a:off x="0" y="0"/>
+          <a:ext cx="0" cy="0"/>
+          <a:chOff x="0" y="0"/>
+          <a:chExt cx="0" cy="0"/>
+        </a:xfrm>
+      </p:grpSpPr>
+      <p:sp>
+        <p:nvSpPr>
+          <p:cNvPr id="3" name="직사각형 2">
+            <a:extLst>
+              <a:ext uri="{FF2B5EF4-FFF2-40B4-BE49-F238E27FC236}">
+                <a16:creationId xmlns:a16="http://schemas.microsoft.com/office/drawing/2014/main" id="{A5840210-0674-BA1E-A813-66127759208E}"/>
+              </a:ext>
+            </a:extLst>
+          </p:cNvPr>
+          <p:cNvSpPr/>
+          <p:nvPr/>
+        </p:nvSpPr>
+        <p:spPr>
+          <a:xfrm>
+            <a:off x="434109" y="528782"/>
+            <a:ext cx="11323782" cy="699654"/>
+          </a:xfrm>
+          <a:prstGeom prst="rect">
+            <a:avLst/>
+          </a:prstGeom>
+        </p:spPr>
+        <p:style>
+          <a:lnRef idx="2">
+            <a:schemeClr val="accent1">
+              <a:shade val="15000"/>
+            </a:schemeClr>
+          </a:lnRef>
+          <a:fillRef idx="1">
+            <a:schemeClr val="accent1"/>
+          </a:fillRef>
+          <a:effectRef idx="0">
+            <a:schemeClr val="accent1"/>
+          </a:effectRef>
+          <a:fontRef idx="minor">
+            <a:schemeClr val="lt1"/>
+          </a:fontRef>
+        </p:style>
+        <p:txBody>
+          <a:bodyPr rtlCol="0" anchor="ctr"/>
+          <a:lstStyle/>
+          <a:p>
+            <a:pPr algn="ctr"/>
+            <a:r>
+              <a:rPr lang="ko-KR" altLang="en-US" dirty="0"/>
+              <a:t>화면 확대 축소</a:t>
+            </a:r>
+          </a:p>
+        </p:txBody>
+      </p:sp>
+      <p:pic>
+        <p:nvPicPr>
+          <p:cNvPr id="4" name="그림 3">
+            <a:extLst>
+              <a:ext uri="{FF2B5EF4-FFF2-40B4-BE49-F238E27FC236}">
+                <a16:creationId xmlns:a16="http://schemas.microsoft.com/office/drawing/2014/main" id="{3AC8F613-DF81-7A95-DDA2-3B0852551F89}"/>
+              </a:ext>
+            </a:extLst>
+          </p:cNvPr>
+          <p:cNvPicPr>
+            <a:picLocks noChangeAspect="1"/>
+          </p:cNvPicPr>
+          <p:nvPr/>
+        </p:nvPicPr>
+        <p:blipFill>
+          <a:blip r:embed="rId2"/>
+          <a:stretch>
+            <a:fillRect/>
+          </a:stretch>
+        </p:blipFill>
+        <p:spPr>
+          <a:xfrm>
+            <a:off x="434109" y="2216960"/>
+            <a:ext cx="4601217" cy="2867425"/>
+          </a:xfrm>
+          <a:prstGeom prst="rect">
+            <a:avLst/>
+          </a:prstGeom>
+        </p:spPr>
+      </p:pic>
+      <p:sp>
+        <p:nvSpPr>
+          <p:cNvPr id="5" name="직사각형 4">
+            <a:extLst>
+              <a:ext uri="{FF2B5EF4-FFF2-40B4-BE49-F238E27FC236}">
+                <a16:creationId xmlns:a16="http://schemas.microsoft.com/office/drawing/2014/main" id="{F60C10CE-FF11-5C56-AA8E-A5E0D80CD8C4}"/>
+              </a:ext>
+            </a:extLst>
+          </p:cNvPr>
+          <p:cNvSpPr/>
+          <p:nvPr/>
+        </p:nvSpPr>
+        <p:spPr>
+          <a:xfrm>
+            <a:off x="434109" y="1372871"/>
+            <a:ext cx="11323782" cy="699654"/>
+          </a:xfrm>
+          <a:prstGeom prst="rect">
+            <a:avLst/>
+          </a:prstGeom>
+        </p:spPr>
+        <p:style>
+          <a:lnRef idx="2">
+            <a:schemeClr val="accent1">
+              <a:shade val="15000"/>
+            </a:schemeClr>
+          </a:lnRef>
+          <a:fillRef idx="1">
+            <a:schemeClr val="accent1"/>
+          </a:fillRef>
+          <a:effectRef idx="0">
+            <a:schemeClr val="accent1"/>
+          </a:effectRef>
+          <a:fontRef idx="minor">
+            <a:schemeClr val="lt1"/>
+          </a:fontRef>
+        </p:style>
+        <p:txBody>
+          <a:bodyPr rtlCol="0" anchor="ctr"/>
+          <a:lstStyle/>
+          <a:p>
+            <a:pPr algn="ctr"/>
+            <a:r>
+              <a:rPr lang="ko-KR" altLang="en-US" dirty="0"/>
+              <a:t>컨트롤 </a:t>
+            </a:r>
+            <a:r>
+              <a:rPr lang="en-US" altLang="ko-KR" dirty="0"/>
+              <a:t>+ </a:t>
+            </a:r>
+            <a:r>
+              <a:rPr lang="ko-KR" altLang="en-US" dirty="0"/>
+              <a:t>마우스 휠</a:t>
+            </a:r>
+          </a:p>
+        </p:txBody>
+      </p:sp>
+      <p:pic>
+        <p:nvPicPr>
+          <p:cNvPr id="7" name="그림 6">
+            <a:extLst>
+              <a:ext uri="{FF2B5EF4-FFF2-40B4-BE49-F238E27FC236}">
+                <a16:creationId xmlns:a16="http://schemas.microsoft.com/office/drawing/2014/main" id="{6118D628-F90B-28CA-766C-EBF7C9C314A9}"/>
+              </a:ext>
+            </a:extLst>
+          </p:cNvPr>
+          <p:cNvPicPr>
+            <a:picLocks noChangeAspect="1"/>
+          </p:cNvPicPr>
+          <p:nvPr/>
+        </p:nvPicPr>
+        <p:blipFill>
+          <a:blip r:embed="rId3"/>
+          <a:stretch>
+            <a:fillRect/>
+          </a:stretch>
+        </p:blipFill>
+        <p:spPr>
+          <a:xfrm>
+            <a:off x="5442769" y="2245539"/>
+            <a:ext cx="8935697" cy="5677692"/>
+          </a:xfrm>
+          <a:prstGeom prst="rect">
+            <a:avLst/>
+          </a:prstGeom>
+        </p:spPr>
+      </p:pic>
+    </p:spTree>
+    <p:extLst>
+      <p:ext uri="{BB962C8B-B14F-4D97-AF65-F5344CB8AC3E}">
+        <p14:creationId xmlns:p14="http://schemas.microsoft.com/office/powerpoint/2010/main" val="3696848387"/>
+      </p:ext>
+    </p:extLst>
+  </p:cSld>
+  <p:clrMapOvr>
+    <a:masterClrMapping/>
+  </p:clrMapOvr>
+</p:sld>
+</file>
+
+<file path=ppt/slides/slide4.xml><?xml version="1.0" encoding="utf-8"?>
+<p:sld xmlns:a="http://schemas.openxmlformats.org/drawingml/2006/main" xmlns:r="http://schemas.openxmlformats.org/officeDocument/2006/relationships" xmlns:p="http://schemas.openxmlformats.org/presentationml/2006/main">
+  <p:cSld>
+    <p:spTree>
+      <p:nvGrpSpPr>
+        <p:cNvPr id="1" name=""/>
+        <p:cNvGrpSpPr/>
+        <p:nvPr/>
+      </p:nvGrpSpPr>
+      <p:grpSpPr>
+        <a:xfrm>
+          <a:off x="0" y="0"/>
+          <a:ext cx="0" cy="0"/>
+          <a:chOff x="0" y="0"/>
+          <a:chExt cx="0" cy="0"/>
+        </a:xfrm>
+      </p:grpSpPr>
+      <p:sp>
+        <p:nvSpPr>
+          <p:cNvPr id="2" name="직사각형 1">
+            <a:extLst>
+              <a:ext uri="{FF2B5EF4-FFF2-40B4-BE49-F238E27FC236}">
+                <a16:creationId xmlns:a16="http://schemas.microsoft.com/office/drawing/2014/main" id="{3139707C-C258-116B-1FC7-1EA17D56B0BE}"/>
+              </a:ext>
+            </a:extLst>
+          </p:cNvPr>
+          <p:cNvSpPr/>
+          <p:nvPr/>
+        </p:nvSpPr>
+        <p:spPr>
+          <a:xfrm>
+            <a:off x="434109" y="528782"/>
+            <a:ext cx="11323782" cy="699654"/>
+          </a:xfrm>
+          <a:prstGeom prst="rect">
+            <a:avLst/>
+          </a:prstGeom>
+        </p:spPr>
+        <p:style>
+          <a:lnRef idx="2">
+            <a:schemeClr val="accent1">
+              <a:shade val="15000"/>
+            </a:schemeClr>
+          </a:lnRef>
+          <a:fillRef idx="1">
+            <a:schemeClr val="accent1"/>
+          </a:fillRef>
+          <a:effectRef idx="0">
+            <a:schemeClr val="accent1"/>
+          </a:effectRef>
+          <a:fontRef idx="minor">
+            <a:schemeClr val="lt1"/>
+          </a:fontRef>
+        </p:style>
+        <p:txBody>
+          <a:bodyPr rtlCol="0" anchor="ctr"/>
+          <a:lstStyle/>
+          <a:p>
+            <a:pPr algn="ctr"/>
+            <a:r>
+              <a:rPr lang="ko-KR" altLang="en-US" dirty="0"/>
+              <a:t>내부 코드 범위 선택</a:t>
+            </a:r>
+          </a:p>
+        </p:txBody>
+      </p:sp>
+      <p:pic>
+        <p:nvPicPr>
+          <p:cNvPr id="5" name="그림 4">
+            <a:extLst>
+              <a:ext uri="{FF2B5EF4-FFF2-40B4-BE49-F238E27FC236}">
+                <a16:creationId xmlns:a16="http://schemas.microsoft.com/office/drawing/2014/main" id="{460791A4-8D4E-1F0E-8073-FEFA1D33D16A}"/>
+              </a:ext>
+            </a:extLst>
+          </p:cNvPr>
+          <p:cNvPicPr>
+            <a:picLocks noChangeAspect="1"/>
+          </p:cNvPicPr>
+          <p:nvPr/>
+        </p:nvPicPr>
+        <p:blipFill>
+          <a:blip r:embed="rId2"/>
+          <a:stretch>
+            <a:fillRect/>
+          </a:stretch>
+        </p:blipFill>
+        <p:spPr>
+          <a:xfrm>
+            <a:off x="1777011" y="2418730"/>
+            <a:ext cx="7954485" cy="4439270"/>
+          </a:xfrm>
+          <a:prstGeom prst="rect">
+            <a:avLst/>
+          </a:prstGeom>
+        </p:spPr>
+      </p:pic>
+      <p:sp>
+        <p:nvSpPr>
+          <p:cNvPr id="6" name="직사각형 5">
+            <a:extLst>
+              <a:ext uri="{FF2B5EF4-FFF2-40B4-BE49-F238E27FC236}">
+                <a16:creationId xmlns:a16="http://schemas.microsoft.com/office/drawing/2014/main" id="{D96CC236-CBD2-58F7-6E96-5C1E2168D214}"/>
+              </a:ext>
+            </a:extLst>
+          </p:cNvPr>
+          <p:cNvSpPr/>
+          <p:nvPr/>
+        </p:nvSpPr>
+        <p:spPr>
+          <a:xfrm>
+            <a:off x="434109" y="1372871"/>
+            <a:ext cx="11323782" cy="699654"/>
+          </a:xfrm>
+          <a:prstGeom prst="rect">
+            <a:avLst/>
+          </a:prstGeom>
+        </p:spPr>
+        <p:style>
+          <a:lnRef idx="2">
+            <a:schemeClr val="accent1">
+              <a:shade val="15000"/>
+            </a:schemeClr>
+          </a:lnRef>
+          <a:fillRef idx="1">
+            <a:schemeClr val="accent1"/>
+          </a:fillRef>
+          <a:effectRef idx="0">
+            <a:schemeClr val="accent1"/>
+          </a:effectRef>
+          <a:fontRef idx="minor">
+            <a:schemeClr val="lt1"/>
+          </a:fontRef>
+        </p:style>
+        <p:txBody>
+          <a:bodyPr rtlCol="0" anchor="ctr"/>
+          <a:lstStyle/>
+          <a:p>
+            <a:pPr algn="ctr"/>
+            <a:r>
+              <a:rPr lang="ko-KR" altLang="en-US" dirty="0"/>
+              <a:t>시프트 </a:t>
+            </a:r>
+            <a:r>
+              <a:rPr lang="en-US" altLang="ko-KR" dirty="0"/>
+              <a:t>+ </a:t>
+            </a:r>
+            <a:r>
+              <a:rPr lang="ko-KR" altLang="en-US" dirty="0"/>
+              <a:t>방향키 위 아래 왼쪽 오른쪽</a:t>
+            </a:r>
+          </a:p>
+        </p:txBody>
+      </p:sp>
+    </p:spTree>
+    <p:extLst>
+      <p:ext uri="{BB962C8B-B14F-4D97-AF65-F5344CB8AC3E}">
+        <p14:creationId xmlns:p14="http://schemas.microsoft.com/office/powerpoint/2010/main" val="2783297044"/>
+      </p:ext>
+    </p:extLst>
+  </p:cSld>
+  <p:clrMapOvr>
+    <a:masterClrMapping/>
+  </p:clrMapOvr>
+</p:sld>
+</file>
+
+<file path=ppt/slides/slide5.xml><?xml version="1.0" encoding="utf-8"?>
+<p:sld xmlns:a="http://schemas.openxmlformats.org/drawingml/2006/main" xmlns:r="http://schemas.openxmlformats.org/officeDocument/2006/relationships" xmlns:p="http://schemas.openxmlformats.org/presentationml/2006/main">
+  <p:cSld>
+    <p:spTree>
+      <p:nvGrpSpPr>
+        <p:cNvPr id="1" name=""/>
+        <p:cNvGrpSpPr/>
+        <p:nvPr/>
+      </p:nvGrpSpPr>
+      <p:grpSpPr>
+        <a:xfrm>
+          <a:off x="0" y="0"/>
+          <a:ext cx="0" cy="0"/>
+          <a:chOff x="0" y="0"/>
+          <a:chExt cx="0" cy="0"/>
+        </a:xfrm>
+      </p:grpSpPr>
+      <p:sp>
+        <p:nvSpPr>
+          <p:cNvPr id="2" name="직사각형 1">
+            <a:extLst>
+              <a:ext uri="{FF2B5EF4-FFF2-40B4-BE49-F238E27FC236}">
+                <a16:creationId xmlns:a16="http://schemas.microsoft.com/office/drawing/2014/main" id="{3139707C-C258-116B-1FC7-1EA17D56B0BE}"/>
+              </a:ext>
+            </a:extLst>
+          </p:cNvPr>
+          <p:cNvSpPr/>
+          <p:nvPr/>
+        </p:nvSpPr>
+        <p:spPr>
+          <a:xfrm>
+            <a:off x="434109" y="528782"/>
+            <a:ext cx="11323782" cy="699654"/>
+          </a:xfrm>
+          <a:prstGeom prst="rect">
+            <a:avLst/>
+          </a:prstGeom>
+        </p:spPr>
+        <p:style>
+          <a:lnRef idx="2">
+            <a:schemeClr val="accent1">
+              <a:shade val="15000"/>
+            </a:schemeClr>
+          </a:lnRef>
+          <a:fillRef idx="1">
+            <a:schemeClr val="accent1"/>
+          </a:fillRef>
+          <a:effectRef idx="0">
+            <a:schemeClr val="accent1"/>
+          </a:effectRef>
+          <a:fontRef idx="minor">
+            <a:schemeClr val="lt1"/>
+          </a:fontRef>
+        </p:style>
+        <p:txBody>
+          <a:bodyPr rtlCol="0" anchor="ctr"/>
+          <a:lstStyle/>
+          <a:p>
+            <a:pPr algn="ctr"/>
+            <a:r>
+              <a:rPr lang="ko-KR" altLang="en-US" dirty="0" err="1"/>
+              <a:t>한줄의</a:t>
+            </a:r>
+            <a:r>
+              <a:rPr lang="ko-KR" altLang="en-US" dirty="0"/>
+              <a:t> 끝으로 바로 가기</a:t>
+            </a:r>
+          </a:p>
+        </p:txBody>
+      </p:sp>
+      <p:sp>
+        <p:nvSpPr>
+          <p:cNvPr id="6" name="직사각형 5">
+            <a:extLst>
+              <a:ext uri="{FF2B5EF4-FFF2-40B4-BE49-F238E27FC236}">
+                <a16:creationId xmlns:a16="http://schemas.microsoft.com/office/drawing/2014/main" id="{D96CC236-CBD2-58F7-6E96-5C1E2168D214}"/>
+              </a:ext>
+            </a:extLst>
+          </p:cNvPr>
+          <p:cNvSpPr/>
+          <p:nvPr/>
+        </p:nvSpPr>
+        <p:spPr>
+          <a:xfrm>
+            <a:off x="434109" y="1372871"/>
+            <a:ext cx="11323782" cy="699654"/>
+          </a:xfrm>
+          <a:prstGeom prst="rect">
+            <a:avLst/>
+          </a:prstGeom>
+        </p:spPr>
+        <p:style>
+          <a:lnRef idx="2">
+            <a:schemeClr val="accent1">
+              <a:shade val="15000"/>
+            </a:schemeClr>
+          </a:lnRef>
+          <a:fillRef idx="1">
+            <a:schemeClr val="accent1"/>
+          </a:fillRef>
+          <a:effectRef idx="0">
+            <a:schemeClr val="accent1"/>
+          </a:effectRef>
+          <a:fontRef idx="minor">
+            <a:schemeClr val="lt1"/>
+          </a:fontRef>
+        </p:style>
+        <p:txBody>
+          <a:bodyPr rtlCol="0" anchor="ctr"/>
+          <a:lstStyle/>
+          <a:p>
+            <a:pPr algn="ctr"/>
+            <a:r>
+              <a:rPr lang="en-US" altLang="ko-KR" dirty="0"/>
+              <a:t>End</a:t>
+            </a:r>
+            <a:endParaRPr lang="ko-KR" altLang="en-US" dirty="0"/>
+          </a:p>
+        </p:txBody>
+      </p:sp>
+      <p:sp>
+        <p:nvSpPr>
+          <p:cNvPr id="3" name="직사각형 2">
+            <a:extLst>
+              <a:ext uri="{FF2B5EF4-FFF2-40B4-BE49-F238E27FC236}">
+                <a16:creationId xmlns:a16="http://schemas.microsoft.com/office/drawing/2014/main" id="{0439CBCA-44E7-1624-A20E-592651603701}"/>
+              </a:ext>
+            </a:extLst>
+          </p:cNvPr>
+          <p:cNvSpPr/>
+          <p:nvPr/>
+        </p:nvSpPr>
+        <p:spPr>
+          <a:xfrm>
+            <a:off x="434109" y="2487931"/>
+            <a:ext cx="11323782" cy="699654"/>
+          </a:xfrm>
+          <a:prstGeom prst="rect">
+            <a:avLst/>
+          </a:prstGeom>
+        </p:spPr>
+        <p:style>
+          <a:lnRef idx="2">
+            <a:schemeClr val="accent1">
+              <a:shade val="15000"/>
+            </a:schemeClr>
+          </a:lnRef>
+          <a:fillRef idx="1">
+            <a:schemeClr val="accent1"/>
+          </a:fillRef>
+          <a:effectRef idx="0">
+            <a:schemeClr val="accent1"/>
+          </a:effectRef>
+          <a:fontRef idx="minor">
+            <a:schemeClr val="lt1"/>
+          </a:fontRef>
+        </p:style>
+        <p:txBody>
+          <a:bodyPr rtlCol="0" anchor="ctr"/>
+          <a:lstStyle/>
+          <a:p>
+            <a:pPr algn="ctr"/>
+            <a:r>
+              <a:rPr lang="ko-KR" altLang="en-US" dirty="0" err="1"/>
+              <a:t>한줄의</a:t>
+            </a:r>
+            <a:r>
+              <a:rPr lang="en-US" altLang="ko-KR" dirty="0"/>
+              <a:t> </a:t>
+            </a:r>
+            <a:r>
+              <a:rPr lang="ko-KR" altLang="en-US" dirty="0"/>
+              <a:t>가장 앞으로 가기</a:t>
+            </a:r>
+          </a:p>
+        </p:txBody>
+      </p:sp>
+      <p:sp>
+        <p:nvSpPr>
+          <p:cNvPr id="4" name="직사각형 3">
+            <a:extLst>
+              <a:ext uri="{FF2B5EF4-FFF2-40B4-BE49-F238E27FC236}">
+                <a16:creationId xmlns:a16="http://schemas.microsoft.com/office/drawing/2014/main" id="{DADC1E04-2714-0396-A2AF-1B6F2A75715F}"/>
+              </a:ext>
+            </a:extLst>
+          </p:cNvPr>
+          <p:cNvSpPr/>
+          <p:nvPr/>
+        </p:nvSpPr>
+        <p:spPr>
+          <a:xfrm>
+            <a:off x="434109" y="3332020"/>
+            <a:ext cx="11323782" cy="699654"/>
+          </a:xfrm>
+          <a:prstGeom prst="rect">
+            <a:avLst/>
+          </a:prstGeom>
+        </p:spPr>
+        <p:style>
+          <a:lnRef idx="2">
+            <a:schemeClr val="accent1">
+              <a:shade val="15000"/>
+            </a:schemeClr>
+          </a:lnRef>
+          <a:fillRef idx="1">
+            <a:schemeClr val="accent1"/>
+          </a:fillRef>
+          <a:effectRef idx="0">
+            <a:schemeClr val="accent1"/>
+          </a:effectRef>
+          <a:fontRef idx="minor">
+            <a:schemeClr val="lt1"/>
+          </a:fontRef>
+        </p:style>
+        <p:txBody>
+          <a:bodyPr rtlCol="0" anchor="ctr"/>
+          <a:lstStyle/>
+          <a:p>
+            <a:pPr algn="ctr"/>
+            <a:r>
+              <a:rPr lang="en-US" altLang="ko-KR" dirty="0"/>
+              <a:t>Home</a:t>
+            </a:r>
+            <a:endParaRPr lang="ko-KR" altLang="en-US" dirty="0"/>
+          </a:p>
+        </p:txBody>
+      </p:sp>
+      <p:sp>
+        <p:nvSpPr>
+          <p:cNvPr id="7" name="직사각형 6">
+            <a:extLst>
+              <a:ext uri="{FF2B5EF4-FFF2-40B4-BE49-F238E27FC236}">
+                <a16:creationId xmlns:a16="http://schemas.microsoft.com/office/drawing/2014/main" id="{4B1CC37A-BE49-3CE9-7CD7-AE443824CA4B}"/>
+              </a:ext>
+            </a:extLst>
+          </p:cNvPr>
+          <p:cNvSpPr/>
+          <p:nvPr/>
+        </p:nvSpPr>
+        <p:spPr>
+          <a:xfrm>
+            <a:off x="434109" y="4291213"/>
+            <a:ext cx="11323782" cy="699654"/>
+          </a:xfrm>
+          <a:prstGeom prst="rect">
+            <a:avLst/>
+          </a:prstGeom>
+        </p:spPr>
+        <p:style>
+          <a:lnRef idx="2">
+            <a:schemeClr val="accent1">
+              <a:shade val="15000"/>
+            </a:schemeClr>
+          </a:lnRef>
+          <a:fillRef idx="1">
+            <a:schemeClr val="accent1"/>
+          </a:fillRef>
+          <a:effectRef idx="0">
+            <a:schemeClr val="accent1"/>
+          </a:effectRef>
+          <a:fontRef idx="minor">
+            <a:schemeClr val="lt1"/>
+          </a:fontRef>
+        </p:style>
+        <p:txBody>
+          <a:bodyPr rtlCol="0" anchor="ctr"/>
+          <a:lstStyle/>
+          <a:p>
+            <a:pPr algn="ctr"/>
+            <a:r>
+              <a:rPr lang="ko-KR" altLang="en-US" dirty="0"/>
+              <a:t>한페이지 아래위로 이동하기</a:t>
+            </a:r>
+          </a:p>
+        </p:txBody>
+      </p:sp>
+      <p:sp>
+        <p:nvSpPr>
+          <p:cNvPr id="8" name="직사각형 7">
+            <a:extLst>
+              <a:ext uri="{FF2B5EF4-FFF2-40B4-BE49-F238E27FC236}">
+                <a16:creationId xmlns:a16="http://schemas.microsoft.com/office/drawing/2014/main" id="{EBAB0A4D-06D3-E087-A6F9-81FBD6FCE4D2}"/>
+              </a:ext>
+            </a:extLst>
+          </p:cNvPr>
+          <p:cNvSpPr/>
+          <p:nvPr/>
+        </p:nvSpPr>
+        <p:spPr>
+          <a:xfrm>
+            <a:off x="434109" y="5135302"/>
+            <a:ext cx="11323782" cy="699654"/>
+          </a:xfrm>
+          <a:prstGeom prst="rect">
+            <a:avLst/>
+          </a:prstGeom>
+        </p:spPr>
+        <p:style>
+          <a:lnRef idx="2">
+            <a:schemeClr val="accent1">
+              <a:shade val="15000"/>
+            </a:schemeClr>
+          </a:lnRef>
+          <a:fillRef idx="1">
+            <a:schemeClr val="accent1"/>
+          </a:fillRef>
+          <a:effectRef idx="0">
+            <a:schemeClr val="accent1"/>
+          </a:effectRef>
+          <a:fontRef idx="minor">
+            <a:schemeClr val="lt1"/>
+          </a:fontRef>
+        </p:style>
+        <p:txBody>
+          <a:bodyPr rtlCol="0" anchor="ctr"/>
+          <a:lstStyle/>
+          <a:p>
+            <a:pPr algn="ctr"/>
+            <a:r>
+              <a:rPr lang="en-US" altLang="ko-KR" dirty="0"/>
+              <a:t>Page Up Page Down</a:t>
+            </a:r>
+            <a:endParaRPr lang="ko-KR" altLang="en-US" dirty="0"/>
+          </a:p>
+        </p:txBody>
+      </p:sp>
+    </p:spTree>
+    <p:extLst>
+      <p:ext uri="{BB962C8B-B14F-4D97-AF65-F5344CB8AC3E}">
+        <p14:creationId xmlns:p14="http://schemas.microsoft.com/office/powerpoint/2010/main" val="939447541"/>
+      </p:ext>
+    </p:extLst>
+  </p:cSld>
+  <p:clrMapOvr>
+    <a:masterClrMapping/>
+  </p:clrMapOvr>
+</p:sld>
+</file>
+
+<file path=ppt/slides/slide6.xml><?xml version="1.0" encoding="utf-8"?>
+<p:sld xmlns:a="http://schemas.openxmlformats.org/drawingml/2006/main" xmlns:r="http://schemas.openxmlformats.org/officeDocument/2006/relationships" xmlns:p="http://schemas.openxmlformats.org/presentationml/2006/main">
+  <p:cSld>
+    <p:spTree>
+      <p:nvGrpSpPr>
+        <p:cNvPr id="1" name=""/>
+        <p:cNvGrpSpPr/>
+        <p:nvPr/>
+      </p:nvGrpSpPr>
+      <p:grpSpPr>
+        <a:xfrm>
+          <a:off x="0" y="0"/>
+          <a:ext cx="0" cy="0"/>
+          <a:chOff x="0" y="0"/>
+          <a:chExt cx="0" cy="0"/>
+        </a:xfrm>
+      </p:grpSpPr>
+      <p:sp>
+        <p:nvSpPr>
+          <p:cNvPr id="6" name="직사각형 5">
+            <a:extLst>
+              <a:ext uri="{FF2B5EF4-FFF2-40B4-BE49-F238E27FC236}">
+                <a16:creationId xmlns:a16="http://schemas.microsoft.com/office/drawing/2014/main" id="{73072FA9-A79C-D7C6-4398-8DC55E90AAE8}"/>
+              </a:ext>
+            </a:extLst>
+          </p:cNvPr>
+          <p:cNvSpPr/>
+          <p:nvPr/>
+        </p:nvSpPr>
+        <p:spPr>
+          <a:xfrm>
+            <a:off x="170429" y="301671"/>
+            <a:ext cx="2314864" cy="699654"/>
+          </a:xfrm>
+          <a:prstGeom prst="rect">
+            <a:avLst/>
+          </a:prstGeom>
+        </p:spPr>
+        <p:style>
+          <a:lnRef idx="2">
+            <a:schemeClr val="accent1">
+              <a:shade val="15000"/>
+            </a:schemeClr>
+          </a:lnRef>
+          <a:fillRef idx="1">
+            <a:schemeClr val="accent1"/>
+          </a:fillRef>
+          <a:effectRef idx="0">
+            <a:schemeClr val="accent1"/>
+          </a:effectRef>
+          <a:fontRef idx="minor">
+            <a:schemeClr val="lt1"/>
+          </a:fontRef>
+        </p:style>
+        <p:txBody>
+          <a:bodyPr rtlCol="0" anchor="ctr"/>
+          <a:lstStyle/>
+          <a:p>
+            <a:pPr algn="ctr"/>
+            <a:r>
+              <a:rPr lang="ko-KR" altLang="en-US" dirty="0"/>
+              <a:t>코드 위치 이동</a:t>
+            </a:r>
+            <a:endParaRPr lang="en-US" altLang="ko-KR" dirty="0"/>
+          </a:p>
+        </p:txBody>
+      </p:sp>
+      <p:sp>
+        <p:nvSpPr>
+          <p:cNvPr id="7" name="직사각형 6">
+            <a:extLst>
+              <a:ext uri="{FF2B5EF4-FFF2-40B4-BE49-F238E27FC236}">
+                <a16:creationId xmlns:a16="http://schemas.microsoft.com/office/drawing/2014/main" id="{F5E5B135-BF68-AEE4-F5F5-1CA77566A2A2}"/>
+              </a:ext>
+            </a:extLst>
+          </p:cNvPr>
+          <p:cNvSpPr/>
+          <p:nvPr/>
+        </p:nvSpPr>
+        <p:spPr>
+          <a:xfrm>
+            <a:off x="2678099" y="301671"/>
+            <a:ext cx="3913909" cy="699654"/>
+          </a:xfrm>
+          <a:prstGeom prst="rect">
+            <a:avLst/>
+          </a:prstGeom>
+        </p:spPr>
+        <p:style>
+          <a:lnRef idx="2">
+            <a:schemeClr val="accent1">
+              <a:shade val="15000"/>
+            </a:schemeClr>
+          </a:lnRef>
+          <a:fillRef idx="1">
+            <a:schemeClr val="accent1"/>
+          </a:fillRef>
+          <a:effectRef idx="0">
+            <a:schemeClr val="accent1"/>
+          </a:effectRef>
+          <a:fontRef idx="minor">
+            <a:schemeClr val="lt1"/>
+          </a:fontRef>
+        </p:style>
+        <p:txBody>
+          <a:bodyPr rtlCol="0" anchor="ctr"/>
+          <a:lstStyle/>
+          <a:p>
+            <a:pPr algn="ctr"/>
+            <a:r>
+              <a:rPr lang="ko-KR" altLang="en-US" dirty="0"/>
+              <a:t>범위 잡고 </a:t>
+            </a:r>
+            <a:r>
+              <a:rPr lang="en-US" altLang="ko-KR" dirty="0"/>
+              <a:t>alt + </a:t>
+            </a:r>
+            <a:r>
+              <a:rPr lang="ko-KR" altLang="en-US" dirty="0"/>
+              <a:t>방향키</a:t>
+            </a:r>
+            <a:endParaRPr lang="en-US" altLang="ko-KR" dirty="0"/>
+          </a:p>
+          <a:p>
+            <a:pPr algn="ctr"/>
+            <a:r>
+              <a:rPr lang="ko-KR" altLang="en-US" dirty="0"/>
+              <a:t>보통 위나 아래로 이동한다</a:t>
+            </a:r>
+            <a:r>
+              <a:rPr lang="en-US" altLang="ko-KR" dirty="0"/>
+              <a:t>.</a:t>
+            </a:r>
+            <a:endParaRPr lang="ko-KR" altLang="en-US" dirty="0"/>
+          </a:p>
+        </p:txBody>
+      </p:sp>
+      <p:pic>
+        <p:nvPicPr>
+          <p:cNvPr id="9" name="그림 8">
+            <a:extLst>
+              <a:ext uri="{FF2B5EF4-FFF2-40B4-BE49-F238E27FC236}">
+                <a16:creationId xmlns:a16="http://schemas.microsoft.com/office/drawing/2014/main" id="{C35D71B0-06AB-1FC3-FCB8-4E1816F9C8E1}"/>
+              </a:ext>
+            </a:extLst>
+          </p:cNvPr>
+          <p:cNvPicPr>
+            <a:picLocks noChangeAspect="1"/>
+          </p:cNvPicPr>
+          <p:nvPr/>
+        </p:nvPicPr>
+        <p:blipFill>
+          <a:blip r:embed="rId2"/>
+          <a:stretch>
+            <a:fillRect/>
+          </a:stretch>
+        </p:blipFill>
+        <p:spPr>
+          <a:xfrm>
+            <a:off x="560645" y="2738918"/>
+            <a:ext cx="4401164" cy="3467584"/>
+          </a:xfrm>
+          <a:prstGeom prst="rect">
+            <a:avLst/>
+          </a:prstGeom>
+        </p:spPr>
+      </p:pic>
+      <p:sp>
+        <p:nvSpPr>
+          <p:cNvPr id="10" name="직사각형 9">
+            <a:extLst>
+              <a:ext uri="{FF2B5EF4-FFF2-40B4-BE49-F238E27FC236}">
+                <a16:creationId xmlns:a16="http://schemas.microsoft.com/office/drawing/2014/main" id="{2280AE44-AF2D-7BE7-0AAF-38B32EEA4650}"/>
+              </a:ext>
+            </a:extLst>
+          </p:cNvPr>
+          <p:cNvSpPr/>
+          <p:nvPr/>
+        </p:nvSpPr>
+        <p:spPr>
+          <a:xfrm>
+            <a:off x="170429" y="1170467"/>
+            <a:ext cx="2314864" cy="699654"/>
+          </a:xfrm>
+          <a:prstGeom prst="rect">
+            <a:avLst/>
+          </a:prstGeom>
+        </p:spPr>
+        <p:style>
+          <a:lnRef idx="2">
+            <a:schemeClr val="accent1">
+              <a:shade val="15000"/>
+            </a:schemeClr>
+          </a:lnRef>
+          <a:fillRef idx="1">
+            <a:schemeClr val="accent1"/>
+          </a:fillRef>
+          <a:effectRef idx="0">
+            <a:schemeClr val="accent1"/>
+          </a:effectRef>
+          <a:fontRef idx="minor">
+            <a:schemeClr val="lt1"/>
+          </a:fontRef>
+        </p:style>
+        <p:txBody>
+          <a:bodyPr rtlCol="0" anchor="ctr"/>
+          <a:lstStyle/>
+          <a:p>
+            <a:pPr algn="ctr"/>
+            <a:r>
+              <a:rPr lang="ko-KR" altLang="en-US" dirty="0"/>
+              <a:t>행 범위 선택</a:t>
+            </a:r>
+            <a:endParaRPr lang="en-US" altLang="ko-KR" dirty="0"/>
+          </a:p>
+        </p:txBody>
+      </p:sp>
+      <p:sp>
+        <p:nvSpPr>
+          <p:cNvPr id="11" name="직사각형 10">
+            <a:extLst>
+              <a:ext uri="{FF2B5EF4-FFF2-40B4-BE49-F238E27FC236}">
+                <a16:creationId xmlns:a16="http://schemas.microsoft.com/office/drawing/2014/main" id="{78375A96-F974-5C38-969B-7F198F424F1B}"/>
+              </a:ext>
+            </a:extLst>
+          </p:cNvPr>
+          <p:cNvSpPr/>
+          <p:nvPr/>
+        </p:nvSpPr>
+        <p:spPr>
+          <a:xfrm>
+            <a:off x="2678099" y="1170467"/>
+            <a:ext cx="3913909" cy="699654"/>
+          </a:xfrm>
+          <a:prstGeom prst="rect">
+            <a:avLst/>
+          </a:prstGeom>
+        </p:spPr>
+        <p:style>
+          <a:lnRef idx="2">
+            <a:schemeClr val="accent1">
+              <a:shade val="15000"/>
+            </a:schemeClr>
+          </a:lnRef>
+          <a:fillRef idx="1">
+            <a:schemeClr val="accent1"/>
+          </a:fillRef>
+          <a:effectRef idx="0">
+            <a:schemeClr val="accent1"/>
+          </a:effectRef>
+          <a:fontRef idx="minor">
+            <a:schemeClr val="lt1"/>
+          </a:fontRef>
+        </p:style>
+        <p:txBody>
+          <a:bodyPr rtlCol="0" anchor="ctr"/>
+          <a:lstStyle/>
+          <a:p>
+            <a:pPr algn="ctr"/>
+            <a:r>
+              <a:rPr lang="en-US" altLang="ko-KR" dirty="0"/>
+              <a:t>Alt + </a:t>
+            </a:r>
+            <a:r>
+              <a:rPr lang="ko-KR" altLang="en-US" dirty="0"/>
+              <a:t>시프트 </a:t>
+            </a:r>
+            <a:r>
+              <a:rPr lang="en-US" altLang="ko-KR" dirty="0"/>
+              <a:t>+ </a:t>
+            </a:r>
+            <a:r>
+              <a:rPr lang="ko-KR" altLang="en-US" dirty="0" err="1"/>
+              <a:t>마우스드래그</a:t>
+            </a:r>
+            <a:endParaRPr lang="en-US" altLang="ko-KR" dirty="0"/>
+          </a:p>
+          <a:p>
+            <a:pPr algn="ctr"/>
+            <a:r>
+              <a:rPr lang="en-US" altLang="ko-KR" dirty="0"/>
+              <a:t>Alt + </a:t>
+            </a:r>
+            <a:r>
+              <a:rPr lang="ko-KR" altLang="en-US" dirty="0"/>
+              <a:t>시프트 </a:t>
+            </a:r>
+            <a:r>
+              <a:rPr lang="en-US" altLang="ko-KR" dirty="0"/>
+              <a:t>+ </a:t>
+            </a:r>
+            <a:r>
+              <a:rPr lang="ko-KR" altLang="en-US" dirty="0"/>
+              <a:t>방향키</a:t>
+            </a:r>
+          </a:p>
+        </p:txBody>
+      </p:sp>
+      <p:sp>
+        <p:nvSpPr>
+          <p:cNvPr id="12" name="직사각형 11">
+            <a:extLst>
+              <a:ext uri="{FF2B5EF4-FFF2-40B4-BE49-F238E27FC236}">
+                <a16:creationId xmlns:a16="http://schemas.microsoft.com/office/drawing/2014/main" id="{84783EEF-D902-B7A2-987D-6790D901CF77}"/>
+              </a:ext>
+            </a:extLst>
+          </p:cNvPr>
+          <p:cNvSpPr/>
+          <p:nvPr/>
+        </p:nvSpPr>
+        <p:spPr>
+          <a:xfrm>
+            <a:off x="6889883" y="279781"/>
+            <a:ext cx="2314864" cy="699654"/>
+          </a:xfrm>
+          <a:prstGeom prst="rect">
+            <a:avLst/>
+          </a:prstGeom>
+        </p:spPr>
+        <p:style>
+          <a:lnRef idx="2">
+            <a:schemeClr val="accent1">
+              <a:shade val="15000"/>
+            </a:schemeClr>
+          </a:lnRef>
+          <a:fillRef idx="1">
+            <a:schemeClr val="accent1"/>
+          </a:fillRef>
+          <a:effectRef idx="0">
+            <a:schemeClr val="accent1"/>
+          </a:effectRef>
+          <a:fontRef idx="minor">
+            <a:schemeClr val="lt1"/>
+          </a:fontRef>
+        </p:style>
+        <p:txBody>
+          <a:bodyPr rtlCol="0" anchor="ctr"/>
+          <a:lstStyle/>
+          <a:p>
+            <a:pPr algn="ctr"/>
+            <a:r>
+              <a:rPr lang="ko-KR" altLang="en-US" dirty="0"/>
+              <a:t>구문단위 이동</a:t>
+            </a:r>
+            <a:endParaRPr lang="en-US" altLang="ko-KR" dirty="0"/>
+          </a:p>
+        </p:txBody>
+      </p:sp>
+      <p:sp>
+        <p:nvSpPr>
+          <p:cNvPr id="13" name="직사각형 12">
+            <a:extLst>
+              <a:ext uri="{FF2B5EF4-FFF2-40B4-BE49-F238E27FC236}">
+                <a16:creationId xmlns:a16="http://schemas.microsoft.com/office/drawing/2014/main" id="{50D49181-F269-ADB5-FE90-E604E5D8A19F}"/>
+              </a:ext>
+            </a:extLst>
+          </p:cNvPr>
+          <p:cNvSpPr/>
+          <p:nvPr/>
+        </p:nvSpPr>
+        <p:spPr>
+          <a:xfrm>
+            <a:off x="9397553" y="279781"/>
+            <a:ext cx="3913909" cy="699654"/>
+          </a:xfrm>
+          <a:prstGeom prst="rect">
+            <a:avLst/>
+          </a:prstGeom>
+        </p:spPr>
+        <p:style>
+          <a:lnRef idx="2">
+            <a:schemeClr val="accent1">
+              <a:shade val="15000"/>
+            </a:schemeClr>
+          </a:lnRef>
+          <a:fillRef idx="1">
+            <a:schemeClr val="accent1"/>
+          </a:fillRef>
+          <a:effectRef idx="0">
+            <a:schemeClr val="accent1"/>
+          </a:effectRef>
+          <a:fontRef idx="minor">
+            <a:schemeClr val="lt1"/>
+          </a:fontRef>
+        </p:style>
+        <p:txBody>
+          <a:bodyPr rtlCol="0" anchor="ctr"/>
+          <a:lstStyle/>
+          <a:p>
+            <a:pPr algn="ctr"/>
+            <a:r>
+              <a:rPr lang="ko-KR" altLang="en-US" dirty="0"/>
+              <a:t>컨트롤 </a:t>
+            </a:r>
+            <a:r>
+              <a:rPr lang="en-US" altLang="ko-KR" dirty="0"/>
+              <a:t>+ </a:t>
+            </a:r>
+            <a:r>
+              <a:rPr lang="ko-KR" altLang="en-US"/>
+              <a:t>방향키</a:t>
+            </a:r>
+            <a:endParaRPr lang="ko-KR" altLang="en-US" dirty="0"/>
+          </a:p>
+        </p:txBody>
+      </p:sp>
+    </p:spTree>
+    <p:extLst>
+      <p:ext uri="{BB962C8B-B14F-4D97-AF65-F5344CB8AC3E}">
+        <p14:creationId xmlns:p14="http://schemas.microsoft.com/office/powerpoint/2010/main" val="2541269369"/>
+      </p:ext>
+    </p:extLst>
+  </p:cSld>
+  <p:clrMapOvr>
+    <a:masterClrMapping/>
+  </p:clrMapOvr>
+</p:sld>
+</file>
+
+<file path=ppt/slides/slide7.xml><?xml version="1.0" encoding="utf-8"?>
+<p:sld xmlns:a="http://schemas.openxmlformats.org/drawingml/2006/main" xmlns:r="http://schemas.openxmlformats.org/officeDocument/2006/relationships" xmlns:p="http://schemas.openxmlformats.org/presentationml/2006/main">
+  <p:cSld>
+    <p:spTree>
+      <p:nvGrpSpPr>
+        <p:cNvPr id="1" name=""/>
+        <p:cNvGrpSpPr/>
+        <p:nvPr/>
+      </p:nvGrpSpPr>
+      <p:grpSpPr>
+        <a:xfrm>
+          <a:off x="0" y="0"/>
+          <a:ext cx="0" cy="0"/>
+          <a:chOff x="0" y="0"/>
+          <a:chExt cx="0" cy="0"/>
+        </a:xfrm>
+      </p:grpSpPr>
+      <p:sp>
+        <p:nvSpPr>
+          <p:cNvPr id="3" name="직사각형 2">
+            <a:extLst>
+              <a:ext uri="{FF2B5EF4-FFF2-40B4-BE49-F238E27FC236}">
+                <a16:creationId xmlns:a16="http://schemas.microsoft.com/office/drawing/2014/main" id="{A5840210-0674-BA1E-A813-66127759208E}"/>
+              </a:ext>
+            </a:extLst>
+          </p:cNvPr>
+          <p:cNvSpPr/>
+          <p:nvPr/>
+        </p:nvSpPr>
+        <p:spPr>
+          <a:xfrm>
+            <a:off x="434109" y="556490"/>
+            <a:ext cx="11323782" cy="5908963"/>
+          </a:xfrm>
+          <a:prstGeom prst="rect">
+            <a:avLst/>
+          </a:prstGeom>
+        </p:spPr>
+        <p:style>
+          <a:lnRef idx="2">
+            <a:schemeClr val="accent1">
+              <a:shade val="15000"/>
+            </a:schemeClr>
+          </a:lnRef>
+          <a:fillRef idx="1">
+            <a:schemeClr val="accent1"/>
+          </a:fillRef>
+          <a:effectRef idx="0">
+            <a:schemeClr val="accent1"/>
+          </a:effectRef>
+          <a:fontRef idx="minor">
+            <a:schemeClr val="lt1"/>
+          </a:fontRef>
+        </p:style>
+        <p:txBody>
+          <a:bodyPr rtlCol="0" anchor="ctr"/>
+          <a:lstStyle/>
+          <a:p>
+            <a:pPr algn="ctr"/>
+            <a:r>
+              <a:rPr lang="ko-KR" altLang="en-US"/>
+              <a:t>파일관련</a:t>
+            </a:r>
+            <a:endParaRPr lang="ko-KR" altLang="en-US" dirty="0"/>
+          </a:p>
+        </p:txBody>
+      </p:sp>
+    </p:spTree>
+    <p:extLst>
+      <p:ext uri="{BB962C8B-B14F-4D97-AF65-F5344CB8AC3E}">
+        <p14:creationId xmlns:p14="http://schemas.microsoft.com/office/powerpoint/2010/main" val="543264706"/>
+      </p:ext>
+    </p:extLst>
+  </p:cSld>
+  <p:clrMapOvr>
+    <a:masterClrMapping/>
+  </p:clrMapOvr>
+</p:sld>
+</file>
+
+<file path=ppt/slides/slide8.xml><?xml version="1.0" encoding="utf-8"?>
+<p:sld xmlns:a="http://schemas.openxmlformats.org/drawingml/2006/main" xmlns:r="http://schemas.openxmlformats.org/officeDocument/2006/relationships" xmlns:p="http://schemas.openxmlformats.org/presentationml/2006/main">
+  <p:cSld>
+    <p:spTree>
+      <p:nvGrpSpPr>
+        <p:cNvPr id="1" name=""/>
+        <p:cNvGrpSpPr/>
+        <p:nvPr/>
+      </p:nvGrpSpPr>
+      <p:grpSpPr>
+        <a:xfrm>
+          <a:off x="0" y="0"/>
+          <a:ext cx="0" cy="0"/>
+          <a:chOff x="0" y="0"/>
+          <a:chExt cx="0" cy="0"/>
+        </a:xfrm>
+      </p:grpSpPr>
+      <p:sp>
+        <p:nvSpPr>
+          <p:cNvPr id="2" name="직사각형 1">
+            <a:extLst>
+              <a:ext uri="{FF2B5EF4-FFF2-40B4-BE49-F238E27FC236}">
+                <a16:creationId xmlns:a16="http://schemas.microsoft.com/office/drawing/2014/main" id="{41AE9207-08CC-7B4C-E9CA-FE91309CB5F0}"/>
+              </a:ext>
+            </a:extLst>
+          </p:cNvPr>
+          <p:cNvSpPr/>
+          <p:nvPr/>
+        </p:nvSpPr>
+        <p:spPr>
+          <a:xfrm>
+            <a:off x="434109" y="528782"/>
+            <a:ext cx="11323782" cy="699654"/>
+          </a:xfrm>
+          <a:prstGeom prst="rect">
+            <a:avLst/>
+          </a:prstGeom>
+        </p:spPr>
+        <p:style>
+          <a:lnRef idx="2">
+            <a:schemeClr val="accent1">
+              <a:shade val="15000"/>
+            </a:schemeClr>
+          </a:lnRef>
+          <a:fillRef idx="1">
+            <a:schemeClr val="accent1"/>
+          </a:fillRef>
+          <a:effectRef idx="0">
+            <a:schemeClr val="accent1"/>
+          </a:effectRef>
+          <a:fontRef idx="minor">
+            <a:schemeClr val="lt1"/>
+          </a:fontRef>
+        </p:style>
+        <p:txBody>
+          <a:bodyPr rtlCol="0" anchor="ctr"/>
+          <a:lstStyle/>
+          <a:p>
+            <a:pPr algn="ctr"/>
+            <a:r>
+              <a:rPr lang="en-US" altLang="ko-KR" dirty="0"/>
+              <a:t>#include </a:t>
+            </a:r>
+            <a:r>
+              <a:rPr lang="ko-KR" altLang="en-US" dirty="0"/>
+              <a:t>파일을 열기</a:t>
+            </a:r>
+          </a:p>
+        </p:txBody>
+      </p:sp>
+      <p:sp>
+        <p:nvSpPr>
+          <p:cNvPr id="3" name="직사각형 2">
+            <a:extLst>
+              <a:ext uri="{FF2B5EF4-FFF2-40B4-BE49-F238E27FC236}">
+                <a16:creationId xmlns:a16="http://schemas.microsoft.com/office/drawing/2014/main" id="{0896559C-009B-D4B4-E508-A88915C734C9}"/>
+              </a:ext>
+            </a:extLst>
+          </p:cNvPr>
+          <p:cNvSpPr/>
+          <p:nvPr/>
+        </p:nvSpPr>
+        <p:spPr>
+          <a:xfrm>
+            <a:off x="434109" y="1438564"/>
+            <a:ext cx="11323782" cy="699654"/>
+          </a:xfrm>
+          <a:prstGeom prst="rect">
+            <a:avLst/>
+          </a:prstGeom>
+        </p:spPr>
+        <p:style>
+          <a:lnRef idx="2">
+            <a:schemeClr val="accent1">
+              <a:shade val="15000"/>
+            </a:schemeClr>
+          </a:lnRef>
+          <a:fillRef idx="1">
+            <a:schemeClr val="accent1"/>
+          </a:fillRef>
+          <a:effectRef idx="0">
+            <a:schemeClr val="accent1"/>
+          </a:effectRef>
+          <a:fontRef idx="minor">
+            <a:schemeClr val="lt1"/>
+          </a:fontRef>
+        </p:style>
+        <p:txBody>
+          <a:bodyPr rtlCol="0" anchor="ctr"/>
+          <a:lstStyle/>
+          <a:p>
+            <a:pPr algn="ctr"/>
+            <a:r>
+              <a:rPr lang="ko-KR" altLang="en-US" dirty="0"/>
+              <a:t>컨트롤 </a:t>
+            </a:r>
+            <a:r>
+              <a:rPr lang="en-US" altLang="ko-KR" dirty="0"/>
+              <a:t>+ </a:t>
+            </a:r>
+            <a:r>
+              <a:rPr lang="ko-KR" altLang="en-US" dirty="0"/>
+              <a:t>시프트 </a:t>
+            </a:r>
+            <a:r>
+              <a:rPr lang="en-US" altLang="ko-KR" dirty="0"/>
+              <a:t>+ G</a:t>
+            </a:r>
+            <a:endParaRPr lang="ko-KR" altLang="en-US" dirty="0"/>
+          </a:p>
+        </p:txBody>
+      </p:sp>
+      <p:sp>
+        <p:nvSpPr>
+          <p:cNvPr id="4" name="직사각형 3">
+            <a:extLst>
+              <a:ext uri="{FF2B5EF4-FFF2-40B4-BE49-F238E27FC236}">
+                <a16:creationId xmlns:a16="http://schemas.microsoft.com/office/drawing/2014/main" id="{3721E046-6A63-4B9B-4A4D-C33FF03906C4}"/>
+              </a:ext>
+            </a:extLst>
+          </p:cNvPr>
+          <p:cNvSpPr/>
+          <p:nvPr/>
+        </p:nvSpPr>
+        <p:spPr>
+          <a:xfrm>
+            <a:off x="434109" y="2348346"/>
+            <a:ext cx="11323782" cy="699654"/>
+          </a:xfrm>
+          <a:prstGeom prst="rect">
+            <a:avLst/>
+          </a:prstGeom>
+        </p:spPr>
+        <p:style>
+          <a:lnRef idx="2">
+            <a:schemeClr val="accent1">
+              <a:shade val="15000"/>
+            </a:schemeClr>
+          </a:lnRef>
+          <a:fillRef idx="1">
+            <a:schemeClr val="accent1"/>
+          </a:fillRef>
+          <a:effectRef idx="0">
+            <a:schemeClr val="accent1"/>
+          </a:effectRef>
+          <a:fontRef idx="minor">
+            <a:schemeClr val="lt1"/>
+          </a:fontRef>
+        </p:style>
+        <p:txBody>
+          <a:bodyPr rtlCol="0" anchor="ctr"/>
+          <a:lstStyle/>
+          <a:p>
+            <a:pPr algn="ctr"/>
+            <a:r>
+              <a:rPr lang="ko-KR" altLang="en-US" dirty="0"/>
+              <a:t>한파일의 코드 전체선택</a:t>
+            </a:r>
+          </a:p>
+        </p:txBody>
+      </p:sp>
+      <p:sp>
+        <p:nvSpPr>
+          <p:cNvPr id="5" name="직사각형 4">
+            <a:extLst>
+              <a:ext uri="{FF2B5EF4-FFF2-40B4-BE49-F238E27FC236}">
+                <a16:creationId xmlns:a16="http://schemas.microsoft.com/office/drawing/2014/main" id="{F8447077-EE64-B455-01B2-714B8557369E}"/>
+              </a:ext>
+            </a:extLst>
+          </p:cNvPr>
+          <p:cNvSpPr/>
+          <p:nvPr/>
+        </p:nvSpPr>
+        <p:spPr>
+          <a:xfrm>
+            <a:off x="434109" y="3258128"/>
+            <a:ext cx="11323782" cy="699654"/>
+          </a:xfrm>
+          <a:prstGeom prst="rect">
+            <a:avLst/>
+          </a:prstGeom>
+        </p:spPr>
+        <p:style>
+          <a:lnRef idx="2">
+            <a:schemeClr val="accent1">
+              <a:shade val="15000"/>
+            </a:schemeClr>
+          </a:lnRef>
+          <a:fillRef idx="1">
+            <a:schemeClr val="accent1"/>
+          </a:fillRef>
+          <a:effectRef idx="0">
+            <a:schemeClr val="accent1"/>
+          </a:effectRef>
+          <a:fontRef idx="minor">
+            <a:schemeClr val="lt1"/>
+          </a:fontRef>
+        </p:style>
+        <p:txBody>
+          <a:bodyPr rtlCol="0" anchor="ctr"/>
+          <a:lstStyle/>
+          <a:p>
+            <a:pPr algn="ctr"/>
+            <a:r>
+              <a:rPr lang="ko-KR" altLang="en-US" dirty="0"/>
+              <a:t>시프트 </a:t>
+            </a:r>
+            <a:r>
+              <a:rPr lang="en-US" altLang="ko-KR" dirty="0"/>
+              <a:t>+ A</a:t>
+            </a:r>
+            <a:endParaRPr lang="ko-KR" altLang="en-US" dirty="0"/>
+          </a:p>
+        </p:txBody>
+      </p:sp>
+    </p:spTree>
+    <p:extLst>
+      <p:ext uri="{BB962C8B-B14F-4D97-AF65-F5344CB8AC3E}">
+        <p14:creationId xmlns:p14="http://schemas.microsoft.com/office/powerpoint/2010/main" val="2058413992"/>
+      </p:ext>
+    </p:extLst>
+  </p:cSld>
+  <p:clrMapOvr>
+    <a:masterClrMapping/>
+  </p:clrMapOvr>
+</p:sld>
+</file>
+
+<file path=ppt/slides/slide9.xml><?xml version="1.0" encoding="utf-8"?>
+<p:sld xmlns:a="http://schemas.openxmlformats.org/drawingml/2006/main" xmlns:r="http://schemas.openxmlformats.org/officeDocument/2006/relationships" xmlns:p="http://schemas.openxmlformats.org/presentationml/2006/main">
+  <p:cSld>
+    <p:spTree>
+      <p:nvGrpSpPr>
+        <p:cNvPr id="1" name=""/>
+        <p:cNvGrpSpPr/>
+        <p:nvPr/>
+      </p:nvGrpSpPr>
+      <p:grpSpPr>
+        <a:xfrm>
+          <a:off x="0" y="0"/>
+          <a:ext cx="0" cy="0"/>
+          <a:chOff x="0" y="0"/>
+          <a:chExt cx="0" cy="0"/>
+        </a:xfrm>
+      </p:grpSpPr>
+      <p:sp>
+        <p:nvSpPr>
+          <p:cNvPr id="3" name="직사각형 2">
+            <a:extLst>
+              <a:ext uri="{FF2B5EF4-FFF2-40B4-BE49-F238E27FC236}">
+                <a16:creationId xmlns:a16="http://schemas.microsoft.com/office/drawing/2014/main" id="{A5840210-0674-BA1E-A813-66127759208E}"/>
+              </a:ext>
+            </a:extLst>
+          </p:cNvPr>
+          <p:cNvSpPr/>
+          <p:nvPr/>
+        </p:nvSpPr>
+        <p:spPr>
+          <a:xfrm>
+            <a:off x="434109" y="556490"/>
+            <a:ext cx="11323782" cy="5908963"/>
+          </a:xfrm>
+          <a:prstGeom prst="rect">
+            <a:avLst/>
+          </a:prstGeom>
+        </p:spPr>
+        <p:style>
+          <a:lnRef idx="2">
+            <a:schemeClr val="accent1">
+              <a:shade val="15000"/>
+            </a:schemeClr>
+          </a:lnRef>
+          <a:fillRef idx="1">
+            <a:schemeClr val="accent1"/>
+          </a:fillRef>
+          <a:effectRef idx="0">
+            <a:schemeClr val="accent1"/>
+          </a:effectRef>
+          <a:fontRef idx="minor">
+            <a:schemeClr val="lt1"/>
+          </a:fontRef>
+        </p:style>
+        <p:txBody>
+          <a:bodyPr rtlCol="0" anchor="ctr"/>
+          <a:lstStyle/>
+          <a:p>
+            <a:pPr algn="ctr"/>
+            <a:r>
+              <a:rPr lang="ko-KR" altLang="en-US"/>
+              <a:t>디버깅</a:t>
+            </a:r>
+            <a:endParaRPr lang="ko-KR" altLang="en-US" dirty="0"/>
+          </a:p>
+        </p:txBody>
+      </p:sp>
+    </p:spTree>
+    <p:extLst>
+      <p:ext uri="{BB962C8B-B14F-4D97-AF65-F5344CB8AC3E}">
+        <p14:creationId xmlns:p14="http://schemas.microsoft.com/office/powerpoint/2010/main" val="3967221169"/>
       </p:ext>
     </p:extLst>
   </p:cSld>

--- a/DOC/공통문서/비주얼스튜디오 단축키.pptx
+++ b/DOC/공통문서/비주얼스튜디오 단축키.pptx
@@ -7,31 +7,33 @@
   <p:sldIdLst>
     <p:sldId id="281" r:id="rId2"/>
     <p:sldId id="286" r:id="rId3"/>
-    <p:sldId id="260" r:id="rId4"/>
-    <p:sldId id="261" r:id="rId5"/>
-    <p:sldId id="279" r:id="rId6"/>
-    <p:sldId id="265" r:id="rId7"/>
-    <p:sldId id="282" r:id="rId8"/>
-    <p:sldId id="262" r:id="rId9"/>
-    <p:sldId id="283" r:id="rId10"/>
-    <p:sldId id="280" r:id="rId11"/>
-    <p:sldId id="263" r:id="rId12"/>
-    <p:sldId id="284" r:id="rId13"/>
-    <p:sldId id="264" r:id="rId14"/>
-    <p:sldId id="285" r:id="rId15"/>
-    <p:sldId id="266" r:id="rId16"/>
-    <p:sldId id="267" r:id="rId17"/>
-    <p:sldId id="268" r:id="rId18"/>
-    <p:sldId id="269" r:id="rId19"/>
-    <p:sldId id="270" r:id="rId20"/>
-    <p:sldId id="271" r:id="rId21"/>
-    <p:sldId id="272" r:id="rId22"/>
-    <p:sldId id="273" r:id="rId23"/>
-    <p:sldId id="274" r:id="rId24"/>
-    <p:sldId id="275" r:id="rId25"/>
-    <p:sldId id="276" r:id="rId26"/>
-    <p:sldId id="277" r:id="rId27"/>
-    <p:sldId id="278" r:id="rId28"/>
+    <p:sldId id="287" r:id="rId4"/>
+    <p:sldId id="288" r:id="rId5"/>
+    <p:sldId id="260" r:id="rId6"/>
+    <p:sldId id="261" r:id="rId7"/>
+    <p:sldId id="279" r:id="rId8"/>
+    <p:sldId id="265" r:id="rId9"/>
+    <p:sldId id="282" r:id="rId10"/>
+    <p:sldId id="262" r:id="rId11"/>
+    <p:sldId id="283" r:id="rId12"/>
+    <p:sldId id="280" r:id="rId13"/>
+    <p:sldId id="263" r:id="rId14"/>
+    <p:sldId id="284" r:id="rId15"/>
+    <p:sldId id="264" r:id="rId16"/>
+    <p:sldId id="285" r:id="rId17"/>
+    <p:sldId id="266" r:id="rId18"/>
+    <p:sldId id="267" r:id="rId19"/>
+    <p:sldId id="268" r:id="rId20"/>
+    <p:sldId id="269" r:id="rId21"/>
+    <p:sldId id="270" r:id="rId22"/>
+    <p:sldId id="271" r:id="rId23"/>
+    <p:sldId id="272" r:id="rId24"/>
+    <p:sldId id="273" r:id="rId25"/>
+    <p:sldId id="274" r:id="rId26"/>
+    <p:sldId id="275" r:id="rId27"/>
+    <p:sldId id="276" r:id="rId28"/>
+    <p:sldId id="277" r:id="rId29"/>
+    <p:sldId id="278" r:id="rId30"/>
   </p:sldIdLst>
   <p:sldSz cx="12192000" cy="6858000"/>
   <p:notesSz cx="6858000" cy="9144000"/>
@@ -3529,6 +3531,334 @@
         </p:nvSpPr>
         <p:spPr>
           <a:xfrm>
+            <a:off x="434109" y="528782"/>
+            <a:ext cx="11323782" cy="699654"/>
+          </a:xfrm>
+          <a:prstGeom prst="rect">
+            <a:avLst/>
+          </a:prstGeom>
+        </p:spPr>
+        <p:style>
+          <a:lnRef idx="2">
+            <a:schemeClr val="accent1">
+              <a:shade val="15000"/>
+            </a:schemeClr>
+          </a:lnRef>
+          <a:fillRef idx="1">
+            <a:schemeClr val="accent1"/>
+          </a:fillRef>
+          <a:effectRef idx="0">
+            <a:schemeClr val="accent1"/>
+          </a:effectRef>
+          <a:fontRef idx="minor">
+            <a:schemeClr val="lt1"/>
+          </a:fontRef>
+        </p:style>
+        <p:txBody>
+          <a:bodyPr rtlCol="0" anchor="ctr"/>
+          <a:lstStyle/>
+          <a:p>
+            <a:pPr algn="ctr"/>
+            <a:r>
+              <a:rPr lang="en-US" altLang="ko-KR" dirty="0"/>
+              <a:t>#include </a:t>
+            </a:r>
+            <a:r>
+              <a:rPr lang="ko-KR" altLang="en-US" dirty="0"/>
+              <a:t>파일을 열기</a:t>
+            </a:r>
+          </a:p>
+        </p:txBody>
+      </p:sp>
+      <p:sp>
+        <p:nvSpPr>
+          <p:cNvPr id="3" name="직사각형 2">
+            <a:extLst>
+              <a:ext uri="{FF2B5EF4-FFF2-40B4-BE49-F238E27FC236}">
+                <a16:creationId xmlns:a16="http://schemas.microsoft.com/office/drawing/2014/main" id="{0896559C-009B-D4B4-E508-A88915C734C9}"/>
+              </a:ext>
+            </a:extLst>
+          </p:cNvPr>
+          <p:cNvSpPr/>
+          <p:nvPr/>
+        </p:nvSpPr>
+        <p:spPr>
+          <a:xfrm>
+            <a:off x="434109" y="1438564"/>
+            <a:ext cx="11323782" cy="699654"/>
+          </a:xfrm>
+          <a:prstGeom prst="rect">
+            <a:avLst/>
+          </a:prstGeom>
+        </p:spPr>
+        <p:style>
+          <a:lnRef idx="2">
+            <a:schemeClr val="accent1">
+              <a:shade val="15000"/>
+            </a:schemeClr>
+          </a:lnRef>
+          <a:fillRef idx="1">
+            <a:schemeClr val="accent1"/>
+          </a:fillRef>
+          <a:effectRef idx="0">
+            <a:schemeClr val="accent1"/>
+          </a:effectRef>
+          <a:fontRef idx="minor">
+            <a:schemeClr val="lt1"/>
+          </a:fontRef>
+        </p:style>
+        <p:txBody>
+          <a:bodyPr rtlCol="0" anchor="ctr"/>
+          <a:lstStyle/>
+          <a:p>
+            <a:pPr algn="ctr"/>
+            <a:r>
+              <a:rPr lang="ko-KR" altLang="en-US" dirty="0"/>
+              <a:t>컨트롤 </a:t>
+            </a:r>
+            <a:r>
+              <a:rPr lang="en-US" altLang="ko-KR" dirty="0"/>
+              <a:t>+ </a:t>
+            </a:r>
+            <a:r>
+              <a:rPr lang="ko-KR" altLang="en-US" dirty="0"/>
+              <a:t>시프트 </a:t>
+            </a:r>
+            <a:r>
+              <a:rPr lang="en-US" altLang="ko-KR" dirty="0"/>
+              <a:t>+ G</a:t>
+            </a:r>
+            <a:endParaRPr lang="ko-KR" altLang="en-US" dirty="0"/>
+          </a:p>
+        </p:txBody>
+      </p:sp>
+      <p:sp>
+        <p:nvSpPr>
+          <p:cNvPr id="4" name="직사각형 3">
+            <a:extLst>
+              <a:ext uri="{FF2B5EF4-FFF2-40B4-BE49-F238E27FC236}">
+                <a16:creationId xmlns:a16="http://schemas.microsoft.com/office/drawing/2014/main" id="{3721E046-6A63-4B9B-4A4D-C33FF03906C4}"/>
+              </a:ext>
+            </a:extLst>
+          </p:cNvPr>
+          <p:cNvSpPr/>
+          <p:nvPr/>
+        </p:nvSpPr>
+        <p:spPr>
+          <a:xfrm>
+            <a:off x="434109" y="2348346"/>
+            <a:ext cx="11323782" cy="699654"/>
+          </a:xfrm>
+          <a:prstGeom prst="rect">
+            <a:avLst/>
+          </a:prstGeom>
+        </p:spPr>
+        <p:style>
+          <a:lnRef idx="2">
+            <a:schemeClr val="accent1">
+              <a:shade val="15000"/>
+            </a:schemeClr>
+          </a:lnRef>
+          <a:fillRef idx="1">
+            <a:schemeClr val="accent1"/>
+          </a:fillRef>
+          <a:effectRef idx="0">
+            <a:schemeClr val="accent1"/>
+          </a:effectRef>
+          <a:fontRef idx="minor">
+            <a:schemeClr val="lt1"/>
+          </a:fontRef>
+        </p:style>
+        <p:txBody>
+          <a:bodyPr rtlCol="0" anchor="ctr"/>
+          <a:lstStyle/>
+          <a:p>
+            <a:pPr algn="ctr"/>
+            <a:r>
+              <a:rPr lang="ko-KR" altLang="en-US" dirty="0"/>
+              <a:t>한파일의 코드 전체선택</a:t>
+            </a:r>
+          </a:p>
+        </p:txBody>
+      </p:sp>
+      <p:sp>
+        <p:nvSpPr>
+          <p:cNvPr id="5" name="직사각형 4">
+            <a:extLst>
+              <a:ext uri="{FF2B5EF4-FFF2-40B4-BE49-F238E27FC236}">
+                <a16:creationId xmlns:a16="http://schemas.microsoft.com/office/drawing/2014/main" id="{F8447077-EE64-B455-01B2-714B8557369E}"/>
+              </a:ext>
+            </a:extLst>
+          </p:cNvPr>
+          <p:cNvSpPr/>
+          <p:nvPr/>
+        </p:nvSpPr>
+        <p:spPr>
+          <a:xfrm>
+            <a:off x="434109" y="3258128"/>
+            <a:ext cx="11323782" cy="699654"/>
+          </a:xfrm>
+          <a:prstGeom prst="rect">
+            <a:avLst/>
+          </a:prstGeom>
+        </p:spPr>
+        <p:style>
+          <a:lnRef idx="2">
+            <a:schemeClr val="accent1">
+              <a:shade val="15000"/>
+            </a:schemeClr>
+          </a:lnRef>
+          <a:fillRef idx="1">
+            <a:schemeClr val="accent1"/>
+          </a:fillRef>
+          <a:effectRef idx="0">
+            <a:schemeClr val="accent1"/>
+          </a:effectRef>
+          <a:fontRef idx="minor">
+            <a:schemeClr val="lt1"/>
+          </a:fontRef>
+        </p:style>
+        <p:txBody>
+          <a:bodyPr rtlCol="0" anchor="ctr"/>
+          <a:lstStyle/>
+          <a:p>
+            <a:pPr algn="ctr"/>
+            <a:r>
+              <a:rPr lang="ko-KR" altLang="en-US" dirty="0"/>
+              <a:t>시프트 </a:t>
+            </a:r>
+            <a:r>
+              <a:rPr lang="en-US" altLang="ko-KR" dirty="0"/>
+              <a:t>+ A</a:t>
+            </a:r>
+            <a:endParaRPr lang="ko-KR" altLang="en-US" dirty="0"/>
+          </a:p>
+        </p:txBody>
+      </p:sp>
+    </p:spTree>
+    <p:extLst>
+      <p:ext uri="{BB962C8B-B14F-4D97-AF65-F5344CB8AC3E}">
+        <p14:creationId xmlns:p14="http://schemas.microsoft.com/office/powerpoint/2010/main" val="2058413992"/>
+      </p:ext>
+    </p:extLst>
+  </p:cSld>
+  <p:clrMapOvr>
+    <a:masterClrMapping/>
+  </p:clrMapOvr>
+</p:sld>
+</file>
+
+<file path=ppt/slides/slide11.xml><?xml version="1.0" encoding="utf-8"?>
+<p:sld xmlns:a="http://schemas.openxmlformats.org/drawingml/2006/main" xmlns:r="http://schemas.openxmlformats.org/officeDocument/2006/relationships" xmlns:p="http://schemas.openxmlformats.org/presentationml/2006/main">
+  <p:cSld>
+    <p:spTree>
+      <p:nvGrpSpPr>
+        <p:cNvPr id="1" name=""/>
+        <p:cNvGrpSpPr/>
+        <p:nvPr/>
+      </p:nvGrpSpPr>
+      <p:grpSpPr>
+        <a:xfrm>
+          <a:off x="0" y="0"/>
+          <a:ext cx="0" cy="0"/>
+          <a:chOff x="0" y="0"/>
+          <a:chExt cx="0" cy="0"/>
+        </a:xfrm>
+      </p:grpSpPr>
+      <p:sp>
+        <p:nvSpPr>
+          <p:cNvPr id="3" name="직사각형 2">
+            <a:extLst>
+              <a:ext uri="{FF2B5EF4-FFF2-40B4-BE49-F238E27FC236}">
+                <a16:creationId xmlns:a16="http://schemas.microsoft.com/office/drawing/2014/main" id="{A5840210-0674-BA1E-A813-66127759208E}"/>
+              </a:ext>
+            </a:extLst>
+          </p:cNvPr>
+          <p:cNvSpPr/>
+          <p:nvPr/>
+        </p:nvSpPr>
+        <p:spPr>
+          <a:xfrm>
+            <a:off x="434109" y="556490"/>
+            <a:ext cx="11323782" cy="5908963"/>
+          </a:xfrm>
+          <a:prstGeom prst="rect">
+            <a:avLst/>
+          </a:prstGeom>
+        </p:spPr>
+        <p:style>
+          <a:lnRef idx="2">
+            <a:schemeClr val="accent1">
+              <a:shade val="15000"/>
+            </a:schemeClr>
+          </a:lnRef>
+          <a:fillRef idx="1">
+            <a:schemeClr val="accent1"/>
+          </a:fillRef>
+          <a:effectRef idx="0">
+            <a:schemeClr val="accent1"/>
+          </a:effectRef>
+          <a:fontRef idx="minor">
+            <a:schemeClr val="lt1"/>
+          </a:fontRef>
+        </p:style>
+        <p:txBody>
+          <a:bodyPr rtlCol="0" anchor="ctr"/>
+          <a:lstStyle/>
+          <a:p>
+            <a:pPr algn="ctr"/>
+            <a:r>
+              <a:rPr lang="ko-KR" altLang="en-US"/>
+              <a:t>디버깅</a:t>
+            </a:r>
+            <a:endParaRPr lang="ko-KR" altLang="en-US" dirty="0"/>
+          </a:p>
+        </p:txBody>
+      </p:sp>
+    </p:spTree>
+    <p:extLst>
+      <p:ext uri="{BB962C8B-B14F-4D97-AF65-F5344CB8AC3E}">
+        <p14:creationId xmlns:p14="http://schemas.microsoft.com/office/powerpoint/2010/main" val="3967221169"/>
+      </p:ext>
+    </p:extLst>
+  </p:cSld>
+  <p:clrMapOvr>
+    <a:masterClrMapping/>
+  </p:clrMapOvr>
+</p:sld>
+</file>
+
+<file path=ppt/slides/slide12.xml><?xml version="1.0" encoding="utf-8"?>
+<p:sld xmlns:a="http://schemas.openxmlformats.org/drawingml/2006/main" xmlns:r="http://schemas.openxmlformats.org/officeDocument/2006/relationships" xmlns:p="http://schemas.openxmlformats.org/presentationml/2006/main">
+  <p:cSld>
+    <p:spTree>
+      <p:nvGrpSpPr>
+        <p:cNvPr id="1" name=""/>
+        <p:cNvGrpSpPr/>
+        <p:nvPr/>
+      </p:nvGrpSpPr>
+      <p:grpSpPr>
+        <a:xfrm>
+          <a:off x="0" y="0"/>
+          <a:ext cx="0" cy="0"/>
+          <a:chOff x="0" y="0"/>
+          <a:chExt cx="0" cy="0"/>
+        </a:xfrm>
+      </p:grpSpPr>
+      <p:sp>
+        <p:nvSpPr>
+          <p:cNvPr id="2" name="직사각형 1">
+            <a:extLst>
+              <a:ext uri="{FF2B5EF4-FFF2-40B4-BE49-F238E27FC236}">
+                <a16:creationId xmlns:a16="http://schemas.microsoft.com/office/drawing/2014/main" id="{41AE9207-08CC-7B4C-E9CA-FE91309CB5F0}"/>
+              </a:ext>
+            </a:extLst>
+          </p:cNvPr>
+          <p:cNvSpPr/>
+          <p:nvPr/>
+        </p:nvSpPr>
+        <p:spPr>
+          <a:xfrm>
             <a:off x="207375" y="2107046"/>
             <a:ext cx="2314864" cy="699654"/>
           </a:xfrm>
@@ -4328,227 +4658,6 @@
 </p:sld>
 </file>
 
-<file path=ppt/slides/slide11.xml><?xml version="1.0" encoding="utf-8"?>
-<p:sld xmlns:a="http://schemas.openxmlformats.org/drawingml/2006/main" xmlns:r="http://schemas.openxmlformats.org/officeDocument/2006/relationships" xmlns:p="http://schemas.openxmlformats.org/presentationml/2006/main">
-  <p:cSld>
-    <p:spTree>
-      <p:nvGrpSpPr>
-        <p:cNvPr id="1" name=""/>
-        <p:cNvGrpSpPr/>
-        <p:nvPr/>
-      </p:nvGrpSpPr>
-      <p:grpSpPr>
-        <a:xfrm>
-          <a:off x="0" y="0"/>
-          <a:ext cx="0" cy="0"/>
-          <a:chOff x="0" y="0"/>
-          <a:chExt cx="0" cy="0"/>
-        </a:xfrm>
-      </p:grpSpPr>
-      <p:sp>
-        <p:nvSpPr>
-          <p:cNvPr id="4" name="직사각형 3">
-            <a:extLst>
-              <a:ext uri="{FF2B5EF4-FFF2-40B4-BE49-F238E27FC236}">
-                <a16:creationId xmlns:a16="http://schemas.microsoft.com/office/drawing/2014/main" id="{BF543E7D-B64F-96E1-71EC-DD4B0AC09943}"/>
-              </a:ext>
-            </a:extLst>
-          </p:cNvPr>
-          <p:cNvSpPr/>
-          <p:nvPr/>
-        </p:nvSpPr>
-        <p:spPr>
-          <a:xfrm>
-            <a:off x="179666" y="619992"/>
-            <a:ext cx="2314864" cy="699654"/>
-          </a:xfrm>
-          <a:prstGeom prst="rect">
-            <a:avLst/>
-          </a:prstGeom>
-        </p:spPr>
-        <p:style>
-          <a:lnRef idx="2">
-            <a:schemeClr val="accent1">
-              <a:shade val="15000"/>
-            </a:schemeClr>
-          </a:lnRef>
-          <a:fillRef idx="1">
-            <a:schemeClr val="accent1"/>
-          </a:fillRef>
-          <a:effectRef idx="0">
-            <a:schemeClr val="accent1"/>
-          </a:effectRef>
-          <a:fontRef idx="minor">
-            <a:schemeClr val="lt1"/>
-          </a:fontRef>
-        </p:style>
-        <p:txBody>
-          <a:bodyPr rtlCol="0" anchor="ctr"/>
-          <a:lstStyle/>
-          <a:p>
-            <a:pPr algn="ctr"/>
-            <a:r>
-              <a:rPr lang="ko-KR" altLang="en-US" dirty="0"/>
-              <a:t>컴파일 </a:t>
-            </a:r>
-            <a:r>
-              <a:rPr lang="ko-KR" altLang="en-US" dirty="0" err="1"/>
-              <a:t>에러시</a:t>
-            </a:r>
-            <a:endParaRPr lang="en-US" altLang="ko-KR" dirty="0"/>
-          </a:p>
-          <a:p>
-            <a:pPr algn="ctr"/>
-            <a:r>
-              <a:rPr lang="ko-KR" altLang="en-US" dirty="0"/>
-              <a:t>에러 위치로 이동</a:t>
-            </a:r>
-          </a:p>
-        </p:txBody>
-      </p:sp>
-      <p:sp>
-        <p:nvSpPr>
-          <p:cNvPr id="5" name="직사각형 4">
-            <a:extLst>
-              <a:ext uri="{FF2B5EF4-FFF2-40B4-BE49-F238E27FC236}">
-                <a16:creationId xmlns:a16="http://schemas.microsoft.com/office/drawing/2014/main" id="{44D6DBC5-8748-C6A7-2150-FED36194AA1A}"/>
-              </a:ext>
-            </a:extLst>
-          </p:cNvPr>
-          <p:cNvSpPr/>
-          <p:nvPr/>
-        </p:nvSpPr>
-        <p:spPr>
-          <a:xfrm>
-            <a:off x="2687338" y="619992"/>
-            <a:ext cx="3913909" cy="699654"/>
-          </a:xfrm>
-          <a:prstGeom prst="rect">
-            <a:avLst/>
-          </a:prstGeom>
-        </p:spPr>
-        <p:style>
-          <a:lnRef idx="2">
-            <a:schemeClr val="accent1">
-              <a:shade val="15000"/>
-            </a:schemeClr>
-          </a:lnRef>
-          <a:fillRef idx="1">
-            <a:schemeClr val="accent1"/>
-          </a:fillRef>
-          <a:effectRef idx="0">
-            <a:schemeClr val="accent1"/>
-          </a:effectRef>
-          <a:fontRef idx="minor">
-            <a:schemeClr val="lt1"/>
-          </a:fontRef>
-        </p:style>
-        <p:txBody>
-          <a:bodyPr rtlCol="0" anchor="ctr"/>
-          <a:lstStyle/>
-          <a:p>
-            <a:pPr algn="ctr"/>
-            <a:r>
-              <a:rPr lang="en-US" altLang="ko-KR" dirty="0"/>
-              <a:t>F8</a:t>
-            </a:r>
-            <a:endParaRPr lang="ko-KR" altLang="en-US" dirty="0"/>
-          </a:p>
-        </p:txBody>
-      </p:sp>
-    </p:spTree>
-    <p:extLst>
-      <p:ext uri="{BB962C8B-B14F-4D97-AF65-F5344CB8AC3E}">
-        <p14:creationId xmlns:p14="http://schemas.microsoft.com/office/powerpoint/2010/main" val="3295177245"/>
-      </p:ext>
-    </p:extLst>
-  </p:cSld>
-  <p:clrMapOvr>
-    <a:masterClrMapping/>
-  </p:clrMapOvr>
-</p:sld>
-</file>
-
-<file path=ppt/slides/slide12.xml><?xml version="1.0" encoding="utf-8"?>
-<p:sld xmlns:a="http://schemas.openxmlformats.org/drawingml/2006/main" xmlns:r="http://schemas.openxmlformats.org/officeDocument/2006/relationships" xmlns:p="http://schemas.openxmlformats.org/presentationml/2006/main">
-  <p:cSld>
-    <p:spTree>
-      <p:nvGrpSpPr>
-        <p:cNvPr id="1" name=""/>
-        <p:cNvGrpSpPr/>
-        <p:nvPr/>
-      </p:nvGrpSpPr>
-      <p:grpSpPr>
-        <a:xfrm>
-          <a:off x="0" y="0"/>
-          <a:ext cx="0" cy="0"/>
-          <a:chOff x="0" y="0"/>
-          <a:chExt cx="0" cy="0"/>
-        </a:xfrm>
-      </p:grpSpPr>
-      <p:sp>
-        <p:nvSpPr>
-          <p:cNvPr id="3" name="직사각형 2">
-            <a:extLst>
-              <a:ext uri="{FF2B5EF4-FFF2-40B4-BE49-F238E27FC236}">
-                <a16:creationId xmlns:a16="http://schemas.microsoft.com/office/drawing/2014/main" id="{A5840210-0674-BA1E-A813-66127759208E}"/>
-              </a:ext>
-            </a:extLst>
-          </p:cNvPr>
-          <p:cNvSpPr/>
-          <p:nvPr/>
-        </p:nvSpPr>
-        <p:spPr>
-          <a:xfrm>
-            <a:off x="434109" y="556490"/>
-            <a:ext cx="11323782" cy="5908963"/>
-          </a:xfrm>
-          <a:prstGeom prst="rect">
-            <a:avLst/>
-          </a:prstGeom>
-        </p:spPr>
-        <p:style>
-          <a:lnRef idx="2">
-            <a:schemeClr val="accent1">
-              <a:shade val="15000"/>
-            </a:schemeClr>
-          </a:lnRef>
-          <a:fillRef idx="1">
-            <a:schemeClr val="accent1"/>
-          </a:fillRef>
-          <a:effectRef idx="0">
-            <a:schemeClr val="accent1"/>
-          </a:effectRef>
-          <a:fontRef idx="minor">
-            <a:schemeClr val="lt1"/>
-          </a:fontRef>
-        </p:style>
-        <p:txBody>
-          <a:bodyPr rtlCol="0" anchor="ctr"/>
-          <a:lstStyle/>
-          <a:p>
-            <a:pPr algn="ctr"/>
-            <a:r>
-              <a:rPr lang="ko-KR" altLang="en-US"/>
-              <a:t>주석</a:t>
-            </a:r>
-            <a:endParaRPr lang="ko-KR" altLang="en-US" dirty="0"/>
-          </a:p>
-        </p:txBody>
-      </p:sp>
-    </p:spTree>
-    <p:extLst>
-      <p:ext uri="{BB962C8B-B14F-4D97-AF65-F5344CB8AC3E}">
-        <p14:creationId xmlns:p14="http://schemas.microsoft.com/office/powerpoint/2010/main" val="1634534451"/>
-      </p:ext>
-    </p:extLst>
-  </p:cSld>
-  <p:clrMapOvr>
-    <a:masterClrMapping/>
-  </p:clrMapOvr>
-</p:sld>
-</file>
-
 <file path=ppt/slides/slide13.xml><?xml version="1.0" encoding="utf-8"?>
 <p:sld xmlns:a="http://schemas.openxmlformats.org/drawingml/2006/main" xmlns:r="http://schemas.openxmlformats.org/officeDocument/2006/relationships" xmlns:p="http://schemas.openxmlformats.org/presentationml/2006/main">
   <p:cSld>
@@ -4566,42 +4675,12 @@
           <a:chExt cx="0" cy="0"/>
         </a:xfrm>
       </p:grpSpPr>
-      <p:pic>
-        <p:nvPicPr>
-          <p:cNvPr id="3" name="그림 2">
-            <a:extLst>
-              <a:ext uri="{FF2B5EF4-FFF2-40B4-BE49-F238E27FC236}">
-                <a16:creationId xmlns:a16="http://schemas.microsoft.com/office/drawing/2014/main" id="{DF073574-7B28-FEE2-C902-9E19A825D40F}"/>
-              </a:ext>
-            </a:extLst>
-          </p:cNvPr>
-          <p:cNvPicPr>
-            <a:picLocks noChangeAspect="1"/>
-          </p:cNvPicPr>
-          <p:nvPr/>
-        </p:nvPicPr>
-        <p:blipFill>
-          <a:blip r:embed="rId2"/>
-          <a:stretch>
-            <a:fillRect/>
-          </a:stretch>
-        </p:blipFill>
-        <p:spPr>
-          <a:xfrm>
-            <a:off x="780524" y="4135062"/>
-            <a:ext cx="5458587" cy="1247949"/>
-          </a:xfrm>
-          <a:prstGeom prst="rect">
-            <a:avLst/>
-          </a:prstGeom>
-        </p:spPr>
-      </p:pic>
-      <p:sp>
-        <p:nvSpPr>
-          <p:cNvPr id="2" name="직사각형 1">
-            <a:extLst>
-              <a:ext uri="{FF2B5EF4-FFF2-40B4-BE49-F238E27FC236}">
-                <a16:creationId xmlns:a16="http://schemas.microsoft.com/office/drawing/2014/main" id="{1C3525FB-3D1D-0C95-38E1-4EFC0E102AAF}"/>
+      <p:sp>
+        <p:nvSpPr>
+          <p:cNvPr id="4" name="직사각형 3">
+            <a:extLst>
+              <a:ext uri="{FF2B5EF4-FFF2-40B4-BE49-F238E27FC236}">
+                <a16:creationId xmlns:a16="http://schemas.microsoft.com/office/drawing/2014/main" id="{BF543E7D-B64F-96E1-71EC-DD4B0AC09943}"/>
               </a:ext>
             </a:extLst>
           </p:cNvPr>
@@ -4610,8 +4689,8 @@
         </p:nvSpPr>
         <p:spPr>
           <a:xfrm>
-            <a:off x="618393" y="897083"/>
-            <a:ext cx="3913909" cy="699654"/>
+            <a:off x="179666" y="619992"/>
+            <a:ext cx="2314864" cy="699654"/>
           </a:xfrm>
           <a:prstGeom prst="rect">
             <a:avLst/>
@@ -4640,17 +4719,29 @@
             <a:pPr algn="ctr"/>
             <a:r>
               <a:rPr lang="ko-KR" altLang="en-US" dirty="0"/>
-              <a:t>주석 걸기</a:t>
-            </a:r>
-          </a:p>
-        </p:txBody>
-      </p:sp>
-      <p:sp>
-        <p:nvSpPr>
-          <p:cNvPr id="4" name="직사각형 3">
-            <a:extLst>
-              <a:ext uri="{FF2B5EF4-FFF2-40B4-BE49-F238E27FC236}">
-                <a16:creationId xmlns:a16="http://schemas.microsoft.com/office/drawing/2014/main" id="{2BF92A7F-E045-08A5-74B2-7E4838D69A4A}"/>
+              <a:t>컴파일 </a:t>
+            </a:r>
+            <a:r>
+              <a:rPr lang="ko-KR" altLang="en-US" dirty="0" err="1"/>
+              <a:t>에러시</a:t>
+            </a:r>
+            <a:endParaRPr lang="en-US" altLang="ko-KR" dirty="0"/>
+          </a:p>
+          <a:p>
+            <a:pPr algn="ctr"/>
+            <a:r>
+              <a:rPr lang="ko-KR" altLang="en-US" dirty="0"/>
+              <a:t>에러 위치로 이동</a:t>
+            </a:r>
+          </a:p>
+        </p:txBody>
+      </p:sp>
+      <p:sp>
+        <p:nvSpPr>
+          <p:cNvPr id="5" name="직사각형 4">
+            <a:extLst>
+              <a:ext uri="{FF2B5EF4-FFF2-40B4-BE49-F238E27FC236}">
+                <a16:creationId xmlns:a16="http://schemas.microsoft.com/office/drawing/2014/main" id="{44D6DBC5-8748-C6A7-2150-FED36194AA1A}"/>
               </a:ext>
             </a:extLst>
           </p:cNvPr>
@@ -4659,7 +4750,7 @@
         </p:nvSpPr>
         <p:spPr>
           <a:xfrm>
-            <a:off x="4797847" y="897083"/>
+            <a:off x="2687338" y="619992"/>
             <a:ext cx="3913909" cy="699654"/>
           </a:xfrm>
           <a:prstGeom prst="rect">
@@ -4688,115 +4779,8 @@
           <a:p>
             <a:pPr algn="ctr"/>
             <a:r>
-              <a:rPr lang="ko-KR" altLang="en-US" dirty="0"/>
-              <a:t>컨트롤 </a:t>
-            </a:r>
-            <a:r>
               <a:rPr lang="en-US" altLang="ko-KR" dirty="0"/>
-              <a:t>+ K + C</a:t>
-            </a:r>
-            <a:endParaRPr lang="ko-KR" altLang="en-US" dirty="0"/>
-          </a:p>
-        </p:txBody>
-      </p:sp>
-      <p:sp>
-        <p:nvSpPr>
-          <p:cNvPr id="5" name="직사각형 4">
-            <a:extLst>
-              <a:ext uri="{FF2B5EF4-FFF2-40B4-BE49-F238E27FC236}">
-                <a16:creationId xmlns:a16="http://schemas.microsoft.com/office/drawing/2014/main" id="{CF666F2A-6DBB-CE3F-1F7B-1E3DEAF474D2}"/>
-              </a:ext>
-            </a:extLst>
-          </p:cNvPr>
-          <p:cNvSpPr/>
-          <p:nvPr/>
-        </p:nvSpPr>
-        <p:spPr>
-          <a:xfrm>
-            <a:off x="618393" y="2023284"/>
-            <a:ext cx="3913909" cy="699654"/>
-          </a:xfrm>
-          <a:prstGeom prst="rect">
-            <a:avLst/>
-          </a:prstGeom>
-        </p:spPr>
-        <p:style>
-          <a:lnRef idx="2">
-            <a:schemeClr val="accent1">
-              <a:shade val="15000"/>
-            </a:schemeClr>
-          </a:lnRef>
-          <a:fillRef idx="1">
-            <a:schemeClr val="accent1"/>
-          </a:fillRef>
-          <a:effectRef idx="0">
-            <a:schemeClr val="accent1"/>
-          </a:effectRef>
-          <a:fontRef idx="minor">
-            <a:schemeClr val="lt1"/>
-          </a:fontRef>
-        </p:style>
-        <p:txBody>
-          <a:bodyPr rtlCol="0" anchor="ctr"/>
-          <a:lstStyle/>
-          <a:p>
-            <a:pPr algn="ctr"/>
-            <a:r>
-              <a:rPr lang="ko-KR" altLang="en-US" dirty="0"/>
-              <a:t>주석 풀기</a:t>
-            </a:r>
-          </a:p>
-        </p:txBody>
-      </p:sp>
-      <p:sp>
-        <p:nvSpPr>
-          <p:cNvPr id="6" name="직사각형 5">
-            <a:extLst>
-              <a:ext uri="{FF2B5EF4-FFF2-40B4-BE49-F238E27FC236}">
-                <a16:creationId xmlns:a16="http://schemas.microsoft.com/office/drawing/2014/main" id="{953CB6DC-C61C-9E9E-92E0-8AC323E2E857}"/>
-              </a:ext>
-            </a:extLst>
-          </p:cNvPr>
-          <p:cNvSpPr/>
-          <p:nvPr/>
-        </p:nvSpPr>
-        <p:spPr>
-          <a:xfrm>
-            <a:off x="4797847" y="2023284"/>
-            <a:ext cx="3913909" cy="699654"/>
-          </a:xfrm>
-          <a:prstGeom prst="rect">
-            <a:avLst/>
-          </a:prstGeom>
-        </p:spPr>
-        <p:style>
-          <a:lnRef idx="2">
-            <a:schemeClr val="accent1">
-              <a:shade val="15000"/>
-            </a:schemeClr>
-          </a:lnRef>
-          <a:fillRef idx="1">
-            <a:schemeClr val="accent1"/>
-          </a:fillRef>
-          <a:effectRef idx="0">
-            <a:schemeClr val="accent1"/>
-          </a:effectRef>
-          <a:fontRef idx="minor">
-            <a:schemeClr val="lt1"/>
-          </a:fontRef>
-        </p:style>
-        <p:txBody>
-          <a:bodyPr rtlCol="0" anchor="ctr"/>
-          <a:lstStyle/>
-          <a:p>
-            <a:pPr algn="ctr"/>
-            <a:r>
-              <a:rPr lang="ko-KR" altLang="en-US" dirty="0"/>
-              <a:t>컨트롤 </a:t>
-            </a:r>
-            <a:r>
-              <a:rPr lang="en-US" altLang="ko-KR" dirty="0"/>
-              <a:t>+ K + U</a:t>
+              <a:t>F8</a:t>
             </a:r>
             <a:endParaRPr lang="ko-KR" altLang="en-US" dirty="0"/>
           </a:p>
@@ -4805,7 +4789,7 @@
     </p:spTree>
     <p:extLst>
       <p:ext uri="{BB962C8B-B14F-4D97-AF65-F5344CB8AC3E}">
-        <p14:creationId xmlns:p14="http://schemas.microsoft.com/office/powerpoint/2010/main" val="1396673677"/>
+        <p14:creationId xmlns:p14="http://schemas.microsoft.com/office/powerpoint/2010/main" val="3295177245"/>
       </p:ext>
     </p:extLst>
   </p:cSld>
@@ -4875,6 +4859,352 @@
           <a:p>
             <a:pPr algn="ctr"/>
             <a:r>
+              <a:rPr lang="ko-KR" altLang="en-US"/>
+              <a:t>주석</a:t>
+            </a:r>
+            <a:endParaRPr lang="ko-KR" altLang="en-US" dirty="0"/>
+          </a:p>
+        </p:txBody>
+      </p:sp>
+    </p:spTree>
+    <p:extLst>
+      <p:ext uri="{BB962C8B-B14F-4D97-AF65-F5344CB8AC3E}">
+        <p14:creationId xmlns:p14="http://schemas.microsoft.com/office/powerpoint/2010/main" val="1634534451"/>
+      </p:ext>
+    </p:extLst>
+  </p:cSld>
+  <p:clrMapOvr>
+    <a:masterClrMapping/>
+  </p:clrMapOvr>
+</p:sld>
+</file>
+
+<file path=ppt/slides/slide15.xml><?xml version="1.0" encoding="utf-8"?>
+<p:sld xmlns:a="http://schemas.openxmlformats.org/drawingml/2006/main" xmlns:r="http://schemas.openxmlformats.org/officeDocument/2006/relationships" xmlns:p="http://schemas.openxmlformats.org/presentationml/2006/main">
+  <p:cSld>
+    <p:spTree>
+      <p:nvGrpSpPr>
+        <p:cNvPr id="1" name=""/>
+        <p:cNvGrpSpPr/>
+        <p:nvPr/>
+      </p:nvGrpSpPr>
+      <p:grpSpPr>
+        <a:xfrm>
+          <a:off x="0" y="0"/>
+          <a:ext cx="0" cy="0"/>
+          <a:chOff x="0" y="0"/>
+          <a:chExt cx="0" cy="0"/>
+        </a:xfrm>
+      </p:grpSpPr>
+      <p:pic>
+        <p:nvPicPr>
+          <p:cNvPr id="3" name="그림 2">
+            <a:extLst>
+              <a:ext uri="{FF2B5EF4-FFF2-40B4-BE49-F238E27FC236}">
+                <a16:creationId xmlns:a16="http://schemas.microsoft.com/office/drawing/2014/main" id="{DF073574-7B28-FEE2-C902-9E19A825D40F}"/>
+              </a:ext>
+            </a:extLst>
+          </p:cNvPr>
+          <p:cNvPicPr>
+            <a:picLocks noChangeAspect="1"/>
+          </p:cNvPicPr>
+          <p:nvPr/>
+        </p:nvPicPr>
+        <p:blipFill>
+          <a:blip r:embed="rId2"/>
+          <a:stretch>
+            <a:fillRect/>
+          </a:stretch>
+        </p:blipFill>
+        <p:spPr>
+          <a:xfrm>
+            <a:off x="780524" y="4135062"/>
+            <a:ext cx="5458587" cy="1247949"/>
+          </a:xfrm>
+          <a:prstGeom prst="rect">
+            <a:avLst/>
+          </a:prstGeom>
+        </p:spPr>
+      </p:pic>
+      <p:sp>
+        <p:nvSpPr>
+          <p:cNvPr id="2" name="직사각형 1">
+            <a:extLst>
+              <a:ext uri="{FF2B5EF4-FFF2-40B4-BE49-F238E27FC236}">
+                <a16:creationId xmlns:a16="http://schemas.microsoft.com/office/drawing/2014/main" id="{1C3525FB-3D1D-0C95-38E1-4EFC0E102AAF}"/>
+              </a:ext>
+            </a:extLst>
+          </p:cNvPr>
+          <p:cNvSpPr/>
+          <p:nvPr/>
+        </p:nvSpPr>
+        <p:spPr>
+          <a:xfrm>
+            <a:off x="618393" y="897083"/>
+            <a:ext cx="3913909" cy="699654"/>
+          </a:xfrm>
+          <a:prstGeom prst="rect">
+            <a:avLst/>
+          </a:prstGeom>
+        </p:spPr>
+        <p:style>
+          <a:lnRef idx="2">
+            <a:schemeClr val="accent1">
+              <a:shade val="15000"/>
+            </a:schemeClr>
+          </a:lnRef>
+          <a:fillRef idx="1">
+            <a:schemeClr val="accent1"/>
+          </a:fillRef>
+          <a:effectRef idx="0">
+            <a:schemeClr val="accent1"/>
+          </a:effectRef>
+          <a:fontRef idx="minor">
+            <a:schemeClr val="lt1"/>
+          </a:fontRef>
+        </p:style>
+        <p:txBody>
+          <a:bodyPr rtlCol="0" anchor="ctr"/>
+          <a:lstStyle/>
+          <a:p>
+            <a:pPr algn="ctr"/>
+            <a:r>
+              <a:rPr lang="ko-KR" altLang="en-US" dirty="0"/>
+              <a:t>주석 걸기</a:t>
+            </a:r>
+          </a:p>
+        </p:txBody>
+      </p:sp>
+      <p:sp>
+        <p:nvSpPr>
+          <p:cNvPr id="4" name="직사각형 3">
+            <a:extLst>
+              <a:ext uri="{FF2B5EF4-FFF2-40B4-BE49-F238E27FC236}">
+                <a16:creationId xmlns:a16="http://schemas.microsoft.com/office/drawing/2014/main" id="{2BF92A7F-E045-08A5-74B2-7E4838D69A4A}"/>
+              </a:ext>
+            </a:extLst>
+          </p:cNvPr>
+          <p:cNvSpPr/>
+          <p:nvPr/>
+        </p:nvSpPr>
+        <p:spPr>
+          <a:xfrm>
+            <a:off x="4797847" y="897083"/>
+            <a:ext cx="3913909" cy="699654"/>
+          </a:xfrm>
+          <a:prstGeom prst="rect">
+            <a:avLst/>
+          </a:prstGeom>
+        </p:spPr>
+        <p:style>
+          <a:lnRef idx="2">
+            <a:schemeClr val="accent1">
+              <a:shade val="15000"/>
+            </a:schemeClr>
+          </a:lnRef>
+          <a:fillRef idx="1">
+            <a:schemeClr val="accent1"/>
+          </a:fillRef>
+          <a:effectRef idx="0">
+            <a:schemeClr val="accent1"/>
+          </a:effectRef>
+          <a:fontRef idx="minor">
+            <a:schemeClr val="lt1"/>
+          </a:fontRef>
+        </p:style>
+        <p:txBody>
+          <a:bodyPr rtlCol="0" anchor="ctr"/>
+          <a:lstStyle/>
+          <a:p>
+            <a:pPr algn="ctr"/>
+            <a:r>
+              <a:rPr lang="ko-KR" altLang="en-US" dirty="0"/>
+              <a:t>컨트롤 </a:t>
+            </a:r>
+            <a:r>
+              <a:rPr lang="en-US" altLang="ko-KR" dirty="0"/>
+              <a:t>+ K + C</a:t>
+            </a:r>
+            <a:endParaRPr lang="ko-KR" altLang="en-US" dirty="0"/>
+          </a:p>
+        </p:txBody>
+      </p:sp>
+      <p:sp>
+        <p:nvSpPr>
+          <p:cNvPr id="5" name="직사각형 4">
+            <a:extLst>
+              <a:ext uri="{FF2B5EF4-FFF2-40B4-BE49-F238E27FC236}">
+                <a16:creationId xmlns:a16="http://schemas.microsoft.com/office/drawing/2014/main" id="{CF666F2A-6DBB-CE3F-1F7B-1E3DEAF474D2}"/>
+              </a:ext>
+            </a:extLst>
+          </p:cNvPr>
+          <p:cNvSpPr/>
+          <p:nvPr/>
+        </p:nvSpPr>
+        <p:spPr>
+          <a:xfrm>
+            <a:off x="618393" y="2023284"/>
+            <a:ext cx="3913909" cy="699654"/>
+          </a:xfrm>
+          <a:prstGeom prst="rect">
+            <a:avLst/>
+          </a:prstGeom>
+        </p:spPr>
+        <p:style>
+          <a:lnRef idx="2">
+            <a:schemeClr val="accent1">
+              <a:shade val="15000"/>
+            </a:schemeClr>
+          </a:lnRef>
+          <a:fillRef idx="1">
+            <a:schemeClr val="accent1"/>
+          </a:fillRef>
+          <a:effectRef idx="0">
+            <a:schemeClr val="accent1"/>
+          </a:effectRef>
+          <a:fontRef idx="minor">
+            <a:schemeClr val="lt1"/>
+          </a:fontRef>
+        </p:style>
+        <p:txBody>
+          <a:bodyPr rtlCol="0" anchor="ctr"/>
+          <a:lstStyle/>
+          <a:p>
+            <a:pPr algn="ctr"/>
+            <a:r>
+              <a:rPr lang="ko-KR" altLang="en-US" dirty="0"/>
+              <a:t>주석 풀기</a:t>
+            </a:r>
+          </a:p>
+        </p:txBody>
+      </p:sp>
+      <p:sp>
+        <p:nvSpPr>
+          <p:cNvPr id="6" name="직사각형 5">
+            <a:extLst>
+              <a:ext uri="{FF2B5EF4-FFF2-40B4-BE49-F238E27FC236}">
+                <a16:creationId xmlns:a16="http://schemas.microsoft.com/office/drawing/2014/main" id="{953CB6DC-C61C-9E9E-92E0-8AC323E2E857}"/>
+              </a:ext>
+            </a:extLst>
+          </p:cNvPr>
+          <p:cNvSpPr/>
+          <p:nvPr/>
+        </p:nvSpPr>
+        <p:spPr>
+          <a:xfrm>
+            <a:off x="4797847" y="2023284"/>
+            <a:ext cx="3913909" cy="699654"/>
+          </a:xfrm>
+          <a:prstGeom prst="rect">
+            <a:avLst/>
+          </a:prstGeom>
+        </p:spPr>
+        <p:style>
+          <a:lnRef idx="2">
+            <a:schemeClr val="accent1">
+              <a:shade val="15000"/>
+            </a:schemeClr>
+          </a:lnRef>
+          <a:fillRef idx="1">
+            <a:schemeClr val="accent1"/>
+          </a:fillRef>
+          <a:effectRef idx="0">
+            <a:schemeClr val="accent1"/>
+          </a:effectRef>
+          <a:fontRef idx="minor">
+            <a:schemeClr val="lt1"/>
+          </a:fontRef>
+        </p:style>
+        <p:txBody>
+          <a:bodyPr rtlCol="0" anchor="ctr"/>
+          <a:lstStyle/>
+          <a:p>
+            <a:pPr algn="ctr"/>
+            <a:r>
+              <a:rPr lang="ko-KR" altLang="en-US" dirty="0"/>
+              <a:t>컨트롤 </a:t>
+            </a:r>
+            <a:r>
+              <a:rPr lang="en-US" altLang="ko-KR" dirty="0"/>
+              <a:t>+ K + U</a:t>
+            </a:r>
+            <a:endParaRPr lang="ko-KR" altLang="en-US" dirty="0"/>
+          </a:p>
+        </p:txBody>
+      </p:sp>
+    </p:spTree>
+    <p:extLst>
+      <p:ext uri="{BB962C8B-B14F-4D97-AF65-F5344CB8AC3E}">
+        <p14:creationId xmlns:p14="http://schemas.microsoft.com/office/powerpoint/2010/main" val="1396673677"/>
+      </p:ext>
+    </p:extLst>
+  </p:cSld>
+  <p:clrMapOvr>
+    <a:masterClrMapping/>
+  </p:clrMapOvr>
+</p:sld>
+</file>
+
+<file path=ppt/slides/slide16.xml><?xml version="1.0" encoding="utf-8"?>
+<p:sld xmlns:a="http://schemas.openxmlformats.org/drawingml/2006/main" xmlns:r="http://schemas.openxmlformats.org/officeDocument/2006/relationships" xmlns:p="http://schemas.openxmlformats.org/presentationml/2006/main">
+  <p:cSld>
+    <p:spTree>
+      <p:nvGrpSpPr>
+        <p:cNvPr id="1" name=""/>
+        <p:cNvGrpSpPr/>
+        <p:nvPr/>
+      </p:nvGrpSpPr>
+      <p:grpSpPr>
+        <a:xfrm>
+          <a:off x="0" y="0"/>
+          <a:ext cx="0" cy="0"/>
+          <a:chOff x="0" y="0"/>
+          <a:chExt cx="0" cy="0"/>
+        </a:xfrm>
+      </p:grpSpPr>
+      <p:sp>
+        <p:nvSpPr>
+          <p:cNvPr id="3" name="직사각형 2">
+            <a:extLst>
+              <a:ext uri="{FF2B5EF4-FFF2-40B4-BE49-F238E27FC236}">
+                <a16:creationId xmlns:a16="http://schemas.microsoft.com/office/drawing/2014/main" id="{A5840210-0674-BA1E-A813-66127759208E}"/>
+              </a:ext>
+            </a:extLst>
+          </p:cNvPr>
+          <p:cNvSpPr/>
+          <p:nvPr/>
+        </p:nvSpPr>
+        <p:spPr>
+          <a:xfrm>
+            <a:off x="434109" y="556490"/>
+            <a:ext cx="11323782" cy="5908963"/>
+          </a:xfrm>
+          <a:prstGeom prst="rect">
+            <a:avLst/>
+          </a:prstGeom>
+        </p:spPr>
+        <p:style>
+          <a:lnRef idx="2">
+            <a:schemeClr val="accent1">
+              <a:shade val="15000"/>
+            </a:schemeClr>
+          </a:lnRef>
+          <a:fillRef idx="1">
+            <a:schemeClr val="accent1"/>
+          </a:fillRef>
+          <a:effectRef idx="0">
+            <a:schemeClr val="accent1"/>
+          </a:effectRef>
+          <a:fontRef idx="minor">
+            <a:schemeClr val="lt1"/>
+          </a:fontRef>
+        </p:style>
+        <p:txBody>
+          <a:bodyPr rtlCol="0" anchor="ctr"/>
+          <a:lstStyle/>
+          <a:p>
+            <a:pPr algn="ctr"/>
+            <a:r>
               <a:rPr lang="ko-KR" altLang="en-US" dirty="0"/>
               <a:t>비주얼 스튜디오 고정</a:t>
             </a:r>
@@ -4894,7 +5224,7 @@
 </p:sld>
 </file>
 
-<file path=ppt/slides/slide15.xml><?xml version="1.0" encoding="utf-8"?>
+<file path=ppt/slides/slide17.xml><?xml version="1.0" encoding="utf-8"?>
 <p:sld xmlns:a="http://schemas.openxmlformats.org/drawingml/2006/main" xmlns:r="http://schemas.openxmlformats.org/officeDocument/2006/relationships" xmlns:p="http://schemas.openxmlformats.org/presentationml/2006/main">
   <p:cSld>
     <p:spTree>
@@ -5172,7 +5502,7 @@
 </p:sld>
 </file>
 
-<file path=ppt/slides/slide16.xml><?xml version="1.0" encoding="utf-8"?>
+<file path=ppt/slides/slide18.xml><?xml version="1.0" encoding="utf-8"?>
 <p:sld xmlns:a="http://schemas.openxmlformats.org/drawingml/2006/main" xmlns:r="http://schemas.openxmlformats.org/officeDocument/2006/relationships" xmlns:p="http://schemas.openxmlformats.org/presentationml/2006/main">
   <p:cSld>
     <p:spTree>
@@ -5202,7 +5532,7 @@
 </p:sld>
 </file>
 
-<file path=ppt/slides/slide17.xml><?xml version="1.0" encoding="utf-8"?>
+<file path=ppt/slides/slide19.xml><?xml version="1.0" encoding="utf-8"?>
 <p:sld xmlns:a="http://schemas.openxmlformats.org/drawingml/2006/main" xmlns:r="http://schemas.openxmlformats.org/officeDocument/2006/relationships" xmlns:p="http://schemas.openxmlformats.org/presentationml/2006/main">
   <p:cSld>
     <p:spTree>
@@ -5232,66 +5562,6 @@
 </p:sld>
 </file>
 
-<file path=ppt/slides/slide18.xml><?xml version="1.0" encoding="utf-8"?>
-<p:sld xmlns:a="http://schemas.openxmlformats.org/drawingml/2006/main" xmlns:r="http://schemas.openxmlformats.org/officeDocument/2006/relationships" xmlns:p="http://schemas.openxmlformats.org/presentationml/2006/main">
-  <p:cSld>
-    <p:spTree>
-      <p:nvGrpSpPr>
-        <p:cNvPr id="1" name=""/>
-        <p:cNvGrpSpPr/>
-        <p:nvPr/>
-      </p:nvGrpSpPr>
-      <p:grpSpPr>
-        <a:xfrm>
-          <a:off x="0" y="0"/>
-          <a:ext cx="0" cy="0"/>
-          <a:chOff x="0" y="0"/>
-          <a:chExt cx="0" cy="0"/>
-        </a:xfrm>
-      </p:grpSpPr>
-    </p:spTree>
-    <p:extLst>
-      <p:ext uri="{BB962C8B-B14F-4D97-AF65-F5344CB8AC3E}">
-        <p14:creationId xmlns:p14="http://schemas.microsoft.com/office/powerpoint/2010/main" val="2481828864"/>
-      </p:ext>
-    </p:extLst>
-  </p:cSld>
-  <p:clrMapOvr>
-    <a:masterClrMapping/>
-  </p:clrMapOvr>
-</p:sld>
-</file>
-
-<file path=ppt/slides/slide19.xml><?xml version="1.0" encoding="utf-8"?>
-<p:sld xmlns:a="http://schemas.openxmlformats.org/drawingml/2006/main" xmlns:r="http://schemas.openxmlformats.org/officeDocument/2006/relationships" xmlns:p="http://schemas.openxmlformats.org/presentationml/2006/main">
-  <p:cSld>
-    <p:spTree>
-      <p:nvGrpSpPr>
-        <p:cNvPr id="1" name=""/>
-        <p:cNvGrpSpPr/>
-        <p:nvPr/>
-      </p:nvGrpSpPr>
-      <p:grpSpPr>
-        <a:xfrm>
-          <a:off x="0" y="0"/>
-          <a:ext cx="0" cy="0"/>
-          <a:chOff x="0" y="0"/>
-          <a:chExt cx="0" cy="0"/>
-        </a:xfrm>
-      </p:grpSpPr>
-    </p:spTree>
-    <p:extLst>
-      <p:ext uri="{BB962C8B-B14F-4D97-AF65-F5344CB8AC3E}">
-        <p14:creationId xmlns:p14="http://schemas.microsoft.com/office/powerpoint/2010/main" val="3750591054"/>
-      </p:ext>
-    </p:extLst>
-  </p:cSld>
-  <p:clrMapOvr>
-    <a:masterClrMapping/>
-  </p:clrMapOvr>
-</p:sld>
-</file>
-
 <file path=ppt/slides/slide2.xml><?xml version="1.0" encoding="utf-8"?>
 <p:sld xmlns:a="http://schemas.openxmlformats.org/drawingml/2006/main" xmlns:r="http://schemas.openxmlformats.org/officeDocument/2006/relationships" xmlns:p="http://schemas.openxmlformats.org/presentationml/2006/main">
   <p:cSld>
@@ -5516,7 +5786,7 @@
               <a:t>뜨게된다</a:t>
             </a:r>
             <a:r>
-              <a:rPr lang="en-US" altLang="ko-KR"/>
+              <a:rPr lang="en-US" altLang="ko-KR" dirty="0"/>
               <a:t>.</a:t>
             </a:r>
             <a:endParaRPr lang="ko-KR" altLang="en-US" dirty="0"/>
@@ -5556,7 +5826,7 @@
     </p:spTree>
     <p:extLst>
       <p:ext uri="{BB962C8B-B14F-4D97-AF65-F5344CB8AC3E}">
-        <p14:creationId xmlns:p14="http://schemas.microsoft.com/office/powerpoint/2010/main" val="991477988"/>
+        <p14:creationId xmlns:p14="http://schemas.microsoft.com/office/powerpoint/2010/main" val="2481828864"/>
       </p:ext>
     </p:extLst>
   </p:cSld>
@@ -5586,7 +5856,7 @@
     </p:spTree>
     <p:extLst>
       <p:ext uri="{BB962C8B-B14F-4D97-AF65-F5344CB8AC3E}">
-        <p14:creationId xmlns:p14="http://schemas.microsoft.com/office/powerpoint/2010/main" val="3844398855"/>
+        <p14:creationId xmlns:p14="http://schemas.microsoft.com/office/powerpoint/2010/main" val="3750591054"/>
       </p:ext>
     </p:extLst>
   </p:cSld>
@@ -5616,7 +5886,7 @@
     </p:spTree>
     <p:extLst>
       <p:ext uri="{BB962C8B-B14F-4D97-AF65-F5344CB8AC3E}">
-        <p14:creationId xmlns:p14="http://schemas.microsoft.com/office/powerpoint/2010/main" val="19288889"/>
+        <p14:creationId xmlns:p14="http://schemas.microsoft.com/office/powerpoint/2010/main" val="991477988"/>
       </p:ext>
     </p:extLst>
   </p:cSld>
@@ -5646,7 +5916,7 @@
     </p:spTree>
     <p:extLst>
       <p:ext uri="{BB962C8B-B14F-4D97-AF65-F5344CB8AC3E}">
-        <p14:creationId xmlns:p14="http://schemas.microsoft.com/office/powerpoint/2010/main" val="4015161735"/>
+        <p14:creationId xmlns:p14="http://schemas.microsoft.com/office/powerpoint/2010/main" val="3844398855"/>
       </p:ext>
     </p:extLst>
   </p:cSld>
@@ -5676,7 +5946,7 @@
     </p:spTree>
     <p:extLst>
       <p:ext uri="{BB962C8B-B14F-4D97-AF65-F5344CB8AC3E}">
-        <p14:creationId xmlns:p14="http://schemas.microsoft.com/office/powerpoint/2010/main" val="1646334821"/>
+        <p14:creationId xmlns:p14="http://schemas.microsoft.com/office/powerpoint/2010/main" val="19288889"/>
       </p:ext>
     </p:extLst>
   </p:cSld>
@@ -5706,7 +5976,7 @@
     </p:spTree>
     <p:extLst>
       <p:ext uri="{BB962C8B-B14F-4D97-AF65-F5344CB8AC3E}">
-        <p14:creationId xmlns:p14="http://schemas.microsoft.com/office/powerpoint/2010/main" val="3952900304"/>
+        <p14:creationId xmlns:p14="http://schemas.microsoft.com/office/powerpoint/2010/main" val="4015161735"/>
       </p:ext>
     </p:extLst>
   </p:cSld>
@@ -5736,6 +6006,66 @@
     </p:spTree>
     <p:extLst>
       <p:ext uri="{BB962C8B-B14F-4D97-AF65-F5344CB8AC3E}">
+        <p14:creationId xmlns:p14="http://schemas.microsoft.com/office/powerpoint/2010/main" val="1646334821"/>
+      </p:ext>
+    </p:extLst>
+  </p:cSld>
+  <p:clrMapOvr>
+    <a:masterClrMapping/>
+  </p:clrMapOvr>
+</p:sld>
+</file>
+
+<file path=ppt/slides/slide27.xml><?xml version="1.0" encoding="utf-8"?>
+<p:sld xmlns:a="http://schemas.openxmlformats.org/drawingml/2006/main" xmlns:r="http://schemas.openxmlformats.org/officeDocument/2006/relationships" xmlns:p="http://schemas.openxmlformats.org/presentationml/2006/main">
+  <p:cSld>
+    <p:spTree>
+      <p:nvGrpSpPr>
+        <p:cNvPr id="1" name=""/>
+        <p:cNvGrpSpPr/>
+        <p:nvPr/>
+      </p:nvGrpSpPr>
+      <p:grpSpPr>
+        <a:xfrm>
+          <a:off x="0" y="0"/>
+          <a:ext cx="0" cy="0"/>
+          <a:chOff x="0" y="0"/>
+          <a:chExt cx="0" cy="0"/>
+        </a:xfrm>
+      </p:grpSpPr>
+    </p:spTree>
+    <p:extLst>
+      <p:ext uri="{BB962C8B-B14F-4D97-AF65-F5344CB8AC3E}">
+        <p14:creationId xmlns:p14="http://schemas.microsoft.com/office/powerpoint/2010/main" val="3952900304"/>
+      </p:ext>
+    </p:extLst>
+  </p:cSld>
+  <p:clrMapOvr>
+    <a:masterClrMapping/>
+  </p:clrMapOvr>
+</p:sld>
+</file>
+
+<file path=ppt/slides/slide28.xml><?xml version="1.0" encoding="utf-8"?>
+<p:sld xmlns:a="http://schemas.openxmlformats.org/drawingml/2006/main" xmlns:r="http://schemas.openxmlformats.org/officeDocument/2006/relationships" xmlns:p="http://schemas.openxmlformats.org/presentationml/2006/main">
+  <p:cSld>
+    <p:spTree>
+      <p:nvGrpSpPr>
+        <p:cNvPr id="1" name=""/>
+        <p:cNvGrpSpPr/>
+        <p:nvPr/>
+      </p:nvGrpSpPr>
+      <p:grpSpPr>
+        <a:xfrm>
+          <a:off x="0" y="0"/>
+          <a:ext cx="0" cy="0"/>
+          <a:chOff x="0" y="0"/>
+          <a:chExt cx="0" cy="0"/>
+        </a:xfrm>
+      </p:grpSpPr>
+    </p:spTree>
+    <p:extLst>
+      <p:ext uri="{BB962C8B-B14F-4D97-AF65-F5344CB8AC3E}">
         <p14:creationId xmlns:p14="http://schemas.microsoft.com/office/powerpoint/2010/main" val="1749543502"/>
       </p:ext>
     </p:extLst>
@@ -5746,7 +6076,7 @@
 </p:sld>
 </file>
 
-<file path=ppt/slides/slide27.xml><?xml version="1.0" encoding="utf-8"?>
+<file path=ppt/slides/slide29.xml><?xml version="1.0" encoding="utf-8"?>
 <p:sld xmlns:a="http://schemas.openxmlformats.org/drawingml/2006/main" xmlns:r="http://schemas.openxmlformats.org/officeDocument/2006/relationships" xmlns:p="http://schemas.openxmlformats.org/presentationml/2006/main">
   <p:cSld>
     <p:spTree>
@@ -5837,41 +6167,11 @@
             <a:pPr algn="ctr"/>
             <a:r>
               <a:rPr lang="ko-KR" altLang="en-US" dirty="0"/>
-              <a:t>화면 확대 축소</a:t>
-            </a:r>
-          </a:p>
-        </p:txBody>
-      </p:sp>
-      <p:pic>
-        <p:nvPicPr>
-          <p:cNvPr id="4" name="그림 3">
-            <a:extLst>
-              <a:ext uri="{FF2B5EF4-FFF2-40B4-BE49-F238E27FC236}">
-                <a16:creationId xmlns:a16="http://schemas.microsoft.com/office/drawing/2014/main" id="{3AC8F613-DF81-7A95-DDA2-3B0852551F89}"/>
-              </a:ext>
-            </a:extLst>
-          </p:cNvPr>
-          <p:cNvPicPr>
-            <a:picLocks noChangeAspect="1"/>
-          </p:cNvPicPr>
-          <p:nvPr/>
-        </p:nvPicPr>
-        <p:blipFill>
-          <a:blip r:embed="rId2"/>
-          <a:stretch>
-            <a:fillRect/>
-          </a:stretch>
-        </p:blipFill>
-        <p:spPr>
-          <a:xfrm>
-            <a:off x="434109" y="2216960"/>
-            <a:ext cx="4601217" cy="2867425"/>
-          </a:xfrm>
-          <a:prstGeom prst="rect">
-            <a:avLst/>
-          </a:prstGeom>
-        </p:spPr>
-      </p:pic>
+              <a:t>자동완성</a:t>
+            </a:r>
+          </a:p>
+        </p:txBody>
+      </p:sp>
       <p:sp>
         <p:nvSpPr>
           <p:cNvPr id="5" name="직사각형 4">
@@ -5916,53 +6216,28 @@
             <a:pPr algn="ctr"/>
             <a:r>
               <a:rPr lang="ko-KR" altLang="en-US" dirty="0"/>
-              <a:t>컨트롤 </a:t>
+              <a:t>자동완성 검색창에서 </a:t>
+            </a:r>
+            <a:r>
+              <a:rPr lang="ko-KR" altLang="en-US" dirty="0" err="1"/>
+              <a:t>선택후</a:t>
+            </a:r>
+            <a:r>
+              <a:rPr lang="ko-KR" altLang="en-US" dirty="0"/>
+              <a:t> </a:t>
             </a:r>
             <a:r>
               <a:rPr lang="en-US" altLang="ko-KR" dirty="0"/>
-              <a:t>+ </a:t>
-            </a:r>
-            <a:r>
-              <a:rPr lang="ko-KR" altLang="en-US" dirty="0"/>
-              <a:t>마우스 휠</a:t>
-            </a:r>
-          </a:p>
-        </p:txBody>
-      </p:sp>
-      <p:pic>
-        <p:nvPicPr>
-          <p:cNvPr id="7" name="그림 6">
-            <a:extLst>
-              <a:ext uri="{FF2B5EF4-FFF2-40B4-BE49-F238E27FC236}">
-                <a16:creationId xmlns:a16="http://schemas.microsoft.com/office/drawing/2014/main" id="{6118D628-F90B-28CA-766C-EBF7C9C314A9}"/>
-              </a:ext>
-            </a:extLst>
-          </p:cNvPr>
-          <p:cNvPicPr>
-            <a:picLocks noChangeAspect="1"/>
-          </p:cNvPicPr>
-          <p:nvPr/>
-        </p:nvPicPr>
-        <p:blipFill>
-          <a:blip r:embed="rId3"/>
-          <a:stretch>
-            <a:fillRect/>
-          </a:stretch>
-        </p:blipFill>
-        <p:spPr>
-          <a:xfrm>
-            <a:off x="5442769" y="2245539"/>
-            <a:ext cx="8935697" cy="5677692"/>
-          </a:xfrm>
-          <a:prstGeom prst="rect">
-            <a:avLst/>
-          </a:prstGeom>
-        </p:spPr>
-      </p:pic>
+              <a:t>Tab</a:t>
+            </a:r>
+            <a:endParaRPr lang="ko-KR" altLang="en-US" dirty="0"/>
+          </a:p>
+        </p:txBody>
+      </p:sp>
     </p:spTree>
     <p:extLst>
       <p:ext uri="{BB962C8B-B14F-4D97-AF65-F5344CB8AC3E}">
-        <p14:creationId xmlns:p14="http://schemas.microsoft.com/office/powerpoint/2010/main" val="3696848387"/>
+        <p14:creationId xmlns:p14="http://schemas.microsoft.com/office/powerpoint/2010/main" val="1855782754"/>
       </p:ext>
     </p:extLst>
   </p:cSld>
@@ -5991,10 +6266,10 @@
       </p:grpSpPr>
       <p:sp>
         <p:nvSpPr>
-          <p:cNvPr id="2" name="직사각형 1">
-            <a:extLst>
-              <a:ext uri="{FF2B5EF4-FFF2-40B4-BE49-F238E27FC236}">
-                <a16:creationId xmlns:a16="http://schemas.microsoft.com/office/drawing/2014/main" id="{3139707C-C258-116B-1FC7-1EA17D56B0BE}"/>
+          <p:cNvPr id="3" name="직사각형 2">
+            <a:extLst>
+              <a:ext uri="{FF2B5EF4-FFF2-40B4-BE49-F238E27FC236}">
+                <a16:creationId xmlns:a16="http://schemas.microsoft.com/office/drawing/2014/main" id="{A5840210-0674-BA1E-A813-66127759208E}"/>
               </a:ext>
             </a:extLst>
           </p:cNvPr>
@@ -6033,17 +6308,74 @@
             <a:pPr algn="ctr"/>
             <a:r>
               <a:rPr lang="ko-KR" altLang="en-US" dirty="0"/>
-              <a:t>내부 코드 범위 선택</a:t>
+              <a:t>자동완성</a:t>
+            </a:r>
+          </a:p>
+        </p:txBody>
+      </p:sp>
+      <p:sp>
+        <p:nvSpPr>
+          <p:cNvPr id="5" name="직사각형 4">
+            <a:extLst>
+              <a:ext uri="{FF2B5EF4-FFF2-40B4-BE49-F238E27FC236}">
+                <a16:creationId xmlns:a16="http://schemas.microsoft.com/office/drawing/2014/main" id="{F60C10CE-FF11-5C56-AA8E-A5E0D80CD8C4}"/>
+              </a:ext>
+            </a:extLst>
+          </p:cNvPr>
+          <p:cNvSpPr/>
+          <p:nvPr/>
+        </p:nvSpPr>
+        <p:spPr>
+          <a:xfrm>
+            <a:off x="434109" y="1372871"/>
+            <a:ext cx="11323782" cy="699654"/>
+          </a:xfrm>
+          <a:prstGeom prst="rect">
+            <a:avLst/>
+          </a:prstGeom>
+        </p:spPr>
+        <p:style>
+          <a:lnRef idx="2">
+            <a:schemeClr val="accent1">
+              <a:shade val="15000"/>
+            </a:schemeClr>
+          </a:lnRef>
+          <a:fillRef idx="1">
+            <a:schemeClr val="accent1"/>
+          </a:fillRef>
+          <a:effectRef idx="0">
+            <a:schemeClr val="accent1"/>
+          </a:effectRef>
+          <a:fontRef idx="minor">
+            <a:schemeClr val="lt1"/>
+          </a:fontRef>
+        </p:style>
+        <p:txBody>
+          <a:bodyPr rtlCol="0" anchor="ctr"/>
+          <a:lstStyle/>
+          <a:p>
+            <a:pPr algn="ctr"/>
+            <a:r>
+              <a:rPr lang="ko-KR" altLang="en-US" dirty="0"/>
+              <a:t>컨트롤 </a:t>
+            </a:r>
+            <a:r>
+              <a:rPr lang="en-US" altLang="ko-KR" dirty="0"/>
+              <a:t>+ </a:t>
+            </a:r>
+            <a:r>
+              <a:rPr lang="ko-KR" altLang="en-US" dirty="0"/>
+              <a:t>스페이스</a:t>
             </a:r>
           </a:p>
         </p:txBody>
       </p:sp>
       <p:pic>
         <p:nvPicPr>
-          <p:cNvPr id="5" name="그림 4">
-            <a:extLst>
-              <a:ext uri="{FF2B5EF4-FFF2-40B4-BE49-F238E27FC236}">
-                <a16:creationId xmlns:a16="http://schemas.microsoft.com/office/drawing/2014/main" id="{460791A4-8D4E-1F0E-8073-FEFA1D33D16A}"/>
+          <p:cNvPr id="6" name="그림 5">
+            <a:extLst>
+              <a:ext uri="{FF2B5EF4-FFF2-40B4-BE49-F238E27FC236}">
+                <a16:creationId xmlns:a16="http://schemas.microsoft.com/office/drawing/2014/main" id="{A58EE2DC-B136-A741-A974-5260630415B6}"/>
               </a:ext>
             </a:extLst>
           </p:cNvPr>
@@ -6060,75 +6392,18 @@
         </p:blipFill>
         <p:spPr>
           <a:xfrm>
-            <a:off x="1777011" y="2418730"/>
-            <a:ext cx="7954485" cy="4439270"/>
+            <a:off x="166255" y="2605179"/>
+            <a:ext cx="12192000" cy="4522227"/>
           </a:xfrm>
           <a:prstGeom prst="rect">
             <a:avLst/>
           </a:prstGeom>
         </p:spPr>
       </p:pic>
-      <p:sp>
-        <p:nvSpPr>
-          <p:cNvPr id="6" name="직사각형 5">
-            <a:extLst>
-              <a:ext uri="{FF2B5EF4-FFF2-40B4-BE49-F238E27FC236}">
-                <a16:creationId xmlns:a16="http://schemas.microsoft.com/office/drawing/2014/main" id="{D96CC236-CBD2-58F7-6E96-5C1E2168D214}"/>
-              </a:ext>
-            </a:extLst>
-          </p:cNvPr>
-          <p:cNvSpPr/>
-          <p:nvPr/>
-        </p:nvSpPr>
-        <p:spPr>
-          <a:xfrm>
-            <a:off x="434109" y="1372871"/>
-            <a:ext cx="11323782" cy="699654"/>
-          </a:xfrm>
-          <a:prstGeom prst="rect">
-            <a:avLst/>
-          </a:prstGeom>
-        </p:spPr>
-        <p:style>
-          <a:lnRef idx="2">
-            <a:schemeClr val="accent1">
-              <a:shade val="15000"/>
-            </a:schemeClr>
-          </a:lnRef>
-          <a:fillRef idx="1">
-            <a:schemeClr val="accent1"/>
-          </a:fillRef>
-          <a:effectRef idx="0">
-            <a:schemeClr val="accent1"/>
-          </a:effectRef>
-          <a:fontRef idx="minor">
-            <a:schemeClr val="lt1"/>
-          </a:fontRef>
-        </p:style>
-        <p:txBody>
-          <a:bodyPr rtlCol="0" anchor="ctr"/>
-          <a:lstStyle/>
-          <a:p>
-            <a:pPr algn="ctr"/>
-            <a:r>
-              <a:rPr lang="ko-KR" altLang="en-US" dirty="0"/>
-              <a:t>시프트 </a:t>
-            </a:r>
-            <a:r>
-              <a:rPr lang="en-US" altLang="ko-KR" dirty="0"/>
-              <a:t>+ </a:t>
-            </a:r>
-            <a:r>
-              <a:rPr lang="ko-KR" altLang="en-US" dirty="0"/>
-              <a:t>방향키 위 아래 왼쪽 오른쪽</a:t>
-            </a:r>
-          </a:p>
-        </p:txBody>
-      </p:sp>
     </p:spTree>
     <p:extLst>
       <p:ext uri="{BB962C8B-B14F-4D97-AF65-F5344CB8AC3E}">
-        <p14:creationId xmlns:p14="http://schemas.microsoft.com/office/powerpoint/2010/main" val="2783297044"/>
+        <p14:creationId xmlns:p14="http://schemas.microsoft.com/office/powerpoint/2010/main" val="4087832459"/>
       </p:ext>
     </p:extLst>
   </p:cSld>
@@ -6157,10 +6432,10 @@
       </p:grpSpPr>
       <p:sp>
         <p:nvSpPr>
-          <p:cNvPr id="2" name="직사각형 1">
-            <a:extLst>
-              <a:ext uri="{FF2B5EF4-FFF2-40B4-BE49-F238E27FC236}">
-                <a16:creationId xmlns:a16="http://schemas.microsoft.com/office/drawing/2014/main" id="{3139707C-C258-116B-1FC7-1EA17D56B0BE}"/>
+          <p:cNvPr id="3" name="직사각형 2">
+            <a:extLst>
+              <a:ext uri="{FF2B5EF4-FFF2-40B4-BE49-F238E27FC236}">
+                <a16:creationId xmlns:a16="http://schemas.microsoft.com/office/drawing/2014/main" id="{A5840210-0674-BA1E-A813-66127759208E}"/>
               </a:ext>
             </a:extLst>
           </p:cNvPr>
@@ -6198,22 +6473,48 @@
           <a:p>
             <a:pPr algn="ctr"/>
             <a:r>
-              <a:rPr lang="ko-KR" altLang="en-US" dirty="0" err="1"/>
-              <a:t>한줄의</a:t>
-            </a:r>
-            <a:r>
               <a:rPr lang="ko-KR" altLang="en-US" dirty="0"/>
-              <a:t> 끝으로 바로 가기</a:t>
-            </a:r>
-          </a:p>
-        </p:txBody>
-      </p:sp>
-      <p:sp>
-        <p:nvSpPr>
-          <p:cNvPr id="6" name="직사각형 5">
-            <a:extLst>
-              <a:ext uri="{FF2B5EF4-FFF2-40B4-BE49-F238E27FC236}">
-                <a16:creationId xmlns:a16="http://schemas.microsoft.com/office/drawing/2014/main" id="{D96CC236-CBD2-58F7-6E96-5C1E2168D214}"/>
+              <a:t>화면 확대 축소</a:t>
+            </a:r>
+          </a:p>
+        </p:txBody>
+      </p:sp>
+      <p:pic>
+        <p:nvPicPr>
+          <p:cNvPr id="4" name="그림 3">
+            <a:extLst>
+              <a:ext uri="{FF2B5EF4-FFF2-40B4-BE49-F238E27FC236}">
+                <a16:creationId xmlns:a16="http://schemas.microsoft.com/office/drawing/2014/main" id="{3AC8F613-DF81-7A95-DDA2-3B0852551F89}"/>
+              </a:ext>
+            </a:extLst>
+          </p:cNvPr>
+          <p:cNvPicPr>
+            <a:picLocks noChangeAspect="1"/>
+          </p:cNvPicPr>
+          <p:nvPr/>
+        </p:nvPicPr>
+        <p:blipFill>
+          <a:blip r:embed="rId2"/>
+          <a:stretch>
+            <a:fillRect/>
+          </a:stretch>
+        </p:blipFill>
+        <p:spPr>
+          <a:xfrm>
+            <a:off x="434109" y="2216960"/>
+            <a:ext cx="4601217" cy="2867425"/>
+          </a:xfrm>
+          <a:prstGeom prst="rect">
+            <a:avLst/>
+          </a:prstGeom>
+        </p:spPr>
+      </p:pic>
+      <p:sp>
+        <p:nvSpPr>
+          <p:cNvPr id="5" name="직사각형 4">
+            <a:extLst>
+              <a:ext uri="{FF2B5EF4-FFF2-40B4-BE49-F238E27FC236}">
+                <a16:creationId xmlns:a16="http://schemas.microsoft.com/office/drawing/2014/main" id="{F60C10CE-FF11-5C56-AA8E-A5E0D80CD8C4}"/>
               </a:ext>
             </a:extLst>
           </p:cNvPr>
@@ -6251,223 +6552,54 @@
           <a:p>
             <a:pPr algn="ctr"/>
             <a:r>
+              <a:rPr lang="ko-KR" altLang="en-US" dirty="0"/>
+              <a:t>컨트롤 </a:t>
+            </a:r>
+            <a:r>
               <a:rPr lang="en-US" altLang="ko-KR" dirty="0"/>
-              <a:t>End</a:t>
-            </a:r>
-            <a:endParaRPr lang="ko-KR" altLang="en-US" dirty="0"/>
-          </a:p>
-        </p:txBody>
-      </p:sp>
-      <p:sp>
-        <p:nvSpPr>
-          <p:cNvPr id="3" name="직사각형 2">
-            <a:extLst>
-              <a:ext uri="{FF2B5EF4-FFF2-40B4-BE49-F238E27FC236}">
-                <a16:creationId xmlns:a16="http://schemas.microsoft.com/office/drawing/2014/main" id="{0439CBCA-44E7-1624-A20E-592651603701}"/>
-              </a:ext>
-            </a:extLst>
-          </p:cNvPr>
-          <p:cNvSpPr/>
+              <a:t>+ </a:t>
+            </a:r>
+            <a:r>
+              <a:rPr lang="ko-KR" altLang="en-US" dirty="0"/>
+              <a:t>마우스 휠</a:t>
+            </a:r>
+          </a:p>
+        </p:txBody>
+      </p:sp>
+      <p:pic>
+        <p:nvPicPr>
+          <p:cNvPr id="7" name="그림 6">
+            <a:extLst>
+              <a:ext uri="{FF2B5EF4-FFF2-40B4-BE49-F238E27FC236}">
+                <a16:creationId xmlns:a16="http://schemas.microsoft.com/office/drawing/2014/main" id="{6118D628-F90B-28CA-766C-EBF7C9C314A9}"/>
+              </a:ext>
+            </a:extLst>
+          </p:cNvPr>
+          <p:cNvPicPr>
+            <a:picLocks noChangeAspect="1"/>
+          </p:cNvPicPr>
           <p:nvPr/>
-        </p:nvSpPr>
-        <p:spPr>
-          <a:xfrm>
-            <a:off x="434109" y="2487931"/>
-            <a:ext cx="11323782" cy="699654"/>
+        </p:nvPicPr>
+        <p:blipFill>
+          <a:blip r:embed="rId3"/>
+          <a:stretch>
+            <a:fillRect/>
+          </a:stretch>
+        </p:blipFill>
+        <p:spPr>
+          <a:xfrm>
+            <a:off x="5442769" y="2245539"/>
+            <a:ext cx="8935697" cy="5677692"/>
           </a:xfrm>
           <a:prstGeom prst="rect">
             <a:avLst/>
           </a:prstGeom>
         </p:spPr>
-        <p:style>
-          <a:lnRef idx="2">
-            <a:schemeClr val="accent1">
-              <a:shade val="15000"/>
-            </a:schemeClr>
-          </a:lnRef>
-          <a:fillRef idx="1">
-            <a:schemeClr val="accent1"/>
-          </a:fillRef>
-          <a:effectRef idx="0">
-            <a:schemeClr val="accent1"/>
-          </a:effectRef>
-          <a:fontRef idx="minor">
-            <a:schemeClr val="lt1"/>
-          </a:fontRef>
-        </p:style>
-        <p:txBody>
-          <a:bodyPr rtlCol="0" anchor="ctr"/>
-          <a:lstStyle/>
-          <a:p>
-            <a:pPr algn="ctr"/>
-            <a:r>
-              <a:rPr lang="ko-KR" altLang="en-US" dirty="0" err="1"/>
-              <a:t>한줄의</a:t>
-            </a:r>
-            <a:r>
-              <a:rPr lang="en-US" altLang="ko-KR" dirty="0"/>
-              <a:t> </a:t>
-            </a:r>
-            <a:r>
-              <a:rPr lang="ko-KR" altLang="en-US" dirty="0"/>
-              <a:t>가장 앞으로 가기</a:t>
-            </a:r>
-          </a:p>
-        </p:txBody>
-      </p:sp>
-      <p:sp>
-        <p:nvSpPr>
-          <p:cNvPr id="4" name="직사각형 3">
-            <a:extLst>
-              <a:ext uri="{FF2B5EF4-FFF2-40B4-BE49-F238E27FC236}">
-                <a16:creationId xmlns:a16="http://schemas.microsoft.com/office/drawing/2014/main" id="{DADC1E04-2714-0396-A2AF-1B6F2A75715F}"/>
-              </a:ext>
-            </a:extLst>
-          </p:cNvPr>
-          <p:cNvSpPr/>
-          <p:nvPr/>
-        </p:nvSpPr>
-        <p:spPr>
-          <a:xfrm>
-            <a:off x="434109" y="3332020"/>
-            <a:ext cx="11323782" cy="699654"/>
-          </a:xfrm>
-          <a:prstGeom prst="rect">
-            <a:avLst/>
-          </a:prstGeom>
-        </p:spPr>
-        <p:style>
-          <a:lnRef idx="2">
-            <a:schemeClr val="accent1">
-              <a:shade val="15000"/>
-            </a:schemeClr>
-          </a:lnRef>
-          <a:fillRef idx="1">
-            <a:schemeClr val="accent1"/>
-          </a:fillRef>
-          <a:effectRef idx="0">
-            <a:schemeClr val="accent1"/>
-          </a:effectRef>
-          <a:fontRef idx="minor">
-            <a:schemeClr val="lt1"/>
-          </a:fontRef>
-        </p:style>
-        <p:txBody>
-          <a:bodyPr rtlCol="0" anchor="ctr"/>
-          <a:lstStyle/>
-          <a:p>
-            <a:pPr algn="ctr"/>
-            <a:r>
-              <a:rPr lang="en-US" altLang="ko-KR" dirty="0"/>
-              <a:t>Home</a:t>
-            </a:r>
-            <a:endParaRPr lang="ko-KR" altLang="en-US" dirty="0"/>
-          </a:p>
-        </p:txBody>
-      </p:sp>
-      <p:sp>
-        <p:nvSpPr>
-          <p:cNvPr id="7" name="직사각형 6">
-            <a:extLst>
-              <a:ext uri="{FF2B5EF4-FFF2-40B4-BE49-F238E27FC236}">
-                <a16:creationId xmlns:a16="http://schemas.microsoft.com/office/drawing/2014/main" id="{4B1CC37A-BE49-3CE9-7CD7-AE443824CA4B}"/>
-              </a:ext>
-            </a:extLst>
-          </p:cNvPr>
-          <p:cNvSpPr/>
-          <p:nvPr/>
-        </p:nvSpPr>
-        <p:spPr>
-          <a:xfrm>
-            <a:off x="434109" y="4291213"/>
-            <a:ext cx="11323782" cy="699654"/>
-          </a:xfrm>
-          <a:prstGeom prst="rect">
-            <a:avLst/>
-          </a:prstGeom>
-        </p:spPr>
-        <p:style>
-          <a:lnRef idx="2">
-            <a:schemeClr val="accent1">
-              <a:shade val="15000"/>
-            </a:schemeClr>
-          </a:lnRef>
-          <a:fillRef idx="1">
-            <a:schemeClr val="accent1"/>
-          </a:fillRef>
-          <a:effectRef idx="0">
-            <a:schemeClr val="accent1"/>
-          </a:effectRef>
-          <a:fontRef idx="minor">
-            <a:schemeClr val="lt1"/>
-          </a:fontRef>
-        </p:style>
-        <p:txBody>
-          <a:bodyPr rtlCol="0" anchor="ctr"/>
-          <a:lstStyle/>
-          <a:p>
-            <a:pPr algn="ctr"/>
-            <a:r>
-              <a:rPr lang="ko-KR" altLang="en-US" dirty="0"/>
-              <a:t>한페이지 아래위로 이동하기</a:t>
-            </a:r>
-          </a:p>
-        </p:txBody>
-      </p:sp>
-      <p:sp>
-        <p:nvSpPr>
-          <p:cNvPr id="8" name="직사각형 7">
-            <a:extLst>
-              <a:ext uri="{FF2B5EF4-FFF2-40B4-BE49-F238E27FC236}">
-                <a16:creationId xmlns:a16="http://schemas.microsoft.com/office/drawing/2014/main" id="{EBAB0A4D-06D3-E087-A6F9-81FBD6FCE4D2}"/>
-              </a:ext>
-            </a:extLst>
-          </p:cNvPr>
-          <p:cNvSpPr/>
-          <p:nvPr/>
-        </p:nvSpPr>
-        <p:spPr>
-          <a:xfrm>
-            <a:off x="434109" y="5135302"/>
-            <a:ext cx="11323782" cy="699654"/>
-          </a:xfrm>
-          <a:prstGeom prst="rect">
-            <a:avLst/>
-          </a:prstGeom>
-        </p:spPr>
-        <p:style>
-          <a:lnRef idx="2">
-            <a:schemeClr val="accent1">
-              <a:shade val="15000"/>
-            </a:schemeClr>
-          </a:lnRef>
-          <a:fillRef idx="1">
-            <a:schemeClr val="accent1"/>
-          </a:fillRef>
-          <a:effectRef idx="0">
-            <a:schemeClr val="accent1"/>
-          </a:effectRef>
-          <a:fontRef idx="minor">
-            <a:schemeClr val="lt1"/>
-          </a:fontRef>
-        </p:style>
-        <p:txBody>
-          <a:bodyPr rtlCol="0" anchor="ctr"/>
-          <a:lstStyle/>
-          <a:p>
-            <a:pPr algn="ctr"/>
-            <a:r>
-              <a:rPr lang="en-US" altLang="ko-KR" dirty="0"/>
-              <a:t>Page Up Page Down</a:t>
-            </a:r>
-            <a:endParaRPr lang="ko-KR" altLang="en-US" dirty="0"/>
-          </a:p>
-        </p:txBody>
-      </p:sp>
+      </p:pic>
     </p:spTree>
     <p:extLst>
       <p:ext uri="{BB962C8B-B14F-4D97-AF65-F5344CB8AC3E}">
-        <p14:creationId xmlns:p14="http://schemas.microsoft.com/office/powerpoint/2010/main" val="939447541"/>
+        <p14:creationId xmlns:p14="http://schemas.microsoft.com/office/powerpoint/2010/main" val="3696848387"/>
       </p:ext>
     </p:extLst>
   </p:cSld>
@@ -6496,10 +6628,10 @@
       </p:grpSpPr>
       <p:sp>
         <p:nvSpPr>
-          <p:cNvPr id="6" name="직사각형 5">
-            <a:extLst>
-              <a:ext uri="{FF2B5EF4-FFF2-40B4-BE49-F238E27FC236}">
-                <a16:creationId xmlns:a16="http://schemas.microsoft.com/office/drawing/2014/main" id="{73072FA9-A79C-D7C6-4398-8DC55E90AAE8}"/>
+          <p:cNvPr id="2" name="직사각형 1">
+            <a:extLst>
+              <a:ext uri="{FF2B5EF4-FFF2-40B4-BE49-F238E27FC236}">
+                <a16:creationId xmlns:a16="http://schemas.microsoft.com/office/drawing/2014/main" id="{3139707C-C258-116B-1FC7-1EA17D56B0BE}"/>
               </a:ext>
             </a:extLst>
           </p:cNvPr>
@@ -6508,8 +6640,8 @@
         </p:nvSpPr>
         <p:spPr>
           <a:xfrm>
-            <a:off x="170429" y="301671"/>
-            <a:ext cx="2314864" cy="699654"/>
+            <a:off x="434109" y="528782"/>
+            <a:ext cx="11323782" cy="699654"/>
           </a:xfrm>
           <a:prstGeom prst="rect">
             <a:avLst/>
@@ -6538,88 +6670,17 @@
             <a:pPr algn="ctr"/>
             <a:r>
               <a:rPr lang="ko-KR" altLang="en-US" dirty="0"/>
-              <a:t>코드 위치 이동</a:t>
-            </a:r>
-            <a:endParaRPr lang="en-US" altLang="ko-KR" dirty="0"/>
-          </a:p>
-        </p:txBody>
-      </p:sp>
-      <p:sp>
-        <p:nvSpPr>
-          <p:cNvPr id="7" name="직사각형 6">
-            <a:extLst>
-              <a:ext uri="{FF2B5EF4-FFF2-40B4-BE49-F238E27FC236}">
-                <a16:creationId xmlns:a16="http://schemas.microsoft.com/office/drawing/2014/main" id="{F5E5B135-BF68-AEE4-F5F5-1CA77566A2A2}"/>
-              </a:ext>
-            </a:extLst>
-          </p:cNvPr>
-          <p:cNvSpPr/>
-          <p:nvPr/>
-        </p:nvSpPr>
-        <p:spPr>
-          <a:xfrm>
-            <a:off x="2678099" y="301671"/>
-            <a:ext cx="3913909" cy="699654"/>
-          </a:xfrm>
-          <a:prstGeom prst="rect">
-            <a:avLst/>
-          </a:prstGeom>
-        </p:spPr>
-        <p:style>
-          <a:lnRef idx="2">
-            <a:schemeClr val="accent1">
-              <a:shade val="15000"/>
-            </a:schemeClr>
-          </a:lnRef>
-          <a:fillRef idx="1">
-            <a:schemeClr val="accent1"/>
-          </a:fillRef>
-          <a:effectRef idx="0">
-            <a:schemeClr val="accent1"/>
-          </a:effectRef>
-          <a:fontRef idx="minor">
-            <a:schemeClr val="lt1"/>
-          </a:fontRef>
-        </p:style>
-        <p:txBody>
-          <a:bodyPr rtlCol="0" anchor="ctr"/>
-          <a:lstStyle/>
-          <a:p>
-            <a:pPr algn="ctr"/>
-            <a:r>
-              <a:rPr lang="ko-KR" altLang="en-US" dirty="0"/>
-              <a:t>범위 잡고 </a:t>
-            </a:r>
-            <a:r>
-              <a:rPr lang="en-US" altLang="ko-KR" dirty="0"/>
-              <a:t>alt + </a:t>
-            </a:r>
-            <a:r>
-              <a:rPr lang="ko-KR" altLang="en-US" dirty="0"/>
-              <a:t>방향키</a:t>
-            </a:r>
-            <a:endParaRPr lang="en-US" altLang="ko-KR" dirty="0"/>
-          </a:p>
-          <a:p>
-            <a:pPr algn="ctr"/>
-            <a:r>
-              <a:rPr lang="ko-KR" altLang="en-US" dirty="0"/>
-              <a:t>보통 위나 아래로 이동한다</a:t>
-            </a:r>
-            <a:r>
-              <a:rPr lang="en-US" altLang="ko-KR" dirty="0"/>
-              <a:t>.</a:t>
-            </a:r>
-            <a:endParaRPr lang="ko-KR" altLang="en-US" dirty="0"/>
+              <a:t>내부 코드 범위 선택</a:t>
+            </a:r>
           </a:p>
         </p:txBody>
       </p:sp>
       <p:pic>
         <p:nvPicPr>
-          <p:cNvPr id="9" name="그림 8">
-            <a:extLst>
-              <a:ext uri="{FF2B5EF4-FFF2-40B4-BE49-F238E27FC236}">
-                <a16:creationId xmlns:a16="http://schemas.microsoft.com/office/drawing/2014/main" id="{C35D71B0-06AB-1FC3-FCB8-4E1816F9C8E1}"/>
+          <p:cNvPr id="5" name="그림 4">
+            <a:extLst>
+              <a:ext uri="{FF2B5EF4-FFF2-40B4-BE49-F238E27FC236}">
+                <a16:creationId xmlns:a16="http://schemas.microsoft.com/office/drawing/2014/main" id="{460791A4-8D4E-1F0E-8073-FEFA1D33D16A}"/>
               </a:ext>
             </a:extLst>
           </p:cNvPr>
@@ -6636,8 +6697,8 @@
         </p:blipFill>
         <p:spPr>
           <a:xfrm>
-            <a:off x="560645" y="2738918"/>
-            <a:ext cx="4401164" cy="3467584"/>
+            <a:off x="1777011" y="2418730"/>
+            <a:ext cx="7954485" cy="4439270"/>
           </a:xfrm>
           <a:prstGeom prst="rect">
             <a:avLst/>
@@ -6646,10 +6707,10 @@
       </p:pic>
       <p:sp>
         <p:nvSpPr>
-          <p:cNvPr id="10" name="직사각형 9">
-            <a:extLst>
-              <a:ext uri="{FF2B5EF4-FFF2-40B4-BE49-F238E27FC236}">
-                <a16:creationId xmlns:a16="http://schemas.microsoft.com/office/drawing/2014/main" id="{2280AE44-AF2D-7BE7-0AAF-38B32EEA4650}"/>
+          <p:cNvPr id="6" name="직사각형 5">
+            <a:extLst>
+              <a:ext uri="{FF2B5EF4-FFF2-40B4-BE49-F238E27FC236}">
+                <a16:creationId xmlns:a16="http://schemas.microsoft.com/office/drawing/2014/main" id="{D96CC236-CBD2-58F7-6E96-5C1E2168D214}"/>
               </a:ext>
             </a:extLst>
           </p:cNvPr>
@@ -6658,8 +6719,8 @@
         </p:nvSpPr>
         <p:spPr>
           <a:xfrm>
-            <a:off x="170429" y="1170467"/>
-            <a:ext cx="2314864" cy="699654"/>
+            <a:off x="434109" y="1372871"/>
+            <a:ext cx="11323782" cy="699654"/>
           </a:xfrm>
           <a:prstGeom prst="rect">
             <a:avLst/>
@@ -6688,60 +6749,6 @@
             <a:pPr algn="ctr"/>
             <a:r>
               <a:rPr lang="ko-KR" altLang="en-US" dirty="0"/>
-              <a:t>행 범위 선택</a:t>
-            </a:r>
-            <a:endParaRPr lang="en-US" altLang="ko-KR" dirty="0"/>
-          </a:p>
-        </p:txBody>
-      </p:sp>
-      <p:sp>
-        <p:nvSpPr>
-          <p:cNvPr id="11" name="직사각형 10">
-            <a:extLst>
-              <a:ext uri="{FF2B5EF4-FFF2-40B4-BE49-F238E27FC236}">
-                <a16:creationId xmlns:a16="http://schemas.microsoft.com/office/drawing/2014/main" id="{78375A96-F974-5C38-969B-7F198F424F1B}"/>
-              </a:ext>
-            </a:extLst>
-          </p:cNvPr>
-          <p:cNvSpPr/>
-          <p:nvPr/>
-        </p:nvSpPr>
-        <p:spPr>
-          <a:xfrm>
-            <a:off x="2678099" y="1170467"/>
-            <a:ext cx="3913909" cy="699654"/>
-          </a:xfrm>
-          <a:prstGeom prst="rect">
-            <a:avLst/>
-          </a:prstGeom>
-        </p:spPr>
-        <p:style>
-          <a:lnRef idx="2">
-            <a:schemeClr val="accent1">
-              <a:shade val="15000"/>
-            </a:schemeClr>
-          </a:lnRef>
-          <a:fillRef idx="1">
-            <a:schemeClr val="accent1"/>
-          </a:fillRef>
-          <a:effectRef idx="0">
-            <a:schemeClr val="accent1"/>
-          </a:effectRef>
-          <a:fontRef idx="minor">
-            <a:schemeClr val="lt1"/>
-          </a:fontRef>
-        </p:style>
-        <p:txBody>
-          <a:bodyPr rtlCol="0" anchor="ctr"/>
-          <a:lstStyle/>
-          <a:p>
-            <a:pPr algn="ctr"/>
-            <a:r>
-              <a:rPr lang="en-US" altLang="ko-KR" dirty="0"/>
-              <a:t>Alt + </a:t>
-            </a:r>
-            <a:r>
-              <a:rPr lang="ko-KR" altLang="en-US" dirty="0"/>
               <a:t>시프트 </a:t>
             </a:r>
             <a:r>
@@ -6749,144 +6756,16 @@
               <a:t>+ </a:t>
             </a:r>
             <a:r>
-              <a:rPr lang="ko-KR" altLang="en-US" dirty="0" err="1"/>
-              <a:t>마우스드래그</a:t>
-            </a:r>
-            <a:endParaRPr lang="en-US" altLang="ko-KR" dirty="0"/>
-          </a:p>
-          <a:p>
-            <a:pPr algn="ctr"/>
-            <a:r>
-              <a:rPr lang="en-US" altLang="ko-KR" dirty="0"/>
-              <a:t>Alt + </a:t>
-            </a:r>
-            <a:r>
               <a:rPr lang="ko-KR" altLang="en-US" dirty="0"/>
-              <a:t>시프트 </a:t>
-            </a:r>
-            <a:r>
-              <a:rPr lang="en-US" altLang="ko-KR" dirty="0"/>
-              <a:t>+ </a:t>
-            </a:r>
-            <a:r>
-              <a:rPr lang="ko-KR" altLang="en-US" dirty="0"/>
-              <a:t>방향키</a:t>
-            </a:r>
-          </a:p>
-        </p:txBody>
-      </p:sp>
-      <p:sp>
-        <p:nvSpPr>
-          <p:cNvPr id="12" name="직사각형 11">
-            <a:extLst>
-              <a:ext uri="{FF2B5EF4-FFF2-40B4-BE49-F238E27FC236}">
-                <a16:creationId xmlns:a16="http://schemas.microsoft.com/office/drawing/2014/main" id="{84783EEF-D902-B7A2-987D-6790D901CF77}"/>
-              </a:ext>
-            </a:extLst>
-          </p:cNvPr>
-          <p:cNvSpPr/>
-          <p:nvPr/>
-        </p:nvSpPr>
-        <p:spPr>
-          <a:xfrm>
-            <a:off x="6889883" y="279781"/>
-            <a:ext cx="2314864" cy="699654"/>
-          </a:xfrm>
-          <a:prstGeom prst="rect">
-            <a:avLst/>
-          </a:prstGeom>
-        </p:spPr>
-        <p:style>
-          <a:lnRef idx="2">
-            <a:schemeClr val="accent1">
-              <a:shade val="15000"/>
-            </a:schemeClr>
-          </a:lnRef>
-          <a:fillRef idx="1">
-            <a:schemeClr val="accent1"/>
-          </a:fillRef>
-          <a:effectRef idx="0">
-            <a:schemeClr val="accent1"/>
-          </a:effectRef>
-          <a:fontRef idx="minor">
-            <a:schemeClr val="lt1"/>
-          </a:fontRef>
-        </p:style>
-        <p:txBody>
-          <a:bodyPr rtlCol="0" anchor="ctr"/>
-          <a:lstStyle/>
-          <a:p>
-            <a:pPr algn="ctr"/>
-            <a:r>
-              <a:rPr lang="ko-KR" altLang="en-US" dirty="0"/>
-              <a:t>구문단위 이동</a:t>
-            </a:r>
-            <a:endParaRPr lang="en-US" altLang="ko-KR" dirty="0"/>
-          </a:p>
-        </p:txBody>
-      </p:sp>
-      <p:sp>
-        <p:nvSpPr>
-          <p:cNvPr id="13" name="직사각형 12">
-            <a:extLst>
-              <a:ext uri="{FF2B5EF4-FFF2-40B4-BE49-F238E27FC236}">
-                <a16:creationId xmlns:a16="http://schemas.microsoft.com/office/drawing/2014/main" id="{50D49181-F269-ADB5-FE90-E604E5D8A19F}"/>
-              </a:ext>
-            </a:extLst>
-          </p:cNvPr>
-          <p:cNvSpPr/>
-          <p:nvPr/>
-        </p:nvSpPr>
-        <p:spPr>
-          <a:xfrm>
-            <a:off x="9397553" y="279781"/>
-            <a:ext cx="3913909" cy="699654"/>
-          </a:xfrm>
-          <a:prstGeom prst="rect">
-            <a:avLst/>
-          </a:prstGeom>
-        </p:spPr>
-        <p:style>
-          <a:lnRef idx="2">
-            <a:schemeClr val="accent1">
-              <a:shade val="15000"/>
-            </a:schemeClr>
-          </a:lnRef>
-          <a:fillRef idx="1">
-            <a:schemeClr val="accent1"/>
-          </a:fillRef>
-          <a:effectRef idx="0">
-            <a:schemeClr val="accent1"/>
-          </a:effectRef>
-          <a:fontRef idx="minor">
-            <a:schemeClr val="lt1"/>
-          </a:fontRef>
-        </p:style>
-        <p:txBody>
-          <a:bodyPr rtlCol="0" anchor="ctr"/>
-          <a:lstStyle/>
-          <a:p>
-            <a:pPr algn="ctr"/>
-            <a:r>
-              <a:rPr lang="ko-KR" altLang="en-US" dirty="0"/>
-              <a:t>컨트롤 </a:t>
-            </a:r>
-            <a:r>
-              <a:rPr lang="en-US" altLang="ko-KR" dirty="0"/>
-              <a:t>+ </a:t>
-            </a:r>
-            <a:r>
-              <a:rPr lang="ko-KR" altLang="en-US"/>
-              <a:t>방향키</a:t>
-            </a:r>
-            <a:endParaRPr lang="ko-KR" altLang="en-US" dirty="0"/>
+              <a:t>방향키 위 아래 왼쪽 오른쪽</a:t>
+            </a:r>
           </a:p>
         </p:txBody>
       </p:sp>
     </p:spTree>
     <p:extLst>
       <p:ext uri="{BB962C8B-B14F-4D97-AF65-F5344CB8AC3E}">
-        <p14:creationId xmlns:p14="http://schemas.microsoft.com/office/powerpoint/2010/main" val="2541269369"/>
+        <p14:creationId xmlns:p14="http://schemas.microsoft.com/office/powerpoint/2010/main" val="2783297044"/>
       </p:ext>
     </p:extLst>
   </p:cSld>
@@ -6915,10 +6794,10 @@
       </p:grpSpPr>
       <p:sp>
         <p:nvSpPr>
-          <p:cNvPr id="3" name="직사각형 2">
-            <a:extLst>
-              <a:ext uri="{FF2B5EF4-FFF2-40B4-BE49-F238E27FC236}">
-                <a16:creationId xmlns:a16="http://schemas.microsoft.com/office/drawing/2014/main" id="{A5840210-0674-BA1E-A813-66127759208E}"/>
+          <p:cNvPr id="2" name="직사각형 1">
+            <a:extLst>
+              <a:ext uri="{FF2B5EF4-FFF2-40B4-BE49-F238E27FC236}">
+                <a16:creationId xmlns:a16="http://schemas.microsoft.com/office/drawing/2014/main" id="{3139707C-C258-116B-1FC7-1EA17D56B0BE}"/>
               </a:ext>
             </a:extLst>
           </p:cNvPr>
@@ -6927,8 +6806,8 @@
         </p:nvSpPr>
         <p:spPr>
           <a:xfrm>
-            <a:off x="434109" y="556490"/>
-            <a:ext cx="11323782" cy="5908963"/>
+            <a:off x="434109" y="528782"/>
+            <a:ext cx="11323782" cy="699654"/>
           </a:xfrm>
           <a:prstGeom prst="rect">
             <a:avLst/>
@@ -6956,8 +6835,267 @@
           <a:p>
             <a:pPr algn="ctr"/>
             <a:r>
-              <a:rPr lang="ko-KR" altLang="en-US"/>
-              <a:t>파일관련</a:t>
+              <a:rPr lang="ko-KR" altLang="en-US" dirty="0" err="1"/>
+              <a:t>한줄의</a:t>
+            </a:r>
+            <a:r>
+              <a:rPr lang="ko-KR" altLang="en-US" dirty="0"/>
+              <a:t> 끝으로 바로 가기</a:t>
+            </a:r>
+          </a:p>
+        </p:txBody>
+      </p:sp>
+      <p:sp>
+        <p:nvSpPr>
+          <p:cNvPr id="6" name="직사각형 5">
+            <a:extLst>
+              <a:ext uri="{FF2B5EF4-FFF2-40B4-BE49-F238E27FC236}">
+                <a16:creationId xmlns:a16="http://schemas.microsoft.com/office/drawing/2014/main" id="{D96CC236-CBD2-58F7-6E96-5C1E2168D214}"/>
+              </a:ext>
+            </a:extLst>
+          </p:cNvPr>
+          <p:cNvSpPr/>
+          <p:nvPr/>
+        </p:nvSpPr>
+        <p:spPr>
+          <a:xfrm>
+            <a:off x="434109" y="1372871"/>
+            <a:ext cx="11323782" cy="699654"/>
+          </a:xfrm>
+          <a:prstGeom prst="rect">
+            <a:avLst/>
+          </a:prstGeom>
+        </p:spPr>
+        <p:style>
+          <a:lnRef idx="2">
+            <a:schemeClr val="accent1">
+              <a:shade val="15000"/>
+            </a:schemeClr>
+          </a:lnRef>
+          <a:fillRef idx="1">
+            <a:schemeClr val="accent1"/>
+          </a:fillRef>
+          <a:effectRef idx="0">
+            <a:schemeClr val="accent1"/>
+          </a:effectRef>
+          <a:fontRef idx="minor">
+            <a:schemeClr val="lt1"/>
+          </a:fontRef>
+        </p:style>
+        <p:txBody>
+          <a:bodyPr rtlCol="0" anchor="ctr"/>
+          <a:lstStyle/>
+          <a:p>
+            <a:pPr algn="ctr"/>
+            <a:r>
+              <a:rPr lang="en-US" altLang="ko-KR" dirty="0"/>
+              <a:t>End</a:t>
+            </a:r>
+            <a:endParaRPr lang="ko-KR" altLang="en-US" dirty="0"/>
+          </a:p>
+        </p:txBody>
+      </p:sp>
+      <p:sp>
+        <p:nvSpPr>
+          <p:cNvPr id="3" name="직사각형 2">
+            <a:extLst>
+              <a:ext uri="{FF2B5EF4-FFF2-40B4-BE49-F238E27FC236}">
+                <a16:creationId xmlns:a16="http://schemas.microsoft.com/office/drawing/2014/main" id="{0439CBCA-44E7-1624-A20E-592651603701}"/>
+              </a:ext>
+            </a:extLst>
+          </p:cNvPr>
+          <p:cNvSpPr/>
+          <p:nvPr/>
+        </p:nvSpPr>
+        <p:spPr>
+          <a:xfrm>
+            <a:off x="434109" y="2487931"/>
+            <a:ext cx="11323782" cy="699654"/>
+          </a:xfrm>
+          <a:prstGeom prst="rect">
+            <a:avLst/>
+          </a:prstGeom>
+        </p:spPr>
+        <p:style>
+          <a:lnRef idx="2">
+            <a:schemeClr val="accent1">
+              <a:shade val="15000"/>
+            </a:schemeClr>
+          </a:lnRef>
+          <a:fillRef idx="1">
+            <a:schemeClr val="accent1"/>
+          </a:fillRef>
+          <a:effectRef idx="0">
+            <a:schemeClr val="accent1"/>
+          </a:effectRef>
+          <a:fontRef idx="minor">
+            <a:schemeClr val="lt1"/>
+          </a:fontRef>
+        </p:style>
+        <p:txBody>
+          <a:bodyPr rtlCol="0" anchor="ctr"/>
+          <a:lstStyle/>
+          <a:p>
+            <a:pPr algn="ctr"/>
+            <a:r>
+              <a:rPr lang="ko-KR" altLang="en-US" dirty="0" err="1"/>
+              <a:t>한줄의</a:t>
+            </a:r>
+            <a:r>
+              <a:rPr lang="en-US" altLang="ko-KR" dirty="0"/>
+              <a:t> </a:t>
+            </a:r>
+            <a:r>
+              <a:rPr lang="ko-KR" altLang="en-US" dirty="0"/>
+              <a:t>가장 앞으로 가기</a:t>
+            </a:r>
+          </a:p>
+        </p:txBody>
+      </p:sp>
+      <p:sp>
+        <p:nvSpPr>
+          <p:cNvPr id="4" name="직사각형 3">
+            <a:extLst>
+              <a:ext uri="{FF2B5EF4-FFF2-40B4-BE49-F238E27FC236}">
+                <a16:creationId xmlns:a16="http://schemas.microsoft.com/office/drawing/2014/main" id="{DADC1E04-2714-0396-A2AF-1B6F2A75715F}"/>
+              </a:ext>
+            </a:extLst>
+          </p:cNvPr>
+          <p:cNvSpPr/>
+          <p:nvPr/>
+        </p:nvSpPr>
+        <p:spPr>
+          <a:xfrm>
+            <a:off x="434109" y="3332020"/>
+            <a:ext cx="11323782" cy="699654"/>
+          </a:xfrm>
+          <a:prstGeom prst="rect">
+            <a:avLst/>
+          </a:prstGeom>
+        </p:spPr>
+        <p:style>
+          <a:lnRef idx="2">
+            <a:schemeClr val="accent1">
+              <a:shade val="15000"/>
+            </a:schemeClr>
+          </a:lnRef>
+          <a:fillRef idx="1">
+            <a:schemeClr val="accent1"/>
+          </a:fillRef>
+          <a:effectRef idx="0">
+            <a:schemeClr val="accent1"/>
+          </a:effectRef>
+          <a:fontRef idx="minor">
+            <a:schemeClr val="lt1"/>
+          </a:fontRef>
+        </p:style>
+        <p:txBody>
+          <a:bodyPr rtlCol="0" anchor="ctr"/>
+          <a:lstStyle/>
+          <a:p>
+            <a:pPr algn="ctr"/>
+            <a:r>
+              <a:rPr lang="en-US" altLang="ko-KR" dirty="0"/>
+              <a:t>Home</a:t>
+            </a:r>
+            <a:endParaRPr lang="ko-KR" altLang="en-US" dirty="0"/>
+          </a:p>
+        </p:txBody>
+      </p:sp>
+      <p:sp>
+        <p:nvSpPr>
+          <p:cNvPr id="7" name="직사각형 6">
+            <a:extLst>
+              <a:ext uri="{FF2B5EF4-FFF2-40B4-BE49-F238E27FC236}">
+                <a16:creationId xmlns:a16="http://schemas.microsoft.com/office/drawing/2014/main" id="{4B1CC37A-BE49-3CE9-7CD7-AE443824CA4B}"/>
+              </a:ext>
+            </a:extLst>
+          </p:cNvPr>
+          <p:cNvSpPr/>
+          <p:nvPr/>
+        </p:nvSpPr>
+        <p:spPr>
+          <a:xfrm>
+            <a:off x="434109" y="4291213"/>
+            <a:ext cx="11323782" cy="699654"/>
+          </a:xfrm>
+          <a:prstGeom prst="rect">
+            <a:avLst/>
+          </a:prstGeom>
+        </p:spPr>
+        <p:style>
+          <a:lnRef idx="2">
+            <a:schemeClr val="accent1">
+              <a:shade val="15000"/>
+            </a:schemeClr>
+          </a:lnRef>
+          <a:fillRef idx="1">
+            <a:schemeClr val="accent1"/>
+          </a:fillRef>
+          <a:effectRef idx="0">
+            <a:schemeClr val="accent1"/>
+          </a:effectRef>
+          <a:fontRef idx="minor">
+            <a:schemeClr val="lt1"/>
+          </a:fontRef>
+        </p:style>
+        <p:txBody>
+          <a:bodyPr rtlCol="0" anchor="ctr"/>
+          <a:lstStyle/>
+          <a:p>
+            <a:pPr algn="ctr"/>
+            <a:r>
+              <a:rPr lang="ko-KR" altLang="en-US" dirty="0"/>
+              <a:t>한페이지 아래위로 이동하기</a:t>
+            </a:r>
+          </a:p>
+        </p:txBody>
+      </p:sp>
+      <p:sp>
+        <p:nvSpPr>
+          <p:cNvPr id="8" name="직사각형 7">
+            <a:extLst>
+              <a:ext uri="{FF2B5EF4-FFF2-40B4-BE49-F238E27FC236}">
+                <a16:creationId xmlns:a16="http://schemas.microsoft.com/office/drawing/2014/main" id="{EBAB0A4D-06D3-E087-A6F9-81FBD6FCE4D2}"/>
+              </a:ext>
+            </a:extLst>
+          </p:cNvPr>
+          <p:cNvSpPr/>
+          <p:nvPr/>
+        </p:nvSpPr>
+        <p:spPr>
+          <a:xfrm>
+            <a:off x="434109" y="5135302"/>
+            <a:ext cx="11323782" cy="699654"/>
+          </a:xfrm>
+          <a:prstGeom prst="rect">
+            <a:avLst/>
+          </a:prstGeom>
+        </p:spPr>
+        <p:style>
+          <a:lnRef idx="2">
+            <a:schemeClr val="accent1">
+              <a:shade val="15000"/>
+            </a:schemeClr>
+          </a:lnRef>
+          <a:fillRef idx="1">
+            <a:schemeClr val="accent1"/>
+          </a:fillRef>
+          <a:effectRef idx="0">
+            <a:schemeClr val="accent1"/>
+          </a:effectRef>
+          <a:fontRef idx="minor">
+            <a:schemeClr val="lt1"/>
+          </a:fontRef>
+        </p:style>
+        <p:txBody>
+          <a:bodyPr rtlCol="0" anchor="ctr"/>
+          <a:lstStyle/>
+          <a:p>
+            <a:pPr algn="ctr"/>
+            <a:r>
+              <a:rPr lang="en-US" altLang="ko-KR" dirty="0"/>
+              <a:t>Page Up Page Down</a:t>
             </a:r>
             <a:endParaRPr lang="ko-KR" altLang="en-US" dirty="0"/>
           </a:p>
@@ -6966,7 +7104,7 @@
     </p:spTree>
     <p:extLst>
       <p:ext uri="{BB962C8B-B14F-4D97-AF65-F5344CB8AC3E}">
-        <p14:creationId xmlns:p14="http://schemas.microsoft.com/office/powerpoint/2010/main" val="543264706"/>
+        <p14:creationId xmlns:p14="http://schemas.microsoft.com/office/powerpoint/2010/main" val="939447541"/>
       </p:ext>
     </p:extLst>
   </p:cSld>
@@ -6995,10 +7133,10 @@
       </p:grpSpPr>
       <p:sp>
         <p:nvSpPr>
-          <p:cNvPr id="2" name="직사각형 1">
-            <a:extLst>
-              <a:ext uri="{FF2B5EF4-FFF2-40B4-BE49-F238E27FC236}">
-                <a16:creationId xmlns:a16="http://schemas.microsoft.com/office/drawing/2014/main" id="{41AE9207-08CC-7B4C-E9CA-FE91309CB5F0}"/>
+          <p:cNvPr id="6" name="직사각형 5">
+            <a:extLst>
+              <a:ext uri="{FF2B5EF4-FFF2-40B4-BE49-F238E27FC236}">
+                <a16:creationId xmlns:a16="http://schemas.microsoft.com/office/drawing/2014/main" id="{73072FA9-A79C-D7C6-4398-8DC55E90AAE8}"/>
               </a:ext>
             </a:extLst>
           </p:cNvPr>
@@ -7007,8 +7145,8 @@
         </p:nvSpPr>
         <p:spPr>
           <a:xfrm>
-            <a:off x="434109" y="528782"/>
-            <a:ext cx="11323782" cy="699654"/>
+            <a:off x="170429" y="301671"/>
+            <a:ext cx="2314864" cy="699654"/>
           </a:xfrm>
           <a:prstGeom prst="rect">
             <a:avLst/>
@@ -7036,22 +7174,19 @@
           <a:p>
             <a:pPr algn="ctr"/>
             <a:r>
-              <a:rPr lang="en-US" altLang="ko-KR" dirty="0"/>
-              <a:t>#include </a:t>
-            </a:r>
-            <a:r>
               <a:rPr lang="ko-KR" altLang="en-US" dirty="0"/>
-              <a:t>파일을 열기</a:t>
-            </a:r>
-          </a:p>
-        </p:txBody>
-      </p:sp>
-      <p:sp>
-        <p:nvSpPr>
-          <p:cNvPr id="3" name="직사각형 2">
-            <a:extLst>
-              <a:ext uri="{FF2B5EF4-FFF2-40B4-BE49-F238E27FC236}">
-                <a16:creationId xmlns:a16="http://schemas.microsoft.com/office/drawing/2014/main" id="{0896559C-009B-D4B4-E508-A88915C734C9}"/>
+              <a:t>코드 위치 이동</a:t>
+            </a:r>
+            <a:endParaRPr lang="en-US" altLang="ko-KR" dirty="0"/>
+          </a:p>
+        </p:txBody>
+      </p:sp>
+      <p:sp>
+        <p:nvSpPr>
+          <p:cNvPr id="7" name="직사각형 6">
+            <a:extLst>
+              <a:ext uri="{FF2B5EF4-FFF2-40B4-BE49-F238E27FC236}">
+                <a16:creationId xmlns:a16="http://schemas.microsoft.com/office/drawing/2014/main" id="{F5E5B135-BF68-AEE4-F5F5-1CA77566A2A2}"/>
               </a:ext>
             </a:extLst>
           </p:cNvPr>
@@ -7060,8 +7195,8 @@
         </p:nvSpPr>
         <p:spPr>
           <a:xfrm>
-            <a:off x="434109" y="1438564"/>
-            <a:ext cx="11323782" cy="699654"/>
+            <a:off x="2678099" y="301671"/>
+            <a:ext cx="3913909" cy="699654"/>
           </a:xfrm>
           <a:prstGeom prst="rect">
             <a:avLst/>
@@ -7090,30 +7225,68 @@
             <a:pPr algn="ctr"/>
             <a:r>
               <a:rPr lang="ko-KR" altLang="en-US" dirty="0"/>
-              <a:t>컨트롤 </a:t>
+              <a:t>범위 잡고 </a:t>
             </a:r>
             <a:r>
               <a:rPr lang="en-US" altLang="ko-KR" dirty="0"/>
-              <a:t>+ </a:t>
+              <a:t>alt + </a:t>
             </a:r>
             <a:r>
               <a:rPr lang="ko-KR" altLang="en-US" dirty="0"/>
-              <a:t>시프트 </a:t>
+              <a:t>방향키</a:t>
+            </a:r>
+            <a:endParaRPr lang="en-US" altLang="ko-KR" dirty="0"/>
+          </a:p>
+          <a:p>
+            <a:pPr algn="ctr"/>
+            <a:r>
+              <a:rPr lang="ko-KR" altLang="en-US" dirty="0"/>
+              <a:t>보통 위나 아래로 이동한다</a:t>
             </a:r>
             <a:r>
               <a:rPr lang="en-US" altLang="ko-KR" dirty="0"/>
-              <a:t>+ G</a:t>
+              <a:t>.</a:t>
             </a:r>
             <a:endParaRPr lang="ko-KR" altLang="en-US" dirty="0"/>
           </a:p>
         </p:txBody>
       </p:sp>
-      <p:sp>
-        <p:nvSpPr>
-          <p:cNvPr id="4" name="직사각형 3">
-            <a:extLst>
-              <a:ext uri="{FF2B5EF4-FFF2-40B4-BE49-F238E27FC236}">
-                <a16:creationId xmlns:a16="http://schemas.microsoft.com/office/drawing/2014/main" id="{3721E046-6A63-4B9B-4A4D-C33FF03906C4}"/>
+      <p:pic>
+        <p:nvPicPr>
+          <p:cNvPr id="9" name="그림 8">
+            <a:extLst>
+              <a:ext uri="{FF2B5EF4-FFF2-40B4-BE49-F238E27FC236}">
+                <a16:creationId xmlns:a16="http://schemas.microsoft.com/office/drawing/2014/main" id="{C35D71B0-06AB-1FC3-FCB8-4E1816F9C8E1}"/>
+              </a:ext>
+            </a:extLst>
+          </p:cNvPr>
+          <p:cNvPicPr>
+            <a:picLocks noChangeAspect="1"/>
+          </p:cNvPicPr>
+          <p:nvPr/>
+        </p:nvPicPr>
+        <p:blipFill>
+          <a:blip r:embed="rId2"/>
+          <a:stretch>
+            <a:fillRect/>
+          </a:stretch>
+        </p:blipFill>
+        <p:spPr>
+          <a:xfrm>
+            <a:off x="560645" y="2738918"/>
+            <a:ext cx="4401164" cy="3467584"/>
+          </a:xfrm>
+          <a:prstGeom prst="rect">
+            <a:avLst/>
+          </a:prstGeom>
+        </p:spPr>
+      </p:pic>
+      <p:sp>
+        <p:nvSpPr>
+          <p:cNvPr id="10" name="직사각형 9">
+            <a:extLst>
+              <a:ext uri="{FF2B5EF4-FFF2-40B4-BE49-F238E27FC236}">
+                <a16:creationId xmlns:a16="http://schemas.microsoft.com/office/drawing/2014/main" id="{2280AE44-AF2D-7BE7-0AAF-38B32EEA4650}"/>
               </a:ext>
             </a:extLst>
           </p:cNvPr>
@@ -7122,8 +7295,8 @@
         </p:nvSpPr>
         <p:spPr>
           <a:xfrm>
-            <a:off x="434109" y="2348346"/>
-            <a:ext cx="11323782" cy="699654"/>
+            <a:off x="170429" y="1170467"/>
+            <a:ext cx="2314864" cy="699654"/>
           </a:xfrm>
           <a:prstGeom prst="rect">
             <a:avLst/>
@@ -7152,17 +7325,18 @@
             <a:pPr algn="ctr"/>
             <a:r>
               <a:rPr lang="ko-KR" altLang="en-US" dirty="0"/>
-              <a:t>한파일의 코드 전체선택</a:t>
-            </a:r>
-          </a:p>
-        </p:txBody>
-      </p:sp>
-      <p:sp>
-        <p:nvSpPr>
-          <p:cNvPr id="5" name="직사각형 4">
-            <a:extLst>
-              <a:ext uri="{FF2B5EF4-FFF2-40B4-BE49-F238E27FC236}">
-                <a16:creationId xmlns:a16="http://schemas.microsoft.com/office/drawing/2014/main" id="{F8447077-EE64-B455-01B2-714B8557369E}"/>
+              <a:t>행 범위 선택</a:t>
+            </a:r>
+            <a:endParaRPr lang="en-US" altLang="ko-KR" dirty="0"/>
+          </a:p>
+        </p:txBody>
+      </p:sp>
+      <p:sp>
+        <p:nvSpPr>
+          <p:cNvPr id="11" name="직사각형 10">
+            <a:extLst>
+              <a:ext uri="{FF2B5EF4-FFF2-40B4-BE49-F238E27FC236}">
+                <a16:creationId xmlns:a16="http://schemas.microsoft.com/office/drawing/2014/main" id="{78375A96-F974-5C38-969B-7F198F424F1B}"/>
               </a:ext>
             </a:extLst>
           </p:cNvPr>
@@ -7171,8 +7345,8 @@
         </p:nvSpPr>
         <p:spPr>
           <a:xfrm>
-            <a:off x="434109" y="3258128"/>
-            <a:ext cx="11323782" cy="699654"/>
+            <a:off x="2678099" y="1170467"/>
+            <a:ext cx="3913909" cy="699654"/>
           </a:xfrm>
           <a:prstGeom prst="rect">
             <a:avLst/>
@@ -7200,12 +7374,147 @@
           <a:p>
             <a:pPr algn="ctr"/>
             <a:r>
+              <a:rPr lang="en-US" altLang="ko-KR" dirty="0"/>
+              <a:t>Alt + </a:t>
+            </a:r>
+            <a:r>
               <a:rPr lang="ko-KR" altLang="en-US" dirty="0"/>
               <a:t>시프트 </a:t>
             </a:r>
             <a:r>
               <a:rPr lang="en-US" altLang="ko-KR" dirty="0"/>
-              <a:t>+ A</a:t>
+              <a:t>+ </a:t>
+            </a:r>
+            <a:r>
+              <a:rPr lang="ko-KR" altLang="en-US" dirty="0" err="1"/>
+              <a:t>마우스드래그</a:t>
+            </a:r>
+            <a:endParaRPr lang="en-US" altLang="ko-KR" dirty="0"/>
+          </a:p>
+          <a:p>
+            <a:pPr algn="ctr"/>
+            <a:r>
+              <a:rPr lang="en-US" altLang="ko-KR" dirty="0"/>
+              <a:t>Alt + </a:t>
+            </a:r>
+            <a:r>
+              <a:rPr lang="ko-KR" altLang="en-US" dirty="0"/>
+              <a:t>시프트 </a:t>
+            </a:r>
+            <a:r>
+              <a:rPr lang="en-US" altLang="ko-KR" dirty="0"/>
+              <a:t>+ </a:t>
+            </a:r>
+            <a:r>
+              <a:rPr lang="ko-KR" altLang="en-US" dirty="0"/>
+              <a:t>방향키</a:t>
+            </a:r>
+          </a:p>
+        </p:txBody>
+      </p:sp>
+      <p:sp>
+        <p:nvSpPr>
+          <p:cNvPr id="12" name="직사각형 11">
+            <a:extLst>
+              <a:ext uri="{FF2B5EF4-FFF2-40B4-BE49-F238E27FC236}">
+                <a16:creationId xmlns:a16="http://schemas.microsoft.com/office/drawing/2014/main" id="{84783EEF-D902-B7A2-987D-6790D901CF77}"/>
+              </a:ext>
+            </a:extLst>
+          </p:cNvPr>
+          <p:cNvSpPr/>
+          <p:nvPr/>
+        </p:nvSpPr>
+        <p:spPr>
+          <a:xfrm>
+            <a:off x="6889883" y="279781"/>
+            <a:ext cx="2314864" cy="699654"/>
+          </a:xfrm>
+          <a:prstGeom prst="rect">
+            <a:avLst/>
+          </a:prstGeom>
+        </p:spPr>
+        <p:style>
+          <a:lnRef idx="2">
+            <a:schemeClr val="accent1">
+              <a:shade val="15000"/>
+            </a:schemeClr>
+          </a:lnRef>
+          <a:fillRef idx="1">
+            <a:schemeClr val="accent1"/>
+          </a:fillRef>
+          <a:effectRef idx="0">
+            <a:schemeClr val="accent1"/>
+          </a:effectRef>
+          <a:fontRef idx="minor">
+            <a:schemeClr val="lt1"/>
+          </a:fontRef>
+        </p:style>
+        <p:txBody>
+          <a:bodyPr rtlCol="0" anchor="ctr"/>
+          <a:lstStyle/>
+          <a:p>
+            <a:pPr algn="ctr"/>
+            <a:r>
+              <a:rPr lang="ko-KR" altLang="en-US" dirty="0"/>
+              <a:t>구문단위 이동</a:t>
+            </a:r>
+            <a:endParaRPr lang="en-US" altLang="ko-KR" dirty="0"/>
+          </a:p>
+        </p:txBody>
+      </p:sp>
+      <p:sp>
+        <p:nvSpPr>
+          <p:cNvPr id="13" name="직사각형 12">
+            <a:extLst>
+              <a:ext uri="{FF2B5EF4-FFF2-40B4-BE49-F238E27FC236}">
+                <a16:creationId xmlns:a16="http://schemas.microsoft.com/office/drawing/2014/main" id="{50D49181-F269-ADB5-FE90-E604E5D8A19F}"/>
+              </a:ext>
+            </a:extLst>
+          </p:cNvPr>
+          <p:cNvSpPr/>
+          <p:nvPr/>
+        </p:nvSpPr>
+        <p:spPr>
+          <a:xfrm>
+            <a:off x="9397553" y="279781"/>
+            <a:ext cx="3913909" cy="699654"/>
+          </a:xfrm>
+          <a:prstGeom prst="rect">
+            <a:avLst/>
+          </a:prstGeom>
+        </p:spPr>
+        <p:style>
+          <a:lnRef idx="2">
+            <a:schemeClr val="accent1">
+              <a:shade val="15000"/>
+            </a:schemeClr>
+          </a:lnRef>
+          <a:fillRef idx="1">
+            <a:schemeClr val="accent1"/>
+          </a:fillRef>
+          <a:effectRef idx="0">
+            <a:schemeClr val="accent1"/>
+          </a:effectRef>
+          <a:fontRef idx="minor">
+            <a:schemeClr val="lt1"/>
+          </a:fontRef>
+        </p:style>
+        <p:txBody>
+          <a:bodyPr rtlCol="0" anchor="ctr"/>
+          <a:lstStyle/>
+          <a:p>
+            <a:pPr algn="ctr"/>
+            <a:r>
+              <a:rPr lang="ko-KR" altLang="en-US" dirty="0"/>
+              <a:t>컨트롤 </a:t>
+            </a:r>
+            <a:r>
+              <a:rPr lang="en-US" altLang="ko-KR" dirty="0"/>
+              <a:t>+ </a:t>
+            </a:r>
+            <a:r>
+              <a:rPr lang="ko-KR" altLang="en-US"/>
+              <a:t>방향키</a:t>
             </a:r>
             <a:endParaRPr lang="ko-KR" altLang="en-US" dirty="0"/>
           </a:p>
@@ -7214,7 +7523,7 @@
     </p:spTree>
     <p:extLst>
       <p:ext uri="{BB962C8B-B14F-4D97-AF65-F5344CB8AC3E}">
-        <p14:creationId xmlns:p14="http://schemas.microsoft.com/office/powerpoint/2010/main" val="2058413992"/>
+        <p14:creationId xmlns:p14="http://schemas.microsoft.com/office/powerpoint/2010/main" val="2541269369"/>
       </p:ext>
     </p:extLst>
   </p:cSld>
@@ -7285,7 +7594,7 @@
             <a:pPr algn="ctr"/>
             <a:r>
               <a:rPr lang="ko-KR" altLang="en-US"/>
-              <a:t>디버깅</a:t>
+              <a:t>파일관련</a:t>
             </a:r>
             <a:endParaRPr lang="ko-KR" altLang="en-US" dirty="0"/>
           </a:p>
@@ -7294,7 +7603,7 @@
     </p:spTree>
     <p:extLst>
       <p:ext uri="{BB962C8B-B14F-4D97-AF65-F5344CB8AC3E}">
-        <p14:creationId xmlns:p14="http://schemas.microsoft.com/office/powerpoint/2010/main" val="3967221169"/>
+        <p14:creationId xmlns:p14="http://schemas.microsoft.com/office/powerpoint/2010/main" val="543264706"/>
       </p:ext>
     </p:extLst>
   </p:cSld>

--- a/DOC/공통문서/비주얼스튜디오 단축키.pptx
+++ b/DOC/공통문서/비주얼스튜디오 단축키.pptx
@@ -6,34 +6,35 @@
   </p:sldMasterIdLst>
   <p:sldIdLst>
     <p:sldId id="281" r:id="rId2"/>
-    <p:sldId id="286" r:id="rId3"/>
-    <p:sldId id="287" r:id="rId4"/>
-    <p:sldId id="288" r:id="rId5"/>
-    <p:sldId id="260" r:id="rId6"/>
-    <p:sldId id="261" r:id="rId7"/>
-    <p:sldId id="279" r:id="rId8"/>
-    <p:sldId id="265" r:id="rId9"/>
-    <p:sldId id="282" r:id="rId10"/>
-    <p:sldId id="262" r:id="rId11"/>
-    <p:sldId id="283" r:id="rId12"/>
-    <p:sldId id="280" r:id="rId13"/>
-    <p:sldId id="263" r:id="rId14"/>
-    <p:sldId id="284" r:id="rId15"/>
-    <p:sldId id="264" r:id="rId16"/>
-    <p:sldId id="285" r:id="rId17"/>
-    <p:sldId id="266" r:id="rId18"/>
-    <p:sldId id="267" r:id="rId19"/>
-    <p:sldId id="268" r:id="rId20"/>
-    <p:sldId id="269" r:id="rId21"/>
-    <p:sldId id="270" r:id="rId22"/>
-    <p:sldId id="271" r:id="rId23"/>
-    <p:sldId id="272" r:id="rId24"/>
-    <p:sldId id="273" r:id="rId25"/>
-    <p:sldId id="274" r:id="rId26"/>
-    <p:sldId id="275" r:id="rId27"/>
-    <p:sldId id="276" r:id="rId28"/>
-    <p:sldId id="277" r:id="rId29"/>
-    <p:sldId id="278" r:id="rId30"/>
+    <p:sldId id="289" r:id="rId3"/>
+    <p:sldId id="286" r:id="rId4"/>
+    <p:sldId id="287" r:id="rId5"/>
+    <p:sldId id="288" r:id="rId6"/>
+    <p:sldId id="260" r:id="rId7"/>
+    <p:sldId id="261" r:id="rId8"/>
+    <p:sldId id="279" r:id="rId9"/>
+    <p:sldId id="265" r:id="rId10"/>
+    <p:sldId id="282" r:id="rId11"/>
+    <p:sldId id="262" r:id="rId12"/>
+    <p:sldId id="283" r:id="rId13"/>
+    <p:sldId id="280" r:id="rId14"/>
+    <p:sldId id="263" r:id="rId15"/>
+    <p:sldId id="284" r:id="rId16"/>
+    <p:sldId id="264" r:id="rId17"/>
+    <p:sldId id="285" r:id="rId18"/>
+    <p:sldId id="266" r:id="rId19"/>
+    <p:sldId id="267" r:id="rId20"/>
+    <p:sldId id="268" r:id="rId21"/>
+    <p:sldId id="269" r:id="rId22"/>
+    <p:sldId id="270" r:id="rId23"/>
+    <p:sldId id="271" r:id="rId24"/>
+    <p:sldId id="272" r:id="rId25"/>
+    <p:sldId id="273" r:id="rId26"/>
+    <p:sldId id="274" r:id="rId27"/>
+    <p:sldId id="275" r:id="rId28"/>
+    <p:sldId id="276" r:id="rId29"/>
+    <p:sldId id="277" r:id="rId30"/>
+    <p:sldId id="278" r:id="rId31"/>
   </p:sldIdLst>
   <p:sldSz cx="12192000" cy="6858000"/>
   <p:notesSz cx="6858000" cy="9144000"/>
@@ -371,7 +372,7 @@
           <a:p>
             <a:fld id="{ADAF0334-EF1F-40BE-A71F-BA73690F7647}" type="datetimeFigureOut">
               <a:rPr lang="ko-KR" altLang="en-US" smtClean="0"/>
-              <a:t>2024-09-24</a:t>
+              <a:t>2024-09-26</a:t>
             </a:fld>
             <a:endParaRPr lang="ko-KR" altLang="en-US"/>
           </a:p>
@@ -569,7 +570,7 @@
           <a:p>
             <a:fld id="{ADAF0334-EF1F-40BE-A71F-BA73690F7647}" type="datetimeFigureOut">
               <a:rPr lang="ko-KR" altLang="en-US" smtClean="0"/>
-              <a:t>2024-09-24</a:t>
+              <a:t>2024-09-26</a:t>
             </a:fld>
             <a:endParaRPr lang="ko-KR" altLang="en-US"/>
           </a:p>
@@ -777,7 +778,7 @@
           <a:p>
             <a:fld id="{ADAF0334-EF1F-40BE-A71F-BA73690F7647}" type="datetimeFigureOut">
               <a:rPr lang="ko-KR" altLang="en-US" smtClean="0"/>
-              <a:t>2024-09-24</a:t>
+              <a:t>2024-09-26</a:t>
             </a:fld>
             <a:endParaRPr lang="ko-KR" altLang="en-US"/>
           </a:p>
@@ -975,7 +976,7 @@
           <a:p>
             <a:fld id="{ADAF0334-EF1F-40BE-A71F-BA73690F7647}" type="datetimeFigureOut">
               <a:rPr lang="ko-KR" altLang="en-US" smtClean="0"/>
-              <a:t>2024-09-24</a:t>
+              <a:t>2024-09-26</a:t>
             </a:fld>
             <a:endParaRPr lang="ko-KR" altLang="en-US"/>
           </a:p>
@@ -1250,7 +1251,7 @@
           <a:p>
             <a:fld id="{ADAF0334-EF1F-40BE-A71F-BA73690F7647}" type="datetimeFigureOut">
               <a:rPr lang="ko-KR" altLang="en-US" smtClean="0"/>
-              <a:t>2024-09-24</a:t>
+              <a:t>2024-09-26</a:t>
             </a:fld>
             <a:endParaRPr lang="ko-KR" altLang="en-US"/>
           </a:p>
@@ -1515,7 +1516,7 @@
           <a:p>
             <a:fld id="{ADAF0334-EF1F-40BE-A71F-BA73690F7647}" type="datetimeFigureOut">
               <a:rPr lang="ko-KR" altLang="en-US" smtClean="0"/>
-              <a:t>2024-09-24</a:t>
+              <a:t>2024-09-26</a:t>
             </a:fld>
             <a:endParaRPr lang="ko-KR" altLang="en-US"/>
           </a:p>
@@ -1927,7 +1928,7 @@
           <a:p>
             <a:fld id="{ADAF0334-EF1F-40BE-A71F-BA73690F7647}" type="datetimeFigureOut">
               <a:rPr lang="ko-KR" altLang="en-US" smtClean="0"/>
-              <a:t>2024-09-24</a:t>
+              <a:t>2024-09-26</a:t>
             </a:fld>
             <a:endParaRPr lang="ko-KR" altLang="en-US"/>
           </a:p>
@@ -2068,7 +2069,7 @@
           <a:p>
             <a:fld id="{ADAF0334-EF1F-40BE-A71F-BA73690F7647}" type="datetimeFigureOut">
               <a:rPr lang="ko-KR" altLang="en-US" smtClean="0"/>
-              <a:t>2024-09-24</a:t>
+              <a:t>2024-09-26</a:t>
             </a:fld>
             <a:endParaRPr lang="ko-KR" altLang="en-US"/>
           </a:p>
@@ -2181,7 +2182,7 @@
           <a:p>
             <a:fld id="{ADAF0334-EF1F-40BE-A71F-BA73690F7647}" type="datetimeFigureOut">
               <a:rPr lang="ko-KR" altLang="en-US" smtClean="0"/>
-              <a:t>2024-09-24</a:t>
+              <a:t>2024-09-26</a:t>
             </a:fld>
             <a:endParaRPr lang="ko-KR" altLang="en-US"/>
           </a:p>
@@ -2492,7 +2493,7 @@
           <a:p>
             <a:fld id="{ADAF0334-EF1F-40BE-A71F-BA73690F7647}" type="datetimeFigureOut">
               <a:rPr lang="ko-KR" altLang="en-US" smtClean="0"/>
-              <a:t>2024-09-24</a:t>
+              <a:t>2024-09-26</a:t>
             </a:fld>
             <a:endParaRPr lang="ko-KR" altLang="en-US"/>
           </a:p>
@@ -2780,7 +2781,7 @@
           <a:p>
             <a:fld id="{ADAF0334-EF1F-40BE-A71F-BA73690F7647}" type="datetimeFigureOut">
               <a:rPr lang="ko-KR" altLang="en-US" smtClean="0"/>
-              <a:t>2024-09-24</a:t>
+              <a:t>2024-09-26</a:t>
             </a:fld>
             <a:endParaRPr lang="ko-KR" altLang="en-US"/>
           </a:p>
@@ -3021,7 +3022,7 @@
           <a:p>
             <a:fld id="{ADAF0334-EF1F-40BE-A71F-BA73690F7647}" type="datetimeFigureOut">
               <a:rPr lang="ko-KR" altLang="en-US" smtClean="0"/>
-              <a:t>2024-09-24</a:t>
+              <a:t>2024-09-26</a:t>
             </a:fld>
             <a:endParaRPr lang="ko-KR" altLang="en-US"/>
           </a:p>
@@ -3519,10 +3520,10 @@
       </p:grpSpPr>
       <p:sp>
         <p:nvSpPr>
-          <p:cNvPr id="2" name="직사각형 1">
-            <a:extLst>
-              <a:ext uri="{FF2B5EF4-FFF2-40B4-BE49-F238E27FC236}">
-                <a16:creationId xmlns:a16="http://schemas.microsoft.com/office/drawing/2014/main" id="{41AE9207-08CC-7B4C-E9CA-FE91309CB5F0}"/>
+          <p:cNvPr id="3" name="직사각형 2">
+            <a:extLst>
+              <a:ext uri="{FF2B5EF4-FFF2-40B4-BE49-F238E27FC236}">
+                <a16:creationId xmlns:a16="http://schemas.microsoft.com/office/drawing/2014/main" id="{A5840210-0674-BA1E-A813-66127759208E}"/>
               </a:ext>
             </a:extLst>
           </p:cNvPr>
@@ -3531,8 +3532,8 @@
         </p:nvSpPr>
         <p:spPr>
           <a:xfrm>
-            <a:off x="434109" y="528782"/>
-            <a:ext cx="11323782" cy="699654"/>
+            <a:off x="434109" y="556490"/>
+            <a:ext cx="11323782" cy="5908963"/>
           </a:xfrm>
           <a:prstGeom prst="rect">
             <a:avLst/>
@@ -3560,176 +3561,8 @@
           <a:p>
             <a:pPr algn="ctr"/>
             <a:r>
-              <a:rPr lang="en-US" altLang="ko-KR" dirty="0"/>
-              <a:t>#include </a:t>
-            </a:r>
-            <a:r>
-              <a:rPr lang="ko-KR" altLang="en-US" dirty="0"/>
-              <a:t>파일을 열기</a:t>
-            </a:r>
-          </a:p>
-        </p:txBody>
-      </p:sp>
-      <p:sp>
-        <p:nvSpPr>
-          <p:cNvPr id="3" name="직사각형 2">
-            <a:extLst>
-              <a:ext uri="{FF2B5EF4-FFF2-40B4-BE49-F238E27FC236}">
-                <a16:creationId xmlns:a16="http://schemas.microsoft.com/office/drawing/2014/main" id="{0896559C-009B-D4B4-E508-A88915C734C9}"/>
-              </a:ext>
-            </a:extLst>
-          </p:cNvPr>
-          <p:cNvSpPr/>
-          <p:nvPr/>
-        </p:nvSpPr>
-        <p:spPr>
-          <a:xfrm>
-            <a:off x="434109" y="1438564"/>
-            <a:ext cx="11323782" cy="699654"/>
-          </a:xfrm>
-          <a:prstGeom prst="rect">
-            <a:avLst/>
-          </a:prstGeom>
-        </p:spPr>
-        <p:style>
-          <a:lnRef idx="2">
-            <a:schemeClr val="accent1">
-              <a:shade val="15000"/>
-            </a:schemeClr>
-          </a:lnRef>
-          <a:fillRef idx="1">
-            <a:schemeClr val="accent1"/>
-          </a:fillRef>
-          <a:effectRef idx="0">
-            <a:schemeClr val="accent1"/>
-          </a:effectRef>
-          <a:fontRef idx="minor">
-            <a:schemeClr val="lt1"/>
-          </a:fontRef>
-        </p:style>
-        <p:txBody>
-          <a:bodyPr rtlCol="0" anchor="ctr"/>
-          <a:lstStyle/>
-          <a:p>
-            <a:pPr algn="ctr"/>
-            <a:r>
-              <a:rPr lang="ko-KR" altLang="en-US" dirty="0"/>
-              <a:t>컨트롤 </a:t>
-            </a:r>
-            <a:r>
-              <a:rPr lang="en-US" altLang="ko-KR" dirty="0"/>
-              <a:t>+ </a:t>
-            </a:r>
-            <a:r>
-              <a:rPr lang="ko-KR" altLang="en-US" dirty="0"/>
-              <a:t>시프트 </a:t>
-            </a:r>
-            <a:r>
-              <a:rPr lang="en-US" altLang="ko-KR" dirty="0"/>
-              <a:t>+ G</a:t>
-            </a:r>
-            <a:endParaRPr lang="ko-KR" altLang="en-US" dirty="0"/>
-          </a:p>
-        </p:txBody>
-      </p:sp>
-      <p:sp>
-        <p:nvSpPr>
-          <p:cNvPr id="4" name="직사각형 3">
-            <a:extLst>
-              <a:ext uri="{FF2B5EF4-FFF2-40B4-BE49-F238E27FC236}">
-                <a16:creationId xmlns:a16="http://schemas.microsoft.com/office/drawing/2014/main" id="{3721E046-6A63-4B9B-4A4D-C33FF03906C4}"/>
-              </a:ext>
-            </a:extLst>
-          </p:cNvPr>
-          <p:cNvSpPr/>
-          <p:nvPr/>
-        </p:nvSpPr>
-        <p:spPr>
-          <a:xfrm>
-            <a:off x="434109" y="2348346"/>
-            <a:ext cx="11323782" cy="699654"/>
-          </a:xfrm>
-          <a:prstGeom prst="rect">
-            <a:avLst/>
-          </a:prstGeom>
-        </p:spPr>
-        <p:style>
-          <a:lnRef idx="2">
-            <a:schemeClr val="accent1">
-              <a:shade val="15000"/>
-            </a:schemeClr>
-          </a:lnRef>
-          <a:fillRef idx="1">
-            <a:schemeClr val="accent1"/>
-          </a:fillRef>
-          <a:effectRef idx="0">
-            <a:schemeClr val="accent1"/>
-          </a:effectRef>
-          <a:fontRef idx="minor">
-            <a:schemeClr val="lt1"/>
-          </a:fontRef>
-        </p:style>
-        <p:txBody>
-          <a:bodyPr rtlCol="0" anchor="ctr"/>
-          <a:lstStyle/>
-          <a:p>
-            <a:pPr algn="ctr"/>
-            <a:r>
-              <a:rPr lang="ko-KR" altLang="en-US" dirty="0"/>
-              <a:t>한파일의 코드 전체선택</a:t>
-            </a:r>
-          </a:p>
-        </p:txBody>
-      </p:sp>
-      <p:sp>
-        <p:nvSpPr>
-          <p:cNvPr id="5" name="직사각형 4">
-            <a:extLst>
-              <a:ext uri="{FF2B5EF4-FFF2-40B4-BE49-F238E27FC236}">
-                <a16:creationId xmlns:a16="http://schemas.microsoft.com/office/drawing/2014/main" id="{F8447077-EE64-B455-01B2-714B8557369E}"/>
-              </a:ext>
-            </a:extLst>
-          </p:cNvPr>
-          <p:cNvSpPr/>
-          <p:nvPr/>
-        </p:nvSpPr>
-        <p:spPr>
-          <a:xfrm>
-            <a:off x="434109" y="3258128"/>
-            <a:ext cx="11323782" cy="699654"/>
-          </a:xfrm>
-          <a:prstGeom prst="rect">
-            <a:avLst/>
-          </a:prstGeom>
-        </p:spPr>
-        <p:style>
-          <a:lnRef idx="2">
-            <a:schemeClr val="accent1">
-              <a:shade val="15000"/>
-            </a:schemeClr>
-          </a:lnRef>
-          <a:fillRef idx="1">
-            <a:schemeClr val="accent1"/>
-          </a:fillRef>
-          <a:effectRef idx="0">
-            <a:schemeClr val="accent1"/>
-          </a:effectRef>
-          <a:fontRef idx="minor">
-            <a:schemeClr val="lt1"/>
-          </a:fontRef>
-        </p:style>
-        <p:txBody>
-          <a:bodyPr rtlCol="0" anchor="ctr"/>
-          <a:lstStyle/>
-          <a:p>
-            <a:pPr algn="ctr"/>
-            <a:r>
-              <a:rPr lang="ko-KR" altLang="en-US" dirty="0"/>
-              <a:t>시프트 </a:t>
-            </a:r>
-            <a:r>
-              <a:rPr lang="en-US" altLang="ko-KR" dirty="0"/>
-              <a:t>+ A</a:t>
+              <a:rPr lang="ko-KR" altLang="en-US"/>
+              <a:t>파일관련</a:t>
             </a:r>
             <a:endParaRPr lang="ko-KR" altLang="en-US" dirty="0"/>
           </a:p>
@@ -3738,7 +3571,7 @@
     </p:spTree>
     <p:extLst>
       <p:ext uri="{BB962C8B-B14F-4D97-AF65-F5344CB8AC3E}">
-        <p14:creationId xmlns:p14="http://schemas.microsoft.com/office/powerpoint/2010/main" val="2058413992"/>
+        <p14:creationId xmlns:p14="http://schemas.microsoft.com/office/powerpoint/2010/main" val="543264706"/>
       </p:ext>
     </p:extLst>
   </p:cSld>
@@ -3767,6 +3600,254 @@
       </p:grpSpPr>
       <p:sp>
         <p:nvSpPr>
+          <p:cNvPr id="2" name="직사각형 1">
+            <a:extLst>
+              <a:ext uri="{FF2B5EF4-FFF2-40B4-BE49-F238E27FC236}">
+                <a16:creationId xmlns:a16="http://schemas.microsoft.com/office/drawing/2014/main" id="{41AE9207-08CC-7B4C-E9CA-FE91309CB5F0}"/>
+              </a:ext>
+            </a:extLst>
+          </p:cNvPr>
+          <p:cNvSpPr/>
+          <p:nvPr/>
+        </p:nvSpPr>
+        <p:spPr>
+          <a:xfrm>
+            <a:off x="434109" y="528782"/>
+            <a:ext cx="11323782" cy="699654"/>
+          </a:xfrm>
+          <a:prstGeom prst="rect">
+            <a:avLst/>
+          </a:prstGeom>
+        </p:spPr>
+        <p:style>
+          <a:lnRef idx="2">
+            <a:schemeClr val="accent1">
+              <a:shade val="15000"/>
+            </a:schemeClr>
+          </a:lnRef>
+          <a:fillRef idx="1">
+            <a:schemeClr val="accent1"/>
+          </a:fillRef>
+          <a:effectRef idx="0">
+            <a:schemeClr val="accent1"/>
+          </a:effectRef>
+          <a:fontRef idx="minor">
+            <a:schemeClr val="lt1"/>
+          </a:fontRef>
+        </p:style>
+        <p:txBody>
+          <a:bodyPr rtlCol="0" anchor="ctr"/>
+          <a:lstStyle/>
+          <a:p>
+            <a:pPr algn="ctr"/>
+            <a:r>
+              <a:rPr lang="en-US" altLang="ko-KR" dirty="0"/>
+              <a:t>#include </a:t>
+            </a:r>
+            <a:r>
+              <a:rPr lang="ko-KR" altLang="en-US" dirty="0"/>
+              <a:t>파일을 열기</a:t>
+            </a:r>
+          </a:p>
+        </p:txBody>
+      </p:sp>
+      <p:sp>
+        <p:nvSpPr>
+          <p:cNvPr id="3" name="직사각형 2">
+            <a:extLst>
+              <a:ext uri="{FF2B5EF4-FFF2-40B4-BE49-F238E27FC236}">
+                <a16:creationId xmlns:a16="http://schemas.microsoft.com/office/drawing/2014/main" id="{0896559C-009B-D4B4-E508-A88915C734C9}"/>
+              </a:ext>
+            </a:extLst>
+          </p:cNvPr>
+          <p:cNvSpPr/>
+          <p:nvPr/>
+        </p:nvSpPr>
+        <p:spPr>
+          <a:xfrm>
+            <a:off x="434109" y="1438564"/>
+            <a:ext cx="11323782" cy="699654"/>
+          </a:xfrm>
+          <a:prstGeom prst="rect">
+            <a:avLst/>
+          </a:prstGeom>
+        </p:spPr>
+        <p:style>
+          <a:lnRef idx="2">
+            <a:schemeClr val="accent1">
+              <a:shade val="15000"/>
+            </a:schemeClr>
+          </a:lnRef>
+          <a:fillRef idx="1">
+            <a:schemeClr val="accent1"/>
+          </a:fillRef>
+          <a:effectRef idx="0">
+            <a:schemeClr val="accent1"/>
+          </a:effectRef>
+          <a:fontRef idx="minor">
+            <a:schemeClr val="lt1"/>
+          </a:fontRef>
+        </p:style>
+        <p:txBody>
+          <a:bodyPr rtlCol="0" anchor="ctr"/>
+          <a:lstStyle/>
+          <a:p>
+            <a:pPr algn="ctr"/>
+            <a:r>
+              <a:rPr lang="ko-KR" altLang="en-US" dirty="0"/>
+              <a:t>컨트롤 </a:t>
+            </a:r>
+            <a:r>
+              <a:rPr lang="en-US" altLang="ko-KR" dirty="0"/>
+              <a:t>+ </a:t>
+            </a:r>
+            <a:r>
+              <a:rPr lang="ko-KR" altLang="en-US" dirty="0"/>
+              <a:t>시프트 </a:t>
+            </a:r>
+            <a:r>
+              <a:rPr lang="en-US" altLang="ko-KR" dirty="0"/>
+              <a:t>+ G</a:t>
+            </a:r>
+            <a:endParaRPr lang="ko-KR" altLang="en-US" dirty="0"/>
+          </a:p>
+        </p:txBody>
+      </p:sp>
+      <p:sp>
+        <p:nvSpPr>
+          <p:cNvPr id="4" name="직사각형 3">
+            <a:extLst>
+              <a:ext uri="{FF2B5EF4-FFF2-40B4-BE49-F238E27FC236}">
+                <a16:creationId xmlns:a16="http://schemas.microsoft.com/office/drawing/2014/main" id="{3721E046-6A63-4B9B-4A4D-C33FF03906C4}"/>
+              </a:ext>
+            </a:extLst>
+          </p:cNvPr>
+          <p:cNvSpPr/>
+          <p:nvPr/>
+        </p:nvSpPr>
+        <p:spPr>
+          <a:xfrm>
+            <a:off x="434109" y="2348346"/>
+            <a:ext cx="11323782" cy="699654"/>
+          </a:xfrm>
+          <a:prstGeom prst="rect">
+            <a:avLst/>
+          </a:prstGeom>
+        </p:spPr>
+        <p:style>
+          <a:lnRef idx="2">
+            <a:schemeClr val="accent1">
+              <a:shade val="15000"/>
+            </a:schemeClr>
+          </a:lnRef>
+          <a:fillRef idx="1">
+            <a:schemeClr val="accent1"/>
+          </a:fillRef>
+          <a:effectRef idx="0">
+            <a:schemeClr val="accent1"/>
+          </a:effectRef>
+          <a:fontRef idx="minor">
+            <a:schemeClr val="lt1"/>
+          </a:fontRef>
+        </p:style>
+        <p:txBody>
+          <a:bodyPr rtlCol="0" anchor="ctr"/>
+          <a:lstStyle/>
+          <a:p>
+            <a:pPr algn="ctr"/>
+            <a:r>
+              <a:rPr lang="ko-KR" altLang="en-US" dirty="0"/>
+              <a:t>한파일의 코드 전체선택</a:t>
+            </a:r>
+          </a:p>
+        </p:txBody>
+      </p:sp>
+      <p:sp>
+        <p:nvSpPr>
+          <p:cNvPr id="5" name="직사각형 4">
+            <a:extLst>
+              <a:ext uri="{FF2B5EF4-FFF2-40B4-BE49-F238E27FC236}">
+                <a16:creationId xmlns:a16="http://schemas.microsoft.com/office/drawing/2014/main" id="{F8447077-EE64-B455-01B2-714B8557369E}"/>
+              </a:ext>
+            </a:extLst>
+          </p:cNvPr>
+          <p:cNvSpPr/>
+          <p:nvPr/>
+        </p:nvSpPr>
+        <p:spPr>
+          <a:xfrm>
+            <a:off x="434109" y="3258128"/>
+            <a:ext cx="11323782" cy="699654"/>
+          </a:xfrm>
+          <a:prstGeom prst="rect">
+            <a:avLst/>
+          </a:prstGeom>
+        </p:spPr>
+        <p:style>
+          <a:lnRef idx="2">
+            <a:schemeClr val="accent1">
+              <a:shade val="15000"/>
+            </a:schemeClr>
+          </a:lnRef>
+          <a:fillRef idx="1">
+            <a:schemeClr val="accent1"/>
+          </a:fillRef>
+          <a:effectRef idx="0">
+            <a:schemeClr val="accent1"/>
+          </a:effectRef>
+          <a:fontRef idx="minor">
+            <a:schemeClr val="lt1"/>
+          </a:fontRef>
+        </p:style>
+        <p:txBody>
+          <a:bodyPr rtlCol="0" anchor="ctr"/>
+          <a:lstStyle/>
+          <a:p>
+            <a:pPr algn="ctr"/>
+            <a:r>
+              <a:rPr lang="ko-KR" altLang="en-US" dirty="0"/>
+              <a:t>시프트 </a:t>
+            </a:r>
+            <a:r>
+              <a:rPr lang="en-US" altLang="ko-KR" dirty="0"/>
+              <a:t>+ A</a:t>
+            </a:r>
+            <a:endParaRPr lang="ko-KR" altLang="en-US" dirty="0"/>
+          </a:p>
+        </p:txBody>
+      </p:sp>
+    </p:spTree>
+    <p:extLst>
+      <p:ext uri="{BB962C8B-B14F-4D97-AF65-F5344CB8AC3E}">
+        <p14:creationId xmlns:p14="http://schemas.microsoft.com/office/powerpoint/2010/main" val="2058413992"/>
+      </p:ext>
+    </p:extLst>
+  </p:cSld>
+  <p:clrMapOvr>
+    <a:masterClrMapping/>
+  </p:clrMapOvr>
+</p:sld>
+</file>
+
+<file path=ppt/slides/slide12.xml><?xml version="1.0" encoding="utf-8"?>
+<p:sld xmlns:a="http://schemas.openxmlformats.org/drawingml/2006/main" xmlns:r="http://schemas.openxmlformats.org/officeDocument/2006/relationships" xmlns:p="http://schemas.openxmlformats.org/presentationml/2006/main">
+  <p:cSld>
+    <p:spTree>
+      <p:nvGrpSpPr>
+        <p:cNvPr id="1" name=""/>
+        <p:cNvGrpSpPr/>
+        <p:nvPr/>
+      </p:nvGrpSpPr>
+      <p:grpSpPr>
+        <a:xfrm>
+          <a:off x="0" y="0"/>
+          <a:ext cx="0" cy="0"/>
+          <a:chOff x="0" y="0"/>
+          <a:chExt cx="0" cy="0"/>
+        </a:xfrm>
+      </p:grpSpPr>
+      <p:sp>
+        <p:nvSpPr>
           <p:cNvPr id="3" name="직사각형 2">
             <a:extLst>
               <a:ext uri="{FF2B5EF4-FFF2-40B4-BE49-F238E27FC236}">
@@ -3828,7 +3909,7 @@
 </p:sld>
 </file>
 
-<file path=ppt/slides/slide12.xml><?xml version="1.0" encoding="utf-8"?>
+<file path=ppt/slides/slide13.xml><?xml version="1.0" encoding="utf-8"?>
 <p:sld xmlns:a="http://schemas.openxmlformats.org/drawingml/2006/main" xmlns:r="http://schemas.openxmlformats.org/officeDocument/2006/relationships" xmlns:p="http://schemas.openxmlformats.org/presentationml/2006/main">
   <p:cSld>
     <p:spTree>
@@ -4658,147 +4739,6 @@
 </p:sld>
 </file>
 
-<file path=ppt/slides/slide13.xml><?xml version="1.0" encoding="utf-8"?>
-<p:sld xmlns:a="http://schemas.openxmlformats.org/drawingml/2006/main" xmlns:r="http://schemas.openxmlformats.org/officeDocument/2006/relationships" xmlns:p="http://schemas.openxmlformats.org/presentationml/2006/main">
-  <p:cSld>
-    <p:spTree>
-      <p:nvGrpSpPr>
-        <p:cNvPr id="1" name=""/>
-        <p:cNvGrpSpPr/>
-        <p:nvPr/>
-      </p:nvGrpSpPr>
-      <p:grpSpPr>
-        <a:xfrm>
-          <a:off x="0" y="0"/>
-          <a:ext cx="0" cy="0"/>
-          <a:chOff x="0" y="0"/>
-          <a:chExt cx="0" cy="0"/>
-        </a:xfrm>
-      </p:grpSpPr>
-      <p:sp>
-        <p:nvSpPr>
-          <p:cNvPr id="4" name="직사각형 3">
-            <a:extLst>
-              <a:ext uri="{FF2B5EF4-FFF2-40B4-BE49-F238E27FC236}">
-                <a16:creationId xmlns:a16="http://schemas.microsoft.com/office/drawing/2014/main" id="{BF543E7D-B64F-96E1-71EC-DD4B0AC09943}"/>
-              </a:ext>
-            </a:extLst>
-          </p:cNvPr>
-          <p:cNvSpPr/>
-          <p:nvPr/>
-        </p:nvSpPr>
-        <p:spPr>
-          <a:xfrm>
-            <a:off x="179666" y="619992"/>
-            <a:ext cx="2314864" cy="699654"/>
-          </a:xfrm>
-          <a:prstGeom prst="rect">
-            <a:avLst/>
-          </a:prstGeom>
-        </p:spPr>
-        <p:style>
-          <a:lnRef idx="2">
-            <a:schemeClr val="accent1">
-              <a:shade val="15000"/>
-            </a:schemeClr>
-          </a:lnRef>
-          <a:fillRef idx="1">
-            <a:schemeClr val="accent1"/>
-          </a:fillRef>
-          <a:effectRef idx="0">
-            <a:schemeClr val="accent1"/>
-          </a:effectRef>
-          <a:fontRef idx="minor">
-            <a:schemeClr val="lt1"/>
-          </a:fontRef>
-        </p:style>
-        <p:txBody>
-          <a:bodyPr rtlCol="0" anchor="ctr"/>
-          <a:lstStyle/>
-          <a:p>
-            <a:pPr algn="ctr"/>
-            <a:r>
-              <a:rPr lang="ko-KR" altLang="en-US" dirty="0"/>
-              <a:t>컴파일 </a:t>
-            </a:r>
-            <a:r>
-              <a:rPr lang="ko-KR" altLang="en-US" dirty="0" err="1"/>
-              <a:t>에러시</a:t>
-            </a:r>
-            <a:endParaRPr lang="en-US" altLang="ko-KR" dirty="0"/>
-          </a:p>
-          <a:p>
-            <a:pPr algn="ctr"/>
-            <a:r>
-              <a:rPr lang="ko-KR" altLang="en-US" dirty="0"/>
-              <a:t>에러 위치로 이동</a:t>
-            </a:r>
-          </a:p>
-        </p:txBody>
-      </p:sp>
-      <p:sp>
-        <p:nvSpPr>
-          <p:cNvPr id="5" name="직사각형 4">
-            <a:extLst>
-              <a:ext uri="{FF2B5EF4-FFF2-40B4-BE49-F238E27FC236}">
-                <a16:creationId xmlns:a16="http://schemas.microsoft.com/office/drawing/2014/main" id="{44D6DBC5-8748-C6A7-2150-FED36194AA1A}"/>
-              </a:ext>
-            </a:extLst>
-          </p:cNvPr>
-          <p:cNvSpPr/>
-          <p:nvPr/>
-        </p:nvSpPr>
-        <p:spPr>
-          <a:xfrm>
-            <a:off x="2687338" y="619992"/>
-            <a:ext cx="3913909" cy="699654"/>
-          </a:xfrm>
-          <a:prstGeom prst="rect">
-            <a:avLst/>
-          </a:prstGeom>
-        </p:spPr>
-        <p:style>
-          <a:lnRef idx="2">
-            <a:schemeClr val="accent1">
-              <a:shade val="15000"/>
-            </a:schemeClr>
-          </a:lnRef>
-          <a:fillRef idx="1">
-            <a:schemeClr val="accent1"/>
-          </a:fillRef>
-          <a:effectRef idx="0">
-            <a:schemeClr val="accent1"/>
-          </a:effectRef>
-          <a:fontRef idx="minor">
-            <a:schemeClr val="lt1"/>
-          </a:fontRef>
-        </p:style>
-        <p:txBody>
-          <a:bodyPr rtlCol="0" anchor="ctr"/>
-          <a:lstStyle/>
-          <a:p>
-            <a:pPr algn="ctr"/>
-            <a:r>
-              <a:rPr lang="en-US" altLang="ko-KR" dirty="0"/>
-              <a:t>F8</a:t>
-            </a:r>
-            <a:endParaRPr lang="ko-KR" altLang="en-US" dirty="0"/>
-          </a:p>
-        </p:txBody>
-      </p:sp>
-    </p:spTree>
-    <p:extLst>
-      <p:ext uri="{BB962C8B-B14F-4D97-AF65-F5344CB8AC3E}">
-        <p14:creationId xmlns:p14="http://schemas.microsoft.com/office/powerpoint/2010/main" val="3295177245"/>
-      </p:ext>
-    </p:extLst>
-  </p:cSld>
-  <p:clrMapOvr>
-    <a:masterClrMapping/>
-  </p:clrMapOvr>
-</p:sld>
-</file>
-
 <file path=ppt/slides/slide14.xml><?xml version="1.0" encoding="utf-8"?>
 <p:sld xmlns:a="http://schemas.openxmlformats.org/drawingml/2006/main" xmlns:r="http://schemas.openxmlformats.org/officeDocument/2006/relationships" xmlns:p="http://schemas.openxmlformats.org/presentationml/2006/main">
   <p:cSld>
@@ -4818,10 +4758,10 @@
       </p:grpSpPr>
       <p:sp>
         <p:nvSpPr>
-          <p:cNvPr id="3" name="직사각형 2">
-            <a:extLst>
-              <a:ext uri="{FF2B5EF4-FFF2-40B4-BE49-F238E27FC236}">
-                <a16:creationId xmlns:a16="http://schemas.microsoft.com/office/drawing/2014/main" id="{A5840210-0674-BA1E-A813-66127759208E}"/>
+          <p:cNvPr id="4" name="직사각형 3">
+            <a:extLst>
+              <a:ext uri="{FF2B5EF4-FFF2-40B4-BE49-F238E27FC236}">
+                <a16:creationId xmlns:a16="http://schemas.microsoft.com/office/drawing/2014/main" id="{BF543E7D-B64F-96E1-71EC-DD4B0AC09943}"/>
               </a:ext>
             </a:extLst>
           </p:cNvPr>
@@ -4830,8 +4770,8 @@
         </p:nvSpPr>
         <p:spPr>
           <a:xfrm>
-            <a:off x="434109" y="556490"/>
-            <a:ext cx="11323782" cy="5908963"/>
+            <a:off x="179666" y="619992"/>
+            <a:ext cx="2314864" cy="699654"/>
           </a:xfrm>
           <a:prstGeom prst="rect">
             <a:avLst/>
@@ -4859,8 +4799,69 @@
           <a:p>
             <a:pPr algn="ctr"/>
             <a:r>
-              <a:rPr lang="ko-KR" altLang="en-US"/>
-              <a:t>주석</a:t>
+              <a:rPr lang="ko-KR" altLang="en-US" dirty="0"/>
+              <a:t>컴파일 </a:t>
+            </a:r>
+            <a:r>
+              <a:rPr lang="ko-KR" altLang="en-US" dirty="0" err="1"/>
+              <a:t>에러시</a:t>
+            </a:r>
+            <a:endParaRPr lang="en-US" altLang="ko-KR" dirty="0"/>
+          </a:p>
+          <a:p>
+            <a:pPr algn="ctr"/>
+            <a:r>
+              <a:rPr lang="ko-KR" altLang="en-US" dirty="0"/>
+              <a:t>에러 위치로 이동</a:t>
+            </a:r>
+          </a:p>
+        </p:txBody>
+      </p:sp>
+      <p:sp>
+        <p:nvSpPr>
+          <p:cNvPr id="5" name="직사각형 4">
+            <a:extLst>
+              <a:ext uri="{FF2B5EF4-FFF2-40B4-BE49-F238E27FC236}">
+                <a16:creationId xmlns:a16="http://schemas.microsoft.com/office/drawing/2014/main" id="{44D6DBC5-8748-C6A7-2150-FED36194AA1A}"/>
+              </a:ext>
+            </a:extLst>
+          </p:cNvPr>
+          <p:cNvSpPr/>
+          <p:nvPr/>
+        </p:nvSpPr>
+        <p:spPr>
+          <a:xfrm>
+            <a:off x="2687338" y="619992"/>
+            <a:ext cx="3913909" cy="699654"/>
+          </a:xfrm>
+          <a:prstGeom prst="rect">
+            <a:avLst/>
+          </a:prstGeom>
+        </p:spPr>
+        <p:style>
+          <a:lnRef idx="2">
+            <a:schemeClr val="accent1">
+              <a:shade val="15000"/>
+            </a:schemeClr>
+          </a:lnRef>
+          <a:fillRef idx="1">
+            <a:schemeClr val="accent1"/>
+          </a:fillRef>
+          <a:effectRef idx="0">
+            <a:schemeClr val="accent1"/>
+          </a:effectRef>
+          <a:fontRef idx="minor">
+            <a:schemeClr val="lt1"/>
+          </a:fontRef>
+        </p:style>
+        <p:txBody>
+          <a:bodyPr rtlCol="0" anchor="ctr"/>
+          <a:lstStyle/>
+          <a:p>
+            <a:pPr algn="ctr"/>
+            <a:r>
+              <a:rPr lang="en-US" altLang="ko-KR" dirty="0"/>
+              <a:t>F8</a:t>
             </a:r>
             <a:endParaRPr lang="ko-KR" altLang="en-US" dirty="0"/>
           </a:p>
@@ -4869,7 +4870,7 @@
     </p:spTree>
     <p:extLst>
       <p:ext uri="{BB962C8B-B14F-4D97-AF65-F5344CB8AC3E}">
-        <p14:creationId xmlns:p14="http://schemas.microsoft.com/office/powerpoint/2010/main" val="1634534451"/>
+        <p14:creationId xmlns:p14="http://schemas.microsoft.com/office/powerpoint/2010/main" val="3295177245"/>
       </p:ext>
     </p:extLst>
   </p:cSld>
@@ -4896,42 +4897,12 @@
           <a:chExt cx="0" cy="0"/>
         </a:xfrm>
       </p:grpSpPr>
-      <p:pic>
-        <p:nvPicPr>
-          <p:cNvPr id="3" name="그림 2">
-            <a:extLst>
-              <a:ext uri="{FF2B5EF4-FFF2-40B4-BE49-F238E27FC236}">
-                <a16:creationId xmlns:a16="http://schemas.microsoft.com/office/drawing/2014/main" id="{DF073574-7B28-FEE2-C902-9E19A825D40F}"/>
-              </a:ext>
-            </a:extLst>
-          </p:cNvPr>
-          <p:cNvPicPr>
-            <a:picLocks noChangeAspect="1"/>
-          </p:cNvPicPr>
-          <p:nvPr/>
-        </p:nvPicPr>
-        <p:blipFill>
-          <a:blip r:embed="rId2"/>
-          <a:stretch>
-            <a:fillRect/>
-          </a:stretch>
-        </p:blipFill>
-        <p:spPr>
-          <a:xfrm>
-            <a:off x="780524" y="4135062"/>
-            <a:ext cx="5458587" cy="1247949"/>
-          </a:xfrm>
-          <a:prstGeom prst="rect">
-            <a:avLst/>
-          </a:prstGeom>
-        </p:spPr>
-      </p:pic>
-      <p:sp>
-        <p:nvSpPr>
-          <p:cNvPr id="2" name="직사각형 1">
-            <a:extLst>
-              <a:ext uri="{FF2B5EF4-FFF2-40B4-BE49-F238E27FC236}">
-                <a16:creationId xmlns:a16="http://schemas.microsoft.com/office/drawing/2014/main" id="{1C3525FB-3D1D-0C95-38E1-4EFC0E102AAF}"/>
+      <p:sp>
+        <p:nvSpPr>
+          <p:cNvPr id="3" name="직사각형 2">
+            <a:extLst>
+              <a:ext uri="{FF2B5EF4-FFF2-40B4-BE49-F238E27FC236}">
+                <a16:creationId xmlns:a16="http://schemas.microsoft.com/office/drawing/2014/main" id="{A5840210-0674-BA1E-A813-66127759208E}"/>
               </a:ext>
             </a:extLst>
           </p:cNvPr>
@@ -4940,8 +4911,8 @@
         </p:nvSpPr>
         <p:spPr>
           <a:xfrm>
-            <a:off x="618393" y="897083"/>
-            <a:ext cx="3913909" cy="699654"/>
+            <a:off x="434109" y="556490"/>
+            <a:ext cx="11323782" cy="5908963"/>
           </a:xfrm>
           <a:prstGeom prst="rect">
             <a:avLst/>
@@ -4969,164 +4940,8 @@
           <a:p>
             <a:pPr algn="ctr"/>
             <a:r>
-              <a:rPr lang="ko-KR" altLang="en-US" dirty="0"/>
-              <a:t>주석 걸기</a:t>
-            </a:r>
-          </a:p>
-        </p:txBody>
-      </p:sp>
-      <p:sp>
-        <p:nvSpPr>
-          <p:cNvPr id="4" name="직사각형 3">
-            <a:extLst>
-              <a:ext uri="{FF2B5EF4-FFF2-40B4-BE49-F238E27FC236}">
-                <a16:creationId xmlns:a16="http://schemas.microsoft.com/office/drawing/2014/main" id="{2BF92A7F-E045-08A5-74B2-7E4838D69A4A}"/>
-              </a:ext>
-            </a:extLst>
-          </p:cNvPr>
-          <p:cNvSpPr/>
-          <p:nvPr/>
-        </p:nvSpPr>
-        <p:spPr>
-          <a:xfrm>
-            <a:off x="4797847" y="897083"/>
-            <a:ext cx="3913909" cy="699654"/>
-          </a:xfrm>
-          <a:prstGeom prst="rect">
-            <a:avLst/>
-          </a:prstGeom>
-        </p:spPr>
-        <p:style>
-          <a:lnRef idx="2">
-            <a:schemeClr val="accent1">
-              <a:shade val="15000"/>
-            </a:schemeClr>
-          </a:lnRef>
-          <a:fillRef idx="1">
-            <a:schemeClr val="accent1"/>
-          </a:fillRef>
-          <a:effectRef idx="0">
-            <a:schemeClr val="accent1"/>
-          </a:effectRef>
-          <a:fontRef idx="minor">
-            <a:schemeClr val="lt1"/>
-          </a:fontRef>
-        </p:style>
-        <p:txBody>
-          <a:bodyPr rtlCol="0" anchor="ctr"/>
-          <a:lstStyle/>
-          <a:p>
-            <a:pPr algn="ctr"/>
-            <a:r>
-              <a:rPr lang="ko-KR" altLang="en-US" dirty="0"/>
-              <a:t>컨트롤 </a:t>
-            </a:r>
-            <a:r>
-              <a:rPr lang="en-US" altLang="ko-KR" dirty="0"/>
-              <a:t>+ K + C</a:t>
-            </a:r>
-            <a:endParaRPr lang="ko-KR" altLang="en-US" dirty="0"/>
-          </a:p>
-        </p:txBody>
-      </p:sp>
-      <p:sp>
-        <p:nvSpPr>
-          <p:cNvPr id="5" name="직사각형 4">
-            <a:extLst>
-              <a:ext uri="{FF2B5EF4-FFF2-40B4-BE49-F238E27FC236}">
-                <a16:creationId xmlns:a16="http://schemas.microsoft.com/office/drawing/2014/main" id="{CF666F2A-6DBB-CE3F-1F7B-1E3DEAF474D2}"/>
-              </a:ext>
-            </a:extLst>
-          </p:cNvPr>
-          <p:cNvSpPr/>
-          <p:nvPr/>
-        </p:nvSpPr>
-        <p:spPr>
-          <a:xfrm>
-            <a:off x="618393" y="2023284"/>
-            <a:ext cx="3913909" cy="699654"/>
-          </a:xfrm>
-          <a:prstGeom prst="rect">
-            <a:avLst/>
-          </a:prstGeom>
-        </p:spPr>
-        <p:style>
-          <a:lnRef idx="2">
-            <a:schemeClr val="accent1">
-              <a:shade val="15000"/>
-            </a:schemeClr>
-          </a:lnRef>
-          <a:fillRef idx="1">
-            <a:schemeClr val="accent1"/>
-          </a:fillRef>
-          <a:effectRef idx="0">
-            <a:schemeClr val="accent1"/>
-          </a:effectRef>
-          <a:fontRef idx="minor">
-            <a:schemeClr val="lt1"/>
-          </a:fontRef>
-        </p:style>
-        <p:txBody>
-          <a:bodyPr rtlCol="0" anchor="ctr"/>
-          <a:lstStyle/>
-          <a:p>
-            <a:pPr algn="ctr"/>
-            <a:r>
-              <a:rPr lang="ko-KR" altLang="en-US" dirty="0"/>
-              <a:t>주석 풀기</a:t>
-            </a:r>
-          </a:p>
-        </p:txBody>
-      </p:sp>
-      <p:sp>
-        <p:nvSpPr>
-          <p:cNvPr id="6" name="직사각형 5">
-            <a:extLst>
-              <a:ext uri="{FF2B5EF4-FFF2-40B4-BE49-F238E27FC236}">
-                <a16:creationId xmlns:a16="http://schemas.microsoft.com/office/drawing/2014/main" id="{953CB6DC-C61C-9E9E-92E0-8AC323E2E857}"/>
-              </a:ext>
-            </a:extLst>
-          </p:cNvPr>
-          <p:cNvSpPr/>
-          <p:nvPr/>
-        </p:nvSpPr>
-        <p:spPr>
-          <a:xfrm>
-            <a:off x="4797847" y="2023284"/>
-            <a:ext cx="3913909" cy="699654"/>
-          </a:xfrm>
-          <a:prstGeom prst="rect">
-            <a:avLst/>
-          </a:prstGeom>
-        </p:spPr>
-        <p:style>
-          <a:lnRef idx="2">
-            <a:schemeClr val="accent1">
-              <a:shade val="15000"/>
-            </a:schemeClr>
-          </a:lnRef>
-          <a:fillRef idx="1">
-            <a:schemeClr val="accent1"/>
-          </a:fillRef>
-          <a:effectRef idx="0">
-            <a:schemeClr val="accent1"/>
-          </a:effectRef>
-          <a:fontRef idx="minor">
-            <a:schemeClr val="lt1"/>
-          </a:fontRef>
-        </p:style>
-        <p:txBody>
-          <a:bodyPr rtlCol="0" anchor="ctr"/>
-          <a:lstStyle/>
-          <a:p>
-            <a:pPr algn="ctr"/>
-            <a:r>
-              <a:rPr lang="ko-KR" altLang="en-US" dirty="0"/>
-              <a:t>컨트롤 </a:t>
-            </a:r>
-            <a:r>
-              <a:rPr lang="en-US" altLang="ko-KR" dirty="0"/>
-              <a:t>+ K + U</a:t>
+              <a:rPr lang="ko-KR" altLang="en-US"/>
+              <a:t>주석</a:t>
             </a:r>
             <a:endParaRPr lang="ko-KR" altLang="en-US" dirty="0"/>
           </a:p>
@@ -5135,7 +4950,7 @@
     </p:spTree>
     <p:extLst>
       <p:ext uri="{BB962C8B-B14F-4D97-AF65-F5344CB8AC3E}">
-        <p14:creationId xmlns:p14="http://schemas.microsoft.com/office/powerpoint/2010/main" val="1396673677"/>
+        <p14:creationId xmlns:p14="http://schemas.microsoft.com/office/powerpoint/2010/main" val="1634534451"/>
       </p:ext>
     </p:extLst>
   </p:cSld>
@@ -5162,6 +4977,272 @@
           <a:chExt cx="0" cy="0"/>
         </a:xfrm>
       </p:grpSpPr>
+      <p:pic>
+        <p:nvPicPr>
+          <p:cNvPr id="3" name="그림 2">
+            <a:extLst>
+              <a:ext uri="{FF2B5EF4-FFF2-40B4-BE49-F238E27FC236}">
+                <a16:creationId xmlns:a16="http://schemas.microsoft.com/office/drawing/2014/main" id="{DF073574-7B28-FEE2-C902-9E19A825D40F}"/>
+              </a:ext>
+            </a:extLst>
+          </p:cNvPr>
+          <p:cNvPicPr>
+            <a:picLocks noChangeAspect="1"/>
+          </p:cNvPicPr>
+          <p:nvPr/>
+        </p:nvPicPr>
+        <p:blipFill>
+          <a:blip r:embed="rId2"/>
+          <a:stretch>
+            <a:fillRect/>
+          </a:stretch>
+        </p:blipFill>
+        <p:spPr>
+          <a:xfrm>
+            <a:off x="780524" y="4135062"/>
+            <a:ext cx="5458587" cy="1247949"/>
+          </a:xfrm>
+          <a:prstGeom prst="rect">
+            <a:avLst/>
+          </a:prstGeom>
+        </p:spPr>
+      </p:pic>
+      <p:sp>
+        <p:nvSpPr>
+          <p:cNvPr id="2" name="직사각형 1">
+            <a:extLst>
+              <a:ext uri="{FF2B5EF4-FFF2-40B4-BE49-F238E27FC236}">
+                <a16:creationId xmlns:a16="http://schemas.microsoft.com/office/drawing/2014/main" id="{1C3525FB-3D1D-0C95-38E1-4EFC0E102AAF}"/>
+              </a:ext>
+            </a:extLst>
+          </p:cNvPr>
+          <p:cNvSpPr/>
+          <p:nvPr/>
+        </p:nvSpPr>
+        <p:spPr>
+          <a:xfrm>
+            <a:off x="618393" y="897083"/>
+            <a:ext cx="3913909" cy="699654"/>
+          </a:xfrm>
+          <a:prstGeom prst="rect">
+            <a:avLst/>
+          </a:prstGeom>
+        </p:spPr>
+        <p:style>
+          <a:lnRef idx="2">
+            <a:schemeClr val="accent1">
+              <a:shade val="15000"/>
+            </a:schemeClr>
+          </a:lnRef>
+          <a:fillRef idx="1">
+            <a:schemeClr val="accent1"/>
+          </a:fillRef>
+          <a:effectRef idx="0">
+            <a:schemeClr val="accent1"/>
+          </a:effectRef>
+          <a:fontRef idx="minor">
+            <a:schemeClr val="lt1"/>
+          </a:fontRef>
+        </p:style>
+        <p:txBody>
+          <a:bodyPr rtlCol="0" anchor="ctr"/>
+          <a:lstStyle/>
+          <a:p>
+            <a:pPr algn="ctr"/>
+            <a:r>
+              <a:rPr lang="ko-KR" altLang="en-US" dirty="0"/>
+              <a:t>주석 걸기</a:t>
+            </a:r>
+          </a:p>
+        </p:txBody>
+      </p:sp>
+      <p:sp>
+        <p:nvSpPr>
+          <p:cNvPr id="4" name="직사각형 3">
+            <a:extLst>
+              <a:ext uri="{FF2B5EF4-FFF2-40B4-BE49-F238E27FC236}">
+                <a16:creationId xmlns:a16="http://schemas.microsoft.com/office/drawing/2014/main" id="{2BF92A7F-E045-08A5-74B2-7E4838D69A4A}"/>
+              </a:ext>
+            </a:extLst>
+          </p:cNvPr>
+          <p:cNvSpPr/>
+          <p:nvPr/>
+        </p:nvSpPr>
+        <p:spPr>
+          <a:xfrm>
+            <a:off x="4797847" y="897083"/>
+            <a:ext cx="3913909" cy="699654"/>
+          </a:xfrm>
+          <a:prstGeom prst="rect">
+            <a:avLst/>
+          </a:prstGeom>
+        </p:spPr>
+        <p:style>
+          <a:lnRef idx="2">
+            <a:schemeClr val="accent1">
+              <a:shade val="15000"/>
+            </a:schemeClr>
+          </a:lnRef>
+          <a:fillRef idx="1">
+            <a:schemeClr val="accent1"/>
+          </a:fillRef>
+          <a:effectRef idx="0">
+            <a:schemeClr val="accent1"/>
+          </a:effectRef>
+          <a:fontRef idx="minor">
+            <a:schemeClr val="lt1"/>
+          </a:fontRef>
+        </p:style>
+        <p:txBody>
+          <a:bodyPr rtlCol="0" anchor="ctr"/>
+          <a:lstStyle/>
+          <a:p>
+            <a:pPr algn="ctr"/>
+            <a:r>
+              <a:rPr lang="ko-KR" altLang="en-US" dirty="0"/>
+              <a:t>컨트롤 </a:t>
+            </a:r>
+            <a:r>
+              <a:rPr lang="en-US" altLang="ko-KR" dirty="0"/>
+              <a:t>+ K + C</a:t>
+            </a:r>
+            <a:endParaRPr lang="ko-KR" altLang="en-US" dirty="0"/>
+          </a:p>
+        </p:txBody>
+      </p:sp>
+      <p:sp>
+        <p:nvSpPr>
+          <p:cNvPr id="5" name="직사각형 4">
+            <a:extLst>
+              <a:ext uri="{FF2B5EF4-FFF2-40B4-BE49-F238E27FC236}">
+                <a16:creationId xmlns:a16="http://schemas.microsoft.com/office/drawing/2014/main" id="{CF666F2A-6DBB-CE3F-1F7B-1E3DEAF474D2}"/>
+              </a:ext>
+            </a:extLst>
+          </p:cNvPr>
+          <p:cNvSpPr/>
+          <p:nvPr/>
+        </p:nvSpPr>
+        <p:spPr>
+          <a:xfrm>
+            <a:off x="618393" y="2023284"/>
+            <a:ext cx="3913909" cy="699654"/>
+          </a:xfrm>
+          <a:prstGeom prst="rect">
+            <a:avLst/>
+          </a:prstGeom>
+        </p:spPr>
+        <p:style>
+          <a:lnRef idx="2">
+            <a:schemeClr val="accent1">
+              <a:shade val="15000"/>
+            </a:schemeClr>
+          </a:lnRef>
+          <a:fillRef idx="1">
+            <a:schemeClr val="accent1"/>
+          </a:fillRef>
+          <a:effectRef idx="0">
+            <a:schemeClr val="accent1"/>
+          </a:effectRef>
+          <a:fontRef idx="minor">
+            <a:schemeClr val="lt1"/>
+          </a:fontRef>
+        </p:style>
+        <p:txBody>
+          <a:bodyPr rtlCol="0" anchor="ctr"/>
+          <a:lstStyle/>
+          <a:p>
+            <a:pPr algn="ctr"/>
+            <a:r>
+              <a:rPr lang="ko-KR" altLang="en-US" dirty="0"/>
+              <a:t>주석 풀기</a:t>
+            </a:r>
+          </a:p>
+        </p:txBody>
+      </p:sp>
+      <p:sp>
+        <p:nvSpPr>
+          <p:cNvPr id="6" name="직사각형 5">
+            <a:extLst>
+              <a:ext uri="{FF2B5EF4-FFF2-40B4-BE49-F238E27FC236}">
+                <a16:creationId xmlns:a16="http://schemas.microsoft.com/office/drawing/2014/main" id="{953CB6DC-C61C-9E9E-92E0-8AC323E2E857}"/>
+              </a:ext>
+            </a:extLst>
+          </p:cNvPr>
+          <p:cNvSpPr/>
+          <p:nvPr/>
+        </p:nvSpPr>
+        <p:spPr>
+          <a:xfrm>
+            <a:off x="4797847" y="2023284"/>
+            <a:ext cx="3913909" cy="699654"/>
+          </a:xfrm>
+          <a:prstGeom prst="rect">
+            <a:avLst/>
+          </a:prstGeom>
+        </p:spPr>
+        <p:style>
+          <a:lnRef idx="2">
+            <a:schemeClr val="accent1">
+              <a:shade val="15000"/>
+            </a:schemeClr>
+          </a:lnRef>
+          <a:fillRef idx="1">
+            <a:schemeClr val="accent1"/>
+          </a:fillRef>
+          <a:effectRef idx="0">
+            <a:schemeClr val="accent1"/>
+          </a:effectRef>
+          <a:fontRef idx="minor">
+            <a:schemeClr val="lt1"/>
+          </a:fontRef>
+        </p:style>
+        <p:txBody>
+          <a:bodyPr rtlCol="0" anchor="ctr"/>
+          <a:lstStyle/>
+          <a:p>
+            <a:pPr algn="ctr"/>
+            <a:r>
+              <a:rPr lang="ko-KR" altLang="en-US" dirty="0"/>
+              <a:t>컨트롤 </a:t>
+            </a:r>
+            <a:r>
+              <a:rPr lang="en-US" altLang="ko-KR" dirty="0"/>
+              <a:t>+ K + U</a:t>
+            </a:r>
+            <a:endParaRPr lang="ko-KR" altLang="en-US" dirty="0"/>
+          </a:p>
+        </p:txBody>
+      </p:sp>
+    </p:spTree>
+    <p:extLst>
+      <p:ext uri="{BB962C8B-B14F-4D97-AF65-F5344CB8AC3E}">
+        <p14:creationId xmlns:p14="http://schemas.microsoft.com/office/powerpoint/2010/main" val="1396673677"/>
+      </p:ext>
+    </p:extLst>
+  </p:cSld>
+  <p:clrMapOvr>
+    <a:masterClrMapping/>
+  </p:clrMapOvr>
+</p:sld>
+</file>
+
+<file path=ppt/slides/slide17.xml><?xml version="1.0" encoding="utf-8"?>
+<p:sld xmlns:a="http://schemas.openxmlformats.org/drawingml/2006/main" xmlns:r="http://schemas.openxmlformats.org/officeDocument/2006/relationships" xmlns:p="http://schemas.openxmlformats.org/presentationml/2006/main">
+  <p:cSld>
+    <p:spTree>
+      <p:nvGrpSpPr>
+        <p:cNvPr id="1" name=""/>
+        <p:cNvGrpSpPr/>
+        <p:nvPr/>
+      </p:nvGrpSpPr>
+      <p:grpSpPr>
+        <a:xfrm>
+          <a:off x="0" y="0"/>
+          <a:ext cx="0" cy="0"/>
+          <a:chOff x="0" y="0"/>
+          <a:chExt cx="0" cy="0"/>
+        </a:xfrm>
+      </p:grpSpPr>
       <p:sp>
         <p:nvSpPr>
           <p:cNvPr id="3" name="직사각형 2">
@@ -5224,7 +5305,7 @@
 </p:sld>
 </file>
 
-<file path=ppt/slides/slide17.xml><?xml version="1.0" encoding="utf-8"?>
+<file path=ppt/slides/slide18.xml><?xml version="1.0" encoding="utf-8"?>
 <p:sld xmlns:a="http://schemas.openxmlformats.org/drawingml/2006/main" xmlns:r="http://schemas.openxmlformats.org/officeDocument/2006/relationships" xmlns:p="http://schemas.openxmlformats.org/presentationml/2006/main">
   <p:cSld>
     <p:spTree>
@@ -5502,7 +5583,7 @@
 </p:sld>
 </file>
 
-<file path=ppt/slides/slide18.xml><?xml version="1.0" encoding="utf-8"?>
+<file path=ppt/slides/slide19.xml><?xml version="1.0" encoding="utf-8"?>
 <p:sld xmlns:a="http://schemas.openxmlformats.org/drawingml/2006/main" xmlns:r="http://schemas.openxmlformats.org/officeDocument/2006/relationships" xmlns:p="http://schemas.openxmlformats.org/presentationml/2006/main">
   <p:cSld>
     <p:spTree>
@@ -5532,7 +5613,256 @@
 </p:sld>
 </file>
 
-<file path=ppt/slides/slide19.xml><?xml version="1.0" encoding="utf-8"?>
+<file path=ppt/slides/slide2.xml><?xml version="1.0" encoding="utf-8"?>
+<p:sld xmlns:a="http://schemas.openxmlformats.org/drawingml/2006/main" xmlns:r="http://schemas.openxmlformats.org/officeDocument/2006/relationships" xmlns:p="http://schemas.openxmlformats.org/presentationml/2006/main">
+  <p:cSld>
+    <p:spTree>
+      <p:nvGrpSpPr>
+        <p:cNvPr id="1" name=""/>
+        <p:cNvGrpSpPr/>
+        <p:nvPr/>
+      </p:nvGrpSpPr>
+      <p:grpSpPr>
+        <a:xfrm>
+          <a:off x="0" y="0"/>
+          <a:ext cx="0" cy="0"/>
+          <a:chOff x="0" y="0"/>
+          <a:chExt cx="0" cy="0"/>
+        </a:xfrm>
+      </p:grpSpPr>
+      <p:sp>
+        <p:nvSpPr>
+          <p:cNvPr id="3" name="직사각형 2">
+            <a:extLst>
+              <a:ext uri="{FF2B5EF4-FFF2-40B4-BE49-F238E27FC236}">
+                <a16:creationId xmlns:a16="http://schemas.microsoft.com/office/drawing/2014/main" id="{A5840210-0674-BA1E-A813-66127759208E}"/>
+              </a:ext>
+            </a:extLst>
+          </p:cNvPr>
+          <p:cNvSpPr/>
+          <p:nvPr/>
+        </p:nvSpPr>
+        <p:spPr>
+          <a:xfrm>
+            <a:off x="434109" y="528782"/>
+            <a:ext cx="11323782" cy="699654"/>
+          </a:xfrm>
+          <a:prstGeom prst="rect">
+            <a:avLst/>
+          </a:prstGeom>
+        </p:spPr>
+        <p:style>
+          <a:lnRef idx="2">
+            <a:schemeClr val="accent1">
+              <a:shade val="15000"/>
+            </a:schemeClr>
+          </a:lnRef>
+          <a:fillRef idx="1">
+            <a:schemeClr val="accent1"/>
+          </a:fillRef>
+          <a:effectRef idx="0">
+            <a:schemeClr val="accent1"/>
+          </a:effectRef>
+          <a:fontRef idx="minor">
+            <a:schemeClr val="lt1"/>
+          </a:fontRef>
+        </p:style>
+        <p:txBody>
+          <a:bodyPr rtlCol="0" anchor="ctr"/>
+          <a:lstStyle/>
+          <a:p>
+            <a:pPr algn="ctr"/>
+            <a:r>
+              <a:rPr lang="ko-KR" altLang="en-US" dirty="0"/>
+              <a:t>페이지 </a:t>
+            </a:r>
+            <a:r>
+              <a:rPr lang="ko-KR" altLang="en-US"/>
+              <a:t>안에서 찾기 및 </a:t>
+            </a:r>
+            <a:r>
+              <a:rPr lang="ko-KR" altLang="en-US" dirty="0"/>
+              <a:t>바꾸기</a:t>
+            </a:r>
+          </a:p>
+        </p:txBody>
+      </p:sp>
+      <p:sp>
+        <p:nvSpPr>
+          <p:cNvPr id="5" name="직사각형 4">
+            <a:extLst>
+              <a:ext uri="{FF2B5EF4-FFF2-40B4-BE49-F238E27FC236}">
+                <a16:creationId xmlns:a16="http://schemas.microsoft.com/office/drawing/2014/main" id="{F60C10CE-FF11-5C56-AA8E-A5E0D80CD8C4}"/>
+              </a:ext>
+            </a:extLst>
+          </p:cNvPr>
+          <p:cNvSpPr/>
+          <p:nvPr/>
+        </p:nvSpPr>
+        <p:spPr>
+          <a:xfrm>
+            <a:off x="434109" y="1372871"/>
+            <a:ext cx="11323782" cy="699654"/>
+          </a:xfrm>
+          <a:prstGeom prst="rect">
+            <a:avLst/>
+          </a:prstGeom>
+        </p:spPr>
+        <p:style>
+          <a:lnRef idx="2">
+            <a:schemeClr val="accent1">
+              <a:shade val="15000"/>
+            </a:schemeClr>
+          </a:lnRef>
+          <a:fillRef idx="1">
+            <a:schemeClr val="accent1"/>
+          </a:fillRef>
+          <a:effectRef idx="0">
+            <a:schemeClr val="accent1"/>
+          </a:effectRef>
+          <a:fontRef idx="minor">
+            <a:schemeClr val="lt1"/>
+          </a:fontRef>
+        </p:style>
+        <p:txBody>
+          <a:bodyPr rtlCol="0" anchor="ctr"/>
+          <a:lstStyle/>
+          <a:p>
+            <a:pPr algn="ctr"/>
+            <a:r>
+              <a:rPr lang="ko-KR" altLang="en-US" dirty="0"/>
+              <a:t>컨트롤 </a:t>
+            </a:r>
+            <a:r>
+              <a:rPr lang="en-US" altLang="ko-KR" dirty="0"/>
+              <a:t>+ F</a:t>
+            </a:r>
+            <a:endParaRPr lang="ko-KR" altLang="en-US" dirty="0"/>
+          </a:p>
+        </p:txBody>
+      </p:sp>
+      <p:pic>
+        <p:nvPicPr>
+          <p:cNvPr id="6" name="그림 5">
+            <a:extLst>
+              <a:ext uri="{FF2B5EF4-FFF2-40B4-BE49-F238E27FC236}">
+                <a16:creationId xmlns:a16="http://schemas.microsoft.com/office/drawing/2014/main" id="{A58EE2DC-B136-A741-A974-5260630415B6}"/>
+              </a:ext>
+            </a:extLst>
+          </p:cNvPr>
+          <p:cNvPicPr>
+            <a:picLocks noChangeAspect="1"/>
+          </p:cNvPicPr>
+          <p:nvPr/>
+        </p:nvPicPr>
+        <p:blipFill>
+          <a:blip r:embed="rId2"/>
+          <a:stretch>
+            <a:fillRect/>
+          </a:stretch>
+        </p:blipFill>
+        <p:spPr>
+          <a:xfrm>
+            <a:off x="157018" y="2793486"/>
+            <a:ext cx="12192000" cy="4522227"/>
+          </a:xfrm>
+          <a:prstGeom prst="rect">
+            <a:avLst/>
+          </a:prstGeom>
+        </p:spPr>
+      </p:pic>
+      <p:sp>
+        <p:nvSpPr>
+          <p:cNvPr id="8" name="직사각형 7">
+            <a:extLst>
+              <a:ext uri="{FF2B5EF4-FFF2-40B4-BE49-F238E27FC236}">
+                <a16:creationId xmlns:a16="http://schemas.microsoft.com/office/drawing/2014/main" id="{D18393D4-16C8-2236-9241-9F26A1163D8B}"/>
+              </a:ext>
+            </a:extLst>
+          </p:cNvPr>
+          <p:cNvSpPr/>
+          <p:nvPr/>
+        </p:nvSpPr>
+        <p:spPr>
+          <a:xfrm>
+            <a:off x="434109" y="2282653"/>
+            <a:ext cx="11323782" cy="699654"/>
+          </a:xfrm>
+          <a:prstGeom prst="rect">
+            <a:avLst/>
+          </a:prstGeom>
+        </p:spPr>
+        <p:style>
+          <a:lnRef idx="2">
+            <a:schemeClr val="accent1">
+              <a:shade val="15000"/>
+            </a:schemeClr>
+          </a:lnRef>
+          <a:fillRef idx="1">
+            <a:schemeClr val="accent1"/>
+          </a:fillRef>
+          <a:effectRef idx="0">
+            <a:schemeClr val="accent1"/>
+          </a:effectRef>
+          <a:fontRef idx="minor">
+            <a:schemeClr val="lt1"/>
+          </a:fontRef>
+        </p:style>
+        <p:txBody>
+          <a:bodyPr rtlCol="0" anchor="ctr"/>
+          <a:lstStyle/>
+          <a:p>
+            <a:pPr algn="ctr"/>
+            <a:r>
+              <a:rPr lang="ko-KR" altLang="en-US" dirty="0"/>
+              <a:t>적절한 앞부분 까지만 치고 컨트롤 스페이스를 누르면 추가적으로 내가 </a:t>
+            </a:r>
+            <a:r>
+              <a:rPr lang="ko-KR" altLang="en-US" dirty="0" err="1"/>
+              <a:t>친부분까지와</a:t>
+            </a:r>
+            <a:r>
+              <a:rPr lang="ko-KR" altLang="en-US" dirty="0"/>
+              <a:t> </a:t>
+            </a:r>
+            <a:r>
+              <a:rPr lang="ko-KR" altLang="en-US" dirty="0" err="1"/>
+              <a:t>연관있는</a:t>
+            </a:r>
+            <a:endParaRPr lang="en-US" altLang="ko-KR" dirty="0"/>
+          </a:p>
+          <a:p>
+            <a:pPr algn="ctr"/>
+            <a:r>
+              <a:rPr lang="ko-KR" altLang="en-US" dirty="0"/>
+              <a:t>명령어들만 </a:t>
+            </a:r>
+            <a:r>
+              <a:rPr lang="ko-KR" altLang="en-US" dirty="0" err="1"/>
+              <a:t>뜨게된다</a:t>
+            </a:r>
+            <a:r>
+              <a:rPr lang="en-US" altLang="ko-KR" dirty="0"/>
+              <a:t>.</a:t>
+            </a:r>
+            <a:endParaRPr lang="ko-KR" altLang="en-US" dirty="0"/>
+          </a:p>
+        </p:txBody>
+      </p:sp>
+    </p:spTree>
+    <p:extLst>
+      <p:ext uri="{BB962C8B-B14F-4D97-AF65-F5344CB8AC3E}">
+        <p14:creationId xmlns:p14="http://schemas.microsoft.com/office/powerpoint/2010/main" val="1416148771"/>
+      </p:ext>
+    </p:extLst>
+  </p:cSld>
+  <p:clrMapOvr>
+    <a:masterClrMapping/>
+  </p:clrMapOvr>
+</p:sld>
+</file>
+
+<file path=ppt/slides/slide20.xml><?xml version="1.0" encoding="utf-8"?>
 <p:sld xmlns:a="http://schemas.openxmlformats.org/drawingml/2006/main" xmlns:r="http://schemas.openxmlformats.org/officeDocument/2006/relationships" xmlns:p="http://schemas.openxmlformats.org/presentationml/2006/main">
   <p:cSld>
     <p:spTree>
@@ -5562,251 +5892,7 @@
 </p:sld>
 </file>
 
-<file path=ppt/slides/slide2.xml><?xml version="1.0" encoding="utf-8"?>
-<p:sld xmlns:a="http://schemas.openxmlformats.org/drawingml/2006/main" xmlns:r="http://schemas.openxmlformats.org/officeDocument/2006/relationships" xmlns:p="http://schemas.openxmlformats.org/presentationml/2006/main">
-  <p:cSld>
-    <p:spTree>
-      <p:nvGrpSpPr>
-        <p:cNvPr id="1" name=""/>
-        <p:cNvGrpSpPr/>
-        <p:nvPr/>
-      </p:nvGrpSpPr>
-      <p:grpSpPr>
-        <a:xfrm>
-          <a:off x="0" y="0"/>
-          <a:ext cx="0" cy="0"/>
-          <a:chOff x="0" y="0"/>
-          <a:chExt cx="0" cy="0"/>
-        </a:xfrm>
-      </p:grpSpPr>
-      <p:sp>
-        <p:nvSpPr>
-          <p:cNvPr id="3" name="직사각형 2">
-            <a:extLst>
-              <a:ext uri="{FF2B5EF4-FFF2-40B4-BE49-F238E27FC236}">
-                <a16:creationId xmlns:a16="http://schemas.microsoft.com/office/drawing/2014/main" id="{A5840210-0674-BA1E-A813-66127759208E}"/>
-              </a:ext>
-            </a:extLst>
-          </p:cNvPr>
-          <p:cNvSpPr/>
-          <p:nvPr/>
-        </p:nvSpPr>
-        <p:spPr>
-          <a:xfrm>
-            <a:off x="434109" y="528782"/>
-            <a:ext cx="11323782" cy="699654"/>
-          </a:xfrm>
-          <a:prstGeom prst="rect">
-            <a:avLst/>
-          </a:prstGeom>
-        </p:spPr>
-        <p:style>
-          <a:lnRef idx="2">
-            <a:schemeClr val="accent1">
-              <a:shade val="15000"/>
-            </a:schemeClr>
-          </a:lnRef>
-          <a:fillRef idx="1">
-            <a:schemeClr val="accent1"/>
-          </a:fillRef>
-          <a:effectRef idx="0">
-            <a:schemeClr val="accent1"/>
-          </a:effectRef>
-          <a:fontRef idx="minor">
-            <a:schemeClr val="lt1"/>
-          </a:fontRef>
-        </p:style>
-        <p:txBody>
-          <a:bodyPr rtlCol="0" anchor="ctr"/>
-          <a:lstStyle/>
-          <a:p>
-            <a:pPr algn="ctr"/>
-            <a:r>
-              <a:rPr lang="ko-KR" altLang="en-US" dirty="0"/>
-              <a:t>자동완성</a:t>
-            </a:r>
-          </a:p>
-        </p:txBody>
-      </p:sp>
-      <p:sp>
-        <p:nvSpPr>
-          <p:cNvPr id="5" name="직사각형 4">
-            <a:extLst>
-              <a:ext uri="{FF2B5EF4-FFF2-40B4-BE49-F238E27FC236}">
-                <a16:creationId xmlns:a16="http://schemas.microsoft.com/office/drawing/2014/main" id="{F60C10CE-FF11-5C56-AA8E-A5E0D80CD8C4}"/>
-              </a:ext>
-            </a:extLst>
-          </p:cNvPr>
-          <p:cNvSpPr/>
-          <p:nvPr/>
-        </p:nvSpPr>
-        <p:spPr>
-          <a:xfrm>
-            <a:off x="434109" y="1372871"/>
-            <a:ext cx="11323782" cy="699654"/>
-          </a:xfrm>
-          <a:prstGeom prst="rect">
-            <a:avLst/>
-          </a:prstGeom>
-        </p:spPr>
-        <p:style>
-          <a:lnRef idx="2">
-            <a:schemeClr val="accent1">
-              <a:shade val="15000"/>
-            </a:schemeClr>
-          </a:lnRef>
-          <a:fillRef idx="1">
-            <a:schemeClr val="accent1"/>
-          </a:fillRef>
-          <a:effectRef idx="0">
-            <a:schemeClr val="accent1"/>
-          </a:effectRef>
-          <a:fontRef idx="minor">
-            <a:schemeClr val="lt1"/>
-          </a:fontRef>
-        </p:style>
-        <p:txBody>
-          <a:bodyPr rtlCol="0" anchor="ctr"/>
-          <a:lstStyle/>
-          <a:p>
-            <a:pPr algn="ctr"/>
-            <a:r>
-              <a:rPr lang="ko-KR" altLang="en-US" dirty="0"/>
-              <a:t>컨트롤 </a:t>
-            </a:r>
-            <a:r>
-              <a:rPr lang="en-US" altLang="ko-KR" dirty="0"/>
-              <a:t>+ </a:t>
-            </a:r>
-            <a:r>
-              <a:rPr lang="ko-KR" altLang="en-US" dirty="0"/>
-              <a:t>스페이스</a:t>
-            </a:r>
-          </a:p>
-        </p:txBody>
-      </p:sp>
-      <p:pic>
-        <p:nvPicPr>
-          <p:cNvPr id="6" name="그림 5">
-            <a:extLst>
-              <a:ext uri="{FF2B5EF4-FFF2-40B4-BE49-F238E27FC236}">
-                <a16:creationId xmlns:a16="http://schemas.microsoft.com/office/drawing/2014/main" id="{A58EE2DC-B136-A741-A974-5260630415B6}"/>
-              </a:ext>
-            </a:extLst>
-          </p:cNvPr>
-          <p:cNvPicPr>
-            <a:picLocks noChangeAspect="1"/>
-          </p:cNvPicPr>
-          <p:nvPr/>
-        </p:nvPicPr>
-        <p:blipFill>
-          <a:blip r:embed="rId2"/>
-          <a:stretch>
-            <a:fillRect/>
-          </a:stretch>
-        </p:blipFill>
-        <p:spPr>
-          <a:xfrm>
-            <a:off x="157018" y="2793486"/>
-            <a:ext cx="12192000" cy="4522227"/>
-          </a:xfrm>
-          <a:prstGeom prst="rect">
-            <a:avLst/>
-          </a:prstGeom>
-        </p:spPr>
-      </p:pic>
-      <p:sp>
-        <p:nvSpPr>
-          <p:cNvPr id="8" name="직사각형 7">
-            <a:extLst>
-              <a:ext uri="{FF2B5EF4-FFF2-40B4-BE49-F238E27FC236}">
-                <a16:creationId xmlns:a16="http://schemas.microsoft.com/office/drawing/2014/main" id="{D18393D4-16C8-2236-9241-9F26A1163D8B}"/>
-              </a:ext>
-            </a:extLst>
-          </p:cNvPr>
-          <p:cNvSpPr/>
-          <p:nvPr/>
-        </p:nvSpPr>
-        <p:spPr>
-          <a:xfrm>
-            <a:off x="434109" y="2282653"/>
-            <a:ext cx="11323782" cy="699654"/>
-          </a:xfrm>
-          <a:prstGeom prst="rect">
-            <a:avLst/>
-          </a:prstGeom>
-        </p:spPr>
-        <p:style>
-          <a:lnRef idx="2">
-            <a:schemeClr val="accent1">
-              <a:shade val="15000"/>
-            </a:schemeClr>
-          </a:lnRef>
-          <a:fillRef idx="1">
-            <a:schemeClr val="accent1"/>
-          </a:fillRef>
-          <a:effectRef idx="0">
-            <a:schemeClr val="accent1"/>
-          </a:effectRef>
-          <a:fontRef idx="minor">
-            <a:schemeClr val="lt1"/>
-          </a:fontRef>
-        </p:style>
-        <p:txBody>
-          <a:bodyPr rtlCol="0" anchor="ctr"/>
-          <a:lstStyle/>
-          <a:p>
-            <a:pPr algn="ctr"/>
-            <a:r>
-              <a:rPr lang="ko-KR" altLang="en-US" dirty="0"/>
-              <a:t>적절한 앞부분 까지만 치고 컨트롤 스페이스를 누르면 추가적으로 내가 </a:t>
-            </a:r>
-            <a:r>
-              <a:rPr lang="ko-KR" altLang="en-US" dirty="0" err="1"/>
-              <a:t>친부분까지와</a:t>
-            </a:r>
-            <a:r>
-              <a:rPr lang="ko-KR" altLang="en-US" dirty="0"/>
-              <a:t> </a:t>
-            </a:r>
-            <a:r>
-              <a:rPr lang="ko-KR" altLang="en-US" dirty="0" err="1"/>
-              <a:t>연관있는</a:t>
-            </a:r>
-            <a:endParaRPr lang="en-US" altLang="ko-KR" dirty="0"/>
-          </a:p>
-          <a:p>
-            <a:pPr algn="ctr"/>
-            <a:r>
-              <a:rPr lang="ko-KR" altLang="en-US" dirty="0"/>
-              <a:t>명령어들만 </a:t>
-            </a:r>
-            <a:r>
-              <a:rPr lang="ko-KR" altLang="en-US" dirty="0" err="1"/>
-              <a:t>뜨게된다</a:t>
-            </a:r>
-            <a:r>
-              <a:rPr lang="en-US" altLang="ko-KR" dirty="0"/>
-              <a:t>.</a:t>
-            </a:r>
-            <a:endParaRPr lang="ko-KR" altLang="en-US" dirty="0"/>
-          </a:p>
-        </p:txBody>
-      </p:sp>
-    </p:spTree>
-    <p:extLst>
-      <p:ext uri="{BB962C8B-B14F-4D97-AF65-F5344CB8AC3E}">
-        <p14:creationId xmlns:p14="http://schemas.microsoft.com/office/powerpoint/2010/main" val="3492691362"/>
-      </p:ext>
-    </p:extLst>
-  </p:cSld>
-  <p:clrMapOvr>
-    <a:masterClrMapping/>
-  </p:clrMapOvr>
-</p:sld>
-</file>
-
-<file path=ppt/slides/slide20.xml><?xml version="1.0" encoding="utf-8"?>
+<file path=ppt/slides/slide21.xml><?xml version="1.0" encoding="utf-8"?>
 <p:sld xmlns:a="http://schemas.openxmlformats.org/drawingml/2006/main" xmlns:r="http://schemas.openxmlformats.org/officeDocument/2006/relationships" xmlns:p="http://schemas.openxmlformats.org/presentationml/2006/main">
   <p:cSld>
     <p:spTree>
@@ -5836,7 +5922,7 @@
 </p:sld>
 </file>
 
-<file path=ppt/slides/slide21.xml><?xml version="1.0" encoding="utf-8"?>
+<file path=ppt/slides/slide22.xml><?xml version="1.0" encoding="utf-8"?>
 <p:sld xmlns:a="http://schemas.openxmlformats.org/drawingml/2006/main" xmlns:r="http://schemas.openxmlformats.org/officeDocument/2006/relationships" xmlns:p="http://schemas.openxmlformats.org/presentationml/2006/main">
   <p:cSld>
     <p:spTree>
@@ -5866,7 +5952,7 @@
 </p:sld>
 </file>
 
-<file path=ppt/slides/slide22.xml><?xml version="1.0" encoding="utf-8"?>
+<file path=ppt/slides/slide23.xml><?xml version="1.0" encoding="utf-8"?>
 <p:sld xmlns:a="http://schemas.openxmlformats.org/drawingml/2006/main" xmlns:r="http://schemas.openxmlformats.org/officeDocument/2006/relationships" xmlns:p="http://schemas.openxmlformats.org/presentationml/2006/main">
   <p:cSld>
     <p:spTree>
@@ -5896,7 +5982,7 @@
 </p:sld>
 </file>
 
-<file path=ppt/slides/slide23.xml><?xml version="1.0" encoding="utf-8"?>
+<file path=ppt/slides/slide24.xml><?xml version="1.0" encoding="utf-8"?>
 <p:sld xmlns:a="http://schemas.openxmlformats.org/drawingml/2006/main" xmlns:r="http://schemas.openxmlformats.org/officeDocument/2006/relationships" xmlns:p="http://schemas.openxmlformats.org/presentationml/2006/main">
   <p:cSld>
     <p:spTree>
@@ -5926,7 +6012,7 @@
 </p:sld>
 </file>
 
-<file path=ppt/slides/slide24.xml><?xml version="1.0" encoding="utf-8"?>
+<file path=ppt/slides/slide25.xml><?xml version="1.0" encoding="utf-8"?>
 <p:sld xmlns:a="http://schemas.openxmlformats.org/drawingml/2006/main" xmlns:r="http://schemas.openxmlformats.org/officeDocument/2006/relationships" xmlns:p="http://schemas.openxmlformats.org/presentationml/2006/main">
   <p:cSld>
     <p:spTree>
@@ -5956,7 +6042,7 @@
 </p:sld>
 </file>
 
-<file path=ppt/slides/slide25.xml><?xml version="1.0" encoding="utf-8"?>
+<file path=ppt/slides/slide26.xml><?xml version="1.0" encoding="utf-8"?>
 <p:sld xmlns:a="http://schemas.openxmlformats.org/drawingml/2006/main" xmlns:r="http://schemas.openxmlformats.org/officeDocument/2006/relationships" xmlns:p="http://schemas.openxmlformats.org/presentationml/2006/main">
   <p:cSld>
     <p:spTree>
@@ -5986,7 +6072,7 @@
 </p:sld>
 </file>
 
-<file path=ppt/slides/slide26.xml><?xml version="1.0" encoding="utf-8"?>
+<file path=ppt/slides/slide27.xml><?xml version="1.0" encoding="utf-8"?>
 <p:sld xmlns:a="http://schemas.openxmlformats.org/drawingml/2006/main" xmlns:r="http://schemas.openxmlformats.org/officeDocument/2006/relationships" xmlns:p="http://schemas.openxmlformats.org/presentationml/2006/main">
   <p:cSld>
     <p:spTree>
@@ -6016,7 +6102,7 @@
 </p:sld>
 </file>
 
-<file path=ppt/slides/slide27.xml><?xml version="1.0" encoding="utf-8"?>
+<file path=ppt/slides/slide28.xml><?xml version="1.0" encoding="utf-8"?>
 <p:sld xmlns:a="http://schemas.openxmlformats.org/drawingml/2006/main" xmlns:r="http://schemas.openxmlformats.org/officeDocument/2006/relationships" xmlns:p="http://schemas.openxmlformats.org/presentationml/2006/main">
   <p:cSld>
     <p:spTree>
@@ -6046,7 +6132,7 @@
 </p:sld>
 </file>
 
-<file path=ppt/slides/slide28.xml><?xml version="1.0" encoding="utf-8"?>
+<file path=ppt/slides/slide29.xml><?xml version="1.0" encoding="utf-8"?>
 <p:sld xmlns:a="http://schemas.openxmlformats.org/drawingml/2006/main" xmlns:r="http://schemas.openxmlformats.org/officeDocument/2006/relationships" xmlns:p="http://schemas.openxmlformats.org/presentationml/2006/main">
   <p:cSld>
     <p:spTree>
@@ -6076,7 +6162,251 @@
 </p:sld>
 </file>
 
-<file path=ppt/slides/slide29.xml><?xml version="1.0" encoding="utf-8"?>
+<file path=ppt/slides/slide3.xml><?xml version="1.0" encoding="utf-8"?>
+<p:sld xmlns:a="http://schemas.openxmlformats.org/drawingml/2006/main" xmlns:r="http://schemas.openxmlformats.org/officeDocument/2006/relationships" xmlns:p="http://schemas.openxmlformats.org/presentationml/2006/main">
+  <p:cSld>
+    <p:spTree>
+      <p:nvGrpSpPr>
+        <p:cNvPr id="1" name=""/>
+        <p:cNvGrpSpPr/>
+        <p:nvPr/>
+      </p:nvGrpSpPr>
+      <p:grpSpPr>
+        <a:xfrm>
+          <a:off x="0" y="0"/>
+          <a:ext cx="0" cy="0"/>
+          <a:chOff x="0" y="0"/>
+          <a:chExt cx="0" cy="0"/>
+        </a:xfrm>
+      </p:grpSpPr>
+      <p:sp>
+        <p:nvSpPr>
+          <p:cNvPr id="3" name="직사각형 2">
+            <a:extLst>
+              <a:ext uri="{FF2B5EF4-FFF2-40B4-BE49-F238E27FC236}">
+                <a16:creationId xmlns:a16="http://schemas.microsoft.com/office/drawing/2014/main" id="{A5840210-0674-BA1E-A813-66127759208E}"/>
+              </a:ext>
+            </a:extLst>
+          </p:cNvPr>
+          <p:cNvSpPr/>
+          <p:nvPr/>
+        </p:nvSpPr>
+        <p:spPr>
+          <a:xfrm>
+            <a:off x="434109" y="528782"/>
+            <a:ext cx="11323782" cy="699654"/>
+          </a:xfrm>
+          <a:prstGeom prst="rect">
+            <a:avLst/>
+          </a:prstGeom>
+        </p:spPr>
+        <p:style>
+          <a:lnRef idx="2">
+            <a:schemeClr val="accent1">
+              <a:shade val="15000"/>
+            </a:schemeClr>
+          </a:lnRef>
+          <a:fillRef idx="1">
+            <a:schemeClr val="accent1"/>
+          </a:fillRef>
+          <a:effectRef idx="0">
+            <a:schemeClr val="accent1"/>
+          </a:effectRef>
+          <a:fontRef idx="minor">
+            <a:schemeClr val="lt1"/>
+          </a:fontRef>
+        </p:style>
+        <p:txBody>
+          <a:bodyPr rtlCol="0" anchor="ctr"/>
+          <a:lstStyle/>
+          <a:p>
+            <a:pPr algn="ctr"/>
+            <a:r>
+              <a:rPr lang="ko-KR" altLang="en-US" dirty="0"/>
+              <a:t>자동완성</a:t>
+            </a:r>
+          </a:p>
+        </p:txBody>
+      </p:sp>
+      <p:sp>
+        <p:nvSpPr>
+          <p:cNvPr id="5" name="직사각형 4">
+            <a:extLst>
+              <a:ext uri="{FF2B5EF4-FFF2-40B4-BE49-F238E27FC236}">
+                <a16:creationId xmlns:a16="http://schemas.microsoft.com/office/drawing/2014/main" id="{F60C10CE-FF11-5C56-AA8E-A5E0D80CD8C4}"/>
+              </a:ext>
+            </a:extLst>
+          </p:cNvPr>
+          <p:cNvSpPr/>
+          <p:nvPr/>
+        </p:nvSpPr>
+        <p:spPr>
+          <a:xfrm>
+            <a:off x="434109" y="1372871"/>
+            <a:ext cx="11323782" cy="699654"/>
+          </a:xfrm>
+          <a:prstGeom prst="rect">
+            <a:avLst/>
+          </a:prstGeom>
+        </p:spPr>
+        <p:style>
+          <a:lnRef idx="2">
+            <a:schemeClr val="accent1">
+              <a:shade val="15000"/>
+            </a:schemeClr>
+          </a:lnRef>
+          <a:fillRef idx="1">
+            <a:schemeClr val="accent1"/>
+          </a:fillRef>
+          <a:effectRef idx="0">
+            <a:schemeClr val="accent1"/>
+          </a:effectRef>
+          <a:fontRef idx="minor">
+            <a:schemeClr val="lt1"/>
+          </a:fontRef>
+        </p:style>
+        <p:txBody>
+          <a:bodyPr rtlCol="0" anchor="ctr"/>
+          <a:lstStyle/>
+          <a:p>
+            <a:pPr algn="ctr"/>
+            <a:r>
+              <a:rPr lang="ko-KR" altLang="en-US" dirty="0"/>
+              <a:t>컨트롤 </a:t>
+            </a:r>
+            <a:r>
+              <a:rPr lang="en-US" altLang="ko-KR" dirty="0"/>
+              <a:t>+ </a:t>
+            </a:r>
+            <a:r>
+              <a:rPr lang="ko-KR" altLang="en-US" dirty="0"/>
+              <a:t>스페이스</a:t>
+            </a:r>
+          </a:p>
+        </p:txBody>
+      </p:sp>
+      <p:pic>
+        <p:nvPicPr>
+          <p:cNvPr id="6" name="그림 5">
+            <a:extLst>
+              <a:ext uri="{FF2B5EF4-FFF2-40B4-BE49-F238E27FC236}">
+                <a16:creationId xmlns:a16="http://schemas.microsoft.com/office/drawing/2014/main" id="{A58EE2DC-B136-A741-A974-5260630415B6}"/>
+              </a:ext>
+            </a:extLst>
+          </p:cNvPr>
+          <p:cNvPicPr>
+            <a:picLocks noChangeAspect="1"/>
+          </p:cNvPicPr>
+          <p:nvPr/>
+        </p:nvPicPr>
+        <p:blipFill>
+          <a:blip r:embed="rId2"/>
+          <a:stretch>
+            <a:fillRect/>
+          </a:stretch>
+        </p:blipFill>
+        <p:spPr>
+          <a:xfrm>
+            <a:off x="157018" y="2793486"/>
+            <a:ext cx="12192000" cy="4522227"/>
+          </a:xfrm>
+          <a:prstGeom prst="rect">
+            <a:avLst/>
+          </a:prstGeom>
+        </p:spPr>
+      </p:pic>
+      <p:sp>
+        <p:nvSpPr>
+          <p:cNvPr id="8" name="직사각형 7">
+            <a:extLst>
+              <a:ext uri="{FF2B5EF4-FFF2-40B4-BE49-F238E27FC236}">
+                <a16:creationId xmlns:a16="http://schemas.microsoft.com/office/drawing/2014/main" id="{D18393D4-16C8-2236-9241-9F26A1163D8B}"/>
+              </a:ext>
+            </a:extLst>
+          </p:cNvPr>
+          <p:cNvSpPr/>
+          <p:nvPr/>
+        </p:nvSpPr>
+        <p:spPr>
+          <a:xfrm>
+            <a:off x="434109" y="2282653"/>
+            <a:ext cx="11323782" cy="699654"/>
+          </a:xfrm>
+          <a:prstGeom prst="rect">
+            <a:avLst/>
+          </a:prstGeom>
+        </p:spPr>
+        <p:style>
+          <a:lnRef idx="2">
+            <a:schemeClr val="accent1">
+              <a:shade val="15000"/>
+            </a:schemeClr>
+          </a:lnRef>
+          <a:fillRef idx="1">
+            <a:schemeClr val="accent1"/>
+          </a:fillRef>
+          <a:effectRef idx="0">
+            <a:schemeClr val="accent1"/>
+          </a:effectRef>
+          <a:fontRef idx="minor">
+            <a:schemeClr val="lt1"/>
+          </a:fontRef>
+        </p:style>
+        <p:txBody>
+          <a:bodyPr rtlCol="0" anchor="ctr"/>
+          <a:lstStyle/>
+          <a:p>
+            <a:pPr algn="ctr"/>
+            <a:r>
+              <a:rPr lang="ko-KR" altLang="en-US" dirty="0"/>
+              <a:t>적절한 앞부분 까지만 치고 컨트롤 스페이스를 누르면 추가적으로 내가 </a:t>
+            </a:r>
+            <a:r>
+              <a:rPr lang="ko-KR" altLang="en-US" dirty="0" err="1"/>
+              <a:t>친부분까지와</a:t>
+            </a:r>
+            <a:r>
+              <a:rPr lang="ko-KR" altLang="en-US" dirty="0"/>
+              <a:t> </a:t>
+            </a:r>
+            <a:r>
+              <a:rPr lang="ko-KR" altLang="en-US" dirty="0" err="1"/>
+              <a:t>연관있는</a:t>
+            </a:r>
+            <a:endParaRPr lang="en-US" altLang="ko-KR" dirty="0"/>
+          </a:p>
+          <a:p>
+            <a:pPr algn="ctr"/>
+            <a:r>
+              <a:rPr lang="ko-KR" altLang="en-US" dirty="0"/>
+              <a:t>명령어들만 </a:t>
+            </a:r>
+            <a:r>
+              <a:rPr lang="ko-KR" altLang="en-US" dirty="0" err="1"/>
+              <a:t>뜨게된다</a:t>
+            </a:r>
+            <a:r>
+              <a:rPr lang="en-US" altLang="ko-KR" dirty="0"/>
+              <a:t>.</a:t>
+            </a:r>
+            <a:endParaRPr lang="ko-KR" altLang="en-US" dirty="0"/>
+          </a:p>
+        </p:txBody>
+      </p:sp>
+    </p:spTree>
+    <p:extLst>
+      <p:ext uri="{BB962C8B-B14F-4D97-AF65-F5344CB8AC3E}">
+        <p14:creationId xmlns:p14="http://schemas.microsoft.com/office/powerpoint/2010/main" val="3492691362"/>
+      </p:ext>
+    </p:extLst>
+  </p:cSld>
+  <p:clrMapOvr>
+    <a:masterClrMapping/>
+  </p:clrMapOvr>
+</p:sld>
+</file>
+
+<file path=ppt/slides/slide30.xml><?xml version="1.0" encoding="utf-8"?>
 <p:sld xmlns:a="http://schemas.openxmlformats.org/drawingml/2006/main" xmlns:r="http://schemas.openxmlformats.org/officeDocument/2006/relationships" xmlns:p="http://schemas.openxmlformats.org/presentationml/2006/main">
   <p:cSld>
     <p:spTree>
@@ -6106,147 +6436,6 @@
 </p:sld>
 </file>
 
-<file path=ppt/slides/slide3.xml><?xml version="1.0" encoding="utf-8"?>
-<p:sld xmlns:a="http://schemas.openxmlformats.org/drawingml/2006/main" xmlns:r="http://schemas.openxmlformats.org/officeDocument/2006/relationships" xmlns:p="http://schemas.openxmlformats.org/presentationml/2006/main">
-  <p:cSld>
-    <p:spTree>
-      <p:nvGrpSpPr>
-        <p:cNvPr id="1" name=""/>
-        <p:cNvGrpSpPr/>
-        <p:nvPr/>
-      </p:nvGrpSpPr>
-      <p:grpSpPr>
-        <a:xfrm>
-          <a:off x="0" y="0"/>
-          <a:ext cx="0" cy="0"/>
-          <a:chOff x="0" y="0"/>
-          <a:chExt cx="0" cy="0"/>
-        </a:xfrm>
-      </p:grpSpPr>
-      <p:sp>
-        <p:nvSpPr>
-          <p:cNvPr id="3" name="직사각형 2">
-            <a:extLst>
-              <a:ext uri="{FF2B5EF4-FFF2-40B4-BE49-F238E27FC236}">
-                <a16:creationId xmlns:a16="http://schemas.microsoft.com/office/drawing/2014/main" id="{A5840210-0674-BA1E-A813-66127759208E}"/>
-              </a:ext>
-            </a:extLst>
-          </p:cNvPr>
-          <p:cNvSpPr/>
-          <p:nvPr/>
-        </p:nvSpPr>
-        <p:spPr>
-          <a:xfrm>
-            <a:off x="434109" y="528782"/>
-            <a:ext cx="11323782" cy="699654"/>
-          </a:xfrm>
-          <a:prstGeom prst="rect">
-            <a:avLst/>
-          </a:prstGeom>
-        </p:spPr>
-        <p:style>
-          <a:lnRef idx="2">
-            <a:schemeClr val="accent1">
-              <a:shade val="15000"/>
-            </a:schemeClr>
-          </a:lnRef>
-          <a:fillRef idx="1">
-            <a:schemeClr val="accent1"/>
-          </a:fillRef>
-          <a:effectRef idx="0">
-            <a:schemeClr val="accent1"/>
-          </a:effectRef>
-          <a:fontRef idx="minor">
-            <a:schemeClr val="lt1"/>
-          </a:fontRef>
-        </p:style>
-        <p:txBody>
-          <a:bodyPr rtlCol="0" anchor="ctr"/>
-          <a:lstStyle/>
-          <a:p>
-            <a:pPr algn="ctr"/>
-            <a:r>
-              <a:rPr lang="ko-KR" altLang="en-US" dirty="0"/>
-              <a:t>자동완성</a:t>
-            </a:r>
-          </a:p>
-        </p:txBody>
-      </p:sp>
-      <p:sp>
-        <p:nvSpPr>
-          <p:cNvPr id="5" name="직사각형 4">
-            <a:extLst>
-              <a:ext uri="{FF2B5EF4-FFF2-40B4-BE49-F238E27FC236}">
-                <a16:creationId xmlns:a16="http://schemas.microsoft.com/office/drawing/2014/main" id="{F60C10CE-FF11-5C56-AA8E-A5E0D80CD8C4}"/>
-              </a:ext>
-            </a:extLst>
-          </p:cNvPr>
-          <p:cNvSpPr/>
-          <p:nvPr/>
-        </p:nvSpPr>
-        <p:spPr>
-          <a:xfrm>
-            <a:off x="434109" y="1372871"/>
-            <a:ext cx="11323782" cy="699654"/>
-          </a:xfrm>
-          <a:prstGeom prst="rect">
-            <a:avLst/>
-          </a:prstGeom>
-        </p:spPr>
-        <p:style>
-          <a:lnRef idx="2">
-            <a:schemeClr val="accent1">
-              <a:shade val="15000"/>
-            </a:schemeClr>
-          </a:lnRef>
-          <a:fillRef idx="1">
-            <a:schemeClr val="accent1"/>
-          </a:fillRef>
-          <a:effectRef idx="0">
-            <a:schemeClr val="accent1"/>
-          </a:effectRef>
-          <a:fontRef idx="minor">
-            <a:schemeClr val="lt1"/>
-          </a:fontRef>
-        </p:style>
-        <p:txBody>
-          <a:bodyPr rtlCol="0" anchor="ctr"/>
-          <a:lstStyle/>
-          <a:p>
-            <a:pPr algn="ctr"/>
-            <a:r>
-              <a:rPr lang="ko-KR" altLang="en-US" dirty="0"/>
-              <a:t>자동완성 검색창에서 </a:t>
-            </a:r>
-            <a:r>
-              <a:rPr lang="ko-KR" altLang="en-US" dirty="0" err="1"/>
-              <a:t>선택후</a:t>
-            </a:r>
-            <a:r>
-              <a:rPr lang="ko-KR" altLang="en-US" dirty="0"/>
-              <a:t> </a:t>
-            </a:r>
-            <a:r>
-              <a:rPr lang="en-US" altLang="ko-KR" dirty="0"/>
-              <a:t>Tab</a:t>
-            </a:r>
-            <a:endParaRPr lang="ko-KR" altLang="en-US" dirty="0"/>
-          </a:p>
-        </p:txBody>
-      </p:sp>
-    </p:spTree>
-    <p:extLst>
-      <p:ext uri="{BB962C8B-B14F-4D97-AF65-F5344CB8AC3E}">
-        <p14:creationId xmlns:p14="http://schemas.microsoft.com/office/powerpoint/2010/main" val="1855782754"/>
-      </p:ext>
-    </p:extLst>
-  </p:cSld>
-  <p:clrMapOvr>
-    <a:masterClrMapping/>
-  </p:clrMapOvr>
-</p:sld>
-</file>
-
 <file path=ppt/slides/slide4.xml><?xml version="1.0" encoding="utf-8"?>
 <p:sld xmlns:a="http://schemas.openxmlformats.org/drawingml/2006/main" xmlns:r="http://schemas.openxmlformats.org/officeDocument/2006/relationships" xmlns:p="http://schemas.openxmlformats.org/presentationml/2006/main">
   <p:cSld>
@@ -6357,53 +6546,28 @@
             <a:pPr algn="ctr"/>
             <a:r>
               <a:rPr lang="ko-KR" altLang="en-US" dirty="0"/>
-              <a:t>컨트롤 </a:t>
+              <a:t>자동완성 검색창에서 </a:t>
+            </a:r>
+            <a:r>
+              <a:rPr lang="ko-KR" altLang="en-US" dirty="0" err="1"/>
+              <a:t>선택후</a:t>
+            </a:r>
+            <a:r>
+              <a:rPr lang="ko-KR" altLang="en-US" dirty="0"/>
+              <a:t> </a:t>
             </a:r>
             <a:r>
               <a:rPr lang="en-US" altLang="ko-KR" dirty="0"/>
-              <a:t>+ </a:t>
-            </a:r>
-            <a:r>
-              <a:rPr lang="ko-KR" altLang="en-US" dirty="0"/>
-              <a:t>스페이스</a:t>
-            </a:r>
-          </a:p>
-        </p:txBody>
-      </p:sp>
-      <p:pic>
-        <p:nvPicPr>
-          <p:cNvPr id="6" name="그림 5">
-            <a:extLst>
-              <a:ext uri="{FF2B5EF4-FFF2-40B4-BE49-F238E27FC236}">
-                <a16:creationId xmlns:a16="http://schemas.microsoft.com/office/drawing/2014/main" id="{A58EE2DC-B136-A741-A974-5260630415B6}"/>
-              </a:ext>
-            </a:extLst>
-          </p:cNvPr>
-          <p:cNvPicPr>
-            <a:picLocks noChangeAspect="1"/>
-          </p:cNvPicPr>
-          <p:nvPr/>
-        </p:nvPicPr>
-        <p:blipFill>
-          <a:blip r:embed="rId2"/>
-          <a:stretch>
-            <a:fillRect/>
-          </a:stretch>
-        </p:blipFill>
-        <p:spPr>
-          <a:xfrm>
-            <a:off x="166255" y="2605179"/>
-            <a:ext cx="12192000" cy="4522227"/>
-          </a:xfrm>
-          <a:prstGeom prst="rect">
-            <a:avLst/>
-          </a:prstGeom>
-        </p:spPr>
-      </p:pic>
+              <a:t>Tab</a:t>
+            </a:r>
+            <a:endParaRPr lang="ko-KR" altLang="en-US" dirty="0"/>
+          </a:p>
+        </p:txBody>
+      </p:sp>
     </p:spTree>
     <p:extLst>
       <p:ext uri="{BB962C8B-B14F-4D97-AF65-F5344CB8AC3E}">
-        <p14:creationId xmlns:p14="http://schemas.microsoft.com/office/powerpoint/2010/main" val="4087832459"/>
+        <p14:creationId xmlns:p14="http://schemas.microsoft.com/office/powerpoint/2010/main" val="1855782754"/>
       </p:ext>
     </p:extLst>
   </p:cSld>
@@ -6474,17 +6638,74 @@
             <a:pPr algn="ctr"/>
             <a:r>
               <a:rPr lang="ko-KR" altLang="en-US" dirty="0"/>
-              <a:t>화면 확대 축소</a:t>
+              <a:t>자동완성</a:t>
+            </a:r>
+          </a:p>
+        </p:txBody>
+      </p:sp>
+      <p:sp>
+        <p:nvSpPr>
+          <p:cNvPr id="5" name="직사각형 4">
+            <a:extLst>
+              <a:ext uri="{FF2B5EF4-FFF2-40B4-BE49-F238E27FC236}">
+                <a16:creationId xmlns:a16="http://schemas.microsoft.com/office/drawing/2014/main" id="{F60C10CE-FF11-5C56-AA8E-A5E0D80CD8C4}"/>
+              </a:ext>
+            </a:extLst>
+          </p:cNvPr>
+          <p:cNvSpPr/>
+          <p:nvPr/>
+        </p:nvSpPr>
+        <p:spPr>
+          <a:xfrm>
+            <a:off x="434109" y="1372871"/>
+            <a:ext cx="11323782" cy="699654"/>
+          </a:xfrm>
+          <a:prstGeom prst="rect">
+            <a:avLst/>
+          </a:prstGeom>
+        </p:spPr>
+        <p:style>
+          <a:lnRef idx="2">
+            <a:schemeClr val="accent1">
+              <a:shade val="15000"/>
+            </a:schemeClr>
+          </a:lnRef>
+          <a:fillRef idx="1">
+            <a:schemeClr val="accent1"/>
+          </a:fillRef>
+          <a:effectRef idx="0">
+            <a:schemeClr val="accent1"/>
+          </a:effectRef>
+          <a:fontRef idx="minor">
+            <a:schemeClr val="lt1"/>
+          </a:fontRef>
+        </p:style>
+        <p:txBody>
+          <a:bodyPr rtlCol="0" anchor="ctr"/>
+          <a:lstStyle/>
+          <a:p>
+            <a:pPr algn="ctr"/>
+            <a:r>
+              <a:rPr lang="ko-KR" altLang="en-US" dirty="0"/>
+              <a:t>컨트롤 </a:t>
+            </a:r>
+            <a:r>
+              <a:rPr lang="en-US" altLang="ko-KR" dirty="0"/>
+              <a:t>+ </a:t>
+            </a:r>
+            <a:r>
+              <a:rPr lang="ko-KR" altLang="en-US" dirty="0"/>
+              <a:t>스페이스</a:t>
             </a:r>
           </a:p>
         </p:txBody>
       </p:sp>
       <p:pic>
         <p:nvPicPr>
-          <p:cNvPr id="4" name="그림 3">
-            <a:extLst>
-              <a:ext uri="{FF2B5EF4-FFF2-40B4-BE49-F238E27FC236}">
-                <a16:creationId xmlns:a16="http://schemas.microsoft.com/office/drawing/2014/main" id="{3AC8F613-DF81-7A95-DDA2-3B0852551F89}"/>
+          <p:cNvPr id="6" name="그림 5">
+            <a:extLst>
+              <a:ext uri="{FF2B5EF4-FFF2-40B4-BE49-F238E27FC236}">
+                <a16:creationId xmlns:a16="http://schemas.microsoft.com/office/drawing/2014/main" id="{A58EE2DC-B136-A741-A974-5260630415B6}"/>
               </a:ext>
             </a:extLst>
           </p:cNvPr>
@@ -6501,95 +6722,8 @@
         </p:blipFill>
         <p:spPr>
           <a:xfrm>
-            <a:off x="434109" y="2216960"/>
-            <a:ext cx="4601217" cy="2867425"/>
-          </a:xfrm>
-          <a:prstGeom prst="rect">
-            <a:avLst/>
-          </a:prstGeom>
-        </p:spPr>
-      </p:pic>
-      <p:sp>
-        <p:nvSpPr>
-          <p:cNvPr id="5" name="직사각형 4">
-            <a:extLst>
-              <a:ext uri="{FF2B5EF4-FFF2-40B4-BE49-F238E27FC236}">
-                <a16:creationId xmlns:a16="http://schemas.microsoft.com/office/drawing/2014/main" id="{F60C10CE-FF11-5C56-AA8E-A5E0D80CD8C4}"/>
-              </a:ext>
-            </a:extLst>
-          </p:cNvPr>
-          <p:cNvSpPr/>
-          <p:nvPr/>
-        </p:nvSpPr>
-        <p:spPr>
-          <a:xfrm>
-            <a:off x="434109" y="1372871"/>
-            <a:ext cx="11323782" cy="699654"/>
-          </a:xfrm>
-          <a:prstGeom prst="rect">
-            <a:avLst/>
-          </a:prstGeom>
-        </p:spPr>
-        <p:style>
-          <a:lnRef idx="2">
-            <a:schemeClr val="accent1">
-              <a:shade val="15000"/>
-            </a:schemeClr>
-          </a:lnRef>
-          <a:fillRef idx="1">
-            <a:schemeClr val="accent1"/>
-          </a:fillRef>
-          <a:effectRef idx="0">
-            <a:schemeClr val="accent1"/>
-          </a:effectRef>
-          <a:fontRef idx="minor">
-            <a:schemeClr val="lt1"/>
-          </a:fontRef>
-        </p:style>
-        <p:txBody>
-          <a:bodyPr rtlCol="0" anchor="ctr"/>
-          <a:lstStyle/>
-          <a:p>
-            <a:pPr algn="ctr"/>
-            <a:r>
-              <a:rPr lang="ko-KR" altLang="en-US" dirty="0"/>
-              <a:t>컨트롤 </a:t>
-            </a:r>
-            <a:r>
-              <a:rPr lang="en-US" altLang="ko-KR" dirty="0"/>
-              <a:t>+ </a:t>
-            </a:r>
-            <a:r>
-              <a:rPr lang="ko-KR" altLang="en-US" dirty="0"/>
-              <a:t>마우스 휠</a:t>
-            </a:r>
-          </a:p>
-        </p:txBody>
-      </p:sp>
-      <p:pic>
-        <p:nvPicPr>
-          <p:cNvPr id="7" name="그림 6">
-            <a:extLst>
-              <a:ext uri="{FF2B5EF4-FFF2-40B4-BE49-F238E27FC236}">
-                <a16:creationId xmlns:a16="http://schemas.microsoft.com/office/drawing/2014/main" id="{6118D628-F90B-28CA-766C-EBF7C9C314A9}"/>
-              </a:ext>
-            </a:extLst>
-          </p:cNvPr>
-          <p:cNvPicPr>
-            <a:picLocks noChangeAspect="1"/>
-          </p:cNvPicPr>
-          <p:nvPr/>
-        </p:nvPicPr>
-        <p:blipFill>
-          <a:blip r:embed="rId3"/>
-          <a:stretch>
-            <a:fillRect/>
-          </a:stretch>
-        </p:blipFill>
-        <p:spPr>
-          <a:xfrm>
-            <a:off x="5442769" y="2245539"/>
-            <a:ext cx="8935697" cy="5677692"/>
+            <a:off x="166255" y="2605179"/>
+            <a:ext cx="12192000" cy="4522227"/>
           </a:xfrm>
           <a:prstGeom prst="rect">
             <a:avLst/>
@@ -6599,7 +6733,7 @@
     </p:spTree>
     <p:extLst>
       <p:ext uri="{BB962C8B-B14F-4D97-AF65-F5344CB8AC3E}">
-        <p14:creationId xmlns:p14="http://schemas.microsoft.com/office/powerpoint/2010/main" val="3696848387"/>
+        <p14:creationId xmlns:p14="http://schemas.microsoft.com/office/powerpoint/2010/main" val="4087832459"/>
       </p:ext>
     </p:extLst>
   </p:cSld>
@@ -6628,10 +6762,10 @@
       </p:grpSpPr>
       <p:sp>
         <p:nvSpPr>
-          <p:cNvPr id="2" name="직사각형 1">
-            <a:extLst>
-              <a:ext uri="{FF2B5EF4-FFF2-40B4-BE49-F238E27FC236}">
-                <a16:creationId xmlns:a16="http://schemas.microsoft.com/office/drawing/2014/main" id="{3139707C-C258-116B-1FC7-1EA17D56B0BE}"/>
+          <p:cNvPr id="3" name="직사각형 2">
+            <a:extLst>
+              <a:ext uri="{FF2B5EF4-FFF2-40B4-BE49-F238E27FC236}">
+                <a16:creationId xmlns:a16="http://schemas.microsoft.com/office/drawing/2014/main" id="{A5840210-0674-BA1E-A813-66127759208E}"/>
               </a:ext>
             </a:extLst>
           </p:cNvPr>
@@ -6670,17 +6804,17 @@
             <a:pPr algn="ctr"/>
             <a:r>
               <a:rPr lang="ko-KR" altLang="en-US" dirty="0"/>
-              <a:t>내부 코드 범위 선택</a:t>
+              <a:t>화면 확대 축소</a:t>
             </a:r>
           </a:p>
         </p:txBody>
       </p:sp>
       <p:pic>
         <p:nvPicPr>
-          <p:cNvPr id="5" name="그림 4">
-            <a:extLst>
-              <a:ext uri="{FF2B5EF4-FFF2-40B4-BE49-F238E27FC236}">
-                <a16:creationId xmlns:a16="http://schemas.microsoft.com/office/drawing/2014/main" id="{460791A4-8D4E-1F0E-8073-FEFA1D33D16A}"/>
+          <p:cNvPr id="4" name="그림 3">
+            <a:extLst>
+              <a:ext uri="{FF2B5EF4-FFF2-40B4-BE49-F238E27FC236}">
+                <a16:creationId xmlns:a16="http://schemas.microsoft.com/office/drawing/2014/main" id="{3AC8F613-DF81-7A95-DDA2-3B0852551F89}"/>
               </a:ext>
             </a:extLst>
           </p:cNvPr>
@@ -6697,8 +6831,8 @@
         </p:blipFill>
         <p:spPr>
           <a:xfrm>
-            <a:off x="1777011" y="2418730"/>
-            <a:ext cx="7954485" cy="4439270"/>
+            <a:off x="434109" y="2216960"/>
+            <a:ext cx="4601217" cy="2867425"/>
           </a:xfrm>
           <a:prstGeom prst="rect">
             <a:avLst/>
@@ -6707,10 +6841,10 @@
       </p:pic>
       <p:sp>
         <p:nvSpPr>
-          <p:cNvPr id="6" name="직사각형 5">
-            <a:extLst>
-              <a:ext uri="{FF2B5EF4-FFF2-40B4-BE49-F238E27FC236}">
-                <a16:creationId xmlns:a16="http://schemas.microsoft.com/office/drawing/2014/main" id="{D96CC236-CBD2-58F7-6E96-5C1E2168D214}"/>
+          <p:cNvPr id="5" name="직사각형 4">
+            <a:extLst>
+              <a:ext uri="{FF2B5EF4-FFF2-40B4-BE49-F238E27FC236}">
+                <a16:creationId xmlns:a16="http://schemas.microsoft.com/office/drawing/2014/main" id="{F60C10CE-FF11-5C56-AA8E-A5E0D80CD8C4}"/>
               </a:ext>
             </a:extLst>
           </p:cNvPr>
@@ -6749,7 +6883,7 @@
             <a:pPr algn="ctr"/>
             <a:r>
               <a:rPr lang="ko-KR" altLang="en-US" dirty="0"/>
-              <a:t>시프트 </a:t>
+              <a:t>컨트롤 </a:t>
             </a:r>
             <a:r>
               <a:rPr lang="en-US" altLang="ko-KR" dirty="0"/>
@@ -6757,15 +6891,45 @@
             </a:r>
             <a:r>
               <a:rPr lang="ko-KR" altLang="en-US" dirty="0"/>
-              <a:t>방향키 위 아래 왼쪽 오른쪽</a:t>
-            </a:r>
-          </a:p>
-        </p:txBody>
-      </p:sp>
+              <a:t>마우스 휠</a:t>
+            </a:r>
+          </a:p>
+        </p:txBody>
+      </p:sp>
+      <p:pic>
+        <p:nvPicPr>
+          <p:cNvPr id="7" name="그림 6">
+            <a:extLst>
+              <a:ext uri="{FF2B5EF4-FFF2-40B4-BE49-F238E27FC236}">
+                <a16:creationId xmlns:a16="http://schemas.microsoft.com/office/drawing/2014/main" id="{6118D628-F90B-28CA-766C-EBF7C9C314A9}"/>
+              </a:ext>
+            </a:extLst>
+          </p:cNvPr>
+          <p:cNvPicPr>
+            <a:picLocks noChangeAspect="1"/>
+          </p:cNvPicPr>
+          <p:nvPr/>
+        </p:nvPicPr>
+        <p:blipFill>
+          <a:blip r:embed="rId3"/>
+          <a:stretch>
+            <a:fillRect/>
+          </a:stretch>
+        </p:blipFill>
+        <p:spPr>
+          <a:xfrm>
+            <a:off x="5442769" y="2245539"/>
+            <a:ext cx="8935697" cy="5677692"/>
+          </a:xfrm>
+          <a:prstGeom prst="rect">
+            <a:avLst/>
+          </a:prstGeom>
+        </p:spPr>
+      </p:pic>
     </p:spTree>
     <p:extLst>
       <p:ext uri="{BB962C8B-B14F-4D97-AF65-F5344CB8AC3E}">
-        <p14:creationId xmlns:p14="http://schemas.microsoft.com/office/powerpoint/2010/main" val="2783297044"/>
+        <p14:creationId xmlns:p14="http://schemas.microsoft.com/office/powerpoint/2010/main" val="3696848387"/>
       </p:ext>
     </p:extLst>
   </p:cSld>
@@ -6835,16 +6999,42 @@
           <a:p>
             <a:pPr algn="ctr"/>
             <a:r>
-              <a:rPr lang="ko-KR" altLang="en-US" dirty="0" err="1"/>
-              <a:t>한줄의</a:t>
-            </a:r>
-            <a:r>
               <a:rPr lang="ko-KR" altLang="en-US" dirty="0"/>
-              <a:t> 끝으로 바로 가기</a:t>
-            </a:r>
-          </a:p>
-        </p:txBody>
-      </p:sp>
+              <a:t>내부 코드 범위 선택</a:t>
+            </a:r>
+          </a:p>
+        </p:txBody>
+      </p:sp>
+      <p:pic>
+        <p:nvPicPr>
+          <p:cNvPr id="5" name="그림 4">
+            <a:extLst>
+              <a:ext uri="{FF2B5EF4-FFF2-40B4-BE49-F238E27FC236}">
+                <a16:creationId xmlns:a16="http://schemas.microsoft.com/office/drawing/2014/main" id="{460791A4-8D4E-1F0E-8073-FEFA1D33D16A}"/>
+              </a:ext>
+            </a:extLst>
+          </p:cNvPr>
+          <p:cNvPicPr>
+            <a:picLocks noChangeAspect="1"/>
+          </p:cNvPicPr>
+          <p:nvPr/>
+        </p:nvPicPr>
+        <p:blipFill>
+          <a:blip r:embed="rId2"/>
+          <a:stretch>
+            <a:fillRect/>
+          </a:stretch>
+        </p:blipFill>
+        <p:spPr>
+          <a:xfrm>
+            <a:off x="1777011" y="2418730"/>
+            <a:ext cx="7954485" cy="4439270"/>
+          </a:xfrm>
+          <a:prstGeom prst="rect">
+            <a:avLst/>
+          </a:prstGeom>
+        </p:spPr>
+      </p:pic>
       <p:sp>
         <p:nvSpPr>
           <p:cNvPr id="6" name="직사각형 5">
@@ -6888,223 +7078,24 @@
           <a:p>
             <a:pPr algn="ctr"/>
             <a:r>
+              <a:rPr lang="ko-KR" altLang="en-US" dirty="0"/>
+              <a:t>시프트 </a:t>
+            </a:r>
+            <a:r>
               <a:rPr lang="en-US" altLang="ko-KR" dirty="0"/>
-              <a:t>End</a:t>
-            </a:r>
-            <a:endParaRPr lang="ko-KR" altLang="en-US" dirty="0"/>
-          </a:p>
-        </p:txBody>
-      </p:sp>
-      <p:sp>
-        <p:nvSpPr>
-          <p:cNvPr id="3" name="직사각형 2">
-            <a:extLst>
-              <a:ext uri="{FF2B5EF4-FFF2-40B4-BE49-F238E27FC236}">
-                <a16:creationId xmlns:a16="http://schemas.microsoft.com/office/drawing/2014/main" id="{0439CBCA-44E7-1624-A20E-592651603701}"/>
-              </a:ext>
-            </a:extLst>
-          </p:cNvPr>
-          <p:cNvSpPr/>
-          <p:nvPr/>
-        </p:nvSpPr>
-        <p:spPr>
-          <a:xfrm>
-            <a:off x="434109" y="2487931"/>
-            <a:ext cx="11323782" cy="699654"/>
-          </a:xfrm>
-          <a:prstGeom prst="rect">
-            <a:avLst/>
-          </a:prstGeom>
-        </p:spPr>
-        <p:style>
-          <a:lnRef idx="2">
-            <a:schemeClr val="accent1">
-              <a:shade val="15000"/>
-            </a:schemeClr>
-          </a:lnRef>
-          <a:fillRef idx="1">
-            <a:schemeClr val="accent1"/>
-          </a:fillRef>
-          <a:effectRef idx="0">
-            <a:schemeClr val="accent1"/>
-          </a:effectRef>
-          <a:fontRef idx="minor">
-            <a:schemeClr val="lt1"/>
-          </a:fontRef>
-        </p:style>
-        <p:txBody>
-          <a:bodyPr rtlCol="0" anchor="ctr"/>
-          <a:lstStyle/>
-          <a:p>
-            <a:pPr algn="ctr"/>
-            <a:r>
-              <a:rPr lang="ko-KR" altLang="en-US" dirty="0" err="1"/>
-              <a:t>한줄의</a:t>
-            </a:r>
-            <a:r>
-              <a:rPr lang="en-US" altLang="ko-KR" dirty="0"/>
-              <a:t> </a:t>
+              <a:t>+ </a:t>
             </a:r>
             <a:r>
               <a:rPr lang="ko-KR" altLang="en-US" dirty="0"/>
-              <a:t>가장 앞으로 가기</a:t>
-            </a:r>
-          </a:p>
-        </p:txBody>
-      </p:sp>
-      <p:sp>
-        <p:nvSpPr>
-          <p:cNvPr id="4" name="직사각형 3">
-            <a:extLst>
-              <a:ext uri="{FF2B5EF4-FFF2-40B4-BE49-F238E27FC236}">
-                <a16:creationId xmlns:a16="http://schemas.microsoft.com/office/drawing/2014/main" id="{DADC1E04-2714-0396-A2AF-1B6F2A75715F}"/>
-              </a:ext>
-            </a:extLst>
-          </p:cNvPr>
-          <p:cNvSpPr/>
-          <p:nvPr/>
-        </p:nvSpPr>
-        <p:spPr>
-          <a:xfrm>
-            <a:off x="434109" y="3332020"/>
-            <a:ext cx="11323782" cy="699654"/>
-          </a:xfrm>
-          <a:prstGeom prst="rect">
-            <a:avLst/>
-          </a:prstGeom>
-        </p:spPr>
-        <p:style>
-          <a:lnRef idx="2">
-            <a:schemeClr val="accent1">
-              <a:shade val="15000"/>
-            </a:schemeClr>
-          </a:lnRef>
-          <a:fillRef idx="1">
-            <a:schemeClr val="accent1"/>
-          </a:fillRef>
-          <a:effectRef idx="0">
-            <a:schemeClr val="accent1"/>
-          </a:effectRef>
-          <a:fontRef idx="minor">
-            <a:schemeClr val="lt1"/>
-          </a:fontRef>
-        </p:style>
-        <p:txBody>
-          <a:bodyPr rtlCol="0" anchor="ctr"/>
-          <a:lstStyle/>
-          <a:p>
-            <a:pPr algn="ctr"/>
-            <a:r>
-              <a:rPr lang="en-US" altLang="ko-KR" dirty="0"/>
-              <a:t>Home</a:t>
-            </a:r>
-            <a:endParaRPr lang="ko-KR" altLang="en-US" dirty="0"/>
-          </a:p>
-        </p:txBody>
-      </p:sp>
-      <p:sp>
-        <p:nvSpPr>
-          <p:cNvPr id="7" name="직사각형 6">
-            <a:extLst>
-              <a:ext uri="{FF2B5EF4-FFF2-40B4-BE49-F238E27FC236}">
-                <a16:creationId xmlns:a16="http://schemas.microsoft.com/office/drawing/2014/main" id="{4B1CC37A-BE49-3CE9-7CD7-AE443824CA4B}"/>
-              </a:ext>
-            </a:extLst>
-          </p:cNvPr>
-          <p:cNvSpPr/>
-          <p:nvPr/>
-        </p:nvSpPr>
-        <p:spPr>
-          <a:xfrm>
-            <a:off x="434109" y="4291213"/>
-            <a:ext cx="11323782" cy="699654"/>
-          </a:xfrm>
-          <a:prstGeom prst="rect">
-            <a:avLst/>
-          </a:prstGeom>
-        </p:spPr>
-        <p:style>
-          <a:lnRef idx="2">
-            <a:schemeClr val="accent1">
-              <a:shade val="15000"/>
-            </a:schemeClr>
-          </a:lnRef>
-          <a:fillRef idx="1">
-            <a:schemeClr val="accent1"/>
-          </a:fillRef>
-          <a:effectRef idx="0">
-            <a:schemeClr val="accent1"/>
-          </a:effectRef>
-          <a:fontRef idx="minor">
-            <a:schemeClr val="lt1"/>
-          </a:fontRef>
-        </p:style>
-        <p:txBody>
-          <a:bodyPr rtlCol="0" anchor="ctr"/>
-          <a:lstStyle/>
-          <a:p>
-            <a:pPr algn="ctr"/>
-            <a:r>
-              <a:rPr lang="ko-KR" altLang="en-US" dirty="0"/>
-              <a:t>한페이지 아래위로 이동하기</a:t>
-            </a:r>
-          </a:p>
-        </p:txBody>
-      </p:sp>
-      <p:sp>
-        <p:nvSpPr>
-          <p:cNvPr id="8" name="직사각형 7">
-            <a:extLst>
-              <a:ext uri="{FF2B5EF4-FFF2-40B4-BE49-F238E27FC236}">
-                <a16:creationId xmlns:a16="http://schemas.microsoft.com/office/drawing/2014/main" id="{EBAB0A4D-06D3-E087-A6F9-81FBD6FCE4D2}"/>
-              </a:ext>
-            </a:extLst>
-          </p:cNvPr>
-          <p:cNvSpPr/>
-          <p:nvPr/>
-        </p:nvSpPr>
-        <p:spPr>
-          <a:xfrm>
-            <a:off x="434109" y="5135302"/>
-            <a:ext cx="11323782" cy="699654"/>
-          </a:xfrm>
-          <a:prstGeom prst="rect">
-            <a:avLst/>
-          </a:prstGeom>
-        </p:spPr>
-        <p:style>
-          <a:lnRef idx="2">
-            <a:schemeClr val="accent1">
-              <a:shade val="15000"/>
-            </a:schemeClr>
-          </a:lnRef>
-          <a:fillRef idx="1">
-            <a:schemeClr val="accent1"/>
-          </a:fillRef>
-          <a:effectRef idx="0">
-            <a:schemeClr val="accent1"/>
-          </a:effectRef>
-          <a:fontRef idx="minor">
-            <a:schemeClr val="lt1"/>
-          </a:fontRef>
-        </p:style>
-        <p:txBody>
-          <a:bodyPr rtlCol="0" anchor="ctr"/>
-          <a:lstStyle/>
-          <a:p>
-            <a:pPr algn="ctr"/>
-            <a:r>
-              <a:rPr lang="en-US" altLang="ko-KR" dirty="0"/>
-              <a:t>Page Up Page Down</a:t>
-            </a:r>
-            <a:endParaRPr lang="ko-KR" altLang="en-US" dirty="0"/>
+              <a:t>방향키 위 아래 왼쪽 오른쪽</a:t>
+            </a:r>
           </a:p>
         </p:txBody>
       </p:sp>
     </p:spTree>
     <p:extLst>
       <p:ext uri="{BB962C8B-B14F-4D97-AF65-F5344CB8AC3E}">
-        <p14:creationId xmlns:p14="http://schemas.microsoft.com/office/powerpoint/2010/main" val="939447541"/>
+        <p14:creationId xmlns:p14="http://schemas.microsoft.com/office/powerpoint/2010/main" val="2783297044"/>
       </p:ext>
     </p:extLst>
   </p:cSld>
@@ -7133,10 +7124,10 @@
       </p:grpSpPr>
       <p:sp>
         <p:nvSpPr>
-          <p:cNvPr id="6" name="직사각형 5">
-            <a:extLst>
-              <a:ext uri="{FF2B5EF4-FFF2-40B4-BE49-F238E27FC236}">
-                <a16:creationId xmlns:a16="http://schemas.microsoft.com/office/drawing/2014/main" id="{73072FA9-A79C-D7C6-4398-8DC55E90AAE8}"/>
+          <p:cNvPr id="2" name="직사각형 1">
+            <a:extLst>
+              <a:ext uri="{FF2B5EF4-FFF2-40B4-BE49-F238E27FC236}">
+                <a16:creationId xmlns:a16="http://schemas.microsoft.com/office/drawing/2014/main" id="{3139707C-C258-116B-1FC7-1EA17D56B0BE}"/>
               </a:ext>
             </a:extLst>
           </p:cNvPr>
@@ -7145,8 +7136,8 @@
         </p:nvSpPr>
         <p:spPr>
           <a:xfrm>
-            <a:off x="170429" y="301671"/>
-            <a:ext cx="2314864" cy="699654"/>
+            <a:off x="434109" y="528782"/>
+            <a:ext cx="11323782" cy="699654"/>
           </a:xfrm>
           <a:prstGeom prst="rect">
             <a:avLst/>
@@ -7174,19 +7165,22 @@
           <a:p>
             <a:pPr algn="ctr"/>
             <a:r>
+              <a:rPr lang="ko-KR" altLang="en-US" dirty="0" err="1"/>
+              <a:t>한줄의</a:t>
+            </a:r>
+            <a:r>
               <a:rPr lang="ko-KR" altLang="en-US" dirty="0"/>
-              <a:t>코드 위치 이동</a:t>
-            </a:r>
-            <a:endParaRPr lang="en-US" altLang="ko-KR" dirty="0"/>
-          </a:p>
-        </p:txBody>
-      </p:sp>
-      <p:sp>
-        <p:nvSpPr>
-          <p:cNvPr id="7" name="직사각형 6">
-            <a:extLst>
-              <a:ext uri="{FF2B5EF4-FFF2-40B4-BE49-F238E27FC236}">
-                <a16:creationId xmlns:a16="http://schemas.microsoft.com/office/drawing/2014/main" id="{F5E5B135-BF68-AEE4-F5F5-1CA77566A2A2}"/>
+              <a:t> 끝으로 바로 가기</a:t>
+            </a:r>
+          </a:p>
+        </p:txBody>
+      </p:sp>
+      <p:sp>
+        <p:nvSpPr>
+          <p:cNvPr id="6" name="직사각형 5">
+            <a:extLst>
+              <a:ext uri="{FF2B5EF4-FFF2-40B4-BE49-F238E27FC236}">
+                <a16:creationId xmlns:a16="http://schemas.microsoft.com/office/drawing/2014/main" id="{D96CC236-CBD2-58F7-6E96-5C1E2168D214}"/>
               </a:ext>
             </a:extLst>
           </p:cNvPr>
@@ -7195,8 +7189,8 @@
         </p:nvSpPr>
         <p:spPr>
           <a:xfrm>
-            <a:off x="2678099" y="301671"/>
-            <a:ext cx="3913909" cy="699654"/>
+            <a:off x="434109" y="1372871"/>
+            <a:ext cx="11323782" cy="699654"/>
           </a:xfrm>
           <a:prstGeom prst="rect">
             <a:avLst/>
@@ -7224,69 +7218,19 @@
           <a:p>
             <a:pPr algn="ctr"/>
             <a:r>
-              <a:rPr lang="ko-KR" altLang="en-US" dirty="0"/>
-              <a:t>범위 잡고 </a:t>
-            </a:r>
-            <a:r>
               <a:rPr lang="en-US" altLang="ko-KR" dirty="0"/>
-              <a:t>alt + </a:t>
-            </a:r>
-            <a:r>
-              <a:rPr lang="ko-KR" altLang="en-US" dirty="0"/>
-              <a:t>방향키</a:t>
-            </a:r>
-            <a:endParaRPr lang="en-US" altLang="ko-KR" dirty="0"/>
-          </a:p>
-          <a:p>
-            <a:pPr algn="ctr"/>
-            <a:r>
-              <a:rPr lang="ko-KR" altLang="en-US" dirty="0"/>
-              <a:t>보통 위나 아래로 이동한다</a:t>
-            </a:r>
-            <a:r>
-              <a:rPr lang="en-US" altLang="ko-KR" dirty="0"/>
-              <a:t>.</a:t>
+              <a:t>End</a:t>
             </a:r>
             <a:endParaRPr lang="ko-KR" altLang="en-US" dirty="0"/>
           </a:p>
         </p:txBody>
       </p:sp>
-      <p:pic>
-        <p:nvPicPr>
-          <p:cNvPr id="9" name="그림 8">
-            <a:extLst>
-              <a:ext uri="{FF2B5EF4-FFF2-40B4-BE49-F238E27FC236}">
-                <a16:creationId xmlns:a16="http://schemas.microsoft.com/office/drawing/2014/main" id="{C35D71B0-06AB-1FC3-FCB8-4E1816F9C8E1}"/>
-              </a:ext>
-            </a:extLst>
-          </p:cNvPr>
-          <p:cNvPicPr>
-            <a:picLocks noChangeAspect="1"/>
-          </p:cNvPicPr>
-          <p:nvPr/>
-        </p:nvPicPr>
-        <p:blipFill>
-          <a:blip r:embed="rId2"/>
-          <a:stretch>
-            <a:fillRect/>
-          </a:stretch>
-        </p:blipFill>
-        <p:spPr>
-          <a:xfrm>
-            <a:off x="560645" y="2738918"/>
-            <a:ext cx="4401164" cy="3467584"/>
-          </a:xfrm>
-          <a:prstGeom prst="rect">
-            <a:avLst/>
-          </a:prstGeom>
-        </p:spPr>
-      </p:pic>
-      <p:sp>
-        <p:nvSpPr>
-          <p:cNvPr id="10" name="직사각형 9">
-            <a:extLst>
-              <a:ext uri="{FF2B5EF4-FFF2-40B4-BE49-F238E27FC236}">
-                <a16:creationId xmlns:a16="http://schemas.microsoft.com/office/drawing/2014/main" id="{2280AE44-AF2D-7BE7-0AAF-38B32EEA4650}"/>
+      <p:sp>
+        <p:nvSpPr>
+          <p:cNvPr id="3" name="직사각형 2">
+            <a:extLst>
+              <a:ext uri="{FF2B5EF4-FFF2-40B4-BE49-F238E27FC236}">
+                <a16:creationId xmlns:a16="http://schemas.microsoft.com/office/drawing/2014/main" id="{0439CBCA-44E7-1624-A20E-592651603701}"/>
               </a:ext>
             </a:extLst>
           </p:cNvPr>
@@ -7295,8 +7239,8 @@
         </p:nvSpPr>
         <p:spPr>
           <a:xfrm>
-            <a:off x="170429" y="1170467"/>
-            <a:ext cx="2314864" cy="699654"/>
+            <a:off x="434109" y="2487931"/>
+            <a:ext cx="11323782" cy="699654"/>
           </a:xfrm>
           <a:prstGeom prst="rect">
             <a:avLst/>
@@ -7324,19 +7268,26 @@
           <a:p>
             <a:pPr algn="ctr"/>
             <a:r>
+              <a:rPr lang="ko-KR" altLang="en-US" dirty="0" err="1"/>
+              <a:t>한줄의</a:t>
+            </a:r>
+            <a:r>
+              <a:rPr lang="en-US" altLang="ko-KR" dirty="0"/>
+              <a:t> </a:t>
+            </a:r>
+            <a:r>
               <a:rPr lang="ko-KR" altLang="en-US" dirty="0"/>
-              <a:t>행 범위 선택</a:t>
-            </a:r>
-            <a:endParaRPr lang="en-US" altLang="ko-KR" dirty="0"/>
-          </a:p>
-        </p:txBody>
-      </p:sp>
-      <p:sp>
-        <p:nvSpPr>
-          <p:cNvPr id="11" name="직사각형 10">
-            <a:extLst>
-              <a:ext uri="{FF2B5EF4-FFF2-40B4-BE49-F238E27FC236}">
-                <a16:creationId xmlns:a16="http://schemas.microsoft.com/office/drawing/2014/main" id="{78375A96-F974-5C38-969B-7F198F424F1B}"/>
+              <a:t>가장 앞으로 가기</a:t>
+            </a:r>
+          </a:p>
+        </p:txBody>
+      </p:sp>
+      <p:sp>
+        <p:nvSpPr>
+          <p:cNvPr id="4" name="직사각형 3">
+            <a:extLst>
+              <a:ext uri="{FF2B5EF4-FFF2-40B4-BE49-F238E27FC236}">
+                <a16:creationId xmlns:a16="http://schemas.microsoft.com/office/drawing/2014/main" id="{DADC1E04-2714-0396-A2AF-1B6F2A75715F}"/>
               </a:ext>
             </a:extLst>
           </p:cNvPr>
@@ -7345,8 +7296,8 @@
         </p:nvSpPr>
         <p:spPr>
           <a:xfrm>
-            <a:off x="2678099" y="1170467"/>
-            <a:ext cx="3913909" cy="699654"/>
+            <a:off x="434109" y="3332020"/>
+            <a:ext cx="11323782" cy="699654"/>
           </a:xfrm>
           <a:prstGeom prst="rect">
             <a:avLst/>
@@ -7375,49 +7326,18 @@
             <a:pPr algn="ctr"/>
             <a:r>
               <a:rPr lang="en-US" altLang="ko-KR" dirty="0"/>
-              <a:t>Alt + </a:t>
-            </a:r>
-            <a:r>
-              <a:rPr lang="ko-KR" altLang="en-US" dirty="0"/>
-              <a:t>시프트 </a:t>
-            </a:r>
-            <a:r>
-              <a:rPr lang="en-US" altLang="ko-KR" dirty="0"/>
-              <a:t>+ </a:t>
-            </a:r>
-            <a:r>
-              <a:rPr lang="ko-KR" altLang="en-US" dirty="0" err="1"/>
-              <a:t>마우스드래그</a:t>
-            </a:r>
-            <a:endParaRPr lang="en-US" altLang="ko-KR" dirty="0"/>
-          </a:p>
-          <a:p>
-            <a:pPr algn="ctr"/>
-            <a:r>
-              <a:rPr lang="en-US" altLang="ko-KR" dirty="0"/>
-              <a:t>Alt + </a:t>
-            </a:r>
-            <a:r>
-              <a:rPr lang="ko-KR" altLang="en-US" dirty="0"/>
-              <a:t>시프트 </a:t>
-            </a:r>
-            <a:r>
-              <a:rPr lang="en-US" altLang="ko-KR" dirty="0"/>
-              <a:t>+ </a:t>
-            </a:r>
-            <a:r>
-              <a:rPr lang="ko-KR" altLang="en-US" dirty="0"/>
-              <a:t>방향키</a:t>
-            </a:r>
-          </a:p>
-        </p:txBody>
-      </p:sp>
-      <p:sp>
-        <p:nvSpPr>
-          <p:cNvPr id="12" name="직사각형 11">
-            <a:extLst>
-              <a:ext uri="{FF2B5EF4-FFF2-40B4-BE49-F238E27FC236}">
-                <a16:creationId xmlns:a16="http://schemas.microsoft.com/office/drawing/2014/main" id="{84783EEF-D902-B7A2-987D-6790D901CF77}"/>
+              <a:t>Home</a:t>
+            </a:r>
+            <a:endParaRPr lang="ko-KR" altLang="en-US" dirty="0"/>
+          </a:p>
+        </p:txBody>
+      </p:sp>
+      <p:sp>
+        <p:nvSpPr>
+          <p:cNvPr id="7" name="직사각형 6">
+            <a:extLst>
+              <a:ext uri="{FF2B5EF4-FFF2-40B4-BE49-F238E27FC236}">
+                <a16:creationId xmlns:a16="http://schemas.microsoft.com/office/drawing/2014/main" id="{4B1CC37A-BE49-3CE9-7CD7-AE443824CA4B}"/>
               </a:ext>
             </a:extLst>
           </p:cNvPr>
@@ -7426,8 +7346,8 @@
         </p:nvSpPr>
         <p:spPr>
           <a:xfrm>
-            <a:off x="6889883" y="279781"/>
-            <a:ext cx="2314864" cy="699654"/>
+            <a:off x="434109" y="4291213"/>
+            <a:ext cx="11323782" cy="699654"/>
           </a:xfrm>
           <a:prstGeom prst="rect">
             <a:avLst/>
@@ -7456,18 +7376,17 @@
             <a:pPr algn="ctr"/>
             <a:r>
               <a:rPr lang="ko-KR" altLang="en-US" dirty="0"/>
-              <a:t>구문단위 이동</a:t>
-            </a:r>
-            <a:endParaRPr lang="en-US" altLang="ko-KR" dirty="0"/>
-          </a:p>
-        </p:txBody>
-      </p:sp>
-      <p:sp>
-        <p:nvSpPr>
-          <p:cNvPr id="13" name="직사각형 12">
-            <a:extLst>
-              <a:ext uri="{FF2B5EF4-FFF2-40B4-BE49-F238E27FC236}">
-                <a16:creationId xmlns:a16="http://schemas.microsoft.com/office/drawing/2014/main" id="{50D49181-F269-ADB5-FE90-E604E5D8A19F}"/>
+              <a:t>한페이지 아래위로 이동하기</a:t>
+            </a:r>
+          </a:p>
+        </p:txBody>
+      </p:sp>
+      <p:sp>
+        <p:nvSpPr>
+          <p:cNvPr id="8" name="직사각형 7">
+            <a:extLst>
+              <a:ext uri="{FF2B5EF4-FFF2-40B4-BE49-F238E27FC236}">
+                <a16:creationId xmlns:a16="http://schemas.microsoft.com/office/drawing/2014/main" id="{EBAB0A4D-06D3-E087-A6F9-81FBD6FCE4D2}"/>
               </a:ext>
             </a:extLst>
           </p:cNvPr>
@@ -7476,8 +7395,8 @@
         </p:nvSpPr>
         <p:spPr>
           <a:xfrm>
-            <a:off x="9397553" y="279781"/>
-            <a:ext cx="3913909" cy="699654"/>
+            <a:off x="434109" y="5135302"/>
+            <a:ext cx="11323782" cy="699654"/>
           </a:xfrm>
           <a:prstGeom prst="rect">
             <a:avLst/>
@@ -7505,16 +7424,8 @@
           <a:p>
             <a:pPr algn="ctr"/>
             <a:r>
-              <a:rPr lang="ko-KR" altLang="en-US" dirty="0"/>
-              <a:t>컨트롤 </a:t>
-            </a:r>
-            <a:r>
               <a:rPr lang="en-US" altLang="ko-KR" dirty="0"/>
-              <a:t>+ </a:t>
-            </a:r>
-            <a:r>
-              <a:rPr lang="ko-KR" altLang="en-US"/>
-              <a:t>방향키</a:t>
+              <a:t>Page Up Page Down</a:t>
             </a:r>
             <a:endParaRPr lang="ko-KR" altLang="en-US" dirty="0"/>
           </a:p>
@@ -7523,7 +7434,7 @@
     </p:spTree>
     <p:extLst>
       <p:ext uri="{BB962C8B-B14F-4D97-AF65-F5344CB8AC3E}">
-        <p14:creationId xmlns:p14="http://schemas.microsoft.com/office/powerpoint/2010/main" val="2541269369"/>
+        <p14:creationId xmlns:p14="http://schemas.microsoft.com/office/powerpoint/2010/main" val="939447541"/>
       </p:ext>
     </p:extLst>
   </p:cSld>
@@ -7552,10 +7463,10 @@
       </p:grpSpPr>
       <p:sp>
         <p:nvSpPr>
-          <p:cNvPr id="3" name="직사각형 2">
-            <a:extLst>
-              <a:ext uri="{FF2B5EF4-FFF2-40B4-BE49-F238E27FC236}">
-                <a16:creationId xmlns:a16="http://schemas.microsoft.com/office/drawing/2014/main" id="{A5840210-0674-BA1E-A813-66127759208E}"/>
+          <p:cNvPr id="6" name="직사각형 5">
+            <a:extLst>
+              <a:ext uri="{FF2B5EF4-FFF2-40B4-BE49-F238E27FC236}">
+                <a16:creationId xmlns:a16="http://schemas.microsoft.com/office/drawing/2014/main" id="{73072FA9-A79C-D7C6-4398-8DC55E90AAE8}"/>
               </a:ext>
             </a:extLst>
           </p:cNvPr>
@@ -7564,8 +7475,8 @@
         </p:nvSpPr>
         <p:spPr>
           <a:xfrm>
-            <a:off x="434109" y="556490"/>
-            <a:ext cx="11323782" cy="5908963"/>
+            <a:off x="170429" y="301671"/>
+            <a:ext cx="2314864" cy="699654"/>
           </a:xfrm>
           <a:prstGeom prst="rect">
             <a:avLst/>
@@ -7593,8 +7504,347 @@
           <a:p>
             <a:pPr algn="ctr"/>
             <a:r>
+              <a:rPr lang="ko-KR" altLang="en-US" dirty="0"/>
+              <a:t>코드 위치 이동</a:t>
+            </a:r>
+            <a:endParaRPr lang="en-US" altLang="ko-KR" dirty="0"/>
+          </a:p>
+        </p:txBody>
+      </p:sp>
+      <p:sp>
+        <p:nvSpPr>
+          <p:cNvPr id="7" name="직사각형 6">
+            <a:extLst>
+              <a:ext uri="{FF2B5EF4-FFF2-40B4-BE49-F238E27FC236}">
+                <a16:creationId xmlns:a16="http://schemas.microsoft.com/office/drawing/2014/main" id="{F5E5B135-BF68-AEE4-F5F5-1CA77566A2A2}"/>
+              </a:ext>
+            </a:extLst>
+          </p:cNvPr>
+          <p:cNvSpPr/>
+          <p:nvPr/>
+        </p:nvSpPr>
+        <p:spPr>
+          <a:xfrm>
+            <a:off x="2678099" y="301671"/>
+            <a:ext cx="3913909" cy="699654"/>
+          </a:xfrm>
+          <a:prstGeom prst="rect">
+            <a:avLst/>
+          </a:prstGeom>
+        </p:spPr>
+        <p:style>
+          <a:lnRef idx="2">
+            <a:schemeClr val="accent1">
+              <a:shade val="15000"/>
+            </a:schemeClr>
+          </a:lnRef>
+          <a:fillRef idx="1">
+            <a:schemeClr val="accent1"/>
+          </a:fillRef>
+          <a:effectRef idx="0">
+            <a:schemeClr val="accent1"/>
+          </a:effectRef>
+          <a:fontRef idx="minor">
+            <a:schemeClr val="lt1"/>
+          </a:fontRef>
+        </p:style>
+        <p:txBody>
+          <a:bodyPr rtlCol="0" anchor="ctr"/>
+          <a:lstStyle/>
+          <a:p>
+            <a:pPr algn="ctr"/>
+            <a:r>
+              <a:rPr lang="ko-KR" altLang="en-US" dirty="0"/>
+              <a:t>범위 잡고 </a:t>
+            </a:r>
+            <a:r>
+              <a:rPr lang="en-US" altLang="ko-KR" dirty="0"/>
+              <a:t>alt + </a:t>
+            </a:r>
+            <a:r>
+              <a:rPr lang="ko-KR" altLang="en-US" dirty="0"/>
+              <a:t>방향키</a:t>
+            </a:r>
+            <a:endParaRPr lang="en-US" altLang="ko-KR" dirty="0"/>
+          </a:p>
+          <a:p>
+            <a:pPr algn="ctr"/>
+            <a:r>
+              <a:rPr lang="ko-KR" altLang="en-US" dirty="0"/>
+              <a:t>보통 위나 아래로 이동한다</a:t>
+            </a:r>
+            <a:r>
+              <a:rPr lang="en-US" altLang="ko-KR" dirty="0"/>
+              <a:t>.</a:t>
+            </a:r>
+            <a:endParaRPr lang="ko-KR" altLang="en-US" dirty="0"/>
+          </a:p>
+        </p:txBody>
+      </p:sp>
+      <p:pic>
+        <p:nvPicPr>
+          <p:cNvPr id="9" name="그림 8">
+            <a:extLst>
+              <a:ext uri="{FF2B5EF4-FFF2-40B4-BE49-F238E27FC236}">
+                <a16:creationId xmlns:a16="http://schemas.microsoft.com/office/drawing/2014/main" id="{C35D71B0-06AB-1FC3-FCB8-4E1816F9C8E1}"/>
+              </a:ext>
+            </a:extLst>
+          </p:cNvPr>
+          <p:cNvPicPr>
+            <a:picLocks noChangeAspect="1"/>
+          </p:cNvPicPr>
+          <p:nvPr/>
+        </p:nvPicPr>
+        <p:blipFill>
+          <a:blip r:embed="rId2"/>
+          <a:stretch>
+            <a:fillRect/>
+          </a:stretch>
+        </p:blipFill>
+        <p:spPr>
+          <a:xfrm>
+            <a:off x="560645" y="2738918"/>
+            <a:ext cx="4401164" cy="3467584"/>
+          </a:xfrm>
+          <a:prstGeom prst="rect">
+            <a:avLst/>
+          </a:prstGeom>
+        </p:spPr>
+      </p:pic>
+      <p:sp>
+        <p:nvSpPr>
+          <p:cNvPr id="10" name="직사각형 9">
+            <a:extLst>
+              <a:ext uri="{FF2B5EF4-FFF2-40B4-BE49-F238E27FC236}">
+                <a16:creationId xmlns:a16="http://schemas.microsoft.com/office/drawing/2014/main" id="{2280AE44-AF2D-7BE7-0AAF-38B32EEA4650}"/>
+              </a:ext>
+            </a:extLst>
+          </p:cNvPr>
+          <p:cNvSpPr/>
+          <p:nvPr/>
+        </p:nvSpPr>
+        <p:spPr>
+          <a:xfrm>
+            <a:off x="170429" y="1170467"/>
+            <a:ext cx="2314864" cy="699654"/>
+          </a:xfrm>
+          <a:prstGeom prst="rect">
+            <a:avLst/>
+          </a:prstGeom>
+        </p:spPr>
+        <p:style>
+          <a:lnRef idx="2">
+            <a:schemeClr val="accent1">
+              <a:shade val="15000"/>
+            </a:schemeClr>
+          </a:lnRef>
+          <a:fillRef idx="1">
+            <a:schemeClr val="accent1"/>
+          </a:fillRef>
+          <a:effectRef idx="0">
+            <a:schemeClr val="accent1"/>
+          </a:effectRef>
+          <a:fontRef idx="minor">
+            <a:schemeClr val="lt1"/>
+          </a:fontRef>
+        </p:style>
+        <p:txBody>
+          <a:bodyPr rtlCol="0" anchor="ctr"/>
+          <a:lstStyle/>
+          <a:p>
+            <a:pPr algn="ctr"/>
+            <a:r>
+              <a:rPr lang="ko-KR" altLang="en-US" dirty="0"/>
+              <a:t>행 범위 선택</a:t>
+            </a:r>
+            <a:endParaRPr lang="en-US" altLang="ko-KR" dirty="0"/>
+          </a:p>
+        </p:txBody>
+      </p:sp>
+      <p:sp>
+        <p:nvSpPr>
+          <p:cNvPr id="11" name="직사각형 10">
+            <a:extLst>
+              <a:ext uri="{FF2B5EF4-FFF2-40B4-BE49-F238E27FC236}">
+                <a16:creationId xmlns:a16="http://schemas.microsoft.com/office/drawing/2014/main" id="{78375A96-F974-5C38-969B-7F198F424F1B}"/>
+              </a:ext>
+            </a:extLst>
+          </p:cNvPr>
+          <p:cNvSpPr/>
+          <p:nvPr/>
+        </p:nvSpPr>
+        <p:spPr>
+          <a:xfrm>
+            <a:off x="2678099" y="1170467"/>
+            <a:ext cx="3913909" cy="699654"/>
+          </a:xfrm>
+          <a:prstGeom prst="rect">
+            <a:avLst/>
+          </a:prstGeom>
+        </p:spPr>
+        <p:style>
+          <a:lnRef idx="2">
+            <a:schemeClr val="accent1">
+              <a:shade val="15000"/>
+            </a:schemeClr>
+          </a:lnRef>
+          <a:fillRef idx="1">
+            <a:schemeClr val="accent1"/>
+          </a:fillRef>
+          <a:effectRef idx="0">
+            <a:schemeClr val="accent1"/>
+          </a:effectRef>
+          <a:fontRef idx="minor">
+            <a:schemeClr val="lt1"/>
+          </a:fontRef>
+        </p:style>
+        <p:txBody>
+          <a:bodyPr rtlCol="0" anchor="ctr"/>
+          <a:lstStyle/>
+          <a:p>
+            <a:pPr algn="ctr"/>
+            <a:r>
+              <a:rPr lang="en-US" altLang="ko-KR" dirty="0"/>
+              <a:t>Alt + </a:t>
+            </a:r>
+            <a:r>
+              <a:rPr lang="ko-KR" altLang="en-US" dirty="0"/>
+              <a:t>시프트 </a:t>
+            </a:r>
+            <a:r>
+              <a:rPr lang="en-US" altLang="ko-KR" dirty="0"/>
+              <a:t>+ </a:t>
+            </a:r>
+            <a:r>
+              <a:rPr lang="ko-KR" altLang="en-US" dirty="0" err="1"/>
+              <a:t>마우스드래그</a:t>
+            </a:r>
+            <a:endParaRPr lang="en-US" altLang="ko-KR" dirty="0"/>
+          </a:p>
+          <a:p>
+            <a:pPr algn="ctr"/>
+            <a:r>
+              <a:rPr lang="en-US" altLang="ko-KR" dirty="0"/>
+              <a:t>Alt + </a:t>
+            </a:r>
+            <a:r>
+              <a:rPr lang="ko-KR" altLang="en-US" dirty="0"/>
+              <a:t>시프트 </a:t>
+            </a:r>
+            <a:r>
+              <a:rPr lang="en-US" altLang="ko-KR" dirty="0"/>
+              <a:t>+ </a:t>
+            </a:r>
+            <a:r>
+              <a:rPr lang="ko-KR" altLang="en-US" dirty="0"/>
+              <a:t>방향키</a:t>
+            </a:r>
+          </a:p>
+        </p:txBody>
+      </p:sp>
+      <p:sp>
+        <p:nvSpPr>
+          <p:cNvPr id="12" name="직사각형 11">
+            <a:extLst>
+              <a:ext uri="{FF2B5EF4-FFF2-40B4-BE49-F238E27FC236}">
+                <a16:creationId xmlns:a16="http://schemas.microsoft.com/office/drawing/2014/main" id="{84783EEF-D902-B7A2-987D-6790D901CF77}"/>
+              </a:ext>
+            </a:extLst>
+          </p:cNvPr>
+          <p:cNvSpPr/>
+          <p:nvPr/>
+        </p:nvSpPr>
+        <p:spPr>
+          <a:xfrm>
+            <a:off x="6889883" y="279781"/>
+            <a:ext cx="2314864" cy="699654"/>
+          </a:xfrm>
+          <a:prstGeom prst="rect">
+            <a:avLst/>
+          </a:prstGeom>
+        </p:spPr>
+        <p:style>
+          <a:lnRef idx="2">
+            <a:schemeClr val="accent1">
+              <a:shade val="15000"/>
+            </a:schemeClr>
+          </a:lnRef>
+          <a:fillRef idx="1">
+            <a:schemeClr val="accent1"/>
+          </a:fillRef>
+          <a:effectRef idx="0">
+            <a:schemeClr val="accent1"/>
+          </a:effectRef>
+          <a:fontRef idx="minor">
+            <a:schemeClr val="lt1"/>
+          </a:fontRef>
+        </p:style>
+        <p:txBody>
+          <a:bodyPr rtlCol="0" anchor="ctr"/>
+          <a:lstStyle/>
+          <a:p>
+            <a:pPr algn="ctr"/>
+            <a:r>
+              <a:rPr lang="ko-KR" altLang="en-US" dirty="0"/>
+              <a:t>구문단위 이동</a:t>
+            </a:r>
+            <a:endParaRPr lang="en-US" altLang="ko-KR" dirty="0"/>
+          </a:p>
+        </p:txBody>
+      </p:sp>
+      <p:sp>
+        <p:nvSpPr>
+          <p:cNvPr id="13" name="직사각형 12">
+            <a:extLst>
+              <a:ext uri="{FF2B5EF4-FFF2-40B4-BE49-F238E27FC236}">
+                <a16:creationId xmlns:a16="http://schemas.microsoft.com/office/drawing/2014/main" id="{50D49181-F269-ADB5-FE90-E604E5D8A19F}"/>
+              </a:ext>
+            </a:extLst>
+          </p:cNvPr>
+          <p:cNvSpPr/>
+          <p:nvPr/>
+        </p:nvSpPr>
+        <p:spPr>
+          <a:xfrm>
+            <a:off x="9397553" y="279781"/>
+            <a:ext cx="3913909" cy="699654"/>
+          </a:xfrm>
+          <a:prstGeom prst="rect">
+            <a:avLst/>
+          </a:prstGeom>
+        </p:spPr>
+        <p:style>
+          <a:lnRef idx="2">
+            <a:schemeClr val="accent1">
+              <a:shade val="15000"/>
+            </a:schemeClr>
+          </a:lnRef>
+          <a:fillRef idx="1">
+            <a:schemeClr val="accent1"/>
+          </a:fillRef>
+          <a:effectRef idx="0">
+            <a:schemeClr val="accent1"/>
+          </a:effectRef>
+          <a:fontRef idx="minor">
+            <a:schemeClr val="lt1"/>
+          </a:fontRef>
+        </p:style>
+        <p:txBody>
+          <a:bodyPr rtlCol="0" anchor="ctr"/>
+          <a:lstStyle/>
+          <a:p>
+            <a:pPr algn="ctr"/>
+            <a:r>
+              <a:rPr lang="ko-KR" altLang="en-US" dirty="0"/>
+              <a:t>컨트롤 </a:t>
+            </a:r>
+            <a:r>
+              <a:rPr lang="en-US" altLang="ko-KR" dirty="0"/>
+              <a:t>+ </a:t>
+            </a:r>
+            <a:r>
               <a:rPr lang="ko-KR" altLang="en-US"/>
-              <a:t>파일관련</a:t>
+              <a:t>방향키</a:t>
             </a:r>
             <a:endParaRPr lang="ko-KR" altLang="en-US" dirty="0"/>
           </a:p>
@@ -7603,7 +7853,7 @@
     </p:spTree>
     <p:extLst>
       <p:ext uri="{BB962C8B-B14F-4D97-AF65-F5344CB8AC3E}">
-        <p14:creationId xmlns:p14="http://schemas.microsoft.com/office/powerpoint/2010/main" val="543264706"/>
+        <p14:creationId xmlns:p14="http://schemas.microsoft.com/office/powerpoint/2010/main" val="2541269369"/>
       </p:ext>
     </p:extLst>
   </p:cSld>

--- a/DOC/공통문서/비주얼스튜디오 단축키.pptx
+++ b/DOC/공통문서/비주얼스튜디오 단축키.pptx
@@ -157,6 +157,34 @@
           <inkml:channelProperty channel="F" name="resolution" value="0" units="1/dev"/>
         </inkml:channelProperties>
       </inkml:inkSource>
+      <inkml:timestamp xml:id="ts0" timeString="2024-09-26T07:46:43.570"/>
+    </inkml:context>
+    <inkml:brush xml:id="br0">
+      <inkml:brushProperty name="width" value="0.035" units="cm"/>
+      <inkml:brushProperty name="height" value="0.035" units="cm"/>
+      <inkml:brushProperty name="color" value="#E71224"/>
+    </inkml:brush>
+  </inkml:definitions>
+  <inkml:trace contextRef="#ctx0" brushRef="#br0">1130 114 24575,'-1'-1'0,"1"-1"0,-1 0 0,0 1 0,0-1 0,0 1 0,0-1 0,0 1 0,0 0 0,-1-1 0,1 1 0,0 0 0,-1 0 0,1 0 0,-1 0 0,1 0 0,-1 0 0,-2-1 0,-30-14 0,8 7 0,0 2 0,-1 0 0,0 2 0,0 1 0,0 1 0,-37 1 0,32 2 0,-18 0 0,-55 8 0,87-6 0,1 2 0,-1 0 0,1 1 0,0 1 0,0 1 0,-26 14 0,-101 73 0,51-31 0,50-34 0,1 1 0,-67 64 0,100-85 0,2 1 0,-1 0 0,1 0 0,1 0 0,0 1 0,0 0 0,1 1 0,0-1 0,1 1 0,1 0 0,0 0 0,-3 18 0,1 14 0,2 1 0,3 49 0,1-58 0,-1-10 0,2 0 0,0 0 0,2 0 0,0 0 0,2-1 0,1 1 0,1-2 0,2 1 0,0-1 0,1 0 0,1-1 0,1-1 0,2 0 0,0-1 0,21 23 0,10 2 0,1-3 0,82 58 0,-109-88 0,1-1 0,1-1 0,0 0 0,0-2 0,1-1 0,0-1 0,1-1 0,-1-1 0,38 4 0,23-4 0,119-6 0,-74-2 0,-81 3 0,-11 2 0,0-3 0,0-1 0,70-13 0,-79 8 0,-1-1 0,0-1 0,37-18 0,-49 19 0,-1-1 0,0 0 0,-1 0 0,0-2 0,-1 0 0,0 0 0,16-19 0,-22 22 0,28-32 0,-2-1 0,-2-1 0,45-85 0,-68 109 0,-1-1 0,0 0 0,-1-1 0,-1 1 0,-1-1 0,-1 0 0,0 0 0,-2 0 0,-2-24 0,2-23 0,2 35 0,-2 0 0,-2 0 0,0-1 0,-2 1 0,-2 1 0,-13-45 0,-3 21 0,-3 0 0,-59-96 0,79 145 0,0-1 0,0 1 0,-1 0 0,1 0 0,-1 0 0,-1 1 0,1 0 0,-1 0 0,0 1 0,0 0 0,0 0 0,-8-2 0,-3-1 0,0 1 0,0 1 0,-38-5 0,-1 0 0,0-3 0,-86-30 0,-11-15 0,134 51-1365,3 0-5461</inkml:trace>
+</inkml:ink>
+</file>
+
+<file path=ppt/ink/ink2.xml><?xml version="1.0" encoding="utf-8"?>
+<inkml:ink xmlns:inkml="http://www.w3.org/2003/InkML">
+  <inkml:definitions>
+    <inkml:context xml:id="ctx0">
+      <inkml:inkSource xml:id="inkSrc0">
+        <inkml:traceFormat>
+          <inkml:channel name="X" type="integer" min="-2.14748E9" max="2.14748E9" units="cm"/>
+          <inkml:channel name="Y" type="integer" min="-2.14748E9" max="2.14748E9" units="cm"/>
+          <inkml:channel name="F" type="integer" max="32767" units="dev"/>
+        </inkml:traceFormat>
+        <inkml:channelProperties>
+          <inkml:channelProperty channel="X" name="resolution" value="1000" units="1/cm"/>
+          <inkml:channelProperty channel="Y" name="resolution" value="1000" units="1/cm"/>
+          <inkml:channelProperty channel="F" name="resolution" value="0" units="1/dev"/>
+        </inkml:channelProperties>
+      </inkml:inkSource>
       <inkml:timestamp xml:id="ts0" timeString="2024-09-11T01:39:12.707"/>
     </inkml:context>
     <inkml:brush xml:id="br0">
@@ -169,7 +197,7 @@
 </inkml:ink>
 </file>
 
-<file path=ppt/ink/ink2.xml><?xml version="1.0" encoding="utf-8"?>
+<file path=ppt/ink/ink3.xml><?xml version="1.0" encoding="utf-8"?>
 <inkml:ink xmlns:inkml="http://www.w3.org/2003/InkML">
   <inkml:definitions>
     <inkml:context xml:id="ctx0">
@@ -197,7 +225,7 @@
 </inkml:ink>
 </file>
 
-<file path=ppt/ink/ink3.xml><?xml version="1.0" encoding="utf-8"?>
+<file path=ppt/ink/ink4.xml><?xml version="1.0" encoding="utf-8"?>
 <inkml:ink xmlns:inkml="http://www.w3.org/2003/InkML">
   <inkml:definitions>
     <inkml:context xml:id="ctx0">
@@ -5674,15 +5702,7 @@
             <a:pPr algn="ctr"/>
             <a:r>
               <a:rPr lang="ko-KR" altLang="en-US" dirty="0"/>
-              <a:t>페이지 </a:t>
-            </a:r>
-            <a:r>
-              <a:rPr lang="ko-KR" altLang="en-US"/>
-              <a:t>안에서 찾기 및 </a:t>
-            </a:r>
-            <a:r>
-              <a:rPr lang="ko-KR" altLang="en-US" dirty="0"/>
-              <a:t>바꾸기</a:t>
+              <a:t>페이지 안에서 찾기 및 바꾸기</a:t>
             </a:r>
           </a:p>
         </p:txBody>
@@ -5741,12 +5761,66 @@
           </a:p>
         </p:txBody>
       </p:sp>
+      <p:sp>
+        <p:nvSpPr>
+          <p:cNvPr id="8" name="직사각형 7">
+            <a:extLst>
+              <a:ext uri="{FF2B5EF4-FFF2-40B4-BE49-F238E27FC236}">
+                <a16:creationId xmlns:a16="http://schemas.microsoft.com/office/drawing/2014/main" id="{D18393D4-16C8-2236-9241-9F26A1163D8B}"/>
+              </a:ext>
+            </a:extLst>
+          </p:cNvPr>
+          <p:cNvSpPr/>
+          <p:nvPr/>
+        </p:nvSpPr>
+        <p:spPr>
+          <a:xfrm>
+            <a:off x="434109" y="2282653"/>
+            <a:ext cx="11323782" cy="699654"/>
+          </a:xfrm>
+          <a:prstGeom prst="rect">
+            <a:avLst/>
+          </a:prstGeom>
+        </p:spPr>
+        <p:style>
+          <a:lnRef idx="2">
+            <a:schemeClr val="accent1">
+              <a:shade val="15000"/>
+            </a:schemeClr>
+          </a:lnRef>
+          <a:fillRef idx="1">
+            <a:schemeClr val="accent1"/>
+          </a:fillRef>
+          <a:effectRef idx="0">
+            <a:schemeClr val="accent1"/>
+          </a:effectRef>
+          <a:fontRef idx="minor">
+            <a:schemeClr val="lt1"/>
+          </a:fontRef>
+        </p:style>
+        <p:txBody>
+          <a:bodyPr rtlCol="0" anchor="ctr"/>
+          <a:lstStyle/>
+          <a:p>
+            <a:pPr algn="ctr"/>
+            <a:r>
+              <a:rPr lang="ko-KR" altLang="en-US" dirty="0"/>
+              <a:t>그냥 놔두면 </a:t>
+            </a:r>
+            <a:r>
+              <a:rPr lang="ko-KR" altLang="en-US" dirty="0" err="1"/>
+              <a:t>찾ㄱ</a:t>
+            </a:r>
+            <a:endParaRPr lang="ko-KR" altLang="en-US" dirty="0"/>
+          </a:p>
+        </p:txBody>
+      </p:sp>
       <p:pic>
         <p:nvPicPr>
-          <p:cNvPr id="6" name="그림 5">
-            <a:extLst>
-              <a:ext uri="{FF2B5EF4-FFF2-40B4-BE49-F238E27FC236}">
-                <a16:creationId xmlns:a16="http://schemas.microsoft.com/office/drawing/2014/main" id="{A58EE2DC-B136-A741-A974-5260630415B6}"/>
+          <p:cNvPr id="4" name="그림 3">
+            <a:extLst>
+              <a:ext uri="{FF2B5EF4-FFF2-40B4-BE49-F238E27FC236}">
+                <a16:creationId xmlns:a16="http://schemas.microsoft.com/office/drawing/2014/main" id="{3CD2BC2B-126B-2E85-2F42-D2C632EAF81F}"/>
               </a:ext>
             </a:extLst>
           </p:cNvPr>
@@ -5763,92 +5837,95 @@
         </p:blipFill>
         <p:spPr>
           <a:xfrm>
-            <a:off x="157018" y="2793486"/>
-            <a:ext cx="12192000" cy="4522227"/>
+            <a:off x="-1967899" y="3345873"/>
+            <a:ext cx="7925906" cy="3705742"/>
           </a:xfrm>
           <a:prstGeom prst="rect">
             <a:avLst/>
           </a:prstGeom>
         </p:spPr>
       </p:pic>
-      <p:sp>
-        <p:nvSpPr>
-          <p:cNvPr id="8" name="직사각형 7">
-            <a:extLst>
-              <a:ext uri="{FF2B5EF4-FFF2-40B4-BE49-F238E27FC236}">
-                <a16:creationId xmlns:a16="http://schemas.microsoft.com/office/drawing/2014/main" id="{D18393D4-16C8-2236-9241-9F26A1163D8B}"/>
-              </a:ext>
-            </a:extLst>
-          </p:cNvPr>
-          <p:cNvSpPr/>
+      <mc:AlternateContent xmlns:mc="http://schemas.openxmlformats.org/markup-compatibility/2006">
+        <mc:Choice xmlns:p14="http://schemas.microsoft.com/office/powerpoint/2010/main" Requires="p14">
+          <p:contentPart p14:bwMode="auto" r:id="rId3">
+            <p14:nvContentPartPr>
+              <p14:cNvPr id="7" name="잉크 6">
+                <a:extLst>
+                  <a:ext uri="{FF2B5EF4-FFF2-40B4-BE49-F238E27FC236}">
+                    <a16:creationId xmlns:a16="http://schemas.microsoft.com/office/drawing/2014/main" id="{6DC8DBB0-D122-246F-C2CC-63FFBE276E83}"/>
+                  </a:ext>
+                </a:extLst>
+              </p14:cNvPr>
+              <p14:cNvContentPartPr/>
+              <p14:nvPr/>
+            </p14:nvContentPartPr>
+            <p14:xfrm>
+              <a:off x="-324180" y="4441901"/>
+              <a:ext cx="648360" cy="532800"/>
+            </p14:xfrm>
+          </p:contentPart>
+        </mc:Choice>
+        <mc:Fallback>
+          <p:pic>
+            <p:nvPicPr>
+              <p:cNvPr id="7" name="잉크 6">
+                <a:extLst>
+                  <a:ext uri="{FF2B5EF4-FFF2-40B4-BE49-F238E27FC236}">
+                    <a16:creationId xmlns:a16="http://schemas.microsoft.com/office/drawing/2014/main" id="{6DC8DBB0-D122-246F-C2CC-63FFBE276E83}"/>
+                  </a:ext>
+                </a:extLst>
+              </p:cNvPr>
+              <p:cNvPicPr/>
+              <p:nvPr/>
+            </p:nvPicPr>
+            <p:blipFill>
+              <a:blip r:embed="rId4"/>
+              <a:stretch>
+                <a:fillRect/>
+              </a:stretch>
+            </p:blipFill>
+            <p:spPr>
+              <a:xfrm>
+                <a:off x="-330300" y="4435781"/>
+                <a:ext cx="660600" cy="545040"/>
+              </a:xfrm>
+              <a:prstGeom prst="rect">
+                <a:avLst/>
+              </a:prstGeom>
+            </p:spPr>
+          </p:pic>
+        </mc:Fallback>
+      </mc:AlternateContent>
+      <p:pic>
+        <p:nvPicPr>
+          <p:cNvPr id="11" name="그림 10">
+            <a:extLst>
+              <a:ext uri="{FF2B5EF4-FFF2-40B4-BE49-F238E27FC236}">
+                <a16:creationId xmlns:a16="http://schemas.microsoft.com/office/drawing/2014/main" id="{AED290D8-0338-C2B1-5D34-A89011B30299}"/>
+              </a:ext>
+            </a:extLst>
+          </p:cNvPr>
+          <p:cNvPicPr>
+            <a:picLocks noChangeAspect="1"/>
+          </p:cNvPicPr>
           <p:nvPr/>
-        </p:nvSpPr>
-        <p:spPr>
-          <a:xfrm>
-            <a:off x="434109" y="2282653"/>
-            <a:ext cx="11323782" cy="699654"/>
+        </p:nvPicPr>
+        <p:blipFill>
+          <a:blip r:embed="rId5"/>
+          <a:stretch>
+            <a:fillRect/>
+          </a:stretch>
+        </p:blipFill>
+        <p:spPr>
+          <a:xfrm>
+            <a:off x="6791360" y="3340200"/>
+            <a:ext cx="5982535" cy="2362530"/>
           </a:xfrm>
           <a:prstGeom prst="rect">
             <a:avLst/>
           </a:prstGeom>
         </p:spPr>
-        <p:style>
-          <a:lnRef idx="2">
-            <a:schemeClr val="accent1">
-              <a:shade val="15000"/>
-            </a:schemeClr>
-          </a:lnRef>
-          <a:fillRef idx="1">
-            <a:schemeClr val="accent1"/>
-          </a:fillRef>
-          <a:effectRef idx="0">
-            <a:schemeClr val="accent1"/>
-          </a:effectRef>
-          <a:fontRef idx="minor">
-            <a:schemeClr val="lt1"/>
-          </a:fontRef>
-        </p:style>
-        <p:txBody>
-          <a:bodyPr rtlCol="0" anchor="ctr"/>
-          <a:lstStyle/>
-          <a:p>
-            <a:pPr algn="ctr"/>
-            <a:r>
-              <a:rPr lang="ko-KR" altLang="en-US" dirty="0"/>
-              <a:t>적절한 앞부분 까지만 치고 컨트롤 스페이스를 누르면 추가적으로 내가 </a:t>
-            </a:r>
-            <a:r>
-              <a:rPr lang="ko-KR" altLang="en-US" dirty="0" err="1"/>
-              <a:t>친부분까지와</a:t>
-            </a:r>
-            <a:r>
-              <a:rPr lang="ko-KR" altLang="en-US" dirty="0"/>
-              <a:t> </a:t>
-            </a:r>
-            <a:r>
-              <a:rPr lang="ko-KR" altLang="en-US" dirty="0" err="1"/>
-              <a:t>연관있는</a:t>
-            </a:r>
-            <a:endParaRPr lang="en-US" altLang="ko-KR" dirty="0"/>
-          </a:p>
-          <a:p>
-            <a:pPr algn="ctr"/>
-            <a:r>
-              <a:rPr lang="ko-KR" altLang="en-US" dirty="0"/>
-              <a:t>명령어들만 </a:t>
-            </a:r>
-            <a:r>
-              <a:rPr lang="ko-KR" altLang="en-US" dirty="0" err="1"/>
-              <a:t>뜨게된다</a:t>
-            </a:r>
-            <a:r>
-              <a:rPr lang="en-US" altLang="ko-KR" dirty="0"/>
-              <a:t>.</a:t>
-            </a:r>
-            <a:endParaRPr lang="ko-KR" altLang="en-US" dirty="0"/>
-          </a:p>
-        </p:txBody>
-      </p:sp>
+      </p:pic>
     </p:spTree>
     <p:extLst>
       <p:ext uri="{BB962C8B-B14F-4D97-AF65-F5344CB8AC3E}">

--- a/DOC/공통문서/비주얼스튜디오 단축키.pptx
+++ b/DOC/공통문서/비주얼스튜디오 단축키.pptx
@@ -400,7 +400,7 @@
           <a:p>
             <a:fld id="{ADAF0334-EF1F-40BE-A71F-BA73690F7647}" type="datetimeFigureOut">
               <a:rPr lang="ko-KR" altLang="en-US" smtClean="0"/>
-              <a:t>2024-09-26</a:t>
+              <a:t>2024-09-30</a:t>
             </a:fld>
             <a:endParaRPr lang="ko-KR" altLang="en-US"/>
           </a:p>
@@ -598,7 +598,7 @@
           <a:p>
             <a:fld id="{ADAF0334-EF1F-40BE-A71F-BA73690F7647}" type="datetimeFigureOut">
               <a:rPr lang="ko-KR" altLang="en-US" smtClean="0"/>
-              <a:t>2024-09-26</a:t>
+              <a:t>2024-09-30</a:t>
             </a:fld>
             <a:endParaRPr lang="ko-KR" altLang="en-US"/>
           </a:p>
@@ -806,7 +806,7 @@
           <a:p>
             <a:fld id="{ADAF0334-EF1F-40BE-A71F-BA73690F7647}" type="datetimeFigureOut">
               <a:rPr lang="ko-KR" altLang="en-US" smtClean="0"/>
-              <a:t>2024-09-26</a:t>
+              <a:t>2024-09-30</a:t>
             </a:fld>
             <a:endParaRPr lang="ko-KR" altLang="en-US"/>
           </a:p>
@@ -1004,7 +1004,7 @@
           <a:p>
             <a:fld id="{ADAF0334-EF1F-40BE-A71F-BA73690F7647}" type="datetimeFigureOut">
               <a:rPr lang="ko-KR" altLang="en-US" smtClean="0"/>
-              <a:t>2024-09-26</a:t>
+              <a:t>2024-09-30</a:t>
             </a:fld>
             <a:endParaRPr lang="ko-KR" altLang="en-US"/>
           </a:p>
@@ -1279,7 +1279,7 @@
           <a:p>
             <a:fld id="{ADAF0334-EF1F-40BE-A71F-BA73690F7647}" type="datetimeFigureOut">
               <a:rPr lang="ko-KR" altLang="en-US" smtClean="0"/>
-              <a:t>2024-09-26</a:t>
+              <a:t>2024-09-30</a:t>
             </a:fld>
             <a:endParaRPr lang="ko-KR" altLang="en-US"/>
           </a:p>
@@ -1544,7 +1544,7 @@
           <a:p>
             <a:fld id="{ADAF0334-EF1F-40BE-A71F-BA73690F7647}" type="datetimeFigureOut">
               <a:rPr lang="ko-KR" altLang="en-US" smtClean="0"/>
-              <a:t>2024-09-26</a:t>
+              <a:t>2024-09-30</a:t>
             </a:fld>
             <a:endParaRPr lang="ko-KR" altLang="en-US"/>
           </a:p>
@@ -1956,7 +1956,7 @@
           <a:p>
             <a:fld id="{ADAF0334-EF1F-40BE-A71F-BA73690F7647}" type="datetimeFigureOut">
               <a:rPr lang="ko-KR" altLang="en-US" smtClean="0"/>
-              <a:t>2024-09-26</a:t>
+              <a:t>2024-09-30</a:t>
             </a:fld>
             <a:endParaRPr lang="ko-KR" altLang="en-US"/>
           </a:p>
@@ -2097,7 +2097,7 @@
           <a:p>
             <a:fld id="{ADAF0334-EF1F-40BE-A71F-BA73690F7647}" type="datetimeFigureOut">
               <a:rPr lang="ko-KR" altLang="en-US" smtClean="0"/>
-              <a:t>2024-09-26</a:t>
+              <a:t>2024-09-30</a:t>
             </a:fld>
             <a:endParaRPr lang="ko-KR" altLang="en-US"/>
           </a:p>
@@ -2210,7 +2210,7 @@
           <a:p>
             <a:fld id="{ADAF0334-EF1F-40BE-A71F-BA73690F7647}" type="datetimeFigureOut">
               <a:rPr lang="ko-KR" altLang="en-US" smtClean="0"/>
-              <a:t>2024-09-26</a:t>
+              <a:t>2024-09-30</a:t>
             </a:fld>
             <a:endParaRPr lang="ko-KR" altLang="en-US"/>
           </a:p>
@@ -2521,7 +2521,7 @@
           <a:p>
             <a:fld id="{ADAF0334-EF1F-40BE-A71F-BA73690F7647}" type="datetimeFigureOut">
               <a:rPr lang="ko-KR" altLang="en-US" smtClean="0"/>
-              <a:t>2024-09-26</a:t>
+              <a:t>2024-09-30</a:t>
             </a:fld>
             <a:endParaRPr lang="ko-KR" altLang="en-US"/>
           </a:p>
@@ -2809,7 +2809,7 @@
           <a:p>
             <a:fld id="{ADAF0334-EF1F-40BE-A71F-BA73690F7647}" type="datetimeFigureOut">
               <a:rPr lang="ko-KR" altLang="en-US" smtClean="0"/>
-              <a:t>2024-09-26</a:t>
+              <a:t>2024-09-30</a:t>
             </a:fld>
             <a:endParaRPr lang="ko-KR" altLang="en-US"/>
           </a:p>
@@ -3050,7 +3050,7 @@
           <a:p>
             <a:fld id="{ADAF0334-EF1F-40BE-A71F-BA73690F7647}" type="datetimeFigureOut">
               <a:rPr lang="ko-KR" altLang="en-US" smtClean="0"/>
-              <a:t>2024-09-26</a:t>
+              <a:t>2024-09-30</a:t>
             </a:fld>
             <a:endParaRPr lang="ko-KR" altLang="en-US"/>
           </a:p>
@@ -3511,7 +3511,7 @@
             <a:pPr algn="ctr"/>
             <a:r>
               <a:rPr lang="ko-KR" altLang="en-US" dirty="0"/>
-              <a:t>기본단축키</a:t>
+              <a:t>코드용 기본단축키</a:t>
             </a:r>
           </a:p>
         </p:txBody>
@@ -3649,15 +3649,15 @@
         </p:spPr>
         <p:style>
           <a:lnRef idx="2">
-            <a:schemeClr val="accent1">
+            <a:schemeClr val="accent2">
               <a:shade val="15000"/>
             </a:schemeClr>
           </a:lnRef>
           <a:fillRef idx="1">
-            <a:schemeClr val="accent1"/>
+            <a:schemeClr val="accent2"/>
           </a:fillRef>
           <a:effectRef idx="0">
-            <a:schemeClr val="accent1"/>
+            <a:schemeClr val="accent2"/>
           </a:effectRef>
           <a:fontRef idx="minor">
             <a:schemeClr val="lt1"/>
@@ -3764,15 +3764,15 @@
         </p:spPr>
         <p:style>
           <a:lnRef idx="2">
-            <a:schemeClr val="accent1">
+            <a:schemeClr val="accent2">
               <a:shade val="15000"/>
             </a:schemeClr>
           </a:lnRef>
           <a:fillRef idx="1">
-            <a:schemeClr val="accent1"/>
+            <a:schemeClr val="accent2"/>
           </a:fillRef>
           <a:effectRef idx="0">
-            <a:schemeClr val="accent1"/>
+            <a:schemeClr val="accent2"/>
           </a:effectRef>
           <a:fontRef idx="minor">
             <a:schemeClr val="lt1"/>
@@ -3832,6 +3832,130 @@
           <a:lstStyle/>
           <a:p>
             <a:pPr algn="ctr"/>
+            <a:r>
+              <a:rPr lang="ko-KR" altLang="en-US" dirty="0"/>
+              <a:t>시프트 </a:t>
+            </a:r>
+            <a:r>
+              <a:rPr lang="en-US" altLang="ko-KR" dirty="0"/>
+              <a:t>+ A</a:t>
+            </a:r>
+            <a:endParaRPr lang="ko-KR" altLang="en-US" dirty="0"/>
+          </a:p>
+        </p:txBody>
+      </p:sp>
+      <p:sp>
+        <p:nvSpPr>
+          <p:cNvPr id="6" name="직사각형 5">
+            <a:extLst>
+              <a:ext uri="{FF2B5EF4-FFF2-40B4-BE49-F238E27FC236}">
+                <a16:creationId xmlns:a16="http://schemas.microsoft.com/office/drawing/2014/main" id="{D1664856-8ED9-174A-4A18-93ABAEB256DF}"/>
+              </a:ext>
+            </a:extLst>
+          </p:cNvPr>
+          <p:cNvSpPr/>
+          <p:nvPr/>
+        </p:nvSpPr>
+        <p:spPr>
+          <a:xfrm>
+            <a:off x="434109" y="4167910"/>
+            <a:ext cx="11323782" cy="699654"/>
+          </a:xfrm>
+          <a:prstGeom prst="rect">
+            <a:avLst/>
+          </a:prstGeom>
+        </p:spPr>
+        <p:style>
+          <a:lnRef idx="2">
+            <a:schemeClr val="accent2">
+              <a:shade val="15000"/>
+            </a:schemeClr>
+          </a:lnRef>
+          <a:fillRef idx="1">
+            <a:schemeClr val="accent2"/>
+          </a:fillRef>
+          <a:effectRef idx="0">
+            <a:schemeClr val="accent2"/>
+          </a:effectRef>
+          <a:fontRef idx="minor">
+            <a:schemeClr val="lt1"/>
+          </a:fontRef>
+        </p:style>
+        <p:txBody>
+          <a:bodyPr rtlCol="0" anchor="ctr"/>
+          <a:lstStyle/>
+          <a:p>
+            <a:pPr algn="ctr"/>
+            <a:r>
+              <a:rPr lang="ko-KR" altLang="en-US" dirty="0"/>
+              <a:t>새 </a:t>
+            </a:r>
+            <a:r>
+              <a:rPr lang="ko-KR" altLang="en-US" dirty="0" err="1"/>
+              <a:t>파일만들기</a:t>
+            </a:r>
+            <a:endParaRPr lang="ko-KR" altLang="en-US" dirty="0"/>
+          </a:p>
+        </p:txBody>
+      </p:sp>
+      <p:sp>
+        <p:nvSpPr>
+          <p:cNvPr id="7" name="직사각형 6">
+            <a:extLst>
+              <a:ext uri="{FF2B5EF4-FFF2-40B4-BE49-F238E27FC236}">
+                <a16:creationId xmlns:a16="http://schemas.microsoft.com/office/drawing/2014/main" id="{2363676C-A5E9-1D86-3AAE-52D43DBE7D10}"/>
+              </a:ext>
+            </a:extLst>
+          </p:cNvPr>
+          <p:cNvSpPr/>
+          <p:nvPr/>
+        </p:nvSpPr>
+        <p:spPr>
+          <a:xfrm>
+            <a:off x="434109" y="5077692"/>
+            <a:ext cx="11323782" cy="699654"/>
+          </a:xfrm>
+          <a:prstGeom prst="rect">
+            <a:avLst/>
+          </a:prstGeom>
+        </p:spPr>
+        <p:style>
+          <a:lnRef idx="2">
+            <a:schemeClr val="accent1">
+              <a:shade val="15000"/>
+            </a:schemeClr>
+          </a:lnRef>
+          <a:fillRef idx="1">
+            <a:schemeClr val="accent1"/>
+          </a:fillRef>
+          <a:effectRef idx="0">
+            <a:schemeClr val="accent1"/>
+          </a:effectRef>
+          <a:fontRef idx="minor">
+            <a:schemeClr val="lt1"/>
+          </a:fontRef>
+        </p:style>
+        <p:txBody>
+          <a:bodyPr rtlCol="0" anchor="ctr"/>
+          <a:lstStyle/>
+          <a:p>
+            <a:pPr algn="ctr"/>
+            <a:r>
+              <a:rPr lang="ko-KR" altLang="en-US" dirty="0"/>
+              <a:t>프로젝트 </a:t>
+            </a:r>
+            <a:r>
+              <a:rPr lang="ko-KR" altLang="en-US" dirty="0" err="1"/>
+              <a:t>선택후</a:t>
+            </a:r>
+            <a:r>
+              <a:rPr lang="ko-KR" altLang="en-US"/>
+              <a:t> 컨트롤 </a:t>
+            </a:r>
+            <a:r>
+              <a:rPr lang="en-US" altLang="ko-KR" dirty="0"/>
+              <a:t>+ </a:t>
+            </a:r>
             <a:r>
               <a:rPr lang="ko-KR" altLang="en-US" dirty="0"/>
               <a:t>시프트 </a:t>
@@ -5845,8 +5969,8 @@
           </a:prstGeom>
         </p:spPr>
       </p:pic>
-      <mc:AlternateContent xmlns:mc="http://schemas.openxmlformats.org/markup-compatibility/2006">
-        <mc:Choice xmlns:p14="http://schemas.microsoft.com/office/powerpoint/2010/main" Requires="p14">
+      <mc:AlternateContent xmlns:mc="http://schemas.openxmlformats.org/markup-compatibility/2006" xmlns:p14="http://schemas.microsoft.com/office/powerpoint/2010/main">
+        <mc:Choice Requires="p14">
           <p:contentPart p14:bwMode="auto" r:id="rId3">
             <p14:nvContentPartPr>
               <p14:cNvPr id="7" name="잉크 6">
@@ -5865,7 +5989,7 @@
             </p14:xfrm>
           </p:contentPart>
         </mc:Choice>
-        <mc:Fallback>
+        <mc:Fallback xmlns="">
           <p:pic>
             <p:nvPicPr>
               <p:cNvPr id="7" name="잉크 6">

--- a/DOC/공통문서/비주얼스튜디오 단축키.pptx
+++ b/DOC/공통문서/비주얼스튜디오 단축키.pptx
@@ -6,35 +6,36 @@
   </p:sldMasterIdLst>
   <p:sldIdLst>
     <p:sldId id="281" r:id="rId2"/>
-    <p:sldId id="289" r:id="rId3"/>
-    <p:sldId id="286" r:id="rId4"/>
-    <p:sldId id="287" r:id="rId5"/>
-    <p:sldId id="288" r:id="rId6"/>
-    <p:sldId id="260" r:id="rId7"/>
-    <p:sldId id="261" r:id="rId8"/>
-    <p:sldId id="279" r:id="rId9"/>
-    <p:sldId id="265" r:id="rId10"/>
-    <p:sldId id="282" r:id="rId11"/>
-    <p:sldId id="262" r:id="rId12"/>
-    <p:sldId id="283" r:id="rId13"/>
-    <p:sldId id="280" r:id="rId14"/>
-    <p:sldId id="263" r:id="rId15"/>
-    <p:sldId id="284" r:id="rId16"/>
-    <p:sldId id="264" r:id="rId17"/>
-    <p:sldId id="285" r:id="rId18"/>
-    <p:sldId id="266" r:id="rId19"/>
-    <p:sldId id="267" r:id="rId20"/>
-    <p:sldId id="268" r:id="rId21"/>
-    <p:sldId id="269" r:id="rId22"/>
-    <p:sldId id="270" r:id="rId23"/>
-    <p:sldId id="271" r:id="rId24"/>
-    <p:sldId id="272" r:id="rId25"/>
-    <p:sldId id="273" r:id="rId26"/>
-    <p:sldId id="274" r:id="rId27"/>
-    <p:sldId id="275" r:id="rId28"/>
-    <p:sldId id="276" r:id="rId29"/>
-    <p:sldId id="277" r:id="rId30"/>
-    <p:sldId id="278" r:id="rId31"/>
+    <p:sldId id="290" r:id="rId3"/>
+    <p:sldId id="289" r:id="rId4"/>
+    <p:sldId id="286" r:id="rId5"/>
+    <p:sldId id="287" r:id="rId6"/>
+    <p:sldId id="288" r:id="rId7"/>
+    <p:sldId id="260" r:id="rId8"/>
+    <p:sldId id="261" r:id="rId9"/>
+    <p:sldId id="279" r:id="rId10"/>
+    <p:sldId id="265" r:id="rId11"/>
+    <p:sldId id="282" r:id="rId12"/>
+    <p:sldId id="262" r:id="rId13"/>
+    <p:sldId id="283" r:id="rId14"/>
+    <p:sldId id="280" r:id="rId15"/>
+    <p:sldId id="263" r:id="rId16"/>
+    <p:sldId id="284" r:id="rId17"/>
+    <p:sldId id="264" r:id="rId18"/>
+    <p:sldId id="285" r:id="rId19"/>
+    <p:sldId id="266" r:id="rId20"/>
+    <p:sldId id="267" r:id="rId21"/>
+    <p:sldId id="268" r:id="rId22"/>
+    <p:sldId id="269" r:id="rId23"/>
+    <p:sldId id="270" r:id="rId24"/>
+    <p:sldId id="271" r:id="rId25"/>
+    <p:sldId id="272" r:id="rId26"/>
+    <p:sldId id="273" r:id="rId27"/>
+    <p:sldId id="274" r:id="rId28"/>
+    <p:sldId id="275" r:id="rId29"/>
+    <p:sldId id="276" r:id="rId30"/>
+    <p:sldId id="277" r:id="rId31"/>
+    <p:sldId id="278" r:id="rId32"/>
   </p:sldIdLst>
   <p:sldSz cx="12192000" cy="6858000"/>
   <p:notesSz cx="6858000" cy="9144000"/>
@@ -3548,10 +3549,10 @@
       </p:grpSpPr>
       <p:sp>
         <p:nvSpPr>
-          <p:cNvPr id="3" name="직사각형 2">
-            <a:extLst>
-              <a:ext uri="{FF2B5EF4-FFF2-40B4-BE49-F238E27FC236}">
-                <a16:creationId xmlns:a16="http://schemas.microsoft.com/office/drawing/2014/main" id="{A5840210-0674-BA1E-A813-66127759208E}"/>
+          <p:cNvPr id="6" name="직사각형 5">
+            <a:extLst>
+              <a:ext uri="{FF2B5EF4-FFF2-40B4-BE49-F238E27FC236}">
+                <a16:creationId xmlns:a16="http://schemas.microsoft.com/office/drawing/2014/main" id="{73072FA9-A79C-D7C6-4398-8DC55E90AAE8}"/>
               </a:ext>
             </a:extLst>
           </p:cNvPr>
@@ -3560,8 +3561,8 @@
         </p:nvSpPr>
         <p:spPr>
           <a:xfrm>
-            <a:off x="434109" y="556490"/>
-            <a:ext cx="11323782" cy="5908963"/>
+            <a:off x="170429" y="301671"/>
+            <a:ext cx="2314864" cy="699654"/>
           </a:xfrm>
           <a:prstGeom prst="rect">
             <a:avLst/>
@@ -3589,8 +3590,347 @@
           <a:p>
             <a:pPr algn="ctr"/>
             <a:r>
+              <a:rPr lang="ko-KR" altLang="en-US" dirty="0"/>
+              <a:t>코드 위치 이동</a:t>
+            </a:r>
+            <a:endParaRPr lang="en-US" altLang="ko-KR" dirty="0"/>
+          </a:p>
+        </p:txBody>
+      </p:sp>
+      <p:sp>
+        <p:nvSpPr>
+          <p:cNvPr id="7" name="직사각형 6">
+            <a:extLst>
+              <a:ext uri="{FF2B5EF4-FFF2-40B4-BE49-F238E27FC236}">
+                <a16:creationId xmlns:a16="http://schemas.microsoft.com/office/drawing/2014/main" id="{F5E5B135-BF68-AEE4-F5F5-1CA77566A2A2}"/>
+              </a:ext>
+            </a:extLst>
+          </p:cNvPr>
+          <p:cNvSpPr/>
+          <p:nvPr/>
+        </p:nvSpPr>
+        <p:spPr>
+          <a:xfrm>
+            <a:off x="2678099" y="301671"/>
+            <a:ext cx="3913909" cy="699654"/>
+          </a:xfrm>
+          <a:prstGeom prst="rect">
+            <a:avLst/>
+          </a:prstGeom>
+        </p:spPr>
+        <p:style>
+          <a:lnRef idx="2">
+            <a:schemeClr val="accent1">
+              <a:shade val="15000"/>
+            </a:schemeClr>
+          </a:lnRef>
+          <a:fillRef idx="1">
+            <a:schemeClr val="accent1"/>
+          </a:fillRef>
+          <a:effectRef idx="0">
+            <a:schemeClr val="accent1"/>
+          </a:effectRef>
+          <a:fontRef idx="minor">
+            <a:schemeClr val="lt1"/>
+          </a:fontRef>
+        </p:style>
+        <p:txBody>
+          <a:bodyPr rtlCol="0" anchor="ctr"/>
+          <a:lstStyle/>
+          <a:p>
+            <a:pPr algn="ctr"/>
+            <a:r>
+              <a:rPr lang="ko-KR" altLang="en-US" dirty="0"/>
+              <a:t>범위 잡고 </a:t>
+            </a:r>
+            <a:r>
+              <a:rPr lang="en-US" altLang="ko-KR" dirty="0"/>
+              <a:t>alt + </a:t>
+            </a:r>
+            <a:r>
+              <a:rPr lang="ko-KR" altLang="en-US" dirty="0"/>
+              <a:t>방향키</a:t>
+            </a:r>
+            <a:endParaRPr lang="en-US" altLang="ko-KR" dirty="0"/>
+          </a:p>
+          <a:p>
+            <a:pPr algn="ctr"/>
+            <a:r>
+              <a:rPr lang="ko-KR" altLang="en-US" dirty="0"/>
+              <a:t>보통 위나 아래로 이동한다</a:t>
+            </a:r>
+            <a:r>
+              <a:rPr lang="en-US" altLang="ko-KR" dirty="0"/>
+              <a:t>.</a:t>
+            </a:r>
+            <a:endParaRPr lang="ko-KR" altLang="en-US" dirty="0"/>
+          </a:p>
+        </p:txBody>
+      </p:sp>
+      <p:pic>
+        <p:nvPicPr>
+          <p:cNvPr id="9" name="그림 8">
+            <a:extLst>
+              <a:ext uri="{FF2B5EF4-FFF2-40B4-BE49-F238E27FC236}">
+                <a16:creationId xmlns:a16="http://schemas.microsoft.com/office/drawing/2014/main" id="{C35D71B0-06AB-1FC3-FCB8-4E1816F9C8E1}"/>
+              </a:ext>
+            </a:extLst>
+          </p:cNvPr>
+          <p:cNvPicPr>
+            <a:picLocks noChangeAspect="1"/>
+          </p:cNvPicPr>
+          <p:nvPr/>
+        </p:nvPicPr>
+        <p:blipFill>
+          <a:blip r:embed="rId2"/>
+          <a:stretch>
+            <a:fillRect/>
+          </a:stretch>
+        </p:blipFill>
+        <p:spPr>
+          <a:xfrm>
+            <a:off x="560645" y="2738918"/>
+            <a:ext cx="4401164" cy="3467584"/>
+          </a:xfrm>
+          <a:prstGeom prst="rect">
+            <a:avLst/>
+          </a:prstGeom>
+        </p:spPr>
+      </p:pic>
+      <p:sp>
+        <p:nvSpPr>
+          <p:cNvPr id="10" name="직사각형 9">
+            <a:extLst>
+              <a:ext uri="{FF2B5EF4-FFF2-40B4-BE49-F238E27FC236}">
+                <a16:creationId xmlns:a16="http://schemas.microsoft.com/office/drawing/2014/main" id="{2280AE44-AF2D-7BE7-0AAF-38B32EEA4650}"/>
+              </a:ext>
+            </a:extLst>
+          </p:cNvPr>
+          <p:cNvSpPr/>
+          <p:nvPr/>
+        </p:nvSpPr>
+        <p:spPr>
+          <a:xfrm>
+            <a:off x="170429" y="1170467"/>
+            <a:ext cx="2314864" cy="699654"/>
+          </a:xfrm>
+          <a:prstGeom prst="rect">
+            <a:avLst/>
+          </a:prstGeom>
+        </p:spPr>
+        <p:style>
+          <a:lnRef idx="2">
+            <a:schemeClr val="accent1">
+              <a:shade val="15000"/>
+            </a:schemeClr>
+          </a:lnRef>
+          <a:fillRef idx="1">
+            <a:schemeClr val="accent1"/>
+          </a:fillRef>
+          <a:effectRef idx="0">
+            <a:schemeClr val="accent1"/>
+          </a:effectRef>
+          <a:fontRef idx="minor">
+            <a:schemeClr val="lt1"/>
+          </a:fontRef>
+        </p:style>
+        <p:txBody>
+          <a:bodyPr rtlCol="0" anchor="ctr"/>
+          <a:lstStyle/>
+          <a:p>
+            <a:pPr algn="ctr"/>
+            <a:r>
+              <a:rPr lang="ko-KR" altLang="en-US" dirty="0"/>
+              <a:t>행 범위 선택</a:t>
+            </a:r>
+            <a:endParaRPr lang="en-US" altLang="ko-KR" dirty="0"/>
+          </a:p>
+        </p:txBody>
+      </p:sp>
+      <p:sp>
+        <p:nvSpPr>
+          <p:cNvPr id="11" name="직사각형 10">
+            <a:extLst>
+              <a:ext uri="{FF2B5EF4-FFF2-40B4-BE49-F238E27FC236}">
+                <a16:creationId xmlns:a16="http://schemas.microsoft.com/office/drawing/2014/main" id="{78375A96-F974-5C38-969B-7F198F424F1B}"/>
+              </a:ext>
+            </a:extLst>
+          </p:cNvPr>
+          <p:cNvSpPr/>
+          <p:nvPr/>
+        </p:nvSpPr>
+        <p:spPr>
+          <a:xfrm>
+            <a:off x="2678099" y="1170467"/>
+            <a:ext cx="3913909" cy="699654"/>
+          </a:xfrm>
+          <a:prstGeom prst="rect">
+            <a:avLst/>
+          </a:prstGeom>
+        </p:spPr>
+        <p:style>
+          <a:lnRef idx="2">
+            <a:schemeClr val="accent1">
+              <a:shade val="15000"/>
+            </a:schemeClr>
+          </a:lnRef>
+          <a:fillRef idx="1">
+            <a:schemeClr val="accent1"/>
+          </a:fillRef>
+          <a:effectRef idx="0">
+            <a:schemeClr val="accent1"/>
+          </a:effectRef>
+          <a:fontRef idx="minor">
+            <a:schemeClr val="lt1"/>
+          </a:fontRef>
+        </p:style>
+        <p:txBody>
+          <a:bodyPr rtlCol="0" anchor="ctr"/>
+          <a:lstStyle/>
+          <a:p>
+            <a:pPr algn="ctr"/>
+            <a:r>
+              <a:rPr lang="en-US" altLang="ko-KR" dirty="0"/>
+              <a:t>Alt + </a:t>
+            </a:r>
+            <a:r>
+              <a:rPr lang="ko-KR" altLang="en-US" dirty="0"/>
+              <a:t>시프트 </a:t>
+            </a:r>
+            <a:r>
+              <a:rPr lang="en-US" altLang="ko-KR" dirty="0"/>
+              <a:t>+ </a:t>
+            </a:r>
+            <a:r>
+              <a:rPr lang="ko-KR" altLang="en-US" dirty="0" err="1"/>
+              <a:t>마우스드래그</a:t>
+            </a:r>
+            <a:endParaRPr lang="en-US" altLang="ko-KR" dirty="0"/>
+          </a:p>
+          <a:p>
+            <a:pPr algn="ctr"/>
+            <a:r>
+              <a:rPr lang="en-US" altLang="ko-KR" dirty="0"/>
+              <a:t>Alt + </a:t>
+            </a:r>
+            <a:r>
+              <a:rPr lang="ko-KR" altLang="en-US" dirty="0"/>
+              <a:t>시프트 </a:t>
+            </a:r>
+            <a:r>
+              <a:rPr lang="en-US" altLang="ko-KR" dirty="0"/>
+              <a:t>+ </a:t>
+            </a:r>
+            <a:r>
+              <a:rPr lang="ko-KR" altLang="en-US" dirty="0"/>
+              <a:t>방향키</a:t>
+            </a:r>
+          </a:p>
+        </p:txBody>
+      </p:sp>
+      <p:sp>
+        <p:nvSpPr>
+          <p:cNvPr id="12" name="직사각형 11">
+            <a:extLst>
+              <a:ext uri="{FF2B5EF4-FFF2-40B4-BE49-F238E27FC236}">
+                <a16:creationId xmlns:a16="http://schemas.microsoft.com/office/drawing/2014/main" id="{84783EEF-D902-B7A2-987D-6790D901CF77}"/>
+              </a:ext>
+            </a:extLst>
+          </p:cNvPr>
+          <p:cNvSpPr/>
+          <p:nvPr/>
+        </p:nvSpPr>
+        <p:spPr>
+          <a:xfrm>
+            <a:off x="6889883" y="279781"/>
+            <a:ext cx="2314864" cy="699654"/>
+          </a:xfrm>
+          <a:prstGeom prst="rect">
+            <a:avLst/>
+          </a:prstGeom>
+        </p:spPr>
+        <p:style>
+          <a:lnRef idx="2">
+            <a:schemeClr val="accent1">
+              <a:shade val="15000"/>
+            </a:schemeClr>
+          </a:lnRef>
+          <a:fillRef idx="1">
+            <a:schemeClr val="accent1"/>
+          </a:fillRef>
+          <a:effectRef idx="0">
+            <a:schemeClr val="accent1"/>
+          </a:effectRef>
+          <a:fontRef idx="minor">
+            <a:schemeClr val="lt1"/>
+          </a:fontRef>
+        </p:style>
+        <p:txBody>
+          <a:bodyPr rtlCol="0" anchor="ctr"/>
+          <a:lstStyle/>
+          <a:p>
+            <a:pPr algn="ctr"/>
+            <a:r>
+              <a:rPr lang="ko-KR" altLang="en-US" dirty="0"/>
+              <a:t>구문단위 이동</a:t>
+            </a:r>
+            <a:endParaRPr lang="en-US" altLang="ko-KR" dirty="0"/>
+          </a:p>
+        </p:txBody>
+      </p:sp>
+      <p:sp>
+        <p:nvSpPr>
+          <p:cNvPr id="13" name="직사각형 12">
+            <a:extLst>
+              <a:ext uri="{FF2B5EF4-FFF2-40B4-BE49-F238E27FC236}">
+                <a16:creationId xmlns:a16="http://schemas.microsoft.com/office/drawing/2014/main" id="{50D49181-F269-ADB5-FE90-E604E5D8A19F}"/>
+              </a:ext>
+            </a:extLst>
+          </p:cNvPr>
+          <p:cNvSpPr/>
+          <p:nvPr/>
+        </p:nvSpPr>
+        <p:spPr>
+          <a:xfrm>
+            <a:off x="9397553" y="279781"/>
+            <a:ext cx="3913909" cy="699654"/>
+          </a:xfrm>
+          <a:prstGeom prst="rect">
+            <a:avLst/>
+          </a:prstGeom>
+        </p:spPr>
+        <p:style>
+          <a:lnRef idx="2">
+            <a:schemeClr val="accent1">
+              <a:shade val="15000"/>
+            </a:schemeClr>
+          </a:lnRef>
+          <a:fillRef idx="1">
+            <a:schemeClr val="accent1"/>
+          </a:fillRef>
+          <a:effectRef idx="0">
+            <a:schemeClr val="accent1"/>
+          </a:effectRef>
+          <a:fontRef idx="minor">
+            <a:schemeClr val="lt1"/>
+          </a:fontRef>
+        </p:style>
+        <p:txBody>
+          <a:bodyPr rtlCol="0" anchor="ctr"/>
+          <a:lstStyle/>
+          <a:p>
+            <a:pPr algn="ctr"/>
+            <a:r>
+              <a:rPr lang="ko-KR" altLang="en-US" dirty="0"/>
+              <a:t>컨트롤 </a:t>
+            </a:r>
+            <a:r>
+              <a:rPr lang="en-US" altLang="ko-KR" dirty="0"/>
+              <a:t>+ </a:t>
+            </a:r>
+            <a:r>
               <a:rPr lang="ko-KR" altLang="en-US"/>
-              <a:t>파일관련</a:t>
+              <a:t>방향키</a:t>
             </a:r>
             <a:endParaRPr lang="ko-KR" altLang="en-US" dirty="0"/>
           </a:p>
@@ -3599,7 +3939,7 @@
     </p:spTree>
     <p:extLst>
       <p:ext uri="{BB962C8B-B14F-4D97-AF65-F5344CB8AC3E}">
-        <p14:creationId xmlns:p14="http://schemas.microsoft.com/office/powerpoint/2010/main" val="543264706"/>
+        <p14:creationId xmlns:p14="http://schemas.microsoft.com/office/powerpoint/2010/main" val="2541269369"/>
       </p:ext>
     </p:extLst>
   </p:cSld>
@@ -3628,10 +3968,10 @@
       </p:grpSpPr>
       <p:sp>
         <p:nvSpPr>
-          <p:cNvPr id="2" name="직사각형 1">
-            <a:extLst>
-              <a:ext uri="{FF2B5EF4-FFF2-40B4-BE49-F238E27FC236}">
-                <a16:creationId xmlns:a16="http://schemas.microsoft.com/office/drawing/2014/main" id="{41AE9207-08CC-7B4C-E9CA-FE91309CB5F0}"/>
+          <p:cNvPr id="3" name="직사각형 2">
+            <a:extLst>
+              <a:ext uri="{FF2B5EF4-FFF2-40B4-BE49-F238E27FC236}">
+                <a16:creationId xmlns:a16="http://schemas.microsoft.com/office/drawing/2014/main" id="{A5840210-0674-BA1E-A813-66127759208E}"/>
               </a:ext>
             </a:extLst>
           </p:cNvPr>
@@ -3640,61 +3980,8 @@
         </p:nvSpPr>
         <p:spPr>
           <a:xfrm>
-            <a:off x="434109" y="528782"/>
-            <a:ext cx="11323782" cy="699654"/>
-          </a:xfrm>
-          <a:prstGeom prst="rect">
-            <a:avLst/>
-          </a:prstGeom>
-        </p:spPr>
-        <p:style>
-          <a:lnRef idx="2">
-            <a:schemeClr val="accent2">
-              <a:shade val="15000"/>
-            </a:schemeClr>
-          </a:lnRef>
-          <a:fillRef idx="1">
-            <a:schemeClr val="accent2"/>
-          </a:fillRef>
-          <a:effectRef idx="0">
-            <a:schemeClr val="accent2"/>
-          </a:effectRef>
-          <a:fontRef idx="minor">
-            <a:schemeClr val="lt1"/>
-          </a:fontRef>
-        </p:style>
-        <p:txBody>
-          <a:bodyPr rtlCol="0" anchor="ctr"/>
-          <a:lstStyle/>
-          <a:p>
-            <a:pPr algn="ctr"/>
-            <a:r>
-              <a:rPr lang="en-US" altLang="ko-KR" dirty="0"/>
-              <a:t>#include </a:t>
-            </a:r>
-            <a:r>
-              <a:rPr lang="ko-KR" altLang="en-US" dirty="0"/>
-              <a:t>파일을 열기</a:t>
-            </a:r>
-          </a:p>
-        </p:txBody>
-      </p:sp>
-      <p:sp>
-        <p:nvSpPr>
-          <p:cNvPr id="3" name="직사각형 2">
-            <a:extLst>
-              <a:ext uri="{FF2B5EF4-FFF2-40B4-BE49-F238E27FC236}">
-                <a16:creationId xmlns:a16="http://schemas.microsoft.com/office/drawing/2014/main" id="{0896559C-009B-D4B4-E508-A88915C734C9}"/>
-              </a:ext>
-            </a:extLst>
-          </p:cNvPr>
-          <p:cNvSpPr/>
-          <p:nvPr/>
-        </p:nvSpPr>
-        <p:spPr>
-          <a:xfrm>
-            <a:off x="434109" y="1438564"/>
-            <a:ext cx="11323782" cy="699654"/>
+            <a:off x="434109" y="556490"/>
+            <a:ext cx="11323782" cy="5908963"/>
           </a:xfrm>
           <a:prstGeom prst="rect">
             <a:avLst/>
@@ -3722,247 +4009,8 @@
           <a:p>
             <a:pPr algn="ctr"/>
             <a:r>
-              <a:rPr lang="ko-KR" altLang="en-US" dirty="0"/>
-              <a:t>컨트롤 </a:t>
-            </a:r>
-            <a:r>
-              <a:rPr lang="en-US" altLang="ko-KR" dirty="0"/>
-              <a:t>+ </a:t>
-            </a:r>
-            <a:r>
-              <a:rPr lang="ko-KR" altLang="en-US" dirty="0"/>
-              <a:t>시프트 </a:t>
-            </a:r>
-            <a:r>
-              <a:rPr lang="en-US" altLang="ko-KR" dirty="0"/>
-              <a:t>+ G</a:t>
-            </a:r>
-            <a:endParaRPr lang="ko-KR" altLang="en-US" dirty="0"/>
-          </a:p>
-        </p:txBody>
-      </p:sp>
-      <p:sp>
-        <p:nvSpPr>
-          <p:cNvPr id="4" name="직사각형 3">
-            <a:extLst>
-              <a:ext uri="{FF2B5EF4-FFF2-40B4-BE49-F238E27FC236}">
-                <a16:creationId xmlns:a16="http://schemas.microsoft.com/office/drawing/2014/main" id="{3721E046-6A63-4B9B-4A4D-C33FF03906C4}"/>
-              </a:ext>
-            </a:extLst>
-          </p:cNvPr>
-          <p:cNvSpPr/>
-          <p:nvPr/>
-        </p:nvSpPr>
-        <p:spPr>
-          <a:xfrm>
-            <a:off x="434109" y="2348346"/>
-            <a:ext cx="11323782" cy="699654"/>
-          </a:xfrm>
-          <a:prstGeom prst="rect">
-            <a:avLst/>
-          </a:prstGeom>
-        </p:spPr>
-        <p:style>
-          <a:lnRef idx="2">
-            <a:schemeClr val="accent2">
-              <a:shade val="15000"/>
-            </a:schemeClr>
-          </a:lnRef>
-          <a:fillRef idx="1">
-            <a:schemeClr val="accent2"/>
-          </a:fillRef>
-          <a:effectRef idx="0">
-            <a:schemeClr val="accent2"/>
-          </a:effectRef>
-          <a:fontRef idx="minor">
-            <a:schemeClr val="lt1"/>
-          </a:fontRef>
-        </p:style>
-        <p:txBody>
-          <a:bodyPr rtlCol="0" anchor="ctr"/>
-          <a:lstStyle/>
-          <a:p>
-            <a:pPr algn="ctr"/>
-            <a:r>
-              <a:rPr lang="ko-KR" altLang="en-US" dirty="0"/>
-              <a:t>한파일의 코드 전체선택</a:t>
-            </a:r>
-          </a:p>
-        </p:txBody>
-      </p:sp>
-      <p:sp>
-        <p:nvSpPr>
-          <p:cNvPr id="5" name="직사각형 4">
-            <a:extLst>
-              <a:ext uri="{FF2B5EF4-FFF2-40B4-BE49-F238E27FC236}">
-                <a16:creationId xmlns:a16="http://schemas.microsoft.com/office/drawing/2014/main" id="{F8447077-EE64-B455-01B2-714B8557369E}"/>
-              </a:ext>
-            </a:extLst>
-          </p:cNvPr>
-          <p:cNvSpPr/>
-          <p:nvPr/>
-        </p:nvSpPr>
-        <p:spPr>
-          <a:xfrm>
-            <a:off x="434109" y="3258128"/>
-            <a:ext cx="11323782" cy="699654"/>
-          </a:xfrm>
-          <a:prstGeom prst="rect">
-            <a:avLst/>
-          </a:prstGeom>
-        </p:spPr>
-        <p:style>
-          <a:lnRef idx="2">
-            <a:schemeClr val="accent1">
-              <a:shade val="15000"/>
-            </a:schemeClr>
-          </a:lnRef>
-          <a:fillRef idx="1">
-            <a:schemeClr val="accent1"/>
-          </a:fillRef>
-          <a:effectRef idx="0">
-            <a:schemeClr val="accent1"/>
-          </a:effectRef>
-          <a:fontRef idx="minor">
-            <a:schemeClr val="lt1"/>
-          </a:fontRef>
-        </p:style>
-        <p:txBody>
-          <a:bodyPr rtlCol="0" anchor="ctr"/>
-          <a:lstStyle/>
-          <a:p>
-            <a:pPr algn="ctr"/>
-            <a:r>
-              <a:rPr lang="ko-KR" altLang="en-US" dirty="0"/>
-              <a:t>시프트 </a:t>
-            </a:r>
-            <a:r>
-              <a:rPr lang="en-US" altLang="ko-KR" dirty="0"/>
-              <a:t>+ A</a:t>
-            </a:r>
-            <a:endParaRPr lang="ko-KR" altLang="en-US" dirty="0"/>
-          </a:p>
-        </p:txBody>
-      </p:sp>
-      <p:sp>
-        <p:nvSpPr>
-          <p:cNvPr id="6" name="직사각형 5">
-            <a:extLst>
-              <a:ext uri="{FF2B5EF4-FFF2-40B4-BE49-F238E27FC236}">
-                <a16:creationId xmlns:a16="http://schemas.microsoft.com/office/drawing/2014/main" id="{D1664856-8ED9-174A-4A18-93ABAEB256DF}"/>
-              </a:ext>
-            </a:extLst>
-          </p:cNvPr>
-          <p:cNvSpPr/>
-          <p:nvPr/>
-        </p:nvSpPr>
-        <p:spPr>
-          <a:xfrm>
-            <a:off x="434109" y="4167910"/>
-            <a:ext cx="11323782" cy="699654"/>
-          </a:xfrm>
-          <a:prstGeom prst="rect">
-            <a:avLst/>
-          </a:prstGeom>
-        </p:spPr>
-        <p:style>
-          <a:lnRef idx="2">
-            <a:schemeClr val="accent2">
-              <a:shade val="15000"/>
-            </a:schemeClr>
-          </a:lnRef>
-          <a:fillRef idx="1">
-            <a:schemeClr val="accent2"/>
-          </a:fillRef>
-          <a:effectRef idx="0">
-            <a:schemeClr val="accent2"/>
-          </a:effectRef>
-          <a:fontRef idx="minor">
-            <a:schemeClr val="lt1"/>
-          </a:fontRef>
-        </p:style>
-        <p:txBody>
-          <a:bodyPr rtlCol="0" anchor="ctr"/>
-          <a:lstStyle/>
-          <a:p>
-            <a:pPr algn="ctr"/>
-            <a:r>
-              <a:rPr lang="ko-KR" altLang="en-US" dirty="0"/>
-              <a:t>새 </a:t>
-            </a:r>
-            <a:r>
-              <a:rPr lang="ko-KR" altLang="en-US" dirty="0" err="1"/>
-              <a:t>파일만들기</a:t>
-            </a:r>
-            <a:endParaRPr lang="ko-KR" altLang="en-US" dirty="0"/>
-          </a:p>
-        </p:txBody>
-      </p:sp>
-      <p:sp>
-        <p:nvSpPr>
-          <p:cNvPr id="7" name="직사각형 6">
-            <a:extLst>
-              <a:ext uri="{FF2B5EF4-FFF2-40B4-BE49-F238E27FC236}">
-                <a16:creationId xmlns:a16="http://schemas.microsoft.com/office/drawing/2014/main" id="{2363676C-A5E9-1D86-3AAE-52D43DBE7D10}"/>
-              </a:ext>
-            </a:extLst>
-          </p:cNvPr>
-          <p:cNvSpPr/>
-          <p:nvPr/>
-        </p:nvSpPr>
-        <p:spPr>
-          <a:xfrm>
-            <a:off x="434109" y="5077692"/>
-            <a:ext cx="11323782" cy="699654"/>
-          </a:xfrm>
-          <a:prstGeom prst="rect">
-            <a:avLst/>
-          </a:prstGeom>
-        </p:spPr>
-        <p:style>
-          <a:lnRef idx="2">
-            <a:schemeClr val="accent1">
-              <a:shade val="15000"/>
-            </a:schemeClr>
-          </a:lnRef>
-          <a:fillRef idx="1">
-            <a:schemeClr val="accent1"/>
-          </a:fillRef>
-          <a:effectRef idx="0">
-            <a:schemeClr val="accent1"/>
-          </a:effectRef>
-          <a:fontRef idx="minor">
-            <a:schemeClr val="lt1"/>
-          </a:fontRef>
-        </p:style>
-        <p:txBody>
-          <a:bodyPr rtlCol="0" anchor="ctr"/>
-          <a:lstStyle/>
-          <a:p>
-            <a:pPr algn="ctr"/>
-            <a:r>
-              <a:rPr lang="ko-KR" altLang="en-US" dirty="0"/>
-              <a:t>프로젝트 </a:t>
-            </a:r>
-            <a:r>
-              <a:rPr lang="ko-KR" altLang="en-US" dirty="0" err="1"/>
-              <a:t>선택후</a:t>
-            </a:r>
-            <a:r>
               <a:rPr lang="ko-KR" altLang="en-US"/>
-              <a:t> 컨트롤 </a:t>
-            </a:r>
-            <a:r>
-              <a:rPr lang="en-US" altLang="ko-KR" dirty="0"/>
-              <a:t>+ </a:t>
-            </a:r>
-            <a:r>
-              <a:rPr lang="ko-KR" altLang="en-US" dirty="0"/>
-              <a:t>시프트 </a:t>
-            </a:r>
-            <a:r>
-              <a:rPr lang="en-US" altLang="ko-KR" dirty="0"/>
-              <a:t>+ A</a:t>
+              <a:t>파일관련</a:t>
             </a:r>
             <a:endParaRPr lang="ko-KR" altLang="en-US" dirty="0"/>
           </a:p>
@@ -3971,7 +4019,7 @@
     </p:spTree>
     <p:extLst>
       <p:ext uri="{BB962C8B-B14F-4D97-AF65-F5344CB8AC3E}">
-        <p14:creationId xmlns:p14="http://schemas.microsoft.com/office/powerpoint/2010/main" val="2058413992"/>
+        <p14:creationId xmlns:p14="http://schemas.microsoft.com/office/powerpoint/2010/main" val="543264706"/>
       </p:ext>
     </p:extLst>
   </p:cSld>
@@ -4000,6 +4048,408 @@
       </p:grpSpPr>
       <p:sp>
         <p:nvSpPr>
+          <p:cNvPr id="2" name="직사각형 1">
+            <a:extLst>
+              <a:ext uri="{FF2B5EF4-FFF2-40B4-BE49-F238E27FC236}">
+                <a16:creationId xmlns:a16="http://schemas.microsoft.com/office/drawing/2014/main" id="{41AE9207-08CC-7B4C-E9CA-FE91309CB5F0}"/>
+              </a:ext>
+            </a:extLst>
+          </p:cNvPr>
+          <p:cNvSpPr/>
+          <p:nvPr/>
+        </p:nvSpPr>
+        <p:spPr>
+          <a:xfrm>
+            <a:off x="434109" y="528782"/>
+            <a:ext cx="11323782" cy="699654"/>
+          </a:xfrm>
+          <a:prstGeom prst="rect">
+            <a:avLst/>
+          </a:prstGeom>
+        </p:spPr>
+        <p:style>
+          <a:lnRef idx="2">
+            <a:schemeClr val="accent2">
+              <a:shade val="15000"/>
+            </a:schemeClr>
+          </a:lnRef>
+          <a:fillRef idx="1">
+            <a:schemeClr val="accent2"/>
+          </a:fillRef>
+          <a:effectRef idx="0">
+            <a:schemeClr val="accent2"/>
+          </a:effectRef>
+          <a:fontRef idx="minor">
+            <a:schemeClr val="lt1"/>
+          </a:fontRef>
+        </p:style>
+        <p:txBody>
+          <a:bodyPr rtlCol="0" anchor="ctr"/>
+          <a:lstStyle/>
+          <a:p>
+            <a:pPr algn="ctr"/>
+            <a:r>
+              <a:rPr lang="en-US" altLang="ko-KR" dirty="0"/>
+              <a:t>#include </a:t>
+            </a:r>
+            <a:r>
+              <a:rPr lang="ko-KR" altLang="en-US" dirty="0"/>
+              <a:t>파일을 열기</a:t>
+            </a:r>
+          </a:p>
+        </p:txBody>
+      </p:sp>
+      <p:sp>
+        <p:nvSpPr>
+          <p:cNvPr id="3" name="직사각형 2">
+            <a:extLst>
+              <a:ext uri="{FF2B5EF4-FFF2-40B4-BE49-F238E27FC236}">
+                <a16:creationId xmlns:a16="http://schemas.microsoft.com/office/drawing/2014/main" id="{0896559C-009B-D4B4-E508-A88915C734C9}"/>
+              </a:ext>
+            </a:extLst>
+          </p:cNvPr>
+          <p:cNvSpPr/>
+          <p:nvPr/>
+        </p:nvSpPr>
+        <p:spPr>
+          <a:xfrm>
+            <a:off x="434109" y="1438564"/>
+            <a:ext cx="11323782" cy="699654"/>
+          </a:xfrm>
+          <a:prstGeom prst="rect">
+            <a:avLst/>
+          </a:prstGeom>
+        </p:spPr>
+        <p:style>
+          <a:lnRef idx="2">
+            <a:schemeClr val="accent1">
+              <a:shade val="15000"/>
+            </a:schemeClr>
+          </a:lnRef>
+          <a:fillRef idx="1">
+            <a:schemeClr val="accent1"/>
+          </a:fillRef>
+          <a:effectRef idx="0">
+            <a:schemeClr val="accent1"/>
+          </a:effectRef>
+          <a:fontRef idx="minor">
+            <a:schemeClr val="lt1"/>
+          </a:fontRef>
+        </p:style>
+        <p:txBody>
+          <a:bodyPr rtlCol="0" anchor="ctr"/>
+          <a:lstStyle/>
+          <a:p>
+            <a:pPr algn="ctr"/>
+            <a:r>
+              <a:rPr lang="ko-KR" altLang="en-US" dirty="0"/>
+              <a:t>컨트롤 </a:t>
+            </a:r>
+            <a:r>
+              <a:rPr lang="en-US" altLang="ko-KR" dirty="0"/>
+              <a:t>+ </a:t>
+            </a:r>
+            <a:r>
+              <a:rPr lang="ko-KR" altLang="en-US" dirty="0"/>
+              <a:t>시프트 </a:t>
+            </a:r>
+            <a:r>
+              <a:rPr lang="en-US" altLang="ko-KR" dirty="0"/>
+              <a:t>+ G</a:t>
+            </a:r>
+            <a:endParaRPr lang="ko-KR" altLang="en-US" dirty="0"/>
+          </a:p>
+        </p:txBody>
+      </p:sp>
+      <p:sp>
+        <p:nvSpPr>
+          <p:cNvPr id="4" name="직사각형 3">
+            <a:extLst>
+              <a:ext uri="{FF2B5EF4-FFF2-40B4-BE49-F238E27FC236}">
+                <a16:creationId xmlns:a16="http://schemas.microsoft.com/office/drawing/2014/main" id="{3721E046-6A63-4B9B-4A4D-C33FF03906C4}"/>
+              </a:ext>
+            </a:extLst>
+          </p:cNvPr>
+          <p:cNvSpPr/>
+          <p:nvPr/>
+        </p:nvSpPr>
+        <p:spPr>
+          <a:xfrm>
+            <a:off x="434109" y="2348346"/>
+            <a:ext cx="11323782" cy="699654"/>
+          </a:xfrm>
+          <a:prstGeom prst="rect">
+            <a:avLst/>
+          </a:prstGeom>
+        </p:spPr>
+        <p:style>
+          <a:lnRef idx="2">
+            <a:schemeClr val="accent2">
+              <a:shade val="15000"/>
+            </a:schemeClr>
+          </a:lnRef>
+          <a:fillRef idx="1">
+            <a:schemeClr val="accent2"/>
+          </a:fillRef>
+          <a:effectRef idx="0">
+            <a:schemeClr val="accent2"/>
+          </a:effectRef>
+          <a:fontRef idx="minor">
+            <a:schemeClr val="lt1"/>
+          </a:fontRef>
+        </p:style>
+        <p:txBody>
+          <a:bodyPr rtlCol="0" anchor="ctr"/>
+          <a:lstStyle/>
+          <a:p>
+            <a:pPr algn="ctr"/>
+            <a:r>
+              <a:rPr lang="ko-KR" altLang="en-US" dirty="0"/>
+              <a:t>한파일의 코드 전체선택</a:t>
+            </a:r>
+          </a:p>
+        </p:txBody>
+      </p:sp>
+      <p:sp>
+        <p:nvSpPr>
+          <p:cNvPr id="5" name="직사각형 4">
+            <a:extLst>
+              <a:ext uri="{FF2B5EF4-FFF2-40B4-BE49-F238E27FC236}">
+                <a16:creationId xmlns:a16="http://schemas.microsoft.com/office/drawing/2014/main" id="{F8447077-EE64-B455-01B2-714B8557369E}"/>
+              </a:ext>
+            </a:extLst>
+          </p:cNvPr>
+          <p:cNvSpPr/>
+          <p:nvPr/>
+        </p:nvSpPr>
+        <p:spPr>
+          <a:xfrm>
+            <a:off x="434109" y="3258128"/>
+            <a:ext cx="11323782" cy="699654"/>
+          </a:xfrm>
+          <a:prstGeom prst="rect">
+            <a:avLst/>
+          </a:prstGeom>
+        </p:spPr>
+        <p:style>
+          <a:lnRef idx="2">
+            <a:schemeClr val="accent1">
+              <a:shade val="15000"/>
+            </a:schemeClr>
+          </a:lnRef>
+          <a:fillRef idx="1">
+            <a:schemeClr val="accent1"/>
+          </a:fillRef>
+          <a:effectRef idx="0">
+            <a:schemeClr val="accent1"/>
+          </a:effectRef>
+          <a:fontRef idx="minor">
+            <a:schemeClr val="lt1"/>
+          </a:fontRef>
+        </p:style>
+        <p:txBody>
+          <a:bodyPr rtlCol="0" anchor="ctr"/>
+          <a:lstStyle/>
+          <a:p>
+            <a:pPr algn="ctr"/>
+            <a:r>
+              <a:rPr lang="ko-KR" altLang="en-US" dirty="0"/>
+              <a:t>시프트 </a:t>
+            </a:r>
+            <a:r>
+              <a:rPr lang="en-US" altLang="ko-KR" dirty="0"/>
+              <a:t>+ A</a:t>
+            </a:r>
+            <a:endParaRPr lang="ko-KR" altLang="en-US" dirty="0"/>
+          </a:p>
+        </p:txBody>
+      </p:sp>
+      <p:sp>
+        <p:nvSpPr>
+          <p:cNvPr id="6" name="직사각형 5">
+            <a:extLst>
+              <a:ext uri="{FF2B5EF4-FFF2-40B4-BE49-F238E27FC236}">
+                <a16:creationId xmlns:a16="http://schemas.microsoft.com/office/drawing/2014/main" id="{D1664856-8ED9-174A-4A18-93ABAEB256DF}"/>
+              </a:ext>
+            </a:extLst>
+          </p:cNvPr>
+          <p:cNvSpPr/>
+          <p:nvPr/>
+        </p:nvSpPr>
+        <p:spPr>
+          <a:xfrm>
+            <a:off x="434109" y="4167910"/>
+            <a:ext cx="11323782" cy="699654"/>
+          </a:xfrm>
+          <a:prstGeom prst="rect">
+            <a:avLst/>
+          </a:prstGeom>
+        </p:spPr>
+        <p:style>
+          <a:lnRef idx="2">
+            <a:schemeClr val="accent2">
+              <a:shade val="15000"/>
+            </a:schemeClr>
+          </a:lnRef>
+          <a:fillRef idx="1">
+            <a:schemeClr val="accent2"/>
+          </a:fillRef>
+          <a:effectRef idx="0">
+            <a:schemeClr val="accent2"/>
+          </a:effectRef>
+          <a:fontRef idx="minor">
+            <a:schemeClr val="lt1"/>
+          </a:fontRef>
+        </p:style>
+        <p:txBody>
+          <a:bodyPr rtlCol="0" anchor="ctr"/>
+          <a:lstStyle/>
+          <a:p>
+            <a:pPr algn="ctr"/>
+            <a:r>
+              <a:rPr lang="ko-KR" altLang="en-US" dirty="0"/>
+              <a:t>새 </a:t>
+            </a:r>
+            <a:r>
+              <a:rPr lang="ko-KR" altLang="en-US" dirty="0" err="1"/>
+              <a:t>파일만들기</a:t>
+            </a:r>
+            <a:endParaRPr lang="ko-KR" altLang="en-US" dirty="0"/>
+          </a:p>
+        </p:txBody>
+      </p:sp>
+      <p:sp>
+        <p:nvSpPr>
+          <p:cNvPr id="7" name="직사각형 6">
+            <a:extLst>
+              <a:ext uri="{FF2B5EF4-FFF2-40B4-BE49-F238E27FC236}">
+                <a16:creationId xmlns:a16="http://schemas.microsoft.com/office/drawing/2014/main" id="{2363676C-A5E9-1D86-3AAE-52D43DBE7D10}"/>
+              </a:ext>
+            </a:extLst>
+          </p:cNvPr>
+          <p:cNvSpPr/>
+          <p:nvPr/>
+        </p:nvSpPr>
+        <p:spPr>
+          <a:xfrm>
+            <a:off x="434109" y="5077692"/>
+            <a:ext cx="11323782" cy="699654"/>
+          </a:xfrm>
+          <a:prstGeom prst="rect">
+            <a:avLst/>
+          </a:prstGeom>
+        </p:spPr>
+        <p:style>
+          <a:lnRef idx="2">
+            <a:schemeClr val="accent1">
+              <a:shade val="15000"/>
+            </a:schemeClr>
+          </a:lnRef>
+          <a:fillRef idx="1">
+            <a:schemeClr val="accent1"/>
+          </a:fillRef>
+          <a:effectRef idx="0">
+            <a:schemeClr val="accent1"/>
+          </a:effectRef>
+          <a:fontRef idx="minor">
+            <a:schemeClr val="lt1"/>
+          </a:fontRef>
+        </p:style>
+        <p:txBody>
+          <a:bodyPr rtlCol="0" anchor="ctr"/>
+          <a:lstStyle/>
+          <a:p>
+            <a:pPr algn="ctr"/>
+            <a:r>
+              <a:rPr lang="ko-KR" altLang="en-US" dirty="0"/>
+              <a:t>프로젝트 </a:t>
+            </a:r>
+            <a:r>
+              <a:rPr lang="ko-KR" altLang="en-US" dirty="0" err="1"/>
+              <a:t>선택후</a:t>
+            </a:r>
+            <a:r>
+              <a:rPr lang="ko-KR" altLang="en-US" dirty="0"/>
+              <a:t> 컨트롤 </a:t>
+            </a:r>
+            <a:r>
+              <a:rPr lang="en-US" altLang="ko-KR" dirty="0"/>
+              <a:t>+ </a:t>
+            </a:r>
+            <a:r>
+              <a:rPr lang="ko-KR" altLang="en-US" dirty="0"/>
+              <a:t>시프트 </a:t>
+            </a:r>
+            <a:r>
+              <a:rPr lang="en-US" altLang="ko-KR" dirty="0"/>
+              <a:t>+ A</a:t>
+            </a:r>
+            <a:endParaRPr lang="ko-KR" altLang="en-US" dirty="0"/>
+          </a:p>
+        </p:txBody>
+      </p:sp>
+      <p:pic>
+        <p:nvPicPr>
+          <p:cNvPr id="9" name="그림 8">
+            <a:extLst>
+              <a:ext uri="{FF2B5EF4-FFF2-40B4-BE49-F238E27FC236}">
+                <a16:creationId xmlns:a16="http://schemas.microsoft.com/office/drawing/2014/main" id="{C7A8EA3B-D040-294E-87D8-8168188E19BF}"/>
+              </a:ext>
+            </a:extLst>
+          </p:cNvPr>
+          <p:cNvPicPr>
+            <a:picLocks noChangeAspect="1"/>
+          </p:cNvPicPr>
+          <p:nvPr/>
+        </p:nvPicPr>
+        <p:blipFill>
+          <a:blip r:embed="rId2"/>
+          <a:stretch>
+            <a:fillRect/>
+          </a:stretch>
+        </p:blipFill>
+        <p:spPr>
+          <a:xfrm>
+            <a:off x="2247389" y="6059056"/>
+            <a:ext cx="7316221" cy="2829320"/>
+          </a:xfrm>
+          <a:prstGeom prst="rect">
+            <a:avLst/>
+          </a:prstGeom>
+        </p:spPr>
+      </p:pic>
+    </p:spTree>
+    <p:extLst>
+      <p:ext uri="{BB962C8B-B14F-4D97-AF65-F5344CB8AC3E}">
+        <p14:creationId xmlns:p14="http://schemas.microsoft.com/office/powerpoint/2010/main" val="2058413992"/>
+      </p:ext>
+    </p:extLst>
+  </p:cSld>
+  <p:clrMapOvr>
+    <a:masterClrMapping/>
+  </p:clrMapOvr>
+</p:sld>
+</file>
+
+<file path=ppt/slides/slide13.xml><?xml version="1.0" encoding="utf-8"?>
+<p:sld xmlns:a="http://schemas.openxmlformats.org/drawingml/2006/main" xmlns:r="http://schemas.openxmlformats.org/officeDocument/2006/relationships" xmlns:p="http://schemas.openxmlformats.org/presentationml/2006/main">
+  <p:cSld>
+    <p:spTree>
+      <p:nvGrpSpPr>
+        <p:cNvPr id="1" name=""/>
+        <p:cNvGrpSpPr/>
+        <p:nvPr/>
+      </p:nvGrpSpPr>
+      <p:grpSpPr>
+        <a:xfrm>
+          <a:off x="0" y="0"/>
+          <a:ext cx="0" cy="0"/>
+          <a:chOff x="0" y="0"/>
+          <a:chExt cx="0" cy="0"/>
+        </a:xfrm>
+      </p:grpSpPr>
+      <p:sp>
+        <p:nvSpPr>
           <p:cNvPr id="3" name="직사각형 2">
             <a:extLst>
               <a:ext uri="{FF2B5EF4-FFF2-40B4-BE49-F238E27FC236}">
@@ -4061,7 +4511,7 @@
 </p:sld>
 </file>
 
-<file path=ppt/slides/slide13.xml><?xml version="1.0" encoding="utf-8"?>
+<file path=ppt/slides/slide14.xml><?xml version="1.0" encoding="utf-8"?>
 <p:sld xmlns:a="http://schemas.openxmlformats.org/drawingml/2006/main" xmlns:r="http://schemas.openxmlformats.org/officeDocument/2006/relationships" xmlns:p="http://schemas.openxmlformats.org/presentationml/2006/main">
   <p:cSld>
     <p:spTree>
@@ -4891,147 +5341,6 @@
 </p:sld>
 </file>
 
-<file path=ppt/slides/slide14.xml><?xml version="1.0" encoding="utf-8"?>
-<p:sld xmlns:a="http://schemas.openxmlformats.org/drawingml/2006/main" xmlns:r="http://schemas.openxmlformats.org/officeDocument/2006/relationships" xmlns:p="http://schemas.openxmlformats.org/presentationml/2006/main">
-  <p:cSld>
-    <p:spTree>
-      <p:nvGrpSpPr>
-        <p:cNvPr id="1" name=""/>
-        <p:cNvGrpSpPr/>
-        <p:nvPr/>
-      </p:nvGrpSpPr>
-      <p:grpSpPr>
-        <a:xfrm>
-          <a:off x="0" y="0"/>
-          <a:ext cx="0" cy="0"/>
-          <a:chOff x="0" y="0"/>
-          <a:chExt cx="0" cy="0"/>
-        </a:xfrm>
-      </p:grpSpPr>
-      <p:sp>
-        <p:nvSpPr>
-          <p:cNvPr id="4" name="직사각형 3">
-            <a:extLst>
-              <a:ext uri="{FF2B5EF4-FFF2-40B4-BE49-F238E27FC236}">
-                <a16:creationId xmlns:a16="http://schemas.microsoft.com/office/drawing/2014/main" id="{BF543E7D-B64F-96E1-71EC-DD4B0AC09943}"/>
-              </a:ext>
-            </a:extLst>
-          </p:cNvPr>
-          <p:cNvSpPr/>
-          <p:nvPr/>
-        </p:nvSpPr>
-        <p:spPr>
-          <a:xfrm>
-            <a:off x="179666" y="619992"/>
-            <a:ext cx="2314864" cy="699654"/>
-          </a:xfrm>
-          <a:prstGeom prst="rect">
-            <a:avLst/>
-          </a:prstGeom>
-        </p:spPr>
-        <p:style>
-          <a:lnRef idx="2">
-            <a:schemeClr val="accent1">
-              <a:shade val="15000"/>
-            </a:schemeClr>
-          </a:lnRef>
-          <a:fillRef idx="1">
-            <a:schemeClr val="accent1"/>
-          </a:fillRef>
-          <a:effectRef idx="0">
-            <a:schemeClr val="accent1"/>
-          </a:effectRef>
-          <a:fontRef idx="minor">
-            <a:schemeClr val="lt1"/>
-          </a:fontRef>
-        </p:style>
-        <p:txBody>
-          <a:bodyPr rtlCol="0" anchor="ctr"/>
-          <a:lstStyle/>
-          <a:p>
-            <a:pPr algn="ctr"/>
-            <a:r>
-              <a:rPr lang="ko-KR" altLang="en-US" dirty="0"/>
-              <a:t>컴파일 </a:t>
-            </a:r>
-            <a:r>
-              <a:rPr lang="ko-KR" altLang="en-US" dirty="0" err="1"/>
-              <a:t>에러시</a:t>
-            </a:r>
-            <a:endParaRPr lang="en-US" altLang="ko-KR" dirty="0"/>
-          </a:p>
-          <a:p>
-            <a:pPr algn="ctr"/>
-            <a:r>
-              <a:rPr lang="ko-KR" altLang="en-US" dirty="0"/>
-              <a:t>에러 위치로 이동</a:t>
-            </a:r>
-          </a:p>
-        </p:txBody>
-      </p:sp>
-      <p:sp>
-        <p:nvSpPr>
-          <p:cNvPr id="5" name="직사각형 4">
-            <a:extLst>
-              <a:ext uri="{FF2B5EF4-FFF2-40B4-BE49-F238E27FC236}">
-                <a16:creationId xmlns:a16="http://schemas.microsoft.com/office/drawing/2014/main" id="{44D6DBC5-8748-C6A7-2150-FED36194AA1A}"/>
-              </a:ext>
-            </a:extLst>
-          </p:cNvPr>
-          <p:cNvSpPr/>
-          <p:nvPr/>
-        </p:nvSpPr>
-        <p:spPr>
-          <a:xfrm>
-            <a:off x="2687338" y="619992"/>
-            <a:ext cx="3913909" cy="699654"/>
-          </a:xfrm>
-          <a:prstGeom prst="rect">
-            <a:avLst/>
-          </a:prstGeom>
-        </p:spPr>
-        <p:style>
-          <a:lnRef idx="2">
-            <a:schemeClr val="accent1">
-              <a:shade val="15000"/>
-            </a:schemeClr>
-          </a:lnRef>
-          <a:fillRef idx="1">
-            <a:schemeClr val="accent1"/>
-          </a:fillRef>
-          <a:effectRef idx="0">
-            <a:schemeClr val="accent1"/>
-          </a:effectRef>
-          <a:fontRef idx="minor">
-            <a:schemeClr val="lt1"/>
-          </a:fontRef>
-        </p:style>
-        <p:txBody>
-          <a:bodyPr rtlCol="0" anchor="ctr"/>
-          <a:lstStyle/>
-          <a:p>
-            <a:pPr algn="ctr"/>
-            <a:r>
-              <a:rPr lang="en-US" altLang="ko-KR" dirty="0"/>
-              <a:t>F8</a:t>
-            </a:r>
-            <a:endParaRPr lang="ko-KR" altLang="en-US" dirty="0"/>
-          </a:p>
-        </p:txBody>
-      </p:sp>
-    </p:spTree>
-    <p:extLst>
-      <p:ext uri="{BB962C8B-B14F-4D97-AF65-F5344CB8AC3E}">
-        <p14:creationId xmlns:p14="http://schemas.microsoft.com/office/powerpoint/2010/main" val="3295177245"/>
-      </p:ext>
-    </p:extLst>
-  </p:cSld>
-  <p:clrMapOvr>
-    <a:masterClrMapping/>
-  </p:clrMapOvr>
-</p:sld>
-</file>
-
 <file path=ppt/slides/slide15.xml><?xml version="1.0" encoding="utf-8"?>
 <p:sld xmlns:a="http://schemas.openxmlformats.org/drawingml/2006/main" xmlns:r="http://schemas.openxmlformats.org/officeDocument/2006/relationships" xmlns:p="http://schemas.openxmlformats.org/presentationml/2006/main">
   <p:cSld>
@@ -5051,10 +5360,10 @@
       </p:grpSpPr>
       <p:sp>
         <p:nvSpPr>
-          <p:cNvPr id="3" name="직사각형 2">
-            <a:extLst>
-              <a:ext uri="{FF2B5EF4-FFF2-40B4-BE49-F238E27FC236}">
-                <a16:creationId xmlns:a16="http://schemas.microsoft.com/office/drawing/2014/main" id="{A5840210-0674-BA1E-A813-66127759208E}"/>
+          <p:cNvPr id="4" name="직사각형 3">
+            <a:extLst>
+              <a:ext uri="{FF2B5EF4-FFF2-40B4-BE49-F238E27FC236}">
+                <a16:creationId xmlns:a16="http://schemas.microsoft.com/office/drawing/2014/main" id="{BF543E7D-B64F-96E1-71EC-DD4B0AC09943}"/>
               </a:ext>
             </a:extLst>
           </p:cNvPr>
@@ -5063,8 +5372,8 @@
         </p:nvSpPr>
         <p:spPr>
           <a:xfrm>
-            <a:off x="434109" y="556490"/>
-            <a:ext cx="11323782" cy="5908963"/>
+            <a:off x="179666" y="619992"/>
+            <a:ext cx="2314864" cy="699654"/>
           </a:xfrm>
           <a:prstGeom prst="rect">
             <a:avLst/>
@@ -5092,8 +5401,69 @@
           <a:p>
             <a:pPr algn="ctr"/>
             <a:r>
-              <a:rPr lang="ko-KR" altLang="en-US"/>
-              <a:t>주석</a:t>
+              <a:rPr lang="ko-KR" altLang="en-US" dirty="0"/>
+              <a:t>컴파일 </a:t>
+            </a:r>
+            <a:r>
+              <a:rPr lang="ko-KR" altLang="en-US" dirty="0" err="1"/>
+              <a:t>에러시</a:t>
+            </a:r>
+            <a:endParaRPr lang="en-US" altLang="ko-KR" dirty="0"/>
+          </a:p>
+          <a:p>
+            <a:pPr algn="ctr"/>
+            <a:r>
+              <a:rPr lang="ko-KR" altLang="en-US" dirty="0"/>
+              <a:t>에러 위치로 이동</a:t>
+            </a:r>
+          </a:p>
+        </p:txBody>
+      </p:sp>
+      <p:sp>
+        <p:nvSpPr>
+          <p:cNvPr id="5" name="직사각형 4">
+            <a:extLst>
+              <a:ext uri="{FF2B5EF4-FFF2-40B4-BE49-F238E27FC236}">
+                <a16:creationId xmlns:a16="http://schemas.microsoft.com/office/drawing/2014/main" id="{44D6DBC5-8748-C6A7-2150-FED36194AA1A}"/>
+              </a:ext>
+            </a:extLst>
+          </p:cNvPr>
+          <p:cNvSpPr/>
+          <p:nvPr/>
+        </p:nvSpPr>
+        <p:spPr>
+          <a:xfrm>
+            <a:off x="2687338" y="619992"/>
+            <a:ext cx="3913909" cy="699654"/>
+          </a:xfrm>
+          <a:prstGeom prst="rect">
+            <a:avLst/>
+          </a:prstGeom>
+        </p:spPr>
+        <p:style>
+          <a:lnRef idx="2">
+            <a:schemeClr val="accent1">
+              <a:shade val="15000"/>
+            </a:schemeClr>
+          </a:lnRef>
+          <a:fillRef idx="1">
+            <a:schemeClr val="accent1"/>
+          </a:fillRef>
+          <a:effectRef idx="0">
+            <a:schemeClr val="accent1"/>
+          </a:effectRef>
+          <a:fontRef idx="minor">
+            <a:schemeClr val="lt1"/>
+          </a:fontRef>
+        </p:style>
+        <p:txBody>
+          <a:bodyPr rtlCol="0" anchor="ctr"/>
+          <a:lstStyle/>
+          <a:p>
+            <a:pPr algn="ctr"/>
+            <a:r>
+              <a:rPr lang="en-US" altLang="ko-KR" dirty="0"/>
+              <a:t>F8</a:t>
             </a:r>
             <a:endParaRPr lang="ko-KR" altLang="en-US" dirty="0"/>
           </a:p>
@@ -5102,7 +5472,7 @@
     </p:spTree>
     <p:extLst>
       <p:ext uri="{BB962C8B-B14F-4D97-AF65-F5344CB8AC3E}">
-        <p14:creationId xmlns:p14="http://schemas.microsoft.com/office/powerpoint/2010/main" val="1634534451"/>
+        <p14:creationId xmlns:p14="http://schemas.microsoft.com/office/powerpoint/2010/main" val="3295177245"/>
       </p:ext>
     </p:extLst>
   </p:cSld>
@@ -5129,42 +5499,12 @@
           <a:chExt cx="0" cy="0"/>
         </a:xfrm>
       </p:grpSpPr>
-      <p:pic>
-        <p:nvPicPr>
-          <p:cNvPr id="3" name="그림 2">
-            <a:extLst>
-              <a:ext uri="{FF2B5EF4-FFF2-40B4-BE49-F238E27FC236}">
-                <a16:creationId xmlns:a16="http://schemas.microsoft.com/office/drawing/2014/main" id="{DF073574-7B28-FEE2-C902-9E19A825D40F}"/>
-              </a:ext>
-            </a:extLst>
-          </p:cNvPr>
-          <p:cNvPicPr>
-            <a:picLocks noChangeAspect="1"/>
-          </p:cNvPicPr>
-          <p:nvPr/>
-        </p:nvPicPr>
-        <p:blipFill>
-          <a:blip r:embed="rId2"/>
-          <a:stretch>
-            <a:fillRect/>
-          </a:stretch>
-        </p:blipFill>
-        <p:spPr>
-          <a:xfrm>
-            <a:off x="780524" y="4135062"/>
-            <a:ext cx="5458587" cy="1247949"/>
-          </a:xfrm>
-          <a:prstGeom prst="rect">
-            <a:avLst/>
-          </a:prstGeom>
-        </p:spPr>
-      </p:pic>
-      <p:sp>
-        <p:nvSpPr>
-          <p:cNvPr id="2" name="직사각형 1">
-            <a:extLst>
-              <a:ext uri="{FF2B5EF4-FFF2-40B4-BE49-F238E27FC236}">
-                <a16:creationId xmlns:a16="http://schemas.microsoft.com/office/drawing/2014/main" id="{1C3525FB-3D1D-0C95-38E1-4EFC0E102AAF}"/>
+      <p:sp>
+        <p:nvSpPr>
+          <p:cNvPr id="3" name="직사각형 2">
+            <a:extLst>
+              <a:ext uri="{FF2B5EF4-FFF2-40B4-BE49-F238E27FC236}">
+                <a16:creationId xmlns:a16="http://schemas.microsoft.com/office/drawing/2014/main" id="{A5840210-0674-BA1E-A813-66127759208E}"/>
               </a:ext>
             </a:extLst>
           </p:cNvPr>
@@ -5173,8 +5513,8 @@
         </p:nvSpPr>
         <p:spPr>
           <a:xfrm>
-            <a:off x="618393" y="897083"/>
-            <a:ext cx="3913909" cy="699654"/>
+            <a:off x="434109" y="556490"/>
+            <a:ext cx="11323782" cy="5908963"/>
           </a:xfrm>
           <a:prstGeom prst="rect">
             <a:avLst/>
@@ -5202,164 +5542,8 @@
           <a:p>
             <a:pPr algn="ctr"/>
             <a:r>
-              <a:rPr lang="ko-KR" altLang="en-US" dirty="0"/>
-              <a:t>주석 걸기</a:t>
-            </a:r>
-          </a:p>
-        </p:txBody>
-      </p:sp>
-      <p:sp>
-        <p:nvSpPr>
-          <p:cNvPr id="4" name="직사각형 3">
-            <a:extLst>
-              <a:ext uri="{FF2B5EF4-FFF2-40B4-BE49-F238E27FC236}">
-                <a16:creationId xmlns:a16="http://schemas.microsoft.com/office/drawing/2014/main" id="{2BF92A7F-E045-08A5-74B2-7E4838D69A4A}"/>
-              </a:ext>
-            </a:extLst>
-          </p:cNvPr>
-          <p:cNvSpPr/>
-          <p:nvPr/>
-        </p:nvSpPr>
-        <p:spPr>
-          <a:xfrm>
-            <a:off x="4797847" y="897083"/>
-            <a:ext cx="3913909" cy="699654"/>
-          </a:xfrm>
-          <a:prstGeom prst="rect">
-            <a:avLst/>
-          </a:prstGeom>
-        </p:spPr>
-        <p:style>
-          <a:lnRef idx="2">
-            <a:schemeClr val="accent1">
-              <a:shade val="15000"/>
-            </a:schemeClr>
-          </a:lnRef>
-          <a:fillRef idx="1">
-            <a:schemeClr val="accent1"/>
-          </a:fillRef>
-          <a:effectRef idx="0">
-            <a:schemeClr val="accent1"/>
-          </a:effectRef>
-          <a:fontRef idx="minor">
-            <a:schemeClr val="lt1"/>
-          </a:fontRef>
-        </p:style>
-        <p:txBody>
-          <a:bodyPr rtlCol="0" anchor="ctr"/>
-          <a:lstStyle/>
-          <a:p>
-            <a:pPr algn="ctr"/>
-            <a:r>
-              <a:rPr lang="ko-KR" altLang="en-US" dirty="0"/>
-              <a:t>컨트롤 </a:t>
-            </a:r>
-            <a:r>
-              <a:rPr lang="en-US" altLang="ko-KR" dirty="0"/>
-              <a:t>+ K + C</a:t>
-            </a:r>
-            <a:endParaRPr lang="ko-KR" altLang="en-US" dirty="0"/>
-          </a:p>
-        </p:txBody>
-      </p:sp>
-      <p:sp>
-        <p:nvSpPr>
-          <p:cNvPr id="5" name="직사각형 4">
-            <a:extLst>
-              <a:ext uri="{FF2B5EF4-FFF2-40B4-BE49-F238E27FC236}">
-                <a16:creationId xmlns:a16="http://schemas.microsoft.com/office/drawing/2014/main" id="{CF666F2A-6DBB-CE3F-1F7B-1E3DEAF474D2}"/>
-              </a:ext>
-            </a:extLst>
-          </p:cNvPr>
-          <p:cNvSpPr/>
-          <p:nvPr/>
-        </p:nvSpPr>
-        <p:spPr>
-          <a:xfrm>
-            <a:off x="618393" y="2023284"/>
-            <a:ext cx="3913909" cy="699654"/>
-          </a:xfrm>
-          <a:prstGeom prst="rect">
-            <a:avLst/>
-          </a:prstGeom>
-        </p:spPr>
-        <p:style>
-          <a:lnRef idx="2">
-            <a:schemeClr val="accent1">
-              <a:shade val="15000"/>
-            </a:schemeClr>
-          </a:lnRef>
-          <a:fillRef idx="1">
-            <a:schemeClr val="accent1"/>
-          </a:fillRef>
-          <a:effectRef idx="0">
-            <a:schemeClr val="accent1"/>
-          </a:effectRef>
-          <a:fontRef idx="minor">
-            <a:schemeClr val="lt1"/>
-          </a:fontRef>
-        </p:style>
-        <p:txBody>
-          <a:bodyPr rtlCol="0" anchor="ctr"/>
-          <a:lstStyle/>
-          <a:p>
-            <a:pPr algn="ctr"/>
-            <a:r>
-              <a:rPr lang="ko-KR" altLang="en-US" dirty="0"/>
-              <a:t>주석 풀기</a:t>
-            </a:r>
-          </a:p>
-        </p:txBody>
-      </p:sp>
-      <p:sp>
-        <p:nvSpPr>
-          <p:cNvPr id="6" name="직사각형 5">
-            <a:extLst>
-              <a:ext uri="{FF2B5EF4-FFF2-40B4-BE49-F238E27FC236}">
-                <a16:creationId xmlns:a16="http://schemas.microsoft.com/office/drawing/2014/main" id="{953CB6DC-C61C-9E9E-92E0-8AC323E2E857}"/>
-              </a:ext>
-            </a:extLst>
-          </p:cNvPr>
-          <p:cNvSpPr/>
-          <p:nvPr/>
-        </p:nvSpPr>
-        <p:spPr>
-          <a:xfrm>
-            <a:off x="4797847" y="2023284"/>
-            <a:ext cx="3913909" cy="699654"/>
-          </a:xfrm>
-          <a:prstGeom prst="rect">
-            <a:avLst/>
-          </a:prstGeom>
-        </p:spPr>
-        <p:style>
-          <a:lnRef idx="2">
-            <a:schemeClr val="accent1">
-              <a:shade val="15000"/>
-            </a:schemeClr>
-          </a:lnRef>
-          <a:fillRef idx="1">
-            <a:schemeClr val="accent1"/>
-          </a:fillRef>
-          <a:effectRef idx="0">
-            <a:schemeClr val="accent1"/>
-          </a:effectRef>
-          <a:fontRef idx="minor">
-            <a:schemeClr val="lt1"/>
-          </a:fontRef>
-        </p:style>
-        <p:txBody>
-          <a:bodyPr rtlCol="0" anchor="ctr"/>
-          <a:lstStyle/>
-          <a:p>
-            <a:pPr algn="ctr"/>
-            <a:r>
-              <a:rPr lang="ko-KR" altLang="en-US" dirty="0"/>
-              <a:t>컨트롤 </a:t>
-            </a:r>
-            <a:r>
-              <a:rPr lang="en-US" altLang="ko-KR" dirty="0"/>
-              <a:t>+ K + U</a:t>
+              <a:rPr lang="ko-KR" altLang="en-US"/>
+              <a:t>주석</a:t>
             </a:r>
             <a:endParaRPr lang="ko-KR" altLang="en-US" dirty="0"/>
           </a:p>
@@ -5368,7 +5552,7 @@
     </p:spTree>
     <p:extLst>
       <p:ext uri="{BB962C8B-B14F-4D97-AF65-F5344CB8AC3E}">
-        <p14:creationId xmlns:p14="http://schemas.microsoft.com/office/powerpoint/2010/main" val="1396673677"/>
+        <p14:creationId xmlns:p14="http://schemas.microsoft.com/office/powerpoint/2010/main" val="1634534451"/>
       </p:ext>
     </p:extLst>
   </p:cSld>
@@ -5395,6 +5579,272 @@
           <a:chExt cx="0" cy="0"/>
         </a:xfrm>
       </p:grpSpPr>
+      <p:pic>
+        <p:nvPicPr>
+          <p:cNvPr id="3" name="그림 2">
+            <a:extLst>
+              <a:ext uri="{FF2B5EF4-FFF2-40B4-BE49-F238E27FC236}">
+                <a16:creationId xmlns:a16="http://schemas.microsoft.com/office/drawing/2014/main" id="{DF073574-7B28-FEE2-C902-9E19A825D40F}"/>
+              </a:ext>
+            </a:extLst>
+          </p:cNvPr>
+          <p:cNvPicPr>
+            <a:picLocks noChangeAspect="1"/>
+          </p:cNvPicPr>
+          <p:nvPr/>
+        </p:nvPicPr>
+        <p:blipFill>
+          <a:blip r:embed="rId2"/>
+          <a:stretch>
+            <a:fillRect/>
+          </a:stretch>
+        </p:blipFill>
+        <p:spPr>
+          <a:xfrm>
+            <a:off x="780524" y="4135062"/>
+            <a:ext cx="5458587" cy="1247949"/>
+          </a:xfrm>
+          <a:prstGeom prst="rect">
+            <a:avLst/>
+          </a:prstGeom>
+        </p:spPr>
+      </p:pic>
+      <p:sp>
+        <p:nvSpPr>
+          <p:cNvPr id="2" name="직사각형 1">
+            <a:extLst>
+              <a:ext uri="{FF2B5EF4-FFF2-40B4-BE49-F238E27FC236}">
+                <a16:creationId xmlns:a16="http://schemas.microsoft.com/office/drawing/2014/main" id="{1C3525FB-3D1D-0C95-38E1-4EFC0E102AAF}"/>
+              </a:ext>
+            </a:extLst>
+          </p:cNvPr>
+          <p:cNvSpPr/>
+          <p:nvPr/>
+        </p:nvSpPr>
+        <p:spPr>
+          <a:xfrm>
+            <a:off x="618393" y="897083"/>
+            <a:ext cx="3913909" cy="699654"/>
+          </a:xfrm>
+          <a:prstGeom prst="rect">
+            <a:avLst/>
+          </a:prstGeom>
+        </p:spPr>
+        <p:style>
+          <a:lnRef idx="2">
+            <a:schemeClr val="accent1">
+              <a:shade val="15000"/>
+            </a:schemeClr>
+          </a:lnRef>
+          <a:fillRef idx="1">
+            <a:schemeClr val="accent1"/>
+          </a:fillRef>
+          <a:effectRef idx="0">
+            <a:schemeClr val="accent1"/>
+          </a:effectRef>
+          <a:fontRef idx="minor">
+            <a:schemeClr val="lt1"/>
+          </a:fontRef>
+        </p:style>
+        <p:txBody>
+          <a:bodyPr rtlCol="0" anchor="ctr"/>
+          <a:lstStyle/>
+          <a:p>
+            <a:pPr algn="ctr"/>
+            <a:r>
+              <a:rPr lang="ko-KR" altLang="en-US" dirty="0"/>
+              <a:t>주석 걸기</a:t>
+            </a:r>
+          </a:p>
+        </p:txBody>
+      </p:sp>
+      <p:sp>
+        <p:nvSpPr>
+          <p:cNvPr id="4" name="직사각형 3">
+            <a:extLst>
+              <a:ext uri="{FF2B5EF4-FFF2-40B4-BE49-F238E27FC236}">
+                <a16:creationId xmlns:a16="http://schemas.microsoft.com/office/drawing/2014/main" id="{2BF92A7F-E045-08A5-74B2-7E4838D69A4A}"/>
+              </a:ext>
+            </a:extLst>
+          </p:cNvPr>
+          <p:cNvSpPr/>
+          <p:nvPr/>
+        </p:nvSpPr>
+        <p:spPr>
+          <a:xfrm>
+            <a:off x="4797847" y="897083"/>
+            <a:ext cx="3913909" cy="699654"/>
+          </a:xfrm>
+          <a:prstGeom prst="rect">
+            <a:avLst/>
+          </a:prstGeom>
+        </p:spPr>
+        <p:style>
+          <a:lnRef idx="2">
+            <a:schemeClr val="accent1">
+              <a:shade val="15000"/>
+            </a:schemeClr>
+          </a:lnRef>
+          <a:fillRef idx="1">
+            <a:schemeClr val="accent1"/>
+          </a:fillRef>
+          <a:effectRef idx="0">
+            <a:schemeClr val="accent1"/>
+          </a:effectRef>
+          <a:fontRef idx="minor">
+            <a:schemeClr val="lt1"/>
+          </a:fontRef>
+        </p:style>
+        <p:txBody>
+          <a:bodyPr rtlCol="0" anchor="ctr"/>
+          <a:lstStyle/>
+          <a:p>
+            <a:pPr algn="ctr"/>
+            <a:r>
+              <a:rPr lang="ko-KR" altLang="en-US" dirty="0"/>
+              <a:t>컨트롤 </a:t>
+            </a:r>
+            <a:r>
+              <a:rPr lang="en-US" altLang="ko-KR" dirty="0"/>
+              <a:t>+ K + C</a:t>
+            </a:r>
+            <a:endParaRPr lang="ko-KR" altLang="en-US" dirty="0"/>
+          </a:p>
+        </p:txBody>
+      </p:sp>
+      <p:sp>
+        <p:nvSpPr>
+          <p:cNvPr id="5" name="직사각형 4">
+            <a:extLst>
+              <a:ext uri="{FF2B5EF4-FFF2-40B4-BE49-F238E27FC236}">
+                <a16:creationId xmlns:a16="http://schemas.microsoft.com/office/drawing/2014/main" id="{CF666F2A-6DBB-CE3F-1F7B-1E3DEAF474D2}"/>
+              </a:ext>
+            </a:extLst>
+          </p:cNvPr>
+          <p:cNvSpPr/>
+          <p:nvPr/>
+        </p:nvSpPr>
+        <p:spPr>
+          <a:xfrm>
+            <a:off x="618393" y="2023284"/>
+            <a:ext cx="3913909" cy="699654"/>
+          </a:xfrm>
+          <a:prstGeom prst="rect">
+            <a:avLst/>
+          </a:prstGeom>
+        </p:spPr>
+        <p:style>
+          <a:lnRef idx="2">
+            <a:schemeClr val="accent1">
+              <a:shade val="15000"/>
+            </a:schemeClr>
+          </a:lnRef>
+          <a:fillRef idx="1">
+            <a:schemeClr val="accent1"/>
+          </a:fillRef>
+          <a:effectRef idx="0">
+            <a:schemeClr val="accent1"/>
+          </a:effectRef>
+          <a:fontRef idx="minor">
+            <a:schemeClr val="lt1"/>
+          </a:fontRef>
+        </p:style>
+        <p:txBody>
+          <a:bodyPr rtlCol="0" anchor="ctr"/>
+          <a:lstStyle/>
+          <a:p>
+            <a:pPr algn="ctr"/>
+            <a:r>
+              <a:rPr lang="ko-KR" altLang="en-US" dirty="0"/>
+              <a:t>주석 풀기</a:t>
+            </a:r>
+          </a:p>
+        </p:txBody>
+      </p:sp>
+      <p:sp>
+        <p:nvSpPr>
+          <p:cNvPr id="6" name="직사각형 5">
+            <a:extLst>
+              <a:ext uri="{FF2B5EF4-FFF2-40B4-BE49-F238E27FC236}">
+                <a16:creationId xmlns:a16="http://schemas.microsoft.com/office/drawing/2014/main" id="{953CB6DC-C61C-9E9E-92E0-8AC323E2E857}"/>
+              </a:ext>
+            </a:extLst>
+          </p:cNvPr>
+          <p:cNvSpPr/>
+          <p:nvPr/>
+        </p:nvSpPr>
+        <p:spPr>
+          <a:xfrm>
+            <a:off x="4797847" y="2023284"/>
+            <a:ext cx="3913909" cy="699654"/>
+          </a:xfrm>
+          <a:prstGeom prst="rect">
+            <a:avLst/>
+          </a:prstGeom>
+        </p:spPr>
+        <p:style>
+          <a:lnRef idx="2">
+            <a:schemeClr val="accent1">
+              <a:shade val="15000"/>
+            </a:schemeClr>
+          </a:lnRef>
+          <a:fillRef idx="1">
+            <a:schemeClr val="accent1"/>
+          </a:fillRef>
+          <a:effectRef idx="0">
+            <a:schemeClr val="accent1"/>
+          </a:effectRef>
+          <a:fontRef idx="minor">
+            <a:schemeClr val="lt1"/>
+          </a:fontRef>
+        </p:style>
+        <p:txBody>
+          <a:bodyPr rtlCol="0" anchor="ctr"/>
+          <a:lstStyle/>
+          <a:p>
+            <a:pPr algn="ctr"/>
+            <a:r>
+              <a:rPr lang="ko-KR" altLang="en-US" dirty="0"/>
+              <a:t>컨트롤 </a:t>
+            </a:r>
+            <a:r>
+              <a:rPr lang="en-US" altLang="ko-KR" dirty="0"/>
+              <a:t>+ K + U</a:t>
+            </a:r>
+            <a:endParaRPr lang="ko-KR" altLang="en-US" dirty="0"/>
+          </a:p>
+        </p:txBody>
+      </p:sp>
+    </p:spTree>
+    <p:extLst>
+      <p:ext uri="{BB962C8B-B14F-4D97-AF65-F5344CB8AC3E}">
+        <p14:creationId xmlns:p14="http://schemas.microsoft.com/office/powerpoint/2010/main" val="1396673677"/>
+      </p:ext>
+    </p:extLst>
+  </p:cSld>
+  <p:clrMapOvr>
+    <a:masterClrMapping/>
+  </p:clrMapOvr>
+</p:sld>
+</file>
+
+<file path=ppt/slides/slide18.xml><?xml version="1.0" encoding="utf-8"?>
+<p:sld xmlns:a="http://schemas.openxmlformats.org/drawingml/2006/main" xmlns:r="http://schemas.openxmlformats.org/officeDocument/2006/relationships" xmlns:p="http://schemas.openxmlformats.org/presentationml/2006/main">
+  <p:cSld>
+    <p:spTree>
+      <p:nvGrpSpPr>
+        <p:cNvPr id="1" name=""/>
+        <p:cNvGrpSpPr/>
+        <p:nvPr/>
+      </p:nvGrpSpPr>
+      <p:grpSpPr>
+        <a:xfrm>
+          <a:off x="0" y="0"/>
+          <a:ext cx="0" cy="0"/>
+          <a:chOff x="0" y="0"/>
+          <a:chExt cx="0" cy="0"/>
+        </a:xfrm>
+      </p:grpSpPr>
       <p:sp>
         <p:nvSpPr>
           <p:cNvPr id="3" name="직사각형 2">
@@ -5457,7 +5907,7 @@
 </p:sld>
 </file>
 
-<file path=ppt/slides/slide18.xml><?xml version="1.0" encoding="utf-8"?>
+<file path=ppt/slides/slide19.xml><?xml version="1.0" encoding="utf-8"?>
 <p:sld xmlns:a="http://schemas.openxmlformats.org/drawingml/2006/main" xmlns:r="http://schemas.openxmlformats.org/officeDocument/2006/relationships" xmlns:p="http://schemas.openxmlformats.org/presentationml/2006/main">
   <p:cSld>
     <p:spTree>
@@ -5735,7 +6185,363 @@
 </p:sld>
 </file>
 
-<file path=ppt/slides/slide19.xml><?xml version="1.0" encoding="utf-8"?>
+<file path=ppt/slides/slide2.xml><?xml version="1.0" encoding="utf-8"?>
+<p:sld xmlns:a="http://schemas.openxmlformats.org/drawingml/2006/main" xmlns:r="http://schemas.openxmlformats.org/officeDocument/2006/relationships" xmlns:p="http://schemas.openxmlformats.org/presentationml/2006/main">
+  <p:cSld>
+    <p:spTree>
+      <p:nvGrpSpPr>
+        <p:cNvPr id="1" name=""/>
+        <p:cNvGrpSpPr/>
+        <p:nvPr/>
+      </p:nvGrpSpPr>
+      <p:grpSpPr>
+        <a:xfrm>
+          <a:off x="0" y="0"/>
+          <a:ext cx="0" cy="0"/>
+          <a:chOff x="0" y="0"/>
+          <a:chExt cx="0" cy="0"/>
+        </a:xfrm>
+      </p:grpSpPr>
+      <p:sp>
+        <p:nvSpPr>
+          <p:cNvPr id="3" name="직사각형 2">
+            <a:extLst>
+              <a:ext uri="{FF2B5EF4-FFF2-40B4-BE49-F238E27FC236}">
+                <a16:creationId xmlns:a16="http://schemas.microsoft.com/office/drawing/2014/main" id="{A5840210-0674-BA1E-A813-66127759208E}"/>
+              </a:ext>
+            </a:extLst>
+          </p:cNvPr>
+          <p:cNvSpPr/>
+          <p:nvPr/>
+        </p:nvSpPr>
+        <p:spPr>
+          <a:xfrm>
+            <a:off x="434109" y="528782"/>
+            <a:ext cx="11323782" cy="699654"/>
+          </a:xfrm>
+          <a:prstGeom prst="rect">
+            <a:avLst/>
+          </a:prstGeom>
+        </p:spPr>
+        <p:style>
+          <a:lnRef idx="2">
+            <a:schemeClr val="accent2">
+              <a:shade val="15000"/>
+            </a:schemeClr>
+          </a:lnRef>
+          <a:fillRef idx="1">
+            <a:schemeClr val="accent2"/>
+          </a:fillRef>
+          <a:effectRef idx="0">
+            <a:schemeClr val="accent2"/>
+          </a:effectRef>
+          <a:fontRef idx="minor">
+            <a:schemeClr val="lt1"/>
+          </a:fontRef>
+        </p:style>
+        <p:txBody>
+          <a:bodyPr rtlCol="0" anchor="ctr"/>
+          <a:lstStyle/>
+          <a:p>
+            <a:pPr algn="ctr"/>
+            <a:r>
+              <a:rPr lang="ko-KR" altLang="en-US" dirty="0"/>
+              <a:t>헤더 및 </a:t>
+            </a:r>
+            <a:r>
+              <a:rPr lang="en-US" altLang="ko-KR" dirty="0"/>
+              <a:t>CPP </a:t>
+            </a:r>
+            <a:r>
+              <a:rPr lang="ko-KR" altLang="en-US" dirty="0"/>
+              <a:t>전환</a:t>
+            </a:r>
+          </a:p>
+        </p:txBody>
+      </p:sp>
+      <p:sp>
+        <p:nvSpPr>
+          <p:cNvPr id="5" name="직사각형 4">
+            <a:extLst>
+              <a:ext uri="{FF2B5EF4-FFF2-40B4-BE49-F238E27FC236}">
+                <a16:creationId xmlns:a16="http://schemas.microsoft.com/office/drawing/2014/main" id="{F60C10CE-FF11-5C56-AA8E-A5E0D80CD8C4}"/>
+              </a:ext>
+            </a:extLst>
+          </p:cNvPr>
+          <p:cNvSpPr/>
+          <p:nvPr/>
+        </p:nvSpPr>
+        <p:spPr>
+          <a:xfrm>
+            <a:off x="434109" y="1372871"/>
+            <a:ext cx="11323782" cy="699654"/>
+          </a:xfrm>
+          <a:prstGeom prst="rect">
+            <a:avLst/>
+          </a:prstGeom>
+        </p:spPr>
+        <p:style>
+          <a:lnRef idx="2">
+            <a:schemeClr val="accent1">
+              <a:shade val="15000"/>
+            </a:schemeClr>
+          </a:lnRef>
+          <a:fillRef idx="1">
+            <a:schemeClr val="accent1"/>
+          </a:fillRef>
+          <a:effectRef idx="0">
+            <a:schemeClr val="accent1"/>
+          </a:effectRef>
+          <a:fontRef idx="minor">
+            <a:schemeClr val="lt1"/>
+          </a:fontRef>
+        </p:style>
+        <p:txBody>
+          <a:bodyPr rtlCol="0" anchor="ctr"/>
+          <a:lstStyle/>
+          <a:p>
+            <a:pPr algn="ctr"/>
+            <a:r>
+              <a:rPr lang="ko-KR" altLang="en-US" dirty="0"/>
+              <a:t>컨트롤 </a:t>
+            </a:r>
+            <a:r>
+              <a:rPr lang="en-US" altLang="ko-KR" dirty="0"/>
+              <a:t>+ K + O</a:t>
+            </a:r>
+            <a:endParaRPr lang="ko-KR" altLang="en-US" dirty="0"/>
+          </a:p>
+        </p:txBody>
+      </p:sp>
+      <p:sp>
+        <p:nvSpPr>
+          <p:cNvPr id="2" name="직사각형 1">
+            <a:extLst>
+              <a:ext uri="{FF2B5EF4-FFF2-40B4-BE49-F238E27FC236}">
+                <a16:creationId xmlns:a16="http://schemas.microsoft.com/office/drawing/2014/main" id="{33A987AC-2DB9-8872-B598-AEACD81E93A3}"/>
+              </a:ext>
+            </a:extLst>
+          </p:cNvPr>
+          <p:cNvSpPr/>
+          <p:nvPr/>
+        </p:nvSpPr>
+        <p:spPr>
+          <a:xfrm>
+            <a:off x="500784" y="2329007"/>
+            <a:ext cx="11323782" cy="699654"/>
+          </a:xfrm>
+          <a:prstGeom prst="rect">
+            <a:avLst/>
+          </a:prstGeom>
+        </p:spPr>
+        <p:style>
+          <a:lnRef idx="2">
+            <a:schemeClr val="accent2">
+              <a:shade val="15000"/>
+            </a:schemeClr>
+          </a:lnRef>
+          <a:fillRef idx="1">
+            <a:schemeClr val="accent2"/>
+          </a:fillRef>
+          <a:effectRef idx="0">
+            <a:schemeClr val="accent2"/>
+          </a:effectRef>
+          <a:fontRef idx="minor">
+            <a:schemeClr val="lt1"/>
+          </a:fontRef>
+        </p:style>
+        <p:txBody>
+          <a:bodyPr rtlCol="0" anchor="ctr"/>
+          <a:lstStyle/>
+          <a:p>
+            <a:pPr algn="ctr"/>
+            <a:r>
+              <a:rPr lang="ko-KR" altLang="en-US" dirty="0" err="1"/>
+              <a:t>한줄</a:t>
+            </a:r>
+            <a:r>
+              <a:rPr lang="ko-KR" altLang="en-US" dirty="0"/>
+              <a:t> 삭제</a:t>
+            </a:r>
+          </a:p>
+        </p:txBody>
+      </p:sp>
+      <p:sp>
+        <p:nvSpPr>
+          <p:cNvPr id="6" name="직사각형 5">
+            <a:extLst>
+              <a:ext uri="{FF2B5EF4-FFF2-40B4-BE49-F238E27FC236}">
+                <a16:creationId xmlns:a16="http://schemas.microsoft.com/office/drawing/2014/main" id="{18ADC74F-3DAF-A1E3-5B28-B359D49DDDDD}"/>
+              </a:ext>
+            </a:extLst>
+          </p:cNvPr>
+          <p:cNvSpPr/>
+          <p:nvPr/>
+        </p:nvSpPr>
+        <p:spPr>
+          <a:xfrm>
+            <a:off x="500784" y="3173096"/>
+            <a:ext cx="11323782" cy="699654"/>
+          </a:xfrm>
+          <a:prstGeom prst="rect">
+            <a:avLst/>
+          </a:prstGeom>
+        </p:spPr>
+        <p:style>
+          <a:lnRef idx="2">
+            <a:schemeClr val="accent1">
+              <a:shade val="15000"/>
+            </a:schemeClr>
+          </a:lnRef>
+          <a:fillRef idx="1">
+            <a:schemeClr val="accent1"/>
+          </a:fillRef>
+          <a:effectRef idx="0">
+            <a:schemeClr val="accent1"/>
+          </a:effectRef>
+          <a:fontRef idx="minor">
+            <a:schemeClr val="lt1"/>
+          </a:fontRef>
+        </p:style>
+        <p:txBody>
+          <a:bodyPr rtlCol="0" anchor="ctr"/>
+          <a:lstStyle/>
+          <a:p>
+            <a:pPr algn="ctr"/>
+            <a:r>
+              <a:rPr lang="ko-KR" altLang="en-US" dirty="0"/>
+              <a:t>시프트 </a:t>
+            </a:r>
+            <a:r>
+              <a:rPr lang="en-US" altLang="ko-KR" dirty="0"/>
+              <a:t>+  Delete</a:t>
+            </a:r>
+            <a:endParaRPr lang="ko-KR" altLang="en-US" dirty="0"/>
+          </a:p>
+        </p:txBody>
+      </p:sp>
+      <p:sp>
+        <p:nvSpPr>
+          <p:cNvPr id="9" name="직사각형 8">
+            <a:extLst>
+              <a:ext uri="{FF2B5EF4-FFF2-40B4-BE49-F238E27FC236}">
+                <a16:creationId xmlns:a16="http://schemas.microsoft.com/office/drawing/2014/main" id="{E5B1A8C6-4F1A-35CA-CAF0-E135C9F127B2}"/>
+              </a:ext>
+            </a:extLst>
+          </p:cNvPr>
+          <p:cNvSpPr/>
+          <p:nvPr/>
+        </p:nvSpPr>
+        <p:spPr>
+          <a:xfrm>
+            <a:off x="586509" y="4129522"/>
+            <a:ext cx="11323782" cy="699654"/>
+          </a:xfrm>
+          <a:prstGeom prst="rect">
+            <a:avLst/>
+          </a:prstGeom>
+        </p:spPr>
+        <p:style>
+          <a:lnRef idx="2">
+            <a:schemeClr val="accent2">
+              <a:shade val="15000"/>
+            </a:schemeClr>
+          </a:lnRef>
+          <a:fillRef idx="1">
+            <a:schemeClr val="accent2"/>
+          </a:fillRef>
+          <a:effectRef idx="0">
+            <a:schemeClr val="accent2"/>
+          </a:effectRef>
+          <a:fontRef idx="minor">
+            <a:schemeClr val="lt1"/>
+          </a:fontRef>
+        </p:style>
+        <p:txBody>
+          <a:bodyPr rtlCol="0" anchor="ctr"/>
+          <a:lstStyle/>
+          <a:p>
+            <a:pPr algn="ctr"/>
+            <a:r>
+              <a:rPr lang="ko-KR" altLang="en-US" err="1"/>
+              <a:t>쿄드</a:t>
+            </a:r>
+            <a:r>
+              <a:rPr lang="ko-KR" altLang="en-US"/>
+              <a:t> 정리</a:t>
+            </a:r>
+            <a:endParaRPr lang="ko-KR" altLang="en-US" dirty="0"/>
+          </a:p>
+        </p:txBody>
+      </p:sp>
+      <p:sp>
+        <p:nvSpPr>
+          <p:cNvPr id="10" name="직사각형 9">
+            <a:extLst>
+              <a:ext uri="{FF2B5EF4-FFF2-40B4-BE49-F238E27FC236}">
+                <a16:creationId xmlns:a16="http://schemas.microsoft.com/office/drawing/2014/main" id="{273FC23E-8539-369D-8A97-AB59233BD088}"/>
+              </a:ext>
+            </a:extLst>
+          </p:cNvPr>
+          <p:cNvSpPr/>
+          <p:nvPr/>
+        </p:nvSpPr>
+        <p:spPr>
+          <a:xfrm>
+            <a:off x="586509" y="4973611"/>
+            <a:ext cx="11323782" cy="699654"/>
+          </a:xfrm>
+          <a:prstGeom prst="rect">
+            <a:avLst/>
+          </a:prstGeom>
+        </p:spPr>
+        <p:style>
+          <a:lnRef idx="2">
+            <a:schemeClr val="accent1">
+              <a:shade val="15000"/>
+            </a:schemeClr>
+          </a:lnRef>
+          <a:fillRef idx="1">
+            <a:schemeClr val="accent1"/>
+          </a:fillRef>
+          <a:effectRef idx="0">
+            <a:schemeClr val="accent1"/>
+          </a:effectRef>
+          <a:fontRef idx="minor">
+            <a:schemeClr val="lt1"/>
+          </a:fontRef>
+        </p:style>
+        <p:txBody>
+          <a:bodyPr rtlCol="0" anchor="ctr"/>
+          <a:lstStyle/>
+          <a:p>
+            <a:pPr algn="ctr"/>
+            <a:r>
+              <a:rPr lang="ko-KR" altLang="en-US" dirty="0"/>
+              <a:t>컨트롤 </a:t>
+            </a:r>
+            <a:r>
+              <a:rPr lang="en-US" altLang="ko-KR" dirty="0"/>
+              <a:t>+ K + F</a:t>
+            </a:r>
+            <a:endParaRPr lang="ko-KR" altLang="en-US" dirty="0"/>
+          </a:p>
+        </p:txBody>
+      </p:sp>
+    </p:spTree>
+    <p:extLst>
+      <p:ext uri="{BB962C8B-B14F-4D97-AF65-F5344CB8AC3E}">
+        <p14:creationId xmlns:p14="http://schemas.microsoft.com/office/powerpoint/2010/main" val="3843200778"/>
+      </p:ext>
+    </p:extLst>
+  </p:cSld>
+  <p:clrMapOvr>
+    <a:masterClrMapping/>
+  </p:clrMapOvr>
+</p:sld>
+</file>
+
+<file path=ppt/slides/slide20.xml><?xml version="1.0" encoding="utf-8"?>
 <p:sld xmlns:a="http://schemas.openxmlformats.org/drawingml/2006/main" xmlns:r="http://schemas.openxmlformats.org/officeDocument/2006/relationships" xmlns:p="http://schemas.openxmlformats.org/presentationml/2006/main">
   <p:cSld>
     <p:spTree>
@@ -5765,7 +6571,277 @@
 </p:sld>
 </file>
 
-<file path=ppt/slides/slide2.xml><?xml version="1.0" encoding="utf-8"?>
+<file path=ppt/slides/slide21.xml><?xml version="1.0" encoding="utf-8"?>
+<p:sld xmlns:a="http://schemas.openxmlformats.org/drawingml/2006/main" xmlns:r="http://schemas.openxmlformats.org/officeDocument/2006/relationships" xmlns:p="http://schemas.openxmlformats.org/presentationml/2006/main">
+  <p:cSld>
+    <p:spTree>
+      <p:nvGrpSpPr>
+        <p:cNvPr id="1" name=""/>
+        <p:cNvGrpSpPr/>
+        <p:nvPr/>
+      </p:nvGrpSpPr>
+      <p:grpSpPr>
+        <a:xfrm>
+          <a:off x="0" y="0"/>
+          <a:ext cx="0" cy="0"/>
+          <a:chOff x="0" y="0"/>
+          <a:chExt cx="0" cy="0"/>
+        </a:xfrm>
+      </p:grpSpPr>
+    </p:spTree>
+    <p:extLst>
+      <p:ext uri="{BB962C8B-B14F-4D97-AF65-F5344CB8AC3E}">
+        <p14:creationId xmlns:p14="http://schemas.microsoft.com/office/powerpoint/2010/main" val="405100744"/>
+      </p:ext>
+    </p:extLst>
+  </p:cSld>
+  <p:clrMapOvr>
+    <a:masterClrMapping/>
+  </p:clrMapOvr>
+</p:sld>
+</file>
+
+<file path=ppt/slides/slide22.xml><?xml version="1.0" encoding="utf-8"?>
+<p:sld xmlns:a="http://schemas.openxmlformats.org/drawingml/2006/main" xmlns:r="http://schemas.openxmlformats.org/officeDocument/2006/relationships" xmlns:p="http://schemas.openxmlformats.org/presentationml/2006/main">
+  <p:cSld>
+    <p:spTree>
+      <p:nvGrpSpPr>
+        <p:cNvPr id="1" name=""/>
+        <p:cNvGrpSpPr/>
+        <p:nvPr/>
+      </p:nvGrpSpPr>
+      <p:grpSpPr>
+        <a:xfrm>
+          <a:off x="0" y="0"/>
+          <a:ext cx="0" cy="0"/>
+          <a:chOff x="0" y="0"/>
+          <a:chExt cx="0" cy="0"/>
+        </a:xfrm>
+      </p:grpSpPr>
+    </p:spTree>
+    <p:extLst>
+      <p:ext uri="{BB962C8B-B14F-4D97-AF65-F5344CB8AC3E}">
+        <p14:creationId xmlns:p14="http://schemas.microsoft.com/office/powerpoint/2010/main" val="2481828864"/>
+      </p:ext>
+    </p:extLst>
+  </p:cSld>
+  <p:clrMapOvr>
+    <a:masterClrMapping/>
+  </p:clrMapOvr>
+</p:sld>
+</file>
+
+<file path=ppt/slides/slide23.xml><?xml version="1.0" encoding="utf-8"?>
+<p:sld xmlns:a="http://schemas.openxmlformats.org/drawingml/2006/main" xmlns:r="http://schemas.openxmlformats.org/officeDocument/2006/relationships" xmlns:p="http://schemas.openxmlformats.org/presentationml/2006/main">
+  <p:cSld>
+    <p:spTree>
+      <p:nvGrpSpPr>
+        <p:cNvPr id="1" name=""/>
+        <p:cNvGrpSpPr/>
+        <p:nvPr/>
+      </p:nvGrpSpPr>
+      <p:grpSpPr>
+        <a:xfrm>
+          <a:off x="0" y="0"/>
+          <a:ext cx="0" cy="0"/>
+          <a:chOff x="0" y="0"/>
+          <a:chExt cx="0" cy="0"/>
+        </a:xfrm>
+      </p:grpSpPr>
+    </p:spTree>
+    <p:extLst>
+      <p:ext uri="{BB962C8B-B14F-4D97-AF65-F5344CB8AC3E}">
+        <p14:creationId xmlns:p14="http://schemas.microsoft.com/office/powerpoint/2010/main" val="3750591054"/>
+      </p:ext>
+    </p:extLst>
+  </p:cSld>
+  <p:clrMapOvr>
+    <a:masterClrMapping/>
+  </p:clrMapOvr>
+</p:sld>
+</file>
+
+<file path=ppt/slides/slide24.xml><?xml version="1.0" encoding="utf-8"?>
+<p:sld xmlns:a="http://schemas.openxmlformats.org/drawingml/2006/main" xmlns:r="http://schemas.openxmlformats.org/officeDocument/2006/relationships" xmlns:p="http://schemas.openxmlformats.org/presentationml/2006/main">
+  <p:cSld>
+    <p:spTree>
+      <p:nvGrpSpPr>
+        <p:cNvPr id="1" name=""/>
+        <p:cNvGrpSpPr/>
+        <p:nvPr/>
+      </p:nvGrpSpPr>
+      <p:grpSpPr>
+        <a:xfrm>
+          <a:off x="0" y="0"/>
+          <a:ext cx="0" cy="0"/>
+          <a:chOff x="0" y="0"/>
+          <a:chExt cx="0" cy="0"/>
+        </a:xfrm>
+      </p:grpSpPr>
+    </p:spTree>
+    <p:extLst>
+      <p:ext uri="{BB962C8B-B14F-4D97-AF65-F5344CB8AC3E}">
+        <p14:creationId xmlns:p14="http://schemas.microsoft.com/office/powerpoint/2010/main" val="991477988"/>
+      </p:ext>
+    </p:extLst>
+  </p:cSld>
+  <p:clrMapOvr>
+    <a:masterClrMapping/>
+  </p:clrMapOvr>
+</p:sld>
+</file>
+
+<file path=ppt/slides/slide25.xml><?xml version="1.0" encoding="utf-8"?>
+<p:sld xmlns:a="http://schemas.openxmlformats.org/drawingml/2006/main" xmlns:r="http://schemas.openxmlformats.org/officeDocument/2006/relationships" xmlns:p="http://schemas.openxmlformats.org/presentationml/2006/main">
+  <p:cSld>
+    <p:spTree>
+      <p:nvGrpSpPr>
+        <p:cNvPr id="1" name=""/>
+        <p:cNvGrpSpPr/>
+        <p:nvPr/>
+      </p:nvGrpSpPr>
+      <p:grpSpPr>
+        <a:xfrm>
+          <a:off x="0" y="0"/>
+          <a:ext cx="0" cy="0"/>
+          <a:chOff x="0" y="0"/>
+          <a:chExt cx="0" cy="0"/>
+        </a:xfrm>
+      </p:grpSpPr>
+    </p:spTree>
+    <p:extLst>
+      <p:ext uri="{BB962C8B-B14F-4D97-AF65-F5344CB8AC3E}">
+        <p14:creationId xmlns:p14="http://schemas.microsoft.com/office/powerpoint/2010/main" val="3844398855"/>
+      </p:ext>
+    </p:extLst>
+  </p:cSld>
+  <p:clrMapOvr>
+    <a:masterClrMapping/>
+  </p:clrMapOvr>
+</p:sld>
+</file>
+
+<file path=ppt/slides/slide26.xml><?xml version="1.0" encoding="utf-8"?>
+<p:sld xmlns:a="http://schemas.openxmlformats.org/drawingml/2006/main" xmlns:r="http://schemas.openxmlformats.org/officeDocument/2006/relationships" xmlns:p="http://schemas.openxmlformats.org/presentationml/2006/main">
+  <p:cSld>
+    <p:spTree>
+      <p:nvGrpSpPr>
+        <p:cNvPr id="1" name=""/>
+        <p:cNvGrpSpPr/>
+        <p:nvPr/>
+      </p:nvGrpSpPr>
+      <p:grpSpPr>
+        <a:xfrm>
+          <a:off x="0" y="0"/>
+          <a:ext cx="0" cy="0"/>
+          <a:chOff x="0" y="0"/>
+          <a:chExt cx="0" cy="0"/>
+        </a:xfrm>
+      </p:grpSpPr>
+    </p:spTree>
+    <p:extLst>
+      <p:ext uri="{BB962C8B-B14F-4D97-AF65-F5344CB8AC3E}">
+        <p14:creationId xmlns:p14="http://schemas.microsoft.com/office/powerpoint/2010/main" val="19288889"/>
+      </p:ext>
+    </p:extLst>
+  </p:cSld>
+  <p:clrMapOvr>
+    <a:masterClrMapping/>
+  </p:clrMapOvr>
+</p:sld>
+</file>
+
+<file path=ppt/slides/slide27.xml><?xml version="1.0" encoding="utf-8"?>
+<p:sld xmlns:a="http://schemas.openxmlformats.org/drawingml/2006/main" xmlns:r="http://schemas.openxmlformats.org/officeDocument/2006/relationships" xmlns:p="http://schemas.openxmlformats.org/presentationml/2006/main">
+  <p:cSld>
+    <p:spTree>
+      <p:nvGrpSpPr>
+        <p:cNvPr id="1" name=""/>
+        <p:cNvGrpSpPr/>
+        <p:nvPr/>
+      </p:nvGrpSpPr>
+      <p:grpSpPr>
+        <a:xfrm>
+          <a:off x="0" y="0"/>
+          <a:ext cx="0" cy="0"/>
+          <a:chOff x="0" y="0"/>
+          <a:chExt cx="0" cy="0"/>
+        </a:xfrm>
+      </p:grpSpPr>
+    </p:spTree>
+    <p:extLst>
+      <p:ext uri="{BB962C8B-B14F-4D97-AF65-F5344CB8AC3E}">
+        <p14:creationId xmlns:p14="http://schemas.microsoft.com/office/powerpoint/2010/main" val="4015161735"/>
+      </p:ext>
+    </p:extLst>
+  </p:cSld>
+  <p:clrMapOvr>
+    <a:masterClrMapping/>
+  </p:clrMapOvr>
+</p:sld>
+</file>
+
+<file path=ppt/slides/slide28.xml><?xml version="1.0" encoding="utf-8"?>
+<p:sld xmlns:a="http://schemas.openxmlformats.org/drawingml/2006/main" xmlns:r="http://schemas.openxmlformats.org/officeDocument/2006/relationships" xmlns:p="http://schemas.openxmlformats.org/presentationml/2006/main">
+  <p:cSld>
+    <p:spTree>
+      <p:nvGrpSpPr>
+        <p:cNvPr id="1" name=""/>
+        <p:cNvGrpSpPr/>
+        <p:nvPr/>
+      </p:nvGrpSpPr>
+      <p:grpSpPr>
+        <a:xfrm>
+          <a:off x="0" y="0"/>
+          <a:ext cx="0" cy="0"/>
+          <a:chOff x="0" y="0"/>
+          <a:chExt cx="0" cy="0"/>
+        </a:xfrm>
+      </p:grpSpPr>
+    </p:spTree>
+    <p:extLst>
+      <p:ext uri="{BB962C8B-B14F-4D97-AF65-F5344CB8AC3E}">
+        <p14:creationId xmlns:p14="http://schemas.microsoft.com/office/powerpoint/2010/main" val="1646334821"/>
+      </p:ext>
+    </p:extLst>
+  </p:cSld>
+  <p:clrMapOvr>
+    <a:masterClrMapping/>
+  </p:clrMapOvr>
+</p:sld>
+</file>
+
+<file path=ppt/slides/slide29.xml><?xml version="1.0" encoding="utf-8"?>
+<p:sld xmlns:a="http://schemas.openxmlformats.org/drawingml/2006/main" xmlns:r="http://schemas.openxmlformats.org/officeDocument/2006/relationships" xmlns:p="http://schemas.openxmlformats.org/presentationml/2006/main">
+  <p:cSld>
+    <p:spTree>
+      <p:nvGrpSpPr>
+        <p:cNvPr id="1" name=""/>
+        <p:cNvGrpSpPr/>
+        <p:nvPr/>
+      </p:nvGrpSpPr>
+      <p:grpSpPr>
+        <a:xfrm>
+          <a:off x="0" y="0"/>
+          <a:ext cx="0" cy="0"/>
+          <a:chOff x="0" y="0"/>
+          <a:chExt cx="0" cy="0"/>
+        </a:xfrm>
+      </p:grpSpPr>
+    </p:spTree>
+    <p:extLst>
+      <p:ext uri="{BB962C8B-B14F-4D97-AF65-F5344CB8AC3E}">
+        <p14:creationId xmlns:p14="http://schemas.microsoft.com/office/powerpoint/2010/main" val="3952900304"/>
+      </p:ext>
+    </p:extLst>
+  </p:cSld>
+  <p:clrMapOvr>
+    <a:masterClrMapping/>
+  </p:clrMapOvr>
+</p:sld>
+</file>
+
+<file path=ppt/slides/slide3.xml><?xml version="1.0" encoding="utf-8"?>
 <p:sld xmlns:a="http://schemas.openxmlformats.org/drawingml/2006/main" xmlns:r="http://schemas.openxmlformats.org/officeDocument/2006/relationships" xmlns:p="http://schemas.openxmlformats.org/presentationml/2006/main">
   <p:cSld>
     <p:spTree>
@@ -6063,277 +7139,7 @@
 </p:sld>
 </file>
 
-<file path=ppt/slides/slide20.xml><?xml version="1.0" encoding="utf-8"?>
-<p:sld xmlns:a="http://schemas.openxmlformats.org/drawingml/2006/main" xmlns:r="http://schemas.openxmlformats.org/officeDocument/2006/relationships" xmlns:p="http://schemas.openxmlformats.org/presentationml/2006/main">
-  <p:cSld>
-    <p:spTree>
-      <p:nvGrpSpPr>
-        <p:cNvPr id="1" name=""/>
-        <p:cNvGrpSpPr/>
-        <p:nvPr/>
-      </p:nvGrpSpPr>
-      <p:grpSpPr>
-        <a:xfrm>
-          <a:off x="0" y="0"/>
-          <a:ext cx="0" cy="0"/>
-          <a:chOff x="0" y="0"/>
-          <a:chExt cx="0" cy="0"/>
-        </a:xfrm>
-      </p:grpSpPr>
-    </p:spTree>
-    <p:extLst>
-      <p:ext uri="{BB962C8B-B14F-4D97-AF65-F5344CB8AC3E}">
-        <p14:creationId xmlns:p14="http://schemas.microsoft.com/office/powerpoint/2010/main" val="405100744"/>
-      </p:ext>
-    </p:extLst>
-  </p:cSld>
-  <p:clrMapOvr>
-    <a:masterClrMapping/>
-  </p:clrMapOvr>
-</p:sld>
-</file>
-
-<file path=ppt/slides/slide21.xml><?xml version="1.0" encoding="utf-8"?>
-<p:sld xmlns:a="http://schemas.openxmlformats.org/drawingml/2006/main" xmlns:r="http://schemas.openxmlformats.org/officeDocument/2006/relationships" xmlns:p="http://schemas.openxmlformats.org/presentationml/2006/main">
-  <p:cSld>
-    <p:spTree>
-      <p:nvGrpSpPr>
-        <p:cNvPr id="1" name=""/>
-        <p:cNvGrpSpPr/>
-        <p:nvPr/>
-      </p:nvGrpSpPr>
-      <p:grpSpPr>
-        <a:xfrm>
-          <a:off x="0" y="0"/>
-          <a:ext cx="0" cy="0"/>
-          <a:chOff x="0" y="0"/>
-          <a:chExt cx="0" cy="0"/>
-        </a:xfrm>
-      </p:grpSpPr>
-    </p:spTree>
-    <p:extLst>
-      <p:ext uri="{BB962C8B-B14F-4D97-AF65-F5344CB8AC3E}">
-        <p14:creationId xmlns:p14="http://schemas.microsoft.com/office/powerpoint/2010/main" val="2481828864"/>
-      </p:ext>
-    </p:extLst>
-  </p:cSld>
-  <p:clrMapOvr>
-    <a:masterClrMapping/>
-  </p:clrMapOvr>
-</p:sld>
-</file>
-
-<file path=ppt/slides/slide22.xml><?xml version="1.0" encoding="utf-8"?>
-<p:sld xmlns:a="http://schemas.openxmlformats.org/drawingml/2006/main" xmlns:r="http://schemas.openxmlformats.org/officeDocument/2006/relationships" xmlns:p="http://schemas.openxmlformats.org/presentationml/2006/main">
-  <p:cSld>
-    <p:spTree>
-      <p:nvGrpSpPr>
-        <p:cNvPr id="1" name=""/>
-        <p:cNvGrpSpPr/>
-        <p:nvPr/>
-      </p:nvGrpSpPr>
-      <p:grpSpPr>
-        <a:xfrm>
-          <a:off x="0" y="0"/>
-          <a:ext cx="0" cy="0"/>
-          <a:chOff x="0" y="0"/>
-          <a:chExt cx="0" cy="0"/>
-        </a:xfrm>
-      </p:grpSpPr>
-    </p:spTree>
-    <p:extLst>
-      <p:ext uri="{BB962C8B-B14F-4D97-AF65-F5344CB8AC3E}">
-        <p14:creationId xmlns:p14="http://schemas.microsoft.com/office/powerpoint/2010/main" val="3750591054"/>
-      </p:ext>
-    </p:extLst>
-  </p:cSld>
-  <p:clrMapOvr>
-    <a:masterClrMapping/>
-  </p:clrMapOvr>
-</p:sld>
-</file>
-
-<file path=ppt/slides/slide23.xml><?xml version="1.0" encoding="utf-8"?>
-<p:sld xmlns:a="http://schemas.openxmlformats.org/drawingml/2006/main" xmlns:r="http://schemas.openxmlformats.org/officeDocument/2006/relationships" xmlns:p="http://schemas.openxmlformats.org/presentationml/2006/main">
-  <p:cSld>
-    <p:spTree>
-      <p:nvGrpSpPr>
-        <p:cNvPr id="1" name=""/>
-        <p:cNvGrpSpPr/>
-        <p:nvPr/>
-      </p:nvGrpSpPr>
-      <p:grpSpPr>
-        <a:xfrm>
-          <a:off x="0" y="0"/>
-          <a:ext cx="0" cy="0"/>
-          <a:chOff x="0" y="0"/>
-          <a:chExt cx="0" cy="0"/>
-        </a:xfrm>
-      </p:grpSpPr>
-    </p:spTree>
-    <p:extLst>
-      <p:ext uri="{BB962C8B-B14F-4D97-AF65-F5344CB8AC3E}">
-        <p14:creationId xmlns:p14="http://schemas.microsoft.com/office/powerpoint/2010/main" val="991477988"/>
-      </p:ext>
-    </p:extLst>
-  </p:cSld>
-  <p:clrMapOvr>
-    <a:masterClrMapping/>
-  </p:clrMapOvr>
-</p:sld>
-</file>
-
-<file path=ppt/slides/slide24.xml><?xml version="1.0" encoding="utf-8"?>
-<p:sld xmlns:a="http://schemas.openxmlformats.org/drawingml/2006/main" xmlns:r="http://schemas.openxmlformats.org/officeDocument/2006/relationships" xmlns:p="http://schemas.openxmlformats.org/presentationml/2006/main">
-  <p:cSld>
-    <p:spTree>
-      <p:nvGrpSpPr>
-        <p:cNvPr id="1" name=""/>
-        <p:cNvGrpSpPr/>
-        <p:nvPr/>
-      </p:nvGrpSpPr>
-      <p:grpSpPr>
-        <a:xfrm>
-          <a:off x="0" y="0"/>
-          <a:ext cx="0" cy="0"/>
-          <a:chOff x="0" y="0"/>
-          <a:chExt cx="0" cy="0"/>
-        </a:xfrm>
-      </p:grpSpPr>
-    </p:spTree>
-    <p:extLst>
-      <p:ext uri="{BB962C8B-B14F-4D97-AF65-F5344CB8AC3E}">
-        <p14:creationId xmlns:p14="http://schemas.microsoft.com/office/powerpoint/2010/main" val="3844398855"/>
-      </p:ext>
-    </p:extLst>
-  </p:cSld>
-  <p:clrMapOvr>
-    <a:masterClrMapping/>
-  </p:clrMapOvr>
-</p:sld>
-</file>
-
-<file path=ppt/slides/slide25.xml><?xml version="1.0" encoding="utf-8"?>
-<p:sld xmlns:a="http://schemas.openxmlformats.org/drawingml/2006/main" xmlns:r="http://schemas.openxmlformats.org/officeDocument/2006/relationships" xmlns:p="http://schemas.openxmlformats.org/presentationml/2006/main">
-  <p:cSld>
-    <p:spTree>
-      <p:nvGrpSpPr>
-        <p:cNvPr id="1" name=""/>
-        <p:cNvGrpSpPr/>
-        <p:nvPr/>
-      </p:nvGrpSpPr>
-      <p:grpSpPr>
-        <a:xfrm>
-          <a:off x="0" y="0"/>
-          <a:ext cx="0" cy="0"/>
-          <a:chOff x="0" y="0"/>
-          <a:chExt cx="0" cy="0"/>
-        </a:xfrm>
-      </p:grpSpPr>
-    </p:spTree>
-    <p:extLst>
-      <p:ext uri="{BB962C8B-B14F-4D97-AF65-F5344CB8AC3E}">
-        <p14:creationId xmlns:p14="http://schemas.microsoft.com/office/powerpoint/2010/main" val="19288889"/>
-      </p:ext>
-    </p:extLst>
-  </p:cSld>
-  <p:clrMapOvr>
-    <a:masterClrMapping/>
-  </p:clrMapOvr>
-</p:sld>
-</file>
-
-<file path=ppt/slides/slide26.xml><?xml version="1.0" encoding="utf-8"?>
-<p:sld xmlns:a="http://schemas.openxmlformats.org/drawingml/2006/main" xmlns:r="http://schemas.openxmlformats.org/officeDocument/2006/relationships" xmlns:p="http://schemas.openxmlformats.org/presentationml/2006/main">
-  <p:cSld>
-    <p:spTree>
-      <p:nvGrpSpPr>
-        <p:cNvPr id="1" name=""/>
-        <p:cNvGrpSpPr/>
-        <p:nvPr/>
-      </p:nvGrpSpPr>
-      <p:grpSpPr>
-        <a:xfrm>
-          <a:off x="0" y="0"/>
-          <a:ext cx="0" cy="0"/>
-          <a:chOff x="0" y="0"/>
-          <a:chExt cx="0" cy="0"/>
-        </a:xfrm>
-      </p:grpSpPr>
-    </p:spTree>
-    <p:extLst>
-      <p:ext uri="{BB962C8B-B14F-4D97-AF65-F5344CB8AC3E}">
-        <p14:creationId xmlns:p14="http://schemas.microsoft.com/office/powerpoint/2010/main" val="4015161735"/>
-      </p:ext>
-    </p:extLst>
-  </p:cSld>
-  <p:clrMapOvr>
-    <a:masterClrMapping/>
-  </p:clrMapOvr>
-</p:sld>
-</file>
-
-<file path=ppt/slides/slide27.xml><?xml version="1.0" encoding="utf-8"?>
-<p:sld xmlns:a="http://schemas.openxmlformats.org/drawingml/2006/main" xmlns:r="http://schemas.openxmlformats.org/officeDocument/2006/relationships" xmlns:p="http://schemas.openxmlformats.org/presentationml/2006/main">
-  <p:cSld>
-    <p:spTree>
-      <p:nvGrpSpPr>
-        <p:cNvPr id="1" name=""/>
-        <p:cNvGrpSpPr/>
-        <p:nvPr/>
-      </p:nvGrpSpPr>
-      <p:grpSpPr>
-        <a:xfrm>
-          <a:off x="0" y="0"/>
-          <a:ext cx="0" cy="0"/>
-          <a:chOff x="0" y="0"/>
-          <a:chExt cx="0" cy="0"/>
-        </a:xfrm>
-      </p:grpSpPr>
-    </p:spTree>
-    <p:extLst>
-      <p:ext uri="{BB962C8B-B14F-4D97-AF65-F5344CB8AC3E}">
-        <p14:creationId xmlns:p14="http://schemas.microsoft.com/office/powerpoint/2010/main" val="1646334821"/>
-      </p:ext>
-    </p:extLst>
-  </p:cSld>
-  <p:clrMapOvr>
-    <a:masterClrMapping/>
-  </p:clrMapOvr>
-</p:sld>
-</file>
-
-<file path=ppt/slides/slide28.xml><?xml version="1.0" encoding="utf-8"?>
-<p:sld xmlns:a="http://schemas.openxmlformats.org/drawingml/2006/main" xmlns:r="http://schemas.openxmlformats.org/officeDocument/2006/relationships" xmlns:p="http://schemas.openxmlformats.org/presentationml/2006/main">
-  <p:cSld>
-    <p:spTree>
-      <p:nvGrpSpPr>
-        <p:cNvPr id="1" name=""/>
-        <p:cNvGrpSpPr/>
-        <p:nvPr/>
-      </p:nvGrpSpPr>
-      <p:grpSpPr>
-        <a:xfrm>
-          <a:off x="0" y="0"/>
-          <a:ext cx="0" cy="0"/>
-          <a:chOff x="0" y="0"/>
-          <a:chExt cx="0" cy="0"/>
-        </a:xfrm>
-      </p:grpSpPr>
-    </p:spTree>
-    <p:extLst>
-      <p:ext uri="{BB962C8B-B14F-4D97-AF65-F5344CB8AC3E}">
-        <p14:creationId xmlns:p14="http://schemas.microsoft.com/office/powerpoint/2010/main" val="3952900304"/>
-      </p:ext>
-    </p:extLst>
-  </p:cSld>
-  <p:clrMapOvr>
-    <a:masterClrMapping/>
-  </p:clrMapOvr>
-</p:sld>
-</file>
-
-<file path=ppt/slides/slide29.xml><?xml version="1.0" encoding="utf-8"?>
+<file path=ppt/slides/slide30.xml><?xml version="1.0" encoding="utf-8"?>
 <p:sld xmlns:a="http://schemas.openxmlformats.org/drawingml/2006/main" xmlns:r="http://schemas.openxmlformats.org/officeDocument/2006/relationships" xmlns:p="http://schemas.openxmlformats.org/presentationml/2006/main">
   <p:cSld>
     <p:spTree>
@@ -6363,251 +7169,7 @@
 </p:sld>
 </file>
 
-<file path=ppt/slides/slide3.xml><?xml version="1.0" encoding="utf-8"?>
-<p:sld xmlns:a="http://schemas.openxmlformats.org/drawingml/2006/main" xmlns:r="http://schemas.openxmlformats.org/officeDocument/2006/relationships" xmlns:p="http://schemas.openxmlformats.org/presentationml/2006/main">
-  <p:cSld>
-    <p:spTree>
-      <p:nvGrpSpPr>
-        <p:cNvPr id="1" name=""/>
-        <p:cNvGrpSpPr/>
-        <p:nvPr/>
-      </p:nvGrpSpPr>
-      <p:grpSpPr>
-        <a:xfrm>
-          <a:off x="0" y="0"/>
-          <a:ext cx="0" cy="0"/>
-          <a:chOff x="0" y="0"/>
-          <a:chExt cx="0" cy="0"/>
-        </a:xfrm>
-      </p:grpSpPr>
-      <p:sp>
-        <p:nvSpPr>
-          <p:cNvPr id="3" name="직사각형 2">
-            <a:extLst>
-              <a:ext uri="{FF2B5EF4-FFF2-40B4-BE49-F238E27FC236}">
-                <a16:creationId xmlns:a16="http://schemas.microsoft.com/office/drawing/2014/main" id="{A5840210-0674-BA1E-A813-66127759208E}"/>
-              </a:ext>
-            </a:extLst>
-          </p:cNvPr>
-          <p:cNvSpPr/>
-          <p:nvPr/>
-        </p:nvSpPr>
-        <p:spPr>
-          <a:xfrm>
-            <a:off x="434109" y="528782"/>
-            <a:ext cx="11323782" cy="699654"/>
-          </a:xfrm>
-          <a:prstGeom prst="rect">
-            <a:avLst/>
-          </a:prstGeom>
-        </p:spPr>
-        <p:style>
-          <a:lnRef idx="2">
-            <a:schemeClr val="accent1">
-              <a:shade val="15000"/>
-            </a:schemeClr>
-          </a:lnRef>
-          <a:fillRef idx="1">
-            <a:schemeClr val="accent1"/>
-          </a:fillRef>
-          <a:effectRef idx="0">
-            <a:schemeClr val="accent1"/>
-          </a:effectRef>
-          <a:fontRef idx="minor">
-            <a:schemeClr val="lt1"/>
-          </a:fontRef>
-        </p:style>
-        <p:txBody>
-          <a:bodyPr rtlCol="0" anchor="ctr"/>
-          <a:lstStyle/>
-          <a:p>
-            <a:pPr algn="ctr"/>
-            <a:r>
-              <a:rPr lang="ko-KR" altLang="en-US" dirty="0"/>
-              <a:t>자동완성</a:t>
-            </a:r>
-          </a:p>
-        </p:txBody>
-      </p:sp>
-      <p:sp>
-        <p:nvSpPr>
-          <p:cNvPr id="5" name="직사각형 4">
-            <a:extLst>
-              <a:ext uri="{FF2B5EF4-FFF2-40B4-BE49-F238E27FC236}">
-                <a16:creationId xmlns:a16="http://schemas.microsoft.com/office/drawing/2014/main" id="{F60C10CE-FF11-5C56-AA8E-A5E0D80CD8C4}"/>
-              </a:ext>
-            </a:extLst>
-          </p:cNvPr>
-          <p:cNvSpPr/>
-          <p:nvPr/>
-        </p:nvSpPr>
-        <p:spPr>
-          <a:xfrm>
-            <a:off x="434109" y="1372871"/>
-            <a:ext cx="11323782" cy="699654"/>
-          </a:xfrm>
-          <a:prstGeom prst="rect">
-            <a:avLst/>
-          </a:prstGeom>
-        </p:spPr>
-        <p:style>
-          <a:lnRef idx="2">
-            <a:schemeClr val="accent1">
-              <a:shade val="15000"/>
-            </a:schemeClr>
-          </a:lnRef>
-          <a:fillRef idx="1">
-            <a:schemeClr val="accent1"/>
-          </a:fillRef>
-          <a:effectRef idx="0">
-            <a:schemeClr val="accent1"/>
-          </a:effectRef>
-          <a:fontRef idx="minor">
-            <a:schemeClr val="lt1"/>
-          </a:fontRef>
-        </p:style>
-        <p:txBody>
-          <a:bodyPr rtlCol="0" anchor="ctr"/>
-          <a:lstStyle/>
-          <a:p>
-            <a:pPr algn="ctr"/>
-            <a:r>
-              <a:rPr lang="ko-KR" altLang="en-US" dirty="0"/>
-              <a:t>컨트롤 </a:t>
-            </a:r>
-            <a:r>
-              <a:rPr lang="en-US" altLang="ko-KR" dirty="0"/>
-              <a:t>+ </a:t>
-            </a:r>
-            <a:r>
-              <a:rPr lang="ko-KR" altLang="en-US" dirty="0"/>
-              <a:t>스페이스</a:t>
-            </a:r>
-          </a:p>
-        </p:txBody>
-      </p:sp>
-      <p:pic>
-        <p:nvPicPr>
-          <p:cNvPr id="6" name="그림 5">
-            <a:extLst>
-              <a:ext uri="{FF2B5EF4-FFF2-40B4-BE49-F238E27FC236}">
-                <a16:creationId xmlns:a16="http://schemas.microsoft.com/office/drawing/2014/main" id="{A58EE2DC-B136-A741-A974-5260630415B6}"/>
-              </a:ext>
-            </a:extLst>
-          </p:cNvPr>
-          <p:cNvPicPr>
-            <a:picLocks noChangeAspect="1"/>
-          </p:cNvPicPr>
-          <p:nvPr/>
-        </p:nvPicPr>
-        <p:blipFill>
-          <a:blip r:embed="rId2"/>
-          <a:stretch>
-            <a:fillRect/>
-          </a:stretch>
-        </p:blipFill>
-        <p:spPr>
-          <a:xfrm>
-            <a:off x="157018" y="2793486"/>
-            <a:ext cx="12192000" cy="4522227"/>
-          </a:xfrm>
-          <a:prstGeom prst="rect">
-            <a:avLst/>
-          </a:prstGeom>
-        </p:spPr>
-      </p:pic>
-      <p:sp>
-        <p:nvSpPr>
-          <p:cNvPr id="8" name="직사각형 7">
-            <a:extLst>
-              <a:ext uri="{FF2B5EF4-FFF2-40B4-BE49-F238E27FC236}">
-                <a16:creationId xmlns:a16="http://schemas.microsoft.com/office/drawing/2014/main" id="{D18393D4-16C8-2236-9241-9F26A1163D8B}"/>
-              </a:ext>
-            </a:extLst>
-          </p:cNvPr>
-          <p:cNvSpPr/>
-          <p:nvPr/>
-        </p:nvSpPr>
-        <p:spPr>
-          <a:xfrm>
-            <a:off x="434109" y="2282653"/>
-            <a:ext cx="11323782" cy="699654"/>
-          </a:xfrm>
-          <a:prstGeom prst="rect">
-            <a:avLst/>
-          </a:prstGeom>
-        </p:spPr>
-        <p:style>
-          <a:lnRef idx="2">
-            <a:schemeClr val="accent1">
-              <a:shade val="15000"/>
-            </a:schemeClr>
-          </a:lnRef>
-          <a:fillRef idx="1">
-            <a:schemeClr val="accent1"/>
-          </a:fillRef>
-          <a:effectRef idx="0">
-            <a:schemeClr val="accent1"/>
-          </a:effectRef>
-          <a:fontRef idx="minor">
-            <a:schemeClr val="lt1"/>
-          </a:fontRef>
-        </p:style>
-        <p:txBody>
-          <a:bodyPr rtlCol="0" anchor="ctr"/>
-          <a:lstStyle/>
-          <a:p>
-            <a:pPr algn="ctr"/>
-            <a:r>
-              <a:rPr lang="ko-KR" altLang="en-US" dirty="0"/>
-              <a:t>적절한 앞부분 까지만 치고 컨트롤 스페이스를 누르면 추가적으로 내가 </a:t>
-            </a:r>
-            <a:r>
-              <a:rPr lang="ko-KR" altLang="en-US" dirty="0" err="1"/>
-              <a:t>친부분까지와</a:t>
-            </a:r>
-            <a:r>
-              <a:rPr lang="ko-KR" altLang="en-US" dirty="0"/>
-              <a:t> </a:t>
-            </a:r>
-            <a:r>
-              <a:rPr lang="ko-KR" altLang="en-US" dirty="0" err="1"/>
-              <a:t>연관있는</a:t>
-            </a:r>
-            <a:endParaRPr lang="en-US" altLang="ko-KR" dirty="0"/>
-          </a:p>
-          <a:p>
-            <a:pPr algn="ctr"/>
-            <a:r>
-              <a:rPr lang="ko-KR" altLang="en-US" dirty="0"/>
-              <a:t>명령어들만 </a:t>
-            </a:r>
-            <a:r>
-              <a:rPr lang="ko-KR" altLang="en-US" dirty="0" err="1"/>
-              <a:t>뜨게된다</a:t>
-            </a:r>
-            <a:r>
-              <a:rPr lang="en-US" altLang="ko-KR" dirty="0"/>
-              <a:t>.</a:t>
-            </a:r>
-            <a:endParaRPr lang="ko-KR" altLang="en-US" dirty="0"/>
-          </a:p>
-        </p:txBody>
-      </p:sp>
-    </p:spTree>
-    <p:extLst>
-      <p:ext uri="{BB962C8B-B14F-4D97-AF65-F5344CB8AC3E}">
-        <p14:creationId xmlns:p14="http://schemas.microsoft.com/office/powerpoint/2010/main" val="3492691362"/>
-      </p:ext>
-    </p:extLst>
-  </p:cSld>
-  <p:clrMapOvr>
-    <a:masterClrMapping/>
-  </p:clrMapOvr>
-</p:sld>
-</file>
-
-<file path=ppt/slides/slide30.xml><?xml version="1.0" encoding="utf-8"?>
+<file path=ppt/slides/slide31.xml><?xml version="1.0" encoding="utf-8"?>
 <p:sld xmlns:a="http://schemas.openxmlformats.org/drawingml/2006/main" xmlns:r="http://schemas.openxmlformats.org/officeDocument/2006/relationships" xmlns:p="http://schemas.openxmlformats.org/presentationml/2006/main">
   <p:cSld>
     <p:spTree>
@@ -6747,19 +7309,122 @@
             <a:pPr algn="ctr"/>
             <a:r>
               <a:rPr lang="ko-KR" altLang="en-US" dirty="0"/>
-              <a:t>자동완성 검색창에서 </a:t>
+              <a:t>컨트롤 </a:t>
+            </a:r>
+            <a:r>
+              <a:rPr lang="en-US" altLang="ko-KR" dirty="0"/>
+              <a:t>+ </a:t>
+            </a:r>
+            <a:r>
+              <a:rPr lang="ko-KR" altLang="en-US" dirty="0"/>
+              <a:t>스페이스</a:t>
+            </a:r>
+          </a:p>
+        </p:txBody>
+      </p:sp>
+      <p:pic>
+        <p:nvPicPr>
+          <p:cNvPr id="6" name="그림 5">
+            <a:extLst>
+              <a:ext uri="{FF2B5EF4-FFF2-40B4-BE49-F238E27FC236}">
+                <a16:creationId xmlns:a16="http://schemas.microsoft.com/office/drawing/2014/main" id="{A58EE2DC-B136-A741-A974-5260630415B6}"/>
+              </a:ext>
+            </a:extLst>
+          </p:cNvPr>
+          <p:cNvPicPr>
+            <a:picLocks noChangeAspect="1"/>
+          </p:cNvPicPr>
+          <p:nvPr/>
+        </p:nvPicPr>
+        <p:blipFill>
+          <a:blip r:embed="rId2"/>
+          <a:stretch>
+            <a:fillRect/>
+          </a:stretch>
+        </p:blipFill>
+        <p:spPr>
+          <a:xfrm>
+            <a:off x="157018" y="2793486"/>
+            <a:ext cx="12192000" cy="4522227"/>
+          </a:xfrm>
+          <a:prstGeom prst="rect">
+            <a:avLst/>
+          </a:prstGeom>
+        </p:spPr>
+      </p:pic>
+      <p:sp>
+        <p:nvSpPr>
+          <p:cNvPr id="8" name="직사각형 7">
+            <a:extLst>
+              <a:ext uri="{FF2B5EF4-FFF2-40B4-BE49-F238E27FC236}">
+                <a16:creationId xmlns:a16="http://schemas.microsoft.com/office/drawing/2014/main" id="{D18393D4-16C8-2236-9241-9F26A1163D8B}"/>
+              </a:ext>
+            </a:extLst>
+          </p:cNvPr>
+          <p:cNvSpPr/>
+          <p:nvPr/>
+        </p:nvSpPr>
+        <p:spPr>
+          <a:xfrm>
+            <a:off x="434109" y="2282653"/>
+            <a:ext cx="11323782" cy="699654"/>
+          </a:xfrm>
+          <a:prstGeom prst="rect">
+            <a:avLst/>
+          </a:prstGeom>
+        </p:spPr>
+        <p:style>
+          <a:lnRef idx="2">
+            <a:schemeClr val="accent1">
+              <a:shade val="15000"/>
+            </a:schemeClr>
+          </a:lnRef>
+          <a:fillRef idx="1">
+            <a:schemeClr val="accent1"/>
+          </a:fillRef>
+          <a:effectRef idx="0">
+            <a:schemeClr val="accent1"/>
+          </a:effectRef>
+          <a:fontRef idx="minor">
+            <a:schemeClr val="lt1"/>
+          </a:fontRef>
+        </p:style>
+        <p:txBody>
+          <a:bodyPr rtlCol="0" anchor="ctr"/>
+          <a:lstStyle/>
+          <a:p>
+            <a:pPr algn="ctr"/>
+            <a:r>
+              <a:rPr lang="ko-KR" altLang="en-US" dirty="0"/>
+              <a:t>적절한 앞부분 까지만 치고 컨트롤 스페이스를 누르면 추가적으로 내가 </a:t>
             </a:r>
             <a:r>
               <a:rPr lang="ko-KR" altLang="en-US" dirty="0" err="1"/>
-              <a:t>선택후</a:t>
+              <a:t>친부분까지와</a:t>
             </a:r>
             <a:r>
               <a:rPr lang="ko-KR" altLang="en-US" dirty="0"/>
               <a:t> </a:t>
             </a:r>
             <a:r>
+              <a:rPr lang="ko-KR" altLang="en-US" dirty="0" err="1"/>
+              <a:t>연관있는</a:t>
+            </a:r>
+            <a:endParaRPr lang="en-US" altLang="ko-KR" dirty="0"/>
+          </a:p>
+          <a:p>
+            <a:pPr algn="ctr"/>
+            <a:r>
+              <a:rPr lang="ko-KR" altLang="en-US" dirty="0"/>
+              <a:t>명령어들만 </a:t>
+            </a:r>
+            <a:r>
+              <a:rPr lang="ko-KR" altLang="en-US" dirty="0" err="1"/>
+              <a:t>뜨게된다</a:t>
+            </a:r>
+            <a:r>
               <a:rPr lang="en-US" altLang="ko-KR" dirty="0"/>
-              <a:t>Tab</a:t>
+              <a:t>.</a:t>
             </a:r>
             <a:endParaRPr lang="ko-KR" altLang="en-US" dirty="0"/>
           </a:p>
@@ -6768,7 +7433,7 @@
     </p:spTree>
     <p:extLst>
       <p:ext uri="{BB962C8B-B14F-4D97-AF65-F5344CB8AC3E}">
-        <p14:creationId xmlns:p14="http://schemas.microsoft.com/office/powerpoint/2010/main" val="1855782754"/>
+        <p14:creationId xmlns:p14="http://schemas.microsoft.com/office/powerpoint/2010/main" val="3492691362"/>
       </p:ext>
     </p:extLst>
   </p:cSld>
@@ -6888,53 +7553,28 @@
             <a:pPr algn="ctr"/>
             <a:r>
               <a:rPr lang="ko-KR" altLang="en-US" dirty="0"/>
-              <a:t>컨트롤 </a:t>
+              <a:t>자동완성 검색창에서 </a:t>
+            </a:r>
+            <a:r>
+              <a:rPr lang="ko-KR" altLang="en-US" dirty="0" err="1"/>
+              <a:t>선택후</a:t>
+            </a:r>
+            <a:r>
+              <a:rPr lang="ko-KR" altLang="en-US" dirty="0"/>
+              <a:t> </a:t>
             </a:r>
             <a:r>
               <a:rPr lang="en-US" altLang="ko-KR" dirty="0"/>
-              <a:t>+ </a:t>
-            </a:r>
-            <a:r>
-              <a:rPr lang="ko-KR" altLang="en-US" dirty="0"/>
-              <a:t>스페이스</a:t>
-            </a:r>
-          </a:p>
-        </p:txBody>
-      </p:sp>
-      <p:pic>
-        <p:nvPicPr>
-          <p:cNvPr id="6" name="그림 5">
-            <a:extLst>
-              <a:ext uri="{FF2B5EF4-FFF2-40B4-BE49-F238E27FC236}">
-                <a16:creationId xmlns:a16="http://schemas.microsoft.com/office/drawing/2014/main" id="{A58EE2DC-B136-A741-A974-5260630415B6}"/>
-              </a:ext>
-            </a:extLst>
-          </p:cNvPr>
-          <p:cNvPicPr>
-            <a:picLocks noChangeAspect="1"/>
-          </p:cNvPicPr>
-          <p:nvPr/>
-        </p:nvPicPr>
-        <p:blipFill>
-          <a:blip r:embed="rId2"/>
-          <a:stretch>
-            <a:fillRect/>
-          </a:stretch>
-        </p:blipFill>
-        <p:spPr>
-          <a:xfrm>
-            <a:off x="166255" y="2605179"/>
-            <a:ext cx="12192000" cy="4522227"/>
-          </a:xfrm>
-          <a:prstGeom prst="rect">
-            <a:avLst/>
-          </a:prstGeom>
-        </p:spPr>
-      </p:pic>
+              <a:t>Tab</a:t>
+            </a:r>
+            <a:endParaRPr lang="ko-KR" altLang="en-US" dirty="0"/>
+          </a:p>
+        </p:txBody>
+      </p:sp>
     </p:spTree>
     <p:extLst>
       <p:ext uri="{BB962C8B-B14F-4D97-AF65-F5344CB8AC3E}">
-        <p14:creationId xmlns:p14="http://schemas.microsoft.com/office/powerpoint/2010/main" val="4087832459"/>
+        <p14:creationId xmlns:p14="http://schemas.microsoft.com/office/powerpoint/2010/main" val="1855782754"/>
       </p:ext>
     </p:extLst>
   </p:cSld>
@@ -7005,17 +7645,74 @@
             <a:pPr algn="ctr"/>
             <a:r>
               <a:rPr lang="ko-KR" altLang="en-US" dirty="0"/>
-              <a:t>화면 확대 축소</a:t>
+              <a:t>자동완성</a:t>
+            </a:r>
+          </a:p>
+        </p:txBody>
+      </p:sp>
+      <p:sp>
+        <p:nvSpPr>
+          <p:cNvPr id="5" name="직사각형 4">
+            <a:extLst>
+              <a:ext uri="{FF2B5EF4-FFF2-40B4-BE49-F238E27FC236}">
+                <a16:creationId xmlns:a16="http://schemas.microsoft.com/office/drawing/2014/main" id="{F60C10CE-FF11-5C56-AA8E-A5E0D80CD8C4}"/>
+              </a:ext>
+            </a:extLst>
+          </p:cNvPr>
+          <p:cNvSpPr/>
+          <p:nvPr/>
+        </p:nvSpPr>
+        <p:spPr>
+          <a:xfrm>
+            <a:off x="434109" y="1372871"/>
+            <a:ext cx="11323782" cy="699654"/>
+          </a:xfrm>
+          <a:prstGeom prst="rect">
+            <a:avLst/>
+          </a:prstGeom>
+        </p:spPr>
+        <p:style>
+          <a:lnRef idx="2">
+            <a:schemeClr val="accent1">
+              <a:shade val="15000"/>
+            </a:schemeClr>
+          </a:lnRef>
+          <a:fillRef idx="1">
+            <a:schemeClr val="accent1"/>
+          </a:fillRef>
+          <a:effectRef idx="0">
+            <a:schemeClr val="accent1"/>
+          </a:effectRef>
+          <a:fontRef idx="minor">
+            <a:schemeClr val="lt1"/>
+          </a:fontRef>
+        </p:style>
+        <p:txBody>
+          <a:bodyPr rtlCol="0" anchor="ctr"/>
+          <a:lstStyle/>
+          <a:p>
+            <a:pPr algn="ctr"/>
+            <a:r>
+              <a:rPr lang="ko-KR" altLang="en-US" dirty="0"/>
+              <a:t>컨트롤 </a:t>
+            </a:r>
+            <a:r>
+              <a:rPr lang="en-US" altLang="ko-KR" dirty="0"/>
+              <a:t>+ </a:t>
+            </a:r>
+            <a:r>
+              <a:rPr lang="ko-KR" altLang="en-US" dirty="0"/>
+              <a:t>스페이스</a:t>
             </a:r>
           </a:p>
         </p:txBody>
       </p:sp>
       <p:pic>
         <p:nvPicPr>
-          <p:cNvPr id="4" name="그림 3">
-            <a:extLst>
-              <a:ext uri="{FF2B5EF4-FFF2-40B4-BE49-F238E27FC236}">
-                <a16:creationId xmlns:a16="http://schemas.microsoft.com/office/drawing/2014/main" id="{3AC8F613-DF81-7A95-DDA2-3B0852551F89}"/>
+          <p:cNvPr id="6" name="그림 5">
+            <a:extLst>
+              <a:ext uri="{FF2B5EF4-FFF2-40B4-BE49-F238E27FC236}">
+                <a16:creationId xmlns:a16="http://schemas.microsoft.com/office/drawing/2014/main" id="{A58EE2DC-B136-A741-A974-5260630415B6}"/>
               </a:ext>
             </a:extLst>
           </p:cNvPr>
@@ -7032,95 +7729,8 @@
         </p:blipFill>
         <p:spPr>
           <a:xfrm>
-            <a:off x="434109" y="2216960"/>
-            <a:ext cx="4601217" cy="2867425"/>
-          </a:xfrm>
-          <a:prstGeom prst="rect">
-            <a:avLst/>
-          </a:prstGeom>
-        </p:spPr>
-      </p:pic>
-      <p:sp>
-        <p:nvSpPr>
-          <p:cNvPr id="5" name="직사각형 4">
-            <a:extLst>
-              <a:ext uri="{FF2B5EF4-FFF2-40B4-BE49-F238E27FC236}">
-                <a16:creationId xmlns:a16="http://schemas.microsoft.com/office/drawing/2014/main" id="{F60C10CE-FF11-5C56-AA8E-A5E0D80CD8C4}"/>
-              </a:ext>
-            </a:extLst>
-          </p:cNvPr>
-          <p:cNvSpPr/>
-          <p:nvPr/>
-        </p:nvSpPr>
-        <p:spPr>
-          <a:xfrm>
-            <a:off x="434109" y="1372871"/>
-            <a:ext cx="11323782" cy="699654"/>
-          </a:xfrm>
-          <a:prstGeom prst="rect">
-            <a:avLst/>
-          </a:prstGeom>
-        </p:spPr>
-        <p:style>
-          <a:lnRef idx="2">
-            <a:schemeClr val="accent1">
-              <a:shade val="15000"/>
-            </a:schemeClr>
-          </a:lnRef>
-          <a:fillRef idx="1">
-            <a:schemeClr val="accent1"/>
-          </a:fillRef>
-          <a:effectRef idx="0">
-            <a:schemeClr val="accent1"/>
-          </a:effectRef>
-          <a:fontRef idx="minor">
-            <a:schemeClr val="lt1"/>
-          </a:fontRef>
-        </p:style>
-        <p:txBody>
-          <a:bodyPr rtlCol="0" anchor="ctr"/>
-          <a:lstStyle/>
-          <a:p>
-            <a:pPr algn="ctr"/>
-            <a:r>
-              <a:rPr lang="ko-KR" altLang="en-US" dirty="0"/>
-              <a:t>컨트롤 </a:t>
-            </a:r>
-            <a:r>
-              <a:rPr lang="en-US" altLang="ko-KR" dirty="0"/>
-              <a:t>+ </a:t>
-            </a:r>
-            <a:r>
-              <a:rPr lang="ko-KR" altLang="en-US" dirty="0"/>
-              <a:t>마우스 휠</a:t>
-            </a:r>
-          </a:p>
-        </p:txBody>
-      </p:sp>
-      <p:pic>
-        <p:nvPicPr>
-          <p:cNvPr id="7" name="그림 6">
-            <a:extLst>
-              <a:ext uri="{FF2B5EF4-FFF2-40B4-BE49-F238E27FC236}">
-                <a16:creationId xmlns:a16="http://schemas.microsoft.com/office/drawing/2014/main" id="{6118D628-F90B-28CA-766C-EBF7C9C314A9}"/>
-              </a:ext>
-            </a:extLst>
-          </p:cNvPr>
-          <p:cNvPicPr>
-            <a:picLocks noChangeAspect="1"/>
-          </p:cNvPicPr>
-          <p:nvPr/>
-        </p:nvPicPr>
-        <p:blipFill>
-          <a:blip r:embed="rId3"/>
-          <a:stretch>
-            <a:fillRect/>
-          </a:stretch>
-        </p:blipFill>
-        <p:spPr>
-          <a:xfrm>
-            <a:off x="5442769" y="2245539"/>
-            <a:ext cx="8935697" cy="5677692"/>
+            <a:off x="166255" y="2605179"/>
+            <a:ext cx="12192000" cy="4522227"/>
           </a:xfrm>
           <a:prstGeom prst="rect">
             <a:avLst/>
@@ -7130,7 +7740,7 @@
     </p:spTree>
     <p:extLst>
       <p:ext uri="{BB962C8B-B14F-4D97-AF65-F5344CB8AC3E}">
-        <p14:creationId xmlns:p14="http://schemas.microsoft.com/office/powerpoint/2010/main" val="3696848387"/>
+        <p14:creationId xmlns:p14="http://schemas.microsoft.com/office/powerpoint/2010/main" val="4087832459"/>
       </p:ext>
     </p:extLst>
   </p:cSld>
@@ -7159,10 +7769,10 @@
       </p:grpSpPr>
       <p:sp>
         <p:nvSpPr>
-          <p:cNvPr id="2" name="직사각형 1">
-            <a:extLst>
-              <a:ext uri="{FF2B5EF4-FFF2-40B4-BE49-F238E27FC236}">
-                <a16:creationId xmlns:a16="http://schemas.microsoft.com/office/drawing/2014/main" id="{3139707C-C258-116B-1FC7-1EA17D56B0BE}"/>
+          <p:cNvPr id="3" name="직사각형 2">
+            <a:extLst>
+              <a:ext uri="{FF2B5EF4-FFF2-40B4-BE49-F238E27FC236}">
+                <a16:creationId xmlns:a16="http://schemas.microsoft.com/office/drawing/2014/main" id="{A5840210-0674-BA1E-A813-66127759208E}"/>
               </a:ext>
             </a:extLst>
           </p:cNvPr>
@@ -7201,17 +7811,17 @@
             <a:pPr algn="ctr"/>
             <a:r>
               <a:rPr lang="ko-KR" altLang="en-US" dirty="0"/>
-              <a:t>내부 코드 범위 선택</a:t>
+              <a:t>화면 확대 축소</a:t>
             </a:r>
           </a:p>
         </p:txBody>
       </p:sp>
       <p:pic>
         <p:nvPicPr>
-          <p:cNvPr id="5" name="그림 4">
-            <a:extLst>
-              <a:ext uri="{FF2B5EF4-FFF2-40B4-BE49-F238E27FC236}">
-                <a16:creationId xmlns:a16="http://schemas.microsoft.com/office/drawing/2014/main" id="{460791A4-8D4E-1F0E-8073-FEFA1D33D16A}"/>
+          <p:cNvPr id="4" name="그림 3">
+            <a:extLst>
+              <a:ext uri="{FF2B5EF4-FFF2-40B4-BE49-F238E27FC236}">
+                <a16:creationId xmlns:a16="http://schemas.microsoft.com/office/drawing/2014/main" id="{3AC8F613-DF81-7A95-DDA2-3B0852551F89}"/>
               </a:ext>
             </a:extLst>
           </p:cNvPr>
@@ -7228,8 +7838,8 @@
         </p:blipFill>
         <p:spPr>
           <a:xfrm>
-            <a:off x="1777011" y="2418730"/>
-            <a:ext cx="7954485" cy="4439270"/>
+            <a:off x="434109" y="2216960"/>
+            <a:ext cx="4601217" cy="2867425"/>
           </a:xfrm>
           <a:prstGeom prst="rect">
             <a:avLst/>
@@ -7238,10 +7848,10 @@
       </p:pic>
       <p:sp>
         <p:nvSpPr>
-          <p:cNvPr id="6" name="직사각형 5">
-            <a:extLst>
-              <a:ext uri="{FF2B5EF4-FFF2-40B4-BE49-F238E27FC236}">
-                <a16:creationId xmlns:a16="http://schemas.microsoft.com/office/drawing/2014/main" id="{D96CC236-CBD2-58F7-6E96-5C1E2168D214}"/>
+          <p:cNvPr id="5" name="직사각형 4">
+            <a:extLst>
+              <a:ext uri="{FF2B5EF4-FFF2-40B4-BE49-F238E27FC236}">
+                <a16:creationId xmlns:a16="http://schemas.microsoft.com/office/drawing/2014/main" id="{F60C10CE-FF11-5C56-AA8E-A5E0D80CD8C4}"/>
               </a:ext>
             </a:extLst>
           </p:cNvPr>
@@ -7280,7 +7890,7 @@
             <a:pPr algn="ctr"/>
             <a:r>
               <a:rPr lang="ko-KR" altLang="en-US" dirty="0"/>
-              <a:t>시프트 </a:t>
+              <a:t>컨트롤 </a:t>
             </a:r>
             <a:r>
               <a:rPr lang="en-US" altLang="ko-KR" dirty="0"/>
@@ -7288,15 +7898,45 @@
             </a:r>
             <a:r>
               <a:rPr lang="ko-KR" altLang="en-US" dirty="0"/>
-              <a:t>방향키 위 아래 왼쪽 오른쪽</a:t>
-            </a:r>
-          </a:p>
-        </p:txBody>
-      </p:sp>
+              <a:t>마우스 휠</a:t>
+            </a:r>
+          </a:p>
+        </p:txBody>
+      </p:sp>
+      <p:pic>
+        <p:nvPicPr>
+          <p:cNvPr id="7" name="그림 6">
+            <a:extLst>
+              <a:ext uri="{FF2B5EF4-FFF2-40B4-BE49-F238E27FC236}">
+                <a16:creationId xmlns:a16="http://schemas.microsoft.com/office/drawing/2014/main" id="{6118D628-F90B-28CA-766C-EBF7C9C314A9}"/>
+              </a:ext>
+            </a:extLst>
+          </p:cNvPr>
+          <p:cNvPicPr>
+            <a:picLocks noChangeAspect="1"/>
+          </p:cNvPicPr>
+          <p:nvPr/>
+        </p:nvPicPr>
+        <p:blipFill>
+          <a:blip r:embed="rId3"/>
+          <a:stretch>
+            <a:fillRect/>
+          </a:stretch>
+        </p:blipFill>
+        <p:spPr>
+          <a:xfrm>
+            <a:off x="5442769" y="2245539"/>
+            <a:ext cx="8935697" cy="5677692"/>
+          </a:xfrm>
+          <a:prstGeom prst="rect">
+            <a:avLst/>
+          </a:prstGeom>
+        </p:spPr>
+      </p:pic>
     </p:spTree>
     <p:extLst>
       <p:ext uri="{BB962C8B-B14F-4D97-AF65-F5344CB8AC3E}">
-        <p14:creationId xmlns:p14="http://schemas.microsoft.com/office/powerpoint/2010/main" val="2783297044"/>
+        <p14:creationId xmlns:p14="http://schemas.microsoft.com/office/powerpoint/2010/main" val="3696848387"/>
       </p:ext>
     </p:extLst>
   </p:cSld>
@@ -7366,16 +8006,42 @@
           <a:p>
             <a:pPr algn="ctr"/>
             <a:r>
-              <a:rPr lang="ko-KR" altLang="en-US" dirty="0" err="1"/>
-              <a:t>한줄의</a:t>
-            </a:r>
-            <a:r>
               <a:rPr lang="ko-KR" altLang="en-US" dirty="0"/>
-              <a:t> 끝으로 바로 가기</a:t>
-            </a:r>
-          </a:p>
-        </p:txBody>
-      </p:sp>
+              <a:t>내부 코드 범위 선택</a:t>
+            </a:r>
+          </a:p>
+        </p:txBody>
+      </p:sp>
+      <p:pic>
+        <p:nvPicPr>
+          <p:cNvPr id="5" name="그림 4">
+            <a:extLst>
+              <a:ext uri="{FF2B5EF4-FFF2-40B4-BE49-F238E27FC236}">
+                <a16:creationId xmlns:a16="http://schemas.microsoft.com/office/drawing/2014/main" id="{460791A4-8D4E-1F0E-8073-FEFA1D33D16A}"/>
+              </a:ext>
+            </a:extLst>
+          </p:cNvPr>
+          <p:cNvPicPr>
+            <a:picLocks noChangeAspect="1"/>
+          </p:cNvPicPr>
+          <p:nvPr/>
+        </p:nvPicPr>
+        <p:blipFill>
+          <a:blip r:embed="rId2"/>
+          <a:stretch>
+            <a:fillRect/>
+          </a:stretch>
+        </p:blipFill>
+        <p:spPr>
+          <a:xfrm>
+            <a:off x="1777011" y="2418730"/>
+            <a:ext cx="7954485" cy="4439270"/>
+          </a:xfrm>
+          <a:prstGeom prst="rect">
+            <a:avLst/>
+          </a:prstGeom>
+        </p:spPr>
+      </p:pic>
       <p:sp>
         <p:nvSpPr>
           <p:cNvPr id="6" name="직사각형 5">
@@ -7419,223 +8085,24 @@
           <a:p>
             <a:pPr algn="ctr"/>
             <a:r>
+              <a:rPr lang="ko-KR" altLang="en-US" dirty="0"/>
+              <a:t>시프트 </a:t>
+            </a:r>
+            <a:r>
               <a:rPr lang="en-US" altLang="ko-KR" dirty="0"/>
-              <a:t>End</a:t>
-            </a:r>
-            <a:endParaRPr lang="ko-KR" altLang="en-US" dirty="0"/>
-          </a:p>
-        </p:txBody>
-      </p:sp>
-      <p:sp>
-        <p:nvSpPr>
-          <p:cNvPr id="3" name="직사각형 2">
-            <a:extLst>
-              <a:ext uri="{FF2B5EF4-FFF2-40B4-BE49-F238E27FC236}">
-                <a16:creationId xmlns:a16="http://schemas.microsoft.com/office/drawing/2014/main" id="{0439CBCA-44E7-1624-A20E-592651603701}"/>
-              </a:ext>
-            </a:extLst>
-          </p:cNvPr>
-          <p:cNvSpPr/>
-          <p:nvPr/>
-        </p:nvSpPr>
-        <p:spPr>
-          <a:xfrm>
-            <a:off x="434109" y="2487931"/>
-            <a:ext cx="11323782" cy="699654"/>
-          </a:xfrm>
-          <a:prstGeom prst="rect">
-            <a:avLst/>
-          </a:prstGeom>
-        </p:spPr>
-        <p:style>
-          <a:lnRef idx="2">
-            <a:schemeClr val="accent1">
-              <a:shade val="15000"/>
-            </a:schemeClr>
-          </a:lnRef>
-          <a:fillRef idx="1">
-            <a:schemeClr val="accent1"/>
-          </a:fillRef>
-          <a:effectRef idx="0">
-            <a:schemeClr val="accent1"/>
-          </a:effectRef>
-          <a:fontRef idx="minor">
-            <a:schemeClr val="lt1"/>
-          </a:fontRef>
-        </p:style>
-        <p:txBody>
-          <a:bodyPr rtlCol="0" anchor="ctr"/>
-          <a:lstStyle/>
-          <a:p>
-            <a:pPr algn="ctr"/>
-            <a:r>
-              <a:rPr lang="ko-KR" altLang="en-US" dirty="0" err="1"/>
-              <a:t>한줄의</a:t>
-            </a:r>
-            <a:r>
-              <a:rPr lang="en-US" altLang="ko-KR" dirty="0"/>
-              <a:t> </a:t>
+              <a:t>+ </a:t>
             </a:r>
             <a:r>
               <a:rPr lang="ko-KR" altLang="en-US" dirty="0"/>
-              <a:t>가장 앞으로 가기</a:t>
-            </a:r>
-          </a:p>
-        </p:txBody>
-      </p:sp>
-      <p:sp>
-        <p:nvSpPr>
-          <p:cNvPr id="4" name="직사각형 3">
-            <a:extLst>
-              <a:ext uri="{FF2B5EF4-FFF2-40B4-BE49-F238E27FC236}">
-                <a16:creationId xmlns:a16="http://schemas.microsoft.com/office/drawing/2014/main" id="{DADC1E04-2714-0396-A2AF-1B6F2A75715F}"/>
-              </a:ext>
-            </a:extLst>
-          </p:cNvPr>
-          <p:cNvSpPr/>
-          <p:nvPr/>
-        </p:nvSpPr>
-        <p:spPr>
-          <a:xfrm>
-            <a:off x="434109" y="3332020"/>
-            <a:ext cx="11323782" cy="699654"/>
-          </a:xfrm>
-          <a:prstGeom prst="rect">
-            <a:avLst/>
-          </a:prstGeom>
-        </p:spPr>
-        <p:style>
-          <a:lnRef idx="2">
-            <a:schemeClr val="accent1">
-              <a:shade val="15000"/>
-            </a:schemeClr>
-          </a:lnRef>
-          <a:fillRef idx="1">
-            <a:schemeClr val="accent1"/>
-          </a:fillRef>
-          <a:effectRef idx="0">
-            <a:schemeClr val="accent1"/>
-          </a:effectRef>
-          <a:fontRef idx="minor">
-            <a:schemeClr val="lt1"/>
-          </a:fontRef>
-        </p:style>
-        <p:txBody>
-          <a:bodyPr rtlCol="0" anchor="ctr"/>
-          <a:lstStyle/>
-          <a:p>
-            <a:pPr algn="ctr"/>
-            <a:r>
-              <a:rPr lang="en-US" altLang="ko-KR" dirty="0"/>
-              <a:t>Home</a:t>
-            </a:r>
-            <a:endParaRPr lang="ko-KR" altLang="en-US" dirty="0"/>
-          </a:p>
-        </p:txBody>
-      </p:sp>
-      <p:sp>
-        <p:nvSpPr>
-          <p:cNvPr id="7" name="직사각형 6">
-            <a:extLst>
-              <a:ext uri="{FF2B5EF4-FFF2-40B4-BE49-F238E27FC236}">
-                <a16:creationId xmlns:a16="http://schemas.microsoft.com/office/drawing/2014/main" id="{4B1CC37A-BE49-3CE9-7CD7-AE443824CA4B}"/>
-              </a:ext>
-            </a:extLst>
-          </p:cNvPr>
-          <p:cNvSpPr/>
-          <p:nvPr/>
-        </p:nvSpPr>
-        <p:spPr>
-          <a:xfrm>
-            <a:off x="434109" y="4291213"/>
-            <a:ext cx="11323782" cy="699654"/>
-          </a:xfrm>
-          <a:prstGeom prst="rect">
-            <a:avLst/>
-          </a:prstGeom>
-        </p:spPr>
-        <p:style>
-          <a:lnRef idx="2">
-            <a:schemeClr val="accent1">
-              <a:shade val="15000"/>
-            </a:schemeClr>
-          </a:lnRef>
-          <a:fillRef idx="1">
-            <a:schemeClr val="accent1"/>
-          </a:fillRef>
-          <a:effectRef idx="0">
-            <a:schemeClr val="accent1"/>
-          </a:effectRef>
-          <a:fontRef idx="minor">
-            <a:schemeClr val="lt1"/>
-          </a:fontRef>
-        </p:style>
-        <p:txBody>
-          <a:bodyPr rtlCol="0" anchor="ctr"/>
-          <a:lstStyle/>
-          <a:p>
-            <a:pPr algn="ctr"/>
-            <a:r>
-              <a:rPr lang="ko-KR" altLang="en-US" dirty="0"/>
-              <a:t>한페이지 아래위로 이동하기</a:t>
-            </a:r>
-          </a:p>
-        </p:txBody>
-      </p:sp>
-      <p:sp>
-        <p:nvSpPr>
-          <p:cNvPr id="8" name="직사각형 7">
-            <a:extLst>
-              <a:ext uri="{FF2B5EF4-FFF2-40B4-BE49-F238E27FC236}">
-                <a16:creationId xmlns:a16="http://schemas.microsoft.com/office/drawing/2014/main" id="{EBAB0A4D-06D3-E087-A6F9-81FBD6FCE4D2}"/>
-              </a:ext>
-            </a:extLst>
-          </p:cNvPr>
-          <p:cNvSpPr/>
-          <p:nvPr/>
-        </p:nvSpPr>
-        <p:spPr>
-          <a:xfrm>
-            <a:off x="434109" y="5135302"/>
-            <a:ext cx="11323782" cy="699654"/>
-          </a:xfrm>
-          <a:prstGeom prst="rect">
-            <a:avLst/>
-          </a:prstGeom>
-        </p:spPr>
-        <p:style>
-          <a:lnRef idx="2">
-            <a:schemeClr val="accent1">
-              <a:shade val="15000"/>
-            </a:schemeClr>
-          </a:lnRef>
-          <a:fillRef idx="1">
-            <a:schemeClr val="accent1"/>
-          </a:fillRef>
-          <a:effectRef idx="0">
-            <a:schemeClr val="accent1"/>
-          </a:effectRef>
-          <a:fontRef idx="minor">
-            <a:schemeClr val="lt1"/>
-          </a:fontRef>
-        </p:style>
-        <p:txBody>
-          <a:bodyPr rtlCol="0" anchor="ctr"/>
-          <a:lstStyle/>
-          <a:p>
-            <a:pPr algn="ctr"/>
-            <a:r>
-              <a:rPr lang="en-US" altLang="ko-KR" dirty="0"/>
-              <a:t>Page Up Page Down</a:t>
-            </a:r>
-            <a:endParaRPr lang="ko-KR" altLang="en-US" dirty="0"/>
+              <a:t>방향키 위 아래 왼쪽 오른쪽</a:t>
+            </a:r>
           </a:p>
         </p:txBody>
       </p:sp>
     </p:spTree>
     <p:extLst>
       <p:ext uri="{BB962C8B-B14F-4D97-AF65-F5344CB8AC3E}">
-        <p14:creationId xmlns:p14="http://schemas.microsoft.com/office/powerpoint/2010/main" val="939447541"/>
+        <p14:creationId xmlns:p14="http://schemas.microsoft.com/office/powerpoint/2010/main" val="2783297044"/>
       </p:ext>
     </p:extLst>
   </p:cSld>
@@ -7664,10 +8131,10 @@
       </p:grpSpPr>
       <p:sp>
         <p:nvSpPr>
-          <p:cNvPr id="6" name="직사각형 5">
-            <a:extLst>
-              <a:ext uri="{FF2B5EF4-FFF2-40B4-BE49-F238E27FC236}">
-                <a16:creationId xmlns:a16="http://schemas.microsoft.com/office/drawing/2014/main" id="{73072FA9-A79C-D7C6-4398-8DC55E90AAE8}"/>
+          <p:cNvPr id="2" name="직사각형 1">
+            <a:extLst>
+              <a:ext uri="{FF2B5EF4-FFF2-40B4-BE49-F238E27FC236}">
+                <a16:creationId xmlns:a16="http://schemas.microsoft.com/office/drawing/2014/main" id="{3139707C-C258-116B-1FC7-1EA17D56B0BE}"/>
               </a:ext>
             </a:extLst>
           </p:cNvPr>
@@ -7676,8 +8143,8 @@
         </p:nvSpPr>
         <p:spPr>
           <a:xfrm>
-            <a:off x="170429" y="301671"/>
-            <a:ext cx="2314864" cy="699654"/>
+            <a:off x="434109" y="528782"/>
+            <a:ext cx="11323782" cy="699654"/>
           </a:xfrm>
           <a:prstGeom prst="rect">
             <a:avLst/>
@@ -7705,19 +8172,22 @@
           <a:p>
             <a:pPr algn="ctr"/>
             <a:r>
+              <a:rPr lang="ko-KR" altLang="en-US" dirty="0" err="1"/>
+              <a:t>한줄의</a:t>
+            </a:r>
+            <a:r>
               <a:rPr lang="ko-KR" altLang="en-US" dirty="0"/>
-              <a:t>코드 위치 이동</a:t>
-            </a:r>
-            <a:endParaRPr lang="en-US" altLang="ko-KR" dirty="0"/>
-          </a:p>
-        </p:txBody>
-      </p:sp>
-      <p:sp>
-        <p:nvSpPr>
-          <p:cNvPr id="7" name="직사각형 6">
-            <a:extLst>
-              <a:ext uri="{FF2B5EF4-FFF2-40B4-BE49-F238E27FC236}">
-                <a16:creationId xmlns:a16="http://schemas.microsoft.com/office/drawing/2014/main" id="{F5E5B135-BF68-AEE4-F5F5-1CA77566A2A2}"/>
+              <a:t> 끝으로 바로 가기</a:t>
+            </a:r>
+          </a:p>
+        </p:txBody>
+      </p:sp>
+      <p:sp>
+        <p:nvSpPr>
+          <p:cNvPr id="6" name="직사각형 5">
+            <a:extLst>
+              <a:ext uri="{FF2B5EF4-FFF2-40B4-BE49-F238E27FC236}">
+                <a16:creationId xmlns:a16="http://schemas.microsoft.com/office/drawing/2014/main" id="{D96CC236-CBD2-58F7-6E96-5C1E2168D214}"/>
               </a:ext>
             </a:extLst>
           </p:cNvPr>
@@ -7726,8 +8196,8 @@
         </p:nvSpPr>
         <p:spPr>
           <a:xfrm>
-            <a:off x="2678099" y="301671"/>
-            <a:ext cx="3913909" cy="699654"/>
+            <a:off x="434109" y="1372871"/>
+            <a:ext cx="11323782" cy="699654"/>
           </a:xfrm>
           <a:prstGeom prst="rect">
             <a:avLst/>
@@ -7755,69 +8225,19 @@
           <a:p>
             <a:pPr algn="ctr"/>
             <a:r>
-              <a:rPr lang="ko-KR" altLang="en-US" dirty="0"/>
-              <a:t>범위 잡고 </a:t>
-            </a:r>
-            <a:r>
               <a:rPr lang="en-US" altLang="ko-KR" dirty="0"/>
-              <a:t>alt + </a:t>
-            </a:r>
-            <a:r>
-              <a:rPr lang="ko-KR" altLang="en-US" dirty="0"/>
-              <a:t>방향키</a:t>
-            </a:r>
-            <a:endParaRPr lang="en-US" altLang="ko-KR" dirty="0"/>
-          </a:p>
-          <a:p>
-            <a:pPr algn="ctr"/>
-            <a:r>
-              <a:rPr lang="ko-KR" altLang="en-US" dirty="0"/>
-              <a:t>보통 위나 아래로 이동한다</a:t>
-            </a:r>
-            <a:r>
-              <a:rPr lang="en-US" altLang="ko-KR" dirty="0"/>
-              <a:t>.</a:t>
+              <a:t>End</a:t>
             </a:r>
             <a:endParaRPr lang="ko-KR" altLang="en-US" dirty="0"/>
           </a:p>
         </p:txBody>
       </p:sp>
-      <p:pic>
-        <p:nvPicPr>
-          <p:cNvPr id="9" name="그림 8">
-            <a:extLst>
-              <a:ext uri="{FF2B5EF4-FFF2-40B4-BE49-F238E27FC236}">
-                <a16:creationId xmlns:a16="http://schemas.microsoft.com/office/drawing/2014/main" id="{C35D71B0-06AB-1FC3-FCB8-4E1816F9C8E1}"/>
-              </a:ext>
-            </a:extLst>
-          </p:cNvPr>
-          <p:cNvPicPr>
-            <a:picLocks noChangeAspect="1"/>
-          </p:cNvPicPr>
-          <p:nvPr/>
-        </p:nvPicPr>
-        <p:blipFill>
-          <a:blip r:embed="rId2"/>
-          <a:stretch>
-            <a:fillRect/>
-          </a:stretch>
-        </p:blipFill>
-        <p:spPr>
-          <a:xfrm>
-            <a:off x="560645" y="2738918"/>
-            <a:ext cx="4401164" cy="3467584"/>
-          </a:xfrm>
-          <a:prstGeom prst="rect">
-            <a:avLst/>
-          </a:prstGeom>
-        </p:spPr>
-      </p:pic>
-      <p:sp>
-        <p:nvSpPr>
-          <p:cNvPr id="10" name="직사각형 9">
-            <a:extLst>
-              <a:ext uri="{FF2B5EF4-FFF2-40B4-BE49-F238E27FC236}">
-                <a16:creationId xmlns:a16="http://schemas.microsoft.com/office/drawing/2014/main" id="{2280AE44-AF2D-7BE7-0AAF-38B32EEA4650}"/>
+      <p:sp>
+        <p:nvSpPr>
+          <p:cNvPr id="3" name="직사각형 2">
+            <a:extLst>
+              <a:ext uri="{FF2B5EF4-FFF2-40B4-BE49-F238E27FC236}">
+                <a16:creationId xmlns:a16="http://schemas.microsoft.com/office/drawing/2014/main" id="{0439CBCA-44E7-1624-A20E-592651603701}"/>
               </a:ext>
             </a:extLst>
           </p:cNvPr>
@@ -7826,8 +8246,8 @@
         </p:nvSpPr>
         <p:spPr>
           <a:xfrm>
-            <a:off x="170429" y="1170467"/>
-            <a:ext cx="2314864" cy="699654"/>
+            <a:off x="434109" y="2487931"/>
+            <a:ext cx="11323782" cy="699654"/>
           </a:xfrm>
           <a:prstGeom prst="rect">
             <a:avLst/>
@@ -7855,19 +8275,26 @@
           <a:p>
             <a:pPr algn="ctr"/>
             <a:r>
+              <a:rPr lang="ko-KR" altLang="en-US" dirty="0" err="1"/>
+              <a:t>한줄의</a:t>
+            </a:r>
+            <a:r>
+              <a:rPr lang="en-US" altLang="ko-KR" dirty="0"/>
+              <a:t> </a:t>
+            </a:r>
+            <a:r>
               <a:rPr lang="ko-KR" altLang="en-US" dirty="0"/>
-              <a:t>행 범위 선택</a:t>
-            </a:r>
-            <a:endParaRPr lang="en-US" altLang="ko-KR" dirty="0"/>
-          </a:p>
-        </p:txBody>
-      </p:sp>
-      <p:sp>
-        <p:nvSpPr>
-          <p:cNvPr id="11" name="직사각형 10">
-            <a:extLst>
-              <a:ext uri="{FF2B5EF4-FFF2-40B4-BE49-F238E27FC236}">
-                <a16:creationId xmlns:a16="http://schemas.microsoft.com/office/drawing/2014/main" id="{78375A96-F974-5C38-969B-7F198F424F1B}"/>
+              <a:t>가장 앞으로 가기</a:t>
+            </a:r>
+          </a:p>
+        </p:txBody>
+      </p:sp>
+      <p:sp>
+        <p:nvSpPr>
+          <p:cNvPr id="4" name="직사각형 3">
+            <a:extLst>
+              <a:ext uri="{FF2B5EF4-FFF2-40B4-BE49-F238E27FC236}">
+                <a16:creationId xmlns:a16="http://schemas.microsoft.com/office/drawing/2014/main" id="{DADC1E04-2714-0396-A2AF-1B6F2A75715F}"/>
               </a:ext>
             </a:extLst>
           </p:cNvPr>
@@ -7876,8 +8303,8 @@
         </p:nvSpPr>
         <p:spPr>
           <a:xfrm>
-            <a:off x="2678099" y="1170467"/>
-            <a:ext cx="3913909" cy="699654"/>
+            <a:off x="434109" y="3332020"/>
+            <a:ext cx="11323782" cy="699654"/>
           </a:xfrm>
           <a:prstGeom prst="rect">
             <a:avLst/>
@@ -7906,49 +8333,18 @@
             <a:pPr algn="ctr"/>
             <a:r>
               <a:rPr lang="en-US" altLang="ko-KR" dirty="0"/>
-              <a:t>Alt + </a:t>
-            </a:r>
-            <a:r>
-              <a:rPr lang="ko-KR" altLang="en-US" dirty="0"/>
-              <a:t>시프트 </a:t>
-            </a:r>
-            <a:r>
-              <a:rPr lang="en-US" altLang="ko-KR" dirty="0"/>
-              <a:t>+ </a:t>
-            </a:r>
-            <a:r>
-              <a:rPr lang="ko-KR" altLang="en-US" dirty="0" err="1"/>
-              <a:t>마우스드래그</a:t>
-            </a:r>
-            <a:endParaRPr lang="en-US" altLang="ko-KR" dirty="0"/>
-          </a:p>
-          <a:p>
-            <a:pPr algn="ctr"/>
-            <a:r>
-              <a:rPr lang="en-US" altLang="ko-KR" dirty="0"/>
-              <a:t>Alt + </a:t>
-            </a:r>
-            <a:r>
-              <a:rPr lang="ko-KR" altLang="en-US" dirty="0"/>
-              <a:t>시프트 </a:t>
-            </a:r>
-            <a:r>
-              <a:rPr lang="en-US" altLang="ko-KR" dirty="0"/>
-              <a:t>+ </a:t>
-            </a:r>
-            <a:r>
-              <a:rPr lang="ko-KR" altLang="en-US" dirty="0"/>
-              <a:t>방향키</a:t>
-            </a:r>
-          </a:p>
-        </p:txBody>
-      </p:sp>
-      <p:sp>
-        <p:nvSpPr>
-          <p:cNvPr id="12" name="직사각형 11">
-            <a:extLst>
-              <a:ext uri="{FF2B5EF4-FFF2-40B4-BE49-F238E27FC236}">
-                <a16:creationId xmlns:a16="http://schemas.microsoft.com/office/drawing/2014/main" id="{84783EEF-D902-B7A2-987D-6790D901CF77}"/>
+              <a:t>Home</a:t>
+            </a:r>
+            <a:endParaRPr lang="ko-KR" altLang="en-US" dirty="0"/>
+          </a:p>
+        </p:txBody>
+      </p:sp>
+      <p:sp>
+        <p:nvSpPr>
+          <p:cNvPr id="7" name="직사각형 6">
+            <a:extLst>
+              <a:ext uri="{FF2B5EF4-FFF2-40B4-BE49-F238E27FC236}">
+                <a16:creationId xmlns:a16="http://schemas.microsoft.com/office/drawing/2014/main" id="{4B1CC37A-BE49-3CE9-7CD7-AE443824CA4B}"/>
               </a:ext>
             </a:extLst>
           </p:cNvPr>
@@ -7957,8 +8353,8 @@
         </p:nvSpPr>
         <p:spPr>
           <a:xfrm>
-            <a:off x="6889883" y="279781"/>
-            <a:ext cx="2314864" cy="699654"/>
+            <a:off x="434109" y="4291213"/>
+            <a:ext cx="11323782" cy="699654"/>
           </a:xfrm>
           <a:prstGeom prst="rect">
             <a:avLst/>
@@ -7987,18 +8383,17 @@
             <a:pPr algn="ctr"/>
             <a:r>
               <a:rPr lang="ko-KR" altLang="en-US" dirty="0"/>
-              <a:t>구문단위 이동</a:t>
-            </a:r>
-            <a:endParaRPr lang="en-US" altLang="ko-KR" dirty="0"/>
-          </a:p>
-        </p:txBody>
-      </p:sp>
-      <p:sp>
-        <p:nvSpPr>
-          <p:cNvPr id="13" name="직사각형 12">
-            <a:extLst>
-              <a:ext uri="{FF2B5EF4-FFF2-40B4-BE49-F238E27FC236}">
-                <a16:creationId xmlns:a16="http://schemas.microsoft.com/office/drawing/2014/main" id="{50D49181-F269-ADB5-FE90-E604E5D8A19F}"/>
+              <a:t>한페이지 아래위로 이동하기</a:t>
+            </a:r>
+          </a:p>
+        </p:txBody>
+      </p:sp>
+      <p:sp>
+        <p:nvSpPr>
+          <p:cNvPr id="8" name="직사각형 7">
+            <a:extLst>
+              <a:ext uri="{FF2B5EF4-FFF2-40B4-BE49-F238E27FC236}">
+                <a16:creationId xmlns:a16="http://schemas.microsoft.com/office/drawing/2014/main" id="{EBAB0A4D-06D3-E087-A6F9-81FBD6FCE4D2}"/>
               </a:ext>
             </a:extLst>
           </p:cNvPr>
@@ -8007,8 +8402,8 @@
         </p:nvSpPr>
         <p:spPr>
           <a:xfrm>
-            <a:off x="9397553" y="279781"/>
-            <a:ext cx="3913909" cy="699654"/>
+            <a:off x="434109" y="5135302"/>
+            <a:ext cx="11323782" cy="699654"/>
           </a:xfrm>
           <a:prstGeom prst="rect">
             <a:avLst/>
@@ -8036,16 +8431,8 @@
           <a:p>
             <a:pPr algn="ctr"/>
             <a:r>
-              <a:rPr lang="ko-KR" altLang="en-US" dirty="0"/>
-              <a:t>컨트롤 </a:t>
-            </a:r>
-            <a:r>
               <a:rPr lang="en-US" altLang="ko-KR" dirty="0"/>
-              <a:t>+ </a:t>
-            </a:r>
-            <a:r>
-              <a:rPr lang="ko-KR" altLang="en-US"/>
-              <a:t>방향키</a:t>
+              <a:t>Page Up Page Down</a:t>
             </a:r>
             <a:endParaRPr lang="ko-KR" altLang="en-US" dirty="0"/>
           </a:p>
@@ -8054,7 +8441,7 @@
     </p:spTree>
     <p:extLst>
       <p:ext uri="{BB962C8B-B14F-4D97-AF65-F5344CB8AC3E}">
-        <p14:creationId xmlns:p14="http://schemas.microsoft.com/office/powerpoint/2010/main" val="2541269369"/>
+        <p14:creationId xmlns:p14="http://schemas.microsoft.com/office/powerpoint/2010/main" val="939447541"/>
       </p:ext>
     </p:extLst>
   </p:cSld>
